--- a/Prefetch Procrastinator Final Presentation.pptx
+++ b/Prefetch Procrastinator Final Presentation.pptx
@@ -5,20 +5,30 @@
     <p:sldMasterId id="2147483648" r:id="rId1"/>
   </p:sldMasterIdLst>
   <p:notesMasterIdLst>
-    <p:notesMasterId r:id="rId13"/>
+    <p:notesMasterId r:id="rId23"/>
   </p:notesMasterIdLst>
   <p:sldIdLst>
     <p:sldId id="256" r:id="rId2"/>
     <p:sldId id="257" r:id="rId3"/>
-    <p:sldId id="258" r:id="rId4"/>
-    <p:sldId id="259" r:id="rId5"/>
-    <p:sldId id="260" r:id="rId6"/>
-    <p:sldId id="261" r:id="rId7"/>
-    <p:sldId id="262" r:id="rId8"/>
-    <p:sldId id="263" r:id="rId9"/>
-    <p:sldId id="264" r:id="rId10"/>
-    <p:sldId id="265" r:id="rId11"/>
-    <p:sldId id="266" r:id="rId12"/>
+    <p:sldId id="272" r:id="rId4"/>
+    <p:sldId id="271" r:id="rId5"/>
+    <p:sldId id="273" r:id="rId6"/>
+    <p:sldId id="275" r:id="rId7"/>
+    <p:sldId id="276" r:id="rId8"/>
+    <p:sldId id="277" r:id="rId9"/>
+    <p:sldId id="258" r:id="rId10"/>
+    <p:sldId id="259" r:id="rId11"/>
+    <p:sldId id="260" r:id="rId12"/>
+    <p:sldId id="261" r:id="rId13"/>
+    <p:sldId id="262" r:id="rId14"/>
+    <p:sldId id="263" r:id="rId15"/>
+    <p:sldId id="264" r:id="rId16"/>
+    <p:sldId id="268" r:id="rId17"/>
+    <p:sldId id="265" r:id="rId18"/>
+    <p:sldId id="267" r:id="rId19"/>
+    <p:sldId id="269" r:id="rId20"/>
+    <p:sldId id="270" r:id="rId21"/>
+    <p:sldId id="266" r:id="rId22"/>
   </p:sldIdLst>
   <p:sldSz cx="12192000" cy="6858000"/>
   <p:notesSz cx="6858000" cy="9144000"/>
@@ -117,6 +127,11 @@
       </a:defRPr>
     </a:lvl9pPr>
   </p:defaultTextStyle>
+  <p:extLst>
+    <p:ext uri="{EFAFB233-063F-42B5-8137-9DF3F51BA10A}">
+      <p15:sldGuideLst xmlns:p15="http://schemas.microsoft.com/office/powerpoint/2012/main"/>
+    </p:ext>
+  </p:extLst>
 </p:presentation>
 </file>
 
@@ -8069,813 +8084,6 @@
           <a:p>
             <a:r>
               <a:rPr lang="en-US" dirty="0"/>
-              <a:t>Evaluation</a:t>
-            </a:r>
-          </a:p>
-        </p:txBody>
-      </p:sp>
-      <p:sp>
-        <p:nvSpPr>
-          <p:cNvPr id="3" name="Content Placeholder 2"/>
-          <p:cNvSpPr>
-            <a:spLocks noGrp="1"/>
-          </p:cNvSpPr>
-          <p:nvPr>
-            <p:ph idx="1"/>
-          </p:nvPr>
-        </p:nvSpPr>
-        <p:spPr>
-          <a:xfrm>
-            <a:off x="2589212" y="1628077"/>
-            <a:ext cx="8915400" cy="4720683"/>
-          </a:xfrm>
-        </p:spPr>
-        <p:txBody>
-          <a:bodyPr/>
-          <a:lstStyle/>
-          <a:p>
-            <a:r>
-              <a:rPr lang="en-US" dirty="0"/>
-              <a:t>How many users?</a:t>
-            </a:r>
-          </a:p>
-          <a:p>
-            <a:r>
-              <a:rPr lang="en-US" dirty="0"/>
-              <a:t>Days?</a:t>
-            </a:r>
-          </a:p>
-          <a:p>
-            <a:r>
-              <a:rPr lang="en-US" dirty="0"/>
-              <a:t>What all things were tracked? </a:t>
-            </a:r>
-          </a:p>
-          <a:p>
-            <a:r>
-              <a:rPr lang="en-US" dirty="0"/>
-              <a:t>Graphs and Charts</a:t>
-            </a:r>
-          </a:p>
-          <a:p>
-            <a:endParaRPr lang="en-US" dirty="0"/>
-          </a:p>
-        </p:txBody>
-      </p:sp>
-    </p:spTree>
-    <p:extLst>
-      <p:ext uri="{BB962C8B-B14F-4D97-AF65-F5344CB8AC3E}">
-        <p14:creationId xmlns:p14="http://schemas.microsoft.com/office/powerpoint/2010/main" val="437405614"/>
-      </p:ext>
-    </p:extLst>
-  </p:cSld>
-  <p:clrMapOvr>
-    <a:masterClrMapping/>
-  </p:clrMapOvr>
-</p:sld>
-</file>
-
-<file path=ppt/slides/slide11.xml><?xml version="1.0" encoding="utf-8"?>
-<p:sld xmlns:a="http://schemas.openxmlformats.org/drawingml/2006/main" xmlns:r="http://schemas.openxmlformats.org/officeDocument/2006/relationships" xmlns:p="http://schemas.openxmlformats.org/presentationml/2006/main">
-  <p:cSld>
-    <p:spTree>
-      <p:nvGrpSpPr>
-        <p:cNvPr id="1" name=""/>
-        <p:cNvGrpSpPr/>
-        <p:nvPr/>
-      </p:nvGrpSpPr>
-      <p:grpSpPr>
-        <a:xfrm>
-          <a:off x="0" y="0"/>
-          <a:ext cx="0" cy="0"/>
-          <a:chOff x="0" y="0"/>
-          <a:chExt cx="0" cy="0"/>
-        </a:xfrm>
-      </p:grpSpPr>
-      <p:sp>
-        <p:nvSpPr>
-          <p:cNvPr id="2" name="Title 1"/>
-          <p:cNvSpPr>
-            <a:spLocks noGrp="1"/>
-          </p:cNvSpPr>
-          <p:nvPr>
-            <p:ph type="title"/>
-          </p:nvPr>
-        </p:nvSpPr>
-        <p:spPr>
-          <a:xfrm>
-            <a:off x="2592925" y="624110"/>
-            <a:ext cx="8911687" cy="617392"/>
-          </a:xfrm>
-        </p:spPr>
-        <p:txBody>
-          <a:bodyPr>
-            <a:normAutofit fontScale="90000"/>
-          </a:bodyPr>
-          <a:lstStyle/>
-          <a:p>
-            <a:r>
-              <a:rPr lang="en-US" dirty="0"/>
-              <a:t>Conclusion</a:t>
-            </a:r>
-          </a:p>
-        </p:txBody>
-      </p:sp>
-      <p:sp>
-        <p:nvSpPr>
-          <p:cNvPr id="3" name="Content Placeholder 2"/>
-          <p:cNvSpPr>
-            <a:spLocks noGrp="1"/>
-          </p:cNvSpPr>
-          <p:nvPr>
-            <p:ph idx="1"/>
-          </p:nvPr>
-        </p:nvSpPr>
-        <p:spPr>
-          <a:xfrm>
-            <a:off x="2589212" y="1241502"/>
-            <a:ext cx="8915400" cy="4669720"/>
-          </a:xfrm>
-        </p:spPr>
-        <p:txBody>
-          <a:bodyPr/>
-          <a:lstStyle/>
-          <a:p>
-            <a:r>
-              <a:rPr lang="en-US" dirty="0"/>
-              <a:t>This work definitely suggests that there is some scope tracking user movements and using it for procrastination</a:t>
-            </a:r>
-          </a:p>
-          <a:p>
-            <a:r>
-              <a:rPr lang="en-US" dirty="0"/>
-              <a:t>(Insert some key results)</a:t>
-            </a:r>
-          </a:p>
-          <a:p>
-            <a:r>
-              <a:rPr lang="en-US" dirty="0"/>
-              <a:t>With our design, it is possible to procrastinate HTTP POST method</a:t>
-            </a:r>
-          </a:p>
-          <a:p>
-            <a:r>
-              <a:rPr lang="en-US" dirty="0"/>
-              <a:t>Bytecode instrumentation would make the static analysis more generalized</a:t>
-            </a:r>
-          </a:p>
-          <a:p>
-            <a:r>
-              <a:rPr lang="en-US" dirty="0"/>
-              <a:t>In this work, we are targeting a fundamental network design in Android, hence with minor modification it should work with various network libraries.</a:t>
-            </a:r>
-          </a:p>
-        </p:txBody>
-      </p:sp>
-    </p:spTree>
-    <p:extLst>
-      <p:ext uri="{BB962C8B-B14F-4D97-AF65-F5344CB8AC3E}">
-        <p14:creationId xmlns:p14="http://schemas.microsoft.com/office/powerpoint/2010/main" val="287513918"/>
-      </p:ext>
-    </p:extLst>
-  </p:cSld>
-  <p:clrMapOvr>
-    <a:masterClrMapping/>
-  </p:clrMapOvr>
-</p:sld>
-</file>
-
-<file path=ppt/slides/slide2.xml><?xml version="1.0" encoding="utf-8"?>
-<p:sld xmlns:a="http://schemas.openxmlformats.org/drawingml/2006/main" xmlns:r="http://schemas.openxmlformats.org/officeDocument/2006/relationships" xmlns:p="http://schemas.openxmlformats.org/presentationml/2006/main">
-  <p:cSld>
-    <p:spTree>
-      <p:nvGrpSpPr>
-        <p:cNvPr id="1" name=""/>
-        <p:cNvGrpSpPr/>
-        <p:nvPr/>
-      </p:nvGrpSpPr>
-      <p:grpSpPr>
-        <a:xfrm>
-          <a:off x="0" y="0"/>
-          <a:ext cx="0" cy="0"/>
-          <a:chOff x="0" y="0"/>
-          <a:chExt cx="0" cy="0"/>
-        </a:xfrm>
-      </p:grpSpPr>
-      <p:sp>
-        <p:nvSpPr>
-          <p:cNvPr id="2" name="Title 1"/>
-          <p:cNvSpPr>
-            <a:spLocks noGrp="1"/>
-          </p:cNvSpPr>
-          <p:nvPr>
-            <p:ph type="title"/>
-          </p:nvPr>
-        </p:nvSpPr>
-        <p:spPr/>
-        <p:txBody>
-          <a:bodyPr/>
-          <a:lstStyle/>
-          <a:p>
-            <a:r>
-              <a:rPr lang="en-US" dirty="0"/>
-              <a:t>Project Description</a:t>
-            </a:r>
-          </a:p>
-        </p:txBody>
-      </p:sp>
-      <p:sp>
-        <p:nvSpPr>
-          <p:cNvPr id="3" name="Content Placeholder 2"/>
-          <p:cNvSpPr>
-            <a:spLocks noGrp="1"/>
-          </p:cNvSpPr>
-          <p:nvPr>
-            <p:ph idx="1"/>
-          </p:nvPr>
-        </p:nvSpPr>
-        <p:spPr>
-          <a:xfrm>
-            <a:off x="2066868" y="1531435"/>
-            <a:ext cx="9437744" cy="4943706"/>
-          </a:xfrm>
-        </p:spPr>
-        <p:txBody>
-          <a:bodyPr>
-            <a:normAutofit lnSpcReduction="10000"/>
-          </a:bodyPr>
-          <a:lstStyle/>
-          <a:p>
-            <a:r>
-              <a:rPr lang="en-US" spc="-1" dirty="0">
-                <a:uFill>
-                  <a:solidFill>
-                    <a:srgbClr val="FFFFFF"/>
-                  </a:solidFill>
-                </a:uFill>
-                <a:latin typeface="Trebuchet MS"/>
-              </a:rPr>
-              <a:t>Prefetched contents at the time of launch gets rendered quickly and improves user experience</a:t>
-            </a:r>
-          </a:p>
-          <a:p>
-            <a:endParaRPr lang="en-US" spc="-1" dirty="0">
-              <a:uFill>
-                <a:solidFill>
-                  <a:srgbClr val="FFFFFF"/>
-                </a:solidFill>
-              </a:uFill>
-              <a:latin typeface="Trebuchet MS"/>
-            </a:endParaRPr>
-          </a:p>
-          <a:p>
-            <a:endParaRPr lang="en-US" spc="-1" dirty="0">
-              <a:uFill>
-                <a:solidFill>
-                  <a:srgbClr val="FFFFFF"/>
-                </a:solidFill>
-              </a:uFill>
-              <a:latin typeface="Trebuchet MS"/>
-            </a:endParaRPr>
-          </a:p>
-          <a:p>
-            <a:endParaRPr lang="en-US" spc="-1" dirty="0">
-              <a:uFill>
-                <a:solidFill>
-                  <a:srgbClr val="FFFFFF"/>
-                </a:solidFill>
-              </a:uFill>
-              <a:latin typeface="Trebuchet MS"/>
-            </a:endParaRPr>
-          </a:p>
-          <a:p>
-            <a:endParaRPr lang="en-US" spc="-1" dirty="0">
-              <a:uFill>
-                <a:solidFill>
-                  <a:srgbClr val="FFFFFF"/>
-                </a:solidFill>
-              </a:uFill>
-              <a:latin typeface="Trebuchet MS"/>
-            </a:endParaRPr>
-          </a:p>
-          <a:p>
-            <a:endParaRPr lang="en-US" spc="-1" dirty="0">
-              <a:uFill>
-                <a:solidFill>
-                  <a:srgbClr val="FFFFFF"/>
-                </a:solidFill>
-              </a:uFill>
-              <a:latin typeface="Trebuchet MS"/>
-            </a:endParaRPr>
-          </a:p>
-          <a:p>
-            <a:endParaRPr lang="en-US" spc="-1" dirty="0">
-              <a:uFill>
-                <a:solidFill>
-                  <a:srgbClr val="FFFFFF"/>
-                </a:solidFill>
-              </a:uFill>
-              <a:latin typeface="Trebuchet MS"/>
-            </a:endParaRPr>
-          </a:p>
-          <a:p>
-            <a:endParaRPr lang="en-US" spc="-1" dirty="0">
-              <a:uFill>
-                <a:solidFill>
-                  <a:srgbClr val="FFFFFF"/>
-                </a:solidFill>
-              </a:uFill>
-              <a:latin typeface="Trebuchet MS"/>
-            </a:endParaRPr>
-          </a:p>
-          <a:p>
-            <a:endParaRPr lang="en-US" spc="-1" dirty="0">
-              <a:uFill>
-                <a:solidFill>
-                  <a:srgbClr val="FFFFFF"/>
-                </a:solidFill>
-              </a:uFill>
-              <a:latin typeface="Trebuchet MS"/>
-            </a:endParaRPr>
-          </a:p>
-          <a:p>
-            <a:endParaRPr lang="en-US" spc="-1" dirty="0">
-              <a:uFill>
-                <a:solidFill>
-                  <a:srgbClr val="FFFFFF"/>
-                </a:solidFill>
-              </a:uFill>
-              <a:latin typeface="Trebuchet MS"/>
-            </a:endParaRPr>
-          </a:p>
-          <a:p>
-            <a:endParaRPr lang="en-US" spc="-1" dirty="0">
-              <a:uFill>
-                <a:solidFill>
-                  <a:srgbClr val="FFFFFF"/>
-                </a:solidFill>
-              </a:uFill>
-              <a:latin typeface="Trebuchet MS"/>
-            </a:endParaRPr>
-          </a:p>
-          <a:p>
-            <a:r>
-              <a:rPr lang="en-US" spc="-1" dirty="0">
-                <a:uFill>
-                  <a:solidFill>
-                    <a:srgbClr val="FFFFFF"/>
-                  </a:solidFill>
-                </a:uFill>
-                <a:latin typeface="Trebuchet MS"/>
-              </a:rPr>
-              <a:t>Unavoidable data usage</a:t>
-            </a:r>
-          </a:p>
-          <a:p>
-            <a:endParaRPr lang="en-US" spc="-1" dirty="0">
-              <a:uFill>
-                <a:solidFill>
-                  <a:srgbClr val="FFFFFF"/>
-                </a:solidFill>
-              </a:uFill>
-              <a:latin typeface="Trebuchet MS"/>
-            </a:endParaRPr>
-          </a:p>
-          <a:p>
-            <a:endParaRPr lang="en-US" dirty="0"/>
-          </a:p>
-        </p:txBody>
-      </p:sp>
-      <p:pic>
-        <p:nvPicPr>
-          <p:cNvPr id="5" name="Picture 4"/>
-          <p:cNvPicPr/>
-          <p:nvPr/>
-        </p:nvPicPr>
-        <p:blipFill>
-          <a:blip r:embed="rId2"/>
-          <a:srcRect t="23276"/>
-          <a:stretch/>
-        </p:blipFill>
-        <p:spPr>
-          <a:xfrm>
-            <a:off x="2066868" y="2216313"/>
-            <a:ext cx="2680200" cy="3436200"/>
-          </a:xfrm>
-          <a:prstGeom prst="rect">
-            <a:avLst/>
-          </a:prstGeom>
-          <a:ln>
-            <a:noFill/>
-          </a:ln>
-        </p:spPr>
-      </p:pic>
-      <p:pic>
-        <p:nvPicPr>
-          <p:cNvPr id="6" name="Picture 5"/>
-          <p:cNvPicPr/>
-          <p:nvPr/>
-        </p:nvPicPr>
-        <p:blipFill>
-          <a:blip r:embed="rId3"/>
-          <a:srcRect t="22811"/>
-          <a:stretch/>
-        </p:blipFill>
-        <p:spPr>
-          <a:xfrm>
-            <a:off x="5109588" y="2216313"/>
-            <a:ext cx="3016080" cy="3436200"/>
-          </a:xfrm>
-          <a:prstGeom prst="rect">
-            <a:avLst/>
-          </a:prstGeom>
-          <a:ln>
-            <a:noFill/>
-          </a:ln>
-        </p:spPr>
-      </p:pic>
-      <p:pic>
-        <p:nvPicPr>
-          <p:cNvPr id="7" name="Picture 6"/>
-          <p:cNvPicPr/>
-          <p:nvPr/>
-        </p:nvPicPr>
-        <p:blipFill>
-          <a:blip r:embed="rId4"/>
-          <a:srcRect t="22841"/>
-          <a:stretch/>
-        </p:blipFill>
-        <p:spPr>
-          <a:xfrm>
-            <a:off x="8487828" y="2186793"/>
-            <a:ext cx="2643480" cy="3408480"/>
-          </a:xfrm>
-          <a:prstGeom prst="rect">
-            <a:avLst/>
-          </a:prstGeom>
-          <a:ln>
-            <a:noFill/>
-          </a:ln>
-        </p:spPr>
-      </p:pic>
-    </p:spTree>
-    <p:extLst>
-      <p:ext uri="{BB962C8B-B14F-4D97-AF65-F5344CB8AC3E}">
-        <p14:creationId xmlns:p14="http://schemas.microsoft.com/office/powerpoint/2010/main" val="2451446320"/>
-      </p:ext>
-    </p:extLst>
-  </p:cSld>
-  <p:clrMapOvr>
-    <a:masterClrMapping/>
-  </p:clrMapOvr>
-</p:sld>
-</file>
-
-<file path=ppt/slides/slide3.xml><?xml version="1.0" encoding="utf-8"?>
-<p:sld xmlns:a="http://schemas.openxmlformats.org/drawingml/2006/main" xmlns:r="http://schemas.openxmlformats.org/officeDocument/2006/relationships" xmlns:p="http://schemas.openxmlformats.org/presentationml/2006/main">
-  <p:cSld>
-    <p:spTree>
-      <p:nvGrpSpPr>
-        <p:cNvPr id="1" name=""/>
-        <p:cNvGrpSpPr/>
-        <p:nvPr/>
-      </p:nvGrpSpPr>
-      <p:grpSpPr>
-        <a:xfrm>
-          <a:off x="0" y="0"/>
-          <a:ext cx="0" cy="0"/>
-          <a:chOff x="0" y="0"/>
-          <a:chExt cx="0" cy="0"/>
-        </a:xfrm>
-      </p:grpSpPr>
-      <p:sp>
-        <p:nvSpPr>
-          <p:cNvPr id="2" name="Title 1"/>
-          <p:cNvSpPr>
-            <a:spLocks noGrp="1"/>
-          </p:cNvSpPr>
-          <p:nvPr>
-            <p:ph type="title"/>
-          </p:nvPr>
-        </p:nvSpPr>
-        <p:spPr/>
-        <p:txBody>
-          <a:bodyPr/>
-          <a:lstStyle/>
-          <a:p>
-            <a:r>
-              <a:rPr lang="en-US" dirty="0"/>
-              <a:t>Design </a:t>
-            </a:r>
-          </a:p>
-        </p:txBody>
-      </p:sp>
-      <p:sp>
-        <p:nvSpPr>
-          <p:cNvPr id="5" name="Content Placeholder 4"/>
-          <p:cNvSpPr>
-            <a:spLocks noGrp="1"/>
-          </p:cNvSpPr>
-          <p:nvPr>
-            <p:ph idx="1"/>
-          </p:nvPr>
-        </p:nvSpPr>
-        <p:spPr>
-          <a:xfrm>
-            <a:off x="2589212" y="1524000"/>
-            <a:ext cx="8915400" cy="4387222"/>
-          </a:xfrm>
-        </p:spPr>
-        <p:txBody>
-          <a:bodyPr/>
-          <a:lstStyle/>
-          <a:p>
-            <a:r>
-              <a:rPr lang="en-US" dirty="0"/>
-              <a:t>Android Common Pattern</a:t>
-            </a:r>
-          </a:p>
-        </p:txBody>
-      </p:sp>
-      <p:sp>
-        <p:nvSpPr>
-          <p:cNvPr id="8" name="Rectangle 7"/>
-          <p:cNvSpPr/>
-          <p:nvPr/>
-        </p:nvSpPr>
-        <p:spPr>
-          <a:xfrm>
-            <a:off x="2921620" y="2334322"/>
-            <a:ext cx="3583258" cy="3315629"/>
-          </a:xfrm>
-          <a:prstGeom prst="rect">
-            <a:avLst/>
-          </a:prstGeom>
-          <a:ln/>
-        </p:spPr>
-        <p:style>
-          <a:lnRef idx="2">
-            <a:schemeClr val="dk1"/>
-          </a:lnRef>
-          <a:fillRef idx="1">
-            <a:schemeClr val="lt1"/>
-          </a:fillRef>
-          <a:effectRef idx="0">
-            <a:schemeClr val="dk1"/>
-          </a:effectRef>
-          <a:fontRef idx="minor">
-            <a:schemeClr val="dk1"/>
-          </a:fontRef>
-        </p:style>
-        <p:txBody>
-          <a:bodyPr rtlCol="0" anchor="ctr"/>
-          <a:lstStyle/>
-          <a:p>
-            <a:r>
-              <a:rPr lang="en-US" dirty="0">
-                <a:solidFill>
-                  <a:schemeClr val="tx1"/>
-                </a:solidFill>
-              </a:rPr>
-              <a:t>Activity 1{</a:t>
-            </a:r>
-          </a:p>
-          <a:p>
-            <a:endParaRPr lang="en-US" dirty="0">
-              <a:solidFill>
-                <a:schemeClr val="tx1"/>
-              </a:solidFill>
-            </a:endParaRPr>
-          </a:p>
-          <a:p>
-            <a:r>
-              <a:rPr lang="en-US" dirty="0">
-                <a:solidFill>
-                  <a:schemeClr val="tx1"/>
-                </a:solidFill>
-              </a:rPr>
-              <a:t>var1 &lt;= </a:t>
-            </a:r>
-            <a:r>
-              <a:rPr lang="en-US" dirty="0" err="1">
-                <a:solidFill>
-                  <a:schemeClr val="tx1"/>
-                </a:solidFill>
-              </a:rPr>
-              <a:t>networkFetch</a:t>
-            </a:r>
-            <a:r>
-              <a:rPr lang="en-US" dirty="0">
-                <a:solidFill>
-                  <a:schemeClr val="tx1"/>
-                </a:solidFill>
-              </a:rPr>
-              <a:t>(url1)</a:t>
-            </a:r>
-          </a:p>
-          <a:p>
-            <a:endParaRPr lang="en-US" dirty="0">
-              <a:solidFill>
-                <a:schemeClr val="tx1"/>
-              </a:solidFill>
-            </a:endParaRPr>
-          </a:p>
-          <a:p>
-            <a:r>
-              <a:rPr lang="en-US" dirty="0">
-                <a:solidFill>
-                  <a:schemeClr val="tx1"/>
-                </a:solidFill>
-              </a:rPr>
-              <a:t>var2 &lt;= </a:t>
-            </a:r>
-            <a:r>
-              <a:rPr lang="en-US" dirty="0" err="1">
-                <a:solidFill>
-                  <a:schemeClr val="tx1"/>
-                </a:solidFill>
-              </a:rPr>
-              <a:t>networkFetch</a:t>
-            </a:r>
-            <a:r>
-              <a:rPr lang="en-US" dirty="0">
-                <a:solidFill>
-                  <a:schemeClr val="tx1"/>
-                </a:solidFill>
-              </a:rPr>
-              <a:t>(url2)</a:t>
-            </a:r>
-          </a:p>
-          <a:p>
-            <a:endParaRPr lang="en-US" dirty="0">
-              <a:solidFill>
-                <a:schemeClr val="tx1"/>
-              </a:solidFill>
-            </a:endParaRPr>
-          </a:p>
-          <a:p>
-            <a:r>
-              <a:rPr lang="en-US" dirty="0">
-                <a:solidFill>
-                  <a:schemeClr val="tx1"/>
-                </a:solidFill>
-              </a:rPr>
-              <a:t>startActivity2(var2)</a:t>
-            </a:r>
-          </a:p>
-          <a:p>
-            <a:endParaRPr lang="en-US" dirty="0">
-              <a:solidFill>
-                <a:schemeClr val="tx1"/>
-              </a:solidFill>
-            </a:endParaRPr>
-          </a:p>
-          <a:p>
-            <a:r>
-              <a:rPr lang="en-US" dirty="0">
-                <a:solidFill>
-                  <a:schemeClr val="tx1"/>
-                </a:solidFill>
-              </a:rPr>
-              <a:t>}</a:t>
-            </a:r>
-          </a:p>
-        </p:txBody>
-      </p:sp>
-      <p:sp>
-        <p:nvSpPr>
-          <p:cNvPr id="9" name="Rectangle 8"/>
-          <p:cNvSpPr/>
-          <p:nvPr/>
-        </p:nvSpPr>
-        <p:spPr>
-          <a:xfrm>
-            <a:off x="8352263" y="2334322"/>
-            <a:ext cx="2888166" cy="3315629"/>
-          </a:xfrm>
-          <a:prstGeom prst="rect">
-            <a:avLst/>
-          </a:prstGeom>
-          <a:ln/>
-        </p:spPr>
-        <p:style>
-          <a:lnRef idx="2">
-            <a:schemeClr val="dk1"/>
-          </a:lnRef>
-          <a:fillRef idx="1">
-            <a:schemeClr val="lt1"/>
-          </a:fillRef>
-          <a:effectRef idx="0">
-            <a:schemeClr val="dk1"/>
-          </a:effectRef>
-          <a:fontRef idx="minor">
-            <a:schemeClr val="dk1"/>
-          </a:fontRef>
-        </p:style>
-        <p:txBody>
-          <a:bodyPr rtlCol="0" anchor="ctr"/>
-          <a:lstStyle/>
-          <a:p>
-            <a:r>
-              <a:rPr lang="en-US" dirty="0">
-                <a:solidFill>
-                  <a:schemeClr val="tx1"/>
-                </a:solidFill>
-              </a:rPr>
-              <a:t>Activity 2{</a:t>
-            </a:r>
-          </a:p>
-          <a:p>
-            <a:endParaRPr lang="en-US" dirty="0">
-              <a:solidFill>
-                <a:schemeClr val="tx1"/>
-              </a:solidFill>
-            </a:endParaRPr>
-          </a:p>
-          <a:p>
-            <a:r>
-              <a:rPr lang="en-US" dirty="0" err="1">
-                <a:solidFill>
-                  <a:schemeClr val="tx1"/>
-                </a:solidFill>
-              </a:rPr>
-              <a:t>textView.setText</a:t>
-            </a:r>
-            <a:r>
-              <a:rPr lang="en-US" dirty="0">
-                <a:solidFill>
-                  <a:schemeClr val="tx1"/>
-                </a:solidFill>
-              </a:rPr>
-              <a:t>(var2)</a:t>
-            </a:r>
-          </a:p>
-          <a:p>
-            <a:endParaRPr lang="en-US" dirty="0">
-              <a:solidFill>
-                <a:schemeClr val="tx1"/>
-              </a:solidFill>
-            </a:endParaRPr>
-          </a:p>
-          <a:p>
-            <a:r>
-              <a:rPr lang="en-US" dirty="0">
-                <a:solidFill>
-                  <a:schemeClr val="tx1"/>
-                </a:solidFill>
-              </a:rPr>
-              <a:t>}</a:t>
-            </a:r>
-          </a:p>
-        </p:txBody>
-      </p:sp>
-    </p:spTree>
-    <p:extLst>
-      <p:ext uri="{BB962C8B-B14F-4D97-AF65-F5344CB8AC3E}">
-        <p14:creationId xmlns:p14="http://schemas.microsoft.com/office/powerpoint/2010/main" val="4037159500"/>
-      </p:ext>
-    </p:extLst>
-  </p:cSld>
-  <p:clrMapOvr>
-    <a:masterClrMapping/>
-  </p:clrMapOvr>
-</p:sld>
-</file>
-
-<file path=ppt/slides/slide4.xml><?xml version="1.0" encoding="utf-8"?>
-<p:sld xmlns:a="http://schemas.openxmlformats.org/drawingml/2006/main" xmlns:r="http://schemas.openxmlformats.org/officeDocument/2006/relationships" xmlns:p="http://schemas.openxmlformats.org/presentationml/2006/main">
-  <p:cSld>
-    <p:spTree>
-      <p:nvGrpSpPr>
-        <p:cNvPr id="1" name=""/>
-        <p:cNvGrpSpPr/>
-        <p:nvPr/>
-      </p:nvGrpSpPr>
-      <p:grpSpPr>
-        <a:xfrm>
-          <a:off x="0" y="0"/>
-          <a:ext cx="0" cy="0"/>
-          <a:chOff x="0" y="0"/>
-          <a:chExt cx="0" cy="0"/>
-        </a:xfrm>
-      </p:grpSpPr>
-      <p:sp>
-        <p:nvSpPr>
-          <p:cNvPr id="2" name="Title 1"/>
-          <p:cNvSpPr>
-            <a:spLocks noGrp="1"/>
-          </p:cNvSpPr>
-          <p:nvPr>
-            <p:ph type="title"/>
-          </p:nvPr>
-        </p:nvSpPr>
-        <p:spPr/>
-        <p:txBody>
-          <a:bodyPr/>
-          <a:lstStyle/>
-          <a:p>
-            <a:r>
-              <a:rPr lang="en-US" dirty="0"/>
               <a:t>Design</a:t>
             </a:r>
           </a:p>
@@ -9493,7 +8701,7 @@
 </p:sld>
 </file>
 
-<file path=ppt/slides/slide5.xml><?xml version="1.0" encoding="utf-8"?>
+<file path=ppt/slides/slide11.xml><?xml version="1.0" encoding="utf-8"?>
 <p:sld xmlns:a="http://schemas.openxmlformats.org/drawingml/2006/main" xmlns:r="http://schemas.openxmlformats.org/officeDocument/2006/relationships" xmlns:p="http://schemas.openxmlformats.org/presentationml/2006/main">
   <p:cSld>
     <p:spTree>
@@ -9578,7 +8786,7 @@
 </p:sld>
 </file>
 
-<file path=ppt/slides/slide6.xml><?xml version="1.0" encoding="utf-8"?>
+<file path=ppt/slides/slide12.xml><?xml version="1.0" encoding="utf-8"?>
 <p:sld xmlns:a="http://schemas.openxmlformats.org/drawingml/2006/main" xmlns:r="http://schemas.openxmlformats.org/officeDocument/2006/relationships" xmlns:p="http://schemas.openxmlformats.org/presentationml/2006/main">
   <p:cSld>
     <p:spTree>
@@ -9658,7 +8866,7 @@
 </p:sld>
 </file>
 
-<file path=ppt/slides/slide7.xml><?xml version="1.0" encoding="utf-8"?>
+<file path=ppt/slides/slide13.xml><?xml version="1.0" encoding="utf-8"?>
 <p:sld xmlns:a="http://schemas.openxmlformats.org/drawingml/2006/main" xmlns:r="http://schemas.openxmlformats.org/officeDocument/2006/relationships" xmlns:p="http://schemas.openxmlformats.org/presentationml/2006/main">
   <p:cSld>
     <p:spTree>
@@ -10325,7 +9533,7 @@
 </p:sld>
 </file>
 
-<file path=ppt/slides/slide8.xml><?xml version="1.0" encoding="utf-8"?>
+<file path=ppt/slides/slide14.xml><?xml version="1.0" encoding="utf-8"?>
 <p:sld xmlns:a="http://schemas.openxmlformats.org/drawingml/2006/main" xmlns:r="http://schemas.openxmlformats.org/officeDocument/2006/relationships" xmlns:p="http://schemas.openxmlformats.org/presentationml/2006/main">
   <p:cSld>
     <p:spTree>
@@ -10383,7 +9591,7 @@
           <a:blip r:embed="rId2">
             <a:extLst>
               <a:ext uri="{96DAC541-7B7A-43D3-8B79-37D633B846F1}">
-                <asvg:svgBlip xmlns:asvg="http://schemas.microsoft.com/office/drawing/2016/SVG/main" r:embed="rId3"/>
+                <asvg:svgBlip xmlns="" xmlns:asvg="http://schemas.microsoft.com/office/drawing/2016/SVG/main" r:embed="rId3"/>
               </a:ext>
             </a:extLst>
           </a:blip>
@@ -11010,6 +10218,2554 @@
     <p:extLst>
       <p:ext uri="{BB962C8B-B14F-4D97-AF65-F5344CB8AC3E}">
         <p14:creationId xmlns:p14="http://schemas.microsoft.com/office/powerpoint/2010/main" val="1225652847"/>
+      </p:ext>
+    </p:extLst>
+  </p:cSld>
+  <p:clrMapOvr>
+    <a:masterClrMapping/>
+  </p:clrMapOvr>
+</p:sld>
+</file>
+
+<file path=ppt/slides/slide15.xml><?xml version="1.0" encoding="utf-8"?>
+<p:sld xmlns:a="http://schemas.openxmlformats.org/drawingml/2006/main" xmlns:r="http://schemas.openxmlformats.org/officeDocument/2006/relationships" xmlns:p="http://schemas.openxmlformats.org/presentationml/2006/main">
+  <p:cSld>
+    <p:spTree>
+      <p:nvGrpSpPr>
+        <p:cNvPr id="1" name=""/>
+        <p:cNvGrpSpPr/>
+        <p:nvPr/>
+      </p:nvGrpSpPr>
+      <p:grpSpPr>
+        <a:xfrm>
+          <a:off x="0" y="0"/>
+          <a:ext cx="0" cy="0"/>
+          <a:chOff x="0" y="0"/>
+          <a:chExt cx="0" cy="0"/>
+        </a:xfrm>
+      </p:grpSpPr>
+      <p:sp>
+        <p:nvSpPr>
+          <p:cNvPr id="2" name="Title 1"/>
+          <p:cNvSpPr>
+            <a:spLocks noGrp="1"/>
+          </p:cNvSpPr>
+          <p:nvPr>
+            <p:ph type="title"/>
+          </p:nvPr>
+        </p:nvSpPr>
+        <p:spPr/>
+        <p:txBody>
+          <a:bodyPr/>
+          <a:lstStyle/>
+          <a:p>
+            <a:r>
+              <a:rPr lang="en-US" dirty="0" smtClean="0"/>
+              <a:t>View </a:t>
+            </a:r>
+            <a:r>
+              <a:rPr lang="en-US" dirty="0" err="1" smtClean="0"/>
+              <a:t>Prefetch</a:t>
+            </a:r>
+            <a:r>
+              <a:rPr lang="en-US" dirty="0" smtClean="0"/>
+              <a:t> Correlation</a:t>
+            </a:r>
+            <a:endParaRPr lang="en-US" dirty="0"/>
+          </a:p>
+        </p:txBody>
+      </p:sp>
+      <p:sp>
+        <p:nvSpPr>
+          <p:cNvPr id="3" name="Content Placeholder 2"/>
+          <p:cNvSpPr>
+            <a:spLocks noGrp="1"/>
+          </p:cNvSpPr>
+          <p:nvPr>
+            <p:ph idx="1"/>
+          </p:nvPr>
+        </p:nvSpPr>
+        <p:spPr>
+          <a:xfrm>
+            <a:off x="2589212" y="1429789"/>
+            <a:ext cx="8915400" cy="4481433"/>
+          </a:xfrm>
+        </p:spPr>
+        <p:txBody>
+          <a:bodyPr/>
+          <a:lstStyle/>
+          <a:p>
+            <a:endParaRPr lang="en-US" dirty="0" smtClean="0"/>
+          </a:p>
+          <a:p>
+            <a:r>
+              <a:rPr lang="en-US" dirty="0" smtClean="0"/>
+              <a:t>Key Limitation: General User Adaptability</a:t>
+            </a:r>
+          </a:p>
+          <a:p>
+            <a:r>
+              <a:rPr lang="en-US" dirty="0" smtClean="0"/>
+              <a:t>Proposed Solution: Perform Study of </a:t>
+            </a:r>
+            <a:r>
+              <a:rPr lang="en-US" dirty="0" err="1" smtClean="0"/>
+              <a:t>Prefetch</a:t>
+            </a:r>
+            <a:r>
+              <a:rPr lang="en-US" dirty="0" smtClean="0"/>
+              <a:t> Necessity using VPC.</a:t>
+            </a:r>
+          </a:p>
+          <a:p>
+            <a:r>
+              <a:rPr lang="en-US" dirty="0" smtClean="0"/>
+              <a:t>Inspired from Background Foreground Correlation</a:t>
+            </a:r>
+          </a:p>
+          <a:p>
+            <a:r>
+              <a:rPr lang="en-US" dirty="0" smtClean="0"/>
+              <a:t>For each time a </a:t>
+            </a:r>
+            <a:r>
+              <a:rPr lang="en-US" dirty="0" err="1" smtClean="0"/>
+              <a:t>prefetch</a:t>
+            </a:r>
+            <a:r>
+              <a:rPr lang="en-US" dirty="0" smtClean="0"/>
+              <a:t> is performed, evaluate how many times a view is invoked. </a:t>
+            </a:r>
+          </a:p>
+          <a:p>
+            <a:r>
+              <a:rPr lang="en-US" dirty="0" smtClean="0"/>
+              <a:t>Provides developer with whether </a:t>
+            </a:r>
+            <a:r>
+              <a:rPr lang="en-US" dirty="0" err="1" smtClean="0"/>
+              <a:t>prefetch</a:t>
+            </a:r>
+            <a:r>
+              <a:rPr lang="en-US" dirty="0" smtClean="0"/>
+              <a:t> is really required for a given view.</a:t>
+            </a:r>
+          </a:p>
+          <a:p>
+            <a:r>
+              <a:rPr lang="en-US" dirty="0" smtClean="0"/>
+              <a:t>Implemented as a part of the package.</a:t>
+            </a:r>
+          </a:p>
+        </p:txBody>
+      </p:sp>
+    </p:spTree>
+    <p:extLst>
+      <p:ext uri="{BB962C8B-B14F-4D97-AF65-F5344CB8AC3E}">
+        <p14:creationId xmlns:p14="http://schemas.microsoft.com/office/powerpoint/2010/main" val="3008796874"/>
+      </p:ext>
+    </p:extLst>
+  </p:cSld>
+  <p:clrMapOvr>
+    <a:masterClrMapping/>
+  </p:clrMapOvr>
+</p:sld>
+</file>
+
+<file path=ppt/slides/slide16.xml><?xml version="1.0" encoding="utf-8"?>
+<p:sld xmlns:a="http://schemas.openxmlformats.org/drawingml/2006/main" xmlns:r="http://schemas.openxmlformats.org/officeDocument/2006/relationships" xmlns:p="http://schemas.openxmlformats.org/presentationml/2006/main">
+  <p:cSld>
+    <p:spTree>
+      <p:nvGrpSpPr>
+        <p:cNvPr id="1" name=""/>
+        <p:cNvGrpSpPr/>
+        <p:nvPr/>
+      </p:nvGrpSpPr>
+      <p:grpSpPr>
+        <a:xfrm>
+          <a:off x="0" y="0"/>
+          <a:ext cx="0" cy="0"/>
+          <a:chOff x="0" y="0"/>
+          <a:chExt cx="0" cy="0"/>
+        </a:xfrm>
+      </p:grpSpPr>
+      <p:sp>
+        <p:nvSpPr>
+          <p:cNvPr id="2" name="Title 1"/>
+          <p:cNvSpPr>
+            <a:spLocks noGrp="1"/>
+          </p:cNvSpPr>
+          <p:nvPr>
+            <p:ph type="title"/>
+          </p:nvPr>
+        </p:nvSpPr>
+        <p:spPr/>
+        <p:txBody>
+          <a:bodyPr/>
+          <a:lstStyle/>
+          <a:p>
+            <a:r>
+              <a:rPr lang="en-US" dirty="0" smtClean="0"/>
+              <a:t>Approach &amp; Implementation</a:t>
+            </a:r>
+            <a:endParaRPr lang="en-US" dirty="0"/>
+          </a:p>
+        </p:txBody>
+      </p:sp>
+      <p:sp>
+        <p:nvSpPr>
+          <p:cNvPr id="3" name="Content Placeholder 2"/>
+          <p:cNvSpPr>
+            <a:spLocks noGrp="1"/>
+          </p:cNvSpPr>
+          <p:nvPr>
+            <p:ph idx="1"/>
+          </p:nvPr>
+        </p:nvSpPr>
+        <p:spPr/>
+        <p:txBody>
+          <a:bodyPr/>
+          <a:lstStyle/>
+          <a:p>
+            <a:r>
+              <a:rPr lang="en-US" dirty="0"/>
+              <a:t>Implement a </a:t>
+            </a:r>
+            <a:r>
+              <a:rPr lang="en-US" b="1" i="1" dirty="0"/>
+              <a:t>Simple POC Weather App, </a:t>
+            </a:r>
+            <a:r>
+              <a:rPr lang="en-US" dirty="0"/>
+              <a:t>with the </a:t>
+            </a:r>
+            <a:r>
+              <a:rPr lang="en-US" dirty="0" err="1"/>
+              <a:t>prefetch</a:t>
+            </a:r>
+            <a:r>
+              <a:rPr lang="en-US" dirty="0"/>
+              <a:t> pattern and 2 screens.</a:t>
+            </a:r>
+          </a:p>
+          <a:p>
+            <a:pPr lvl="1"/>
+            <a:r>
+              <a:rPr lang="en-US" dirty="0"/>
+              <a:t>First Screen – </a:t>
+            </a:r>
+            <a:r>
+              <a:rPr lang="en-US" dirty="0" err="1"/>
+              <a:t>Prefetch</a:t>
+            </a:r>
+            <a:r>
+              <a:rPr lang="en-US" dirty="0"/>
+              <a:t>, </a:t>
+            </a:r>
+            <a:endParaRPr lang="en-US" dirty="0" smtClean="0"/>
+          </a:p>
+          <a:p>
+            <a:pPr lvl="1"/>
+            <a:r>
+              <a:rPr lang="en-US" dirty="0" smtClean="0"/>
+              <a:t>Second </a:t>
+            </a:r>
+            <a:r>
+              <a:rPr lang="en-US" dirty="0"/>
+              <a:t>Screen – Use the </a:t>
+            </a:r>
+            <a:r>
+              <a:rPr lang="en-US" dirty="0" err="1"/>
+              <a:t>prefetch</a:t>
+            </a:r>
+            <a:r>
+              <a:rPr lang="en-US" dirty="0"/>
+              <a:t> data</a:t>
+            </a:r>
+            <a:r>
+              <a:rPr lang="en-US" dirty="0" smtClean="0"/>
+              <a:t>.</a:t>
+            </a:r>
+          </a:p>
+          <a:p>
+            <a:pPr marL="457200" lvl="1" indent="0">
+              <a:buNone/>
+            </a:pPr>
+            <a:endParaRPr lang="en-US" dirty="0"/>
+          </a:p>
+          <a:p>
+            <a:r>
+              <a:rPr lang="en-US" dirty="0" smtClean="0"/>
+              <a:t>Implement </a:t>
+            </a:r>
+            <a:r>
+              <a:rPr lang="en-US" b="1" i="1" dirty="0" smtClean="0"/>
+              <a:t>Instrumentation</a:t>
+            </a:r>
+            <a:r>
+              <a:rPr lang="en-US" dirty="0" smtClean="0"/>
+              <a:t> and </a:t>
+            </a:r>
+            <a:r>
+              <a:rPr lang="en-US" b="1" i="1" dirty="0" smtClean="0"/>
+              <a:t>Procrastination tool</a:t>
+            </a:r>
+            <a:r>
+              <a:rPr lang="en-US" dirty="0" smtClean="0"/>
+              <a:t> for desktop.</a:t>
+            </a:r>
+          </a:p>
+          <a:p>
+            <a:r>
+              <a:rPr lang="en-US" dirty="0" smtClean="0"/>
+              <a:t>Implement </a:t>
+            </a:r>
+            <a:r>
+              <a:rPr lang="en-US" b="1" i="1" dirty="0" smtClean="0"/>
+              <a:t>Measurements Library</a:t>
+            </a:r>
+            <a:r>
+              <a:rPr lang="en-US" dirty="0" smtClean="0"/>
+              <a:t> for data usage and VPC measurement.</a:t>
+            </a:r>
+          </a:p>
+          <a:p>
+            <a:r>
+              <a:rPr lang="en-US" dirty="0" smtClean="0"/>
+              <a:t>Implement </a:t>
+            </a:r>
+            <a:r>
+              <a:rPr lang="en-US" b="1" i="1" dirty="0" smtClean="0"/>
+              <a:t>Android Procrastination Library</a:t>
+            </a:r>
+            <a:r>
+              <a:rPr lang="en-US" dirty="0" smtClean="0"/>
+              <a:t>.</a:t>
+            </a:r>
+            <a:endParaRPr lang="en-US" dirty="0"/>
+          </a:p>
+        </p:txBody>
+      </p:sp>
+    </p:spTree>
+    <p:extLst>
+      <p:ext uri="{BB962C8B-B14F-4D97-AF65-F5344CB8AC3E}">
+        <p14:creationId xmlns:p14="http://schemas.microsoft.com/office/powerpoint/2010/main" val="3154856639"/>
+      </p:ext>
+    </p:extLst>
+  </p:cSld>
+  <p:clrMapOvr>
+    <a:masterClrMapping/>
+  </p:clrMapOvr>
+</p:sld>
+</file>
+
+<file path=ppt/slides/slide17.xml><?xml version="1.0" encoding="utf-8"?>
+<p:sld xmlns:a="http://schemas.openxmlformats.org/drawingml/2006/main" xmlns:r="http://schemas.openxmlformats.org/officeDocument/2006/relationships" xmlns:p="http://schemas.openxmlformats.org/presentationml/2006/main">
+  <p:cSld>
+    <p:spTree>
+      <p:nvGrpSpPr>
+        <p:cNvPr id="1" name=""/>
+        <p:cNvGrpSpPr/>
+        <p:nvPr/>
+      </p:nvGrpSpPr>
+      <p:grpSpPr>
+        <a:xfrm>
+          <a:off x="0" y="0"/>
+          <a:ext cx="0" cy="0"/>
+          <a:chOff x="0" y="0"/>
+          <a:chExt cx="0" cy="0"/>
+        </a:xfrm>
+      </p:grpSpPr>
+      <p:sp>
+        <p:nvSpPr>
+          <p:cNvPr id="2" name="Title 1"/>
+          <p:cNvSpPr>
+            <a:spLocks noGrp="1"/>
+          </p:cNvSpPr>
+          <p:nvPr>
+            <p:ph type="title"/>
+          </p:nvPr>
+        </p:nvSpPr>
+        <p:spPr/>
+        <p:txBody>
+          <a:bodyPr/>
+          <a:lstStyle/>
+          <a:p>
+            <a:r>
+              <a:rPr lang="en-US" dirty="0" smtClean="0"/>
+              <a:t>Evaluation Methodology</a:t>
+            </a:r>
+            <a:endParaRPr lang="en-US" dirty="0"/>
+          </a:p>
+        </p:txBody>
+      </p:sp>
+      <p:sp>
+        <p:nvSpPr>
+          <p:cNvPr id="3" name="Content Placeholder 2"/>
+          <p:cNvSpPr>
+            <a:spLocks noGrp="1"/>
+          </p:cNvSpPr>
+          <p:nvPr>
+            <p:ph idx="1"/>
+          </p:nvPr>
+        </p:nvSpPr>
+        <p:spPr>
+          <a:xfrm>
+            <a:off x="2589212" y="1905000"/>
+            <a:ext cx="8915400" cy="4443760"/>
+          </a:xfrm>
+        </p:spPr>
+        <p:txBody>
+          <a:bodyPr/>
+          <a:lstStyle/>
+          <a:p>
+            <a:r>
+              <a:rPr lang="en-US" dirty="0" smtClean="0"/>
+              <a:t>Provide it to 4 users </a:t>
+            </a:r>
+            <a:endParaRPr lang="en-US" dirty="0"/>
+          </a:p>
+          <a:p>
+            <a:r>
+              <a:rPr lang="en-US" dirty="0" smtClean="0"/>
+              <a:t>Collect data for 7 days</a:t>
+            </a:r>
+          </a:p>
+          <a:p>
+            <a:r>
+              <a:rPr lang="en-US" dirty="0" smtClean="0"/>
+              <a:t>2 Users – </a:t>
+            </a:r>
+            <a:r>
+              <a:rPr lang="en-US" dirty="0" err="1" smtClean="0"/>
+              <a:t>Prefetch</a:t>
+            </a:r>
+            <a:r>
+              <a:rPr lang="en-US" dirty="0" smtClean="0"/>
+              <a:t> App , 2 Users – </a:t>
+            </a:r>
+            <a:r>
+              <a:rPr lang="en-US" dirty="0" err="1" smtClean="0"/>
+              <a:t>Prefetch</a:t>
+            </a:r>
+            <a:r>
+              <a:rPr lang="en-US" dirty="0" smtClean="0"/>
+              <a:t> Procrastinated  App</a:t>
+            </a:r>
+            <a:endParaRPr lang="en-US" dirty="0"/>
+          </a:p>
+          <a:p>
+            <a:r>
+              <a:rPr lang="en-US" dirty="0" smtClean="0"/>
+              <a:t>Track view pre-fetch correlation.</a:t>
+            </a:r>
+          </a:p>
+          <a:p>
+            <a:r>
+              <a:rPr lang="en-US" dirty="0" smtClean="0"/>
+              <a:t>Track network data usage of app for each day per user.</a:t>
+            </a:r>
+            <a:endParaRPr lang="en-US" dirty="0"/>
+          </a:p>
+          <a:p>
+            <a:endParaRPr lang="en-US" dirty="0"/>
+          </a:p>
+        </p:txBody>
+      </p:sp>
+    </p:spTree>
+    <p:extLst>
+      <p:ext uri="{BB962C8B-B14F-4D97-AF65-F5344CB8AC3E}">
+        <p14:creationId xmlns:p14="http://schemas.microsoft.com/office/powerpoint/2010/main" val="437405614"/>
+      </p:ext>
+    </p:extLst>
+  </p:cSld>
+  <p:clrMapOvr>
+    <a:masterClrMapping/>
+  </p:clrMapOvr>
+</p:sld>
+</file>
+
+<file path=ppt/slides/slide18.xml><?xml version="1.0" encoding="utf-8"?>
+<p:sld xmlns:a="http://schemas.openxmlformats.org/drawingml/2006/main" xmlns:r="http://schemas.openxmlformats.org/officeDocument/2006/relationships" xmlns:p="http://schemas.openxmlformats.org/presentationml/2006/main">
+  <p:cSld>
+    <p:spTree>
+      <p:nvGrpSpPr>
+        <p:cNvPr id="1" name=""/>
+        <p:cNvGrpSpPr/>
+        <p:nvPr/>
+      </p:nvGrpSpPr>
+      <p:grpSpPr>
+        <a:xfrm>
+          <a:off x="0" y="0"/>
+          <a:ext cx="0" cy="0"/>
+          <a:chOff x="0" y="0"/>
+          <a:chExt cx="0" cy="0"/>
+        </a:xfrm>
+      </p:grpSpPr>
+      <p:sp>
+        <p:nvSpPr>
+          <p:cNvPr id="2" name="Title 1"/>
+          <p:cNvSpPr>
+            <a:spLocks noGrp="1"/>
+          </p:cNvSpPr>
+          <p:nvPr>
+            <p:ph type="title"/>
+          </p:nvPr>
+        </p:nvSpPr>
+        <p:spPr/>
+        <p:txBody>
+          <a:bodyPr/>
+          <a:lstStyle/>
+          <a:p>
+            <a:pPr algn="ctr"/>
+            <a:r>
+              <a:rPr lang="en-US" dirty="0" smtClean="0"/>
+              <a:t>Results</a:t>
+            </a:r>
+            <a:endParaRPr lang="en-US" dirty="0"/>
+          </a:p>
+        </p:txBody>
+      </p:sp>
+      <p:sp>
+        <p:nvSpPr>
+          <p:cNvPr id="3" name="Content Placeholder 2"/>
+          <p:cNvSpPr>
+            <a:spLocks noGrp="1"/>
+          </p:cNvSpPr>
+          <p:nvPr>
+            <p:ph idx="1"/>
+          </p:nvPr>
+        </p:nvSpPr>
+        <p:spPr/>
+        <p:txBody>
+          <a:bodyPr/>
+          <a:lstStyle/>
+          <a:p>
+            <a:endParaRPr lang="en-US" dirty="0"/>
+          </a:p>
+        </p:txBody>
+      </p:sp>
+    </p:spTree>
+    <p:extLst>
+      <p:ext uri="{BB962C8B-B14F-4D97-AF65-F5344CB8AC3E}">
+        <p14:creationId xmlns:p14="http://schemas.microsoft.com/office/powerpoint/2010/main" val="1480971764"/>
+      </p:ext>
+    </p:extLst>
+  </p:cSld>
+  <p:clrMapOvr>
+    <a:masterClrMapping/>
+  </p:clrMapOvr>
+</p:sld>
+</file>
+
+<file path=ppt/slides/slide19.xml><?xml version="1.0" encoding="utf-8"?>
+<p:sld xmlns:a="http://schemas.openxmlformats.org/drawingml/2006/main" xmlns:r="http://schemas.openxmlformats.org/officeDocument/2006/relationships" xmlns:p="http://schemas.openxmlformats.org/presentationml/2006/main">
+  <p:cSld>
+    <p:spTree>
+      <p:nvGrpSpPr>
+        <p:cNvPr id="1" name=""/>
+        <p:cNvGrpSpPr/>
+        <p:nvPr/>
+      </p:nvGrpSpPr>
+      <p:grpSpPr>
+        <a:xfrm>
+          <a:off x="0" y="0"/>
+          <a:ext cx="0" cy="0"/>
+          <a:chOff x="0" y="0"/>
+          <a:chExt cx="0" cy="0"/>
+        </a:xfrm>
+      </p:grpSpPr>
+      <p:sp>
+        <p:nvSpPr>
+          <p:cNvPr id="2" name="Title 1"/>
+          <p:cNvSpPr>
+            <a:spLocks noGrp="1"/>
+          </p:cNvSpPr>
+          <p:nvPr>
+            <p:ph type="title"/>
+          </p:nvPr>
+        </p:nvSpPr>
+        <p:spPr/>
+        <p:txBody>
+          <a:bodyPr/>
+          <a:lstStyle/>
+          <a:p>
+            <a:pPr algn="ctr"/>
+            <a:r>
+              <a:rPr lang="en-US" dirty="0" smtClean="0"/>
+              <a:t>Limitations</a:t>
+            </a:r>
+            <a:endParaRPr lang="en-US" dirty="0"/>
+          </a:p>
+        </p:txBody>
+      </p:sp>
+      <p:sp>
+        <p:nvSpPr>
+          <p:cNvPr id="3" name="Content Placeholder 2"/>
+          <p:cNvSpPr>
+            <a:spLocks noGrp="1"/>
+          </p:cNvSpPr>
+          <p:nvPr>
+            <p:ph idx="1"/>
+          </p:nvPr>
+        </p:nvSpPr>
+        <p:spPr/>
+        <p:txBody>
+          <a:bodyPr/>
+          <a:lstStyle/>
+          <a:p>
+            <a:r>
+              <a:rPr lang="en-US" dirty="0" smtClean="0"/>
+              <a:t>Limited to one pattern only. </a:t>
+            </a:r>
+            <a:endParaRPr lang="en-US" dirty="0"/>
+          </a:p>
+          <a:p>
+            <a:r>
+              <a:rPr lang="en-US" dirty="0" smtClean="0"/>
+              <a:t>Limited to Java source code analysis rather than bytecode</a:t>
+            </a:r>
+          </a:p>
+          <a:p>
+            <a:r>
+              <a:rPr lang="en-US" dirty="0" smtClean="0"/>
+              <a:t>Not yet tested on Post data.</a:t>
+            </a:r>
+          </a:p>
+          <a:p>
+            <a:r>
+              <a:rPr lang="en-US" dirty="0" smtClean="0"/>
+              <a:t>Instrumentation process requires some developer involvement.</a:t>
+            </a:r>
+          </a:p>
+          <a:p>
+            <a:endParaRPr lang="en-US" dirty="0"/>
+          </a:p>
+        </p:txBody>
+      </p:sp>
+    </p:spTree>
+    <p:extLst>
+      <p:ext uri="{BB962C8B-B14F-4D97-AF65-F5344CB8AC3E}">
+        <p14:creationId xmlns:p14="http://schemas.microsoft.com/office/powerpoint/2010/main" val="1095983116"/>
+      </p:ext>
+    </p:extLst>
+  </p:cSld>
+  <p:clrMapOvr>
+    <a:masterClrMapping/>
+  </p:clrMapOvr>
+</p:sld>
+</file>
+
+<file path=ppt/slides/slide2.xml><?xml version="1.0" encoding="utf-8"?>
+<p:sld xmlns:a="http://schemas.openxmlformats.org/drawingml/2006/main" xmlns:r="http://schemas.openxmlformats.org/officeDocument/2006/relationships" xmlns:p="http://schemas.openxmlformats.org/presentationml/2006/main">
+  <p:cSld>
+    <p:spTree>
+      <p:nvGrpSpPr>
+        <p:cNvPr id="1" name=""/>
+        <p:cNvGrpSpPr/>
+        <p:nvPr/>
+      </p:nvGrpSpPr>
+      <p:grpSpPr>
+        <a:xfrm>
+          <a:off x="0" y="0"/>
+          <a:ext cx="0" cy="0"/>
+          <a:chOff x="0" y="0"/>
+          <a:chExt cx="0" cy="0"/>
+        </a:xfrm>
+      </p:grpSpPr>
+      <p:sp>
+        <p:nvSpPr>
+          <p:cNvPr id="2" name="Title 1"/>
+          <p:cNvSpPr>
+            <a:spLocks noGrp="1"/>
+          </p:cNvSpPr>
+          <p:nvPr>
+            <p:ph type="title"/>
+          </p:nvPr>
+        </p:nvSpPr>
+        <p:spPr/>
+        <p:txBody>
+          <a:bodyPr/>
+          <a:lstStyle/>
+          <a:p>
+            <a:r>
+              <a:rPr lang="en-US" dirty="0"/>
+              <a:t>Project Description</a:t>
+            </a:r>
+          </a:p>
+        </p:txBody>
+      </p:sp>
+      <p:sp>
+        <p:nvSpPr>
+          <p:cNvPr id="3" name="Content Placeholder 2"/>
+          <p:cNvSpPr>
+            <a:spLocks noGrp="1"/>
+          </p:cNvSpPr>
+          <p:nvPr>
+            <p:ph idx="1"/>
+          </p:nvPr>
+        </p:nvSpPr>
+        <p:spPr>
+          <a:xfrm>
+            <a:off x="2066868" y="1531435"/>
+            <a:ext cx="9437744" cy="4943706"/>
+          </a:xfrm>
+        </p:spPr>
+        <p:txBody>
+          <a:bodyPr>
+            <a:normAutofit lnSpcReduction="10000"/>
+          </a:bodyPr>
+          <a:lstStyle/>
+          <a:p>
+            <a:r>
+              <a:rPr lang="en-US" spc="-1" dirty="0">
+                <a:uFill>
+                  <a:solidFill>
+                    <a:srgbClr val="FFFFFF"/>
+                  </a:solidFill>
+                </a:uFill>
+                <a:latin typeface="Trebuchet MS"/>
+              </a:rPr>
+              <a:t>Prefetched contents at the time of launch gets rendered quickly and improves user experience</a:t>
+            </a:r>
+          </a:p>
+          <a:p>
+            <a:endParaRPr lang="en-US" spc="-1" dirty="0">
+              <a:uFill>
+                <a:solidFill>
+                  <a:srgbClr val="FFFFFF"/>
+                </a:solidFill>
+              </a:uFill>
+              <a:latin typeface="Trebuchet MS"/>
+            </a:endParaRPr>
+          </a:p>
+          <a:p>
+            <a:endParaRPr lang="en-US" spc="-1" dirty="0">
+              <a:uFill>
+                <a:solidFill>
+                  <a:srgbClr val="FFFFFF"/>
+                </a:solidFill>
+              </a:uFill>
+              <a:latin typeface="Trebuchet MS"/>
+            </a:endParaRPr>
+          </a:p>
+          <a:p>
+            <a:endParaRPr lang="en-US" spc="-1" dirty="0">
+              <a:uFill>
+                <a:solidFill>
+                  <a:srgbClr val="FFFFFF"/>
+                </a:solidFill>
+              </a:uFill>
+              <a:latin typeface="Trebuchet MS"/>
+            </a:endParaRPr>
+          </a:p>
+          <a:p>
+            <a:endParaRPr lang="en-US" spc="-1" dirty="0">
+              <a:uFill>
+                <a:solidFill>
+                  <a:srgbClr val="FFFFFF"/>
+                </a:solidFill>
+              </a:uFill>
+              <a:latin typeface="Trebuchet MS"/>
+            </a:endParaRPr>
+          </a:p>
+          <a:p>
+            <a:endParaRPr lang="en-US" spc="-1" dirty="0">
+              <a:uFill>
+                <a:solidFill>
+                  <a:srgbClr val="FFFFFF"/>
+                </a:solidFill>
+              </a:uFill>
+              <a:latin typeface="Trebuchet MS"/>
+            </a:endParaRPr>
+          </a:p>
+          <a:p>
+            <a:endParaRPr lang="en-US" spc="-1" dirty="0">
+              <a:uFill>
+                <a:solidFill>
+                  <a:srgbClr val="FFFFFF"/>
+                </a:solidFill>
+              </a:uFill>
+              <a:latin typeface="Trebuchet MS"/>
+            </a:endParaRPr>
+          </a:p>
+          <a:p>
+            <a:endParaRPr lang="en-US" spc="-1" dirty="0">
+              <a:uFill>
+                <a:solidFill>
+                  <a:srgbClr val="FFFFFF"/>
+                </a:solidFill>
+              </a:uFill>
+              <a:latin typeface="Trebuchet MS"/>
+            </a:endParaRPr>
+          </a:p>
+          <a:p>
+            <a:endParaRPr lang="en-US" spc="-1" dirty="0">
+              <a:uFill>
+                <a:solidFill>
+                  <a:srgbClr val="FFFFFF"/>
+                </a:solidFill>
+              </a:uFill>
+              <a:latin typeface="Trebuchet MS"/>
+            </a:endParaRPr>
+          </a:p>
+          <a:p>
+            <a:endParaRPr lang="en-US" spc="-1" dirty="0">
+              <a:uFill>
+                <a:solidFill>
+                  <a:srgbClr val="FFFFFF"/>
+                </a:solidFill>
+              </a:uFill>
+              <a:latin typeface="Trebuchet MS"/>
+            </a:endParaRPr>
+          </a:p>
+          <a:p>
+            <a:endParaRPr lang="en-US" spc="-1" dirty="0">
+              <a:uFill>
+                <a:solidFill>
+                  <a:srgbClr val="FFFFFF"/>
+                </a:solidFill>
+              </a:uFill>
+              <a:latin typeface="Trebuchet MS"/>
+            </a:endParaRPr>
+          </a:p>
+          <a:p>
+            <a:r>
+              <a:rPr lang="en-US" spc="-1" dirty="0">
+                <a:uFill>
+                  <a:solidFill>
+                    <a:srgbClr val="FFFFFF"/>
+                  </a:solidFill>
+                </a:uFill>
+                <a:latin typeface="Trebuchet MS"/>
+              </a:rPr>
+              <a:t>Unavoidable data usage</a:t>
+            </a:r>
+          </a:p>
+          <a:p>
+            <a:endParaRPr lang="en-US" spc="-1" dirty="0">
+              <a:uFill>
+                <a:solidFill>
+                  <a:srgbClr val="FFFFFF"/>
+                </a:solidFill>
+              </a:uFill>
+              <a:latin typeface="Trebuchet MS"/>
+            </a:endParaRPr>
+          </a:p>
+          <a:p>
+            <a:endParaRPr lang="en-US" dirty="0"/>
+          </a:p>
+        </p:txBody>
+      </p:sp>
+      <p:pic>
+        <p:nvPicPr>
+          <p:cNvPr id="5" name="Picture 4"/>
+          <p:cNvPicPr/>
+          <p:nvPr/>
+        </p:nvPicPr>
+        <p:blipFill>
+          <a:blip r:embed="rId2"/>
+          <a:srcRect t="23276"/>
+          <a:stretch/>
+        </p:blipFill>
+        <p:spPr>
+          <a:xfrm>
+            <a:off x="2066868" y="2216313"/>
+            <a:ext cx="2680200" cy="3436200"/>
+          </a:xfrm>
+          <a:prstGeom prst="rect">
+            <a:avLst/>
+          </a:prstGeom>
+          <a:ln>
+            <a:noFill/>
+          </a:ln>
+        </p:spPr>
+      </p:pic>
+      <p:pic>
+        <p:nvPicPr>
+          <p:cNvPr id="6" name="Picture 5"/>
+          <p:cNvPicPr/>
+          <p:nvPr/>
+        </p:nvPicPr>
+        <p:blipFill>
+          <a:blip r:embed="rId3"/>
+          <a:srcRect t="22811"/>
+          <a:stretch/>
+        </p:blipFill>
+        <p:spPr>
+          <a:xfrm>
+            <a:off x="5109588" y="2216313"/>
+            <a:ext cx="3016080" cy="3436200"/>
+          </a:xfrm>
+          <a:prstGeom prst="rect">
+            <a:avLst/>
+          </a:prstGeom>
+          <a:ln>
+            <a:noFill/>
+          </a:ln>
+        </p:spPr>
+      </p:pic>
+      <p:pic>
+        <p:nvPicPr>
+          <p:cNvPr id="7" name="Picture 6"/>
+          <p:cNvPicPr/>
+          <p:nvPr/>
+        </p:nvPicPr>
+        <p:blipFill>
+          <a:blip r:embed="rId4"/>
+          <a:srcRect t="22841"/>
+          <a:stretch/>
+        </p:blipFill>
+        <p:spPr>
+          <a:xfrm>
+            <a:off x="8487828" y="2186793"/>
+            <a:ext cx="2643480" cy="3408480"/>
+          </a:xfrm>
+          <a:prstGeom prst="rect">
+            <a:avLst/>
+          </a:prstGeom>
+          <a:ln>
+            <a:noFill/>
+          </a:ln>
+        </p:spPr>
+      </p:pic>
+    </p:spTree>
+    <p:extLst>
+      <p:ext uri="{BB962C8B-B14F-4D97-AF65-F5344CB8AC3E}">
+        <p14:creationId xmlns:p14="http://schemas.microsoft.com/office/powerpoint/2010/main" val="2451446320"/>
+      </p:ext>
+    </p:extLst>
+  </p:cSld>
+  <p:clrMapOvr>
+    <a:masterClrMapping/>
+  </p:clrMapOvr>
+</p:sld>
+</file>
+
+<file path=ppt/slides/slide20.xml><?xml version="1.0" encoding="utf-8"?>
+<p:sld xmlns:a="http://schemas.openxmlformats.org/drawingml/2006/main" xmlns:r="http://schemas.openxmlformats.org/officeDocument/2006/relationships" xmlns:p="http://schemas.openxmlformats.org/presentationml/2006/main">
+  <p:cSld>
+    <p:spTree>
+      <p:nvGrpSpPr>
+        <p:cNvPr id="1" name=""/>
+        <p:cNvGrpSpPr/>
+        <p:nvPr/>
+      </p:nvGrpSpPr>
+      <p:grpSpPr>
+        <a:xfrm>
+          <a:off x="0" y="0"/>
+          <a:ext cx="0" cy="0"/>
+          <a:chOff x="0" y="0"/>
+          <a:chExt cx="0" cy="0"/>
+        </a:xfrm>
+      </p:grpSpPr>
+      <p:sp>
+        <p:nvSpPr>
+          <p:cNvPr id="2" name="Title 1"/>
+          <p:cNvSpPr>
+            <a:spLocks noGrp="1"/>
+          </p:cNvSpPr>
+          <p:nvPr>
+            <p:ph type="title"/>
+          </p:nvPr>
+        </p:nvSpPr>
+        <p:spPr/>
+        <p:txBody>
+          <a:bodyPr/>
+          <a:lstStyle/>
+          <a:p>
+            <a:r>
+              <a:rPr lang="en-US" dirty="0" smtClean="0"/>
+              <a:t>Potential Future Work</a:t>
+            </a:r>
+            <a:endParaRPr lang="en-US" dirty="0"/>
+          </a:p>
+        </p:txBody>
+      </p:sp>
+      <p:sp>
+        <p:nvSpPr>
+          <p:cNvPr id="3" name="Content Placeholder 2"/>
+          <p:cNvSpPr>
+            <a:spLocks noGrp="1"/>
+          </p:cNvSpPr>
+          <p:nvPr>
+            <p:ph idx="1"/>
+          </p:nvPr>
+        </p:nvSpPr>
+        <p:spPr/>
+        <p:txBody>
+          <a:bodyPr/>
+          <a:lstStyle/>
+          <a:p>
+            <a:r>
+              <a:rPr lang="en-US" dirty="0" smtClean="0"/>
+              <a:t>Implement for POST based pre-fetch.</a:t>
+            </a:r>
+          </a:p>
+          <a:p>
+            <a:r>
+              <a:rPr lang="en-US" dirty="0" smtClean="0"/>
+              <a:t>Analyze at Byte Code level</a:t>
+            </a:r>
+          </a:p>
+          <a:p>
+            <a:r>
+              <a:rPr lang="en-US" dirty="0" smtClean="0"/>
+              <a:t>Identify more patterns</a:t>
+            </a:r>
+          </a:p>
+          <a:p>
+            <a:r>
+              <a:rPr lang="en-US" dirty="0" smtClean="0"/>
+              <a:t>Test on more applications.</a:t>
+            </a:r>
+          </a:p>
+          <a:p>
+            <a:endParaRPr lang="en-US" dirty="0"/>
+          </a:p>
+        </p:txBody>
+      </p:sp>
+    </p:spTree>
+    <p:extLst>
+      <p:ext uri="{BB962C8B-B14F-4D97-AF65-F5344CB8AC3E}">
+        <p14:creationId xmlns:p14="http://schemas.microsoft.com/office/powerpoint/2010/main" val="1045082269"/>
+      </p:ext>
+    </p:extLst>
+  </p:cSld>
+  <p:clrMapOvr>
+    <a:masterClrMapping/>
+  </p:clrMapOvr>
+</p:sld>
+</file>
+
+<file path=ppt/slides/slide21.xml><?xml version="1.0" encoding="utf-8"?>
+<p:sld xmlns:a="http://schemas.openxmlformats.org/drawingml/2006/main" xmlns:r="http://schemas.openxmlformats.org/officeDocument/2006/relationships" xmlns:p="http://schemas.openxmlformats.org/presentationml/2006/main">
+  <p:cSld>
+    <p:spTree>
+      <p:nvGrpSpPr>
+        <p:cNvPr id="1" name=""/>
+        <p:cNvGrpSpPr/>
+        <p:nvPr/>
+      </p:nvGrpSpPr>
+      <p:grpSpPr>
+        <a:xfrm>
+          <a:off x="0" y="0"/>
+          <a:ext cx="0" cy="0"/>
+          <a:chOff x="0" y="0"/>
+          <a:chExt cx="0" cy="0"/>
+        </a:xfrm>
+      </p:grpSpPr>
+      <p:sp>
+        <p:nvSpPr>
+          <p:cNvPr id="2" name="Title 1"/>
+          <p:cNvSpPr>
+            <a:spLocks noGrp="1"/>
+          </p:cNvSpPr>
+          <p:nvPr>
+            <p:ph type="title"/>
+          </p:nvPr>
+        </p:nvSpPr>
+        <p:spPr>
+          <a:xfrm>
+            <a:off x="2592925" y="624110"/>
+            <a:ext cx="8911687" cy="617392"/>
+          </a:xfrm>
+        </p:spPr>
+        <p:txBody>
+          <a:bodyPr>
+            <a:normAutofit fontScale="90000"/>
+          </a:bodyPr>
+          <a:lstStyle/>
+          <a:p>
+            <a:r>
+              <a:rPr lang="en-US" dirty="0"/>
+              <a:t>Conclusion</a:t>
+            </a:r>
+          </a:p>
+        </p:txBody>
+      </p:sp>
+      <p:sp>
+        <p:nvSpPr>
+          <p:cNvPr id="3" name="Content Placeholder 2"/>
+          <p:cNvSpPr>
+            <a:spLocks noGrp="1"/>
+          </p:cNvSpPr>
+          <p:nvPr>
+            <p:ph idx="1"/>
+          </p:nvPr>
+        </p:nvSpPr>
+        <p:spPr>
+          <a:xfrm>
+            <a:off x="2589212" y="1241502"/>
+            <a:ext cx="8915400" cy="4669720"/>
+          </a:xfrm>
+        </p:spPr>
+        <p:txBody>
+          <a:bodyPr/>
+          <a:lstStyle/>
+          <a:p>
+            <a:r>
+              <a:rPr lang="en-US" dirty="0"/>
+              <a:t>This work definitely suggests that there is some scope tracking user movements and using it for procrastination</a:t>
+            </a:r>
+          </a:p>
+          <a:p>
+            <a:r>
+              <a:rPr lang="en-US" dirty="0"/>
+              <a:t>(Insert some key results)</a:t>
+            </a:r>
+          </a:p>
+          <a:p>
+            <a:r>
+              <a:rPr lang="en-US" dirty="0"/>
+              <a:t>With our design, it is possible to procrastinate HTTP POST method</a:t>
+            </a:r>
+          </a:p>
+          <a:p>
+            <a:r>
+              <a:rPr lang="en-US" dirty="0"/>
+              <a:t>Bytecode instrumentation would make the static analysis more generalized</a:t>
+            </a:r>
+          </a:p>
+          <a:p>
+            <a:r>
+              <a:rPr lang="en-US" dirty="0"/>
+              <a:t>In this work, we are targeting a fundamental network design in Android, hence with minor modification it should work with various network libraries.</a:t>
+            </a:r>
+          </a:p>
+        </p:txBody>
+      </p:sp>
+    </p:spTree>
+    <p:extLst>
+      <p:ext uri="{BB962C8B-B14F-4D97-AF65-F5344CB8AC3E}">
+        <p14:creationId xmlns:p14="http://schemas.microsoft.com/office/powerpoint/2010/main" val="287513918"/>
+      </p:ext>
+    </p:extLst>
+  </p:cSld>
+  <p:clrMapOvr>
+    <a:masterClrMapping/>
+  </p:clrMapOvr>
+</p:sld>
+</file>
+
+<file path=ppt/slides/slide3.xml><?xml version="1.0" encoding="utf-8"?>
+<p:sld xmlns:a="http://schemas.openxmlformats.org/drawingml/2006/main" xmlns:r="http://schemas.openxmlformats.org/officeDocument/2006/relationships" xmlns:p="http://schemas.openxmlformats.org/presentationml/2006/main">
+  <p:cSld>
+    <p:spTree>
+      <p:nvGrpSpPr>
+        <p:cNvPr id="1" name=""/>
+        <p:cNvGrpSpPr/>
+        <p:nvPr/>
+      </p:nvGrpSpPr>
+      <p:grpSpPr>
+        <a:xfrm>
+          <a:off x="0" y="0"/>
+          <a:ext cx="0" cy="0"/>
+          <a:chOff x="0" y="0"/>
+          <a:chExt cx="0" cy="0"/>
+        </a:xfrm>
+      </p:grpSpPr>
+      <p:sp>
+        <p:nvSpPr>
+          <p:cNvPr id="2" name="Rectangle 1"/>
+          <p:cNvSpPr/>
+          <p:nvPr/>
+        </p:nvSpPr>
+        <p:spPr>
+          <a:xfrm>
+            <a:off x="7836061" y="4605582"/>
+            <a:ext cx="1566455" cy="923330"/>
+          </a:xfrm>
+          <a:prstGeom prst="rect">
+            <a:avLst/>
+          </a:prstGeom>
+          <a:noFill/>
+        </p:spPr>
+        <p:txBody>
+          <a:bodyPr wrap="none" lIns="91440" tIns="45720" rIns="91440" bIns="45720">
+            <a:spAutoFit/>
+          </a:bodyPr>
+          <a:lstStyle/>
+          <a:p>
+            <a:pPr algn="ctr"/>
+            <a:r>
+              <a:rPr lang="en-US" sz="5400" dirty="0" smtClean="0">
+                <a:ln w="0"/>
+                <a:solidFill>
+                  <a:schemeClr val="accent1"/>
+                </a:solidFill>
+                <a:effectLst>
+                  <a:outerShdw blurRad="38100" dist="25400" dir="5400000" algn="ctr" rotWithShape="0">
+                    <a:srgbClr val="6E747A">
+                      <a:alpha val="43000"/>
+                    </a:srgbClr>
+                  </a:outerShdw>
+                </a:effectLst>
+              </a:rPr>
+              <a:t>User</a:t>
+            </a:r>
+            <a:endParaRPr lang="en-US" sz="5400" b="0" cap="none" spc="0" dirty="0">
+              <a:ln w="0"/>
+              <a:solidFill>
+                <a:schemeClr val="accent1"/>
+              </a:solidFill>
+              <a:effectLst>
+                <a:outerShdw blurRad="38100" dist="25400" dir="5400000" algn="ctr" rotWithShape="0">
+                  <a:srgbClr val="6E747A">
+                    <a:alpha val="43000"/>
+                  </a:srgbClr>
+                </a:outerShdw>
+              </a:effectLst>
+            </a:endParaRPr>
+          </a:p>
+        </p:txBody>
+      </p:sp>
+      <p:pic>
+        <p:nvPicPr>
+          <p:cNvPr id="3" name="Picture 2"/>
+          <p:cNvPicPr>
+            <a:picLocks noChangeAspect="1"/>
+          </p:cNvPicPr>
+          <p:nvPr/>
+        </p:nvPicPr>
+        <p:blipFill>
+          <a:blip r:embed="rId2">
+            <a:extLst>
+              <a:ext uri="{28A0092B-C50C-407E-A947-70E740481C1C}">
+                <a14:useLocalDpi xmlns:a14="http://schemas.microsoft.com/office/drawing/2010/main" val="0"/>
+              </a:ext>
+            </a:extLst>
+          </a:blip>
+          <a:stretch>
+            <a:fillRect/>
+          </a:stretch>
+        </p:blipFill>
+        <p:spPr>
+          <a:xfrm>
+            <a:off x="7325272" y="2479832"/>
+            <a:ext cx="2661285" cy="2025665"/>
+          </a:xfrm>
+          <a:prstGeom prst="rect">
+            <a:avLst/>
+          </a:prstGeom>
+        </p:spPr>
+      </p:pic>
+      <p:pic>
+        <p:nvPicPr>
+          <p:cNvPr id="4" name="Picture 3"/>
+          <p:cNvPicPr>
+            <a:picLocks noChangeAspect="1"/>
+          </p:cNvPicPr>
+          <p:nvPr/>
+        </p:nvPicPr>
+        <p:blipFill>
+          <a:blip r:embed="rId3" cstate="print">
+            <a:extLst>
+              <a:ext uri="{28A0092B-C50C-407E-A947-70E740481C1C}">
+                <a14:useLocalDpi xmlns:a14="http://schemas.microsoft.com/office/drawing/2010/main" val="0"/>
+              </a:ext>
+            </a:extLst>
+          </a:blip>
+          <a:stretch>
+            <a:fillRect/>
+          </a:stretch>
+        </p:blipFill>
+        <p:spPr>
+          <a:xfrm>
+            <a:off x="1937882" y="2484178"/>
+            <a:ext cx="1856014" cy="1856014"/>
+          </a:xfrm>
+          <a:prstGeom prst="rect">
+            <a:avLst/>
+          </a:prstGeom>
+        </p:spPr>
+      </p:pic>
+      <p:sp>
+        <p:nvSpPr>
+          <p:cNvPr id="6" name="Rectangle 5"/>
+          <p:cNvSpPr/>
+          <p:nvPr/>
+        </p:nvSpPr>
+        <p:spPr>
+          <a:xfrm>
+            <a:off x="1012657" y="4605582"/>
+            <a:ext cx="3706464" cy="923330"/>
+          </a:xfrm>
+          <a:prstGeom prst="rect">
+            <a:avLst/>
+          </a:prstGeom>
+          <a:noFill/>
+        </p:spPr>
+        <p:txBody>
+          <a:bodyPr wrap="none" lIns="91440" tIns="45720" rIns="91440" bIns="45720">
+            <a:spAutoFit/>
+          </a:bodyPr>
+          <a:lstStyle/>
+          <a:p>
+            <a:pPr algn="ctr"/>
+            <a:r>
+              <a:rPr lang="en-US" sz="5400" dirty="0" smtClean="0">
+                <a:ln w="0"/>
+                <a:solidFill>
+                  <a:schemeClr val="accent1"/>
+                </a:solidFill>
+                <a:effectLst>
+                  <a:outerShdw blurRad="38100" dist="25400" dir="5400000" algn="ctr" rotWithShape="0">
+                    <a:srgbClr val="6E747A">
+                      <a:alpha val="43000"/>
+                    </a:srgbClr>
+                  </a:outerShdw>
+                </a:effectLst>
+              </a:rPr>
+              <a:t>Developer</a:t>
+            </a:r>
+            <a:endParaRPr lang="en-US" sz="5400" b="0" cap="none" spc="0" dirty="0">
+              <a:ln w="0"/>
+              <a:solidFill>
+                <a:schemeClr val="accent1"/>
+              </a:solidFill>
+              <a:effectLst>
+                <a:outerShdw blurRad="38100" dist="25400" dir="5400000" algn="ctr" rotWithShape="0">
+                  <a:srgbClr val="6E747A">
+                    <a:alpha val="43000"/>
+                  </a:srgbClr>
+                </a:outerShdw>
+              </a:effectLst>
+            </a:endParaRPr>
+          </a:p>
+        </p:txBody>
+      </p:sp>
+      <p:sp>
+        <p:nvSpPr>
+          <p:cNvPr id="7" name="Title 1"/>
+          <p:cNvSpPr txBox="1">
+            <a:spLocks/>
+          </p:cNvSpPr>
+          <p:nvPr/>
+        </p:nvSpPr>
+        <p:spPr>
+          <a:xfrm>
+            <a:off x="1937882" y="865179"/>
+            <a:ext cx="8911687" cy="1280890"/>
+          </a:xfrm>
+          <a:prstGeom prst="rect">
+            <a:avLst/>
+          </a:prstGeom>
+        </p:spPr>
+        <p:txBody>
+          <a:bodyPr/>
+          <a:lstStyle>
+            <a:lvl1pPr algn="l" defTabSz="457200" rtl="0" eaLnBrk="1" latinLnBrk="0" hangingPunct="1">
+              <a:spcBef>
+                <a:spcPct val="0"/>
+              </a:spcBef>
+              <a:buNone/>
+              <a:defRPr sz="3600" kern="1200">
+                <a:solidFill>
+                  <a:schemeClr val="accent2">
+                    <a:lumMod val="75000"/>
+                  </a:schemeClr>
+                </a:solidFill>
+                <a:latin typeface="+mj-lt"/>
+                <a:ea typeface="+mj-ea"/>
+                <a:cs typeface="+mj-cs"/>
+              </a:defRPr>
+            </a:lvl1pPr>
+            <a:lvl2pPr eaLnBrk="1" hangingPunct="1">
+              <a:defRPr>
+                <a:solidFill>
+                  <a:schemeClr val="tx2"/>
+                </a:solidFill>
+              </a:defRPr>
+            </a:lvl2pPr>
+            <a:lvl3pPr eaLnBrk="1" hangingPunct="1">
+              <a:defRPr>
+                <a:solidFill>
+                  <a:schemeClr val="tx2"/>
+                </a:solidFill>
+              </a:defRPr>
+            </a:lvl3pPr>
+            <a:lvl4pPr eaLnBrk="1" hangingPunct="1">
+              <a:defRPr>
+                <a:solidFill>
+                  <a:schemeClr val="tx2"/>
+                </a:solidFill>
+              </a:defRPr>
+            </a:lvl4pPr>
+            <a:lvl5pPr eaLnBrk="1" hangingPunct="1">
+              <a:defRPr>
+                <a:solidFill>
+                  <a:schemeClr val="tx2"/>
+                </a:solidFill>
+              </a:defRPr>
+            </a:lvl5pPr>
+            <a:lvl6pPr eaLnBrk="1" hangingPunct="1">
+              <a:defRPr>
+                <a:solidFill>
+                  <a:schemeClr val="tx2"/>
+                </a:solidFill>
+              </a:defRPr>
+            </a:lvl6pPr>
+            <a:lvl7pPr eaLnBrk="1" hangingPunct="1">
+              <a:defRPr>
+                <a:solidFill>
+                  <a:schemeClr val="tx2"/>
+                </a:solidFill>
+              </a:defRPr>
+            </a:lvl7pPr>
+            <a:lvl8pPr eaLnBrk="1" hangingPunct="1">
+              <a:defRPr>
+                <a:solidFill>
+                  <a:schemeClr val="tx2"/>
+                </a:solidFill>
+              </a:defRPr>
+            </a:lvl8pPr>
+            <a:lvl9pPr eaLnBrk="1" hangingPunct="1">
+              <a:defRPr>
+                <a:solidFill>
+                  <a:schemeClr val="tx2"/>
+                </a:solidFill>
+              </a:defRPr>
+            </a:lvl9pPr>
+          </a:lstStyle>
+          <a:p>
+            <a:r>
+              <a:rPr lang="en-US" dirty="0" smtClean="0"/>
+              <a:t>Story of a Developer and a User</a:t>
+            </a:r>
+            <a:endParaRPr lang="en-US" dirty="0"/>
+          </a:p>
+        </p:txBody>
+      </p:sp>
+    </p:spTree>
+    <p:extLst>
+      <p:ext uri="{BB962C8B-B14F-4D97-AF65-F5344CB8AC3E}">
+        <p14:creationId xmlns:p14="http://schemas.microsoft.com/office/powerpoint/2010/main" val="1409970001"/>
+      </p:ext>
+    </p:extLst>
+  </p:cSld>
+  <p:clrMapOvr>
+    <a:masterClrMapping/>
+  </p:clrMapOvr>
+  <mc:AlternateContent xmlns:mc="http://schemas.openxmlformats.org/markup-compatibility/2006" xmlns:p14="http://schemas.microsoft.com/office/powerpoint/2010/main">
+    <mc:Choice Requires="p14">
+      <p:transition p14:dur="0"/>
+    </mc:Choice>
+    <mc:Fallback xmlns="">
+      <p:transition/>
+    </mc:Fallback>
+  </mc:AlternateContent>
+  <p:timing>
+    <p:tnLst>
+      <p:par>
+        <p:cTn id="1" dur="indefinite" restart="never" nodeType="tmRoot">
+          <p:childTnLst>
+            <p:seq concurrent="1" nextAc="seek">
+              <p:cTn id="2" dur="indefinite" nodeType="mainSeq">
+                <p:childTnLst>
+                  <p:par>
+                    <p:cTn id="3" fill="hold">
+                      <p:stCondLst>
+                        <p:cond delay="indefinite"/>
+                      </p:stCondLst>
+                      <p:childTnLst>
+                        <p:par>
+                          <p:cTn id="4" fill="hold">
+                            <p:stCondLst>
+                              <p:cond delay="0"/>
+                            </p:stCondLst>
+                            <p:childTnLst>
+                              <p:par>
+                                <p:cTn id="5" presetID="1" presetClass="entr" presetSubtype="0" fill="hold" nodeType="clickEffect">
+                                  <p:stCondLst>
+                                    <p:cond delay="0"/>
+                                  </p:stCondLst>
+                                  <p:childTnLst>
+                                    <p:set>
+                                      <p:cBhvr>
+                                        <p:cTn id="6" dur="1" fill="hold">
+                                          <p:stCondLst>
+                                            <p:cond delay="0"/>
+                                          </p:stCondLst>
+                                        </p:cTn>
+                                        <p:tgtEl>
+                                          <p:spTgt spid="3"/>
+                                        </p:tgtEl>
+                                        <p:attrNameLst>
+                                          <p:attrName>style.visibility</p:attrName>
+                                        </p:attrNameLst>
+                                      </p:cBhvr>
+                                      <p:to>
+                                        <p:strVal val="visible"/>
+                                      </p:to>
+                                    </p:set>
+                                  </p:childTnLst>
+                                </p:cTn>
+                              </p:par>
+                            </p:childTnLst>
+                          </p:cTn>
+                        </p:par>
+                      </p:childTnLst>
+                    </p:cTn>
+                  </p:par>
+                  <p:par>
+                    <p:cTn id="7" fill="hold">
+                      <p:stCondLst>
+                        <p:cond delay="indefinite"/>
+                      </p:stCondLst>
+                      <p:childTnLst>
+                        <p:par>
+                          <p:cTn id="8" fill="hold">
+                            <p:stCondLst>
+                              <p:cond delay="0"/>
+                            </p:stCondLst>
+                            <p:childTnLst>
+                              <p:par>
+                                <p:cTn id="9" presetID="1" presetClass="entr" presetSubtype="0" fill="hold" nodeType="clickEffect">
+                                  <p:stCondLst>
+                                    <p:cond delay="0"/>
+                                  </p:stCondLst>
+                                  <p:childTnLst>
+                                    <p:set>
+                                      <p:cBhvr>
+                                        <p:cTn id="10" dur="1" fill="hold">
+                                          <p:stCondLst>
+                                            <p:cond delay="0"/>
+                                          </p:stCondLst>
+                                        </p:cTn>
+                                        <p:tgtEl>
+                                          <p:spTgt spid="4"/>
+                                        </p:tgtEl>
+                                        <p:attrNameLst>
+                                          <p:attrName>style.visibility</p:attrName>
+                                        </p:attrNameLst>
+                                      </p:cBhvr>
+                                      <p:to>
+                                        <p:strVal val="visible"/>
+                                      </p:to>
+                                    </p:set>
+                                  </p:childTnLst>
+                                </p:cTn>
+                              </p:par>
+                            </p:childTnLst>
+                          </p:cTn>
+                        </p:par>
+                      </p:childTnLst>
+                    </p:cTn>
+                  </p:par>
+                </p:childTnLst>
+              </p:cTn>
+              <p:prevCondLst>
+                <p:cond evt="onPrev" delay="0">
+                  <p:tgtEl>
+                    <p:sldTgt/>
+                  </p:tgtEl>
+                </p:cond>
+              </p:prevCondLst>
+              <p:nextCondLst>
+                <p:cond evt="onNext" delay="0">
+                  <p:tgtEl>
+                    <p:sldTgt/>
+                  </p:tgtEl>
+                </p:cond>
+              </p:nextCondLst>
+            </p:seq>
+          </p:childTnLst>
+        </p:cTn>
+      </p:par>
+    </p:tnLst>
+  </p:timing>
+</p:sld>
+</file>
+
+<file path=ppt/slides/slide4.xml><?xml version="1.0" encoding="utf-8"?>
+<p:sld xmlns:a="http://schemas.openxmlformats.org/drawingml/2006/main" xmlns:r="http://schemas.openxmlformats.org/officeDocument/2006/relationships" xmlns:p="http://schemas.openxmlformats.org/presentationml/2006/main">
+  <p:cSld>
+    <p:spTree>
+      <p:nvGrpSpPr>
+        <p:cNvPr id="1" name=""/>
+        <p:cNvGrpSpPr/>
+        <p:nvPr/>
+      </p:nvGrpSpPr>
+      <p:grpSpPr>
+        <a:xfrm>
+          <a:off x="0" y="0"/>
+          <a:ext cx="0" cy="0"/>
+          <a:chOff x="0" y="0"/>
+          <a:chExt cx="0" cy="0"/>
+        </a:xfrm>
+      </p:grpSpPr>
+      <p:pic>
+        <p:nvPicPr>
+          <p:cNvPr id="4" name="Picture 3"/>
+          <p:cNvPicPr>
+            <a:picLocks noChangeAspect="1"/>
+          </p:cNvPicPr>
+          <p:nvPr/>
+        </p:nvPicPr>
+        <p:blipFill>
+          <a:blip r:embed="rId2" cstate="print">
+            <a:extLst>
+              <a:ext uri="{28A0092B-C50C-407E-A947-70E740481C1C}">
+                <a14:useLocalDpi xmlns:a14="http://schemas.microsoft.com/office/drawing/2010/main" val="0"/>
+              </a:ext>
+            </a:extLst>
+          </a:blip>
+          <a:stretch>
+            <a:fillRect/>
+          </a:stretch>
+        </p:blipFill>
+        <p:spPr>
+          <a:xfrm>
+            <a:off x="1971133" y="2159365"/>
+            <a:ext cx="1856014" cy="1856014"/>
+          </a:xfrm>
+          <a:prstGeom prst="rect">
+            <a:avLst/>
+          </a:prstGeom>
+        </p:spPr>
+      </p:pic>
+      <p:sp>
+        <p:nvSpPr>
+          <p:cNvPr id="5" name="Rectangle 4"/>
+          <p:cNvSpPr/>
+          <p:nvPr/>
+        </p:nvSpPr>
+        <p:spPr>
+          <a:xfrm>
+            <a:off x="1220475" y="4015379"/>
+            <a:ext cx="3706464" cy="923330"/>
+          </a:xfrm>
+          <a:prstGeom prst="rect">
+            <a:avLst/>
+          </a:prstGeom>
+          <a:noFill/>
+        </p:spPr>
+        <p:txBody>
+          <a:bodyPr wrap="none" lIns="91440" tIns="45720" rIns="91440" bIns="45720">
+            <a:spAutoFit/>
+          </a:bodyPr>
+          <a:lstStyle/>
+          <a:p>
+            <a:pPr algn="ctr"/>
+            <a:r>
+              <a:rPr lang="en-US" sz="5400" dirty="0" smtClean="0">
+                <a:ln w="0"/>
+                <a:solidFill>
+                  <a:schemeClr val="accent1"/>
+                </a:solidFill>
+                <a:effectLst>
+                  <a:outerShdw blurRad="38100" dist="25400" dir="5400000" algn="ctr" rotWithShape="0">
+                    <a:srgbClr val="6E747A">
+                      <a:alpha val="43000"/>
+                    </a:srgbClr>
+                  </a:outerShdw>
+                </a:effectLst>
+              </a:rPr>
+              <a:t>Developer</a:t>
+            </a:r>
+            <a:endParaRPr lang="en-US" sz="5400" b="0" cap="none" spc="0" dirty="0">
+              <a:ln w="0"/>
+              <a:solidFill>
+                <a:schemeClr val="accent1"/>
+              </a:solidFill>
+              <a:effectLst>
+                <a:outerShdw blurRad="38100" dist="25400" dir="5400000" algn="ctr" rotWithShape="0">
+                  <a:srgbClr val="6E747A">
+                    <a:alpha val="43000"/>
+                  </a:srgbClr>
+                </a:outerShdw>
+              </a:effectLst>
+            </a:endParaRPr>
+          </a:p>
+        </p:txBody>
+      </p:sp>
+      <p:sp>
+        <p:nvSpPr>
+          <p:cNvPr id="6" name="Content Placeholder 2"/>
+          <p:cNvSpPr>
+            <a:spLocks noGrp="1"/>
+          </p:cNvSpPr>
+          <p:nvPr>
+            <p:ph idx="1"/>
+          </p:nvPr>
+        </p:nvSpPr>
+        <p:spPr>
+          <a:xfrm>
+            <a:off x="5234510" y="1742903"/>
+            <a:ext cx="5721665" cy="3884813"/>
+          </a:xfrm>
+        </p:spPr>
+        <p:txBody>
+          <a:bodyPr/>
+          <a:lstStyle/>
+          <a:p>
+            <a:r>
+              <a:rPr lang="en-US" dirty="0" smtClean="0"/>
+              <a:t>I will make a </a:t>
+            </a:r>
+            <a:r>
+              <a:rPr lang="en-US" b="1" i="1" dirty="0" smtClean="0"/>
+              <a:t>Super Cool</a:t>
+            </a:r>
+            <a:r>
+              <a:rPr lang="en-US" dirty="0" smtClean="0"/>
+              <a:t> app.</a:t>
+            </a:r>
+          </a:p>
+          <a:p>
+            <a:endParaRPr lang="en-US" dirty="0"/>
+          </a:p>
+          <a:p>
+            <a:r>
+              <a:rPr lang="en-US" dirty="0" smtClean="0"/>
+              <a:t>The app should be fast and have no latency.</a:t>
+            </a:r>
+          </a:p>
+          <a:p>
+            <a:endParaRPr lang="en-US" dirty="0"/>
+          </a:p>
+          <a:p>
+            <a:r>
+              <a:rPr lang="en-US" dirty="0" smtClean="0"/>
+              <a:t>How do I make it Fast? </a:t>
+            </a:r>
+          </a:p>
+          <a:p>
+            <a:endParaRPr lang="en-US" b="1" i="1" dirty="0"/>
+          </a:p>
+          <a:p>
+            <a:r>
+              <a:rPr lang="en-US" b="1" i="1" dirty="0" smtClean="0"/>
+              <a:t>Solution: Pre-fetch</a:t>
+            </a:r>
+            <a:r>
+              <a:rPr lang="en-US" dirty="0" smtClean="0"/>
+              <a:t>.</a:t>
+            </a:r>
+          </a:p>
+          <a:p>
+            <a:endParaRPr lang="en-US" dirty="0"/>
+          </a:p>
+          <a:p>
+            <a:endParaRPr lang="en-US" dirty="0" smtClean="0"/>
+          </a:p>
+          <a:p>
+            <a:endParaRPr lang="en-US" dirty="0"/>
+          </a:p>
+          <a:p>
+            <a:endParaRPr lang="en-US" dirty="0"/>
+          </a:p>
+        </p:txBody>
+      </p:sp>
+    </p:spTree>
+    <p:extLst>
+      <p:ext uri="{BB962C8B-B14F-4D97-AF65-F5344CB8AC3E}">
+        <p14:creationId xmlns:p14="http://schemas.microsoft.com/office/powerpoint/2010/main" val="2207665222"/>
+      </p:ext>
+    </p:extLst>
+  </p:cSld>
+  <p:clrMapOvr>
+    <a:masterClrMapping/>
+  </p:clrMapOvr>
+  <p:timing>
+    <p:tnLst>
+      <p:par>
+        <p:cTn id="1" dur="indefinite" restart="never" nodeType="tmRoot">
+          <p:childTnLst>
+            <p:seq concurrent="1" nextAc="seek">
+              <p:cTn id="2" dur="indefinite" nodeType="mainSeq">
+                <p:childTnLst>
+                  <p:par>
+                    <p:cTn id="3" fill="hold">
+                      <p:stCondLst>
+                        <p:cond delay="indefinite"/>
+                      </p:stCondLst>
+                      <p:childTnLst>
+                        <p:par>
+                          <p:cTn id="4" fill="hold">
+                            <p:stCondLst>
+                              <p:cond delay="0"/>
+                            </p:stCondLst>
+                            <p:childTnLst>
+                              <p:par>
+                                <p:cTn id="5" presetID="1" presetClass="entr" presetSubtype="0" fill="hold" nodeType="clickEffect">
+                                  <p:stCondLst>
+                                    <p:cond delay="0"/>
+                                  </p:stCondLst>
+                                  <p:childTnLst>
+                                    <p:set>
+                                      <p:cBhvr>
+                                        <p:cTn id="6" dur="1" fill="hold">
+                                          <p:stCondLst>
+                                            <p:cond delay="0"/>
+                                          </p:stCondLst>
+                                        </p:cTn>
+                                        <p:tgtEl>
+                                          <p:spTgt spid="4"/>
+                                        </p:tgtEl>
+                                        <p:attrNameLst>
+                                          <p:attrName>style.visibility</p:attrName>
+                                        </p:attrNameLst>
+                                      </p:cBhvr>
+                                      <p:to>
+                                        <p:strVal val="visible"/>
+                                      </p:to>
+                                    </p:set>
+                                  </p:childTnLst>
+                                </p:cTn>
+                              </p:par>
+                            </p:childTnLst>
+                          </p:cTn>
+                        </p:par>
+                      </p:childTnLst>
+                    </p:cTn>
+                  </p:par>
+                </p:childTnLst>
+              </p:cTn>
+              <p:prevCondLst>
+                <p:cond evt="onPrev" delay="0">
+                  <p:tgtEl>
+                    <p:sldTgt/>
+                  </p:tgtEl>
+                </p:cond>
+              </p:prevCondLst>
+              <p:nextCondLst>
+                <p:cond evt="onNext" delay="0">
+                  <p:tgtEl>
+                    <p:sldTgt/>
+                  </p:tgtEl>
+                </p:cond>
+              </p:nextCondLst>
+            </p:seq>
+          </p:childTnLst>
+        </p:cTn>
+      </p:par>
+    </p:tnLst>
+  </p:timing>
+</p:sld>
+</file>
+
+<file path=ppt/slides/slide5.xml><?xml version="1.0" encoding="utf-8"?>
+<p:sld xmlns:a="http://schemas.openxmlformats.org/drawingml/2006/main" xmlns:r="http://schemas.openxmlformats.org/officeDocument/2006/relationships" xmlns:p="http://schemas.openxmlformats.org/presentationml/2006/main">
+  <p:cSld>
+    <p:spTree>
+      <p:nvGrpSpPr>
+        <p:cNvPr id="1" name=""/>
+        <p:cNvGrpSpPr/>
+        <p:nvPr/>
+      </p:nvGrpSpPr>
+      <p:grpSpPr>
+        <a:xfrm>
+          <a:off x="0" y="0"/>
+          <a:ext cx="0" cy="0"/>
+          <a:chOff x="0" y="0"/>
+          <a:chExt cx="0" cy="0"/>
+        </a:xfrm>
+      </p:grpSpPr>
+      <p:sp>
+        <p:nvSpPr>
+          <p:cNvPr id="5" name="Rectangle 4"/>
+          <p:cNvSpPr/>
+          <p:nvPr/>
+        </p:nvSpPr>
+        <p:spPr>
+          <a:xfrm>
+            <a:off x="2290481" y="4015379"/>
+            <a:ext cx="1566455" cy="923330"/>
+          </a:xfrm>
+          <a:prstGeom prst="rect">
+            <a:avLst/>
+          </a:prstGeom>
+          <a:noFill/>
+        </p:spPr>
+        <p:txBody>
+          <a:bodyPr wrap="none" lIns="91440" tIns="45720" rIns="91440" bIns="45720">
+            <a:spAutoFit/>
+          </a:bodyPr>
+          <a:lstStyle/>
+          <a:p>
+            <a:pPr algn="ctr"/>
+            <a:r>
+              <a:rPr lang="en-US" sz="5400" dirty="0" smtClean="0">
+                <a:ln w="0"/>
+                <a:solidFill>
+                  <a:schemeClr val="accent1"/>
+                </a:solidFill>
+                <a:effectLst>
+                  <a:outerShdw blurRad="38100" dist="25400" dir="5400000" algn="ctr" rotWithShape="0">
+                    <a:srgbClr val="6E747A">
+                      <a:alpha val="43000"/>
+                    </a:srgbClr>
+                  </a:outerShdw>
+                </a:effectLst>
+              </a:rPr>
+              <a:t>User</a:t>
+            </a:r>
+            <a:endParaRPr lang="en-US" sz="5400" b="0" cap="none" spc="0" dirty="0">
+              <a:ln w="0"/>
+              <a:solidFill>
+                <a:schemeClr val="accent1"/>
+              </a:solidFill>
+              <a:effectLst>
+                <a:outerShdw blurRad="38100" dist="25400" dir="5400000" algn="ctr" rotWithShape="0">
+                  <a:srgbClr val="6E747A">
+                    <a:alpha val="43000"/>
+                  </a:srgbClr>
+                </a:outerShdw>
+              </a:effectLst>
+            </a:endParaRPr>
+          </a:p>
+        </p:txBody>
+      </p:sp>
+      <p:sp>
+        <p:nvSpPr>
+          <p:cNvPr id="6" name="Content Placeholder 2"/>
+          <p:cNvSpPr>
+            <a:spLocks noGrp="1"/>
+          </p:cNvSpPr>
+          <p:nvPr>
+            <p:ph idx="1"/>
+          </p:nvPr>
+        </p:nvSpPr>
+        <p:spPr>
+          <a:xfrm>
+            <a:off x="5234510" y="1742903"/>
+            <a:ext cx="5721665" cy="2870661"/>
+          </a:xfrm>
+        </p:spPr>
+        <p:txBody>
+          <a:bodyPr/>
+          <a:lstStyle/>
+          <a:p>
+            <a:r>
+              <a:rPr lang="en-US" dirty="0" smtClean="0"/>
+              <a:t>Installs the </a:t>
+            </a:r>
+            <a:r>
+              <a:rPr lang="en-US" b="1" i="1" dirty="0" smtClean="0"/>
+              <a:t>Cool app</a:t>
+            </a:r>
+            <a:r>
+              <a:rPr lang="en-US" dirty="0" smtClean="0"/>
+              <a:t>.</a:t>
+            </a:r>
+          </a:p>
+          <a:p>
+            <a:endParaRPr lang="en-US" dirty="0"/>
+          </a:p>
+          <a:p>
+            <a:r>
+              <a:rPr lang="en-US" dirty="0" smtClean="0"/>
+              <a:t>Uses it for few days.</a:t>
+            </a:r>
+          </a:p>
+          <a:p>
+            <a:endParaRPr lang="en-US" dirty="0"/>
+          </a:p>
+          <a:p>
+            <a:r>
+              <a:rPr lang="en-US" b="1" i="1" dirty="0" smtClean="0"/>
+              <a:t>Reaction: Wow! This app is so fast and useful.</a:t>
+            </a:r>
+          </a:p>
+          <a:p>
+            <a:endParaRPr lang="en-US" b="1" i="1" dirty="0"/>
+          </a:p>
+          <a:p>
+            <a:endParaRPr lang="en-US" dirty="0"/>
+          </a:p>
+          <a:p>
+            <a:endParaRPr lang="en-US" dirty="0" smtClean="0"/>
+          </a:p>
+          <a:p>
+            <a:endParaRPr lang="en-US" dirty="0"/>
+          </a:p>
+          <a:p>
+            <a:endParaRPr lang="en-US" dirty="0"/>
+          </a:p>
+        </p:txBody>
+      </p:sp>
+      <p:pic>
+        <p:nvPicPr>
+          <p:cNvPr id="7" name="Picture 6"/>
+          <p:cNvPicPr>
+            <a:picLocks noChangeAspect="1"/>
+          </p:cNvPicPr>
+          <p:nvPr/>
+        </p:nvPicPr>
+        <p:blipFill>
+          <a:blip r:embed="rId2">
+            <a:extLst>
+              <a:ext uri="{28A0092B-C50C-407E-A947-70E740481C1C}">
+                <a14:useLocalDpi xmlns:a14="http://schemas.microsoft.com/office/drawing/2010/main" val="0"/>
+              </a:ext>
+            </a:extLst>
+          </a:blip>
+          <a:stretch>
+            <a:fillRect/>
+          </a:stretch>
+        </p:blipFill>
+        <p:spPr>
+          <a:xfrm>
+            <a:off x="1614429" y="1843482"/>
+            <a:ext cx="2661285" cy="2025665"/>
+          </a:xfrm>
+          <a:prstGeom prst="rect">
+            <a:avLst/>
+          </a:prstGeom>
+        </p:spPr>
+      </p:pic>
+    </p:spTree>
+    <p:extLst>
+      <p:ext uri="{BB962C8B-B14F-4D97-AF65-F5344CB8AC3E}">
+        <p14:creationId xmlns:p14="http://schemas.microsoft.com/office/powerpoint/2010/main" val="66493655"/>
+      </p:ext>
+    </p:extLst>
+  </p:cSld>
+  <p:clrMapOvr>
+    <a:masterClrMapping/>
+  </p:clrMapOvr>
+  <p:timing>
+    <p:tnLst>
+      <p:par>
+        <p:cTn id="1" dur="indefinite" restart="never" nodeType="tmRoot">
+          <p:childTnLst>
+            <p:seq concurrent="1" nextAc="seek">
+              <p:cTn id="2" dur="indefinite" nodeType="mainSeq">
+                <p:childTnLst>
+                  <p:par>
+                    <p:cTn id="3" fill="hold">
+                      <p:stCondLst>
+                        <p:cond delay="indefinite"/>
+                      </p:stCondLst>
+                      <p:childTnLst>
+                        <p:par>
+                          <p:cTn id="4" fill="hold">
+                            <p:stCondLst>
+                              <p:cond delay="0"/>
+                            </p:stCondLst>
+                            <p:childTnLst>
+                              <p:par>
+                                <p:cTn id="5" presetID="1" presetClass="entr" presetSubtype="0" fill="hold" nodeType="clickEffect">
+                                  <p:stCondLst>
+                                    <p:cond delay="0"/>
+                                  </p:stCondLst>
+                                  <p:childTnLst>
+                                    <p:set>
+                                      <p:cBhvr>
+                                        <p:cTn id="6" dur="1" fill="hold">
+                                          <p:stCondLst>
+                                            <p:cond delay="0"/>
+                                          </p:stCondLst>
+                                        </p:cTn>
+                                        <p:tgtEl>
+                                          <p:spTgt spid="7"/>
+                                        </p:tgtEl>
+                                        <p:attrNameLst>
+                                          <p:attrName>style.visibility</p:attrName>
+                                        </p:attrNameLst>
+                                      </p:cBhvr>
+                                      <p:to>
+                                        <p:strVal val="visible"/>
+                                      </p:to>
+                                    </p:set>
+                                  </p:childTnLst>
+                                </p:cTn>
+                              </p:par>
+                            </p:childTnLst>
+                          </p:cTn>
+                        </p:par>
+                      </p:childTnLst>
+                    </p:cTn>
+                  </p:par>
+                </p:childTnLst>
+              </p:cTn>
+              <p:prevCondLst>
+                <p:cond evt="onPrev" delay="0">
+                  <p:tgtEl>
+                    <p:sldTgt/>
+                  </p:tgtEl>
+                </p:cond>
+              </p:prevCondLst>
+              <p:nextCondLst>
+                <p:cond evt="onNext" delay="0">
+                  <p:tgtEl>
+                    <p:sldTgt/>
+                  </p:tgtEl>
+                </p:cond>
+              </p:nextCondLst>
+            </p:seq>
+          </p:childTnLst>
+        </p:cTn>
+      </p:par>
+    </p:tnLst>
+  </p:timing>
+</p:sld>
+</file>
+
+<file path=ppt/slides/slide6.xml><?xml version="1.0" encoding="utf-8"?>
+<p:sld xmlns:a="http://schemas.openxmlformats.org/drawingml/2006/main" xmlns:r="http://schemas.openxmlformats.org/officeDocument/2006/relationships" xmlns:p="http://schemas.openxmlformats.org/presentationml/2006/main">
+  <p:cSld>
+    <p:spTree>
+      <p:nvGrpSpPr>
+        <p:cNvPr id="1" name=""/>
+        <p:cNvGrpSpPr/>
+        <p:nvPr/>
+      </p:nvGrpSpPr>
+      <p:grpSpPr>
+        <a:xfrm>
+          <a:off x="0" y="0"/>
+          <a:ext cx="0" cy="0"/>
+          <a:chOff x="0" y="0"/>
+          <a:chExt cx="0" cy="0"/>
+        </a:xfrm>
+      </p:grpSpPr>
+      <p:sp>
+        <p:nvSpPr>
+          <p:cNvPr id="6" name="Content Placeholder 2"/>
+          <p:cNvSpPr>
+            <a:spLocks noGrp="1"/>
+          </p:cNvSpPr>
+          <p:nvPr>
+            <p:ph idx="1"/>
+          </p:nvPr>
+        </p:nvSpPr>
+        <p:spPr>
+          <a:xfrm>
+            <a:off x="5234510" y="1742903"/>
+            <a:ext cx="5721665" cy="2870661"/>
+          </a:xfrm>
+        </p:spPr>
+        <p:txBody>
+          <a:bodyPr/>
+          <a:lstStyle/>
+          <a:p>
+            <a:endParaRPr lang="en-US" dirty="0" smtClean="0"/>
+          </a:p>
+          <a:p>
+            <a:r>
+              <a:rPr lang="en-US" b="1" i="1" dirty="0" smtClean="0"/>
+              <a:t>Reaction: </a:t>
+            </a:r>
+          </a:p>
+          <a:p>
+            <a:endParaRPr lang="en-US" b="1" i="1" dirty="0"/>
+          </a:p>
+          <a:p>
+            <a:r>
+              <a:rPr lang="en-US" b="1" i="1" dirty="0" smtClean="0"/>
+              <a:t>This App Used Up All my LTE data. Uninstall !!!!</a:t>
+            </a:r>
+          </a:p>
+          <a:p>
+            <a:endParaRPr lang="en-US" b="1" i="1" dirty="0"/>
+          </a:p>
+          <a:p>
+            <a:r>
+              <a:rPr lang="en-US" b="1" i="1" dirty="0" smtClean="0"/>
+              <a:t>I’ll search for a new App.</a:t>
+            </a:r>
+          </a:p>
+          <a:p>
+            <a:endParaRPr lang="en-US" b="1" i="1" dirty="0"/>
+          </a:p>
+          <a:p>
+            <a:endParaRPr lang="en-US" dirty="0"/>
+          </a:p>
+          <a:p>
+            <a:endParaRPr lang="en-US" dirty="0" smtClean="0"/>
+          </a:p>
+          <a:p>
+            <a:endParaRPr lang="en-US" dirty="0"/>
+          </a:p>
+          <a:p>
+            <a:endParaRPr lang="en-US" dirty="0"/>
+          </a:p>
+        </p:txBody>
+      </p:sp>
+      <p:sp>
+        <p:nvSpPr>
+          <p:cNvPr id="8" name="Title 1"/>
+          <p:cNvSpPr>
+            <a:spLocks noGrp="1"/>
+          </p:cNvSpPr>
+          <p:nvPr>
+            <p:ph type="title"/>
+          </p:nvPr>
+        </p:nvSpPr>
+        <p:spPr>
+          <a:xfrm>
+            <a:off x="2044488" y="315781"/>
+            <a:ext cx="8911687" cy="1280890"/>
+          </a:xfrm>
+        </p:spPr>
+        <p:txBody>
+          <a:bodyPr/>
+          <a:lstStyle/>
+          <a:p>
+            <a:r>
+              <a:rPr lang="en-US" dirty="0" smtClean="0"/>
+              <a:t>A Month Later...</a:t>
+            </a:r>
+            <a:endParaRPr lang="en-US" dirty="0"/>
+          </a:p>
+        </p:txBody>
+      </p:sp>
+      <p:pic>
+        <p:nvPicPr>
+          <p:cNvPr id="9" name="Picture 8"/>
+          <p:cNvPicPr>
+            <a:picLocks noChangeAspect="1"/>
+          </p:cNvPicPr>
+          <p:nvPr/>
+        </p:nvPicPr>
+        <p:blipFill>
+          <a:blip r:embed="rId2">
+            <a:extLst>
+              <a:ext uri="{28A0092B-C50C-407E-A947-70E740481C1C}">
+                <a14:useLocalDpi xmlns:a14="http://schemas.microsoft.com/office/drawing/2010/main" val="0"/>
+              </a:ext>
+            </a:extLst>
+          </a:blip>
+          <a:stretch>
+            <a:fillRect/>
+          </a:stretch>
+        </p:blipFill>
+        <p:spPr>
+          <a:xfrm>
+            <a:off x="1490305" y="1459040"/>
+            <a:ext cx="2893977" cy="3038145"/>
+          </a:xfrm>
+          <a:prstGeom prst="rect">
+            <a:avLst/>
+          </a:prstGeom>
+        </p:spPr>
+      </p:pic>
+      <p:sp>
+        <p:nvSpPr>
+          <p:cNvPr id="10" name="Rectangle 9"/>
+          <p:cNvSpPr/>
+          <p:nvPr/>
+        </p:nvSpPr>
+        <p:spPr>
+          <a:xfrm>
+            <a:off x="2154065" y="4613564"/>
+            <a:ext cx="1566455" cy="923330"/>
+          </a:xfrm>
+          <a:prstGeom prst="rect">
+            <a:avLst/>
+          </a:prstGeom>
+          <a:noFill/>
+        </p:spPr>
+        <p:txBody>
+          <a:bodyPr wrap="none" lIns="91440" tIns="45720" rIns="91440" bIns="45720">
+            <a:spAutoFit/>
+          </a:bodyPr>
+          <a:lstStyle/>
+          <a:p>
+            <a:pPr algn="ctr"/>
+            <a:r>
+              <a:rPr lang="en-US" sz="5400" dirty="0" smtClean="0">
+                <a:ln w="0"/>
+                <a:solidFill>
+                  <a:schemeClr val="accent1"/>
+                </a:solidFill>
+                <a:effectLst>
+                  <a:outerShdw blurRad="38100" dist="25400" dir="5400000" algn="ctr" rotWithShape="0">
+                    <a:srgbClr val="6E747A">
+                      <a:alpha val="43000"/>
+                    </a:srgbClr>
+                  </a:outerShdw>
+                </a:effectLst>
+              </a:rPr>
+              <a:t>User</a:t>
+            </a:r>
+            <a:endParaRPr lang="en-US" sz="5400" b="0" cap="none" spc="0" dirty="0">
+              <a:ln w="0"/>
+              <a:solidFill>
+                <a:schemeClr val="accent1"/>
+              </a:solidFill>
+              <a:effectLst>
+                <a:outerShdw blurRad="38100" dist="25400" dir="5400000" algn="ctr" rotWithShape="0">
+                  <a:srgbClr val="6E747A">
+                    <a:alpha val="43000"/>
+                  </a:srgbClr>
+                </a:outerShdw>
+              </a:effectLst>
+            </a:endParaRPr>
+          </a:p>
+        </p:txBody>
+      </p:sp>
+    </p:spTree>
+    <p:extLst>
+      <p:ext uri="{BB962C8B-B14F-4D97-AF65-F5344CB8AC3E}">
+        <p14:creationId xmlns:p14="http://schemas.microsoft.com/office/powerpoint/2010/main" val="831671531"/>
+      </p:ext>
+    </p:extLst>
+  </p:cSld>
+  <p:clrMapOvr>
+    <a:masterClrMapping/>
+  </p:clrMapOvr>
+  <p:timing>
+    <p:tnLst>
+      <p:par>
+        <p:cTn id="1" dur="indefinite" restart="never" nodeType="tmRoot"/>
+      </p:par>
+    </p:tnLst>
+  </p:timing>
+</p:sld>
+</file>
+
+<file path=ppt/slides/slide7.xml><?xml version="1.0" encoding="utf-8"?>
+<p:sld xmlns:a="http://schemas.openxmlformats.org/drawingml/2006/main" xmlns:r="http://schemas.openxmlformats.org/officeDocument/2006/relationships" xmlns:p="http://schemas.openxmlformats.org/presentationml/2006/main">
+  <p:cSld>
+    <p:spTree>
+      <p:nvGrpSpPr>
+        <p:cNvPr id="1" name=""/>
+        <p:cNvGrpSpPr/>
+        <p:nvPr/>
+      </p:nvGrpSpPr>
+      <p:grpSpPr>
+        <a:xfrm>
+          <a:off x="0" y="0"/>
+          <a:ext cx="0" cy="0"/>
+          <a:chOff x="0" y="0"/>
+          <a:chExt cx="0" cy="0"/>
+        </a:xfrm>
+      </p:grpSpPr>
+      <p:pic>
+        <p:nvPicPr>
+          <p:cNvPr id="2" name="Picture 1"/>
+          <p:cNvPicPr>
+            <a:picLocks noChangeAspect="1"/>
+          </p:cNvPicPr>
+          <p:nvPr/>
+        </p:nvPicPr>
+        <p:blipFill>
+          <a:blip r:embed="rId2">
+            <a:extLst>
+              <a:ext uri="{28A0092B-C50C-407E-A947-70E740481C1C}">
+                <a14:useLocalDpi xmlns:a14="http://schemas.microsoft.com/office/drawing/2010/main" val="0"/>
+              </a:ext>
+            </a:extLst>
+          </a:blip>
+          <a:stretch>
+            <a:fillRect/>
+          </a:stretch>
+        </p:blipFill>
+        <p:spPr>
+          <a:xfrm>
+            <a:off x="4012520" y="1719072"/>
+            <a:ext cx="3793067" cy="2670048"/>
+          </a:xfrm>
+          <a:prstGeom prst="rect">
+            <a:avLst/>
+          </a:prstGeom>
+        </p:spPr>
+      </p:pic>
+      <p:sp>
+        <p:nvSpPr>
+          <p:cNvPr id="3" name="Rectangle 2"/>
+          <p:cNvSpPr/>
+          <p:nvPr/>
+        </p:nvSpPr>
+        <p:spPr>
+          <a:xfrm>
+            <a:off x="4055821" y="4576211"/>
+            <a:ext cx="3706464" cy="923330"/>
+          </a:xfrm>
+          <a:prstGeom prst="rect">
+            <a:avLst/>
+          </a:prstGeom>
+          <a:noFill/>
+        </p:spPr>
+        <p:txBody>
+          <a:bodyPr wrap="none" lIns="91440" tIns="45720" rIns="91440" bIns="45720">
+            <a:spAutoFit/>
+          </a:bodyPr>
+          <a:lstStyle/>
+          <a:p>
+            <a:pPr algn="ctr"/>
+            <a:r>
+              <a:rPr lang="en-US" sz="5400" dirty="0" smtClean="0">
+                <a:ln w="0"/>
+                <a:solidFill>
+                  <a:schemeClr val="accent1"/>
+                </a:solidFill>
+                <a:effectLst>
+                  <a:outerShdw blurRad="38100" dist="25400" dir="5400000" algn="ctr" rotWithShape="0">
+                    <a:srgbClr val="6E747A">
+                      <a:alpha val="43000"/>
+                    </a:srgbClr>
+                  </a:outerShdw>
+                </a:effectLst>
+              </a:rPr>
+              <a:t>Developer</a:t>
+            </a:r>
+            <a:endParaRPr lang="en-US" sz="5400" b="0" cap="none" spc="0" dirty="0">
+              <a:ln w="0"/>
+              <a:solidFill>
+                <a:schemeClr val="accent1"/>
+              </a:solidFill>
+              <a:effectLst>
+                <a:outerShdw blurRad="38100" dist="25400" dir="5400000" algn="ctr" rotWithShape="0">
+                  <a:srgbClr val="6E747A">
+                    <a:alpha val="43000"/>
+                  </a:srgbClr>
+                </a:outerShdw>
+              </a:effectLst>
+            </a:endParaRPr>
+          </a:p>
+        </p:txBody>
+      </p:sp>
+    </p:spTree>
+    <p:extLst>
+      <p:ext uri="{BB962C8B-B14F-4D97-AF65-F5344CB8AC3E}">
+        <p14:creationId xmlns:p14="http://schemas.microsoft.com/office/powerpoint/2010/main" val="3130675213"/>
+      </p:ext>
+    </p:extLst>
+  </p:cSld>
+  <p:clrMapOvr>
+    <a:masterClrMapping/>
+  </p:clrMapOvr>
+</p:sld>
+</file>
+
+<file path=ppt/slides/slide8.xml><?xml version="1.0" encoding="utf-8"?>
+<p:sld xmlns:a="http://schemas.openxmlformats.org/drawingml/2006/main" xmlns:r="http://schemas.openxmlformats.org/officeDocument/2006/relationships" xmlns:p="http://schemas.openxmlformats.org/presentationml/2006/main">
+  <p:cSld>
+    <p:spTree>
+      <p:nvGrpSpPr>
+        <p:cNvPr id="1" name=""/>
+        <p:cNvGrpSpPr/>
+        <p:nvPr/>
+      </p:nvGrpSpPr>
+      <p:grpSpPr>
+        <a:xfrm>
+          <a:off x="0" y="0"/>
+          <a:ext cx="0" cy="0"/>
+          <a:chOff x="0" y="0"/>
+          <a:chExt cx="0" cy="0"/>
+        </a:xfrm>
+      </p:grpSpPr>
+      <p:sp>
+        <p:nvSpPr>
+          <p:cNvPr id="3" name="Rectangle 2"/>
+          <p:cNvSpPr/>
+          <p:nvPr/>
+        </p:nvSpPr>
+        <p:spPr>
+          <a:xfrm>
+            <a:off x="4116780" y="4905395"/>
+            <a:ext cx="3706464" cy="923330"/>
+          </a:xfrm>
+          <a:prstGeom prst="rect">
+            <a:avLst/>
+          </a:prstGeom>
+          <a:noFill/>
+        </p:spPr>
+        <p:txBody>
+          <a:bodyPr wrap="none" lIns="91440" tIns="45720" rIns="91440" bIns="45720">
+            <a:spAutoFit/>
+          </a:bodyPr>
+          <a:lstStyle/>
+          <a:p>
+            <a:pPr algn="ctr"/>
+            <a:r>
+              <a:rPr lang="en-US" sz="5400" dirty="0" smtClean="0">
+                <a:ln w="0"/>
+                <a:solidFill>
+                  <a:schemeClr val="accent1"/>
+                </a:solidFill>
+                <a:effectLst>
+                  <a:outerShdw blurRad="38100" dist="25400" dir="5400000" algn="ctr" rotWithShape="0">
+                    <a:srgbClr val="6E747A">
+                      <a:alpha val="43000"/>
+                    </a:srgbClr>
+                  </a:outerShdw>
+                </a:effectLst>
+              </a:rPr>
+              <a:t>Developer</a:t>
+            </a:r>
+            <a:endParaRPr lang="en-US" sz="5400" b="0" cap="none" spc="0" dirty="0">
+              <a:ln w="0"/>
+              <a:solidFill>
+                <a:schemeClr val="accent1"/>
+              </a:solidFill>
+              <a:effectLst>
+                <a:outerShdw blurRad="38100" dist="25400" dir="5400000" algn="ctr" rotWithShape="0">
+                  <a:srgbClr val="6E747A">
+                    <a:alpha val="43000"/>
+                  </a:srgbClr>
+                </a:outerShdw>
+              </a:effectLst>
+            </a:endParaRPr>
+          </a:p>
+        </p:txBody>
+      </p:sp>
+      <p:pic>
+        <p:nvPicPr>
+          <p:cNvPr id="4" name="Picture 3"/>
+          <p:cNvPicPr>
+            <a:picLocks noChangeAspect="1"/>
+          </p:cNvPicPr>
+          <p:nvPr/>
+        </p:nvPicPr>
+        <p:blipFill>
+          <a:blip r:embed="rId2">
+            <a:extLst>
+              <a:ext uri="{28A0092B-C50C-407E-A947-70E740481C1C}">
+                <a14:useLocalDpi xmlns:a14="http://schemas.microsoft.com/office/drawing/2010/main" val="0"/>
+              </a:ext>
+            </a:extLst>
+          </a:blip>
+          <a:stretch>
+            <a:fillRect/>
+          </a:stretch>
+        </p:blipFill>
+        <p:spPr>
+          <a:xfrm>
+            <a:off x="3424210" y="1852703"/>
+            <a:ext cx="5091605" cy="2864027"/>
+          </a:xfrm>
+          <a:prstGeom prst="rect">
+            <a:avLst/>
+          </a:prstGeom>
+        </p:spPr>
+      </p:pic>
+      <p:sp>
+        <p:nvSpPr>
+          <p:cNvPr id="5" name="Title 1"/>
+          <p:cNvSpPr>
+            <a:spLocks noGrp="1"/>
+          </p:cNvSpPr>
+          <p:nvPr>
+            <p:ph type="title"/>
+          </p:nvPr>
+        </p:nvSpPr>
+        <p:spPr>
+          <a:xfrm>
+            <a:off x="2056680" y="571813"/>
+            <a:ext cx="8911687" cy="1280890"/>
+          </a:xfrm>
+        </p:spPr>
+        <p:txBody>
+          <a:bodyPr/>
+          <a:lstStyle/>
+          <a:p>
+            <a:r>
+              <a:rPr lang="en-US" dirty="0" smtClean="0"/>
+              <a:t>Our Aim</a:t>
+            </a:r>
+            <a:endParaRPr lang="en-US" dirty="0"/>
+          </a:p>
+        </p:txBody>
+      </p:sp>
+    </p:spTree>
+    <p:extLst>
+      <p:ext uri="{BB962C8B-B14F-4D97-AF65-F5344CB8AC3E}">
+        <p14:creationId xmlns:p14="http://schemas.microsoft.com/office/powerpoint/2010/main" val="632851554"/>
       </p:ext>
     </p:extLst>
   </p:cSld>
@@ -11053,14 +12809,14 @@
           <a:p>
             <a:r>
               <a:rPr lang="en-US" dirty="0"/>
-              <a:t>Method</a:t>
-            </a:r>
-          </a:p>
-        </p:txBody>
-      </p:sp>
-      <p:sp>
-        <p:nvSpPr>
-          <p:cNvPr id="3" name="Content Placeholder 2"/>
+              <a:t>Design </a:t>
+            </a:r>
+          </a:p>
+        </p:txBody>
+      </p:sp>
+      <p:sp>
+        <p:nvSpPr>
+          <p:cNvPr id="5" name="Content Placeholder 4"/>
           <p:cNvSpPr>
             <a:spLocks noGrp="1"/>
           </p:cNvSpPr>
@@ -11068,14 +12824,251 @@
             <p:ph idx="1"/>
           </p:nvPr>
         </p:nvSpPr>
-        <p:spPr/>
+        <p:spPr>
+          <a:xfrm>
+            <a:off x="2589212" y="1524000"/>
+            <a:ext cx="8915400" cy="4387222"/>
+          </a:xfrm>
+        </p:spPr>
         <p:txBody>
           <a:bodyPr/>
           <a:lstStyle/>
           <a:p>
             <a:r>
               <a:rPr lang="en-US" dirty="0"/>
-              <a:t>Detailed explanation of view prefetch</a:t>
+              <a:t>Android Common Pattern</a:t>
+            </a:r>
+          </a:p>
+        </p:txBody>
+      </p:sp>
+      <p:sp>
+        <p:nvSpPr>
+          <p:cNvPr id="8" name="Rectangle 7"/>
+          <p:cNvSpPr/>
+          <p:nvPr/>
+        </p:nvSpPr>
+        <p:spPr>
+          <a:xfrm>
+            <a:off x="2921620" y="2334322"/>
+            <a:ext cx="3583258" cy="3315629"/>
+          </a:xfrm>
+          <a:prstGeom prst="rect">
+            <a:avLst/>
+          </a:prstGeom>
+          <a:ln/>
+        </p:spPr>
+        <p:style>
+          <a:lnRef idx="2">
+            <a:schemeClr val="dk1"/>
+          </a:lnRef>
+          <a:fillRef idx="1">
+            <a:schemeClr val="lt1"/>
+          </a:fillRef>
+          <a:effectRef idx="0">
+            <a:schemeClr val="dk1"/>
+          </a:effectRef>
+          <a:fontRef idx="minor">
+            <a:schemeClr val="dk1"/>
+          </a:fontRef>
+        </p:style>
+        <p:txBody>
+          <a:bodyPr rtlCol="0" anchor="ctr"/>
+          <a:lstStyle/>
+          <a:p>
+            <a:r>
+              <a:rPr lang="en-US" dirty="0">
+                <a:solidFill>
+                  <a:schemeClr val="tx1"/>
+                </a:solidFill>
+              </a:rPr>
+              <a:t>Activity 1{</a:t>
+            </a:r>
+          </a:p>
+          <a:p>
+            <a:endParaRPr lang="en-US" dirty="0">
+              <a:solidFill>
+                <a:schemeClr val="tx1"/>
+              </a:solidFill>
+            </a:endParaRPr>
+          </a:p>
+          <a:p>
+            <a:r>
+              <a:rPr lang="en-US" dirty="0">
+                <a:solidFill>
+                  <a:schemeClr val="tx1"/>
+                </a:solidFill>
+              </a:rPr>
+              <a:t>var1 &lt;= </a:t>
+            </a:r>
+            <a:r>
+              <a:rPr lang="en-US" dirty="0" err="1">
+                <a:solidFill>
+                  <a:schemeClr val="tx1"/>
+                </a:solidFill>
+              </a:rPr>
+              <a:t>networkFetch</a:t>
+            </a:r>
+            <a:r>
+              <a:rPr lang="en-US" dirty="0">
+                <a:solidFill>
+                  <a:schemeClr val="tx1"/>
+                </a:solidFill>
+              </a:rPr>
+              <a:t>(url1)</a:t>
+            </a:r>
+          </a:p>
+          <a:p>
+            <a:endParaRPr lang="en-US" dirty="0">
+              <a:solidFill>
+                <a:schemeClr val="tx1"/>
+              </a:solidFill>
+            </a:endParaRPr>
+          </a:p>
+          <a:p>
+            <a:r>
+              <a:rPr lang="en-US" dirty="0">
+                <a:solidFill>
+                  <a:schemeClr val="tx1"/>
+                </a:solidFill>
+              </a:rPr>
+              <a:t>var2 &lt;= </a:t>
+            </a:r>
+            <a:r>
+              <a:rPr lang="en-US" dirty="0" err="1">
+                <a:solidFill>
+                  <a:schemeClr val="tx1"/>
+                </a:solidFill>
+              </a:rPr>
+              <a:t>networkFetch</a:t>
+            </a:r>
+            <a:r>
+              <a:rPr lang="en-US" dirty="0">
+                <a:solidFill>
+                  <a:schemeClr val="tx1"/>
+                </a:solidFill>
+              </a:rPr>
+              <a:t>(url2)</a:t>
+            </a:r>
+          </a:p>
+          <a:p>
+            <a:endParaRPr lang="en-US" dirty="0">
+              <a:solidFill>
+                <a:schemeClr val="tx1"/>
+              </a:solidFill>
+            </a:endParaRPr>
+          </a:p>
+          <a:p>
+            <a:r>
+              <a:rPr lang="en-US" dirty="0">
+                <a:solidFill>
+                  <a:schemeClr val="tx1"/>
+                </a:solidFill>
+              </a:rPr>
+              <a:t>startActivity2(var2)</a:t>
+            </a:r>
+          </a:p>
+          <a:p>
+            <a:endParaRPr lang="en-US" dirty="0">
+              <a:solidFill>
+                <a:schemeClr val="tx1"/>
+              </a:solidFill>
+            </a:endParaRPr>
+          </a:p>
+          <a:p>
+            <a:r>
+              <a:rPr lang="en-US" dirty="0">
+                <a:solidFill>
+                  <a:schemeClr val="tx1"/>
+                </a:solidFill>
+              </a:rPr>
+              <a:t>}</a:t>
+            </a:r>
+          </a:p>
+        </p:txBody>
+      </p:sp>
+      <p:sp>
+        <p:nvSpPr>
+          <p:cNvPr id="9" name="Rectangle 8"/>
+          <p:cNvSpPr/>
+          <p:nvPr/>
+        </p:nvSpPr>
+        <p:spPr>
+          <a:xfrm>
+            <a:off x="8352263" y="2334322"/>
+            <a:ext cx="2888166" cy="3315629"/>
+          </a:xfrm>
+          <a:prstGeom prst="rect">
+            <a:avLst/>
+          </a:prstGeom>
+          <a:ln/>
+        </p:spPr>
+        <p:style>
+          <a:lnRef idx="2">
+            <a:schemeClr val="dk1"/>
+          </a:lnRef>
+          <a:fillRef idx="1">
+            <a:schemeClr val="lt1"/>
+          </a:fillRef>
+          <a:effectRef idx="0">
+            <a:schemeClr val="dk1"/>
+          </a:effectRef>
+          <a:fontRef idx="minor">
+            <a:schemeClr val="dk1"/>
+          </a:fontRef>
+        </p:style>
+        <p:txBody>
+          <a:bodyPr rtlCol="0" anchor="ctr"/>
+          <a:lstStyle/>
+          <a:p>
+            <a:r>
+              <a:rPr lang="en-US" dirty="0">
+                <a:solidFill>
+                  <a:schemeClr val="tx1"/>
+                </a:solidFill>
+              </a:rPr>
+              <a:t>Activity 2{</a:t>
+            </a:r>
+          </a:p>
+          <a:p>
+            <a:endParaRPr lang="en-US" dirty="0">
+              <a:solidFill>
+                <a:schemeClr val="tx1"/>
+              </a:solidFill>
+            </a:endParaRPr>
+          </a:p>
+          <a:p>
+            <a:r>
+              <a:rPr lang="en-US" dirty="0" err="1">
+                <a:solidFill>
+                  <a:schemeClr val="tx1"/>
+                </a:solidFill>
+              </a:rPr>
+              <a:t>textView.setText</a:t>
+            </a:r>
+            <a:r>
+              <a:rPr lang="en-US" dirty="0">
+                <a:solidFill>
+                  <a:schemeClr val="tx1"/>
+                </a:solidFill>
+              </a:rPr>
+              <a:t>(var2)</a:t>
+            </a:r>
+          </a:p>
+          <a:p>
+            <a:endParaRPr lang="en-US" dirty="0">
+              <a:solidFill>
+                <a:schemeClr val="tx1"/>
+              </a:solidFill>
+            </a:endParaRPr>
+          </a:p>
+          <a:p>
+            <a:r>
+              <a:rPr lang="en-US" dirty="0">
+                <a:solidFill>
+                  <a:schemeClr val="tx1"/>
+                </a:solidFill>
+              </a:rPr>
+              <a:t>}</a:t>
             </a:r>
           </a:p>
         </p:txBody>
@@ -11083,7 +13076,7 @@
     </p:spTree>
     <p:extLst>
       <p:ext uri="{BB962C8B-B14F-4D97-AF65-F5344CB8AC3E}">
-        <p14:creationId xmlns:p14="http://schemas.microsoft.com/office/powerpoint/2010/main" val="3008796874"/>
+        <p14:creationId xmlns:p14="http://schemas.microsoft.com/office/powerpoint/2010/main" val="4037159500"/>
       </p:ext>
     </p:extLst>
   </p:cSld>

--- a/Prefetch Procrastinator Final Presentation.pptx
+++ b/Prefetch Procrastinator Final Presentation.pptx
@@ -5,7 +5,7 @@
     <p:sldMasterId id="2147483648" r:id="rId1"/>
   </p:sldMasterIdLst>
   <p:notesMasterIdLst>
-    <p:notesMasterId r:id="rId23"/>
+    <p:notesMasterId r:id="rId24"/>
   </p:notesMasterIdLst>
   <p:sldIdLst>
     <p:sldId id="256" r:id="rId2"/>
@@ -26,9 +26,10 @@
     <p:sldId id="268" r:id="rId17"/>
     <p:sldId id="265" r:id="rId18"/>
     <p:sldId id="267" r:id="rId19"/>
-    <p:sldId id="269" r:id="rId20"/>
-    <p:sldId id="270" r:id="rId21"/>
-    <p:sldId id="266" r:id="rId22"/>
+    <p:sldId id="278" r:id="rId20"/>
+    <p:sldId id="279" r:id="rId21"/>
+    <p:sldId id="269" r:id="rId22"/>
+    <p:sldId id="270" r:id="rId23"/>
   </p:sldIdLst>
   <p:sldSz cx="12192000" cy="6858000"/>
   <p:notesSz cx="6858000" cy="9144000"/>
@@ -133,6 +134,1908 @@
     </p:ext>
   </p:extLst>
 </p:presentation>
+</file>
+
+<file path=ppt/charts/chart1.xml><?xml version="1.0" encoding="utf-8"?>
+<c:chartSpace xmlns:c="http://schemas.openxmlformats.org/drawingml/2006/chart" xmlns:a="http://schemas.openxmlformats.org/drawingml/2006/main" xmlns:r="http://schemas.openxmlformats.org/officeDocument/2006/relationships">
+  <c:date1904 val="0"/>
+  <c:lang val="en-US"/>
+  <c:roundedCorners val="0"/>
+  <mc:AlternateContent xmlns:mc="http://schemas.openxmlformats.org/markup-compatibility/2006">
+    <mc:Choice xmlns:c14="http://schemas.microsoft.com/office/drawing/2007/8/2/chart" Requires="c14">
+      <c14:style val="102"/>
+    </mc:Choice>
+    <mc:Fallback>
+      <c:style val="2"/>
+    </mc:Fallback>
+  </mc:AlternateContent>
+  <c:chart>
+    <c:title>
+      <c:tx>
+        <c:rich>
+          <a:bodyPr rot="0" spcFirstLastPara="1" vertOverflow="ellipsis" vert="horz" wrap="square" anchor="ctr" anchorCtr="1"/>
+          <a:lstStyle/>
+          <a:p>
+            <a:pPr>
+              <a:defRPr b="0" i="0" u="none" strike="noStrike" kern="1200" baseline="0">
+                <a:solidFill>
+                  <a:schemeClr val="dk1">
+                    <a:lumMod val="65000"/>
+                    <a:lumOff val="35000"/>
+                  </a:schemeClr>
+                </a:solidFill>
+                <a:effectLst/>
+                <a:latin typeface="+mn-lt"/>
+                <a:ea typeface="+mn-ea"/>
+                <a:cs typeface="+mn-cs"/>
+              </a:defRPr>
+            </a:pPr>
+            <a:r>
+              <a:rPr lang="en-US"/>
+              <a:t>View Prefetch Correlation UV-RISK</a:t>
+            </a:r>
+          </a:p>
+        </c:rich>
+      </c:tx>
+      <c:layout/>
+      <c:overlay val="0"/>
+      <c:spPr>
+        <a:noFill/>
+        <a:ln>
+          <a:noFill/>
+        </a:ln>
+        <a:effectLst/>
+      </c:spPr>
+      <c:txPr>
+        <a:bodyPr rot="0" spcFirstLastPara="1" vertOverflow="ellipsis" vert="horz" wrap="square" anchor="ctr" anchorCtr="1"/>
+        <a:lstStyle/>
+        <a:p>
+          <a:pPr>
+            <a:defRPr b="0" i="0" u="none" strike="noStrike" kern="1200" baseline="0">
+              <a:solidFill>
+                <a:schemeClr val="dk1">
+                  <a:lumMod val="65000"/>
+                  <a:lumOff val="35000"/>
+                </a:schemeClr>
+              </a:solidFill>
+              <a:effectLst/>
+              <a:latin typeface="+mn-lt"/>
+              <a:ea typeface="+mn-ea"/>
+              <a:cs typeface="+mn-cs"/>
+            </a:defRPr>
+          </a:pPr>
+          <a:endParaRPr lang="en-US"/>
+        </a:p>
+      </c:txPr>
+    </c:title>
+    <c:autoTitleDeleted val="0"/>
+    <c:plotArea>
+      <c:layout/>
+      <c:barChart>
+        <c:barDir val="col"/>
+        <c:grouping val="clustered"/>
+        <c:varyColors val="0"/>
+        <c:ser>
+          <c:idx val="0"/>
+          <c:order val="0"/>
+          <c:spPr>
+            <a:gradFill>
+              <a:gsLst>
+                <a:gs pos="0">
+                  <a:schemeClr val="accent1"/>
+                </a:gs>
+                <a:gs pos="100000">
+                  <a:schemeClr val="accent1">
+                    <a:lumMod val="84000"/>
+                  </a:schemeClr>
+                </a:gs>
+              </a:gsLst>
+              <a:lin ang="5400000" scaled="1"/>
+            </a:gradFill>
+            <a:ln>
+              <a:noFill/>
+            </a:ln>
+            <a:effectLst>
+              <a:outerShdw blurRad="76200" dir="18900000" sy="23000" kx="-1200000" algn="bl" rotWithShape="0">
+                <a:prstClr val="black">
+                  <a:alpha val="20000"/>
+                </a:prstClr>
+              </a:outerShdw>
+            </a:effectLst>
+          </c:spPr>
+          <c:invertIfNegative val="0"/>
+          <c:dLbls>
+            <c:spPr>
+              <a:noFill/>
+              <a:ln>
+                <a:noFill/>
+              </a:ln>
+              <a:effectLst/>
+            </c:spPr>
+            <c:txPr>
+              <a:bodyPr rot="0" spcFirstLastPara="1" vertOverflow="ellipsis" vert="horz" wrap="square" lIns="38100" tIns="19050" rIns="38100" bIns="19050" anchor="ctr" anchorCtr="1">
+                <a:spAutoFit/>
+              </a:bodyPr>
+              <a:lstStyle/>
+              <a:p>
+                <a:pPr>
+                  <a:defRPr sz="1500" b="1" i="0" u="none" strike="noStrike" kern="1200" baseline="0">
+                    <a:solidFill>
+                      <a:schemeClr val="lt1"/>
+                    </a:solidFill>
+                    <a:latin typeface="+mn-lt"/>
+                    <a:ea typeface="+mn-ea"/>
+                    <a:cs typeface="+mn-cs"/>
+                  </a:defRPr>
+                </a:pPr>
+                <a:endParaRPr lang="en-US"/>
+              </a:p>
+            </c:txPr>
+            <c:dLblPos val="inEnd"/>
+            <c:showLegendKey val="0"/>
+            <c:showVal val="1"/>
+            <c:showCatName val="0"/>
+            <c:showSerName val="0"/>
+            <c:showPercent val="0"/>
+            <c:showBubbleSize val="0"/>
+            <c:showLeaderLines val="0"/>
+            <c:extLst>
+              <c:ext xmlns:c15="http://schemas.microsoft.com/office/drawing/2012/chart" uri="{CE6537A1-D6FC-4f65-9D91-7224C49458BB}">
+                <c15:layout/>
+                <c15:showLeaderLines val="1"/>
+                <c15:leaderLines>
+                  <c:spPr>
+                    <a:ln w="9525">
+                      <a:solidFill>
+                        <a:schemeClr val="dk1">
+                          <a:lumMod val="50000"/>
+                          <a:lumOff val="50000"/>
+                        </a:schemeClr>
+                      </a:solidFill>
+                    </a:ln>
+                    <a:effectLst/>
+                  </c:spPr>
+                </c15:leaderLines>
+              </c:ext>
+            </c:extLst>
+          </c:dLbls>
+          <c:cat>
+            <c:strRef>
+              <c:f>Sheet1!$M$9:$M$12</c:f>
+              <c:strCache>
+                <c:ptCount val="4"/>
+                <c:pt idx="0">
+                  <c:v>User 1</c:v>
+                </c:pt>
+                <c:pt idx="1">
+                  <c:v>User 2</c:v>
+                </c:pt>
+                <c:pt idx="2">
+                  <c:v>User 3</c:v>
+                </c:pt>
+                <c:pt idx="3">
+                  <c:v>User 4</c:v>
+                </c:pt>
+              </c:strCache>
+            </c:strRef>
+          </c:cat>
+          <c:val>
+            <c:numRef>
+              <c:f>Sheet1!$N$9:$N$12</c:f>
+              <c:numCache>
+                <c:formatCode>0.00%</c:formatCode>
+                <c:ptCount val="4"/>
+                <c:pt idx="0">
+                  <c:v>5.6818E-2</c:v>
+                </c:pt>
+                <c:pt idx="1">
+                  <c:v>0.102273</c:v>
+                </c:pt>
+                <c:pt idx="2">
+                  <c:v>0.1666667</c:v>
+                </c:pt>
+                <c:pt idx="3">
+                  <c:v>0.44047599999999998</c:v>
+                </c:pt>
+              </c:numCache>
+            </c:numRef>
+          </c:val>
+        </c:ser>
+        <c:dLbls>
+          <c:dLblPos val="inEnd"/>
+          <c:showLegendKey val="0"/>
+          <c:showVal val="1"/>
+          <c:showCatName val="0"/>
+          <c:showSerName val="0"/>
+          <c:showPercent val="0"/>
+          <c:showBubbleSize val="0"/>
+        </c:dLbls>
+        <c:gapWidth val="41"/>
+        <c:axId val="1511936176"/>
+        <c:axId val="1511949776"/>
+      </c:barChart>
+      <c:catAx>
+        <c:axId val="1511936176"/>
+        <c:scaling>
+          <c:orientation val="minMax"/>
+        </c:scaling>
+        <c:delete val="0"/>
+        <c:axPos val="b"/>
+        <c:numFmt formatCode="General" sourceLinked="1"/>
+        <c:majorTickMark val="none"/>
+        <c:minorTickMark val="none"/>
+        <c:tickLblPos val="nextTo"/>
+        <c:spPr>
+          <a:noFill/>
+          <a:ln>
+            <a:noFill/>
+          </a:ln>
+          <a:effectLst/>
+        </c:spPr>
+        <c:txPr>
+          <a:bodyPr rot="-60000000" spcFirstLastPara="1" vertOverflow="ellipsis" vert="horz" wrap="square" anchor="ctr" anchorCtr="1"/>
+          <a:lstStyle/>
+          <a:p>
+            <a:pPr>
+              <a:defRPr sz="1500" b="0" i="0" u="none" strike="noStrike" kern="1200" baseline="0">
+                <a:solidFill>
+                  <a:schemeClr val="dk1">
+                    <a:lumMod val="65000"/>
+                    <a:lumOff val="35000"/>
+                  </a:schemeClr>
+                </a:solidFill>
+                <a:effectLst/>
+                <a:latin typeface="+mn-lt"/>
+                <a:ea typeface="+mn-ea"/>
+                <a:cs typeface="+mn-cs"/>
+              </a:defRPr>
+            </a:pPr>
+            <a:endParaRPr lang="en-US"/>
+          </a:p>
+        </c:txPr>
+        <c:crossAx val="1511949776"/>
+        <c:crosses val="autoZero"/>
+        <c:auto val="1"/>
+        <c:lblAlgn val="ctr"/>
+        <c:lblOffset val="100"/>
+        <c:noMultiLvlLbl val="0"/>
+      </c:catAx>
+      <c:valAx>
+        <c:axId val="1511949776"/>
+        <c:scaling>
+          <c:orientation val="minMax"/>
+        </c:scaling>
+        <c:delete val="1"/>
+        <c:axPos val="l"/>
+        <c:numFmt formatCode="0.00%" sourceLinked="1"/>
+        <c:majorTickMark val="none"/>
+        <c:minorTickMark val="none"/>
+        <c:tickLblPos val="nextTo"/>
+        <c:crossAx val="1511936176"/>
+        <c:crosses val="autoZero"/>
+        <c:crossBetween val="between"/>
+      </c:valAx>
+      <c:spPr>
+        <a:noFill/>
+        <a:ln>
+          <a:noFill/>
+        </a:ln>
+        <a:effectLst/>
+      </c:spPr>
+    </c:plotArea>
+    <c:plotVisOnly val="1"/>
+    <c:dispBlanksAs val="gap"/>
+    <c:showDLblsOverMax val="0"/>
+  </c:chart>
+  <c:spPr>
+    <a:gradFill flip="none" rotWithShape="1">
+      <a:gsLst>
+        <a:gs pos="0">
+          <a:schemeClr val="lt1"/>
+        </a:gs>
+        <a:gs pos="68000">
+          <a:schemeClr val="lt1">
+            <a:lumMod val="85000"/>
+          </a:schemeClr>
+        </a:gs>
+        <a:gs pos="100000">
+          <a:schemeClr val="lt1"/>
+        </a:gs>
+      </a:gsLst>
+      <a:lin ang="5400000" scaled="1"/>
+      <a:tileRect/>
+    </a:gradFill>
+    <a:ln w="9525" cap="flat" cmpd="sng" algn="ctr">
+      <a:solidFill>
+        <a:schemeClr val="dk1">
+          <a:lumMod val="15000"/>
+          <a:lumOff val="85000"/>
+        </a:schemeClr>
+      </a:solidFill>
+      <a:round/>
+    </a:ln>
+    <a:effectLst/>
+  </c:spPr>
+  <c:txPr>
+    <a:bodyPr/>
+    <a:lstStyle/>
+    <a:p>
+      <a:pPr>
+        <a:defRPr/>
+      </a:pPr>
+      <a:endParaRPr lang="en-US"/>
+    </a:p>
+  </c:txPr>
+  <c:externalData r:id="rId3">
+    <c:autoUpdate val="0"/>
+  </c:externalData>
+</c:chartSpace>
+</file>
+
+<file path=ppt/charts/chart2.xml><?xml version="1.0" encoding="utf-8"?>
+<c:chartSpace xmlns:c="http://schemas.openxmlformats.org/drawingml/2006/chart" xmlns:a="http://schemas.openxmlformats.org/drawingml/2006/main" xmlns:r="http://schemas.openxmlformats.org/officeDocument/2006/relationships">
+  <c:date1904 val="0"/>
+  <c:lang val="en-US"/>
+  <c:roundedCorners val="0"/>
+  <mc:AlternateContent xmlns:mc="http://schemas.openxmlformats.org/markup-compatibility/2006">
+    <mc:Choice xmlns:c14="http://schemas.microsoft.com/office/drawing/2007/8/2/chart" Requires="c14">
+      <c14:style val="102"/>
+    </mc:Choice>
+    <mc:Fallback>
+      <c:style val="2"/>
+    </mc:Fallback>
+  </mc:AlternateContent>
+  <c:chart>
+    <c:title>
+      <c:tx>
+        <c:rich>
+          <a:bodyPr rot="0" spcFirstLastPara="1" vertOverflow="ellipsis" vert="horz" wrap="square" anchor="ctr" anchorCtr="1"/>
+          <a:lstStyle/>
+          <a:p>
+            <a:pPr>
+              <a:defRPr sz="1500" b="0" i="0" u="none" strike="noStrike" kern="1200" spc="0" baseline="0">
+                <a:solidFill>
+                  <a:schemeClr val="tx1">
+                    <a:lumMod val="65000"/>
+                    <a:lumOff val="35000"/>
+                  </a:schemeClr>
+                </a:solidFill>
+                <a:latin typeface="+mn-lt"/>
+                <a:ea typeface="+mn-ea"/>
+                <a:cs typeface="+mn-cs"/>
+              </a:defRPr>
+            </a:pPr>
+            <a:r>
+              <a:rPr lang="en-US" sz="1500" baseline="0"/>
+              <a:t>Data Usage Procrastinated vs Non Procrastinated</a:t>
+            </a:r>
+          </a:p>
+          <a:p>
+            <a:pPr>
+              <a:defRPr sz="1500" baseline="0"/>
+            </a:pPr>
+            <a:endParaRPr lang="en-US" sz="1500" baseline="0"/>
+          </a:p>
+        </c:rich>
+      </c:tx>
+      <c:layout/>
+      <c:overlay val="0"/>
+      <c:spPr>
+        <a:noFill/>
+        <a:ln>
+          <a:noFill/>
+        </a:ln>
+        <a:effectLst/>
+      </c:spPr>
+      <c:txPr>
+        <a:bodyPr rot="0" spcFirstLastPara="1" vertOverflow="ellipsis" vert="horz" wrap="square" anchor="ctr" anchorCtr="1"/>
+        <a:lstStyle/>
+        <a:p>
+          <a:pPr>
+            <a:defRPr sz="1500" b="0" i="0" u="none" strike="noStrike" kern="1200" spc="0" baseline="0">
+              <a:solidFill>
+                <a:schemeClr val="tx1">
+                  <a:lumMod val="65000"/>
+                  <a:lumOff val="35000"/>
+                </a:schemeClr>
+              </a:solidFill>
+              <a:latin typeface="+mn-lt"/>
+              <a:ea typeface="+mn-ea"/>
+              <a:cs typeface="+mn-cs"/>
+            </a:defRPr>
+          </a:pPr>
+          <a:endParaRPr lang="en-US"/>
+        </a:p>
+      </c:txPr>
+    </c:title>
+    <c:autoTitleDeleted val="0"/>
+    <c:plotArea>
+      <c:layout/>
+      <c:barChart>
+        <c:barDir val="bar"/>
+        <c:grouping val="stacked"/>
+        <c:varyColors val="0"/>
+        <c:ser>
+          <c:idx val="0"/>
+          <c:order val="0"/>
+          <c:tx>
+            <c:v>Non-Procrastinated</c:v>
+          </c:tx>
+          <c:spPr>
+            <a:solidFill>
+              <a:schemeClr val="accent1"/>
+            </a:solidFill>
+            <a:ln>
+              <a:noFill/>
+            </a:ln>
+            <a:effectLst/>
+          </c:spPr>
+          <c:invertIfNegative val="0"/>
+          <c:dPt>
+            <c:idx val="2"/>
+            <c:invertIfNegative val="0"/>
+            <c:bubble3D val="0"/>
+            <c:spPr>
+              <a:solidFill>
+                <a:schemeClr val="accent2"/>
+              </a:solidFill>
+              <a:ln>
+                <a:noFill/>
+              </a:ln>
+              <a:effectLst/>
+            </c:spPr>
+          </c:dPt>
+          <c:dPt>
+            <c:idx val="3"/>
+            <c:invertIfNegative val="0"/>
+            <c:bubble3D val="0"/>
+            <c:spPr>
+              <a:solidFill>
+                <a:schemeClr val="accent2"/>
+              </a:solidFill>
+              <a:ln>
+                <a:noFill/>
+              </a:ln>
+              <a:effectLst/>
+            </c:spPr>
+          </c:dPt>
+          <c:cat>
+            <c:strRef>
+              <c:f>Sheet1!$M$16:$M$19</c:f>
+              <c:strCache>
+                <c:ptCount val="4"/>
+                <c:pt idx="0">
+                  <c:v>User 1</c:v>
+                </c:pt>
+                <c:pt idx="1">
+                  <c:v>User 2</c:v>
+                </c:pt>
+                <c:pt idx="2">
+                  <c:v>User 3</c:v>
+                </c:pt>
+                <c:pt idx="3">
+                  <c:v>User 4</c:v>
+                </c:pt>
+              </c:strCache>
+            </c:strRef>
+          </c:cat>
+          <c:val>
+            <c:numRef>
+              <c:f>Sheet1!$N$16:$N$19</c:f>
+              <c:numCache>
+                <c:formatCode>General</c:formatCode>
+                <c:ptCount val="4"/>
+                <c:pt idx="0">
+                  <c:v>477588</c:v>
+                </c:pt>
+                <c:pt idx="1">
+                  <c:v>455385</c:v>
+                </c:pt>
+                <c:pt idx="2">
+                  <c:v>279309</c:v>
+                </c:pt>
+                <c:pt idx="3">
+                  <c:v>347278</c:v>
+                </c:pt>
+              </c:numCache>
+            </c:numRef>
+          </c:val>
+        </c:ser>
+        <c:ser>
+          <c:idx val="1"/>
+          <c:order val="1"/>
+          <c:tx>
+            <c:v>Procrastinated</c:v>
+          </c:tx>
+          <c:spPr>
+            <a:solidFill>
+              <a:schemeClr val="accent2"/>
+            </a:solidFill>
+            <a:ln>
+              <a:noFill/>
+            </a:ln>
+            <a:effectLst/>
+          </c:spPr>
+          <c:invertIfNegative val="0"/>
+          <c:cat>
+            <c:strRef>
+              <c:f>Sheet1!$M$16:$M$19</c:f>
+              <c:strCache>
+                <c:ptCount val="4"/>
+                <c:pt idx="0">
+                  <c:v>User 1</c:v>
+                </c:pt>
+                <c:pt idx="1">
+                  <c:v>User 2</c:v>
+                </c:pt>
+                <c:pt idx="2">
+                  <c:v>User 3</c:v>
+                </c:pt>
+                <c:pt idx="3">
+                  <c:v>User 4</c:v>
+                </c:pt>
+              </c:strCache>
+            </c:strRef>
+          </c:cat>
+          <c:val>
+            <c:numRef>
+              <c:f>Sheet1!$O$16:$O$19</c:f>
+              <c:numCache>
+                <c:formatCode>General</c:formatCode>
+                <c:ptCount val="4"/>
+                <c:pt idx="0">
+                  <c:v>0</c:v>
+                </c:pt>
+                <c:pt idx="1">
+                  <c:v>0</c:v>
+                </c:pt>
+                <c:pt idx="2">
+                  <c:v>0</c:v>
+                </c:pt>
+                <c:pt idx="3">
+                  <c:v>0</c:v>
+                </c:pt>
+              </c:numCache>
+            </c:numRef>
+          </c:val>
+        </c:ser>
+        <c:dLbls>
+          <c:showLegendKey val="0"/>
+          <c:showVal val="0"/>
+          <c:showCatName val="0"/>
+          <c:showSerName val="0"/>
+          <c:showPercent val="0"/>
+          <c:showBubbleSize val="0"/>
+        </c:dLbls>
+        <c:gapWidth val="150"/>
+        <c:overlap val="100"/>
+        <c:axId val="1482967504"/>
+        <c:axId val="1482970768"/>
+      </c:barChart>
+      <c:catAx>
+        <c:axId val="1482967504"/>
+        <c:scaling>
+          <c:orientation val="minMax"/>
+        </c:scaling>
+        <c:delete val="0"/>
+        <c:axPos val="l"/>
+        <c:numFmt formatCode="General" sourceLinked="1"/>
+        <c:majorTickMark val="none"/>
+        <c:minorTickMark val="none"/>
+        <c:tickLblPos val="nextTo"/>
+        <c:spPr>
+          <a:noFill/>
+          <a:ln w="9525" cap="flat" cmpd="sng" algn="ctr">
+            <a:solidFill>
+              <a:schemeClr val="tx1">
+                <a:lumMod val="15000"/>
+                <a:lumOff val="85000"/>
+              </a:schemeClr>
+            </a:solidFill>
+            <a:round/>
+          </a:ln>
+          <a:effectLst/>
+        </c:spPr>
+        <c:txPr>
+          <a:bodyPr rot="-60000000" spcFirstLastPara="1" vertOverflow="ellipsis" vert="horz" wrap="square" anchor="ctr" anchorCtr="1"/>
+          <a:lstStyle/>
+          <a:p>
+            <a:pPr>
+              <a:defRPr sz="1500" b="0" i="0" u="none" strike="noStrike" kern="1200" baseline="0">
+                <a:solidFill>
+                  <a:schemeClr val="tx1">
+                    <a:lumMod val="65000"/>
+                    <a:lumOff val="35000"/>
+                  </a:schemeClr>
+                </a:solidFill>
+                <a:latin typeface="+mn-lt"/>
+                <a:ea typeface="+mn-ea"/>
+                <a:cs typeface="+mn-cs"/>
+              </a:defRPr>
+            </a:pPr>
+            <a:endParaRPr lang="en-US"/>
+          </a:p>
+        </c:txPr>
+        <c:crossAx val="1482970768"/>
+        <c:crosses val="autoZero"/>
+        <c:auto val="1"/>
+        <c:lblAlgn val="ctr"/>
+        <c:lblOffset val="100"/>
+        <c:noMultiLvlLbl val="0"/>
+      </c:catAx>
+      <c:valAx>
+        <c:axId val="1482970768"/>
+        <c:scaling>
+          <c:orientation val="minMax"/>
+        </c:scaling>
+        <c:delete val="0"/>
+        <c:axPos val="b"/>
+        <c:majorGridlines>
+          <c:spPr>
+            <a:ln w="9525" cap="flat" cmpd="sng" algn="ctr">
+              <a:solidFill>
+                <a:schemeClr val="tx1">
+                  <a:lumMod val="15000"/>
+                  <a:lumOff val="85000"/>
+                </a:schemeClr>
+              </a:solidFill>
+              <a:round/>
+            </a:ln>
+            <a:effectLst/>
+          </c:spPr>
+        </c:majorGridlines>
+        <c:numFmt formatCode="General" sourceLinked="1"/>
+        <c:majorTickMark val="none"/>
+        <c:minorTickMark val="none"/>
+        <c:tickLblPos val="nextTo"/>
+        <c:spPr>
+          <a:noFill/>
+          <a:ln>
+            <a:noFill/>
+          </a:ln>
+          <a:effectLst/>
+        </c:spPr>
+        <c:txPr>
+          <a:bodyPr rot="-60000000" spcFirstLastPara="1" vertOverflow="ellipsis" vert="horz" wrap="square" anchor="ctr" anchorCtr="1"/>
+          <a:lstStyle/>
+          <a:p>
+            <a:pPr>
+              <a:defRPr sz="1500" b="0" i="0" u="none" strike="noStrike" kern="1200" baseline="0">
+                <a:solidFill>
+                  <a:schemeClr val="tx1">
+                    <a:lumMod val="65000"/>
+                    <a:lumOff val="35000"/>
+                  </a:schemeClr>
+                </a:solidFill>
+                <a:latin typeface="+mn-lt"/>
+                <a:ea typeface="+mn-ea"/>
+                <a:cs typeface="+mn-cs"/>
+              </a:defRPr>
+            </a:pPr>
+            <a:endParaRPr lang="en-US"/>
+          </a:p>
+        </c:txPr>
+        <c:crossAx val="1482967504"/>
+        <c:crosses val="autoZero"/>
+        <c:crossBetween val="between"/>
+      </c:valAx>
+      <c:spPr>
+        <a:noFill/>
+        <a:ln>
+          <a:noFill/>
+        </a:ln>
+        <a:effectLst/>
+      </c:spPr>
+    </c:plotArea>
+    <c:legend>
+      <c:legendPos val="b"/>
+      <c:layout/>
+      <c:overlay val="0"/>
+      <c:spPr>
+        <a:noFill/>
+        <a:ln>
+          <a:noFill/>
+        </a:ln>
+        <a:effectLst/>
+      </c:spPr>
+      <c:txPr>
+        <a:bodyPr rot="0" spcFirstLastPara="1" vertOverflow="ellipsis" vert="horz" wrap="square" anchor="ctr" anchorCtr="1"/>
+        <a:lstStyle/>
+        <a:p>
+          <a:pPr>
+            <a:defRPr sz="1500" b="0" i="0" u="none" strike="noStrike" kern="1200" baseline="0">
+              <a:solidFill>
+                <a:schemeClr val="tx1">
+                  <a:lumMod val="65000"/>
+                  <a:lumOff val="35000"/>
+                </a:schemeClr>
+              </a:solidFill>
+              <a:latin typeface="+mn-lt"/>
+              <a:ea typeface="+mn-ea"/>
+              <a:cs typeface="+mn-cs"/>
+            </a:defRPr>
+          </a:pPr>
+          <a:endParaRPr lang="en-US"/>
+        </a:p>
+      </c:txPr>
+    </c:legend>
+    <c:plotVisOnly val="1"/>
+    <c:dispBlanksAs val="gap"/>
+    <c:showDLblsOverMax val="0"/>
+  </c:chart>
+  <c:spPr>
+    <a:noFill/>
+    <a:ln>
+      <a:noFill/>
+    </a:ln>
+    <a:effectLst/>
+  </c:spPr>
+  <c:txPr>
+    <a:bodyPr/>
+    <a:lstStyle/>
+    <a:p>
+      <a:pPr>
+        <a:defRPr/>
+      </a:pPr>
+      <a:endParaRPr lang="en-US"/>
+    </a:p>
+  </c:txPr>
+  <c:externalData r:id="rId3">
+    <c:autoUpdate val="0"/>
+  </c:externalData>
+</c:chartSpace>
+</file>
+
+<file path=ppt/charts/colors1.xml><?xml version="1.0" encoding="utf-8"?>
+<cs:colorStyle xmlns:cs="http://schemas.microsoft.com/office/drawing/2012/chartStyle" xmlns:a="http://schemas.openxmlformats.org/drawingml/2006/main" meth="cycle" id="10">
+  <a:schemeClr val="accent1"/>
+  <a:schemeClr val="accent2"/>
+  <a:schemeClr val="accent3"/>
+  <a:schemeClr val="accent4"/>
+  <a:schemeClr val="accent5"/>
+  <a:schemeClr val="accent6"/>
+  <cs:variation/>
+  <cs:variation>
+    <a:lumMod val="60000"/>
+  </cs:variation>
+  <cs:variation>
+    <a:lumMod val="80000"/>
+    <a:lumOff val="20000"/>
+  </cs:variation>
+  <cs:variation>
+    <a:lumMod val="80000"/>
+  </cs:variation>
+  <cs:variation>
+    <a:lumMod val="60000"/>
+    <a:lumOff val="40000"/>
+  </cs:variation>
+  <cs:variation>
+    <a:lumMod val="50000"/>
+  </cs:variation>
+  <cs:variation>
+    <a:lumMod val="70000"/>
+    <a:lumOff val="30000"/>
+  </cs:variation>
+  <cs:variation>
+    <a:lumMod val="70000"/>
+  </cs:variation>
+  <cs:variation>
+    <a:lumMod val="50000"/>
+    <a:lumOff val="50000"/>
+  </cs:variation>
+</cs:colorStyle>
+</file>
+
+<file path=ppt/charts/colors2.xml><?xml version="1.0" encoding="utf-8"?>
+<cs:colorStyle xmlns:cs="http://schemas.microsoft.com/office/drawing/2012/chartStyle" xmlns:a="http://schemas.openxmlformats.org/drawingml/2006/main" meth="cycle" id="10">
+  <a:schemeClr val="accent1"/>
+  <a:schemeClr val="accent2"/>
+  <a:schemeClr val="accent3"/>
+  <a:schemeClr val="accent4"/>
+  <a:schemeClr val="accent5"/>
+  <a:schemeClr val="accent6"/>
+  <cs:variation/>
+  <cs:variation>
+    <a:lumMod val="60000"/>
+  </cs:variation>
+  <cs:variation>
+    <a:lumMod val="80000"/>
+    <a:lumOff val="20000"/>
+  </cs:variation>
+  <cs:variation>
+    <a:lumMod val="80000"/>
+  </cs:variation>
+  <cs:variation>
+    <a:lumMod val="60000"/>
+    <a:lumOff val="40000"/>
+  </cs:variation>
+  <cs:variation>
+    <a:lumMod val="50000"/>
+  </cs:variation>
+  <cs:variation>
+    <a:lumMod val="70000"/>
+    <a:lumOff val="30000"/>
+  </cs:variation>
+  <cs:variation>
+    <a:lumMod val="70000"/>
+  </cs:variation>
+  <cs:variation>
+    <a:lumMod val="50000"/>
+    <a:lumOff val="50000"/>
+  </cs:variation>
+</cs:colorStyle>
+</file>
+
+<file path=ppt/charts/style1.xml><?xml version="1.0" encoding="utf-8"?>
+<cs:chartStyle xmlns:cs="http://schemas.microsoft.com/office/drawing/2012/chartStyle" xmlns:a="http://schemas.openxmlformats.org/drawingml/2006/main" id="204">
+  <cs:axisTitle>
+    <cs:lnRef idx="0"/>
+    <cs:fillRef idx="0"/>
+    <cs:effectRef idx="0"/>
+    <cs:fontRef idx="minor">
+      <a:schemeClr val="dk1">
+        <a:lumMod val="65000"/>
+        <a:lumOff val="35000"/>
+      </a:schemeClr>
+    </cs:fontRef>
+    <cs:defRPr sz="1197" b="1" kern="1200"/>
+  </cs:axisTitle>
+  <cs:categoryAxis>
+    <cs:lnRef idx="0"/>
+    <cs:fillRef idx="0"/>
+    <cs:effectRef idx="0"/>
+    <cs:fontRef idx="minor">
+      <a:schemeClr val="dk1">
+        <a:lumMod val="65000"/>
+        <a:lumOff val="35000"/>
+      </a:schemeClr>
+    </cs:fontRef>
+    <cs:defRPr sz="1197" kern="1200">
+      <a:effectLst/>
+    </cs:defRPr>
+  </cs:categoryAxis>
+  <cs:chartArea>
+    <cs:lnRef idx="0"/>
+    <cs:fillRef idx="0"/>
+    <cs:effectRef idx="0"/>
+    <cs:fontRef idx="minor">
+      <a:schemeClr val="dk1"/>
+    </cs:fontRef>
+    <cs:spPr>
+      <a:gradFill flip="none" rotWithShape="1">
+        <a:gsLst>
+          <a:gs pos="0">
+            <a:schemeClr val="lt1"/>
+          </a:gs>
+          <a:gs pos="68000">
+            <a:schemeClr val="lt1">
+              <a:lumMod val="85000"/>
+            </a:schemeClr>
+          </a:gs>
+          <a:gs pos="100000">
+            <a:schemeClr val="lt1"/>
+          </a:gs>
+        </a:gsLst>
+        <a:lin ang="5400000" scaled="1"/>
+        <a:tileRect/>
+      </a:gradFill>
+      <a:ln w="9525" cap="flat" cmpd="sng" algn="ctr">
+        <a:solidFill>
+          <a:schemeClr val="dk1">
+            <a:lumMod val="15000"/>
+            <a:lumOff val="85000"/>
+          </a:schemeClr>
+        </a:solidFill>
+        <a:round/>
+      </a:ln>
+    </cs:spPr>
+    <cs:defRPr sz="1330" kern="1200"/>
+  </cs:chartArea>
+  <cs:dataLabel>
+    <cs:lnRef idx="0"/>
+    <cs:fillRef idx="0"/>
+    <cs:effectRef idx="0"/>
+    <cs:fontRef idx="minor">
+      <a:schemeClr val="lt1"/>
+    </cs:fontRef>
+    <cs:spPr/>
+    <cs:defRPr sz="1330" b="1" i="0" u="none" strike="noStrike" kern="1200" baseline="0"/>
+  </cs:dataLabel>
+  <cs:dataLabelCallout>
+    <cs:lnRef idx="0"/>
+    <cs:fillRef idx="0"/>
+    <cs:effectRef idx="0"/>
+    <cs:fontRef idx="minor">
+      <a:schemeClr val="lt1"/>
+    </cs:fontRef>
+    <cs:spPr>
+      <a:solidFill>
+        <a:schemeClr val="dk1">
+          <a:lumMod val="65000"/>
+          <a:lumOff val="35000"/>
+          <a:alpha val="75000"/>
+        </a:schemeClr>
+      </a:solidFill>
+    </cs:spPr>
+    <cs:defRPr sz="1330" b="1" kern="1200"/>
+    <cs:bodyPr rot="0" spcFirstLastPara="1" vertOverflow="clip" horzOverflow="clip" vert="horz" wrap="square" lIns="36576" tIns="18288" rIns="36576" bIns="18288" anchor="ctr" anchorCtr="1">
+      <a:spAutoFit/>
+    </cs:bodyPr>
+  </cs:dataLabelCallout>
+  <cs:dataPoint>
+    <cs:lnRef idx="0">
+      <cs:styleClr val="auto"/>
+    </cs:lnRef>
+    <cs:fillRef idx="0">
+      <cs:styleClr val="auto"/>
+    </cs:fillRef>
+    <cs:effectRef idx="0"/>
+    <cs:fontRef idx="minor">
+      <a:schemeClr val="dk1"/>
+    </cs:fontRef>
+    <cs:spPr>
+      <a:gradFill>
+        <a:gsLst>
+          <a:gs pos="0">
+            <a:schemeClr val="phClr"/>
+          </a:gs>
+          <a:gs pos="100000">
+            <a:schemeClr val="phClr">
+              <a:lumMod val="84000"/>
+            </a:schemeClr>
+          </a:gs>
+        </a:gsLst>
+        <a:lin ang="5400000" scaled="1"/>
+      </a:gradFill>
+      <a:effectLst>
+        <a:outerShdw blurRad="76200" dir="18900000" sy="23000" kx="-1200000" algn="bl" rotWithShape="0">
+          <a:prstClr val="black">
+            <a:alpha val="20000"/>
+          </a:prstClr>
+        </a:outerShdw>
+      </a:effectLst>
+    </cs:spPr>
+  </cs:dataPoint>
+  <cs:dataPoint3D>
+    <cs:lnRef idx="0"/>
+    <cs:fillRef idx="0">
+      <cs:styleClr val="auto"/>
+    </cs:fillRef>
+    <cs:effectRef idx="0"/>
+    <cs:fontRef idx="minor">
+      <a:schemeClr val="dk1"/>
+    </cs:fontRef>
+    <cs:spPr>
+      <a:gradFill>
+        <a:gsLst>
+          <a:gs pos="0">
+            <a:schemeClr val="phClr"/>
+          </a:gs>
+          <a:gs pos="100000">
+            <a:schemeClr val="phClr">
+              <a:lumMod val="84000"/>
+            </a:schemeClr>
+          </a:gs>
+        </a:gsLst>
+        <a:lin ang="5400000" scaled="1"/>
+      </a:gradFill>
+      <a:effectLst>
+        <a:outerShdw blurRad="76200" dir="18900000" sy="23000" kx="-1200000" algn="bl" rotWithShape="0">
+          <a:prstClr val="black">
+            <a:alpha val="20000"/>
+          </a:prstClr>
+        </a:outerShdw>
+      </a:effectLst>
+    </cs:spPr>
+  </cs:dataPoint3D>
+  <cs:dataPointLine>
+    <cs:lnRef idx="0">
+      <cs:styleClr val="auto"/>
+    </cs:lnRef>
+    <cs:fillRef idx="0"/>
+    <cs:effectRef idx="0"/>
+    <cs:fontRef idx="minor">
+      <a:schemeClr val="dk1"/>
+    </cs:fontRef>
+    <cs:spPr>
+      <a:ln w="28575" cap="rnd">
+        <a:gradFill>
+          <a:gsLst>
+            <a:gs pos="0">
+              <a:schemeClr val="phClr"/>
+            </a:gs>
+            <a:gs pos="100000">
+              <a:schemeClr val="phClr">
+                <a:lumMod val="84000"/>
+              </a:schemeClr>
+            </a:gs>
+          </a:gsLst>
+          <a:lin ang="5400000" scaled="1"/>
+        </a:gradFill>
+        <a:round/>
+      </a:ln>
+    </cs:spPr>
+  </cs:dataPointLine>
+  <cs:dataPointMarker>
+    <cs:lnRef idx="0"/>
+    <cs:fillRef idx="0">
+      <cs:styleClr val="auto"/>
+    </cs:fillRef>
+    <cs:effectRef idx="0"/>
+    <cs:fontRef idx="minor">
+      <a:schemeClr val="dk1"/>
+    </cs:fontRef>
+    <cs:spPr>
+      <a:gradFill>
+        <a:gsLst>
+          <a:gs pos="0">
+            <a:schemeClr val="phClr"/>
+          </a:gs>
+          <a:gs pos="100000">
+            <a:schemeClr val="phClr">
+              <a:lumMod val="84000"/>
+            </a:schemeClr>
+          </a:gs>
+        </a:gsLst>
+        <a:lin ang="5400000" scaled="1"/>
+      </a:gradFill>
+      <a:effectLst>
+        <a:outerShdw blurRad="76200" dir="18900000" sy="23000" kx="-1200000" algn="bl" rotWithShape="0">
+          <a:prstClr val="black">
+            <a:alpha val="20000"/>
+          </a:prstClr>
+        </a:outerShdw>
+      </a:effectLst>
+    </cs:spPr>
+  </cs:dataPointMarker>
+  <cs:dataPointMarkerLayout symbol="circle" size="6"/>
+  <cs:dataPointWireframe>
+    <cs:lnRef idx="0">
+      <cs:styleClr val="auto"/>
+    </cs:lnRef>
+    <cs:fillRef idx="0"/>
+    <cs:effectRef idx="0"/>
+    <cs:fontRef idx="minor">
+      <a:schemeClr val="dk1"/>
+    </cs:fontRef>
+    <cs:spPr>
+      <a:ln w="9525" cap="rnd">
+        <a:solidFill>
+          <a:schemeClr val="phClr"/>
+        </a:solidFill>
+        <a:round/>
+      </a:ln>
+    </cs:spPr>
+  </cs:dataPointWireframe>
+  <cs:dataTable>
+    <cs:lnRef idx="0"/>
+    <cs:fillRef idx="0"/>
+    <cs:effectRef idx="0"/>
+    <cs:fontRef idx="minor">
+      <a:schemeClr val="dk1">
+        <a:lumMod val="65000"/>
+        <a:lumOff val="35000"/>
+      </a:schemeClr>
+    </cs:fontRef>
+    <cs:spPr>
+      <a:ln w="9525">
+        <a:solidFill>
+          <a:schemeClr val="dk1">
+            <a:lumMod val="15000"/>
+            <a:lumOff val="85000"/>
+          </a:schemeClr>
+        </a:solidFill>
+      </a:ln>
+    </cs:spPr>
+    <cs:defRPr sz="1197" kern="1200"/>
+  </cs:dataTable>
+  <cs:downBar>
+    <cs:lnRef idx="0"/>
+    <cs:fillRef idx="0"/>
+    <cs:effectRef idx="0"/>
+    <cs:fontRef idx="minor">
+      <a:schemeClr val="dk1"/>
+    </cs:fontRef>
+    <cs:spPr>
+      <a:solidFill>
+        <a:schemeClr val="dk1">
+          <a:lumMod val="35000"/>
+          <a:lumOff val="65000"/>
+        </a:schemeClr>
+      </a:solidFill>
+      <a:ln w="9525">
+        <a:solidFill>
+          <a:schemeClr val="dk1">
+            <a:lumMod val="50000"/>
+            <a:lumOff val="50000"/>
+          </a:schemeClr>
+        </a:solidFill>
+      </a:ln>
+    </cs:spPr>
+  </cs:downBar>
+  <cs:dropLine>
+    <cs:lnRef idx="0"/>
+    <cs:fillRef idx="0"/>
+    <cs:effectRef idx="0"/>
+    <cs:fontRef idx="minor">
+      <a:schemeClr val="dk1"/>
+    </cs:fontRef>
+    <cs:spPr>
+      <a:ln w="9525">
+        <a:solidFill>
+          <a:schemeClr val="dk1">
+            <a:lumMod val="50000"/>
+            <a:lumOff val="50000"/>
+          </a:schemeClr>
+        </a:solidFill>
+        <a:round/>
+      </a:ln>
+    </cs:spPr>
+  </cs:dropLine>
+  <cs:errorBar>
+    <cs:lnRef idx="0"/>
+    <cs:fillRef idx="0"/>
+    <cs:effectRef idx="0"/>
+    <cs:fontRef idx="minor">
+      <a:schemeClr val="dk1"/>
+    </cs:fontRef>
+    <cs:spPr>
+      <a:ln w="9525">
+        <a:solidFill>
+          <a:schemeClr val="dk1">
+            <a:lumMod val="50000"/>
+            <a:lumOff val="50000"/>
+          </a:schemeClr>
+        </a:solidFill>
+        <a:round/>
+      </a:ln>
+    </cs:spPr>
+  </cs:errorBar>
+  <cs:floor>
+    <cs:lnRef idx="0"/>
+    <cs:fillRef idx="0"/>
+    <cs:effectRef idx="0"/>
+    <cs:fontRef idx="minor">
+      <a:schemeClr val="dk1"/>
+    </cs:fontRef>
+  </cs:floor>
+  <cs:gridlineMajor>
+    <cs:lnRef idx="0"/>
+    <cs:fillRef idx="0"/>
+    <cs:effectRef idx="0"/>
+    <cs:fontRef idx="minor">
+      <a:schemeClr val="dk1"/>
+    </cs:fontRef>
+    <cs:spPr>
+      <a:ln w="9525" cap="flat" cmpd="sng" algn="ctr">
+        <a:solidFill>
+          <a:schemeClr val="dk1">
+            <a:lumMod val="15000"/>
+            <a:lumOff val="85000"/>
+          </a:schemeClr>
+        </a:solidFill>
+        <a:round/>
+      </a:ln>
+    </cs:spPr>
+  </cs:gridlineMajor>
+  <cs:gridlineMinor>
+    <cs:lnRef idx="0"/>
+    <cs:fillRef idx="0"/>
+    <cs:effectRef idx="0"/>
+    <cs:fontRef idx="minor">
+      <a:schemeClr val="dk1"/>
+    </cs:fontRef>
+    <cs:spPr>
+      <a:ln>
+        <a:solidFill>
+          <a:schemeClr val="dk1">
+            <a:lumMod val="5000"/>
+            <a:lumOff val="95000"/>
+          </a:schemeClr>
+        </a:solidFill>
+      </a:ln>
+    </cs:spPr>
+  </cs:gridlineMinor>
+  <cs:hiLoLine>
+    <cs:lnRef idx="0"/>
+    <cs:fillRef idx="0"/>
+    <cs:effectRef idx="0"/>
+    <cs:fontRef idx="minor">
+      <a:schemeClr val="dk1"/>
+    </cs:fontRef>
+    <cs:spPr>
+      <a:ln w="9525">
+        <a:solidFill>
+          <a:schemeClr val="dk1">
+            <a:lumMod val="50000"/>
+            <a:lumOff val="50000"/>
+          </a:schemeClr>
+        </a:solidFill>
+        <a:round/>
+      </a:ln>
+    </cs:spPr>
+  </cs:hiLoLine>
+  <cs:leaderLine>
+    <cs:lnRef idx="0"/>
+    <cs:fillRef idx="0"/>
+    <cs:effectRef idx="0"/>
+    <cs:fontRef idx="minor">
+      <a:schemeClr val="dk1"/>
+    </cs:fontRef>
+    <cs:spPr>
+      <a:ln w="9525">
+        <a:solidFill>
+          <a:schemeClr val="dk1">
+            <a:lumMod val="50000"/>
+            <a:lumOff val="50000"/>
+          </a:schemeClr>
+        </a:solidFill>
+      </a:ln>
+    </cs:spPr>
+  </cs:leaderLine>
+  <cs:legend>
+    <cs:lnRef idx="0"/>
+    <cs:fillRef idx="0"/>
+    <cs:effectRef idx="0"/>
+    <cs:fontRef idx="minor">
+      <a:schemeClr val="dk1">
+        <a:lumMod val="65000"/>
+        <a:lumOff val="35000"/>
+      </a:schemeClr>
+    </cs:fontRef>
+    <cs:defRPr sz="1197" kern="1200"/>
+  </cs:legend>
+  <cs:plotArea>
+    <cs:lnRef idx="0"/>
+    <cs:fillRef idx="0"/>
+    <cs:effectRef idx="0"/>
+    <cs:fontRef idx="minor">
+      <a:schemeClr val="dk1"/>
+    </cs:fontRef>
+  </cs:plotArea>
+  <cs:plotArea3D>
+    <cs:lnRef idx="0"/>
+    <cs:fillRef idx="0"/>
+    <cs:effectRef idx="0"/>
+    <cs:fontRef idx="minor">
+      <a:schemeClr val="dk1"/>
+    </cs:fontRef>
+  </cs:plotArea3D>
+  <cs:seriesAxis>
+    <cs:lnRef idx="0"/>
+    <cs:fillRef idx="0"/>
+    <cs:effectRef idx="0"/>
+    <cs:fontRef idx="minor">
+      <a:schemeClr val="dk1">
+        <a:lumMod val="65000"/>
+        <a:lumOff val="35000"/>
+      </a:schemeClr>
+    </cs:fontRef>
+    <cs:spPr>
+      <a:ln w="9525" cap="flat" cmpd="sng" algn="ctr">
+        <a:solidFill>
+          <a:schemeClr val="dk1">
+            <a:lumMod val="15000"/>
+            <a:lumOff val="85000"/>
+          </a:schemeClr>
+        </a:solidFill>
+        <a:round/>
+      </a:ln>
+    </cs:spPr>
+    <cs:defRPr sz="1197" kern="1200"/>
+  </cs:seriesAxis>
+  <cs:seriesLine>
+    <cs:lnRef idx="0"/>
+    <cs:fillRef idx="0"/>
+    <cs:effectRef idx="0"/>
+    <cs:fontRef idx="minor">
+      <a:schemeClr val="dk1"/>
+    </cs:fontRef>
+    <cs:spPr>
+      <a:ln w="9525">
+        <a:solidFill>
+          <a:schemeClr val="dk1">
+            <a:lumMod val="50000"/>
+            <a:lumOff val="50000"/>
+          </a:schemeClr>
+        </a:solidFill>
+        <a:round/>
+      </a:ln>
+    </cs:spPr>
+  </cs:seriesLine>
+  <cs:title>
+    <cs:lnRef idx="0"/>
+    <cs:fillRef idx="0"/>
+    <cs:effectRef idx="0"/>
+    <cs:fontRef idx="minor">
+      <a:schemeClr val="dk1">
+        <a:lumMod val="65000"/>
+        <a:lumOff val="35000"/>
+      </a:schemeClr>
+    </cs:fontRef>
+    <cs:defRPr kern="1200">
+      <a:effectLst/>
+    </cs:defRPr>
+  </cs:title>
+  <cs:trendline>
+    <cs:lnRef idx="0">
+      <cs:styleClr val="auto"/>
+    </cs:lnRef>
+    <cs:fillRef idx="0"/>
+    <cs:effectRef idx="0"/>
+    <cs:fontRef idx="minor">
+      <a:schemeClr val="dk1"/>
+    </cs:fontRef>
+    <cs:spPr>
+      <a:ln w="19050" cap="rnd">
+        <a:solidFill>
+          <a:schemeClr val="phClr"/>
+        </a:solidFill>
+        <a:prstDash val="sysDash"/>
+      </a:ln>
+    </cs:spPr>
+  </cs:trendline>
+  <cs:trendlineLabel>
+    <cs:lnRef idx="0"/>
+    <cs:fillRef idx="0"/>
+    <cs:effectRef idx="0"/>
+    <cs:fontRef idx="minor">
+      <a:schemeClr val="dk1">
+        <a:lumMod val="65000"/>
+        <a:lumOff val="35000"/>
+      </a:schemeClr>
+    </cs:fontRef>
+    <cs:defRPr sz="1197" kern="1200"/>
+  </cs:trendlineLabel>
+  <cs:upBar>
+    <cs:lnRef idx="0"/>
+    <cs:fillRef idx="0"/>
+    <cs:effectRef idx="0"/>
+    <cs:fontRef idx="minor">
+      <a:schemeClr val="dk1"/>
+    </cs:fontRef>
+    <cs:spPr>
+      <a:solidFill>
+        <a:schemeClr val="lt1">
+          <a:lumMod val="95000"/>
+        </a:schemeClr>
+      </a:solidFill>
+      <a:ln w="9525">
+        <a:solidFill>
+          <a:schemeClr val="dk1">
+            <a:lumMod val="15000"/>
+            <a:lumOff val="85000"/>
+          </a:schemeClr>
+        </a:solidFill>
+      </a:ln>
+    </cs:spPr>
+  </cs:upBar>
+  <cs:valueAxis>
+    <cs:lnRef idx="0"/>
+    <cs:fillRef idx="0"/>
+    <cs:effectRef idx="0"/>
+    <cs:fontRef idx="minor">
+      <a:schemeClr val="dk1">
+        <a:lumMod val="65000"/>
+        <a:lumOff val="35000"/>
+      </a:schemeClr>
+    </cs:fontRef>
+    <cs:defRPr sz="1197" kern="1200"/>
+  </cs:valueAxis>
+  <cs:wall>
+    <cs:lnRef idx="0"/>
+    <cs:fillRef idx="0"/>
+    <cs:effectRef idx="0"/>
+    <cs:fontRef idx="minor">
+      <a:schemeClr val="dk1"/>
+    </cs:fontRef>
+  </cs:wall>
+</cs:chartStyle>
+</file>
+
+<file path=ppt/charts/style2.xml><?xml version="1.0" encoding="utf-8"?>
+<cs:chartStyle xmlns:cs="http://schemas.microsoft.com/office/drawing/2012/chartStyle" xmlns:a="http://schemas.openxmlformats.org/drawingml/2006/main" id="297">
+  <cs:axisTitle>
+    <cs:lnRef idx="0"/>
+    <cs:fillRef idx="0"/>
+    <cs:effectRef idx="0"/>
+    <cs:fontRef idx="minor">
+      <a:schemeClr val="tx1">
+        <a:lumMod val="65000"/>
+        <a:lumOff val="35000"/>
+      </a:schemeClr>
+    </cs:fontRef>
+    <cs:defRPr sz="1000" kern="1200"/>
+  </cs:axisTitle>
+  <cs:categoryAxis>
+    <cs:lnRef idx="0"/>
+    <cs:fillRef idx="0"/>
+    <cs:effectRef idx="0"/>
+    <cs:fontRef idx="minor">
+      <a:schemeClr val="tx1">
+        <a:lumMod val="65000"/>
+        <a:lumOff val="35000"/>
+      </a:schemeClr>
+    </cs:fontRef>
+    <cs:spPr>
+      <a:ln w="9525" cap="flat" cmpd="sng" algn="ctr">
+        <a:solidFill>
+          <a:schemeClr val="tx1">
+            <a:lumMod val="15000"/>
+            <a:lumOff val="85000"/>
+          </a:schemeClr>
+        </a:solidFill>
+        <a:round/>
+      </a:ln>
+    </cs:spPr>
+    <cs:defRPr sz="900" kern="1200"/>
+  </cs:categoryAxis>
+  <cs:chartArea mods="allowNoFillOverride allowNoLineOverride">
+    <cs:lnRef idx="0"/>
+    <cs:fillRef idx="0"/>
+    <cs:effectRef idx="0"/>
+    <cs:fontRef idx="minor">
+      <a:schemeClr val="tx1"/>
+    </cs:fontRef>
+    <cs:spPr>
+      <a:solidFill>
+        <a:schemeClr val="bg1"/>
+      </a:solidFill>
+      <a:ln w="9525" cap="flat" cmpd="sng" algn="ctr">
+        <a:solidFill>
+          <a:schemeClr val="tx1">
+            <a:lumMod val="15000"/>
+            <a:lumOff val="85000"/>
+          </a:schemeClr>
+        </a:solidFill>
+        <a:round/>
+      </a:ln>
+    </cs:spPr>
+    <cs:defRPr sz="1000" kern="1200"/>
+  </cs:chartArea>
+  <cs:dataLabel>
+    <cs:lnRef idx="0"/>
+    <cs:fillRef idx="0"/>
+    <cs:effectRef idx="0"/>
+    <cs:fontRef idx="minor">
+      <a:schemeClr val="tx1">
+        <a:lumMod val="75000"/>
+        <a:lumOff val="25000"/>
+      </a:schemeClr>
+    </cs:fontRef>
+    <cs:defRPr sz="900" kern="1200"/>
+  </cs:dataLabel>
+  <cs:dataLabelCallout>
+    <cs:lnRef idx="0"/>
+    <cs:fillRef idx="0"/>
+    <cs:effectRef idx="0"/>
+    <cs:fontRef idx="minor">
+      <a:schemeClr val="dk1">
+        <a:lumMod val="65000"/>
+        <a:lumOff val="35000"/>
+      </a:schemeClr>
+    </cs:fontRef>
+    <cs:spPr>
+      <a:solidFill>
+        <a:schemeClr val="lt1"/>
+      </a:solidFill>
+      <a:ln>
+        <a:solidFill>
+          <a:schemeClr val="dk1">
+            <a:lumMod val="25000"/>
+            <a:lumOff val="75000"/>
+          </a:schemeClr>
+        </a:solidFill>
+      </a:ln>
+    </cs:spPr>
+    <cs:defRPr sz="900" kern="1200"/>
+    <cs:bodyPr rot="0" spcFirstLastPara="1" vertOverflow="clip" horzOverflow="clip" vert="horz" wrap="square" lIns="36576" tIns="18288" rIns="36576" bIns="18288" anchor="ctr" anchorCtr="1">
+      <a:spAutoFit/>
+    </cs:bodyPr>
+  </cs:dataLabelCallout>
+  <cs:dataPoint>
+    <cs:lnRef idx="0"/>
+    <cs:fillRef idx="1">
+      <cs:styleClr val="auto"/>
+    </cs:fillRef>
+    <cs:effectRef idx="0"/>
+    <cs:fontRef idx="minor">
+      <a:schemeClr val="tx1"/>
+    </cs:fontRef>
+  </cs:dataPoint>
+  <cs:dataPoint3D>
+    <cs:lnRef idx="0"/>
+    <cs:fillRef idx="1">
+      <cs:styleClr val="auto"/>
+    </cs:fillRef>
+    <cs:effectRef idx="0"/>
+    <cs:fontRef idx="minor">
+      <a:schemeClr val="tx1"/>
+    </cs:fontRef>
+  </cs:dataPoint3D>
+  <cs:dataPointLine>
+    <cs:lnRef idx="0">
+      <cs:styleClr val="auto"/>
+    </cs:lnRef>
+    <cs:fillRef idx="1"/>
+    <cs:effectRef idx="0"/>
+    <cs:fontRef idx="minor">
+      <a:schemeClr val="tx1"/>
+    </cs:fontRef>
+    <cs:spPr>
+      <a:ln w="28575" cap="rnd">
+        <a:solidFill>
+          <a:schemeClr val="phClr"/>
+        </a:solidFill>
+        <a:round/>
+      </a:ln>
+    </cs:spPr>
+  </cs:dataPointLine>
+  <cs:dataPointMarker>
+    <cs:lnRef idx="0">
+      <cs:styleClr val="auto"/>
+    </cs:lnRef>
+    <cs:fillRef idx="1">
+      <cs:styleClr val="auto"/>
+    </cs:fillRef>
+    <cs:effectRef idx="0"/>
+    <cs:fontRef idx="minor">
+      <a:schemeClr val="tx1"/>
+    </cs:fontRef>
+    <cs:spPr>
+      <a:ln w="9525">
+        <a:solidFill>
+          <a:schemeClr val="phClr"/>
+        </a:solidFill>
+      </a:ln>
+    </cs:spPr>
+  </cs:dataPointMarker>
+  <cs:dataPointMarkerLayout symbol="circle" size="5"/>
+  <cs:dataPointWireframe>
+    <cs:lnRef idx="0">
+      <cs:styleClr val="auto"/>
+    </cs:lnRef>
+    <cs:fillRef idx="1"/>
+    <cs:effectRef idx="0"/>
+    <cs:fontRef idx="minor">
+      <a:schemeClr val="tx1"/>
+    </cs:fontRef>
+    <cs:spPr>
+      <a:ln w="9525" cap="rnd">
+        <a:solidFill>
+          <a:schemeClr val="phClr"/>
+        </a:solidFill>
+        <a:round/>
+      </a:ln>
+    </cs:spPr>
+  </cs:dataPointWireframe>
+  <cs:dataTable>
+    <cs:lnRef idx="0"/>
+    <cs:fillRef idx="0"/>
+    <cs:effectRef idx="0"/>
+    <cs:fontRef idx="minor">
+      <a:schemeClr val="tx1">
+        <a:lumMod val="65000"/>
+        <a:lumOff val="35000"/>
+      </a:schemeClr>
+    </cs:fontRef>
+    <cs:spPr>
+      <a:noFill/>
+      <a:ln w="9525" cap="flat" cmpd="sng" algn="ctr">
+        <a:solidFill>
+          <a:schemeClr val="tx1">
+            <a:lumMod val="15000"/>
+            <a:lumOff val="85000"/>
+          </a:schemeClr>
+        </a:solidFill>
+        <a:round/>
+      </a:ln>
+    </cs:spPr>
+    <cs:defRPr sz="900" kern="1200"/>
+  </cs:dataTable>
+  <cs:downBar>
+    <cs:lnRef idx="0"/>
+    <cs:fillRef idx="0"/>
+    <cs:effectRef idx="0"/>
+    <cs:fontRef idx="minor">
+      <a:schemeClr val="tx1"/>
+    </cs:fontRef>
+    <cs:spPr>
+      <a:solidFill>
+        <a:schemeClr val="dk1">
+          <a:lumMod val="75000"/>
+          <a:lumOff val="25000"/>
+        </a:schemeClr>
+      </a:solidFill>
+      <a:ln w="9525" cap="flat" cmpd="sng" algn="ctr">
+        <a:solidFill>
+          <a:schemeClr val="tx1">
+            <a:lumMod val="65000"/>
+            <a:lumOff val="35000"/>
+          </a:schemeClr>
+        </a:solidFill>
+        <a:round/>
+      </a:ln>
+    </cs:spPr>
+  </cs:downBar>
+  <cs:dropLine>
+    <cs:lnRef idx="0"/>
+    <cs:fillRef idx="0"/>
+    <cs:effectRef idx="0"/>
+    <cs:fontRef idx="minor">
+      <a:schemeClr val="tx1"/>
+    </cs:fontRef>
+    <cs:spPr>
+      <a:ln w="9525" cap="flat" cmpd="sng" algn="ctr">
+        <a:solidFill>
+          <a:schemeClr val="tx1">
+            <a:lumMod val="35000"/>
+            <a:lumOff val="65000"/>
+          </a:schemeClr>
+        </a:solidFill>
+        <a:round/>
+      </a:ln>
+    </cs:spPr>
+  </cs:dropLine>
+  <cs:errorBar>
+    <cs:lnRef idx="0"/>
+    <cs:fillRef idx="0"/>
+    <cs:effectRef idx="0"/>
+    <cs:fontRef idx="minor">
+      <a:schemeClr val="tx1"/>
+    </cs:fontRef>
+    <cs:spPr>
+      <a:ln w="9525" cap="flat" cmpd="sng" algn="ctr">
+        <a:solidFill>
+          <a:schemeClr val="tx1">
+            <a:lumMod val="65000"/>
+            <a:lumOff val="35000"/>
+          </a:schemeClr>
+        </a:solidFill>
+        <a:round/>
+      </a:ln>
+    </cs:spPr>
+  </cs:errorBar>
+  <cs:floor>
+    <cs:lnRef idx="0"/>
+    <cs:fillRef idx="0"/>
+    <cs:effectRef idx="0"/>
+    <cs:fontRef idx="minor">
+      <a:schemeClr val="tx1"/>
+    </cs:fontRef>
+    <cs:spPr>
+      <a:noFill/>
+      <a:ln>
+        <a:noFill/>
+      </a:ln>
+    </cs:spPr>
+  </cs:floor>
+  <cs:gridlineMajor>
+    <cs:lnRef idx="0"/>
+    <cs:fillRef idx="0"/>
+    <cs:effectRef idx="0"/>
+    <cs:fontRef idx="minor">
+      <a:schemeClr val="tx1"/>
+    </cs:fontRef>
+    <cs:spPr>
+      <a:ln w="9525" cap="flat" cmpd="sng" algn="ctr">
+        <a:solidFill>
+          <a:schemeClr val="tx1">
+            <a:lumMod val="15000"/>
+            <a:lumOff val="85000"/>
+          </a:schemeClr>
+        </a:solidFill>
+        <a:round/>
+      </a:ln>
+    </cs:spPr>
+  </cs:gridlineMajor>
+  <cs:gridlineMinor>
+    <cs:lnRef idx="0"/>
+    <cs:fillRef idx="0"/>
+    <cs:effectRef idx="0"/>
+    <cs:fontRef idx="minor">
+      <a:schemeClr val="tx1"/>
+    </cs:fontRef>
+    <cs:spPr>
+      <a:ln w="9525" cap="flat" cmpd="sng" algn="ctr">
+        <a:solidFill>
+          <a:schemeClr val="tx1">
+            <a:lumMod val="5000"/>
+            <a:lumOff val="95000"/>
+          </a:schemeClr>
+        </a:solidFill>
+        <a:round/>
+      </a:ln>
+    </cs:spPr>
+  </cs:gridlineMinor>
+  <cs:hiLoLine>
+    <cs:lnRef idx="0"/>
+    <cs:fillRef idx="0"/>
+    <cs:effectRef idx="0"/>
+    <cs:fontRef idx="minor">
+      <a:schemeClr val="tx1"/>
+    </cs:fontRef>
+    <cs:spPr>
+      <a:ln w="9525" cap="flat" cmpd="sng" algn="ctr">
+        <a:solidFill>
+          <a:schemeClr val="tx1">
+            <a:lumMod val="50000"/>
+            <a:lumOff val="50000"/>
+          </a:schemeClr>
+        </a:solidFill>
+        <a:round/>
+      </a:ln>
+    </cs:spPr>
+  </cs:hiLoLine>
+  <cs:leaderLine>
+    <cs:lnRef idx="0"/>
+    <cs:fillRef idx="0"/>
+    <cs:effectRef idx="0"/>
+    <cs:fontRef idx="minor">
+      <a:schemeClr val="tx1"/>
+    </cs:fontRef>
+    <cs:spPr>
+      <a:ln w="9525" cap="flat" cmpd="sng" algn="ctr">
+        <a:solidFill>
+          <a:schemeClr val="tx1">
+            <a:lumMod val="35000"/>
+            <a:lumOff val="65000"/>
+          </a:schemeClr>
+        </a:solidFill>
+        <a:round/>
+      </a:ln>
+    </cs:spPr>
+  </cs:leaderLine>
+  <cs:legend>
+    <cs:lnRef idx="0"/>
+    <cs:fillRef idx="0"/>
+    <cs:effectRef idx="0"/>
+    <cs:fontRef idx="minor">
+      <a:schemeClr val="tx1">
+        <a:lumMod val="65000"/>
+        <a:lumOff val="35000"/>
+      </a:schemeClr>
+    </cs:fontRef>
+    <cs:defRPr sz="900" kern="1200"/>
+  </cs:legend>
+  <cs:plotArea mods="allowNoFillOverride allowNoLineOverride">
+    <cs:lnRef idx="0"/>
+    <cs:fillRef idx="0"/>
+    <cs:effectRef idx="0"/>
+    <cs:fontRef idx="minor">
+      <a:schemeClr val="tx1"/>
+    </cs:fontRef>
+  </cs:plotArea>
+  <cs:plotArea3D mods="allowNoFillOverride allowNoLineOverride">
+    <cs:lnRef idx="0"/>
+    <cs:fillRef idx="0"/>
+    <cs:effectRef idx="0"/>
+    <cs:fontRef idx="minor">
+      <a:schemeClr val="tx1"/>
+    </cs:fontRef>
+  </cs:plotArea3D>
+  <cs:seriesAxis>
+    <cs:lnRef idx="0"/>
+    <cs:fillRef idx="0"/>
+    <cs:effectRef idx="0"/>
+    <cs:fontRef idx="minor">
+      <a:schemeClr val="tx1">
+        <a:lumMod val="65000"/>
+        <a:lumOff val="35000"/>
+      </a:schemeClr>
+    </cs:fontRef>
+    <cs:defRPr sz="900" kern="1200"/>
+  </cs:seriesAxis>
+  <cs:seriesLine>
+    <cs:lnRef idx="0"/>
+    <cs:fillRef idx="0"/>
+    <cs:effectRef idx="0"/>
+    <cs:fontRef idx="minor">
+      <a:schemeClr val="tx1"/>
+    </cs:fontRef>
+    <cs:spPr>
+      <a:ln w="9525" cap="flat" cmpd="sng" algn="ctr">
+        <a:solidFill>
+          <a:schemeClr val="tx1">
+            <a:lumMod val="35000"/>
+            <a:lumOff val="65000"/>
+          </a:schemeClr>
+        </a:solidFill>
+        <a:round/>
+      </a:ln>
+    </cs:spPr>
+  </cs:seriesLine>
+  <cs:title>
+    <cs:lnRef idx="0"/>
+    <cs:fillRef idx="0"/>
+    <cs:effectRef idx="0"/>
+    <cs:fontRef idx="minor">
+      <a:schemeClr val="tx1">
+        <a:lumMod val="65000"/>
+        <a:lumOff val="35000"/>
+      </a:schemeClr>
+    </cs:fontRef>
+    <cs:defRPr sz="1400" b="0" kern="1200" spc="0" baseline="0"/>
+  </cs:title>
+  <cs:trendline>
+    <cs:lnRef idx="0">
+      <cs:styleClr val="auto"/>
+    </cs:lnRef>
+    <cs:fillRef idx="0"/>
+    <cs:effectRef idx="0"/>
+    <cs:fontRef idx="minor">
+      <a:schemeClr val="tx1"/>
+    </cs:fontRef>
+    <cs:spPr>
+      <a:ln w="19050" cap="rnd">
+        <a:solidFill>
+          <a:schemeClr val="phClr"/>
+        </a:solidFill>
+        <a:prstDash val="sysDot"/>
+      </a:ln>
+    </cs:spPr>
+  </cs:trendline>
+  <cs:trendlineLabel>
+    <cs:lnRef idx="0"/>
+    <cs:fillRef idx="0"/>
+    <cs:effectRef idx="0"/>
+    <cs:fontRef idx="minor">
+      <a:schemeClr val="tx1">
+        <a:lumMod val="65000"/>
+        <a:lumOff val="35000"/>
+      </a:schemeClr>
+    </cs:fontRef>
+    <cs:defRPr sz="900" kern="1200"/>
+  </cs:trendlineLabel>
+  <cs:upBar>
+    <cs:lnRef idx="0"/>
+    <cs:fillRef idx="0"/>
+    <cs:effectRef idx="0"/>
+    <cs:fontRef idx="minor">
+      <a:schemeClr val="tx1"/>
+    </cs:fontRef>
+    <cs:spPr>
+      <a:solidFill>
+        <a:schemeClr val="lt1"/>
+      </a:solidFill>
+      <a:ln w="9525" cap="flat" cmpd="sng" algn="ctr">
+        <a:solidFill>
+          <a:schemeClr val="tx1">
+            <a:lumMod val="65000"/>
+            <a:lumOff val="35000"/>
+          </a:schemeClr>
+        </a:solidFill>
+        <a:round/>
+      </a:ln>
+    </cs:spPr>
+  </cs:upBar>
+  <cs:valueAxis>
+    <cs:lnRef idx="0"/>
+    <cs:fillRef idx="0"/>
+    <cs:effectRef idx="0"/>
+    <cs:fontRef idx="minor">
+      <a:schemeClr val="tx1">
+        <a:lumMod val="65000"/>
+        <a:lumOff val="35000"/>
+      </a:schemeClr>
+    </cs:fontRef>
+    <cs:defRPr sz="900" kern="1200"/>
+  </cs:valueAxis>
+  <cs:wall>
+    <cs:lnRef idx="0"/>
+    <cs:fillRef idx="0"/>
+    <cs:effectRef idx="0"/>
+    <cs:fontRef idx="minor">
+      <a:schemeClr val="tx1"/>
+    </cs:fontRef>
+    <cs:spPr>
+      <a:noFill/>
+      <a:ln>
+        <a:noFill/>
+      </a:ln>
+    </cs:spPr>
+  </cs:wall>
+</cs:chartStyle>
 </file>
 
 <file path=ppt/notesMasters/notesMaster1.xml><?xml version="1.0" encoding="utf-8"?>
@@ -8006,7 +9909,12 @@
             <p:ph type="ctrTitle"/>
           </p:nvPr>
         </p:nvSpPr>
-        <p:spPr/>
+        <p:spPr>
+          <a:xfrm>
+            <a:off x="812801" y="872067"/>
+            <a:ext cx="11379199" cy="2262781"/>
+          </a:xfrm>
+        </p:spPr>
         <p:txBody>
           <a:bodyPr/>
           <a:lstStyle/>
@@ -8028,12 +9936,31 @@
             <p:ph type="subTitle" idx="1"/>
           </p:nvPr>
         </p:nvSpPr>
-        <p:spPr/>
+        <p:spPr>
+          <a:xfrm>
+            <a:off x="6907213" y="3778312"/>
+            <a:ext cx="8915399" cy="1126283"/>
+          </a:xfrm>
+        </p:spPr>
         <p:txBody>
           <a:bodyPr/>
           <a:lstStyle/>
           <a:p>
-            <a:endParaRPr lang="en-US"/>
+            <a:pPr marL="285750" indent="-285750">
+              <a:buFontTx/>
+              <a:buChar char="-"/>
+            </a:pPr>
+            <a:r>
+              <a:rPr lang="en-US" dirty="0" smtClean="0"/>
+              <a:t>Amish Shah</a:t>
+            </a:r>
+          </a:p>
+          <a:p>
+            <a:pPr marL="285750" indent="-285750">
+              <a:buFontTx/>
+              <a:buChar char="-"/>
+            </a:pPr>
+            <a:endParaRPr lang="en-US" dirty="0"/>
           </a:p>
         </p:txBody>
       </p:sp>
@@ -8755,7 +10682,12 @@
             <p:ph idx="1"/>
           </p:nvPr>
         </p:nvSpPr>
-        <p:spPr/>
+        <p:spPr>
+          <a:xfrm>
+            <a:off x="2138108" y="1780032"/>
+            <a:ext cx="8915400" cy="3777622"/>
+          </a:xfrm>
+        </p:spPr>
         <p:txBody>
           <a:bodyPr/>
           <a:lstStyle/>
@@ -9591,7 +11523,7 @@
           <a:blip r:embed="rId2">
             <a:extLst>
               <a:ext uri="{96DAC541-7B7A-43D3-8B79-37D633B846F1}">
-                <asvg:svgBlip xmlns="" xmlns:asvg="http://schemas.microsoft.com/office/drawing/2016/SVG/main" r:embed="rId3"/>
+                <asvg:svgBlip xmlns:asvg="http://schemas.microsoft.com/office/drawing/2016/SVG/main" xmlns="" r:embed="rId3"/>
               </a:ext>
             </a:extLst>
           </a:blip>
@@ -10314,8 +12246,13 @@
             </a:r>
             <a:r>
               <a:rPr lang="en-US" dirty="0" smtClean="0"/>
-              <a:t> Necessity using VPC.</a:t>
-            </a:r>
+              <a:t> Necessity using VPC</a:t>
+            </a:r>
+            <a:r>
+              <a:rPr lang="en-US" dirty="0" smtClean="0"/>
+              <a:t>.</a:t>
+            </a:r>
+            <a:endParaRPr lang="en-US" dirty="0" smtClean="0"/>
           </a:p>
           <a:p>
             <a:r>
@@ -10712,7 +12649,12 @@
             <p:ph type="title"/>
           </p:nvPr>
         </p:nvSpPr>
-        <p:spPr/>
+        <p:spPr>
+          <a:xfrm>
+            <a:off x="1953761" y="344710"/>
+            <a:ext cx="8911687" cy="1280890"/>
+          </a:xfrm>
+        </p:spPr>
         <p:txBody>
           <a:bodyPr/>
           <a:lstStyle/>
@@ -10726,25 +12668,30 @@
           </a:p>
         </p:txBody>
       </p:sp>
-      <p:sp>
-        <p:nvSpPr>
-          <p:cNvPr id="3" name="Content Placeholder 2"/>
-          <p:cNvSpPr>
-            <a:spLocks noGrp="1"/>
-          </p:cNvSpPr>
+      <p:graphicFrame>
+        <p:nvGraphicFramePr>
+          <p:cNvPr id="4" name="Chart 3"/>
+          <p:cNvGraphicFramePr>
+            <a:graphicFrameLocks/>
+          </p:cNvGraphicFramePr>
           <p:nvPr>
-            <p:ph idx="1"/>
+            <p:extLst>
+              <p:ext uri="{D42A27DB-BD31-4B8C-83A1-F6EECF244321}">
+                <p14:modId xmlns:p14="http://schemas.microsoft.com/office/powerpoint/2010/main" val="2766821089"/>
+              </p:ext>
+            </p:extLst>
           </p:nvPr>
-        </p:nvSpPr>
-        <p:spPr/>
-        <p:txBody>
-          <a:bodyPr/>
-          <a:lstStyle/>
-          <a:p>
-            <a:endParaRPr lang="en-US" dirty="0"/>
-          </a:p>
-        </p:txBody>
-      </p:sp>
+        </p:nvGraphicFramePr>
+        <p:xfrm>
+          <a:off x="1337733" y="1490133"/>
+          <a:ext cx="10634809" cy="4758267"/>
+        </p:xfrm>
+        <a:graphic>
+          <a:graphicData uri="http://schemas.openxmlformats.org/drawingml/2006/chart">
+            <c:chart xmlns:c="http://schemas.openxmlformats.org/drawingml/2006/chart" xmlns:r="http://schemas.openxmlformats.org/officeDocument/2006/relationships" r:id="rId2"/>
+          </a:graphicData>
+        </a:graphic>
+      </p:graphicFrame>
     </p:spTree>
     <p:extLst>
       <p:ext uri="{BB962C8B-B14F-4D97-AF65-F5344CB8AC3E}">
@@ -10785,7 +12732,12 @@
             <p:ph type="title"/>
           </p:nvPr>
         </p:nvSpPr>
-        <p:spPr/>
+        <p:spPr>
+          <a:xfrm>
+            <a:off x="1864792" y="522510"/>
+            <a:ext cx="8911687" cy="1280890"/>
+          </a:xfrm>
+        </p:spPr>
         <p:txBody>
           <a:bodyPr/>
           <a:lstStyle/>
@@ -10793,60 +12745,47 @@
             <a:pPr algn="ctr"/>
             <a:r>
               <a:rPr lang="en-US" dirty="0" smtClean="0"/>
-              <a:t>Limitations</a:t>
+              <a:t>Results – Procrastinated vs </a:t>
+            </a:r>
+            <a:br>
+              <a:rPr lang="en-US" dirty="0" smtClean="0"/>
+            </a:br>
+            <a:r>
+              <a:rPr lang="en-US" dirty="0" smtClean="0"/>
+              <a:t>Non Procrastinated</a:t>
             </a:r>
             <a:endParaRPr lang="en-US" dirty="0"/>
           </a:p>
         </p:txBody>
       </p:sp>
-      <p:sp>
-        <p:nvSpPr>
-          <p:cNvPr id="3" name="Content Placeholder 2"/>
-          <p:cNvSpPr>
-            <a:spLocks noGrp="1"/>
-          </p:cNvSpPr>
+      <p:graphicFrame>
+        <p:nvGraphicFramePr>
+          <p:cNvPr id="5" name="Chart 4"/>
+          <p:cNvGraphicFramePr>
+            <a:graphicFrameLocks/>
+          </p:cNvGraphicFramePr>
           <p:nvPr>
-            <p:ph idx="1"/>
+            <p:extLst>
+              <p:ext uri="{D42A27DB-BD31-4B8C-83A1-F6EECF244321}">
+                <p14:modId xmlns:p14="http://schemas.microsoft.com/office/powerpoint/2010/main" val="1324968578"/>
+              </p:ext>
+            </p:extLst>
           </p:nvPr>
-        </p:nvSpPr>
-        <p:spPr/>
-        <p:txBody>
-          <a:bodyPr/>
-          <a:lstStyle/>
-          <a:p>
-            <a:r>
-              <a:rPr lang="en-US" dirty="0" smtClean="0"/>
-              <a:t>Limited to one pattern only. </a:t>
-            </a:r>
-            <a:endParaRPr lang="en-US" dirty="0"/>
-          </a:p>
-          <a:p>
-            <a:r>
-              <a:rPr lang="en-US" dirty="0" smtClean="0"/>
-              <a:t>Limited to Java source code analysis rather than bytecode</a:t>
-            </a:r>
-          </a:p>
-          <a:p>
-            <a:r>
-              <a:rPr lang="en-US" dirty="0" smtClean="0"/>
-              <a:t>Not yet tested on Post data.</a:t>
-            </a:r>
-          </a:p>
-          <a:p>
-            <a:r>
-              <a:rPr lang="en-US" dirty="0" smtClean="0"/>
-              <a:t>Instrumentation process requires some developer involvement.</a:t>
-            </a:r>
-          </a:p>
-          <a:p>
-            <a:endParaRPr lang="en-US" dirty="0"/>
-          </a:p>
-        </p:txBody>
-      </p:sp>
+        </p:nvGraphicFramePr>
+        <p:xfrm>
+          <a:off x="2590802" y="1803400"/>
+          <a:ext cx="7823200" cy="4030134"/>
+        </p:xfrm>
+        <a:graphic>
+          <a:graphicData uri="http://schemas.openxmlformats.org/drawingml/2006/chart">
+            <c:chart xmlns:c="http://schemas.openxmlformats.org/drawingml/2006/chart" xmlns:r="http://schemas.openxmlformats.org/officeDocument/2006/relationships" r:id="rId2"/>
+          </a:graphicData>
+        </a:graphic>
+      </p:graphicFrame>
     </p:spTree>
     <p:extLst>
       <p:ext uri="{BB962C8B-B14F-4D97-AF65-F5344CB8AC3E}">
-        <p14:creationId xmlns:p14="http://schemas.microsoft.com/office/powerpoint/2010/main" val="1095983116"/>
+        <p14:creationId xmlns:p14="http://schemas.microsoft.com/office/powerpoint/2010/main" val="1427784178"/>
       </p:ext>
     </p:extLst>
   </p:cSld>
@@ -11174,9 +13113,10 @@
           <a:bodyPr/>
           <a:lstStyle/>
           <a:p>
+            <a:pPr algn="ctr"/>
             <a:r>
               <a:rPr lang="en-US" dirty="0" smtClean="0"/>
-              <a:t>Potential Future Work</a:t>
+              <a:t>Results Summary</a:t>
             </a:r>
             <a:endParaRPr lang="en-US" dirty="0"/>
           </a:p>
@@ -11199,36 +13139,37 @@
           <a:p>
             <a:r>
               <a:rPr lang="en-US" dirty="0" smtClean="0"/>
-              <a:t>Implement for POST based pre-fetch.</a:t>
+              <a:t>Comparing User 4 to User 1 yields 27% savings in data</a:t>
             </a:r>
           </a:p>
           <a:p>
             <a:r>
               <a:rPr lang="en-US" dirty="0" smtClean="0"/>
-              <a:t>Analyze at Byte Code level</a:t>
+              <a:t>Comparing User 3 to User 1 yields 41% savings in data</a:t>
             </a:r>
           </a:p>
           <a:p>
             <a:r>
               <a:rPr lang="en-US" dirty="0" smtClean="0"/>
-              <a:t>Identify more patterns</a:t>
-            </a:r>
+              <a:t>User 4 VPC &gt; User 3 VPC. Hence User 4 consumes more data.</a:t>
+            </a:r>
+            <a:endParaRPr lang="en-US" dirty="0"/>
           </a:p>
           <a:p>
             <a:r>
               <a:rPr lang="en-US" dirty="0" smtClean="0"/>
-              <a:t>Test on more applications.</a:t>
-            </a:r>
-          </a:p>
-          <a:p>
-            <a:endParaRPr lang="en-US" dirty="0"/>
+              <a:t>Mean Saving of 34%</a:t>
+            </a:r>
+          </a:p>
+          <a:p>
+            <a:endParaRPr lang="en-US" dirty="0" smtClean="0"/>
           </a:p>
         </p:txBody>
       </p:sp>
     </p:spTree>
     <p:extLst>
       <p:ext uri="{BB962C8B-B14F-4D97-AF65-F5344CB8AC3E}">
-        <p14:creationId xmlns:p14="http://schemas.microsoft.com/office/powerpoint/2010/main" val="1045082269"/>
+        <p14:creationId xmlns:p14="http://schemas.microsoft.com/office/powerpoint/2010/main" val="1286010416"/>
       </p:ext>
     </p:extLst>
   </p:cSld>
@@ -11265,22 +13206,17 @@
             <p:ph type="title"/>
           </p:nvPr>
         </p:nvSpPr>
-        <p:spPr>
-          <a:xfrm>
-            <a:off x="2592925" y="624110"/>
-            <a:ext cx="8911687" cy="617392"/>
-          </a:xfrm>
-        </p:spPr>
-        <p:txBody>
-          <a:bodyPr>
-            <a:normAutofit fontScale="90000"/>
-          </a:bodyPr>
+        <p:spPr/>
+        <p:txBody>
+          <a:bodyPr/>
           <a:lstStyle/>
           <a:p>
-            <a:r>
-              <a:rPr lang="en-US" dirty="0"/>
-              <a:t>Conclusion</a:t>
-            </a:r>
+            <a:pPr algn="ctr"/>
+            <a:r>
+              <a:rPr lang="en-US" dirty="0" smtClean="0"/>
+              <a:t>Limitations</a:t>
+            </a:r>
+            <a:endParaRPr lang="en-US" dirty="0"/>
           </a:p>
         </p:txBody>
       </p:sp>
@@ -11294,51 +13230,140 @@
             <p:ph idx="1"/>
           </p:nvPr>
         </p:nvSpPr>
-        <p:spPr>
-          <a:xfrm>
-            <a:off x="2589212" y="1241502"/>
-            <a:ext cx="8915400" cy="4669720"/>
-          </a:xfrm>
-        </p:spPr>
+        <p:spPr/>
         <p:txBody>
           <a:bodyPr/>
           <a:lstStyle/>
           <a:p>
             <a:r>
-              <a:rPr lang="en-US" dirty="0"/>
-              <a:t>This work definitely suggests that there is some scope tracking user movements and using it for procrastination</a:t>
-            </a:r>
-          </a:p>
-          <a:p>
-            <a:r>
-              <a:rPr lang="en-US" dirty="0"/>
-              <a:t>(Insert some key results)</a:t>
-            </a:r>
-          </a:p>
-          <a:p>
-            <a:r>
-              <a:rPr lang="en-US" dirty="0"/>
-              <a:t>With our design, it is possible to procrastinate HTTP POST method</a:t>
-            </a:r>
-          </a:p>
-          <a:p>
-            <a:r>
-              <a:rPr lang="en-US" dirty="0"/>
-              <a:t>Bytecode instrumentation would make the static analysis more generalized</a:t>
-            </a:r>
-          </a:p>
-          <a:p>
-            <a:r>
-              <a:rPr lang="en-US" dirty="0"/>
-              <a:t>In this work, we are targeting a fundamental network design in Android, hence with minor modification it should work with various network libraries.</a:t>
-            </a:r>
+              <a:rPr lang="en-US" dirty="0" smtClean="0"/>
+              <a:t>Limited to one pattern only. </a:t>
+            </a:r>
+            <a:endParaRPr lang="en-US" dirty="0"/>
+          </a:p>
+          <a:p>
+            <a:r>
+              <a:rPr lang="en-US" dirty="0" smtClean="0"/>
+              <a:t>Limited to Java source code analysis rather than bytecode</a:t>
+            </a:r>
+          </a:p>
+          <a:p>
+            <a:r>
+              <a:rPr lang="en-US" dirty="0" smtClean="0"/>
+              <a:t>Not yet tested on Post data.</a:t>
+            </a:r>
+          </a:p>
+          <a:p>
+            <a:r>
+              <a:rPr lang="en-US" dirty="0" smtClean="0"/>
+              <a:t>Instrumentation process requires some developer involvement.</a:t>
+            </a:r>
+          </a:p>
+          <a:p>
+            <a:endParaRPr lang="en-US" dirty="0"/>
           </a:p>
         </p:txBody>
       </p:sp>
     </p:spTree>
     <p:extLst>
       <p:ext uri="{BB962C8B-B14F-4D97-AF65-F5344CB8AC3E}">
-        <p14:creationId xmlns:p14="http://schemas.microsoft.com/office/powerpoint/2010/main" val="287513918"/>
+        <p14:creationId xmlns:p14="http://schemas.microsoft.com/office/powerpoint/2010/main" val="1095983116"/>
+      </p:ext>
+    </p:extLst>
+  </p:cSld>
+  <p:clrMapOvr>
+    <a:masterClrMapping/>
+  </p:clrMapOvr>
+</p:sld>
+</file>
+
+<file path=ppt/slides/slide22.xml><?xml version="1.0" encoding="utf-8"?>
+<p:sld xmlns:a="http://schemas.openxmlformats.org/drawingml/2006/main" xmlns:r="http://schemas.openxmlformats.org/officeDocument/2006/relationships" xmlns:p="http://schemas.openxmlformats.org/presentationml/2006/main">
+  <p:cSld>
+    <p:spTree>
+      <p:nvGrpSpPr>
+        <p:cNvPr id="1" name=""/>
+        <p:cNvGrpSpPr/>
+        <p:nvPr/>
+      </p:nvGrpSpPr>
+      <p:grpSpPr>
+        <a:xfrm>
+          <a:off x="0" y="0"/>
+          <a:ext cx="0" cy="0"/>
+          <a:chOff x="0" y="0"/>
+          <a:chExt cx="0" cy="0"/>
+        </a:xfrm>
+      </p:grpSpPr>
+      <p:sp>
+        <p:nvSpPr>
+          <p:cNvPr id="2" name="Title 1"/>
+          <p:cNvSpPr>
+            <a:spLocks noGrp="1"/>
+          </p:cNvSpPr>
+          <p:nvPr>
+            <p:ph type="title"/>
+          </p:nvPr>
+        </p:nvSpPr>
+        <p:spPr/>
+        <p:txBody>
+          <a:bodyPr/>
+          <a:lstStyle/>
+          <a:p>
+            <a:r>
+              <a:rPr lang="en-US" dirty="0" smtClean="0"/>
+              <a:t>Potential Future Work</a:t>
+            </a:r>
+            <a:endParaRPr lang="en-US" dirty="0"/>
+          </a:p>
+        </p:txBody>
+      </p:sp>
+      <p:sp>
+        <p:nvSpPr>
+          <p:cNvPr id="3" name="Content Placeholder 2"/>
+          <p:cNvSpPr>
+            <a:spLocks noGrp="1"/>
+          </p:cNvSpPr>
+          <p:nvPr>
+            <p:ph idx="1"/>
+          </p:nvPr>
+        </p:nvSpPr>
+        <p:spPr/>
+        <p:txBody>
+          <a:bodyPr/>
+          <a:lstStyle/>
+          <a:p>
+            <a:r>
+              <a:rPr lang="en-US" dirty="0" smtClean="0"/>
+              <a:t>Implement for POST based pre-fetch.</a:t>
+            </a:r>
+          </a:p>
+          <a:p>
+            <a:r>
+              <a:rPr lang="en-US" dirty="0" smtClean="0"/>
+              <a:t>Analyze at Byte Code level</a:t>
+            </a:r>
+          </a:p>
+          <a:p>
+            <a:r>
+              <a:rPr lang="en-US" dirty="0" smtClean="0"/>
+              <a:t>Identify more patterns</a:t>
+            </a:r>
+          </a:p>
+          <a:p>
+            <a:r>
+              <a:rPr lang="en-US" dirty="0" smtClean="0"/>
+              <a:t>Test on more applications.</a:t>
+            </a:r>
+          </a:p>
+          <a:p>
+            <a:endParaRPr lang="en-US" dirty="0"/>
+          </a:p>
+        </p:txBody>
+      </p:sp>
+    </p:spTree>
+    <p:extLst>
+      <p:ext uri="{BB962C8B-B14F-4D97-AF65-F5344CB8AC3E}">
+        <p14:creationId xmlns:p14="http://schemas.microsoft.com/office/powerpoint/2010/main" val="1045082269"/>
       </p:ext>
     </p:extLst>
   </p:cSld>

--- a/Prefetch Procrastinator Final Presentation.pptx
+++ b/Prefetch Procrastinator Final Presentation.pptx
@@ -5,7 +5,7 @@
     <p:sldMasterId id="2147483648" r:id="rId1"/>
   </p:sldMasterIdLst>
   <p:notesMasterIdLst>
-    <p:notesMasterId r:id="rId24"/>
+    <p:notesMasterId r:id="rId23"/>
   </p:notesMasterIdLst>
   <p:sldIdLst>
     <p:sldId id="256" r:id="rId2"/>
@@ -18,18 +18,17 @@
     <p:sldId id="277" r:id="rId9"/>
     <p:sldId id="258" r:id="rId10"/>
     <p:sldId id="259" r:id="rId11"/>
-    <p:sldId id="260" r:id="rId12"/>
-    <p:sldId id="261" r:id="rId13"/>
-    <p:sldId id="262" r:id="rId14"/>
-    <p:sldId id="263" r:id="rId15"/>
-    <p:sldId id="264" r:id="rId16"/>
-    <p:sldId id="268" r:id="rId17"/>
-    <p:sldId id="265" r:id="rId18"/>
-    <p:sldId id="267" r:id="rId19"/>
-    <p:sldId id="278" r:id="rId20"/>
-    <p:sldId id="279" r:id="rId21"/>
-    <p:sldId id="269" r:id="rId22"/>
-    <p:sldId id="270" r:id="rId23"/>
+    <p:sldId id="261" r:id="rId12"/>
+    <p:sldId id="262" r:id="rId13"/>
+    <p:sldId id="263" r:id="rId14"/>
+    <p:sldId id="264" r:id="rId15"/>
+    <p:sldId id="268" r:id="rId16"/>
+    <p:sldId id="265" r:id="rId17"/>
+    <p:sldId id="267" r:id="rId18"/>
+    <p:sldId id="278" r:id="rId19"/>
+    <p:sldId id="279" r:id="rId20"/>
+    <p:sldId id="269" r:id="rId21"/>
+    <p:sldId id="270" r:id="rId22"/>
   </p:sldIdLst>
   <p:sldSz cx="12192000" cy="6858000"/>
   <p:notesSz cx="6858000" cy="9144000"/>
@@ -137,7 +136,7 @@
 </file>
 
 <file path=ppt/charts/chart1.xml><?xml version="1.0" encoding="utf-8"?>
-<c:chartSpace xmlns:c="http://schemas.openxmlformats.org/drawingml/2006/chart" xmlns:a="http://schemas.openxmlformats.org/drawingml/2006/main" xmlns:r="http://schemas.openxmlformats.org/officeDocument/2006/relationships">
+<c:chartSpace xmlns:c="http://schemas.openxmlformats.org/drawingml/2006/chart" xmlns:a="http://schemas.openxmlformats.org/drawingml/2006/main" xmlns:r="http://schemas.openxmlformats.org/officeDocument/2006/relationships" xmlns:c16r2="http://schemas.microsoft.com/office/drawing/2015/06/chart">
   <c:date1904 val="0"/>
   <c:lang val="en-US"/>
   <c:roundedCorners val="0"/>
@@ -177,7 +176,6 @@
           </a:p>
         </c:rich>
       </c:tx>
-      <c:layout/>
       <c:overlay val="0"/>
       <c:spPr>
         <a:noFill/>
@@ -281,7 +279,6 @@
             <c:showLeaderLines val="0"/>
             <c:extLst>
               <c:ext xmlns:c15="http://schemas.microsoft.com/office/drawing/2012/chart" uri="{CE6537A1-D6FC-4f65-9D91-7224C49458BB}">
-                <c15:layout/>
                 <c15:showLeaderLines val="1"/>
                 <c15:leaderLines>
                   <c:spPr>
@@ -340,6 +337,11 @@
               </c:numCache>
             </c:numRef>
           </c:val>
+          <c:extLst>
+            <c:ext xmlns:c16="http://schemas.microsoft.com/office/drawing/2014/chart" uri="{C3380CC4-5D6E-409C-BE32-E72D297353CC}">
+              <c16:uniqueId val="{00000000-6171-4D23-BFC1-D5EA7F332D2D}"/>
+            </c:ext>
+          </c:extLst>
         </c:ser>
         <c:dLbls>
           <c:dLblPos val="inEnd"/>
@@ -473,7 +475,7 @@
 </file>
 
 <file path=ppt/charts/chart2.xml><?xml version="1.0" encoding="utf-8"?>
-<c:chartSpace xmlns:c="http://schemas.openxmlformats.org/drawingml/2006/chart" xmlns:a="http://schemas.openxmlformats.org/drawingml/2006/main" xmlns:r="http://schemas.openxmlformats.org/officeDocument/2006/relationships">
+<c:chartSpace xmlns:c="http://schemas.openxmlformats.org/drawingml/2006/chart" xmlns:a="http://schemas.openxmlformats.org/drawingml/2006/main" xmlns:r="http://schemas.openxmlformats.org/officeDocument/2006/relationships" xmlns:c16r2="http://schemas.microsoft.com/office/drawing/2015/06/chart">
   <c:date1904 val="0"/>
   <c:lang val="en-US"/>
   <c:roundedCorners val="0"/>
@@ -512,13 +514,12 @@
           </a:p>
           <a:p>
             <a:pPr>
-              <a:defRPr sz="1500" baseline="0"/>
+              <a:defRPr sz="1500"/>
             </a:pPr>
             <a:endParaRPr lang="en-US" sz="1500" baseline="0"/>
           </a:p>
         </c:rich>
       </c:tx>
-      <c:layout/>
       <c:overlay val="0"/>
       <c:spPr>
         <a:noFill/>
@@ -584,6 +585,11 @@
               </a:ln>
               <a:effectLst/>
             </c:spPr>
+            <c:extLst>
+              <c:ext xmlns:c16="http://schemas.microsoft.com/office/drawing/2014/chart" uri="{C3380CC4-5D6E-409C-BE32-E72D297353CC}">
+                <c16:uniqueId val="{00000001-5090-4B98-BEFE-183D2A930987}"/>
+              </c:ext>
+            </c:extLst>
           </c:dPt>
           <c:dPt>
             <c:idx val="3"/>
@@ -598,6 +604,11 @@
               </a:ln>
               <a:effectLst/>
             </c:spPr>
+            <c:extLst>
+              <c:ext xmlns:c16="http://schemas.microsoft.com/office/drawing/2014/chart" uri="{C3380CC4-5D6E-409C-BE32-E72D297353CC}">
+                <c16:uniqueId val="{00000003-5090-4B98-BEFE-183D2A930987}"/>
+              </c:ext>
+            </c:extLst>
           </c:dPt>
           <c:cat>
             <c:strRef>
@@ -640,6 +651,11 @@
               </c:numCache>
             </c:numRef>
           </c:val>
+          <c:extLst>
+            <c:ext xmlns:c16="http://schemas.microsoft.com/office/drawing/2014/chart" uri="{C3380CC4-5D6E-409C-BE32-E72D297353CC}">
+              <c16:uniqueId val="{00000004-5090-4B98-BEFE-183D2A930987}"/>
+            </c:ext>
+          </c:extLst>
         </c:ser>
         <c:ser>
           <c:idx val="1"/>
@@ -698,6 +714,11 @@
               </c:numCache>
             </c:numRef>
           </c:val>
+          <c:extLst>
+            <c:ext xmlns:c16="http://schemas.microsoft.com/office/drawing/2014/chart" uri="{C3380CC4-5D6E-409C-BE32-E72D297353CC}">
+              <c16:uniqueId val="{00000005-5090-4B98-BEFE-183D2A930987}"/>
+            </c:ext>
+          </c:extLst>
         </c:ser>
         <c:dLbls>
           <c:showLegendKey val="0"/>
@@ -829,7 +850,6 @@
     </c:plotArea>
     <c:legend>
       <c:legendPos val="b"/>
-      <c:layout/>
       <c:overlay val="0"/>
       <c:spPr>
         <a:noFill/>
@@ -2120,7 +2140,7 @@
           <a:p>
             <a:fld id="{2B8E1E21-45E6-4945-8842-19E4118D8FA0}" type="datetimeFigureOut">
               <a:rPr lang="en-US" smtClean="0"/>
-              <a:t>4/20/2017</a:t>
+              <a:t>4/23/2017</a:t>
             </a:fld>
             <a:endParaRPr lang="en-US"/>
           </a:p>
@@ -2576,7 +2596,7 @@
             <a:fld id="{B61BEF0D-F0BB-DE4B-95CE-6DB70DBA9567}" type="datetimeFigureOut">
               <a:rPr lang="en-US" dirty="0"/>
               <a:pPr/>
-              <a:t>4/20/2017</a:t>
+              <a:t>4/23/2017</a:t>
             </a:fld>
             <a:endParaRPr lang="en-US" dirty="0"/>
           </a:p>
@@ -2911,7 +2931,7 @@
             <a:fld id="{B61BEF0D-F0BB-DE4B-95CE-6DB70DBA9567}" type="datetimeFigureOut">
               <a:rPr lang="en-US" dirty="0"/>
               <a:pPr/>
-              <a:t>4/20/2017</a:t>
+              <a:t>4/23/2017</a:t>
             </a:fld>
             <a:endParaRPr lang="en-US" dirty="0"/>
           </a:p>
@@ -3309,7 +3329,7 @@
             <a:fld id="{B61BEF0D-F0BB-DE4B-95CE-6DB70DBA9567}" type="datetimeFigureOut">
               <a:rPr lang="en-US" dirty="0"/>
               <a:pPr/>
-              <a:t>4/20/2017</a:t>
+              <a:t>4/23/2017</a:t>
             </a:fld>
             <a:endParaRPr lang="en-US" dirty="0"/>
           </a:p>
@@ -3642,7 +3662,7 @@
             <a:fld id="{B61BEF0D-F0BB-DE4B-95CE-6DB70DBA9567}" type="datetimeFigureOut">
               <a:rPr lang="en-US" dirty="0"/>
               <a:pPr/>
-              <a:t>4/20/2017</a:t>
+              <a:t>4/23/2017</a:t>
             </a:fld>
             <a:endParaRPr lang="en-US" dirty="0"/>
           </a:p>
@@ -3959,7 +3979,7 @@
             <a:fld id="{B61BEF0D-F0BB-DE4B-95CE-6DB70DBA9567}" type="datetimeFigureOut">
               <a:rPr lang="en-US" dirty="0"/>
               <a:pPr/>
-              <a:t>4/20/2017</a:t>
+              <a:t>4/23/2017</a:t>
             </a:fld>
             <a:endParaRPr lang="en-US" dirty="0"/>
           </a:p>
@@ -4352,7 +4372,7 @@
             <a:fld id="{B61BEF0D-F0BB-DE4B-95CE-6DB70DBA9567}" type="datetimeFigureOut">
               <a:rPr lang="en-US" dirty="0"/>
               <a:pPr/>
-              <a:t>4/20/2017</a:t>
+              <a:t>4/23/2017</a:t>
             </a:fld>
             <a:endParaRPr lang="en-US" dirty="0"/>
           </a:p>
@@ -4606,7 +4626,7 @@
             <a:fld id="{B61BEF0D-F0BB-DE4B-95CE-6DB70DBA9567}" type="datetimeFigureOut">
               <a:rPr lang="en-US" dirty="0"/>
               <a:pPr/>
-              <a:t>4/20/2017</a:t>
+              <a:t>4/23/2017</a:t>
             </a:fld>
             <a:endParaRPr lang="en-US" dirty="0"/>
           </a:p>
@@ -4865,7 +4885,7 @@
             <a:fld id="{B61BEF0D-F0BB-DE4B-95CE-6DB70DBA9567}" type="datetimeFigureOut">
               <a:rPr lang="en-US" dirty="0"/>
               <a:pPr/>
-              <a:t>4/20/2017</a:t>
+              <a:t>4/23/2017</a:t>
             </a:fld>
             <a:endParaRPr lang="en-US" dirty="0"/>
           </a:p>
@@ -5124,7 +5144,7 @@
             <a:fld id="{B61BEF0D-F0BB-DE4B-95CE-6DB70DBA9567}" type="datetimeFigureOut">
               <a:rPr lang="en-US" dirty="0"/>
               <a:pPr/>
-              <a:t>4/20/2017</a:t>
+              <a:t>4/23/2017</a:t>
             </a:fld>
             <a:endParaRPr lang="en-US" dirty="0"/>
           </a:p>
@@ -5450,7 +5470,7 @@
             <a:fld id="{B61BEF0D-F0BB-DE4B-95CE-6DB70DBA9567}" type="datetimeFigureOut">
               <a:rPr lang="en-US" dirty="0"/>
               <a:pPr/>
-              <a:t>4/20/2017</a:t>
+              <a:t>4/23/2017</a:t>
             </a:fld>
             <a:endParaRPr lang="en-US" dirty="0"/>
           </a:p>
@@ -5770,7 +5790,7 @@
             <a:fld id="{B61BEF0D-F0BB-DE4B-95CE-6DB70DBA9567}" type="datetimeFigureOut">
               <a:rPr lang="en-US" dirty="0"/>
               <a:pPr/>
-              <a:t>4/20/2017</a:t>
+              <a:t>4/23/2017</a:t>
             </a:fld>
             <a:endParaRPr lang="en-US" dirty="0"/>
           </a:p>
@@ -6224,7 +6244,7 @@
             <a:fld id="{B61BEF0D-F0BB-DE4B-95CE-6DB70DBA9567}" type="datetimeFigureOut">
               <a:rPr lang="en-US" dirty="0"/>
               <a:pPr/>
-              <a:t>4/20/2017</a:t>
+              <a:t>4/23/2017</a:t>
             </a:fld>
             <a:endParaRPr lang="en-US" dirty="0"/>
           </a:p>
@@ -6426,7 +6446,7 @@
             <a:fld id="{B61BEF0D-F0BB-DE4B-95CE-6DB70DBA9567}" type="datetimeFigureOut">
               <a:rPr lang="en-US" dirty="0"/>
               <a:pPr/>
-              <a:t>4/20/2017</a:t>
+              <a:t>4/23/2017</a:t>
             </a:fld>
             <a:endParaRPr lang="en-US" dirty="0"/>
           </a:p>
@@ -6600,7 +6620,7 @@
             <a:fld id="{B61BEF0D-F0BB-DE4B-95CE-6DB70DBA9567}" type="datetimeFigureOut">
               <a:rPr lang="en-US" dirty="0"/>
               <a:pPr/>
-              <a:t>4/20/2017</a:t>
+              <a:t>4/23/2017</a:t>
             </a:fld>
             <a:endParaRPr lang="en-US" dirty="0"/>
           </a:p>
@@ -6930,7 +6950,7 @@
             <a:fld id="{B61BEF0D-F0BB-DE4B-95CE-6DB70DBA9567}" type="datetimeFigureOut">
               <a:rPr lang="en-US" dirty="0"/>
               <a:pPr/>
-              <a:t>4/20/2017</a:t>
+              <a:t>4/23/2017</a:t>
             </a:fld>
             <a:endParaRPr lang="en-US" dirty="0"/>
           </a:p>
@@ -7272,7 +7292,7 @@
             <a:fld id="{B61BEF0D-F0BB-DE4B-95CE-6DB70DBA9567}" type="datetimeFigureOut">
               <a:rPr lang="en-US" dirty="0"/>
               <a:pPr/>
-              <a:t>4/20/2017</a:t>
+              <a:t>4/23/2017</a:t>
             </a:fld>
             <a:endParaRPr lang="en-US" dirty="0"/>
           </a:p>
@@ -9386,7 +9406,7 @@
             <a:fld id="{B61BEF0D-F0BB-DE4B-95CE-6DB70DBA9567}" type="datetimeFigureOut">
               <a:rPr lang="en-US" dirty="0"/>
               <a:pPr/>
-              <a:t>4/20/2017</a:t>
+              <a:t>4/23/2017</a:t>
             </a:fld>
             <a:endParaRPr lang="en-US" dirty="0"/>
           </a:p>
@@ -9943,7 +9963,9 @@
           </a:xfrm>
         </p:spPr>
         <p:txBody>
-          <a:bodyPr/>
+          <a:bodyPr>
+            <a:normAutofit/>
+          </a:bodyPr>
           <a:lstStyle/>
           <a:p>
             <a:pPr marL="285750" indent="-285750">
@@ -9951,8 +9973,12 @@
               <a:buChar char="-"/>
             </a:pPr>
             <a:r>
-              <a:rPr lang="en-US" dirty="0" smtClean="0"/>
-              <a:t>Amish Shah</a:t>
+              <a:rPr lang="en-US" sz="2400" dirty="0" err="1"/>
+              <a:t>Akshay</a:t>
+            </a:r>
+            <a:r>
+              <a:rPr lang="en-US" sz="2400" dirty="0"/>
+              <a:t> Kamath</a:t>
             </a:r>
           </a:p>
           <a:p>
@@ -9960,7 +9986,17 @@
               <a:buFontTx/>
               <a:buChar char="-"/>
             </a:pPr>
-            <a:endParaRPr lang="en-US" dirty="0"/>
+            <a:r>
+              <a:rPr lang="en-US" sz="2400" dirty="0"/>
+              <a:t>Amish Shah</a:t>
+            </a:r>
+          </a:p>
+          <a:p>
+            <a:pPr marL="285750" indent="-285750">
+              <a:buFontTx/>
+              <a:buChar char="-"/>
+            </a:pPr>
+            <a:endParaRPr lang="en-US" sz="2400" dirty="0"/>
           </a:p>
         </p:txBody>
       </p:sp>
@@ -10667,14 +10703,14 @@
           <a:p>
             <a:r>
               <a:rPr lang="en-US" dirty="0"/>
-              <a:t>Method – Find Patterns</a:t>
-            </a:r>
-          </a:p>
-        </p:txBody>
-      </p:sp>
-      <p:sp>
-        <p:nvSpPr>
-          <p:cNvPr id="3" name="Content Placeholder 2"/>
+              <a:t>Method – Static Analysis: ASTs</a:t>
+            </a:r>
+          </a:p>
+        </p:txBody>
+      </p:sp>
+      <p:sp>
+        <p:nvSpPr>
+          <p:cNvPr id="4" name="Content Placeholder 3"/>
           <p:cNvSpPr>
             <a:spLocks noGrp="1"/>
           </p:cNvSpPr>
@@ -10682,25 +10718,138 @@
             <p:ph idx="1"/>
           </p:nvPr>
         </p:nvSpPr>
+        <p:spPr/>
+        <p:txBody>
+          <a:bodyPr/>
+          <a:lstStyle/>
+          <a:p>
+            <a:endParaRPr lang="en-US" dirty="0"/>
+          </a:p>
+        </p:txBody>
+      </p:sp>
+      <p:pic>
+        <p:nvPicPr>
+          <p:cNvPr id="9" name="Content Placeholder 5"/>
+          <p:cNvPicPr>
+            <a:picLocks noChangeAspect="1"/>
+          </p:cNvPicPr>
+          <p:nvPr/>
+        </p:nvPicPr>
+        <p:blipFill>
+          <a:blip r:embed="rId2"/>
+          <a:stretch>
+            <a:fillRect/>
+          </a:stretch>
+        </p:blipFill>
         <p:spPr>
           <a:xfrm>
-            <a:off x="2138108" y="1780032"/>
-            <a:ext cx="8915400" cy="3777622"/>
-          </a:xfrm>
-        </p:spPr>
-        <p:txBody>
-          <a:bodyPr/>
+            <a:off x="1545176" y="1415415"/>
+            <a:ext cx="7415832" cy="5218771"/>
+          </a:xfrm>
+          <a:prstGeom prst="rect">
+            <a:avLst/>
+          </a:prstGeom>
+        </p:spPr>
+      </p:pic>
+      <p:sp>
+        <p:nvSpPr>
+          <p:cNvPr id="10" name="Rectangle 9"/>
+          <p:cNvSpPr/>
+          <p:nvPr/>
+        </p:nvSpPr>
+        <p:spPr>
+          <a:xfrm>
+            <a:off x="8146471" y="1939636"/>
+            <a:ext cx="2613891" cy="2586182"/>
+          </a:xfrm>
+          <a:prstGeom prst="rect">
+            <a:avLst/>
+          </a:prstGeom>
+          <a:solidFill>
+            <a:schemeClr val="bg1"/>
+          </a:solidFill>
+        </p:spPr>
+        <p:style>
+          <a:lnRef idx="2">
+            <a:schemeClr val="accent1">
+              <a:shade val="50000"/>
+            </a:schemeClr>
+          </a:lnRef>
+          <a:fillRef idx="1">
+            <a:schemeClr val="accent1"/>
+          </a:fillRef>
+          <a:effectRef idx="0">
+            <a:schemeClr val="accent1"/>
+          </a:effectRef>
+          <a:fontRef idx="minor">
+            <a:schemeClr val="lt1"/>
+          </a:fontRef>
+        </p:style>
+        <p:txBody>
+          <a:bodyPr rtlCol="0" anchor="ctr"/>
           <a:lstStyle/>
           <a:p>
+            <a:pPr algn="ctr"/>
+            <a:endParaRPr lang="en-US" dirty="0">
+              <a:solidFill>
+                <a:schemeClr val="tx1"/>
+              </a:solidFill>
+            </a:endParaRPr>
+          </a:p>
+        </p:txBody>
+      </p:sp>
+      <p:sp>
+        <p:nvSpPr>
+          <p:cNvPr id="11" name="TextBox 10"/>
+          <p:cNvSpPr txBox="1"/>
+          <p:nvPr/>
+        </p:nvSpPr>
+        <p:spPr>
+          <a:xfrm>
+            <a:off x="8562107" y="1939636"/>
+            <a:ext cx="2032000" cy="1754326"/>
+          </a:xfrm>
+          <a:prstGeom prst="rect">
+            <a:avLst/>
+          </a:prstGeom>
+          <a:noFill/>
+        </p:spPr>
+        <p:txBody>
+          <a:bodyPr wrap="square" rtlCol="0">
+            <a:spAutoFit/>
+          </a:bodyPr>
+          <a:lstStyle/>
+          <a:p>
             <a:r>
               <a:rPr lang="en-US" dirty="0"/>
-              <a:t>Most common pattern (Screenshot of a code snippet explaining pattern)</a:t>
+              <a:t>while(b ≠ 0){</a:t>
             </a:r>
           </a:p>
           <a:p>
             <a:r>
               <a:rPr lang="en-US" dirty="0"/>
-              <a:t>Prefetched variables are being used in other activities </a:t>
+              <a:t>	if (..)</a:t>
+            </a:r>
+          </a:p>
+          <a:p>
+            <a:r>
+              <a:rPr lang="en-US" dirty="0"/>
+              <a:t>	..</a:t>
+            </a:r>
+          </a:p>
+          <a:p>
+            <a:r>
+              <a:rPr lang="en-US" dirty="0"/>
+              <a:t>}</a:t>
+            </a:r>
+          </a:p>
+          <a:p>
+            <a:endParaRPr lang="en-US" dirty="0"/>
+          </a:p>
+          <a:p>
+            <a:r>
+              <a:rPr lang="en-US" dirty="0"/>
+              <a:t>return a;</a:t>
             </a:r>
           </a:p>
         </p:txBody>
@@ -10708,7 +10857,7 @@
     </p:spTree>
     <p:extLst>
       <p:ext uri="{BB962C8B-B14F-4D97-AF65-F5344CB8AC3E}">
-        <p14:creationId xmlns:p14="http://schemas.microsoft.com/office/powerpoint/2010/main" val="3244046949"/>
+        <p14:creationId xmlns:p14="http://schemas.microsoft.com/office/powerpoint/2010/main" val="3207131005"/>
       </p:ext>
     </p:extLst>
   </p:cSld>
@@ -10737,86 +10886,6 @@
       </p:grpSpPr>
       <p:sp>
         <p:nvSpPr>
-          <p:cNvPr id="2" name="Title 1"/>
-          <p:cNvSpPr>
-            <a:spLocks noGrp="1"/>
-          </p:cNvSpPr>
-          <p:nvPr>
-            <p:ph type="title"/>
-          </p:nvPr>
-        </p:nvSpPr>
-        <p:spPr>
-          <a:xfrm>
-            <a:off x="2592925" y="624110"/>
-            <a:ext cx="8911687" cy="661997"/>
-          </a:xfrm>
-        </p:spPr>
-        <p:txBody>
-          <a:bodyPr/>
-          <a:lstStyle/>
-          <a:p>
-            <a:r>
-              <a:rPr lang="en-US" dirty="0"/>
-              <a:t>Method – Static Analysis: ASTs</a:t>
-            </a:r>
-          </a:p>
-        </p:txBody>
-      </p:sp>
-      <p:pic>
-        <p:nvPicPr>
-          <p:cNvPr id="6" name="Content Placeholder 5"/>
-          <p:cNvPicPr>
-            <a:picLocks noGrp="1" noChangeAspect="1"/>
-          </p:cNvPicPr>
-          <p:nvPr>
-            <p:ph idx="1"/>
-          </p:nvPr>
-        </p:nvPicPr>
-        <p:blipFill>
-          <a:blip r:embed="rId2"/>
-          <a:stretch>
-            <a:fillRect/>
-          </a:stretch>
-        </p:blipFill>
-        <p:spPr>
-          <a:xfrm>
-            <a:off x="3189249" y="1286106"/>
-            <a:ext cx="7415832" cy="5218771"/>
-          </a:xfrm>
-        </p:spPr>
-      </p:pic>
-    </p:spTree>
-    <p:extLst>
-      <p:ext uri="{BB962C8B-B14F-4D97-AF65-F5344CB8AC3E}">
-        <p14:creationId xmlns:p14="http://schemas.microsoft.com/office/powerpoint/2010/main" val="3207131005"/>
-      </p:ext>
-    </p:extLst>
-  </p:cSld>
-  <p:clrMapOvr>
-    <a:masterClrMapping/>
-  </p:clrMapOvr>
-</p:sld>
-</file>
-
-<file path=ppt/slides/slide13.xml><?xml version="1.0" encoding="utf-8"?>
-<p:sld xmlns:a="http://schemas.openxmlformats.org/drawingml/2006/main" xmlns:r="http://schemas.openxmlformats.org/officeDocument/2006/relationships" xmlns:p="http://schemas.openxmlformats.org/presentationml/2006/main">
-  <p:cSld>
-    <p:spTree>
-      <p:nvGrpSpPr>
-        <p:cNvPr id="1" name=""/>
-        <p:cNvGrpSpPr/>
-        <p:nvPr/>
-      </p:nvGrpSpPr>
-      <p:grpSpPr>
-        <a:xfrm>
-          <a:off x="0" y="0"/>
-          <a:ext cx="0" cy="0"/>
-          <a:chOff x="0" y="0"/>
-          <a:chExt cx="0" cy="0"/>
-        </a:xfrm>
-      </p:grpSpPr>
-      <p:sp>
-        <p:nvSpPr>
           <p:cNvPr id="3" name="Content Placeholder 2"/>
           <p:cNvSpPr>
             <a:spLocks noGrp="1"/>
@@ -10827,7 +10896,7 @@
         </p:nvSpPr>
         <p:spPr>
           <a:xfrm>
-            <a:off x="2559476" y="1152296"/>
+            <a:off x="2559476" y="2417681"/>
             <a:ext cx="8915400" cy="5605343"/>
           </a:xfrm>
         </p:spPr>
@@ -10859,34 +10928,6 @@
           </a:p>
           <a:p>
             <a:endParaRPr lang="en-US" dirty="0"/>
-          </a:p>
-          <a:p>
-            <a:r>
-              <a:rPr lang="en-US" dirty="0"/>
-              <a:t>Created a new </a:t>
-            </a:r>
-            <a:r>
-              <a:rPr lang="en-US" dirty="0" err="1"/>
-              <a:t>AsyncTask</a:t>
-            </a:r>
-            <a:r>
-              <a:rPr lang="en-US" dirty="0"/>
-              <a:t> with the respective URL that will executed procrastinated calls</a:t>
-            </a:r>
-          </a:p>
-          <a:p>
-            <a:r>
-              <a:rPr lang="en-US" dirty="0"/>
-              <a:t>This </a:t>
-            </a:r>
-            <a:r>
-              <a:rPr lang="en-US" dirty="0" err="1"/>
-              <a:t>AsyncTask</a:t>
-            </a:r>
-            <a:r>
-              <a:rPr lang="en-US" dirty="0"/>
-              <a:t> object will be called and executed when the new activity using the prefetch variable is executed</a:t>
-            </a:r>
           </a:p>
         </p:txBody>
       </p:sp>
@@ -11001,7 +11042,7 @@
         </p:nvSpPr>
         <p:spPr>
           <a:xfrm>
-            <a:off x="3010829" y="1152295"/>
+            <a:off x="3010829" y="2417680"/>
             <a:ext cx="1718485" cy="1063083"/>
           </a:xfrm>
           <a:prstGeom prst="rect">
@@ -11051,7 +11092,7 @@
         </p:nvSpPr>
         <p:spPr>
           <a:xfrm>
-            <a:off x="3010829" y="2505955"/>
+            <a:off x="3010829" y="3771340"/>
             <a:ext cx="1718485" cy="1531219"/>
           </a:xfrm>
           <a:prstGeom prst="rect">
@@ -11101,7 +11142,7 @@
         </p:nvSpPr>
         <p:spPr>
           <a:xfrm>
-            <a:off x="5298691" y="2505955"/>
+            <a:off x="5298691" y="3771340"/>
             <a:ext cx="1718485" cy="1531219"/>
           </a:xfrm>
           <a:prstGeom prst="rect">
@@ -11151,7 +11192,7 @@
         </p:nvSpPr>
         <p:spPr>
           <a:xfrm>
-            <a:off x="8067910" y="2505954"/>
+            <a:off x="8067910" y="3771339"/>
             <a:ext cx="1878978" cy="1531219"/>
           </a:xfrm>
           <a:prstGeom prst="rect">
@@ -11188,7 +11229,7 @@
                   <a:schemeClr val="tx1"/>
                 </a:solidFill>
               </a:rPr>
-              <a:t>Instrument the network call with procrastination condition</a:t>
+              <a:t>Execute network call for prefetch variable when intent invoked</a:t>
             </a:r>
           </a:p>
         </p:txBody>
@@ -11204,7 +11245,7 @@
         </p:nvCxnSpPr>
         <p:spPr>
           <a:xfrm>
-            <a:off x="3870072" y="2215378"/>
+            <a:off x="3870072" y="3480763"/>
             <a:ext cx="0" cy="290577"/>
           </a:xfrm>
           <a:prstGeom prst="straightConnector1">
@@ -11240,7 +11281,7 @@
         </p:nvCxnSpPr>
         <p:spPr>
           <a:xfrm flipV="1">
-            <a:off x="4729314" y="3271563"/>
+            <a:off x="4729314" y="4536948"/>
             <a:ext cx="569377" cy="2"/>
           </a:xfrm>
           <a:prstGeom prst="straightConnector1">
@@ -11276,7 +11317,7 @@
         </p:nvCxnSpPr>
         <p:spPr>
           <a:xfrm flipV="1">
-            <a:off x="7017176" y="3271564"/>
+            <a:off x="7017176" y="4536949"/>
             <a:ext cx="1050734" cy="1"/>
           </a:xfrm>
           <a:prstGeom prst="straightConnector1">
@@ -11309,7 +11350,7 @@
         </p:nvCxnSpPr>
         <p:spPr>
           <a:xfrm flipV="1">
-            <a:off x="6713035" y="1806497"/>
+            <a:off x="6713035" y="3071882"/>
             <a:ext cx="0" cy="692019"/>
           </a:xfrm>
           <a:prstGeom prst="line">
@@ -11339,7 +11380,7 @@
         </p:nvCxnSpPr>
         <p:spPr>
           <a:xfrm flipH="1">
-            <a:off x="5820937" y="1821365"/>
+            <a:off x="5820937" y="3086750"/>
             <a:ext cx="899532" cy="0"/>
           </a:xfrm>
           <a:prstGeom prst="line">
@@ -11369,7 +11410,7 @@
         </p:nvCxnSpPr>
         <p:spPr>
           <a:xfrm>
-            <a:off x="5828371" y="1813935"/>
+            <a:off x="5828371" y="3079320"/>
             <a:ext cx="0" cy="692019"/>
           </a:xfrm>
           <a:prstGeom prst="straightConnector1">
@@ -11402,7 +11443,7 @@
         </p:nvSpPr>
         <p:spPr>
           <a:xfrm>
-            <a:off x="7396976" y="2891886"/>
+            <a:off x="7396976" y="4157271"/>
             <a:ext cx="561372" cy="369332"/>
           </a:xfrm>
           <a:prstGeom prst="rect">
@@ -11431,7 +11472,7 @@
         </p:nvSpPr>
         <p:spPr>
           <a:xfrm>
-            <a:off x="5993841" y="2030712"/>
+            <a:off x="5993841" y="3296097"/>
             <a:ext cx="506870" cy="369332"/>
           </a:xfrm>
           <a:prstGeom prst="rect">
@@ -11465,7 +11506,7 @@
 </p:sld>
 </file>
 
-<file path=ppt/slides/slide14.xml><?xml version="1.0" encoding="utf-8"?>
+<file path=ppt/slides/slide13.xml><?xml version="1.0" encoding="utf-8"?>
 <p:sld xmlns:a="http://schemas.openxmlformats.org/drawingml/2006/main" xmlns:r="http://schemas.openxmlformats.org/officeDocument/2006/relationships" xmlns:p="http://schemas.openxmlformats.org/presentationml/2006/main">
   <p:cSld>
     <p:spTree>
@@ -11523,7 +11564,7 @@
           <a:blip r:embed="rId2">
             <a:extLst>
               <a:ext uri="{96DAC541-7B7A-43D3-8B79-37D633B846F1}">
-                <asvg:svgBlip xmlns:asvg="http://schemas.microsoft.com/office/drawing/2016/SVG/main" xmlns="" r:embed="rId3"/>
+                <asvg:svgBlip xmlns:asvg="http://schemas.microsoft.com/office/drawing/2016/SVG/main" r:embed="rId3"/>
               </a:ext>
             </a:extLst>
           </a:blip>
@@ -12159,6 +12200,150 @@
 </p:sld>
 </file>
 
+<file path=ppt/slides/slide14.xml><?xml version="1.0" encoding="utf-8"?>
+<p:sld xmlns:a="http://schemas.openxmlformats.org/drawingml/2006/main" xmlns:r="http://schemas.openxmlformats.org/officeDocument/2006/relationships" xmlns:p="http://schemas.openxmlformats.org/presentationml/2006/main">
+  <p:cSld>
+    <p:spTree>
+      <p:nvGrpSpPr>
+        <p:cNvPr id="1" name=""/>
+        <p:cNvGrpSpPr/>
+        <p:nvPr/>
+      </p:nvGrpSpPr>
+      <p:grpSpPr>
+        <a:xfrm>
+          <a:off x="0" y="0"/>
+          <a:ext cx="0" cy="0"/>
+          <a:chOff x="0" y="0"/>
+          <a:chExt cx="0" cy="0"/>
+        </a:xfrm>
+      </p:grpSpPr>
+      <p:sp>
+        <p:nvSpPr>
+          <p:cNvPr id="2" name="Title 1"/>
+          <p:cNvSpPr>
+            <a:spLocks noGrp="1"/>
+          </p:cNvSpPr>
+          <p:nvPr>
+            <p:ph type="title"/>
+          </p:nvPr>
+        </p:nvSpPr>
+        <p:spPr/>
+        <p:txBody>
+          <a:bodyPr/>
+          <a:lstStyle/>
+          <a:p>
+            <a:r>
+              <a:rPr lang="en-US" dirty="0"/>
+              <a:t>View </a:t>
+            </a:r>
+            <a:r>
+              <a:rPr lang="en-US" dirty="0" err="1"/>
+              <a:t>Prefetch</a:t>
+            </a:r>
+            <a:r>
+              <a:rPr lang="en-US" dirty="0"/>
+              <a:t> Correlation</a:t>
+            </a:r>
+          </a:p>
+        </p:txBody>
+      </p:sp>
+      <p:sp>
+        <p:nvSpPr>
+          <p:cNvPr id="3" name="Content Placeholder 2"/>
+          <p:cNvSpPr>
+            <a:spLocks noGrp="1"/>
+          </p:cNvSpPr>
+          <p:nvPr>
+            <p:ph idx="1"/>
+          </p:nvPr>
+        </p:nvSpPr>
+        <p:spPr>
+          <a:xfrm>
+            <a:off x="2589212" y="1429789"/>
+            <a:ext cx="8915400" cy="4481433"/>
+          </a:xfrm>
+        </p:spPr>
+        <p:txBody>
+          <a:bodyPr/>
+          <a:lstStyle/>
+          <a:p>
+            <a:endParaRPr lang="en-US" dirty="0"/>
+          </a:p>
+          <a:p>
+            <a:r>
+              <a:rPr lang="en-US" dirty="0"/>
+              <a:t>Key Limitation: General User Adaptability</a:t>
+            </a:r>
+          </a:p>
+          <a:p>
+            <a:r>
+              <a:rPr lang="en-US" dirty="0"/>
+              <a:t>Proposed Solution: Perform Study of </a:t>
+            </a:r>
+            <a:r>
+              <a:rPr lang="en-US" dirty="0" err="1"/>
+              <a:t>Prefetch</a:t>
+            </a:r>
+            <a:r>
+              <a:rPr lang="en-US" dirty="0"/>
+              <a:t> Necessity using VPC.</a:t>
+            </a:r>
+          </a:p>
+          <a:p>
+            <a:r>
+              <a:rPr lang="en-US" dirty="0"/>
+              <a:t>Inspired from Background Foreground Correlation</a:t>
+            </a:r>
+          </a:p>
+          <a:p>
+            <a:r>
+              <a:rPr lang="en-US" dirty="0"/>
+              <a:t>For each time a </a:t>
+            </a:r>
+            <a:r>
+              <a:rPr lang="en-US" dirty="0" err="1"/>
+              <a:t>prefetch</a:t>
+            </a:r>
+            <a:r>
+              <a:rPr lang="en-US" dirty="0"/>
+              <a:t> is performed, evaluate how many times a view is invoked. </a:t>
+            </a:r>
+          </a:p>
+          <a:p>
+            <a:r>
+              <a:rPr lang="en-US" dirty="0"/>
+              <a:t>Provides developer with whether </a:t>
+            </a:r>
+            <a:r>
+              <a:rPr lang="en-US" dirty="0" err="1"/>
+              <a:t>prefetch</a:t>
+            </a:r>
+            <a:r>
+              <a:rPr lang="en-US" dirty="0"/>
+              <a:t> is really required for a given view.</a:t>
+            </a:r>
+          </a:p>
+          <a:p>
+            <a:r>
+              <a:rPr lang="en-US" dirty="0"/>
+              <a:t>Implemented as a part of the package.</a:t>
+            </a:r>
+          </a:p>
+        </p:txBody>
+      </p:sp>
+    </p:spTree>
+    <p:extLst>
+      <p:ext uri="{BB962C8B-B14F-4D97-AF65-F5344CB8AC3E}">
+        <p14:creationId xmlns:p14="http://schemas.microsoft.com/office/powerpoint/2010/main" val="3008796874"/>
+      </p:ext>
+    </p:extLst>
+  </p:cSld>
+  <p:clrMapOvr>
+    <a:masterClrMapping/>
+  </p:clrMapOvr>
+</p:sld>
+</file>
+
 <file path=ppt/slides/slide15.xml><?xml version="1.0" encoding="utf-8"?>
 <p:sld xmlns:a="http://schemas.openxmlformats.org/drawingml/2006/main" xmlns:r="http://schemas.openxmlformats.org/officeDocument/2006/relationships" xmlns:p="http://schemas.openxmlformats.org/presentationml/2006/main">
   <p:cSld>
@@ -12192,18 +12377,9 @@
           <a:lstStyle/>
           <a:p>
             <a:r>
-              <a:rPr lang="en-US" dirty="0" smtClean="0"/>
-              <a:t>View </a:t>
-            </a:r>
-            <a:r>
-              <a:rPr lang="en-US" dirty="0" err="1" smtClean="0"/>
-              <a:t>Prefetch</a:t>
-            </a:r>
-            <a:r>
-              <a:rPr lang="en-US" dirty="0" smtClean="0"/>
-              <a:t> Correlation</a:t>
-            </a:r>
-            <a:endParaRPr lang="en-US" dirty="0"/>
+              <a:rPr lang="en-US" dirty="0"/>
+              <a:t>Approach &amp; Implementation</a:t>
+            </a:r>
           </a:p>
         </p:txBody>
       </p:sp>
@@ -12217,81 +12393,116 @@
             <p:ph idx="1"/>
           </p:nvPr>
         </p:nvSpPr>
-        <p:spPr>
-          <a:xfrm>
-            <a:off x="2589212" y="1429789"/>
-            <a:ext cx="8915400" cy="4481433"/>
-          </a:xfrm>
-        </p:spPr>
+        <p:spPr/>
         <p:txBody>
           <a:bodyPr/>
           <a:lstStyle/>
           <a:p>
-            <a:endParaRPr lang="en-US" dirty="0" smtClean="0"/>
-          </a:p>
-          <a:p>
-            <a:r>
-              <a:rPr lang="en-US" dirty="0" smtClean="0"/>
-              <a:t>Key Limitation: General User Adaptability</a:t>
-            </a:r>
-          </a:p>
-          <a:p>
-            <a:r>
-              <a:rPr lang="en-US" dirty="0" smtClean="0"/>
-              <a:t>Proposed Solution: Perform Study of </a:t>
-            </a:r>
-            <a:r>
-              <a:rPr lang="en-US" dirty="0" err="1" smtClean="0"/>
+            <a:r>
+              <a:rPr lang="en-US" dirty="0"/>
+              <a:t>Implement a </a:t>
+            </a:r>
+            <a:r>
+              <a:rPr lang="en-US" b="1" i="1" dirty="0"/>
+              <a:t>Simple POC Weather App, </a:t>
+            </a:r>
+            <a:r>
+              <a:rPr lang="en-US" dirty="0"/>
+              <a:t>with the </a:t>
+            </a:r>
+            <a:r>
+              <a:rPr lang="en-US" dirty="0" err="1"/>
+              <a:t>prefetch</a:t>
+            </a:r>
+            <a:r>
+              <a:rPr lang="en-US" dirty="0"/>
+              <a:t> pattern and 2 screens.</a:t>
+            </a:r>
+          </a:p>
+          <a:p>
+            <a:pPr lvl="1"/>
+            <a:r>
+              <a:rPr lang="en-US" dirty="0"/>
+              <a:t>First Screen – </a:t>
+            </a:r>
+            <a:r>
+              <a:rPr lang="en-US" dirty="0" err="1"/>
               <a:t>Prefetch</a:t>
             </a:r>
             <a:r>
-              <a:rPr lang="en-US" dirty="0" smtClean="0"/>
-              <a:t> Necessity using VPC</a:t>
-            </a:r>
-            <a:r>
-              <a:rPr lang="en-US" dirty="0" smtClean="0"/>
+              <a:rPr lang="en-US" dirty="0"/>
+              <a:t>, </a:t>
+            </a:r>
+          </a:p>
+          <a:p>
+            <a:pPr lvl="1"/>
+            <a:r>
+              <a:rPr lang="en-US" dirty="0"/>
+              <a:t>Second Screen – Use the </a:t>
+            </a:r>
+            <a:r>
+              <a:rPr lang="en-US" dirty="0" err="1"/>
+              <a:t>prefetch</a:t>
+            </a:r>
+            <a:r>
+              <a:rPr lang="en-US" dirty="0"/>
+              <a:t> data.</a:t>
+            </a:r>
+          </a:p>
+          <a:p>
+            <a:pPr marL="457200" lvl="1" indent="0">
+              <a:buNone/>
+            </a:pPr>
+            <a:endParaRPr lang="en-US" dirty="0"/>
+          </a:p>
+          <a:p>
+            <a:r>
+              <a:rPr lang="en-US" dirty="0"/>
+              <a:t>Implement </a:t>
+            </a:r>
+            <a:r>
+              <a:rPr lang="en-US" b="1" i="1" dirty="0"/>
+              <a:t>Instrumentation</a:t>
+            </a:r>
+            <a:r>
+              <a:rPr lang="en-US" dirty="0"/>
+              <a:t> and </a:t>
+            </a:r>
+            <a:r>
+              <a:rPr lang="en-US" b="1" i="1" dirty="0"/>
+              <a:t>Procrastination tool</a:t>
+            </a:r>
+            <a:r>
+              <a:rPr lang="en-US" dirty="0"/>
+              <a:t> for desktop.</a:t>
+            </a:r>
+          </a:p>
+          <a:p>
+            <a:r>
+              <a:rPr lang="en-US" dirty="0"/>
+              <a:t>Implement </a:t>
+            </a:r>
+            <a:r>
+              <a:rPr lang="en-US" b="1" i="1" dirty="0"/>
+              <a:t>Measurements Library</a:t>
+            </a:r>
+            <a:r>
+              <a:rPr lang="en-US" dirty="0"/>
+              <a:t> for data usage and VPC measurement.</a:t>
+            </a:r>
+          </a:p>
+          <a:p>
+            <a:r>
+              <a:rPr lang="en-US" dirty="0"/>
+              <a:t>Implement </a:t>
+            </a:r>
+            <a:r>
+              <a:rPr lang="en-US" b="1" i="1" dirty="0"/>
+              <a:t>Android Procrastination Library</a:t>
+            </a:r>
+            <a:r>
+              <a:rPr lang="en-US" dirty="0"/>
               <a:t>.</a:t>
-            </a:r>
-            <a:endParaRPr lang="en-US" dirty="0" smtClean="0"/>
-          </a:p>
-          <a:p>
-            <a:r>
-              <a:rPr lang="en-US" dirty="0" smtClean="0"/>
-              <a:t>Inspired from Background Foreground Correlation</a:t>
-            </a:r>
-          </a:p>
-          <a:p>
-            <a:r>
-              <a:rPr lang="en-US" dirty="0" smtClean="0"/>
-              <a:t>For each time a </a:t>
-            </a:r>
-            <a:r>
-              <a:rPr lang="en-US" dirty="0" err="1" smtClean="0"/>
-              <a:t>prefetch</a:t>
-            </a:r>
-            <a:r>
-              <a:rPr lang="en-US" dirty="0" smtClean="0"/>
-              <a:t> is performed, evaluate how many times a view is invoked. </a:t>
-            </a:r>
-          </a:p>
-          <a:p>
-            <a:r>
-              <a:rPr lang="en-US" dirty="0" smtClean="0"/>
-              <a:t>Provides developer with whether </a:t>
-            </a:r>
-            <a:r>
-              <a:rPr lang="en-US" dirty="0" err="1" smtClean="0"/>
-              <a:t>prefetch</a:t>
-            </a:r>
-            <a:r>
-              <a:rPr lang="en-US" dirty="0" smtClean="0"/>
-              <a:t> is really required for a given view.</a:t>
-            </a:r>
-          </a:p>
-          <a:p>
-            <a:r>
-              <a:rPr lang="en-US" dirty="0" smtClean="0"/>
-              <a:t>Implemented as a part of the package.</a:t>
             </a:r>
           </a:p>
         </p:txBody>
@@ -12299,7 +12510,7 @@
     </p:spTree>
     <p:extLst>
       <p:ext uri="{BB962C8B-B14F-4D97-AF65-F5344CB8AC3E}">
-        <p14:creationId xmlns:p14="http://schemas.microsoft.com/office/powerpoint/2010/main" val="3008796874"/>
+        <p14:creationId xmlns:p14="http://schemas.microsoft.com/office/powerpoint/2010/main" val="3154856639"/>
       </p:ext>
     </p:extLst>
   </p:cSld>
@@ -12342,10 +12553,9 @@
           <a:lstStyle/>
           <a:p>
             <a:r>
-              <a:rPr lang="en-US" dirty="0" smtClean="0"/>
-              <a:t>Approach &amp; Implementation</a:t>
-            </a:r>
-            <a:endParaRPr lang="en-US" dirty="0"/>
+              <a:rPr lang="en-US" dirty="0"/>
+              <a:t>Evaluation Methodology</a:t>
+            </a:r>
           </a:p>
         </p:txBody>
       </p:sp>
@@ -12359,37 +12569,31 @@
             <p:ph idx="1"/>
           </p:nvPr>
         </p:nvSpPr>
-        <p:spPr/>
+        <p:spPr>
+          <a:xfrm>
+            <a:off x="2589212" y="1905000"/>
+            <a:ext cx="8915400" cy="4443760"/>
+          </a:xfrm>
+        </p:spPr>
         <p:txBody>
           <a:bodyPr/>
           <a:lstStyle/>
           <a:p>
             <a:r>
               <a:rPr lang="en-US" dirty="0"/>
-              <a:t>Implement a </a:t>
-            </a:r>
-            <a:r>
-              <a:rPr lang="en-US" b="1" i="1" dirty="0"/>
-              <a:t>Simple POC Weather App, </a:t>
-            </a:r>
+              <a:t>Provide it to 4 users </a:t>
+            </a:r>
+          </a:p>
+          <a:p>
             <a:r>
               <a:rPr lang="en-US" dirty="0"/>
-              <a:t>with the </a:t>
-            </a:r>
-            <a:r>
-              <a:rPr lang="en-US" dirty="0" err="1"/>
-              <a:t>prefetch</a:t>
-            </a:r>
+              <a:t>Collect data for 7 days</a:t>
+            </a:r>
+          </a:p>
+          <a:p>
             <a:r>
               <a:rPr lang="en-US" dirty="0"/>
-              <a:t> pattern and 2 screens.</a:t>
-            </a:r>
-          </a:p>
-          <a:p>
-            <a:pPr lvl="1"/>
-            <a:r>
-              <a:rPr lang="en-US" dirty="0"/>
-              <a:t>First Screen – </a:t>
+              <a:t>2 Users – </a:t>
             </a:r>
             <a:r>
               <a:rPr lang="en-US" dirty="0" err="1"/>
@@ -12397,88 +12601,30 @@
             </a:r>
             <a:r>
               <a:rPr lang="en-US" dirty="0"/>
-              <a:t>, </a:t>
-            </a:r>
-            <a:endParaRPr lang="en-US" dirty="0" smtClean="0"/>
-          </a:p>
-          <a:p>
-            <a:pPr lvl="1"/>
-            <a:r>
-              <a:rPr lang="en-US" dirty="0" smtClean="0"/>
-              <a:t>Second </a:t>
+              <a:t> App , 2 Users – </a:t>
+            </a:r>
+            <a:r>
+              <a:rPr lang="en-US" dirty="0" err="1"/>
+              <a:t>Prefetch</a:t>
             </a:r>
             <a:r>
               <a:rPr lang="en-US" dirty="0"/>
-              <a:t>Screen – Use the </a:t>
-            </a:r>
-            <a:r>
-              <a:rPr lang="en-US" dirty="0" err="1"/>
-              <a:t>prefetch</a:t>
-            </a:r>
+              <a:t> Procrastinated  App</a:t>
+            </a:r>
+          </a:p>
+          <a:p>
             <a:r>
               <a:rPr lang="en-US" dirty="0"/>
-              <a:t> data</a:t>
-            </a:r>
-            <a:r>
-              <a:rPr lang="en-US" dirty="0" smtClean="0"/>
-              <a:t>.</a:t>
-            </a:r>
-          </a:p>
-          <a:p>
-            <a:pPr marL="457200" lvl="1" indent="0">
-              <a:buNone/>
-            </a:pPr>
-            <a:endParaRPr lang="en-US" dirty="0"/>
-          </a:p>
-          <a:p>
-            <a:r>
-              <a:rPr lang="en-US" dirty="0" smtClean="0"/>
-              <a:t>Implement </a:t>
-            </a:r>
-            <a:r>
-              <a:rPr lang="en-US" b="1" i="1" dirty="0" smtClean="0"/>
-              <a:t>Instrumentation</a:t>
-            </a:r>
-            <a:r>
-              <a:rPr lang="en-US" dirty="0" smtClean="0"/>
-              <a:t> and </a:t>
-            </a:r>
-            <a:r>
-              <a:rPr lang="en-US" b="1" i="1" dirty="0" smtClean="0"/>
-              <a:t>Procrastination tool</a:t>
-            </a:r>
-            <a:r>
-              <a:rPr lang="en-US" dirty="0" smtClean="0"/>
-              <a:t> for desktop.</a:t>
-            </a:r>
-          </a:p>
-          <a:p>
-            <a:r>
-              <a:rPr lang="en-US" dirty="0" smtClean="0"/>
-              <a:t>Implement </a:t>
-            </a:r>
-            <a:r>
-              <a:rPr lang="en-US" b="1" i="1" dirty="0" smtClean="0"/>
-              <a:t>Measurements Library</a:t>
-            </a:r>
-            <a:r>
-              <a:rPr lang="en-US" dirty="0" smtClean="0"/>
-              <a:t> for data usage and VPC measurement.</a:t>
-            </a:r>
-          </a:p>
-          <a:p>
-            <a:r>
-              <a:rPr lang="en-US" dirty="0" smtClean="0"/>
-              <a:t>Implement </a:t>
-            </a:r>
-            <a:r>
-              <a:rPr lang="en-US" b="1" i="1" dirty="0" smtClean="0"/>
-              <a:t>Android Procrastination Library</a:t>
-            </a:r>
-            <a:r>
-              <a:rPr lang="en-US" dirty="0" smtClean="0"/>
-              <a:t>.</a:t>
-            </a:r>
+              <a:t>Track view pre-fetch correlation.</a:t>
+            </a:r>
+          </a:p>
+          <a:p>
+            <a:r>
+              <a:rPr lang="en-US" dirty="0"/>
+              <a:t>Track network data usage of app for each day per user.</a:t>
+            </a:r>
+          </a:p>
+          <a:p>
             <a:endParaRPr lang="en-US" dirty="0"/>
           </a:p>
         </p:txBody>
@@ -12486,7 +12632,7 @@
     </p:spTree>
     <p:extLst>
       <p:ext uri="{BB962C8B-B14F-4D97-AF65-F5344CB8AC3E}">
-        <p14:creationId xmlns:p14="http://schemas.microsoft.com/office/powerpoint/2010/main" val="3154856639"/>
+        <p14:creationId xmlns:p14="http://schemas.microsoft.com/office/powerpoint/2010/main" val="437405614"/>
       </p:ext>
     </p:extLst>
   </p:cSld>
@@ -12523,132 +12669,6 @@
             <p:ph type="title"/>
           </p:nvPr>
         </p:nvSpPr>
-        <p:spPr/>
-        <p:txBody>
-          <a:bodyPr/>
-          <a:lstStyle/>
-          <a:p>
-            <a:r>
-              <a:rPr lang="en-US" dirty="0" smtClean="0"/>
-              <a:t>Evaluation Methodology</a:t>
-            </a:r>
-            <a:endParaRPr lang="en-US" dirty="0"/>
-          </a:p>
-        </p:txBody>
-      </p:sp>
-      <p:sp>
-        <p:nvSpPr>
-          <p:cNvPr id="3" name="Content Placeholder 2"/>
-          <p:cNvSpPr>
-            <a:spLocks noGrp="1"/>
-          </p:cNvSpPr>
-          <p:nvPr>
-            <p:ph idx="1"/>
-          </p:nvPr>
-        </p:nvSpPr>
-        <p:spPr>
-          <a:xfrm>
-            <a:off x="2589212" y="1905000"/>
-            <a:ext cx="8915400" cy="4443760"/>
-          </a:xfrm>
-        </p:spPr>
-        <p:txBody>
-          <a:bodyPr/>
-          <a:lstStyle/>
-          <a:p>
-            <a:r>
-              <a:rPr lang="en-US" dirty="0" smtClean="0"/>
-              <a:t>Provide it to 4 users </a:t>
-            </a:r>
-            <a:endParaRPr lang="en-US" dirty="0"/>
-          </a:p>
-          <a:p>
-            <a:r>
-              <a:rPr lang="en-US" dirty="0" smtClean="0"/>
-              <a:t>Collect data for 7 days</a:t>
-            </a:r>
-          </a:p>
-          <a:p>
-            <a:r>
-              <a:rPr lang="en-US" dirty="0" smtClean="0"/>
-              <a:t>2 Users – </a:t>
-            </a:r>
-            <a:r>
-              <a:rPr lang="en-US" dirty="0" err="1" smtClean="0"/>
-              <a:t>Prefetch</a:t>
-            </a:r>
-            <a:r>
-              <a:rPr lang="en-US" dirty="0" smtClean="0"/>
-              <a:t> App , 2 Users – </a:t>
-            </a:r>
-            <a:r>
-              <a:rPr lang="en-US" dirty="0" err="1" smtClean="0"/>
-              <a:t>Prefetch</a:t>
-            </a:r>
-            <a:r>
-              <a:rPr lang="en-US" dirty="0" smtClean="0"/>
-              <a:t> Procrastinated  App</a:t>
-            </a:r>
-            <a:endParaRPr lang="en-US" dirty="0"/>
-          </a:p>
-          <a:p>
-            <a:r>
-              <a:rPr lang="en-US" dirty="0" smtClean="0"/>
-              <a:t>Track view pre-fetch correlation.</a:t>
-            </a:r>
-          </a:p>
-          <a:p>
-            <a:r>
-              <a:rPr lang="en-US" dirty="0" smtClean="0"/>
-              <a:t>Track network data usage of app for each day per user.</a:t>
-            </a:r>
-            <a:endParaRPr lang="en-US" dirty="0"/>
-          </a:p>
-          <a:p>
-            <a:endParaRPr lang="en-US" dirty="0"/>
-          </a:p>
-        </p:txBody>
-      </p:sp>
-    </p:spTree>
-    <p:extLst>
-      <p:ext uri="{BB962C8B-B14F-4D97-AF65-F5344CB8AC3E}">
-        <p14:creationId xmlns:p14="http://schemas.microsoft.com/office/powerpoint/2010/main" val="437405614"/>
-      </p:ext>
-    </p:extLst>
-  </p:cSld>
-  <p:clrMapOvr>
-    <a:masterClrMapping/>
-  </p:clrMapOvr>
-</p:sld>
-</file>
-
-<file path=ppt/slides/slide18.xml><?xml version="1.0" encoding="utf-8"?>
-<p:sld xmlns:a="http://schemas.openxmlformats.org/drawingml/2006/main" xmlns:r="http://schemas.openxmlformats.org/officeDocument/2006/relationships" xmlns:p="http://schemas.openxmlformats.org/presentationml/2006/main">
-  <p:cSld>
-    <p:spTree>
-      <p:nvGrpSpPr>
-        <p:cNvPr id="1" name=""/>
-        <p:cNvGrpSpPr/>
-        <p:nvPr/>
-      </p:nvGrpSpPr>
-      <p:grpSpPr>
-        <a:xfrm>
-          <a:off x="0" y="0"/>
-          <a:ext cx="0" cy="0"/>
-          <a:chOff x="0" y="0"/>
-          <a:chExt cx="0" cy="0"/>
-        </a:xfrm>
-      </p:grpSpPr>
-      <p:sp>
-        <p:nvSpPr>
-          <p:cNvPr id="2" name="Title 1"/>
-          <p:cNvSpPr>
-            <a:spLocks noGrp="1"/>
-          </p:cNvSpPr>
-          <p:nvPr>
-            <p:ph type="title"/>
-          </p:nvPr>
-        </p:nvSpPr>
         <p:spPr>
           <a:xfrm>
             <a:off x="1953761" y="344710"/>
@@ -12661,10 +12681,9 @@
           <a:p>
             <a:pPr algn="ctr"/>
             <a:r>
-              <a:rPr lang="en-US" dirty="0" smtClean="0"/>
+              <a:rPr lang="en-US" dirty="0"/>
               <a:t>Results</a:t>
             </a:r>
-            <a:endParaRPr lang="en-US" dirty="0"/>
           </a:p>
         </p:txBody>
       </p:sp>
@@ -12705,6 +12724,95 @@
 </p:sld>
 </file>
 
+<file path=ppt/slides/slide18.xml><?xml version="1.0" encoding="utf-8"?>
+<p:sld xmlns:a="http://schemas.openxmlformats.org/drawingml/2006/main" xmlns:r="http://schemas.openxmlformats.org/officeDocument/2006/relationships" xmlns:p="http://schemas.openxmlformats.org/presentationml/2006/main">
+  <p:cSld>
+    <p:spTree>
+      <p:nvGrpSpPr>
+        <p:cNvPr id="1" name=""/>
+        <p:cNvGrpSpPr/>
+        <p:nvPr/>
+      </p:nvGrpSpPr>
+      <p:grpSpPr>
+        <a:xfrm>
+          <a:off x="0" y="0"/>
+          <a:ext cx="0" cy="0"/>
+          <a:chOff x="0" y="0"/>
+          <a:chExt cx="0" cy="0"/>
+        </a:xfrm>
+      </p:grpSpPr>
+      <p:sp>
+        <p:nvSpPr>
+          <p:cNvPr id="2" name="Title 1"/>
+          <p:cNvSpPr>
+            <a:spLocks noGrp="1"/>
+          </p:cNvSpPr>
+          <p:nvPr>
+            <p:ph type="title"/>
+          </p:nvPr>
+        </p:nvSpPr>
+        <p:spPr>
+          <a:xfrm>
+            <a:off x="1864792" y="522510"/>
+            <a:ext cx="8911687" cy="1280890"/>
+          </a:xfrm>
+        </p:spPr>
+        <p:txBody>
+          <a:bodyPr/>
+          <a:lstStyle/>
+          <a:p>
+            <a:pPr algn="ctr"/>
+            <a:r>
+              <a:rPr lang="en-US" dirty="0"/>
+              <a:t>Results – Procrastinated vs </a:t>
+            </a:r>
+            <a:br>
+              <a:rPr lang="en-US" dirty="0"/>
+            </a:br>
+            <a:r>
+              <a:rPr lang="en-US" dirty="0"/>
+              <a:t>Non Procrastinated</a:t>
+            </a:r>
+          </a:p>
+        </p:txBody>
+      </p:sp>
+      <p:graphicFrame>
+        <p:nvGraphicFramePr>
+          <p:cNvPr id="5" name="Chart 4"/>
+          <p:cNvGraphicFramePr>
+            <a:graphicFrameLocks/>
+          </p:cNvGraphicFramePr>
+          <p:nvPr>
+            <p:extLst>
+              <p:ext uri="{D42A27DB-BD31-4B8C-83A1-F6EECF244321}">
+                <p14:modId xmlns:p14="http://schemas.microsoft.com/office/powerpoint/2010/main" val="1472571515"/>
+              </p:ext>
+            </p:extLst>
+          </p:nvPr>
+        </p:nvGraphicFramePr>
+        <p:xfrm>
+          <a:off x="2269067" y="1803399"/>
+          <a:ext cx="8144935" cy="4715933"/>
+        </p:xfrm>
+        <a:graphic>
+          <a:graphicData uri="http://schemas.openxmlformats.org/drawingml/2006/chart">
+            <c:chart xmlns:c="http://schemas.openxmlformats.org/drawingml/2006/chart" xmlns:r="http://schemas.openxmlformats.org/officeDocument/2006/relationships" r:id="rId2"/>
+          </a:graphicData>
+        </a:graphic>
+      </p:graphicFrame>
+    </p:spTree>
+    <p:extLst>
+      <p:ext uri="{BB962C8B-B14F-4D97-AF65-F5344CB8AC3E}">
+        <p14:creationId xmlns:p14="http://schemas.microsoft.com/office/powerpoint/2010/main" val="1427784178"/>
+      </p:ext>
+    </p:extLst>
+  </p:cSld>
+  <p:clrMapOvr>
+    <a:masterClrMapping/>
+  </p:clrMapOvr>
+</p:sld>
+</file>
+
 <file path=ppt/slides/slide19.xml><?xml version="1.0" encoding="utf-8"?>
 <p:sld xmlns:a="http://schemas.openxmlformats.org/drawingml/2006/main" xmlns:r="http://schemas.openxmlformats.org/officeDocument/2006/relationships" xmlns:p="http://schemas.openxmlformats.org/presentationml/2006/main">
   <p:cSld>
@@ -12732,60 +12840,68 @@
             <p:ph type="title"/>
           </p:nvPr>
         </p:nvSpPr>
-        <p:spPr>
-          <a:xfrm>
-            <a:off x="1864792" y="522510"/>
-            <a:ext cx="8911687" cy="1280890"/>
-          </a:xfrm>
-        </p:spPr>
+        <p:spPr/>
         <p:txBody>
           <a:bodyPr/>
           <a:lstStyle/>
           <a:p>
             <a:pPr algn="ctr"/>
             <a:r>
-              <a:rPr lang="en-US" dirty="0" smtClean="0"/>
-              <a:t>Results – Procrastinated vs </a:t>
-            </a:r>
-            <a:br>
-              <a:rPr lang="en-US" dirty="0" smtClean="0"/>
-            </a:br>
-            <a:r>
-              <a:rPr lang="en-US" dirty="0" smtClean="0"/>
-              <a:t>Non Procrastinated</a:t>
-            </a:r>
-            <a:endParaRPr lang="en-US" dirty="0"/>
-          </a:p>
-        </p:txBody>
-      </p:sp>
-      <p:graphicFrame>
-        <p:nvGraphicFramePr>
-          <p:cNvPr id="5" name="Chart 4"/>
-          <p:cNvGraphicFramePr>
-            <a:graphicFrameLocks/>
-          </p:cNvGraphicFramePr>
+              <a:rPr lang="en-US" dirty="0"/>
+              <a:t>Results Summary</a:t>
+            </a:r>
+          </a:p>
+        </p:txBody>
+      </p:sp>
+      <p:sp>
+        <p:nvSpPr>
+          <p:cNvPr id="3" name="Content Placeholder 2"/>
+          <p:cNvSpPr>
+            <a:spLocks noGrp="1"/>
+          </p:cNvSpPr>
           <p:nvPr>
-            <p:extLst>
-              <p:ext uri="{D42A27DB-BD31-4B8C-83A1-F6EECF244321}">
-                <p14:modId xmlns:p14="http://schemas.microsoft.com/office/powerpoint/2010/main" val="1324968578"/>
-              </p:ext>
-            </p:extLst>
+            <p:ph idx="1"/>
           </p:nvPr>
-        </p:nvGraphicFramePr>
-        <p:xfrm>
-          <a:off x="2590802" y="1803400"/>
-          <a:ext cx="7823200" cy="4030134"/>
-        </p:xfrm>
-        <a:graphic>
-          <a:graphicData uri="http://schemas.openxmlformats.org/drawingml/2006/chart">
-            <c:chart xmlns:c="http://schemas.openxmlformats.org/drawingml/2006/chart" xmlns:r="http://schemas.openxmlformats.org/officeDocument/2006/relationships" r:id="rId2"/>
-          </a:graphicData>
-        </a:graphic>
-      </p:graphicFrame>
+        </p:nvSpPr>
+        <p:spPr/>
+        <p:txBody>
+          <a:bodyPr>
+            <a:normAutofit/>
+          </a:bodyPr>
+          <a:lstStyle/>
+          <a:p>
+            <a:r>
+              <a:rPr lang="en-US" sz="2400" dirty="0"/>
+              <a:t>Comparing User 4 to User 1 yields 27% savings in data</a:t>
+            </a:r>
+          </a:p>
+          <a:p>
+            <a:r>
+              <a:rPr lang="en-US" sz="2400" dirty="0"/>
+              <a:t>Comparing User 3 to User 1 yields 41% savings in data</a:t>
+            </a:r>
+          </a:p>
+          <a:p>
+            <a:r>
+              <a:rPr lang="en-US" sz="2400" dirty="0"/>
+              <a:t>User 4 VPC &gt; User 3 VPC. Hence User 4 consumes more data.</a:t>
+            </a:r>
+          </a:p>
+          <a:p>
+            <a:r>
+              <a:rPr lang="en-US" sz="2400" dirty="0"/>
+              <a:t>Mean Saving of 34%</a:t>
+            </a:r>
+          </a:p>
+          <a:p>
+            <a:endParaRPr lang="en-US" sz="2400" dirty="0"/>
+          </a:p>
+        </p:txBody>
+      </p:sp>
     </p:spTree>
     <p:extLst>
       <p:ext uri="{BB962C8B-B14F-4D97-AF65-F5344CB8AC3E}">
-        <p14:creationId xmlns:p14="http://schemas.microsoft.com/office/powerpoint/2010/main" val="1427784178"/>
+        <p14:creationId xmlns:p14="http://schemas.microsoft.com/office/powerpoint/2010/main" val="1286010416"/>
       </p:ext>
     </p:extLst>
   </p:cSld>
@@ -12852,12 +12968,12 @@
         </p:spPr>
         <p:txBody>
           <a:bodyPr>
-            <a:normAutofit lnSpcReduction="10000"/>
+            <a:normAutofit fontScale="92500" lnSpcReduction="10000"/>
           </a:bodyPr>
           <a:lstStyle/>
           <a:p>
             <a:r>
-              <a:rPr lang="en-US" spc="-1" dirty="0">
+              <a:rPr lang="en-US" sz="2000" spc="-1" dirty="0">
                 <a:uFill>
                   <a:solidFill>
                     <a:srgbClr val="FFFFFF"/>
@@ -12869,7 +12985,7 @@
             </a:r>
           </a:p>
           <a:p>
-            <a:endParaRPr lang="en-US" spc="-1" dirty="0">
+            <a:endParaRPr lang="en-US" sz="2000" spc="-1" dirty="0">
               <a:uFill>
                 <a:solidFill>
                   <a:srgbClr val="FFFFFF"/>
@@ -12879,7 +12995,7 @@
             </a:endParaRPr>
           </a:p>
           <a:p>
-            <a:endParaRPr lang="en-US" spc="-1" dirty="0">
+            <a:endParaRPr lang="en-US" sz="2000" spc="-1" dirty="0">
               <a:uFill>
                 <a:solidFill>
                   <a:srgbClr val="FFFFFF"/>
@@ -12889,7 +13005,7 @@
             </a:endParaRPr>
           </a:p>
           <a:p>
-            <a:endParaRPr lang="en-US" spc="-1" dirty="0">
+            <a:endParaRPr lang="en-US" sz="2000" spc="-1" dirty="0">
               <a:uFill>
                 <a:solidFill>
                   <a:srgbClr val="FFFFFF"/>
@@ -12899,7 +13015,7 @@
             </a:endParaRPr>
           </a:p>
           <a:p>
-            <a:endParaRPr lang="en-US" spc="-1" dirty="0">
+            <a:endParaRPr lang="en-US" sz="2000" spc="-1" dirty="0">
               <a:uFill>
                 <a:solidFill>
                   <a:srgbClr val="FFFFFF"/>
@@ -12909,7 +13025,7 @@
             </a:endParaRPr>
           </a:p>
           <a:p>
-            <a:endParaRPr lang="en-US" spc="-1" dirty="0">
+            <a:endParaRPr lang="en-US" sz="2000" spc="-1" dirty="0">
               <a:uFill>
                 <a:solidFill>
                   <a:srgbClr val="FFFFFF"/>
@@ -12919,7 +13035,7 @@
             </a:endParaRPr>
           </a:p>
           <a:p>
-            <a:endParaRPr lang="en-US" spc="-1" dirty="0">
+            <a:endParaRPr lang="en-US" sz="2000" spc="-1" dirty="0">
               <a:uFill>
                 <a:solidFill>
                   <a:srgbClr val="FFFFFF"/>
@@ -12929,7 +13045,7 @@
             </a:endParaRPr>
           </a:p>
           <a:p>
-            <a:endParaRPr lang="en-US" spc="-1" dirty="0">
+            <a:endParaRPr lang="en-US" sz="2000" spc="-1" dirty="0">
               <a:uFill>
                 <a:solidFill>
                   <a:srgbClr val="FFFFFF"/>
@@ -12939,7 +13055,7 @@
             </a:endParaRPr>
           </a:p>
           <a:p>
-            <a:endParaRPr lang="en-US" spc="-1" dirty="0">
+            <a:endParaRPr lang="en-US" sz="2000" spc="-1" dirty="0">
               <a:uFill>
                 <a:solidFill>
                   <a:srgbClr val="FFFFFF"/>
@@ -12949,7 +13065,7 @@
             </a:endParaRPr>
           </a:p>
           <a:p>
-            <a:endParaRPr lang="en-US" spc="-1" dirty="0">
+            <a:endParaRPr lang="en-US" sz="2000" spc="-1" dirty="0">
               <a:uFill>
                 <a:solidFill>
                   <a:srgbClr val="FFFFFF"/>
@@ -12959,7 +13075,7 @@
             </a:endParaRPr>
           </a:p>
           <a:p>
-            <a:endParaRPr lang="en-US" spc="-1" dirty="0">
+            <a:endParaRPr lang="en-US" sz="2000" spc="-1" dirty="0">
               <a:uFill>
                 <a:solidFill>
                   <a:srgbClr val="FFFFFF"/>
@@ -12970,7 +13086,7 @@
           </a:p>
           <a:p>
             <a:r>
-              <a:rPr lang="en-US" spc="-1" dirty="0">
+              <a:rPr lang="en-US" sz="2000" spc="-1" dirty="0">
                 <a:uFill>
                   <a:solidFill>
                     <a:srgbClr val="FFFFFF"/>
@@ -12982,7 +13098,7 @@
             </a:r>
           </a:p>
           <a:p>
-            <a:endParaRPr lang="en-US" spc="-1" dirty="0">
+            <a:endParaRPr lang="en-US" sz="2000" spc="-1" dirty="0">
               <a:uFill>
                 <a:solidFill>
                   <a:srgbClr val="FFFFFF"/>
@@ -12992,7 +13108,7 @@
             </a:endParaRPr>
           </a:p>
           <a:p>
-            <a:endParaRPr lang="en-US" dirty="0"/>
+            <a:endParaRPr lang="en-US" sz="2000" dirty="0"/>
           </a:p>
         </p:txBody>
       </p:sp>
@@ -13115,10 +13231,9 @@
           <a:p>
             <a:pPr algn="ctr"/>
             <a:r>
-              <a:rPr lang="en-US" dirty="0" smtClean="0"/>
-              <a:t>Results Summary</a:t>
-            </a:r>
-            <a:endParaRPr lang="en-US" dirty="0"/>
+              <a:rPr lang="en-US" dirty="0"/>
+              <a:t>Limitations</a:t>
+            </a:r>
           </a:p>
         </p:txBody>
       </p:sp>
@@ -13134,42 +13249,43 @@
         </p:nvSpPr>
         <p:spPr/>
         <p:txBody>
-          <a:bodyPr/>
+          <a:bodyPr>
+            <a:normAutofit/>
+          </a:bodyPr>
           <a:lstStyle/>
           <a:p>
             <a:r>
-              <a:rPr lang="en-US" dirty="0" smtClean="0"/>
-              <a:t>Comparing User 4 to User 1 yields 27% savings in data</a:t>
-            </a:r>
-          </a:p>
-          <a:p>
-            <a:r>
-              <a:rPr lang="en-US" dirty="0" smtClean="0"/>
-              <a:t>Comparing User 3 to User 1 yields 41% savings in data</a:t>
-            </a:r>
-          </a:p>
-          <a:p>
-            <a:r>
-              <a:rPr lang="en-US" dirty="0" smtClean="0"/>
-              <a:t>User 4 VPC &gt; User 3 VPC. Hence User 4 consumes more data.</a:t>
-            </a:r>
-            <a:endParaRPr lang="en-US" dirty="0"/>
-          </a:p>
-          <a:p>
-            <a:r>
-              <a:rPr lang="en-US" dirty="0" smtClean="0"/>
-              <a:t>Mean Saving of 34%</a:t>
-            </a:r>
-          </a:p>
-          <a:p>
-            <a:endParaRPr lang="en-US" dirty="0" smtClean="0"/>
+              <a:rPr lang="en-US" sz="2400" dirty="0"/>
+              <a:t>Limited to one pattern only. </a:t>
+            </a:r>
+          </a:p>
+          <a:p>
+            <a:r>
+              <a:rPr lang="en-US" sz="2400" dirty="0"/>
+              <a:t>Limited to Java source code analysis rather than bytecode</a:t>
+            </a:r>
+          </a:p>
+          <a:p>
+            <a:r>
+              <a:rPr lang="en-US" sz="2400" dirty="0"/>
+              <a:t>Not yet tested on Post data.</a:t>
+            </a:r>
+          </a:p>
+          <a:p>
+            <a:r>
+              <a:rPr lang="en-US" sz="2400" dirty="0"/>
+              <a:t>Instrumentation process requires some developer involvement.</a:t>
+            </a:r>
+          </a:p>
+          <a:p>
+            <a:endParaRPr lang="en-US" sz="2400" dirty="0"/>
           </a:p>
         </p:txBody>
       </p:sp>
     </p:spTree>
     <p:extLst>
       <p:ext uri="{BB962C8B-B14F-4D97-AF65-F5344CB8AC3E}">
-        <p14:creationId xmlns:p14="http://schemas.microsoft.com/office/powerpoint/2010/main" val="1286010416"/>
+        <p14:creationId xmlns:p14="http://schemas.microsoft.com/office/powerpoint/2010/main" val="1095983116"/>
       </p:ext>
     </p:extLst>
   </p:cSld>
@@ -13211,12 +13327,10 @@
           <a:bodyPr/>
           <a:lstStyle/>
           <a:p>
-            <a:pPr algn="ctr"/>
-            <a:r>
-              <a:rPr lang="en-US" dirty="0" smtClean="0"/>
-              <a:t>Limitations</a:t>
-            </a:r>
-            <a:endParaRPr lang="en-US" dirty="0"/>
+            <a:r>
+              <a:rPr lang="en-US" dirty="0"/>
+              <a:t>Potential Future Work</a:t>
+            </a:r>
           </a:p>
         </p:txBody>
       </p:sp>
@@ -13232,131 +13346,36 @@
         </p:nvSpPr>
         <p:spPr/>
         <p:txBody>
-          <a:bodyPr/>
+          <a:bodyPr>
+            <a:normAutofit/>
+          </a:bodyPr>
           <a:lstStyle/>
           <a:p>
             <a:r>
-              <a:rPr lang="en-US" dirty="0" smtClean="0"/>
-              <a:t>Limited to one pattern only. </a:t>
-            </a:r>
-            <a:endParaRPr lang="en-US" dirty="0"/>
-          </a:p>
-          <a:p>
-            <a:r>
-              <a:rPr lang="en-US" dirty="0" smtClean="0"/>
-              <a:t>Limited to Java source code analysis rather than bytecode</a:t>
-            </a:r>
-          </a:p>
-          <a:p>
-            <a:r>
-              <a:rPr lang="en-US" dirty="0" smtClean="0"/>
-              <a:t>Not yet tested on Post data.</a:t>
-            </a:r>
-          </a:p>
-          <a:p>
-            <a:r>
-              <a:rPr lang="en-US" dirty="0" smtClean="0"/>
-              <a:t>Instrumentation process requires some developer involvement.</a:t>
-            </a:r>
-          </a:p>
-          <a:p>
-            <a:endParaRPr lang="en-US" dirty="0"/>
-          </a:p>
-        </p:txBody>
-      </p:sp>
-    </p:spTree>
-    <p:extLst>
-      <p:ext uri="{BB962C8B-B14F-4D97-AF65-F5344CB8AC3E}">
-        <p14:creationId xmlns:p14="http://schemas.microsoft.com/office/powerpoint/2010/main" val="1095983116"/>
-      </p:ext>
-    </p:extLst>
-  </p:cSld>
-  <p:clrMapOvr>
-    <a:masterClrMapping/>
-  </p:clrMapOvr>
-</p:sld>
-</file>
-
-<file path=ppt/slides/slide22.xml><?xml version="1.0" encoding="utf-8"?>
-<p:sld xmlns:a="http://schemas.openxmlformats.org/drawingml/2006/main" xmlns:r="http://schemas.openxmlformats.org/officeDocument/2006/relationships" xmlns:p="http://schemas.openxmlformats.org/presentationml/2006/main">
-  <p:cSld>
-    <p:spTree>
-      <p:nvGrpSpPr>
-        <p:cNvPr id="1" name=""/>
-        <p:cNvGrpSpPr/>
-        <p:nvPr/>
-      </p:nvGrpSpPr>
-      <p:grpSpPr>
-        <a:xfrm>
-          <a:off x="0" y="0"/>
-          <a:ext cx="0" cy="0"/>
-          <a:chOff x="0" y="0"/>
-          <a:chExt cx="0" cy="0"/>
-        </a:xfrm>
-      </p:grpSpPr>
-      <p:sp>
-        <p:nvSpPr>
-          <p:cNvPr id="2" name="Title 1"/>
-          <p:cNvSpPr>
-            <a:spLocks noGrp="1"/>
-          </p:cNvSpPr>
-          <p:nvPr>
-            <p:ph type="title"/>
-          </p:nvPr>
-        </p:nvSpPr>
-        <p:spPr/>
-        <p:txBody>
-          <a:bodyPr/>
-          <a:lstStyle/>
-          <a:p>
-            <a:r>
-              <a:rPr lang="en-US" dirty="0" smtClean="0"/>
-              <a:t>Potential Future Work</a:t>
-            </a:r>
-            <a:endParaRPr lang="en-US" dirty="0"/>
-          </a:p>
-        </p:txBody>
-      </p:sp>
-      <p:sp>
-        <p:nvSpPr>
-          <p:cNvPr id="3" name="Content Placeholder 2"/>
-          <p:cNvSpPr>
-            <a:spLocks noGrp="1"/>
-          </p:cNvSpPr>
-          <p:nvPr>
-            <p:ph idx="1"/>
-          </p:nvPr>
-        </p:nvSpPr>
-        <p:spPr/>
-        <p:txBody>
-          <a:bodyPr/>
-          <a:lstStyle/>
-          <a:p>
-            <a:r>
-              <a:rPr lang="en-US" dirty="0" smtClean="0"/>
+              <a:rPr lang="en-US" sz="2400" dirty="0"/>
               <a:t>Implement for POST based pre-fetch.</a:t>
             </a:r>
           </a:p>
           <a:p>
             <a:r>
-              <a:rPr lang="en-US" dirty="0" smtClean="0"/>
+              <a:rPr lang="en-US" sz="2400" dirty="0"/>
               <a:t>Analyze at Byte Code level</a:t>
             </a:r>
           </a:p>
           <a:p>
             <a:r>
-              <a:rPr lang="en-US" dirty="0" smtClean="0"/>
+              <a:rPr lang="en-US" sz="2400" dirty="0"/>
               <a:t>Identify more patterns</a:t>
             </a:r>
           </a:p>
           <a:p>
             <a:r>
-              <a:rPr lang="en-US" dirty="0" smtClean="0"/>
+              <a:rPr lang="en-US" sz="2400" dirty="0"/>
               <a:t>Test on more applications.</a:t>
             </a:r>
           </a:p>
           <a:p>
-            <a:endParaRPr lang="en-US" dirty="0"/>
+            <a:endParaRPr lang="en-US" sz="2400" dirty="0"/>
           </a:p>
         </p:txBody>
       </p:sp>
@@ -13414,7 +13433,7 @@
           <a:p>
             <a:pPr algn="ctr"/>
             <a:r>
-              <a:rPr lang="en-US" sz="5400" dirty="0" smtClean="0">
+              <a:rPr lang="en-US" sz="5400" dirty="0">
                 <a:ln w="0"/>
                 <a:solidFill>
                   <a:schemeClr val="accent1"/>
@@ -13529,7 +13548,7 @@
           <a:p>
             <a:pPr algn="ctr"/>
             <a:r>
-              <a:rPr lang="en-US" sz="5400" dirty="0" smtClean="0">
+              <a:rPr lang="en-US" sz="5400" dirty="0">
                 <a:ln w="0"/>
                 <a:solidFill>
                   <a:schemeClr val="accent1"/>
@@ -13655,10 +13674,9 @@
           </a:lstStyle>
           <a:p>
             <a:r>
-              <a:rPr lang="en-US" dirty="0" smtClean="0"/>
+              <a:rPr lang="en-US" dirty="0"/>
               <a:t>Story of a Developer and a User</a:t>
             </a:r>
-            <a:endParaRPr lang="en-US" dirty="0"/>
           </a:p>
         </p:txBody>
       </p:sp>
@@ -13672,14 +13690,6 @@
   <p:clrMapOvr>
     <a:masterClrMapping/>
   </p:clrMapOvr>
-  <mc:AlternateContent xmlns:mc="http://schemas.openxmlformats.org/markup-compatibility/2006" xmlns:p14="http://schemas.microsoft.com/office/powerpoint/2010/main">
-    <mc:Choice Requires="p14">
-      <p:transition p14:dur="0"/>
-    </mc:Choice>
-    <mc:Fallback xmlns="">
-      <p:transition/>
-    </mc:Fallback>
-  </mc:AlternateContent>
   <p:timing>
     <p:tnLst>
       <p:par>
@@ -13874,7 +13884,7 @@
           <a:p>
             <a:pPr algn="ctr"/>
             <a:r>
-              <a:rPr lang="en-US" sz="5400" dirty="0" smtClean="0">
+              <a:rPr lang="en-US" sz="5400" dirty="0">
                 <a:ln w="0"/>
                 <a:solidFill>
                   <a:schemeClr val="accent1"/>
@@ -13922,64 +13932,66 @@
           </a:xfrm>
         </p:spPr>
         <p:txBody>
-          <a:bodyPr/>
+          <a:bodyPr>
+            <a:normAutofit/>
+          </a:bodyPr>
           <a:lstStyle/>
           <a:p>
             <a:r>
-              <a:rPr lang="en-US" dirty="0" smtClean="0"/>
+              <a:rPr lang="en-US" sz="2400" dirty="0"/>
               <a:t>I will make a </a:t>
             </a:r>
             <a:r>
-              <a:rPr lang="en-US" b="1" i="1" dirty="0" smtClean="0"/>
+              <a:rPr lang="en-US" sz="2400" b="1" i="1" dirty="0"/>
               <a:t>Super Cool</a:t>
             </a:r>
             <a:r>
-              <a:rPr lang="en-US" dirty="0" smtClean="0"/>
+              <a:rPr lang="en-US" sz="2400" dirty="0"/>
               <a:t> app.</a:t>
             </a:r>
           </a:p>
           <a:p>
-            <a:endParaRPr lang="en-US" dirty="0"/>
-          </a:p>
-          <a:p>
-            <a:r>
-              <a:rPr lang="en-US" dirty="0" smtClean="0"/>
+            <a:endParaRPr lang="en-US" sz="2400" dirty="0"/>
+          </a:p>
+          <a:p>
+            <a:r>
+              <a:rPr lang="en-US" sz="2400" dirty="0"/>
               <a:t>The app should be fast and have no latency.</a:t>
             </a:r>
           </a:p>
           <a:p>
-            <a:endParaRPr lang="en-US" dirty="0"/>
-          </a:p>
-          <a:p>
-            <a:r>
-              <a:rPr lang="en-US" dirty="0" smtClean="0"/>
+            <a:endParaRPr lang="en-US" sz="2400" dirty="0"/>
+          </a:p>
+          <a:p>
+            <a:r>
+              <a:rPr lang="en-US" sz="2400" dirty="0"/>
               <a:t>How do I make it Fast? </a:t>
             </a:r>
           </a:p>
           <a:p>
-            <a:endParaRPr lang="en-US" b="1" i="1" dirty="0"/>
-          </a:p>
-          <a:p>
-            <a:r>
-              <a:rPr lang="en-US" b="1" i="1" dirty="0" smtClean="0"/>
+            <a:endParaRPr lang="en-US" sz="2400" b="1" i="1" dirty="0"/>
+          </a:p>
+          <a:p>
+            <a:r>
+              <a:rPr lang="en-US" sz="2400" b="1" i="1" dirty="0"/>
               <a:t>Solution: Pre-fetch</a:t>
             </a:r>
             <a:r>
-              <a:rPr lang="en-US" dirty="0" smtClean="0"/>
+              <a:rPr lang="en-US" sz="2400" dirty="0"/>
               <a:t>.</a:t>
             </a:r>
           </a:p>
           <a:p>
-            <a:endParaRPr lang="en-US" dirty="0"/>
-          </a:p>
-          <a:p>
-            <a:endParaRPr lang="en-US" dirty="0" smtClean="0"/>
-          </a:p>
-          <a:p>
-            <a:endParaRPr lang="en-US" dirty="0"/>
-          </a:p>
-          <a:p>
-            <a:endParaRPr lang="en-US" dirty="0"/>
+            <a:endParaRPr lang="en-US" sz="2400" dirty="0"/>
+          </a:p>
+          <a:p>
+            <a:endParaRPr lang="en-US" sz="2400" dirty="0"/>
+          </a:p>
+          <a:p>
+            <a:endParaRPr lang="en-US" sz="2400" dirty="0"/>
+          </a:p>
+          <a:p>
+            <a:endParaRPr lang="en-US" sz="2400" dirty="0"/>
           </a:p>
         </p:txBody>
       </p:sp>
@@ -14112,7 +14124,7 @@
           <a:p>
             <a:pPr algn="ctr"/>
             <a:r>
-              <a:rPr lang="en-US" sz="5400" dirty="0" smtClean="0">
+              <a:rPr lang="en-US" sz="5400" dirty="0">
                 <a:ln w="0"/>
                 <a:solidFill>
                   <a:schemeClr val="accent1"/>
@@ -14160,54 +14172,56 @@
           </a:xfrm>
         </p:spPr>
         <p:txBody>
-          <a:bodyPr/>
+          <a:bodyPr>
+            <a:normAutofit/>
+          </a:bodyPr>
           <a:lstStyle/>
           <a:p>
             <a:r>
-              <a:rPr lang="en-US" dirty="0" smtClean="0"/>
+              <a:rPr lang="en-US" sz="2400" dirty="0"/>
               <a:t>Installs the </a:t>
             </a:r>
             <a:r>
-              <a:rPr lang="en-US" b="1" i="1" dirty="0" smtClean="0"/>
+              <a:rPr lang="en-US" sz="2400" b="1" i="1" dirty="0"/>
               <a:t>Cool app</a:t>
             </a:r>
             <a:r>
-              <a:rPr lang="en-US" dirty="0" smtClean="0"/>
+              <a:rPr lang="en-US" sz="2400" dirty="0"/>
               <a:t>.</a:t>
             </a:r>
           </a:p>
           <a:p>
-            <a:endParaRPr lang="en-US" dirty="0"/>
-          </a:p>
-          <a:p>
-            <a:r>
-              <a:rPr lang="en-US" dirty="0" smtClean="0"/>
+            <a:endParaRPr lang="en-US" sz="2400" dirty="0"/>
+          </a:p>
+          <a:p>
+            <a:r>
+              <a:rPr lang="en-US" sz="2400" dirty="0"/>
               <a:t>Uses it for few days.</a:t>
             </a:r>
           </a:p>
           <a:p>
-            <a:endParaRPr lang="en-US" dirty="0"/>
-          </a:p>
-          <a:p>
-            <a:r>
-              <a:rPr lang="en-US" b="1" i="1" dirty="0" smtClean="0"/>
+            <a:endParaRPr lang="en-US" sz="2400" dirty="0"/>
+          </a:p>
+          <a:p>
+            <a:r>
+              <a:rPr lang="en-US" sz="2400" b="1" i="1" dirty="0"/>
               <a:t>Reaction: Wow! This app is so fast and useful.</a:t>
             </a:r>
           </a:p>
           <a:p>
-            <a:endParaRPr lang="en-US" b="1" i="1" dirty="0"/>
-          </a:p>
-          <a:p>
-            <a:endParaRPr lang="en-US" dirty="0"/>
-          </a:p>
-          <a:p>
-            <a:endParaRPr lang="en-US" dirty="0" smtClean="0"/>
-          </a:p>
-          <a:p>
-            <a:endParaRPr lang="en-US" dirty="0"/>
-          </a:p>
-          <a:p>
-            <a:endParaRPr lang="en-US" dirty="0"/>
+            <a:endParaRPr lang="en-US" sz="2400" b="1" i="1" dirty="0"/>
+          </a:p>
+          <a:p>
+            <a:endParaRPr lang="en-US" sz="2400" dirty="0"/>
+          </a:p>
+          <a:p>
+            <a:endParaRPr lang="en-US" sz="2400" dirty="0"/>
+          </a:p>
+          <a:p>
+            <a:endParaRPr lang="en-US" sz="2400" dirty="0"/>
+          </a:p>
+          <a:p>
+            <a:endParaRPr lang="en-US" sz="2400" dirty="0"/>
           </a:p>
         </p:txBody>
       </p:sp>
@@ -14363,49 +14377,51 @@
           </a:xfrm>
         </p:spPr>
         <p:txBody>
-          <a:bodyPr/>
+          <a:bodyPr>
+            <a:normAutofit fontScale="92500" lnSpcReduction="10000"/>
+          </a:bodyPr>
           <a:lstStyle/>
           <a:p>
-            <a:endParaRPr lang="en-US" dirty="0" smtClean="0"/>
-          </a:p>
-          <a:p>
-            <a:r>
-              <a:rPr lang="en-US" b="1" i="1" dirty="0" smtClean="0"/>
+            <a:endParaRPr lang="en-US" sz="2400" dirty="0"/>
+          </a:p>
+          <a:p>
+            <a:r>
+              <a:rPr lang="en-US" sz="2400" b="1" i="1" dirty="0"/>
               <a:t>Reaction: </a:t>
             </a:r>
           </a:p>
           <a:p>
-            <a:endParaRPr lang="en-US" b="1" i="1" dirty="0"/>
-          </a:p>
-          <a:p>
-            <a:r>
-              <a:rPr lang="en-US" b="1" i="1" dirty="0" smtClean="0"/>
+            <a:endParaRPr lang="en-US" sz="2400" b="1" i="1" dirty="0"/>
+          </a:p>
+          <a:p>
+            <a:r>
+              <a:rPr lang="en-US" sz="2400" b="1" i="1" dirty="0"/>
               <a:t>This App Used Up All my LTE data. Uninstall !!!!</a:t>
             </a:r>
           </a:p>
           <a:p>
-            <a:endParaRPr lang="en-US" b="1" i="1" dirty="0"/>
-          </a:p>
-          <a:p>
-            <a:r>
-              <a:rPr lang="en-US" b="1" i="1" dirty="0" smtClean="0"/>
+            <a:endParaRPr lang="en-US" sz="2400" b="1" i="1" dirty="0"/>
+          </a:p>
+          <a:p>
+            <a:r>
+              <a:rPr lang="en-US" sz="2400" b="1" i="1" dirty="0"/>
               <a:t>I’ll search for a new App.</a:t>
             </a:r>
           </a:p>
           <a:p>
-            <a:endParaRPr lang="en-US" b="1" i="1" dirty="0"/>
-          </a:p>
-          <a:p>
-            <a:endParaRPr lang="en-US" dirty="0"/>
-          </a:p>
-          <a:p>
-            <a:endParaRPr lang="en-US" dirty="0" smtClean="0"/>
-          </a:p>
-          <a:p>
-            <a:endParaRPr lang="en-US" dirty="0"/>
-          </a:p>
-          <a:p>
-            <a:endParaRPr lang="en-US" dirty="0"/>
+            <a:endParaRPr lang="en-US" sz="2400" b="1" i="1" dirty="0"/>
+          </a:p>
+          <a:p>
+            <a:endParaRPr lang="en-US" sz="2400" dirty="0"/>
+          </a:p>
+          <a:p>
+            <a:endParaRPr lang="en-US" sz="2400" dirty="0"/>
+          </a:p>
+          <a:p>
+            <a:endParaRPr lang="en-US" sz="2400" dirty="0"/>
+          </a:p>
+          <a:p>
+            <a:endParaRPr lang="en-US" sz="2400" dirty="0"/>
           </a:p>
         </p:txBody>
       </p:sp>
@@ -14430,10 +14446,9 @@
           <a:lstStyle/>
           <a:p>
             <a:r>
-              <a:rPr lang="en-US" dirty="0" smtClean="0"/>
+              <a:rPr lang="en-US" dirty="0"/>
               <a:t>A Month Later...</a:t>
             </a:r>
-            <a:endParaRPr lang="en-US" dirty="0"/>
           </a:p>
         </p:txBody>
       </p:sp>
@@ -14491,7 +14506,7 @@
           <a:p>
             <a:pPr algn="ctr"/>
             <a:r>
-              <a:rPr lang="en-US" sz="5400" dirty="0" smtClean="0">
+              <a:rPr lang="en-US" sz="5400" dirty="0">
                 <a:ln w="0"/>
                 <a:solidFill>
                   <a:schemeClr val="accent1"/>
@@ -14532,13 +14547,6 @@
   <p:clrMapOvr>
     <a:masterClrMapping/>
   </p:clrMapOvr>
-  <p:timing>
-    <p:tnLst>
-      <p:par>
-        <p:cTn id="1" dur="indefinite" restart="never" nodeType="tmRoot"/>
-      </p:par>
-    </p:tnLst>
-  </p:timing>
 </p:sld>
 </file>
 
@@ -14613,7 +14621,7 @@
           <a:p>
             <a:pPr algn="ctr"/>
             <a:r>
-              <a:rPr lang="en-US" sz="5400" dirty="0" smtClean="0">
+              <a:rPr lang="en-US" sz="5400" dirty="0">
                 <a:ln w="0"/>
                 <a:solidFill>
                   <a:schemeClr val="accent1"/>
@@ -14698,7 +14706,7 @@
           <a:p>
             <a:pPr algn="ctr"/>
             <a:r>
-              <a:rPr lang="en-US" sz="5400" dirty="0" smtClean="0">
+              <a:rPr lang="en-US" sz="5400" dirty="0">
                 <a:ln w="0"/>
                 <a:solidFill>
                   <a:schemeClr val="accent1"/>
@@ -14780,10 +14788,9 @@
           <a:lstStyle/>
           <a:p>
             <a:r>
-              <a:rPr lang="en-US" dirty="0" smtClean="0"/>
+              <a:rPr lang="en-US" dirty="0"/>
               <a:t>Our Aim</a:t>
             </a:r>
-            <a:endParaRPr lang="en-US" dirty="0"/>
           </a:p>
         </p:txBody>
       </p:sp>
@@ -14856,11 +14863,13 @@
           </a:xfrm>
         </p:spPr>
         <p:txBody>
-          <a:bodyPr/>
+          <a:bodyPr>
+            <a:normAutofit/>
+          </a:bodyPr>
           <a:lstStyle/>
           <a:p>
             <a:r>
-              <a:rPr lang="en-US" dirty="0"/>
+              <a:rPr lang="en-US" sz="2400" dirty="0"/>
               <a:t>Android Common Pattern</a:t>
             </a:r>
           </a:p>
@@ -14901,7 +14910,7 @@
           <a:lstStyle/>
           <a:p>
             <a:r>
-              <a:rPr lang="en-US" dirty="0">
+              <a:rPr lang="en-US" sz="2000" dirty="0">
                 <a:solidFill>
                   <a:schemeClr val="tx1"/>
                 </a:solidFill>
@@ -14910,7 +14919,7 @@
             </a:r>
           </a:p>
           <a:p>
-            <a:endParaRPr lang="en-US" dirty="0">
+            <a:endParaRPr lang="en-US" sz="2000" dirty="0">
               <a:solidFill>
                 <a:schemeClr val="tx1"/>
               </a:solidFill>
@@ -14918,7 +14927,7 @@
           </a:p>
           <a:p>
             <a:r>
-              <a:rPr lang="en-US" dirty="0">
+              <a:rPr lang="en-US" sz="2000" dirty="0">
                 <a:solidFill>
                   <a:schemeClr val="tx1"/>
                 </a:solidFill>
@@ -14926,7 +14935,7 @@
               <a:t>var1 &lt;= </a:t>
             </a:r>
             <a:r>
-              <a:rPr lang="en-US" dirty="0" err="1">
+              <a:rPr lang="en-US" sz="2000" dirty="0" err="1">
                 <a:solidFill>
                   <a:schemeClr val="tx1"/>
                 </a:solidFill>
@@ -14934,7 +14943,7 @@
               <a:t>networkFetch</a:t>
             </a:r>
             <a:r>
-              <a:rPr lang="en-US" dirty="0">
+              <a:rPr lang="en-US" sz="2000" dirty="0">
                 <a:solidFill>
                   <a:schemeClr val="tx1"/>
                 </a:solidFill>
@@ -14943,7 +14952,7 @@
             </a:r>
           </a:p>
           <a:p>
-            <a:endParaRPr lang="en-US" dirty="0">
+            <a:endParaRPr lang="en-US" sz="2000" dirty="0">
               <a:solidFill>
                 <a:schemeClr val="tx1"/>
               </a:solidFill>
@@ -14951,7 +14960,32 @@
           </a:p>
           <a:p>
             <a:r>
-              <a:rPr lang="en-US" dirty="0">
+              <a:rPr lang="en-US" sz="2000" dirty="0" err="1">
+                <a:solidFill>
+                  <a:schemeClr val="tx1"/>
+                </a:solidFill>
+              </a:rPr>
+              <a:t>textView.setText</a:t>
+            </a:r>
+            <a:r>
+              <a:rPr lang="en-US" sz="2000" dirty="0">
+                <a:solidFill>
+                  <a:schemeClr val="tx1"/>
+                </a:solidFill>
+              </a:rPr>
+              <a:t>(var2)</a:t>
+            </a:r>
+          </a:p>
+          <a:p>
+            <a:endParaRPr lang="en-US" sz="2000" dirty="0">
+              <a:solidFill>
+                <a:schemeClr val="tx1"/>
+              </a:solidFill>
+            </a:endParaRPr>
+          </a:p>
+          <a:p>
+            <a:r>
+              <a:rPr lang="en-US" sz="2000" dirty="0">
                 <a:solidFill>
                   <a:schemeClr val="tx1"/>
                 </a:solidFill>
@@ -14959,7 +14993,7 @@
               <a:t>var2 &lt;= </a:t>
             </a:r>
             <a:r>
-              <a:rPr lang="en-US" dirty="0" err="1">
+              <a:rPr lang="en-US" sz="2000" dirty="0" err="1">
                 <a:solidFill>
                   <a:schemeClr val="tx1"/>
                 </a:solidFill>
@@ -14967,7 +15001,7 @@
               <a:t>networkFetch</a:t>
             </a:r>
             <a:r>
-              <a:rPr lang="en-US" dirty="0">
+              <a:rPr lang="en-US" sz="2000" dirty="0">
                 <a:solidFill>
                   <a:schemeClr val="tx1"/>
                 </a:solidFill>
@@ -14976,7 +15010,7 @@
             </a:r>
           </a:p>
           <a:p>
-            <a:endParaRPr lang="en-US" dirty="0">
+            <a:endParaRPr lang="en-US" sz="2000" dirty="0">
               <a:solidFill>
                 <a:schemeClr val="tx1"/>
               </a:solidFill>
@@ -14984,7 +15018,7 @@
           </a:p>
           <a:p>
             <a:r>
-              <a:rPr lang="en-US" dirty="0">
+              <a:rPr lang="en-US" sz="2000" dirty="0">
                 <a:solidFill>
                   <a:schemeClr val="tx1"/>
                 </a:solidFill>
@@ -14993,7 +15027,7 @@
             </a:r>
           </a:p>
           <a:p>
-            <a:endParaRPr lang="en-US" dirty="0">
+            <a:endParaRPr lang="en-US" sz="2000" dirty="0">
               <a:solidFill>
                 <a:schemeClr val="tx1"/>
               </a:solidFill>
@@ -15001,7 +15035,7 @@
           </a:p>
           <a:p>
             <a:r>
-              <a:rPr lang="en-US" dirty="0">
+              <a:rPr lang="en-US" sz="2000" dirty="0">
                 <a:solidFill>
                   <a:schemeClr val="tx1"/>
                 </a:solidFill>
@@ -15046,7 +15080,7 @@
           <a:lstStyle/>
           <a:p>
             <a:r>
-              <a:rPr lang="en-US" dirty="0">
+              <a:rPr lang="en-US" sz="2000" dirty="0">
                 <a:solidFill>
                   <a:schemeClr val="tx1"/>
                 </a:solidFill>
@@ -15055,7 +15089,7 @@
             </a:r>
           </a:p>
           <a:p>
-            <a:endParaRPr lang="en-US" dirty="0">
+            <a:endParaRPr lang="en-US" sz="2000" dirty="0">
               <a:solidFill>
                 <a:schemeClr val="tx1"/>
               </a:solidFill>
@@ -15063,7 +15097,7 @@
           </a:p>
           <a:p>
             <a:r>
-              <a:rPr lang="en-US" dirty="0" err="1">
+              <a:rPr lang="en-US" sz="2000" dirty="0" err="1">
                 <a:solidFill>
                   <a:schemeClr val="tx1"/>
                 </a:solidFill>
@@ -15071,7 +15105,7 @@
               <a:t>textView.setText</a:t>
             </a:r>
             <a:r>
-              <a:rPr lang="en-US" dirty="0">
+              <a:rPr lang="en-US" sz="2000" dirty="0">
                 <a:solidFill>
                   <a:schemeClr val="tx1"/>
                 </a:solidFill>
@@ -15080,7 +15114,7 @@
             </a:r>
           </a:p>
           <a:p>
-            <a:endParaRPr lang="en-US" dirty="0">
+            <a:endParaRPr lang="en-US" sz="2000" dirty="0">
               <a:solidFill>
                 <a:schemeClr val="tx1"/>
               </a:solidFill>
@@ -15088,7 +15122,7 @@
           </a:p>
           <a:p>
             <a:r>
-              <a:rPr lang="en-US" dirty="0">
+              <a:rPr lang="en-US" sz="2000" dirty="0">
                 <a:solidFill>
                   <a:schemeClr val="tx1"/>
                 </a:solidFill>

--- a/Prefetch Procrastinator Final Presentation.pptx
+++ b/Prefetch Procrastinator Final Presentation.pptx
@@ -11192,8 +11192,8 @@
         </p:nvSpPr>
         <p:spPr>
           <a:xfrm>
-            <a:off x="8067910" y="3771339"/>
-            <a:ext cx="1878978" cy="1531219"/>
+            <a:off x="8061408" y="3666836"/>
+            <a:ext cx="1878978" cy="1745673"/>
           </a:xfrm>
           <a:prstGeom prst="rect">
             <a:avLst/>
@@ -11229,7 +11229,7 @@
                   <a:schemeClr val="tx1"/>
                 </a:solidFill>
               </a:rPr>
-              <a:t>Execute network call for prefetch variable when intent invoked</a:t>
+              <a:t>Inject Code: Execute network call for prefetch variable when intent invoked</a:t>
             </a:r>
           </a:p>
         </p:txBody>
@@ -11310,15 +11310,16 @@
         <p:nvCxnSpPr>
           <p:cNvPr id="16" name="Straight Arrow Connector 15"/>
           <p:cNvCxnSpPr>
+            <a:cxnSpLocks/>
             <a:stCxn id="7" idx="3"/>
             <a:endCxn id="8" idx="1"/>
           </p:cNvCxnSpPr>
           <p:nvPr/>
         </p:nvCxnSpPr>
         <p:spPr>
-          <a:xfrm flipV="1">
-            <a:off x="7017176" y="4536949"/>
-            <a:ext cx="1050734" cy="1"/>
+          <a:xfrm>
+            <a:off x="7017176" y="4536950"/>
+            <a:ext cx="1044232" cy="2723"/>
           </a:xfrm>
           <a:prstGeom prst="straightConnector1">
             <a:avLst/>
@@ -11472,8 +11473,8 @@
         </p:nvSpPr>
         <p:spPr>
           <a:xfrm>
-            <a:off x="5993841" y="3296097"/>
-            <a:ext cx="506870" cy="369332"/>
+            <a:off x="5495432" y="2358292"/>
+            <a:ext cx="1760418" cy="646331"/>
           </a:xfrm>
           <a:prstGeom prst="rect">
             <a:avLst/>
@@ -11488,7 +11489,13 @@
           <a:p>
             <a:r>
               <a:rPr lang="en-US" dirty="0"/>
-              <a:t>No</a:t>
+              <a:t>No, check for </a:t>
+            </a:r>
+          </a:p>
+          <a:p>
+            <a:r>
+              <a:rPr lang="en-US" dirty="0"/>
+              <a:t>next variable</a:t>
             </a:r>
           </a:p>
         </p:txBody>
@@ -14973,7 +14980,7 @@
                   <a:schemeClr val="tx1"/>
                 </a:solidFill>
               </a:rPr>
-              <a:t>(var2)</a:t>
+              <a:t>(var1)</a:t>
             </a:r>
           </a:p>
           <a:p>

--- a/Prefetch Procrastinator Final Presentation.pptx
+++ b/Prefetch Procrastinator Final Presentation.pptx
@@ -2,33 +2,27 @@
 <file path=ppt/presentation.xml><?xml version="1.0" encoding="utf-8"?>
 <p:presentation xmlns:a="http://schemas.openxmlformats.org/drawingml/2006/main" xmlns:r="http://schemas.openxmlformats.org/officeDocument/2006/relationships" xmlns:p="http://schemas.openxmlformats.org/presentationml/2006/main" autoCompressPictures="0">
   <p:sldMasterIdLst>
-    <p:sldMasterId id="2147483648" r:id="rId1"/>
+    <p:sldMasterId id="2147483682" r:id="rId1"/>
   </p:sldMasterIdLst>
   <p:notesMasterIdLst>
-    <p:notesMasterId r:id="rId23"/>
+    <p:notesMasterId r:id="rId17"/>
   </p:notesMasterIdLst>
   <p:sldIdLst>
     <p:sldId id="256" r:id="rId2"/>
     <p:sldId id="257" r:id="rId3"/>
-    <p:sldId id="272" r:id="rId4"/>
-    <p:sldId id="271" r:id="rId5"/>
-    <p:sldId id="273" r:id="rId6"/>
-    <p:sldId id="275" r:id="rId7"/>
-    <p:sldId id="276" r:id="rId8"/>
-    <p:sldId id="277" r:id="rId9"/>
-    <p:sldId id="258" r:id="rId10"/>
-    <p:sldId id="259" r:id="rId11"/>
-    <p:sldId id="261" r:id="rId12"/>
-    <p:sldId id="262" r:id="rId13"/>
-    <p:sldId id="263" r:id="rId14"/>
-    <p:sldId id="264" r:id="rId15"/>
-    <p:sldId id="268" r:id="rId16"/>
-    <p:sldId id="265" r:id="rId17"/>
-    <p:sldId id="267" r:id="rId18"/>
-    <p:sldId id="278" r:id="rId19"/>
-    <p:sldId id="279" r:id="rId20"/>
-    <p:sldId id="269" r:id="rId21"/>
-    <p:sldId id="270" r:id="rId22"/>
+    <p:sldId id="258" r:id="rId4"/>
+    <p:sldId id="259" r:id="rId5"/>
+    <p:sldId id="261" r:id="rId6"/>
+    <p:sldId id="262" r:id="rId7"/>
+    <p:sldId id="263" r:id="rId8"/>
+    <p:sldId id="264" r:id="rId9"/>
+    <p:sldId id="268" r:id="rId10"/>
+    <p:sldId id="265" r:id="rId11"/>
+    <p:sldId id="267" r:id="rId12"/>
+    <p:sldId id="278" r:id="rId13"/>
+    <p:sldId id="279" r:id="rId14"/>
+    <p:sldId id="269" r:id="rId15"/>
+    <p:sldId id="270" r:id="rId16"/>
   </p:sldIdLst>
   <p:sldSz cx="12192000" cy="6858000"/>
   <p:notesSz cx="6858000" cy="9144000"/>
@@ -136,7 +130,7 @@
 </file>
 
 <file path=ppt/charts/chart1.xml><?xml version="1.0" encoding="utf-8"?>
-<c:chartSpace xmlns:c="http://schemas.openxmlformats.org/drawingml/2006/chart" xmlns:a="http://schemas.openxmlformats.org/drawingml/2006/main" xmlns:r="http://schemas.openxmlformats.org/officeDocument/2006/relationships" xmlns:c16r2="http://schemas.microsoft.com/office/drawing/2015/06/chart">
+<c:chartSpace xmlns:c="http://schemas.openxmlformats.org/drawingml/2006/chart" xmlns:a="http://schemas.openxmlformats.org/drawingml/2006/main" xmlns:r="http://schemas.openxmlformats.org/officeDocument/2006/relationships">
   <c:date1904 val="0"/>
   <c:lang val="en-US"/>
   <c:roundedCorners val="0"/>
@@ -176,6 +170,7 @@
           </a:p>
         </c:rich>
       </c:tx>
+      <c:layout/>
       <c:overlay val="0"/>
       <c:spPr>
         <a:noFill/>
@@ -277,8 +272,9 @@
             <c:showPercent val="0"/>
             <c:showBubbleSize val="0"/>
             <c:showLeaderLines val="0"/>
-            <c:extLst>
+            <c:extLst xmlns:c16r2="http://schemas.microsoft.com/office/drawing/2015/06/chart">
               <c:ext xmlns:c15="http://schemas.microsoft.com/office/drawing/2012/chart" uri="{CE6537A1-D6FC-4f65-9D91-7224C49458BB}">
+                <c15:layout/>
                 <c15:showLeaderLines val="1"/>
                 <c15:leaderLines>
                   <c:spPr>
@@ -337,7 +333,7 @@
               </c:numCache>
             </c:numRef>
           </c:val>
-          <c:extLst>
+          <c:extLst xmlns:c16r2="http://schemas.microsoft.com/office/drawing/2015/06/chart">
             <c:ext xmlns:c16="http://schemas.microsoft.com/office/drawing/2014/chart" uri="{C3380CC4-5D6E-409C-BE32-E72D297353CC}">
               <c16:uniqueId val="{00000000-6171-4D23-BFC1-D5EA7F332D2D}"/>
             </c:ext>
@@ -353,11 +349,11 @@
           <c:showBubbleSize val="0"/>
         </c:dLbls>
         <c:gapWidth val="41"/>
-        <c:axId val="1511936176"/>
-        <c:axId val="1511949776"/>
+        <c:axId val="-790270000"/>
+        <c:axId val="-860168176"/>
       </c:barChart>
       <c:catAx>
-        <c:axId val="1511936176"/>
+        <c:axId val="-790270000"/>
         <c:scaling>
           <c:orientation val="minMax"/>
         </c:scaling>
@@ -395,7 +391,7 @@
             <a:endParaRPr lang="en-US"/>
           </a:p>
         </c:txPr>
-        <c:crossAx val="1511949776"/>
+        <c:crossAx val="-860168176"/>
         <c:crosses val="autoZero"/>
         <c:auto val="1"/>
         <c:lblAlgn val="ctr"/>
@@ -403,7 +399,7 @@
         <c:noMultiLvlLbl val="0"/>
       </c:catAx>
       <c:valAx>
-        <c:axId val="1511949776"/>
+        <c:axId val="-860168176"/>
         <c:scaling>
           <c:orientation val="minMax"/>
         </c:scaling>
@@ -413,7 +409,7 @@
         <c:majorTickMark val="none"/>
         <c:minorTickMark val="none"/>
         <c:tickLblPos val="nextTo"/>
-        <c:crossAx val="1511936176"/>
+        <c:crossAx val="-790270000"/>
         <c:crosses val="autoZero"/>
         <c:crossBetween val="between"/>
       </c:valAx>
@@ -475,7 +471,7 @@
 </file>
 
 <file path=ppt/charts/chart2.xml><?xml version="1.0" encoding="utf-8"?>
-<c:chartSpace xmlns:c="http://schemas.openxmlformats.org/drawingml/2006/chart" xmlns:a="http://schemas.openxmlformats.org/drawingml/2006/main" xmlns:r="http://schemas.openxmlformats.org/officeDocument/2006/relationships" xmlns:c16r2="http://schemas.microsoft.com/office/drawing/2015/06/chart">
+<c:chartSpace xmlns:c="http://schemas.openxmlformats.org/drawingml/2006/chart" xmlns:a="http://schemas.openxmlformats.org/drawingml/2006/main" xmlns:r="http://schemas.openxmlformats.org/officeDocument/2006/relationships">
   <c:date1904 val="0"/>
   <c:lang val="en-US"/>
   <c:roundedCorners val="0"/>
@@ -520,6 +516,7 @@
           </a:p>
         </c:rich>
       </c:tx>
+      <c:layout/>
       <c:overlay val="0"/>
       <c:spPr>
         <a:noFill/>
@@ -585,7 +582,7 @@
               </a:ln>
               <a:effectLst/>
             </c:spPr>
-            <c:extLst>
+            <c:extLst xmlns:c16r2="http://schemas.microsoft.com/office/drawing/2015/06/chart">
               <c:ext xmlns:c16="http://schemas.microsoft.com/office/drawing/2014/chart" uri="{C3380CC4-5D6E-409C-BE32-E72D297353CC}">
                 <c16:uniqueId val="{00000001-5090-4B98-BEFE-183D2A930987}"/>
               </c:ext>
@@ -604,7 +601,7 @@
               </a:ln>
               <a:effectLst/>
             </c:spPr>
-            <c:extLst>
+            <c:extLst xmlns:c16r2="http://schemas.microsoft.com/office/drawing/2015/06/chart">
               <c:ext xmlns:c16="http://schemas.microsoft.com/office/drawing/2014/chart" uri="{C3380CC4-5D6E-409C-BE32-E72D297353CC}">
                 <c16:uniqueId val="{00000003-5090-4B98-BEFE-183D2A930987}"/>
               </c:ext>
@@ -651,7 +648,7 @@
               </c:numCache>
             </c:numRef>
           </c:val>
-          <c:extLst>
+          <c:extLst xmlns:c16r2="http://schemas.microsoft.com/office/drawing/2015/06/chart">
             <c:ext xmlns:c16="http://schemas.microsoft.com/office/drawing/2014/chart" uri="{C3380CC4-5D6E-409C-BE32-E72D297353CC}">
               <c16:uniqueId val="{00000004-5090-4B98-BEFE-183D2A930987}"/>
             </c:ext>
@@ -714,7 +711,7 @@
               </c:numCache>
             </c:numRef>
           </c:val>
-          <c:extLst>
+          <c:extLst xmlns:c16r2="http://schemas.microsoft.com/office/drawing/2015/06/chart">
             <c:ext xmlns:c16="http://schemas.microsoft.com/office/drawing/2014/chart" uri="{C3380CC4-5D6E-409C-BE32-E72D297353CC}">
               <c16:uniqueId val="{00000005-5090-4B98-BEFE-183D2A930987}"/>
             </c:ext>
@@ -730,11 +727,11 @@
         </c:dLbls>
         <c:gapWidth val="150"/>
         <c:overlap val="100"/>
-        <c:axId val="1482967504"/>
-        <c:axId val="1482970768"/>
+        <c:axId val="-745032752"/>
+        <c:axId val="-745032208"/>
       </c:barChart>
       <c:catAx>
-        <c:axId val="1482967504"/>
+        <c:axId val="-745032752"/>
         <c:scaling>
           <c:orientation val="minMax"/>
         </c:scaling>
@@ -777,7 +774,7 @@
             <a:endParaRPr lang="en-US"/>
           </a:p>
         </c:txPr>
-        <c:crossAx val="1482970768"/>
+        <c:crossAx val="-745032208"/>
         <c:crosses val="autoZero"/>
         <c:auto val="1"/>
         <c:lblAlgn val="ctr"/>
@@ -785,7 +782,7 @@
         <c:noMultiLvlLbl val="0"/>
       </c:catAx>
       <c:valAx>
-        <c:axId val="1482970768"/>
+        <c:axId val="-745032208"/>
         <c:scaling>
           <c:orientation val="minMax"/>
         </c:scaling>
@@ -836,7 +833,7 @@
             <a:endParaRPr lang="en-US"/>
           </a:p>
         </c:txPr>
-        <c:crossAx val="1482967504"/>
+        <c:crossAx val="-745032752"/>
         <c:crosses val="autoZero"/>
         <c:crossBetween val="between"/>
       </c:valAx>
@@ -850,6 +847,7 @@
     </c:plotArea>
     <c:legend>
       <c:legendPos val="b"/>
+      <c:layout/>
       <c:overlay val="0"/>
       <c:spPr>
         <a:noFill/>
@@ -2451,7 +2449,7 @@
           </a:lstStyle>
           <a:p>
             <a:r>
-              <a:rPr lang="en-US"/>
+              <a:rPr lang="en-US" smtClean="0"/>
               <a:t>Click to edit Master title style</a:t>
             </a:r>
             <a:endParaRPr lang="en-US" dirty="0"/>
@@ -2571,7 +2569,7 @@
           </a:lstStyle>
           <a:p>
             <a:r>
-              <a:rPr lang="en-US"/>
+              <a:rPr lang="en-US" smtClean="0"/>
               <a:t>Click to edit Master subtitle style</a:t>
             </a:r>
             <a:endParaRPr lang="en-US" dirty="0"/>
@@ -2594,7 +2592,7 @@
           <a:lstStyle/>
           <a:p>
             <a:fld id="{B61BEF0D-F0BB-DE4B-95CE-6DB70DBA9567}" type="datetimeFigureOut">
-              <a:rPr lang="en-US" dirty="0"/>
+              <a:rPr lang="en-US" smtClean="0"/>
               <a:pPr/>
               <a:t>4/23/2017</a:t>
             </a:fld>
@@ -2724,7 +2722,7 @@
           <a:lstStyle/>
           <a:p>
             <a:fld id="{D57F1E4F-1CFF-5643-939E-217C01CDF565}" type="slidenum">
-              <a:rPr lang="en-US" dirty="0"/>
+              <a:rPr lang="en-US" smtClean="0"/>
               <a:pPr/>
               <a:t>‹#›</a:t>
             </a:fld>
@@ -2733,6 +2731,11 @@
         </p:txBody>
       </p:sp>
     </p:spTree>
+    <p:extLst>
+      <p:ext uri="{BB962C8B-B14F-4D97-AF65-F5344CB8AC3E}">
+        <p14:creationId xmlns:p14="http://schemas.microsoft.com/office/powerpoint/2010/main" val="2132491299"/>
+      </p:ext>
+    </p:extLst>
   </p:cSld>
   <p:clrMapOvr>
     <a:masterClrMapping/>
@@ -2784,7 +2787,7 @@
           </a:lstStyle>
           <a:p>
             <a:r>
-              <a:rPr lang="en-US"/>
+              <a:rPr lang="en-US" smtClean="0"/>
               <a:t>Click to edit Master title style</a:t>
             </a:r>
             <a:endParaRPr lang="en-US" dirty="0"/>
@@ -2907,8 +2910,8 @@
           <a:p>
             <a:pPr lvl="0"/>
             <a:r>
-              <a:rPr lang="en-US"/>
-              <a:t>Edit Master text styles</a:t>
+              <a:rPr lang="en-US" smtClean="0"/>
+              <a:t>Click to edit Master text styles</a:t>
             </a:r>
           </a:p>
         </p:txBody>
@@ -2929,7 +2932,7 @@
           <a:lstStyle/>
           <a:p>
             <a:fld id="{B61BEF0D-F0BB-DE4B-95CE-6DB70DBA9567}" type="datetimeFigureOut">
-              <a:rPr lang="en-US" dirty="0"/>
+              <a:rPr lang="en-US" smtClean="0"/>
               <a:pPr/>
               <a:t>4/23/2017</a:t>
             </a:fld>
@@ -3059,7 +3062,7 @@
           <a:lstStyle/>
           <a:p>
             <a:fld id="{D57F1E4F-1CFF-5643-939E-217C01CDF565}" type="slidenum">
-              <a:rPr lang="en-US" dirty="0"/>
+              <a:rPr lang="en-US" smtClean="0"/>
               <a:pPr/>
               <a:t>‹#›</a:t>
             </a:fld>
@@ -3068,6 +3071,11 @@
         </p:txBody>
       </p:sp>
     </p:spTree>
+    <p:extLst>
+      <p:ext uri="{BB962C8B-B14F-4D97-AF65-F5344CB8AC3E}">
+        <p14:creationId xmlns:p14="http://schemas.microsoft.com/office/powerpoint/2010/main" val="4034578299"/>
+      </p:ext>
+    </p:extLst>
   </p:cSld>
   <p:clrMapOvr>
     <a:masterClrMapping/>
@@ -3119,7 +3127,7 @@
           </a:lstStyle>
           <a:p>
             <a:r>
-              <a:rPr lang="en-US"/>
+              <a:rPr lang="en-US" smtClean="0"/>
               <a:t>Click to edit Master title style</a:t>
             </a:r>
             <a:endParaRPr lang="en-US" dirty="0"/>
@@ -3183,8 +3191,8 @@
           <a:p>
             <a:pPr lvl="0"/>
             <a:r>
-              <a:rPr lang="en-US"/>
-              <a:t>Edit Master text styles</a:t>
+              <a:rPr lang="en-US" smtClean="0"/>
+              <a:t>Click to edit Master text styles</a:t>
             </a:r>
           </a:p>
         </p:txBody>
@@ -3305,8 +3313,8 @@
           <a:p>
             <a:pPr lvl="0"/>
             <a:r>
-              <a:rPr lang="en-US"/>
-              <a:t>Edit Master text styles</a:t>
+              <a:rPr lang="en-US" smtClean="0"/>
+              <a:t>Click to edit Master text styles</a:t>
             </a:r>
           </a:p>
         </p:txBody>
@@ -3327,7 +3335,7 @@
           <a:lstStyle/>
           <a:p>
             <a:fld id="{B61BEF0D-F0BB-DE4B-95CE-6DB70DBA9567}" type="datetimeFigureOut">
-              <a:rPr lang="en-US" dirty="0"/>
+              <a:rPr lang="en-US" smtClean="0"/>
               <a:pPr/>
               <a:t>4/23/2017</a:t>
             </a:fld>
@@ -3457,7 +3465,7 @@
           <a:lstStyle/>
           <a:p>
             <a:fld id="{D57F1E4F-1CFF-5643-939E-217C01CDF565}" type="slidenum">
-              <a:rPr lang="en-US" dirty="0"/>
+              <a:rPr lang="en-US" smtClean="0"/>
               <a:pPr/>
               <a:t>‹#›</a:t>
             </a:fld>
@@ -3542,6 +3550,11 @@
         </p:txBody>
       </p:sp>
     </p:spTree>
+    <p:extLst>
+      <p:ext uri="{BB962C8B-B14F-4D97-AF65-F5344CB8AC3E}">
+        <p14:creationId xmlns:p14="http://schemas.microsoft.com/office/powerpoint/2010/main" val="1825912"/>
+      </p:ext>
+    </p:extLst>
   </p:cSld>
   <p:clrMapOvr>
     <a:masterClrMapping/>
@@ -3593,7 +3606,7 @@
           </a:lstStyle>
           <a:p>
             <a:r>
-              <a:rPr lang="en-US"/>
+              <a:rPr lang="en-US" smtClean="0"/>
               <a:t>Click to edit Master title style</a:t>
             </a:r>
             <a:endParaRPr lang="en-US" dirty="0"/>
@@ -3638,8 +3651,8 @@
               <a:buNone/>
             </a:pPr>
             <a:r>
-              <a:rPr lang="en-US"/>
-              <a:t>Edit Master text styles</a:t>
+              <a:rPr lang="en-US" smtClean="0"/>
+              <a:t>Click to edit Master text styles</a:t>
             </a:r>
           </a:p>
         </p:txBody>
@@ -3660,7 +3673,7 @@
           <a:lstStyle/>
           <a:p>
             <a:fld id="{B61BEF0D-F0BB-DE4B-95CE-6DB70DBA9567}" type="datetimeFigureOut">
-              <a:rPr lang="en-US" dirty="0"/>
+              <a:rPr lang="en-US" smtClean="0"/>
               <a:pPr/>
               <a:t>4/23/2017</a:t>
             </a:fld>
@@ -3790,7 +3803,7 @@
           <a:lstStyle/>
           <a:p>
             <a:fld id="{D57F1E4F-1CFF-5643-939E-217C01CDF565}" type="slidenum">
-              <a:rPr lang="en-US" dirty="0"/>
+              <a:rPr lang="en-US" smtClean="0"/>
               <a:pPr/>
               <a:t>‹#›</a:t>
             </a:fld>
@@ -3799,6 +3812,11 @@
         </p:txBody>
       </p:sp>
     </p:spTree>
+    <p:extLst>
+      <p:ext uri="{BB962C8B-B14F-4D97-AF65-F5344CB8AC3E}">
+        <p14:creationId xmlns:p14="http://schemas.microsoft.com/office/powerpoint/2010/main" val="4140837678"/>
+      </p:ext>
+    </p:extLst>
   </p:cSld>
   <p:clrMapOvr>
     <a:masterClrMapping/>
@@ -3850,7 +3868,7 @@
           </a:lstStyle>
           <a:p>
             <a:r>
-              <a:rPr lang="en-US"/>
+              <a:rPr lang="en-US" smtClean="0"/>
               <a:t>Click to edit Master title style</a:t>
             </a:r>
             <a:endParaRPr lang="en-US" dirty="0"/>
@@ -3911,8 +3929,8 @@
           <a:p>
             <a:pPr lvl="0"/>
             <a:r>
-              <a:rPr lang="en-US"/>
-              <a:t>Edit Master text styles</a:t>
+              <a:rPr lang="en-US" smtClean="0"/>
+              <a:t>Click to edit Master text styles</a:t>
             </a:r>
           </a:p>
         </p:txBody>
@@ -3955,8 +3973,8 @@
               <a:buNone/>
             </a:pPr>
             <a:r>
-              <a:rPr lang="en-US"/>
-              <a:t>Edit Master text styles</a:t>
+              <a:rPr lang="en-US" smtClean="0"/>
+              <a:t>Click to edit Master text styles</a:t>
             </a:r>
           </a:p>
         </p:txBody>
@@ -3977,7 +3995,7 @@
           <a:lstStyle/>
           <a:p>
             <a:fld id="{B61BEF0D-F0BB-DE4B-95CE-6DB70DBA9567}" type="datetimeFigureOut">
-              <a:rPr lang="en-US" dirty="0"/>
+              <a:rPr lang="en-US" smtClean="0"/>
               <a:pPr/>
               <a:t>4/23/2017</a:t>
             </a:fld>
@@ -4107,7 +4125,7 @@
           <a:lstStyle/>
           <a:p>
             <a:fld id="{D57F1E4F-1CFF-5643-939E-217C01CDF565}" type="slidenum">
-              <a:rPr lang="en-US" dirty="0"/>
+              <a:rPr lang="en-US" smtClean="0"/>
               <a:pPr/>
               <a:t>‹#›</a:t>
             </a:fld>
@@ -4192,6 +4210,11 @@
         </p:txBody>
       </p:sp>
     </p:spTree>
+    <p:extLst>
+      <p:ext uri="{BB962C8B-B14F-4D97-AF65-F5344CB8AC3E}">
+        <p14:creationId xmlns:p14="http://schemas.microsoft.com/office/powerpoint/2010/main" val="424860035"/>
+      </p:ext>
+    </p:extLst>
   </p:cSld>
   <p:clrMapOvr>
     <a:masterClrMapping/>
@@ -4243,7 +4266,7 @@
           </a:lstStyle>
           <a:p>
             <a:r>
-              <a:rPr lang="en-US"/>
+              <a:rPr lang="en-US" smtClean="0"/>
               <a:t>Click to edit Master title style</a:t>
             </a:r>
             <a:endParaRPr lang="en-US" dirty="0"/>
@@ -4304,8 +4327,8 @@
           <a:p>
             <a:pPr lvl="0"/>
             <a:r>
-              <a:rPr lang="en-US"/>
-              <a:t>Edit Master text styles</a:t>
+              <a:rPr lang="en-US" smtClean="0"/>
+              <a:t>Click to edit Master text styles</a:t>
             </a:r>
           </a:p>
         </p:txBody>
@@ -4348,8 +4371,8 @@
               <a:buNone/>
             </a:pPr>
             <a:r>
-              <a:rPr lang="en-US"/>
-              <a:t>Edit Master text styles</a:t>
+              <a:rPr lang="en-US" smtClean="0"/>
+              <a:t>Click to edit Master text styles</a:t>
             </a:r>
           </a:p>
         </p:txBody>
@@ -4370,7 +4393,7 @@
           <a:lstStyle/>
           <a:p>
             <a:fld id="{B61BEF0D-F0BB-DE4B-95CE-6DB70DBA9567}" type="datetimeFigureOut">
-              <a:rPr lang="en-US" dirty="0"/>
+              <a:rPr lang="en-US" smtClean="0"/>
               <a:pPr/>
               <a:t>4/23/2017</a:t>
             </a:fld>
@@ -4500,7 +4523,7 @@
           <a:lstStyle/>
           <a:p>
             <a:fld id="{D57F1E4F-1CFF-5643-939E-217C01CDF565}" type="slidenum">
-              <a:rPr lang="en-US" dirty="0"/>
+              <a:rPr lang="en-US" smtClean="0"/>
               <a:pPr/>
               <a:t>‹#›</a:t>
             </a:fld>
@@ -4509,6 +4532,11 @@
         </p:txBody>
       </p:sp>
     </p:spTree>
+    <p:extLst>
+      <p:ext uri="{BB962C8B-B14F-4D97-AF65-F5344CB8AC3E}">
+        <p14:creationId xmlns:p14="http://schemas.microsoft.com/office/powerpoint/2010/main" val="448083822"/>
+      </p:ext>
+    </p:extLst>
   </p:cSld>
   <p:clrMapOvr>
     <a:masterClrMapping/>
@@ -4549,7 +4577,7 @@
           <a:lstStyle/>
           <a:p>
             <a:r>
-              <a:rPr lang="en-US"/>
+              <a:rPr lang="en-US" smtClean="0"/>
               <a:t>Click to edit Master title style</a:t>
             </a:r>
             <a:endParaRPr lang="en-US" dirty="0"/>
@@ -4573,35 +4601,35 @@
           <a:p>
             <a:pPr lvl="0"/>
             <a:r>
-              <a:rPr lang="en-US"/>
-              <a:t>Edit Master text styles</a:t>
+              <a:rPr lang="en-US" smtClean="0"/>
+              <a:t>Click to edit Master text styles</a:t>
             </a:r>
           </a:p>
           <a:p>
             <a:pPr lvl="1"/>
             <a:r>
-              <a:rPr lang="en-US"/>
+              <a:rPr lang="en-US" smtClean="0"/>
               <a:t>Second level</a:t>
             </a:r>
           </a:p>
           <a:p>
             <a:pPr lvl="2"/>
             <a:r>
-              <a:rPr lang="en-US"/>
+              <a:rPr lang="en-US" smtClean="0"/>
               <a:t>Third level</a:t>
             </a:r>
           </a:p>
           <a:p>
             <a:pPr lvl="3"/>
             <a:r>
-              <a:rPr lang="en-US"/>
+              <a:rPr lang="en-US" smtClean="0"/>
               <a:t>Fourth level</a:t>
             </a:r>
           </a:p>
           <a:p>
             <a:pPr lvl="4"/>
             <a:r>
-              <a:rPr lang="en-US"/>
+              <a:rPr lang="en-US" smtClean="0"/>
               <a:t>Fifth level</a:t>
             </a:r>
             <a:endParaRPr lang="en-US" dirty="0"/>
@@ -4624,7 +4652,7 @@
           <a:lstStyle/>
           <a:p>
             <a:fld id="{B61BEF0D-F0BB-DE4B-95CE-6DB70DBA9567}" type="datetimeFigureOut">
-              <a:rPr lang="en-US" dirty="0"/>
+              <a:rPr lang="en-US" smtClean="0"/>
               <a:pPr/>
               <a:t>4/23/2017</a:t>
             </a:fld>
@@ -4749,7 +4777,7 @@
           <a:lstStyle/>
           <a:p>
             <a:fld id="{D57F1E4F-1CFF-5643-939E-217C01CDF565}" type="slidenum">
-              <a:rPr lang="en-US" dirty="0"/>
+              <a:rPr lang="en-US" smtClean="0"/>
               <a:pPr/>
               <a:t>‹#›</a:t>
             </a:fld>
@@ -4758,6 +4786,11 @@
         </p:txBody>
       </p:sp>
     </p:spTree>
+    <p:extLst>
+      <p:ext uri="{BB962C8B-B14F-4D97-AF65-F5344CB8AC3E}">
+        <p14:creationId xmlns:p14="http://schemas.microsoft.com/office/powerpoint/2010/main" val="2541626957"/>
+      </p:ext>
+    </p:extLst>
   </p:cSld>
   <p:clrMapOvr>
     <a:masterClrMapping/>
@@ -4803,7 +4836,7 @@
           <a:lstStyle/>
           <a:p>
             <a:r>
-              <a:rPr lang="en-US"/>
+              <a:rPr lang="en-US" smtClean="0"/>
               <a:t>Click to edit Master title style</a:t>
             </a:r>
             <a:endParaRPr lang="en-US" dirty="0"/>
@@ -4832,35 +4865,35 @@
           <a:p>
             <a:pPr lvl="0"/>
             <a:r>
-              <a:rPr lang="en-US"/>
-              <a:t>Edit Master text styles</a:t>
+              <a:rPr lang="en-US" smtClean="0"/>
+              <a:t>Click to edit Master text styles</a:t>
             </a:r>
           </a:p>
           <a:p>
             <a:pPr lvl="1"/>
             <a:r>
-              <a:rPr lang="en-US"/>
+              <a:rPr lang="en-US" smtClean="0"/>
               <a:t>Second level</a:t>
             </a:r>
           </a:p>
           <a:p>
             <a:pPr lvl="2"/>
             <a:r>
-              <a:rPr lang="en-US"/>
+              <a:rPr lang="en-US" smtClean="0"/>
               <a:t>Third level</a:t>
             </a:r>
           </a:p>
           <a:p>
             <a:pPr lvl="3"/>
             <a:r>
-              <a:rPr lang="en-US"/>
+              <a:rPr lang="en-US" smtClean="0"/>
               <a:t>Fourth level</a:t>
             </a:r>
           </a:p>
           <a:p>
             <a:pPr lvl="4"/>
             <a:r>
-              <a:rPr lang="en-US"/>
+              <a:rPr lang="en-US" smtClean="0"/>
               <a:t>Fifth level</a:t>
             </a:r>
             <a:endParaRPr lang="en-US" dirty="0"/>
@@ -4883,7 +4916,7 @@
           <a:lstStyle/>
           <a:p>
             <a:fld id="{B61BEF0D-F0BB-DE4B-95CE-6DB70DBA9567}" type="datetimeFigureOut">
-              <a:rPr lang="en-US" dirty="0"/>
+              <a:rPr lang="en-US" smtClean="0"/>
               <a:pPr/>
               <a:t>4/23/2017</a:t>
             </a:fld>
@@ -5008,7 +5041,7 @@
           <a:lstStyle/>
           <a:p>
             <a:fld id="{D57F1E4F-1CFF-5643-939E-217C01CDF565}" type="slidenum">
-              <a:rPr lang="en-US" dirty="0"/>
+              <a:rPr lang="en-US" smtClean="0"/>
               <a:pPr/>
               <a:t>‹#›</a:t>
             </a:fld>
@@ -5017,6 +5050,11 @@
         </p:txBody>
       </p:sp>
     </p:spTree>
+    <p:extLst>
+      <p:ext uri="{BB962C8B-B14F-4D97-AF65-F5344CB8AC3E}">
+        <p14:creationId xmlns:p14="http://schemas.microsoft.com/office/powerpoint/2010/main" val="380012882"/>
+      </p:ext>
+    </p:extLst>
   </p:cSld>
   <p:clrMapOvr>
     <a:masterClrMapping/>
@@ -5062,7 +5100,7 @@
           <a:lstStyle/>
           <a:p>
             <a:r>
-              <a:rPr lang="en-US"/>
+              <a:rPr lang="en-US" smtClean="0"/>
               <a:t>Click to edit Master title style</a:t>
             </a:r>
             <a:endParaRPr lang="en-US" dirty="0"/>
@@ -5091,35 +5129,35 @@
           <a:p>
             <a:pPr lvl="0"/>
             <a:r>
-              <a:rPr lang="en-US"/>
-              <a:t>Edit Master text styles</a:t>
+              <a:rPr lang="en-US" smtClean="0"/>
+              <a:t>Click to edit Master text styles</a:t>
             </a:r>
           </a:p>
           <a:p>
             <a:pPr lvl="1"/>
             <a:r>
-              <a:rPr lang="en-US"/>
+              <a:rPr lang="en-US" smtClean="0"/>
               <a:t>Second level</a:t>
             </a:r>
           </a:p>
           <a:p>
             <a:pPr lvl="2"/>
             <a:r>
-              <a:rPr lang="en-US"/>
+              <a:rPr lang="en-US" smtClean="0"/>
               <a:t>Third level</a:t>
             </a:r>
           </a:p>
           <a:p>
             <a:pPr lvl="3"/>
             <a:r>
-              <a:rPr lang="en-US"/>
+              <a:rPr lang="en-US" smtClean="0"/>
               <a:t>Fourth level</a:t>
             </a:r>
           </a:p>
           <a:p>
             <a:pPr lvl="4"/>
             <a:r>
-              <a:rPr lang="en-US"/>
+              <a:rPr lang="en-US" smtClean="0"/>
               <a:t>Fifth level</a:t>
             </a:r>
             <a:endParaRPr lang="en-US" dirty="0"/>
@@ -5142,7 +5180,7 @@
           <a:lstStyle/>
           <a:p>
             <a:fld id="{B61BEF0D-F0BB-DE4B-95CE-6DB70DBA9567}" type="datetimeFigureOut">
-              <a:rPr lang="en-US" dirty="0"/>
+              <a:rPr lang="en-US" smtClean="0"/>
               <a:pPr/>
               <a:t>4/23/2017</a:t>
             </a:fld>
@@ -5267,7 +5305,7 @@
           <a:lstStyle/>
           <a:p>
             <a:fld id="{D57F1E4F-1CFF-5643-939E-217C01CDF565}" type="slidenum">
-              <a:rPr lang="en-US" dirty="0"/>
+              <a:rPr lang="en-US" smtClean="0"/>
               <a:pPr/>
               <a:t>‹#›</a:t>
             </a:fld>
@@ -5276,6 +5314,11 @@
         </p:txBody>
       </p:sp>
     </p:spTree>
+    <p:extLst>
+      <p:ext uri="{BB962C8B-B14F-4D97-AF65-F5344CB8AC3E}">
+        <p14:creationId xmlns:p14="http://schemas.microsoft.com/office/powerpoint/2010/main" val="4275396025"/>
+      </p:ext>
+    </p:extLst>
   </p:cSld>
   <p:clrMapOvr>
     <a:masterClrMapping/>
@@ -5325,7 +5368,7 @@
           </a:lstStyle>
           <a:p>
             <a:r>
-              <a:rPr lang="en-US"/>
+              <a:rPr lang="en-US" smtClean="0"/>
               <a:t>Click to edit Master title style</a:t>
             </a:r>
             <a:endParaRPr lang="en-US" dirty="0"/>
@@ -5446,8 +5489,8 @@
           <a:p>
             <a:pPr lvl="0"/>
             <a:r>
-              <a:rPr lang="en-US"/>
-              <a:t>Edit Master text styles</a:t>
+              <a:rPr lang="en-US" smtClean="0"/>
+              <a:t>Click to edit Master text styles</a:t>
             </a:r>
           </a:p>
         </p:txBody>
@@ -5468,7 +5511,7 @@
           <a:lstStyle/>
           <a:p>
             <a:fld id="{B61BEF0D-F0BB-DE4B-95CE-6DB70DBA9567}" type="datetimeFigureOut">
-              <a:rPr lang="en-US" dirty="0"/>
+              <a:rPr lang="en-US" smtClean="0"/>
               <a:pPr/>
               <a:t>4/23/2017</a:t>
             </a:fld>
@@ -5598,7 +5641,7 @@
           <a:lstStyle/>
           <a:p>
             <a:fld id="{D57F1E4F-1CFF-5643-939E-217C01CDF565}" type="slidenum">
-              <a:rPr lang="en-US" dirty="0"/>
+              <a:rPr lang="en-US" smtClean="0"/>
               <a:pPr/>
               <a:t>‹#›</a:t>
             </a:fld>
@@ -5607,6 +5650,11 @@
         </p:txBody>
       </p:sp>
     </p:spTree>
+    <p:extLst>
+      <p:ext uri="{BB962C8B-B14F-4D97-AF65-F5344CB8AC3E}">
+        <p14:creationId xmlns:p14="http://schemas.microsoft.com/office/powerpoint/2010/main" val="4258614118"/>
+      </p:ext>
+    </p:extLst>
   </p:cSld>
   <p:clrMapOvr>
     <a:masterClrMapping/>
@@ -5647,7 +5695,7 @@
           <a:lstStyle/>
           <a:p>
             <a:r>
-              <a:rPr lang="en-US"/>
+              <a:rPr lang="en-US" smtClean="0"/>
               <a:t>Click to edit Master title style</a:t>
             </a:r>
             <a:endParaRPr lang="en-US" dirty="0"/>
@@ -5678,35 +5726,35 @@
           <a:p>
             <a:pPr lvl="0"/>
             <a:r>
-              <a:rPr lang="en-US"/>
-              <a:t>Edit Master text styles</a:t>
+              <a:rPr lang="en-US" smtClean="0"/>
+              <a:t>Click to edit Master text styles</a:t>
             </a:r>
           </a:p>
           <a:p>
             <a:pPr lvl="1"/>
             <a:r>
-              <a:rPr lang="en-US"/>
+              <a:rPr lang="en-US" smtClean="0"/>
               <a:t>Second level</a:t>
             </a:r>
           </a:p>
           <a:p>
             <a:pPr lvl="2"/>
             <a:r>
-              <a:rPr lang="en-US"/>
+              <a:rPr lang="en-US" smtClean="0"/>
               <a:t>Third level</a:t>
             </a:r>
           </a:p>
           <a:p>
             <a:pPr lvl="3"/>
             <a:r>
-              <a:rPr lang="en-US"/>
+              <a:rPr lang="en-US" smtClean="0"/>
               <a:t>Fourth level</a:t>
             </a:r>
           </a:p>
           <a:p>
             <a:pPr lvl="4"/>
             <a:r>
-              <a:rPr lang="en-US"/>
+              <a:rPr lang="en-US" smtClean="0"/>
               <a:t>Fifth level</a:t>
             </a:r>
             <a:endParaRPr lang="en-US" dirty="0"/>
@@ -5737,35 +5785,35 @@
           <a:p>
             <a:pPr lvl="0"/>
             <a:r>
-              <a:rPr lang="en-US"/>
-              <a:t>Edit Master text styles</a:t>
+              <a:rPr lang="en-US" smtClean="0"/>
+              <a:t>Click to edit Master text styles</a:t>
             </a:r>
           </a:p>
           <a:p>
             <a:pPr lvl="1"/>
             <a:r>
-              <a:rPr lang="en-US"/>
+              <a:rPr lang="en-US" smtClean="0"/>
               <a:t>Second level</a:t>
             </a:r>
           </a:p>
           <a:p>
             <a:pPr lvl="2"/>
             <a:r>
-              <a:rPr lang="en-US"/>
+              <a:rPr lang="en-US" smtClean="0"/>
               <a:t>Third level</a:t>
             </a:r>
           </a:p>
           <a:p>
             <a:pPr lvl="3"/>
             <a:r>
-              <a:rPr lang="en-US"/>
+              <a:rPr lang="en-US" smtClean="0"/>
               <a:t>Fourth level</a:t>
             </a:r>
           </a:p>
           <a:p>
             <a:pPr lvl="4"/>
             <a:r>
-              <a:rPr lang="en-US"/>
+              <a:rPr lang="en-US" smtClean="0"/>
               <a:t>Fifth level</a:t>
             </a:r>
             <a:endParaRPr lang="en-US" dirty="0"/>
@@ -5788,7 +5836,7 @@
           <a:lstStyle/>
           <a:p>
             <a:fld id="{B61BEF0D-F0BB-DE4B-95CE-6DB70DBA9567}" type="datetimeFigureOut">
-              <a:rPr lang="en-US" dirty="0"/>
+              <a:rPr lang="en-US" smtClean="0"/>
               <a:pPr/>
               <a:t>4/23/2017</a:t>
             </a:fld>
@@ -5918,7 +5966,7 @@
           <a:lstStyle/>
           <a:p>
             <a:fld id="{D57F1E4F-1CFF-5643-939E-217C01CDF565}" type="slidenum">
-              <a:rPr lang="en-US" dirty="0"/>
+              <a:rPr lang="en-US" smtClean="0"/>
               <a:pPr/>
               <a:t>‹#›</a:t>
             </a:fld>
@@ -5927,6 +5975,11 @@
         </p:txBody>
       </p:sp>
     </p:spTree>
+    <p:extLst>
+      <p:ext uri="{BB962C8B-B14F-4D97-AF65-F5344CB8AC3E}">
+        <p14:creationId xmlns:p14="http://schemas.microsoft.com/office/powerpoint/2010/main" val="1718672828"/>
+      </p:ext>
+    </p:extLst>
   </p:cSld>
   <p:clrMapOvr>
     <a:masterClrMapping/>
@@ -5967,7 +6020,7 @@
           <a:lstStyle/>
           <a:p>
             <a:r>
-              <a:rPr lang="en-US"/>
+              <a:rPr lang="en-US" smtClean="0"/>
               <a:t>Click to edit Master title style</a:t>
             </a:r>
             <a:endParaRPr lang="en-US" dirty="0"/>
@@ -6035,8 +6088,8 @@
           <a:p>
             <a:pPr lvl="0"/>
             <a:r>
-              <a:rPr lang="en-US"/>
-              <a:t>Edit Master text styles</a:t>
+              <a:rPr lang="en-US" smtClean="0"/>
+              <a:t>Click to edit Master text styles</a:t>
             </a:r>
           </a:p>
         </p:txBody>
@@ -6065,35 +6118,35 @@
           <a:p>
             <a:pPr lvl="0"/>
             <a:r>
-              <a:rPr lang="en-US"/>
-              <a:t>Edit Master text styles</a:t>
+              <a:rPr lang="en-US" smtClean="0"/>
+              <a:t>Click to edit Master text styles</a:t>
             </a:r>
           </a:p>
           <a:p>
             <a:pPr lvl="1"/>
             <a:r>
-              <a:rPr lang="en-US"/>
+              <a:rPr lang="en-US" smtClean="0"/>
               <a:t>Second level</a:t>
             </a:r>
           </a:p>
           <a:p>
             <a:pPr lvl="2"/>
             <a:r>
-              <a:rPr lang="en-US"/>
+              <a:rPr lang="en-US" smtClean="0"/>
               <a:t>Third level</a:t>
             </a:r>
           </a:p>
           <a:p>
             <a:pPr lvl="3"/>
             <a:r>
-              <a:rPr lang="en-US"/>
+              <a:rPr lang="en-US" smtClean="0"/>
               <a:t>Fourth level</a:t>
             </a:r>
           </a:p>
           <a:p>
             <a:pPr lvl="4"/>
             <a:r>
-              <a:rPr lang="en-US"/>
+              <a:rPr lang="en-US" smtClean="0"/>
               <a:t>Fifth level</a:t>
             </a:r>
             <a:endParaRPr lang="en-US" dirty="0"/>
@@ -6161,8 +6214,8 @@
           <a:p>
             <a:pPr lvl="0"/>
             <a:r>
-              <a:rPr lang="en-US"/>
-              <a:t>Edit Master text styles</a:t>
+              <a:rPr lang="en-US" smtClean="0"/>
+              <a:t>Click to edit Master text styles</a:t>
             </a:r>
           </a:p>
         </p:txBody>
@@ -6191,35 +6244,35 @@
           <a:p>
             <a:pPr lvl="0"/>
             <a:r>
-              <a:rPr lang="en-US"/>
-              <a:t>Edit Master text styles</a:t>
+              <a:rPr lang="en-US" smtClean="0"/>
+              <a:t>Click to edit Master text styles</a:t>
             </a:r>
           </a:p>
           <a:p>
             <a:pPr lvl="1"/>
             <a:r>
-              <a:rPr lang="en-US"/>
+              <a:rPr lang="en-US" smtClean="0"/>
               <a:t>Second level</a:t>
             </a:r>
           </a:p>
           <a:p>
             <a:pPr lvl="2"/>
             <a:r>
-              <a:rPr lang="en-US"/>
+              <a:rPr lang="en-US" smtClean="0"/>
               <a:t>Third level</a:t>
             </a:r>
           </a:p>
           <a:p>
             <a:pPr lvl="3"/>
             <a:r>
-              <a:rPr lang="en-US"/>
+              <a:rPr lang="en-US" smtClean="0"/>
               <a:t>Fourth level</a:t>
             </a:r>
           </a:p>
           <a:p>
             <a:pPr lvl="4"/>
             <a:r>
-              <a:rPr lang="en-US"/>
+              <a:rPr lang="en-US" smtClean="0"/>
               <a:t>Fifth level</a:t>
             </a:r>
             <a:endParaRPr lang="en-US" dirty="0"/>
@@ -6242,7 +6295,7 @@
           <a:lstStyle/>
           <a:p>
             <a:fld id="{B61BEF0D-F0BB-DE4B-95CE-6DB70DBA9567}" type="datetimeFigureOut">
-              <a:rPr lang="en-US" dirty="0"/>
+              <a:rPr lang="en-US" smtClean="0"/>
               <a:pPr/>
               <a:t>4/23/2017</a:t>
             </a:fld>
@@ -6372,7 +6425,7 @@
           <a:lstStyle/>
           <a:p>
             <a:fld id="{D57F1E4F-1CFF-5643-939E-217C01CDF565}" type="slidenum">
-              <a:rPr lang="en-US" dirty="0"/>
+              <a:rPr lang="en-US" smtClean="0"/>
               <a:pPr/>
               <a:t>‹#›</a:t>
             </a:fld>
@@ -6381,6 +6434,11 @@
         </p:txBody>
       </p:sp>
     </p:spTree>
+    <p:extLst>
+      <p:ext uri="{BB962C8B-B14F-4D97-AF65-F5344CB8AC3E}">
+        <p14:creationId xmlns:p14="http://schemas.microsoft.com/office/powerpoint/2010/main" val="3853661490"/>
+      </p:ext>
+    </p:extLst>
   </p:cSld>
   <p:clrMapOvr>
     <a:masterClrMapping/>
@@ -6421,7 +6479,7 @@
           <a:lstStyle/>
           <a:p>
             <a:r>
-              <a:rPr lang="en-US"/>
+              <a:rPr lang="en-US" smtClean="0"/>
               <a:t>Click to edit Master title style</a:t>
             </a:r>
             <a:endParaRPr lang="en-US" dirty="0"/>
@@ -6444,7 +6502,7 @@
           <a:lstStyle/>
           <a:p>
             <a:fld id="{B61BEF0D-F0BB-DE4B-95CE-6DB70DBA9567}" type="datetimeFigureOut">
-              <a:rPr lang="en-US" dirty="0"/>
+              <a:rPr lang="en-US" smtClean="0"/>
               <a:pPr/>
               <a:t>4/23/2017</a:t>
             </a:fld>
@@ -6569,7 +6627,7 @@
           <a:lstStyle/>
           <a:p>
             <a:fld id="{D57F1E4F-1CFF-5643-939E-217C01CDF565}" type="slidenum">
-              <a:rPr lang="en-US" dirty="0"/>
+              <a:rPr lang="en-US" smtClean="0"/>
               <a:pPr/>
               <a:t>‹#›</a:t>
             </a:fld>
@@ -6578,6 +6636,11 @@
         </p:txBody>
       </p:sp>
     </p:spTree>
+    <p:extLst>
+      <p:ext uri="{BB962C8B-B14F-4D97-AF65-F5344CB8AC3E}">
+        <p14:creationId xmlns:p14="http://schemas.microsoft.com/office/powerpoint/2010/main" val="449395192"/>
+      </p:ext>
+    </p:extLst>
   </p:cSld>
   <p:clrMapOvr>
     <a:masterClrMapping/>
@@ -6618,7 +6681,7 @@
           <a:lstStyle/>
           <a:p>
             <a:fld id="{B61BEF0D-F0BB-DE4B-95CE-6DB70DBA9567}" type="datetimeFigureOut">
-              <a:rPr lang="en-US" dirty="0"/>
+              <a:rPr lang="en-US" smtClean="0"/>
               <a:pPr/>
               <a:t>4/23/2017</a:t>
             </a:fld>
@@ -6743,7 +6806,7 @@
           <a:lstStyle/>
           <a:p>
             <a:fld id="{D57F1E4F-1CFF-5643-939E-217C01CDF565}" type="slidenum">
-              <a:rPr lang="en-US" dirty="0"/>
+              <a:rPr lang="en-US" smtClean="0"/>
               <a:pPr/>
               <a:t>‹#›</a:t>
             </a:fld>
@@ -6752,6 +6815,11 @@
         </p:txBody>
       </p:sp>
     </p:spTree>
+    <p:extLst>
+      <p:ext uri="{BB962C8B-B14F-4D97-AF65-F5344CB8AC3E}">
+        <p14:creationId xmlns:p14="http://schemas.microsoft.com/office/powerpoint/2010/main" val="960324074"/>
+      </p:ext>
+    </p:extLst>
   </p:cSld>
   <p:clrMapOvr>
     <a:masterClrMapping/>
@@ -6801,7 +6869,7 @@
           </a:lstStyle>
           <a:p>
             <a:r>
-              <a:rPr lang="en-US"/>
+              <a:rPr lang="en-US" smtClean="0"/>
               <a:t>Click to edit Master title style</a:t>
             </a:r>
             <a:endParaRPr lang="en-US" dirty="0"/>
@@ -6832,35 +6900,35 @@
           <a:p>
             <a:pPr lvl="0"/>
             <a:r>
-              <a:rPr lang="en-US"/>
-              <a:t>Edit Master text styles</a:t>
+              <a:rPr lang="en-US" smtClean="0"/>
+              <a:t>Click to edit Master text styles</a:t>
             </a:r>
           </a:p>
           <a:p>
             <a:pPr lvl="1"/>
             <a:r>
-              <a:rPr lang="en-US"/>
+              <a:rPr lang="en-US" smtClean="0"/>
               <a:t>Second level</a:t>
             </a:r>
           </a:p>
           <a:p>
             <a:pPr lvl="2"/>
             <a:r>
-              <a:rPr lang="en-US"/>
+              <a:rPr lang="en-US" smtClean="0"/>
               <a:t>Third level</a:t>
             </a:r>
           </a:p>
           <a:p>
             <a:pPr lvl="3"/>
             <a:r>
-              <a:rPr lang="en-US"/>
+              <a:rPr lang="en-US" smtClean="0"/>
               <a:t>Fourth level</a:t>
             </a:r>
           </a:p>
           <a:p>
             <a:pPr lvl="4"/>
             <a:r>
-              <a:rPr lang="en-US"/>
+              <a:rPr lang="en-US" smtClean="0"/>
               <a:t>Fifth level</a:t>
             </a:r>
             <a:endParaRPr lang="en-US" dirty="0"/>
@@ -6926,8 +6994,8 @@
           <a:p>
             <a:pPr lvl="0"/>
             <a:r>
-              <a:rPr lang="en-US"/>
-              <a:t>Edit Master text styles</a:t>
+              <a:rPr lang="en-US" smtClean="0"/>
+              <a:t>Click to edit Master text styles</a:t>
             </a:r>
           </a:p>
         </p:txBody>
@@ -6948,7 +7016,7 @@
           <a:lstStyle/>
           <a:p>
             <a:fld id="{B61BEF0D-F0BB-DE4B-95CE-6DB70DBA9567}" type="datetimeFigureOut">
-              <a:rPr lang="en-US" dirty="0"/>
+              <a:rPr lang="en-US" smtClean="0"/>
               <a:pPr/>
               <a:t>4/23/2017</a:t>
             </a:fld>
@@ -7073,7 +7141,7 @@
           <a:lstStyle/>
           <a:p>
             <a:fld id="{D57F1E4F-1CFF-5643-939E-217C01CDF565}" type="slidenum">
-              <a:rPr lang="en-US" dirty="0"/>
+              <a:rPr lang="en-US" smtClean="0"/>
               <a:pPr/>
               <a:t>‹#›</a:t>
             </a:fld>
@@ -7082,6 +7150,11 @@
         </p:txBody>
       </p:sp>
     </p:spTree>
+    <p:extLst>
+      <p:ext uri="{BB962C8B-B14F-4D97-AF65-F5344CB8AC3E}">
+        <p14:creationId xmlns:p14="http://schemas.microsoft.com/office/powerpoint/2010/main" val="2340858930"/>
+      </p:ext>
+    </p:extLst>
   </p:cSld>
   <p:clrMapOvr>
     <a:masterClrMapping/>
@@ -7133,7 +7206,7 @@
           </a:lstStyle>
           <a:p>
             <a:r>
-              <a:rPr lang="en-US"/>
+              <a:rPr lang="en-US" smtClean="0"/>
               <a:t>Click to edit Master title style</a:t>
             </a:r>
             <a:endParaRPr lang="en-US" dirty="0"/>
@@ -7200,7 +7273,7 @@
           </a:lstStyle>
           <a:p>
             <a:r>
-              <a:rPr lang="en-US"/>
+              <a:rPr lang="en-US" smtClean="0"/>
               <a:t>Click icon to add picture</a:t>
             </a:r>
             <a:endParaRPr lang="en-US" dirty="0"/>
@@ -7268,8 +7341,8 @@
           <a:p>
             <a:pPr lvl="0"/>
             <a:r>
-              <a:rPr lang="en-US"/>
-              <a:t>Edit Master text styles</a:t>
+              <a:rPr lang="en-US" smtClean="0"/>
+              <a:t>Click to edit Master text styles</a:t>
             </a:r>
           </a:p>
         </p:txBody>
@@ -7290,7 +7363,7 @@
           <a:lstStyle/>
           <a:p>
             <a:fld id="{B61BEF0D-F0BB-DE4B-95CE-6DB70DBA9567}" type="datetimeFigureOut">
-              <a:rPr lang="en-US" dirty="0"/>
+              <a:rPr lang="en-US" smtClean="0"/>
               <a:pPr/>
               <a:t>4/23/2017</a:t>
             </a:fld>
@@ -7420,7 +7493,7 @@
           <a:lstStyle/>
           <a:p>
             <a:fld id="{D57F1E4F-1CFF-5643-939E-217C01CDF565}" type="slidenum">
-              <a:rPr lang="en-US" dirty="0"/>
+              <a:rPr lang="en-US" smtClean="0"/>
               <a:pPr/>
               <a:t>‹#›</a:t>
             </a:fld>
@@ -7429,6 +7502,11 @@
         </p:txBody>
       </p:sp>
     </p:spTree>
+    <p:extLst>
+      <p:ext uri="{BB962C8B-B14F-4D97-AF65-F5344CB8AC3E}">
+        <p14:creationId xmlns:p14="http://schemas.microsoft.com/office/powerpoint/2010/main" val="1694167936"/>
+      </p:ext>
+    </p:extLst>
   </p:cSld>
   <p:clrMapOvr>
     <a:masterClrMapping/>
@@ -9301,7 +9379,7 @@
           <a:lstStyle/>
           <a:p>
             <a:r>
-              <a:rPr lang="en-US"/>
+              <a:rPr lang="en-US" smtClean="0"/>
               <a:t>Click to edit Master title style</a:t>
             </a:r>
             <a:endParaRPr lang="en-US" dirty="0"/>
@@ -9335,35 +9413,35 @@
           <a:p>
             <a:pPr lvl="0"/>
             <a:r>
-              <a:rPr lang="en-US"/>
-              <a:t>Edit Master text styles</a:t>
+              <a:rPr lang="en-US" smtClean="0"/>
+              <a:t>Click to edit Master text styles</a:t>
             </a:r>
           </a:p>
           <a:p>
             <a:pPr lvl="1"/>
             <a:r>
-              <a:rPr lang="en-US"/>
+              <a:rPr lang="en-US" smtClean="0"/>
               <a:t>Second level</a:t>
             </a:r>
           </a:p>
           <a:p>
             <a:pPr lvl="2"/>
             <a:r>
-              <a:rPr lang="en-US"/>
+              <a:rPr lang="en-US" smtClean="0"/>
               <a:t>Third level</a:t>
             </a:r>
           </a:p>
           <a:p>
             <a:pPr lvl="3"/>
             <a:r>
-              <a:rPr lang="en-US"/>
+              <a:rPr lang="en-US" smtClean="0"/>
               <a:t>Fourth level</a:t>
             </a:r>
           </a:p>
           <a:p>
             <a:pPr lvl="4"/>
             <a:r>
-              <a:rPr lang="en-US"/>
+              <a:rPr lang="en-US" smtClean="0"/>
               <a:t>Fifth level</a:t>
             </a:r>
             <a:endParaRPr lang="en-US" dirty="0"/>
@@ -9404,7 +9482,7 @@
           </a:lstStyle>
           <a:p>
             <a:fld id="{B61BEF0D-F0BB-DE4B-95CE-6DB70DBA9567}" type="datetimeFigureOut">
-              <a:rPr lang="en-US" dirty="0"/>
+              <a:rPr lang="en-US" smtClean="0"/>
               <a:pPr/>
               <a:t>4/23/2017</a:t>
             </a:fld>
@@ -9481,7 +9559,7 @@
           </a:lstStyle>
           <a:p>
             <a:fld id="{D57F1E4F-1CFF-5643-939E-217C01CDF565}" type="slidenum">
-              <a:rPr lang="en-US" dirty="0"/>
+              <a:rPr lang="en-US" smtClean="0"/>
               <a:pPr/>
               <a:t>‹#›</a:t>
             </a:fld>
@@ -9490,25 +9568,30 @@
         </p:txBody>
       </p:sp>
     </p:spTree>
+    <p:extLst>
+      <p:ext uri="{BB962C8B-B14F-4D97-AF65-F5344CB8AC3E}">
+        <p14:creationId xmlns:p14="http://schemas.microsoft.com/office/powerpoint/2010/main" val="3505912136"/>
+      </p:ext>
+    </p:extLst>
   </p:cSld>
   <p:clrMap bg1="lt1" tx1="dk1" bg2="lt2" tx2="dk2" accent1="accent1" accent2="accent2" accent3="accent3" accent4="accent4" accent5="accent5" accent6="accent6" hlink="hlink" folHlink="folHlink"/>
   <p:sldLayoutIdLst>
-    <p:sldLayoutId id="2147483649" r:id="rId1"/>
-    <p:sldLayoutId id="2147483650" r:id="rId2"/>
-    <p:sldLayoutId id="2147483651" r:id="rId3"/>
-    <p:sldLayoutId id="2147483652" r:id="rId4"/>
-    <p:sldLayoutId id="2147483653" r:id="rId5"/>
-    <p:sldLayoutId id="2147483654" r:id="rId6"/>
-    <p:sldLayoutId id="2147483655" r:id="rId7"/>
-    <p:sldLayoutId id="2147483656" r:id="rId8"/>
-    <p:sldLayoutId id="2147483657" r:id="rId9"/>
-    <p:sldLayoutId id="2147483660" r:id="rId10"/>
-    <p:sldLayoutId id="2147483661" r:id="rId11"/>
-    <p:sldLayoutId id="2147483662" r:id="rId12"/>
-    <p:sldLayoutId id="2147483663" r:id="rId13"/>
-    <p:sldLayoutId id="2147483664" r:id="rId14"/>
-    <p:sldLayoutId id="2147483658" r:id="rId15"/>
-    <p:sldLayoutId id="2147483659" r:id="rId16"/>
+    <p:sldLayoutId id="2147483683" r:id="rId1"/>
+    <p:sldLayoutId id="2147483684" r:id="rId2"/>
+    <p:sldLayoutId id="2147483685" r:id="rId3"/>
+    <p:sldLayoutId id="2147483686" r:id="rId4"/>
+    <p:sldLayoutId id="2147483687" r:id="rId5"/>
+    <p:sldLayoutId id="2147483688" r:id="rId6"/>
+    <p:sldLayoutId id="2147483689" r:id="rId7"/>
+    <p:sldLayoutId id="2147483690" r:id="rId8"/>
+    <p:sldLayoutId id="2147483691" r:id="rId9"/>
+    <p:sldLayoutId id="2147483692" r:id="rId10"/>
+    <p:sldLayoutId id="2147483693" r:id="rId11"/>
+    <p:sldLayoutId id="2147483694" r:id="rId12"/>
+    <p:sldLayoutId id="2147483695" r:id="rId13"/>
+    <p:sldLayoutId id="2147483696" r:id="rId14"/>
+    <p:sldLayoutId id="2147483697" r:id="rId15"/>
+    <p:sldLayoutId id="2147483698" r:id="rId16"/>
   </p:sldLayoutIdLst>
   <p:txStyles>
     <p:titleStyle>
@@ -9905,6 +9988,14 @@
 <file path=ppt/slides/slide1.xml><?xml version="1.0" encoding="utf-8"?>
 <p:sld xmlns:a="http://schemas.openxmlformats.org/drawingml/2006/main" xmlns:r="http://schemas.openxmlformats.org/officeDocument/2006/relationships" xmlns:p="http://schemas.openxmlformats.org/presentationml/2006/main">
   <p:cSld>
+    <p:bg>
+      <p:bgPr>
+        <a:solidFill>
+          <a:schemeClr val="bg1"/>
+        </a:solidFill>
+        <a:effectLst/>
+      </p:bgPr>
+    </p:bg>
     <p:spTree>
       <p:nvGrpSpPr>
         <p:cNvPr id="1" name=""/>
@@ -10010,12 +10101,27 @@
   <p:clrMapOvr>
     <a:masterClrMapping/>
   </p:clrMapOvr>
+  <p:timing>
+    <p:tnLst>
+      <p:par>
+        <p:cTn id="1" dur="indefinite" restart="never" nodeType="tmRoot"/>
+      </p:par>
+    </p:tnLst>
+  </p:timing>
 </p:sld>
 </file>
 
 <file path=ppt/slides/slide10.xml><?xml version="1.0" encoding="utf-8"?>
 <p:sld xmlns:a="http://schemas.openxmlformats.org/drawingml/2006/main" xmlns:r="http://schemas.openxmlformats.org/officeDocument/2006/relationships" xmlns:p="http://schemas.openxmlformats.org/presentationml/2006/main">
   <p:cSld>
+    <p:bg>
+      <p:bgPr>
+        <a:solidFill>
+          <a:schemeClr val="bg1"/>
+        </a:solidFill>
+        <a:effectLst/>
+      </p:bgPr>
+    </p:bg>
     <p:spTree>
       <p:nvGrpSpPr>
         <p:cNvPr id="1" name=""/>
@@ -10045,9 +10151,10 @@
           <a:bodyPr/>
           <a:lstStyle/>
           <a:p>
+            <a:pPr algn="ctr"/>
             <a:r>
               <a:rPr lang="en-US" dirty="0"/>
-              <a:t>Design</a:t>
+              <a:t>Evaluation Methodology</a:t>
             </a:r>
           </a:p>
         </p:txBody>
@@ -10064,18 +10171,1369 @@
         </p:nvSpPr>
         <p:spPr>
           <a:xfrm>
-            <a:off x="2589212" y="1970049"/>
+            <a:off x="2589212" y="1905000"/>
+            <a:ext cx="8915400" cy="4443760"/>
+          </a:xfrm>
+        </p:spPr>
+        <p:txBody>
+          <a:bodyPr>
+            <a:normAutofit/>
+          </a:bodyPr>
+          <a:lstStyle/>
+          <a:p>
+            <a:r>
+              <a:rPr lang="en-US" sz="2400" dirty="0"/>
+              <a:t>Provide it to 4 </a:t>
+            </a:r>
+            <a:r>
+              <a:rPr lang="en-US" sz="2400" dirty="0" smtClean="0"/>
+              <a:t>users</a:t>
+            </a:r>
+          </a:p>
+          <a:p>
+            <a:r>
+              <a:rPr lang="en-US" sz="2400" dirty="0" smtClean="0"/>
+              <a:t>User study for 5 days</a:t>
+            </a:r>
+            <a:r>
+              <a:rPr lang="en-US" sz="2400" dirty="0" smtClean="0"/>
+              <a:t> </a:t>
+            </a:r>
+            <a:endParaRPr lang="en-US" sz="2400" dirty="0"/>
+          </a:p>
+          <a:p>
+            <a:r>
+              <a:rPr lang="en-US" sz="2400" dirty="0" smtClean="0"/>
+              <a:t>2 </a:t>
+            </a:r>
+            <a:r>
+              <a:rPr lang="en-US" sz="2400" dirty="0"/>
+              <a:t>Users – </a:t>
+            </a:r>
+            <a:r>
+              <a:rPr lang="en-US" sz="2400" dirty="0" err="1"/>
+              <a:t>Prefetch</a:t>
+            </a:r>
+            <a:r>
+              <a:rPr lang="en-US" sz="2400" dirty="0"/>
+              <a:t> App , 2 Users – </a:t>
+            </a:r>
+            <a:r>
+              <a:rPr lang="en-US" sz="2400" dirty="0" err="1"/>
+              <a:t>Prefetch</a:t>
+            </a:r>
+            <a:r>
+              <a:rPr lang="en-US" sz="2400" dirty="0"/>
+              <a:t> Procrastinated  App</a:t>
+            </a:r>
+          </a:p>
+          <a:p>
+            <a:r>
+              <a:rPr lang="en-US" sz="2400" dirty="0"/>
+              <a:t>Track view </a:t>
+            </a:r>
+            <a:r>
+              <a:rPr lang="en-US" sz="2400" dirty="0" err="1" smtClean="0"/>
+              <a:t>prefetch</a:t>
+            </a:r>
+            <a:r>
+              <a:rPr lang="en-US" sz="2400" dirty="0" smtClean="0"/>
+              <a:t> correlation</a:t>
+            </a:r>
+            <a:endParaRPr lang="en-US" sz="2400" dirty="0"/>
+          </a:p>
+          <a:p>
+            <a:r>
+              <a:rPr lang="en-US" sz="2400" dirty="0"/>
+              <a:t>Track network data usage of app for each day per </a:t>
+            </a:r>
+            <a:r>
+              <a:rPr lang="en-US" sz="2400" dirty="0" smtClean="0"/>
+              <a:t>user</a:t>
+            </a:r>
+            <a:endParaRPr lang="en-US" sz="2400" dirty="0"/>
+          </a:p>
+          <a:p>
+            <a:endParaRPr lang="en-US" sz="2400" dirty="0"/>
+          </a:p>
+        </p:txBody>
+      </p:sp>
+    </p:spTree>
+    <p:extLst>
+      <p:ext uri="{BB962C8B-B14F-4D97-AF65-F5344CB8AC3E}">
+        <p14:creationId xmlns:p14="http://schemas.microsoft.com/office/powerpoint/2010/main" val="437405614"/>
+      </p:ext>
+    </p:extLst>
+  </p:cSld>
+  <p:clrMapOvr>
+    <a:masterClrMapping/>
+  </p:clrMapOvr>
+  <p:timing>
+    <p:tnLst>
+      <p:par>
+        <p:cTn id="1" dur="indefinite" restart="never" nodeType="tmRoot"/>
+      </p:par>
+    </p:tnLst>
+  </p:timing>
+</p:sld>
+</file>
+
+<file path=ppt/slides/slide11.xml><?xml version="1.0" encoding="utf-8"?>
+<p:sld xmlns:a="http://schemas.openxmlformats.org/drawingml/2006/main" xmlns:r="http://schemas.openxmlformats.org/officeDocument/2006/relationships" xmlns:p="http://schemas.openxmlformats.org/presentationml/2006/main">
+  <p:cSld>
+    <p:bg>
+      <p:bgPr>
+        <a:solidFill>
+          <a:schemeClr val="bg1"/>
+        </a:solidFill>
+        <a:effectLst/>
+      </p:bgPr>
+    </p:bg>
+    <p:spTree>
+      <p:nvGrpSpPr>
+        <p:cNvPr id="1" name=""/>
+        <p:cNvGrpSpPr/>
+        <p:nvPr/>
+      </p:nvGrpSpPr>
+      <p:grpSpPr>
+        <a:xfrm>
+          <a:off x="0" y="0"/>
+          <a:ext cx="0" cy="0"/>
+          <a:chOff x="0" y="0"/>
+          <a:chExt cx="0" cy="0"/>
+        </a:xfrm>
+      </p:grpSpPr>
+      <p:sp>
+        <p:nvSpPr>
+          <p:cNvPr id="2" name="Title 1"/>
+          <p:cNvSpPr>
+            <a:spLocks noGrp="1"/>
+          </p:cNvSpPr>
+          <p:nvPr>
+            <p:ph type="title"/>
+          </p:nvPr>
+        </p:nvSpPr>
+        <p:spPr>
+          <a:xfrm>
+            <a:off x="1953761" y="344710"/>
+            <a:ext cx="8911687" cy="1280890"/>
+          </a:xfrm>
+        </p:spPr>
+        <p:txBody>
+          <a:bodyPr/>
+          <a:lstStyle/>
+          <a:p>
+            <a:pPr algn="ctr"/>
+            <a:r>
+              <a:rPr lang="en-US" dirty="0"/>
+              <a:t>Results</a:t>
+            </a:r>
+          </a:p>
+        </p:txBody>
+      </p:sp>
+      <p:graphicFrame>
+        <p:nvGraphicFramePr>
+          <p:cNvPr id="4" name="Chart 3"/>
+          <p:cNvGraphicFramePr>
+            <a:graphicFrameLocks/>
+          </p:cNvGraphicFramePr>
+          <p:nvPr>
+            <p:extLst>
+              <p:ext uri="{D42A27DB-BD31-4B8C-83A1-F6EECF244321}">
+                <p14:modId xmlns:p14="http://schemas.microsoft.com/office/powerpoint/2010/main" val="2766821089"/>
+              </p:ext>
+            </p:extLst>
+          </p:nvPr>
+        </p:nvGraphicFramePr>
+        <p:xfrm>
+          <a:off x="1337733" y="1490133"/>
+          <a:ext cx="10634809" cy="4758267"/>
+        </p:xfrm>
+        <a:graphic>
+          <a:graphicData uri="http://schemas.openxmlformats.org/drawingml/2006/chart">
+            <c:chart xmlns:c="http://schemas.openxmlformats.org/drawingml/2006/chart" xmlns:r="http://schemas.openxmlformats.org/officeDocument/2006/relationships" r:id="rId2"/>
+          </a:graphicData>
+        </a:graphic>
+      </p:graphicFrame>
+    </p:spTree>
+    <p:extLst>
+      <p:ext uri="{BB962C8B-B14F-4D97-AF65-F5344CB8AC3E}">
+        <p14:creationId xmlns:p14="http://schemas.microsoft.com/office/powerpoint/2010/main" val="1480971764"/>
+      </p:ext>
+    </p:extLst>
+  </p:cSld>
+  <p:clrMapOvr>
+    <a:masterClrMapping/>
+  </p:clrMapOvr>
+  <p:timing>
+    <p:tnLst>
+      <p:par>
+        <p:cTn id="1" dur="indefinite" restart="never" nodeType="tmRoot"/>
+      </p:par>
+    </p:tnLst>
+  </p:timing>
+</p:sld>
+</file>
+
+<file path=ppt/slides/slide12.xml><?xml version="1.0" encoding="utf-8"?>
+<p:sld xmlns:a="http://schemas.openxmlformats.org/drawingml/2006/main" xmlns:r="http://schemas.openxmlformats.org/officeDocument/2006/relationships" xmlns:p="http://schemas.openxmlformats.org/presentationml/2006/main">
+  <p:cSld>
+    <p:bg>
+      <p:bgPr>
+        <a:solidFill>
+          <a:schemeClr val="bg1"/>
+        </a:solidFill>
+        <a:effectLst/>
+      </p:bgPr>
+    </p:bg>
+    <p:spTree>
+      <p:nvGrpSpPr>
+        <p:cNvPr id="1" name=""/>
+        <p:cNvGrpSpPr/>
+        <p:nvPr/>
+      </p:nvGrpSpPr>
+      <p:grpSpPr>
+        <a:xfrm>
+          <a:off x="0" y="0"/>
+          <a:ext cx="0" cy="0"/>
+          <a:chOff x="0" y="0"/>
+          <a:chExt cx="0" cy="0"/>
+        </a:xfrm>
+      </p:grpSpPr>
+      <p:sp>
+        <p:nvSpPr>
+          <p:cNvPr id="2" name="Title 1"/>
+          <p:cNvSpPr>
+            <a:spLocks noGrp="1"/>
+          </p:cNvSpPr>
+          <p:nvPr>
+            <p:ph type="title"/>
+          </p:nvPr>
+        </p:nvSpPr>
+        <p:spPr>
+          <a:xfrm>
+            <a:off x="1864792" y="522510"/>
+            <a:ext cx="8911687" cy="1280890"/>
+          </a:xfrm>
+        </p:spPr>
+        <p:txBody>
+          <a:bodyPr/>
+          <a:lstStyle/>
+          <a:p>
+            <a:pPr algn="ctr"/>
+            <a:r>
+              <a:rPr lang="en-US" dirty="0"/>
+              <a:t>Results – Procrastinated vs </a:t>
+            </a:r>
+            <a:br>
+              <a:rPr lang="en-US" dirty="0"/>
+            </a:br>
+            <a:r>
+              <a:rPr lang="en-US" dirty="0"/>
+              <a:t>Non Procrastinated</a:t>
+            </a:r>
+          </a:p>
+        </p:txBody>
+      </p:sp>
+      <p:graphicFrame>
+        <p:nvGraphicFramePr>
+          <p:cNvPr id="5" name="Chart 4"/>
+          <p:cNvGraphicFramePr>
+            <a:graphicFrameLocks/>
+          </p:cNvGraphicFramePr>
+          <p:nvPr>
+            <p:extLst>
+              <p:ext uri="{D42A27DB-BD31-4B8C-83A1-F6EECF244321}">
+                <p14:modId xmlns:p14="http://schemas.microsoft.com/office/powerpoint/2010/main" val="1472571515"/>
+              </p:ext>
+            </p:extLst>
+          </p:nvPr>
+        </p:nvGraphicFramePr>
+        <p:xfrm>
+          <a:off x="2269067" y="1803399"/>
+          <a:ext cx="8144935" cy="4715933"/>
+        </p:xfrm>
+        <a:graphic>
+          <a:graphicData uri="http://schemas.openxmlformats.org/drawingml/2006/chart">
+            <c:chart xmlns:c="http://schemas.openxmlformats.org/drawingml/2006/chart" xmlns:r="http://schemas.openxmlformats.org/officeDocument/2006/relationships" r:id="rId2"/>
+          </a:graphicData>
+        </a:graphic>
+      </p:graphicFrame>
+    </p:spTree>
+    <p:extLst>
+      <p:ext uri="{BB962C8B-B14F-4D97-AF65-F5344CB8AC3E}">
+        <p14:creationId xmlns:p14="http://schemas.microsoft.com/office/powerpoint/2010/main" val="1427784178"/>
+      </p:ext>
+    </p:extLst>
+  </p:cSld>
+  <p:clrMapOvr>
+    <a:masterClrMapping/>
+  </p:clrMapOvr>
+  <p:timing>
+    <p:tnLst>
+      <p:par>
+        <p:cTn id="1" dur="indefinite" restart="never" nodeType="tmRoot"/>
+      </p:par>
+    </p:tnLst>
+  </p:timing>
+</p:sld>
+</file>
+
+<file path=ppt/slides/slide13.xml><?xml version="1.0" encoding="utf-8"?>
+<p:sld xmlns:a="http://schemas.openxmlformats.org/drawingml/2006/main" xmlns:r="http://schemas.openxmlformats.org/officeDocument/2006/relationships" xmlns:p="http://schemas.openxmlformats.org/presentationml/2006/main">
+  <p:cSld>
+    <p:bg>
+      <p:bgPr>
+        <a:solidFill>
+          <a:schemeClr val="bg1"/>
+        </a:solidFill>
+        <a:effectLst/>
+      </p:bgPr>
+    </p:bg>
+    <p:spTree>
+      <p:nvGrpSpPr>
+        <p:cNvPr id="1" name=""/>
+        <p:cNvGrpSpPr/>
+        <p:nvPr/>
+      </p:nvGrpSpPr>
+      <p:grpSpPr>
+        <a:xfrm>
+          <a:off x="0" y="0"/>
+          <a:ext cx="0" cy="0"/>
+          <a:chOff x="0" y="0"/>
+          <a:chExt cx="0" cy="0"/>
+        </a:xfrm>
+      </p:grpSpPr>
+      <p:sp>
+        <p:nvSpPr>
+          <p:cNvPr id="2" name="Title 1"/>
+          <p:cNvSpPr>
+            <a:spLocks noGrp="1"/>
+          </p:cNvSpPr>
+          <p:nvPr>
+            <p:ph type="title"/>
+          </p:nvPr>
+        </p:nvSpPr>
+        <p:spPr/>
+        <p:txBody>
+          <a:bodyPr/>
+          <a:lstStyle/>
+          <a:p>
+            <a:pPr algn="ctr"/>
+            <a:r>
+              <a:rPr lang="en-US" dirty="0"/>
+              <a:t>Results Summary</a:t>
+            </a:r>
+          </a:p>
+        </p:txBody>
+      </p:sp>
+      <p:sp>
+        <p:nvSpPr>
+          <p:cNvPr id="3" name="Content Placeholder 2"/>
+          <p:cNvSpPr>
+            <a:spLocks noGrp="1"/>
+          </p:cNvSpPr>
+          <p:nvPr>
+            <p:ph idx="1"/>
+          </p:nvPr>
+        </p:nvSpPr>
+        <p:spPr/>
+        <p:txBody>
+          <a:bodyPr>
+            <a:normAutofit/>
+          </a:bodyPr>
+          <a:lstStyle/>
+          <a:p>
+            <a:r>
+              <a:rPr lang="en-US" sz="2400" dirty="0"/>
+              <a:t>Comparing User 4 to User 1 yields 27% savings in data</a:t>
+            </a:r>
+          </a:p>
+          <a:p>
+            <a:r>
+              <a:rPr lang="en-US" sz="2400" dirty="0"/>
+              <a:t>Comparing User 3 to User 1 yields 41% savings in data</a:t>
+            </a:r>
+          </a:p>
+          <a:p>
+            <a:r>
+              <a:rPr lang="en-US" sz="2400" dirty="0"/>
+              <a:t>User 4 VPC &gt; User 3 VPC. Hence User 4 consumes more data.</a:t>
+            </a:r>
+          </a:p>
+          <a:p>
+            <a:r>
+              <a:rPr lang="en-US" sz="2400" dirty="0"/>
+              <a:t>Mean Saving of 34%</a:t>
+            </a:r>
+          </a:p>
+          <a:p>
+            <a:endParaRPr lang="en-US" sz="2400" dirty="0"/>
+          </a:p>
+        </p:txBody>
+      </p:sp>
+    </p:spTree>
+    <p:extLst>
+      <p:ext uri="{BB962C8B-B14F-4D97-AF65-F5344CB8AC3E}">
+        <p14:creationId xmlns:p14="http://schemas.microsoft.com/office/powerpoint/2010/main" val="1286010416"/>
+      </p:ext>
+    </p:extLst>
+  </p:cSld>
+  <p:clrMapOvr>
+    <a:masterClrMapping/>
+  </p:clrMapOvr>
+  <p:timing>
+    <p:tnLst>
+      <p:par>
+        <p:cTn id="1" dur="indefinite" restart="never" nodeType="tmRoot"/>
+      </p:par>
+    </p:tnLst>
+  </p:timing>
+</p:sld>
+</file>
+
+<file path=ppt/slides/slide14.xml><?xml version="1.0" encoding="utf-8"?>
+<p:sld xmlns:a="http://schemas.openxmlformats.org/drawingml/2006/main" xmlns:r="http://schemas.openxmlformats.org/officeDocument/2006/relationships" xmlns:p="http://schemas.openxmlformats.org/presentationml/2006/main">
+  <p:cSld>
+    <p:bg>
+      <p:bgPr>
+        <a:solidFill>
+          <a:schemeClr val="bg1"/>
+        </a:solidFill>
+        <a:effectLst/>
+      </p:bgPr>
+    </p:bg>
+    <p:spTree>
+      <p:nvGrpSpPr>
+        <p:cNvPr id="1" name=""/>
+        <p:cNvGrpSpPr/>
+        <p:nvPr/>
+      </p:nvGrpSpPr>
+      <p:grpSpPr>
+        <a:xfrm>
+          <a:off x="0" y="0"/>
+          <a:ext cx="0" cy="0"/>
+          <a:chOff x="0" y="0"/>
+          <a:chExt cx="0" cy="0"/>
+        </a:xfrm>
+      </p:grpSpPr>
+      <p:sp>
+        <p:nvSpPr>
+          <p:cNvPr id="2" name="Title 1"/>
+          <p:cNvSpPr>
+            <a:spLocks noGrp="1"/>
+          </p:cNvSpPr>
+          <p:nvPr>
+            <p:ph type="title"/>
+          </p:nvPr>
+        </p:nvSpPr>
+        <p:spPr/>
+        <p:txBody>
+          <a:bodyPr/>
+          <a:lstStyle/>
+          <a:p>
+            <a:pPr algn="ctr"/>
+            <a:r>
+              <a:rPr lang="en-US" dirty="0"/>
+              <a:t>Limitations</a:t>
+            </a:r>
+          </a:p>
+        </p:txBody>
+      </p:sp>
+      <p:sp>
+        <p:nvSpPr>
+          <p:cNvPr id="3" name="Content Placeholder 2"/>
+          <p:cNvSpPr>
+            <a:spLocks noGrp="1"/>
+          </p:cNvSpPr>
+          <p:nvPr>
+            <p:ph idx="1"/>
+          </p:nvPr>
+        </p:nvSpPr>
+        <p:spPr/>
+        <p:txBody>
+          <a:bodyPr>
+            <a:normAutofit/>
+          </a:bodyPr>
+          <a:lstStyle/>
+          <a:p>
+            <a:r>
+              <a:rPr lang="en-US" sz="2400" dirty="0"/>
+              <a:t>Limited to one pattern </a:t>
+            </a:r>
+            <a:r>
+              <a:rPr lang="en-US" sz="2400" dirty="0" smtClean="0"/>
+              <a:t>only </a:t>
+            </a:r>
+            <a:endParaRPr lang="en-US" sz="2400" dirty="0"/>
+          </a:p>
+          <a:p>
+            <a:r>
+              <a:rPr lang="en-US" sz="2400" dirty="0"/>
+              <a:t>Limited to Java source </a:t>
+            </a:r>
+            <a:r>
+              <a:rPr lang="en-US" sz="2400" dirty="0" smtClean="0"/>
+              <a:t>code</a:t>
+            </a:r>
+          </a:p>
+          <a:p>
+            <a:r>
+              <a:rPr lang="en-US" sz="2400" dirty="0" smtClean="0"/>
+              <a:t>Requires developer involvement</a:t>
+            </a:r>
+          </a:p>
+          <a:p>
+            <a:endParaRPr lang="en-US" sz="2400" dirty="0"/>
+          </a:p>
+        </p:txBody>
+      </p:sp>
+    </p:spTree>
+    <p:extLst>
+      <p:ext uri="{BB962C8B-B14F-4D97-AF65-F5344CB8AC3E}">
+        <p14:creationId xmlns:p14="http://schemas.microsoft.com/office/powerpoint/2010/main" val="1095983116"/>
+      </p:ext>
+    </p:extLst>
+  </p:cSld>
+  <p:clrMapOvr>
+    <a:masterClrMapping/>
+  </p:clrMapOvr>
+  <p:timing>
+    <p:tnLst>
+      <p:par>
+        <p:cTn id="1" dur="indefinite" restart="never" nodeType="tmRoot"/>
+      </p:par>
+    </p:tnLst>
+  </p:timing>
+</p:sld>
+</file>
+
+<file path=ppt/slides/slide15.xml><?xml version="1.0" encoding="utf-8"?>
+<p:sld xmlns:a="http://schemas.openxmlformats.org/drawingml/2006/main" xmlns:r="http://schemas.openxmlformats.org/officeDocument/2006/relationships" xmlns:p="http://schemas.openxmlformats.org/presentationml/2006/main">
+  <p:cSld>
+    <p:bg>
+      <p:bgPr>
+        <a:solidFill>
+          <a:schemeClr val="bg1"/>
+        </a:solidFill>
+        <a:effectLst/>
+      </p:bgPr>
+    </p:bg>
+    <p:spTree>
+      <p:nvGrpSpPr>
+        <p:cNvPr id="1" name=""/>
+        <p:cNvGrpSpPr/>
+        <p:nvPr/>
+      </p:nvGrpSpPr>
+      <p:grpSpPr>
+        <a:xfrm>
+          <a:off x="0" y="0"/>
+          <a:ext cx="0" cy="0"/>
+          <a:chOff x="0" y="0"/>
+          <a:chExt cx="0" cy="0"/>
+        </a:xfrm>
+      </p:grpSpPr>
+      <p:sp>
+        <p:nvSpPr>
+          <p:cNvPr id="2" name="Title 1"/>
+          <p:cNvSpPr>
+            <a:spLocks noGrp="1"/>
+          </p:cNvSpPr>
+          <p:nvPr>
+            <p:ph type="title"/>
+          </p:nvPr>
+        </p:nvSpPr>
+        <p:spPr/>
+        <p:txBody>
+          <a:bodyPr/>
+          <a:lstStyle/>
+          <a:p>
+            <a:r>
+              <a:rPr lang="en-US" dirty="0"/>
+              <a:t>Potential Future Work</a:t>
+            </a:r>
+          </a:p>
+        </p:txBody>
+      </p:sp>
+      <p:sp>
+        <p:nvSpPr>
+          <p:cNvPr id="3" name="Content Placeholder 2"/>
+          <p:cNvSpPr>
+            <a:spLocks noGrp="1"/>
+          </p:cNvSpPr>
+          <p:nvPr>
+            <p:ph idx="1"/>
+          </p:nvPr>
+        </p:nvSpPr>
+        <p:spPr/>
+        <p:txBody>
+          <a:bodyPr>
+            <a:normAutofit/>
+          </a:bodyPr>
+          <a:lstStyle/>
+          <a:p>
+            <a:r>
+              <a:rPr lang="en-US" sz="2400" dirty="0"/>
+              <a:t>Implement for POST based </a:t>
+            </a:r>
+            <a:r>
+              <a:rPr lang="en-US" sz="2400" dirty="0" err="1" smtClean="0"/>
+              <a:t>prefetch</a:t>
+            </a:r>
+            <a:r>
+              <a:rPr lang="en-US" sz="2400" dirty="0" smtClean="0"/>
+              <a:t> </a:t>
+            </a:r>
+            <a:endParaRPr lang="en-US" sz="2400" dirty="0"/>
+          </a:p>
+          <a:p>
+            <a:r>
+              <a:rPr lang="en-US" sz="2400" dirty="0" smtClean="0"/>
+              <a:t>Analyze at Byte Code level</a:t>
+            </a:r>
+          </a:p>
+          <a:p>
+            <a:r>
+              <a:rPr lang="en-US" sz="2400" dirty="0" smtClean="0"/>
+              <a:t>Identify </a:t>
+            </a:r>
+            <a:r>
+              <a:rPr lang="en-US" sz="2400" dirty="0"/>
+              <a:t>more patterns</a:t>
+            </a:r>
+          </a:p>
+          <a:p>
+            <a:pPr marL="0" indent="0">
+              <a:buNone/>
+            </a:pPr>
+            <a:endParaRPr lang="en-US" sz="2400" dirty="0"/>
+          </a:p>
+        </p:txBody>
+      </p:sp>
+    </p:spTree>
+    <p:extLst>
+      <p:ext uri="{BB962C8B-B14F-4D97-AF65-F5344CB8AC3E}">
+        <p14:creationId xmlns:p14="http://schemas.microsoft.com/office/powerpoint/2010/main" val="1045082269"/>
+      </p:ext>
+    </p:extLst>
+  </p:cSld>
+  <p:clrMapOvr>
+    <a:masterClrMapping/>
+  </p:clrMapOvr>
+  <p:timing>
+    <p:tnLst>
+      <p:par>
+        <p:cTn id="1" dur="indefinite" restart="never" nodeType="tmRoot"/>
+      </p:par>
+    </p:tnLst>
+  </p:timing>
+</p:sld>
+</file>
+
+<file path=ppt/slides/slide2.xml><?xml version="1.0" encoding="utf-8"?>
+<p:sld xmlns:a="http://schemas.openxmlformats.org/drawingml/2006/main" xmlns:r="http://schemas.openxmlformats.org/officeDocument/2006/relationships" xmlns:p="http://schemas.openxmlformats.org/presentationml/2006/main">
+  <p:cSld>
+    <p:bg>
+      <p:bgPr>
+        <a:solidFill>
+          <a:schemeClr val="bg1"/>
+        </a:solidFill>
+        <a:effectLst/>
+      </p:bgPr>
+    </p:bg>
+    <p:spTree>
+      <p:nvGrpSpPr>
+        <p:cNvPr id="1" name=""/>
+        <p:cNvGrpSpPr/>
+        <p:nvPr/>
+      </p:nvGrpSpPr>
+      <p:grpSpPr>
+        <a:xfrm>
+          <a:off x="0" y="0"/>
+          <a:ext cx="0" cy="0"/>
+          <a:chOff x="0" y="0"/>
+          <a:chExt cx="0" cy="0"/>
+        </a:xfrm>
+      </p:grpSpPr>
+      <p:sp>
+        <p:nvSpPr>
+          <p:cNvPr id="2" name="Title 1"/>
+          <p:cNvSpPr>
+            <a:spLocks noGrp="1"/>
+          </p:cNvSpPr>
+          <p:nvPr>
+            <p:ph type="title"/>
+          </p:nvPr>
+        </p:nvSpPr>
+        <p:spPr>
+          <a:xfrm>
+            <a:off x="1678525" y="200777"/>
+            <a:ext cx="8911687" cy="1280890"/>
+          </a:xfrm>
+        </p:spPr>
+        <p:txBody>
+          <a:bodyPr/>
+          <a:lstStyle/>
+          <a:p>
+            <a:pPr algn="ctr"/>
+            <a:r>
+              <a:rPr lang="en-US" dirty="0"/>
+              <a:t>Project Description</a:t>
+            </a:r>
+          </a:p>
+        </p:txBody>
+      </p:sp>
+      <p:sp>
+        <p:nvSpPr>
+          <p:cNvPr id="3" name="Content Placeholder 2"/>
+          <p:cNvSpPr>
+            <a:spLocks noGrp="1"/>
+          </p:cNvSpPr>
+          <p:nvPr>
+            <p:ph idx="1"/>
+          </p:nvPr>
+        </p:nvSpPr>
+        <p:spPr>
+          <a:xfrm>
+            <a:off x="1499616" y="1292352"/>
+            <a:ext cx="10004996" cy="5462016"/>
+          </a:xfrm>
+        </p:spPr>
+        <p:txBody>
+          <a:bodyPr>
+            <a:normAutofit lnSpcReduction="10000"/>
+          </a:bodyPr>
+          <a:lstStyle/>
+          <a:p>
+            <a:r>
+              <a:rPr lang="en-US" sz="2400" spc="-1" dirty="0">
+                <a:uFill>
+                  <a:solidFill>
+                    <a:srgbClr val="FFFFFF"/>
+                  </a:solidFill>
+                </a:uFill>
+              </a:rPr>
+              <a:t>Prefetched contents at the time of launch gets rendered quickly and improves user experience</a:t>
+            </a:r>
+          </a:p>
+          <a:p>
+            <a:endParaRPr lang="en-US" sz="2000" spc="-1" dirty="0">
+              <a:uFill>
+                <a:solidFill>
+                  <a:srgbClr val="FFFFFF"/>
+                </a:solidFill>
+              </a:uFill>
+              <a:latin typeface="Trebuchet MS"/>
+            </a:endParaRPr>
+          </a:p>
+          <a:p>
+            <a:endParaRPr lang="en-US" sz="2000" spc="-1" dirty="0">
+              <a:uFill>
+                <a:solidFill>
+                  <a:srgbClr val="FFFFFF"/>
+                </a:solidFill>
+              </a:uFill>
+              <a:latin typeface="Trebuchet MS"/>
+            </a:endParaRPr>
+          </a:p>
+          <a:p>
+            <a:endParaRPr lang="en-US" sz="2000" spc="-1" dirty="0">
+              <a:uFill>
+                <a:solidFill>
+                  <a:srgbClr val="FFFFFF"/>
+                </a:solidFill>
+              </a:uFill>
+              <a:latin typeface="Trebuchet MS"/>
+            </a:endParaRPr>
+          </a:p>
+          <a:p>
+            <a:endParaRPr lang="en-US" sz="2000" spc="-1" dirty="0">
+              <a:uFill>
+                <a:solidFill>
+                  <a:srgbClr val="FFFFFF"/>
+                </a:solidFill>
+              </a:uFill>
+              <a:latin typeface="Trebuchet MS"/>
+            </a:endParaRPr>
+          </a:p>
+          <a:p>
+            <a:endParaRPr lang="en-US" sz="2000" spc="-1" dirty="0">
+              <a:uFill>
+                <a:solidFill>
+                  <a:srgbClr val="FFFFFF"/>
+                </a:solidFill>
+              </a:uFill>
+              <a:latin typeface="Trebuchet MS"/>
+            </a:endParaRPr>
+          </a:p>
+          <a:p>
+            <a:endParaRPr lang="en-US" sz="2000" spc="-1" dirty="0">
+              <a:uFill>
+                <a:solidFill>
+                  <a:srgbClr val="FFFFFF"/>
+                </a:solidFill>
+              </a:uFill>
+              <a:latin typeface="Trebuchet MS"/>
+            </a:endParaRPr>
+          </a:p>
+          <a:p>
+            <a:endParaRPr lang="en-US" sz="2000" spc="-1" dirty="0">
+              <a:uFill>
+                <a:solidFill>
+                  <a:srgbClr val="FFFFFF"/>
+                </a:solidFill>
+              </a:uFill>
+              <a:latin typeface="Trebuchet MS"/>
+            </a:endParaRPr>
+          </a:p>
+          <a:p>
+            <a:endParaRPr lang="en-US" sz="2000" spc="-1" dirty="0">
+              <a:uFill>
+                <a:solidFill>
+                  <a:srgbClr val="FFFFFF"/>
+                </a:solidFill>
+              </a:uFill>
+              <a:latin typeface="Trebuchet MS"/>
+            </a:endParaRPr>
+          </a:p>
+          <a:p>
+            <a:endParaRPr lang="en-US" sz="2000" spc="-1" dirty="0">
+              <a:uFill>
+                <a:solidFill>
+                  <a:srgbClr val="FFFFFF"/>
+                </a:solidFill>
+              </a:uFill>
+              <a:latin typeface="Trebuchet MS"/>
+            </a:endParaRPr>
+          </a:p>
+          <a:p>
+            <a:endParaRPr lang="en-US" sz="2000" spc="-1" dirty="0">
+              <a:uFill>
+                <a:solidFill>
+                  <a:srgbClr val="FFFFFF"/>
+                </a:solidFill>
+              </a:uFill>
+              <a:latin typeface="Trebuchet MS"/>
+            </a:endParaRPr>
+          </a:p>
+          <a:p>
+            <a:r>
+              <a:rPr lang="en-US" sz="2400" spc="-1" dirty="0">
+                <a:uFill>
+                  <a:solidFill>
+                    <a:srgbClr val="FFFFFF"/>
+                  </a:solidFill>
+                </a:uFill>
+              </a:rPr>
+              <a:t>Unavoidable data usage</a:t>
+            </a:r>
+          </a:p>
+          <a:p>
+            <a:endParaRPr lang="en-US" sz="2000" spc="-1" dirty="0">
+              <a:uFill>
+                <a:solidFill>
+                  <a:srgbClr val="FFFFFF"/>
+                </a:solidFill>
+              </a:uFill>
+              <a:latin typeface="Trebuchet MS"/>
+            </a:endParaRPr>
+          </a:p>
+          <a:p>
+            <a:endParaRPr lang="en-US" sz="2000" dirty="0"/>
+          </a:p>
+        </p:txBody>
+      </p:sp>
+      <p:pic>
+        <p:nvPicPr>
+          <p:cNvPr id="5" name="Picture 4"/>
+          <p:cNvPicPr/>
+          <p:nvPr/>
+        </p:nvPicPr>
+        <p:blipFill>
+          <a:blip r:embed="rId2"/>
+          <a:srcRect t="23276"/>
+          <a:stretch/>
+        </p:blipFill>
+        <p:spPr>
+          <a:xfrm>
+            <a:off x="2066868" y="2216313"/>
+            <a:ext cx="2680200" cy="3436200"/>
+          </a:xfrm>
+          <a:prstGeom prst="rect">
+            <a:avLst/>
+          </a:prstGeom>
+          <a:ln>
+            <a:noFill/>
+          </a:ln>
+        </p:spPr>
+      </p:pic>
+      <p:pic>
+        <p:nvPicPr>
+          <p:cNvPr id="6" name="Picture 5"/>
+          <p:cNvPicPr/>
+          <p:nvPr/>
+        </p:nvPicPr>
+        <p:blipFill>
+          <a:blip r:embed="rId3"/>
+          <a:srcRect t="22811"/>
+          <a:stretch/>
+        </p:blipFill>
+        <p:spPr>
+          <a:xfrm>
+            <a:off x="5109588" y="2216313"/>
+            <a:ext cx="3016080" cy="3436200"/>
+          </a:xfrm>
+          <a:prstGeom prst="rect">
+            <a:avLst/>
+          </a:prstGeom>
+          <a:ln>
+            <a:noFill/>
+          </a:ln>
+        </p:spPr>
+      </p:pic>
+      <p:pic>
+        <p:nvPicPr>
+          <p:cNvPr id="7" name="Picture 6"/>
+          <p:cNvPicPr/>
+          <p:nvPr/>
+        </p:nvPicPr>
+        <p:blipFill>
+          <a:blip r:embed="rId4"/>
+          <a:srcRect t="22841"/>
+          <a:stretch/>
+        </p:blipFill>
+        <p:spPr>
+          <a:xfrm>
+            <a:off x="8487828" y="2186793"/>
+            <a:ext cx="2643480" cy="3408480"/>
+          </a:xfrm>
+          <a:prstGeom prst="rect">
+            <a:avLst/>
+          </a:prstGeom>
+          <a:ln>
+            <a:noFill/>
+          </a:ln>
+        </p:spPr>
+      </p:pic>
+    </p:spTree>
+    <p:extLst>
+      <p:ext uri="{BB962C8B-B14F-4D97-AF65-F5344CB8AC3E}">
+        <p14:creationId xmlns:p14="http://schemas.microsoft.com/office/powerpoint/2010/main" val="2451446320"/>
+      </p:ext>
+    </p:extLst>
+  </p:cSld>
+  <p:clrMapOvr>
+    <a:masterClrMapping/>
+  </p:clrMapOvr>
+  <p:timing>
+    <p:tnLst>
+      <p:par>
+        <p:cTn id="1" dur="indefinite" restart="never" nodeType="tmRoot"/>
+      </p:par>
+    </p:tnLst>
+  </p:timing>
+</p:sld>
+</file>
+
+<file path=ppt/slides/slide3.xml><?xml version="1.0" encoding="utf-8"?>
+<p:sld xmlns:a="http://schemas.openxmlformats.org/drawingml/2006/main" xmlns:r="http://schemas.openxmlformats.org/officeDocument/2006/relationships" xmlns:p="http://schemas.openxmlformats.org/presentationml/2006/main">
+  <p:cSld>
+    <p:bg>
+      <p:bgPr>
+        <a:solidFill>
+          <a:schemeClr val="bg1"/>
+        </a:solidFill>
+        <a:effectLst/>
+      </p:bgPr>
+    </p:bg>
+    <p:spTree>
+      <p:nvGrpSpPr>
+        <p:cNvPr id="1" name=""/>
+        <p:cNvGrpSpPr/>
+        <p:nvPr/>
+      </p:nvGrpSpPr>
+      <p:grpSpPr>
+        <a:xfrm>
+          <a:off x="0" y="0"/>
+          <a:ext cx="0" cy="0"/>
+          <a:chOff x="0" y="0"/>
+          <a:chExt cx="0" cy="0"/>
+        </a:xfrm>
+      </p:grpSpPr>
+      <p:sp>
+        <p:nvSpPr>
+          <p:cNvPr id="2" name="Title 1"/>
+          <p:cNvSpPr>
+            <a:spLocks noGrp="1"/>
+          </p:cNvSpPr>
+          <p:nvPr>
+            <p:ph type="title"/>
+          </p:nvPr>
+        </p:nvSpPr>
+        <p:spPr/>
+        <p:txBody>
+          <a:bodyPr/>
+          <a:lstStyle/>
+          <a:p>
+            <a:pPr algn="ctr"/>
+            <a:r>
+              <a:rPr lang="en-US" dirty="0"/>
+              <a:t>Design </a:t>
+            </a:r>
+          </a:p>
+        </p:txBody>
+      </p:sp>
+      <p:sp>
+        <p:nvSpPr>
+          <p:cNvPr id="5" name="Content Placeholder 4"/>
+          <p:cNvSpPr>
+            <a:spLocks noGrp="1"/>
+          </p:cNvSpPr>
+          <p:nvPr>
+            <p:ph idx="1"/>
+          </p:nvPr>
+        </p:nvSpPr>
+        <p:spPr>
+          <a:xfrm>
+            <a:off x="2589212" y="1524000"/>
             <a:ext cx="8915400" cy="4387222"/>
           </a:xfrm>
         </p:spPr>
         <p:txBody>
+          <a:bodyPr>
+            <a:normAutofit/>
+          </a:bodyPr>
+          <a:lstStyle/>
+          <a:p>
+            <a:r>
+              <a:rPr lang="en-US" sz="2400" dirty="0"/>
+              <a:t>Android Common Pattern</a:t>
+            </a:r>
+          </a:p>
+        </p:txBody>
+      </p:sp>
+      <p:sp>
+        <p:nvSpPr>
+          <p:cNvPr id="8" name="Rectangle 7"/>
+          <p:cNvSpPr/>
+          <p:nvPr/>
+        </p:nvSpPr>
+        <p:spPr>
+          <a:xfrm>
+            <a:off x="2921620" y="2334322"/>
+            <a:ext cx="3583258" cy="3315629"/>
+          </a:xfrm>
+          <a:prstGeom prst="rect">
+            <a:avLst/>
+          </a:prstGeom>
+          <a:ln/>
+        </p:spPr>
+        <p:style>
+          <a:lnRef idx="2">
+            <a:schemeClr val="dk1"/>
+          </a:lnRef>
+          <a:fillRef idx="1">
+            <a:schemeClr val="lt1"/>
+          </a:fillRef>
+          <a:effectRef idx="0">
+            <a:schemeClr val="dk1"/>
+          </a:effectRef>
+          <a:fontRef idx="minor">
+            <a:schemeClr val="dk1"/>
+          </a:fontRef>
+        </p:style>
+        <p:txBody>
+          <a:bodyPr rtlCol="0" anchor="ctr"/>
+          <a:lstStyle/>
+          <a:p>
+            <a:r>
+              <a:rPr lang="en-US" sz="2000" dirty="0">
+                <a:solidFill>
+                  <a:schemeClr val="tx1"/>
+                </a:solidFill>
+              </a:rPr>
+              <a:t>Activity 1{</a:t>
+            </a:r>
+          </a:p>
+          <a:p>
+            <a:endParaRPr lang="en-US" sz="2000" dirty="0">
+              <a:solidFill>
+                <a:schemeClr val="tx1"/>
+              </a:solidFill>
+            </a:endParaRPr>
+          </a:p>
+          <a:p>
+            <a:r>
+              <a:rPr lang="en-US" sz="2000" dirty="0">
+                <a:solidFill>
+                  <a:schemeClr val="tx1"/>
+                </a:solidFill>
+              </a:rPr>
+              <a:t>var1 &lt;= </a:t>
+            </a:r>
+            <a:r>
+              <a:rPr lang="en-US" sz="2000" dirty="0" err="1">
+                <a:solidFill>
+                  <a:schemeClr val="tx1"/>
+                </a:solidFill>
+              </a:rPr>
+              <a:t>networkFetch</a:t>
+            </a:r>
+            <a:r>
+              <a:rPr lang="en-US" sz="2000" dirty="0">
+                <a:solidFill>
+                  <a:schemeClr val="tx1"/>
+                </a:solidFill>
+              </a:rPr>
+              <a:t>(url1)</a:t>
+            </a:r>
+          </a:p>
+          <a:p>
+            <a:endParaRPr lang="en-US" sz="2000" dirty="0">
+              <a:solidFill>
+                <a:schemeClr val="tx1"/>
+              </a:solidFill>
+            </a:endParaRPr>
+          </a:p>
+          <a:p>
+            <a:r>
+              <a:rPr lang="en-US" sz="2000" dirty="0" err="1">
+                <a:solidFill>
+                  <a:schemeClr val="tx1"/>
+                </a:solidFill>
+              </a:rPr>
+              <a:t>textView.setText</a:t>
+            </a:r>
+            <a:r>
+              <a:rPr lang="en-US" sz="2000" dirty="0">
+                <a:solidFill>
+                  <a:schemeClr val="tx1"/>
+                </a:solidFill>
+              </a:rPr>
+              <a:t>(var1)</a:t>
+            </a:r>
+          </a:p>
+          <a:p>
+            <a:endParaRPr lang="en-US" sz="2000" dirty="0">
+              <a:solidFill>
+                <a:schemeClr val="tx1"/>
+              </a:solidFill>
+            </a:endParaRPr>
+          </a:p>
+          <a:p>
+            <a:r>
+              <a:rPr lang="en-US" sz="2000" dirty="0">
+                <a:solidFill>
+                  <a:schemeClr val="tx1"/>
+                </a:solidFill>
+              </a:rPr>
+              <a:t>var2 &lt;= </a:t>
+            </a:r>
+            <a:r>
+              <a:rPr lang="en-US" sz="2000" dirty="0" err="1">
+                <a:solidFill>
+                  <a:schemeClr val="tx1"/>
+                </a:solidFill>
+              </a:rPr>
+              <a:t>networkFetch</a:t>
+            </a:r>
+            <a:r>
+              <a:rPr lang="en-US" sz="2000" dirty="0">
+                <a:solidFill>
+                  <a:schemeClr val="tx1"/>
+                </a:solidFill>
+              </a:rPr>
+              <a:t>(url2)</a:t>
+            </a:r>
+          </a:p>
+          <a:p>
+            <a:endParaRPr lang="en-US" sz="2000" dirty="0">
+              <a:solidFill>
+                <a:schemeClr val="tx1"/>
+              </a:solidFill>
+            </a:endParaRPr>
+          </a:p>
+          <a:p>
+            <a:r>
+              <a:rPr lang="en-US" sz="2000" dirty="0">
+                <a:solidFill>
+                  <a:schemeClr val="tx1"/>
+                </a:solidFill>
+              </a:rPr>
+              <a:t>startActivity2(var2)</a:t>
+            </a:r>
+          </a:p>
+          <a:p>
+            <a:endParaRPr lang="en-US" sz="2000" dirty="0">
+              <a:solidFill>
+                <a:schemeClr val="tx1"/>
+              </a:solidFill>
+            </a:endParaRPr>
+          </a:p>
+          <a:p>
+            <a:r>
+              <a:rPr lang="en-US" sz="2000" dirty="0">
+                <a:solidFill>
+                  <a:schemeClr val="tx1"/>
+                </a:solidFill>
+              </a:rPr>
+              <a:t>}</a:t>
+            </a:r>
+          </a:p>
+        </p:txBody>
+      </p:sp>
+      <p:sp>
+        <p:nvSpPr>
+          <p:cNvPr id="9" name="Rectangle 8"/>
+          <p:cNvSpPr/>
+          <p:nvPr/>
+        </p:nvSpPr>
+        <p:spPr>
+          <a:xfrm>
+            <a:off x="8352263" y="2334322"/>
+            <a:ext cx="2888166" cy="3315629"/>
+          </a:xfrm>
+          <a:prstGeom prst="rect">
+            <a:avLst/>
+          </a:prstGeom>
+          <a:ln/>
+        </p:spPr>
+        <p:style>
+          <a:lnRef idx="2">
+            <a:schemeClr val="dk1"/>
+          </a:lnRef>
+          <a:fillRef idx="1">
+            <a:schemeClr val="lt1"/>
+          </a:fillRef>
+          <a:effectRef idx="0">
+            <a:schemeClr val="dk1"/>
+          </a:effectRef>
+          <a:fontRef idx="minor">
+            <a:schemeClr val="dk1"/>
+          </a:fontRef>
+        </p:style>
+        <p:txBody>
+          <a:bodyPr rtlCol="0" anchor="ctr"/>
+          <a:lstStyle/>
+          <a:p>
+            <a:r>
+              <a:rPr lang="en-US" sz="2000" dirty="0">
+                <a:solidFill>
+                  <a:schemeClr val="tx1"/>
+                </a:solidFill>
+              </a:rPr>
+              <a:t>Activity 2{</a:t>
+            </a:r>
+          </a:p>
+          <a:p>
+            <a:endParaRPr lang="en-US" sz="2000" dirty="0">
+              <a:solidFill>
+                <a:schemeClr val="tx1"/>
+              </a:solidFill>
+            </a:endParaRPr>
+          </a:p>
+          <a:p>
+            <a:r>
+              <a:rPr lang="en-US" sz="2000" dirty="0" err="1">
+                <a:solidFill>
+                  <a:schemeClr val="tx1"/>
+                </a:solidFill>
+              </a:rPr>
+              <a:t>textView.setText</a:t>
+            </a:r>
+            <a:r>
+              <a:rPr lang="en-US" sz="2000" dirty="0">
+                <a:solidFill>
+                  <a:schemeClr val="tx1"/>
+                </a:solidFill>
+              </a:rPr>
+              <a:t>(var2)</a:t>
+            </a:r>
+          </a:p>
+          <a:p>
+            <a:endParaRPr lang="en-US" sz="2000" dirty="0">
+              <a:solidFill>
+                <a:schemeClr val="tx1"/>
+              </a:solidFill>
+            </a:endParaRPr>
+          </a:p>
+          <a:p>
+            <a:r>
+              <a:rPr lang="en-US" sz="2000" dirty="0">
+                <a:solidFill>
+                  <a:schemeClr val="tx1"/>
+                </a:solidFill>
+              </a:rPr>
+              <a:t>}</a:t>
+            </a:r>
+          </a:p>
+        </p:txBody>
+      </p:sp>
+    </p:spTree>
+    <p:extLst>
+      <p:ext uri="{BB962C8B-B14F-4D97-AF65-F5344CB8AC3E}">
+        <p14:creationId xmlns:p14="http://schemas.microsoft.com/office/powerpoint/2010/main" val="4037159500"/>
+      </p:ext>
+    </p:extLst>
+  </p:cSld>
+  <p:clrMapOvr>
+    <a:masterClrMapping/>
+  </p:clrMapOvr>
+  <p:timing>
+    <p:tnLst>
+      <p:par>
+        <p:cTn id="1" dur="indefinite" restart="never" nodeType="tmRoot"/>
+      </p:par>
+    </p:tnLst>
+  </p:timing>
+</p:sld>
+</file>
+
+<file path=ppt/slides/slide4.xml><?xml version="1.0" encoding="utf-8"?>
+<p:sld xmlns:a="http://schemas.openxmlformats.org/drawingml/2006/main" xmlns:r="http://schemas.openxmlformats.org/officeDocument/2006/relationships" xmlns:p="http://schemas.openxmlformats.org/presentationml/2006/main">
+  <p:cSld>
+    <p:bg>
+      <p:bgPr>
+        <a:solidFill>
+          <a:schemeClr val="bg1"/>
+        </a:solidFill>
+        <a:effectLst/>
+      </p:bgPr>
+    </p:bg>
+    <p:spTree>
+      <p:nvGrpSpPr>
+        <p:cNvPr id="1" name=""/>
+        <p:cNvGrpSpPr/>
+        <p:nvPr/>
+      </p:nvGrpSpPr>
+      <p:grpSpPr>
+        <a:xfrm>
+          <a:off x="0" y="0"/>
+          <a:ext cx="0" cy="0"/>
+          <a:chOff x="0" y="0"/>
+          <a:chExt cx="0" cy="0"/>
+        </a:xfrm>
+      </p:grpSpPr>
+      <p:sp>
+        <p:nvSpPr>
+          <p:cNvPr id="2" name="Title 1"/>
+          <p:cNvSpPr>
+            <a:spLocks noGrp="1"/>
+          </p:cNvSpPr>
+          <p:nvPr>
+            <p:ph type="title"/>
+          </p:nvPr>
+        </p:nvSpPr>
+        <p:spPr/>
+        <p:txBody>
           <a:bodyPr/>
           <a:lstStyle/>
           <a:p>
-            <a:pPr marL="0" indent="0">
-              <a:buNone/>
-            </a:pPr>
-            <a:endParaRPr lang="en-US" dirty="0"/>
+            <a:pPr algn="ctr"/>
+            <a:r>
+              <a:rPr lang="en-US" dirty="0"/>
+              <a:t>Design</a:t>
+            </a:r>
           </a:p>
         </p:txBody>
       </p:sp>
@@ -10087,7 +11545,7 @@
         </p:nvSpPr>
         <p:spPr>
           <a:xfrm>
-            <a:off x="9210874" y="2373351"/>
+            <a:off x="9566474" y="3033751"/>
             <a:ext cx="1367883" cy="830766"/>
           </a:xfrm>
           <a:prstGeom prst="rect">
@@ -10137,7 +11595,7 @@
         </p:nvCxnSpPr>
         <p:spPr>
           <a:xfrm>
-            <a:off x="9894817" y="3273241"/>
+            <a:off x="10250417" y="3933641"/>
             <a:ext cx="0" cy="391793"/>
           </a:xfrm>
           <a:prstGeom prst="straightConnector1">
@@ -10170,7 +11628,7 @@
         </p:nvSpPr>
         <p:spPr>
           <a:xfrm>
-            <a:off x="9201613" y="3665034"/>
+            <a:off x="9557213" y="4325434"/>
             <a:ext cx="1527719" cy="830766"/>
           </a:xfrm>
           <a:prstGeom prst="rect">
@@ -10220,7 +11678,7 @@
         </p:nvSpPr>
         <p:spPr>
           <a:xfrm>
-            <a:off x="9225775" y="4891668"/>
+            <a:off x="9581375" y="5552068"/>
             <a:ext cx="1479396" cy="1092820"/>
           </a:xfrm>
           <a:prstGeom prst="rect">
@@ -10274,7 +11732,7 @@
         </p:nvCxnSpPr>
         <p:spPr>
           <a:xfrm>
-            <a:off x="9965473" y="4495800"/>
+            <a:off x="10321073" y="5156200"/>
             <a:ext cx="0" cy="395868"/>
           </a:xfrm>
           <a:prstGeom prst="straightConnector1">
@@ -10307,7 +11765,7 @@
         </p:nvSpPr>
         <p:spPr>
           <a:xfrm>
-            <a:off x="10058399" y="4564565"/>
+            <a:off x="10413999" y="5224965"/>
             <a:ext cx="646771" cy="369332"/>
           </a:xfrm>
           <a:prstGeom prst="rect">
@@ -10336,7 +11794,7 @@
         </p:nvSpPr>
         <p:spPr>
           <a:xfrm>
-            <a:off x="8719730" y="3665034"/>
+            <a:off x="9075330" y="4325434"/>
             <a:ext cx="646771" cy="369332"/>
           </a:xfrm>
           <a:prstGeom prst="rect">
@@ -10365,7 +11823,7 @@
         </p:nvSpPr>
         <p:spPr>
           <a:xfrm>
-            <a:off x="5624710" y="2995962"/>
+            <a:off x="5980310" y="3656362"/>
             <a:ext cx="2675177" cy="1060706"/>
           </a:xfrm>
           <a:prstGeom prst="rect">
@@ -10415,7 +11873,7 @@
         </p:nvSpPr>
         <p:spPr>
           <a:xfrm>
-            <a:off x="9210873" y="840273"/>
+            <a:off x="9566473" y="1500673"/>
             <a:ext cx="1367883" cy="1057294"/>
           </a:xfrm>
           <a:prstGeom prst="rect">
@@ -10469,7 +11927,7 @@
         </p:nvCxnSpPr>
         <p:spPr>
           <a:xfrm>
-            <a:off x="9894815" y="1897567"/>
+            <a:off x="10250415" y="2557967"/>
             <a:ext cx="1" cy="475784"/>
           </a:xfrm>
           <a:prstGeom prst="straightConnector1">
@@ -10502,7 +11960,7 @@
         </p:nvSpPr>
         <p:spPr>
           <a:xfrm>
-            <a:off x="2761939" y="2997409"/>
+            <a:off x="3117539" y="3657809"/>
             <a:ext cx="2675177" cy="1060706"/>
           </a:xfrm>
           <a:prstGeom prst="rect">
@@ -10554,7 +12012,7 @@
         </p:nvCxnSpPr>
         <p:spPr>
           <a:xfrm>
-            <a:off x="4088780" y="4080417"/>
+            <a:off x="4444380" y="4740817"/>
             <a:ext cx="5136995" cy="1357661"/>
           </a:xfrm>
           <a:prstGeom prst="straightConnector1">
@@ -10589,7 +12047,7 @@
         </p:nvCxnSpPr>
         <p:spPr>
           <a:xfrm rot="10800000">
-            <a:off x="8285019" y="3531221"/>
+            <a:off x="8640619" y="4191621"/>
             <a:ext cx="916594" cy="549197"/>
           </a:xfrm>
           <a:prstGeom prst="bentConnector3">
@@ -10626,7 +12084,7 @@
         </p:nvCxnSpPr>
         <p:spPr>
           <a:xfrm flipH="1">
-            <a:off x="5437116" y="3526315"/>
+            <a:off x="5792716" y="4186715"/>
             <a:ext cx="187594" cy="1447"/>
           </a:xfrm>
           <a:prstGeom prst="straightConnector1">
@@ -10661,12 +12119,27 @@
   <p:clrMapOvr>
     <a:masterClrMapping/>
   </p:clrMapOvr>
+  <p:timing>
+    <p:tnLst>
+      <p:par>
+        <p:cTn id="1" dur="indefinite" restart="never" nodeType="tmRoot"/>
+      </p:par>
+    </p:tnLst>
+  </p:timing>
 </p:sld>
 </file>
 
-<file path=ppt/slides/slide11.xml><?xml version="1.0" encoding="utf-8"?>
+<file path=ppt/slides/slide5.xml><?xml version="1.0" encoding="utf-8"?>
 <p:sld xmlns:a="http://schemas.openxmlformats.org/drawingml/2006/main" xmlns:r="http://schemas.openxmlformats.org/officeDocument/2006/relationships" xmlns:p="http://schemas.openxmlformats.org/presentationml/2006/main">
   <p:cSld>
+    <p:bg>
+      <p:bgPr>
+        <a:solidFill>
+          <a:schemeClr val="bg1"/>
+        </a:solidFill>
+        <a:effectLst/>
+      </p:bgPr>
+    </p:bg>
     <p:spTree>
       <p:nvGrpSpPr>
         <p:cNvPr id="1" name=""/>
@@ -10705,25 +12178,6 @@
               <a:rPr lang="en-US" dirty="0"/>
               <a:t>Method – Static Analysis: ASTs</a:t>
             </a:r>
-          </a:p>
-        </p:txBody>
-      </p:sp>
-      <p:sp>
-        <p:nvSpPr>
-          <p:cNvPr id="4" name="Content Placeholder 3"/>
-          <p:cNvSpPr>
-            <a:spLocks noGrp="1"/>
-          </p:cNvSpPr>
-          <p:nvPr>
-            <p:ph idx="1"/>
-          </p:nvPr>
-        </p:nvSpPr>
-        <p:spPr/>
-        <p:txBody>
-          <a:bodyPr/>
-          <a:lstStyle/>
-          <a:p>
-            <a:endParaRPr lang="en-US" dirty="0"/>
           </a:p>
         </p:txBody>
       </p:sp>
@@ -10759,7 +12213,7 @@
         </p:nvSpPr>
         <p:spPr>
           <a:xfrm>
-            <a:off x="8146471" y="1939636"/>
+            <a:off x="8535935" y="1939636"/>
             <a:ext cx="2613891" cy="2586182"/>
           </a:xfrm>
           <a:prstGeom prst="rect">
@@ -10806,7 +12260,7 @@
         </p:nvSpPr>
         <p:spPr>
           <a:xfrm>
-            <a:off x="8562107" y="1939636"/>
+            <a:off x="8951571" y="1939636"/>
             <a:ext cx="2032000" cy="1754326"/>
           </a:xfrm>
           <a:prstGeom prst="rect">
@@ -10864,12 +12318,27 @@
   <p:clrMapOvr>
     <a:masterClrMapping/>
   </p:clrMapOvr>
+  <p:timing>
+    <p:tnLst>
+      <p:par>
+        <p:cTn id="1" dur="indefinite" restart="never" nodeType="tmRoot"/>
+      </p:par>
+    </p:tnLst>
+  </p:timing>
 </p:sld>
 </file>
 
-<file path=ppt/slides/slide12.xml><?xml version="1.0" encoding="utf-8"?>
+<file path=ppt/slides/slide6.xml><?xml version="1.0" encoding="utf-8"?>
 <p:sld xmlns:a="http://schemas.openxmlformats.org/drawingml/2006/main" xmlns:r="http://schemas.openxmlformats.org/officeDocument/2006/relationships" xmlns:p="http://schemas.openxmlformats.org/presentationml/2006/main">
   <p:cSld>
+    <p:bg>
+      <p:bgPr>
+        <a:solidFill>
+          <a:schemeClr val="bg1"/>
+        </a:solidFill>
+        <a:effectLst/>
+      </p:bgPr>
+    </p:bg>
     <p:spTree>
       <p:nvGrpSpPr>
         <p:cNvPr id="1" name=""/>
@@ -11028,7 +12497,14 @@
           </a:lstStyle>
           <a:p>
             <a:r>
-              <a:rPr lang="en-US" dirty="0"/>
+              <a:rPr lang="en-US" dirty="0">
+                <a:solidFill>
+                  <a:schemeClr val="tx1">
+                    <a:lumMod val="85000"/>
+                    <a:lumOff val="15000"/>
+                  </a:schemeClr>
+                </a:solidFill>
+              </a:rPr>
               <a:t>Method – Static Analysis: General</a:t>
             </a:r>
           </a:p>
@@ -11224,13 +12700,34 @@
           <a:p>
             <a:pPr algn="ctr"/>
             <a:r>
-              <a:rPr lang="en-US" dirty="0">
+              <a:rPr lang="en-US" dirty="0" smtClean="0">
                 <a:solidFill>
                   <a:schemeClr val="tx1"/>
                 </a:solidFill>
               </a:rPr>
-              <a:t>Inject Code: Execute network call for prefetch variable when intent invoked</a:t>
-            </a:r>
+              <a:t>Procrastinate </a:t>
+            </a:r>
+            <a:r>
+              <a:rPr lang="en-US" dirty="0" err="1" smtClean="0">
+                <a:solidFill>
+                  <a:schemeClr val="tx1"/>
+                </a:solidFill>
+              </a:rPr>
+              <a:t>Prefetch</a:t>
+            </a:r>
+            <a:r>
+              <a:rPr lang="en-US" dirty="0" smtClean="0">
+                <a:solidFill>
+                  <a:schemeClr val="tx1"/>
+                </a:solidFill>
+              </a:rPr>
+              <a:t> call For this Variable</a:t>
+            </a:r>
+            <a:endParaRPr lang="en-US" dirty="0">
+              <a:solidFill>
+                <a:schemeClr val="tx1"/>
+              </a:solidFill>
+            </a:endParaRPr>
           </a:p>
         </p:txBody>
       </p:sp>
@@ -11510,12 +13007,27 @@
   <p:clrMapOvr>
     <a:masterClrMapping/>
   </p:clrMapOvr>
+  <p:timing>
+    <p:tnLst>
+      <p:par>
+        <p:cTn id="1" dur="indefinite" restart="never" nodeType="tmRoot"/>
+      </p:par>
+    </p:tnLst>
+  </p:timing>
 </p:sld>
 </file>
 
-<file path=ppt/slides/slide13.xml><?xml version="1.0" encoding="utf-8"?>
+<file path=ppt/slides/slide7.xml><?xml version="1.0" encoding="utf-8"?>
 <p:sld xmlns:a="http://schemas.openxmlformats.org/drawingml/2006/main" xmlns:r="http://schemas.openxmlformats.org/officeDocument/2006/relationships" xmlns:p="http://schemas.openxmlformats.org/presentationml/2006/main">
   <p:cSld>
+    <p:bg>
+      <p:bgPr>
+        <a:solidFill>
+          <a:schemeClr val="bg1"/>
+        </a:solidFill>
+        <a:effectLst/>
+      </p:bgPr>
+    </p:bg>
     <p:spTree>
       <p:nvGrpSpPr>
         <p:cNvPr id="1" name=""/>
@@ -11542,7 +13054,7 @@
         </p:nvSpPr>
         <p:spPr>
           <a:xfrm>
-            <a:off x="1894116" y="666339"/>
+            <a:off x="1802228" y="244433"/>
             <a:ext cx="8911687" cy="656421"/>
           </a:xfrm>
         </p:spPr>
@@ -11550,6 +13062,7 @@
           <a:bodyPr/>
           <a:lstStyle/>
           <a:p>
+            <a:pPr algn="ctr"/>
             <a:r>
               <a:rPr lang="en-US" dirty="0"/>
               <a:t>Method – Track User Movements</a:t>
@@ -11571,7 +13084,7 @@
           <a:blip r:embed="rId2">
             <a:extLst>
               <a:ext uri="{96DAC541-7B7A-43D3-8B79-37D633B846F1}">
-                <asvg:svgBlip xmlns:asvg="http://schemas.microsoft.com/office/drawing/2016/SVG/main" r:embed="rId3"/>
+                <asvg:svgBlip xmlns:asvg="http://schemas.microsoft.com/office/drawing/2016/SVG/main" xmlns="" r:embed="rId3"/>
               </a:ext>
             </a:extLst>
           </a:blip>
@@ -11581,8 +13094,8 @@
         </p:blipFill>
         <p:spPr>
           <a:xfrm>
-            <a:off x="10296815" y="3188319"/>
-            <a:ext cx="914400" cy="914400"/>
+            <a:off x="9443011" y="3392721"/>
+            <a:ext cx="1445861" cy="1445861"/>
           </a:xfrm>
         </p:spPr>
       </p:pic>
@@ -11594,7 +13107,7 @@
         </p:nvSpPr>
         <p:spPr>
           <a:xfrm>
-            <a:off x="9210874" y="2373351"/>
+            <a:off x="8671646" y="2813746"/>
             <a:ext cx="1367883" cy="830766"/>
           </a:xfrm>
           <a:prstGeom prst="rect">
@@ -11644,7 +13157,7 @@
         </p:nvCxnSpPr>
         <p:spPr>
           <a:xfrm>
-            <a:off x="9894817" y="3273241"/>
+            <a:off x="9355589" y="3713636"/>
             <a:ext cx="0" cy="391793"/>
           </a:xfrm>
           <a:prstGeom prst="straightConnector1">
@@ -11677,7 +13190,7 @@
         </p:nvSpPr>
         <p:spPr>
           <a:xfrm>
-            <a:off x="9201613" y="3665034"/>
+            <a:off x="8662385" y="4105429"/>
             <a:ext cx="1527719" cy="830766"/>
           </a:xfrm>
           <a:prstGeom prst="rect">
@@ -11727,7 +13240,7 @@
         </p:nvSpPr>
         <p:spPr>
           <a:xfrm>
-            <a:off x="9225775" y="4891668"/>
+            <a:off x="8686547" y="5332063"/>
             <a:ext cx="1479396" cy="1092820"/>
           </a:xfrm>
           <a:prstGeom prst="rect">
@@ -11781,7 +13294,7 @@
         </p:nvCxnSpPr>
         <p:spPr>
           <a:xfrm>
-            <a:off x="9965473" y="4495800"/>
+            <a:off x="9426245" y="4936195"/>
             <a:ext cx="0" cy="395868"/>
           </a:xfrm>
           <a:prstGeom prst="straightConnector1">
@@ -11814,7 +13327,7 @@
         </p:nvSpPr>
         <p:spPr>
           <a:xfrm>
-            <a:off x="10058399" y="4564565"/>
+            <a:off x="9519171" y="5004960"/>
             <a:ext cx="646771" cy="369332"/>
           </a:xfrm>
           <a:prstGeom prst="rect">
@@ -11843,7 +13356,7 @@
         </p:nvSpPr>
         <p:spPr>
           <a:xfrm>
-            <a:off x="8719730" y="3665034"/>
+            <a:off x="8180502" y="4105429"/>
             <a:ext cx="646771" cy="369332"/>
           </a:xfrm>
           <a:prstGeom prst="rect">
@@ -11872,7 +13385,7 @@
         </p:nvSpPr>
         <p:spPr>
           <a:xfrm>
-            <a:off x="5624710" y="2995962"/>
+            <a:off x="5085482" y="3436357"/>
             <a:ext cx="2675177" cy="1060706"/>
           </a:xfrm>
           <a:prstGeom prst="rect">
@@ -11922,7 +13435,7 @@
         </p:nvSpPr>
         <p:spPr>
           <a:xfrm>
-            <a:off x="9210873" y="840273"/>
+            <a:off x="8671645" y="1280668"/>
             <a:ext cx="1367883" cy="1057294"/>
           </a:xfrm>
           <a:prstGeom prst="rect">
@@ -11976,7 +13489,7 @@
         </p:nvCxnSpPr>
         <p:spPr>
           <a:xfrm>
-            <a:off x="9894815" y="1897567"/>
+            <a:off x="9355587" y="2337962"/>
             <a:ext cx="1" cy="475784"/>
           </a:xfrm>
           <a:prstGeom prst="straightConnector1">
@@ -12009,7 +13522,7 @@
         </p:nvSpPr>
         <p:spPr>
           <a:xfrm>
-            <a:off x="2761939" y="2997409"/>
+            <a:off x="2222711" y="3437804"/>
             <a:ext cx="2675177" cy="1060706"/>
           </a:xfrm>
           <a:prstGeom prst="rect">
@@ -12061,7 +13574,7 @@
         </p:nvCxnSpPr>
         <p:spPr>
           <a:xfrm>
-            <a:off x="4088780" y="4080417"/>
+            <a:off x="3549552" y="4520812"/>
             <a:ext cx="5136995" cy="1357661"/>
           </a:xfrm>
           <a:prstGeom prst="straightConnector1">
@@ -12096,7 +13609,7 @@
         </p:nvCxnSpPr>
         <p:spPr>
           <a:xfrm rot="10800000">
-            <a:off x="8285019" y="3531221"/>
+            <a:off x="7745791" y="3971616"/>
             <a:ext cx="916594" cy="549197"/>
           </a:xfrm>
           <a:prstGeom prst="bentConnector3">
@@ -12133,7 +13646,7 @@
         </p:nvCxnSpPr>
         <p:spPr>
           <a:xfrm flipH="1">
-            <a:off x="5437116" y="3526315"/>
+            <a:off x="4897888" y="3966710"/>
             <a:ext cx="187594" cy="1447"/>
           </a:xfrm>
           <a:prstGeom prst="straightConnector1">
@@ -12204,12 +13717,27 @@
   <p:clrMapOvr>
     <a:masterClrMapping/>
   </p:clrMapOvr>
+  <p:timing>
+    <p:tnLst>
+      <p:par>
+        <p:cTn id="1" dur="indefinite" restart="never" nodeType="tmRoot"/>
+      </p:par>
+    </p:tnLst>
+  </p:timing>
 </p:sld>
 </file>
 
-<file path=ppt/slides/slide14.xml><?xml version="1.0" encoding="utf-8"?>
+<file path=ppt/slides/slide8.xml><?xml version="1.0" encoding="utf-8"?>
 <p:sld xmlns:a="http://schemas.openxmlformats.org/drawingml/2006/main" xmlns:r="http://schemas.openxmlformats.org/officeDocument/2006/relationships" xmlns:p="http://schemas.openxmlformats.org/presentationml/2006/main">
   <p:cSld>
+    <p:bg>
+      <p:bgPr>
+        <a:solidFill>
+          <a:schemeClr val="bg1"/>
+        </a:solidFill>
+        <a:effectLst/>
+      </p:bgPr>
+    </p:bg>
     <p:spTree>
       <p:nvGrpSpPr>
         <p:cNvPr id="1" name=""/>
@@ -12239,6 +13767,7 @@
           <a:bodyPr/>
           <a:lstStyle/>
           <a:p>
+            <a:pPr algn="ctr"/>
             <a:r>
               <a:rPr lang="en-US" dirty="0"/>
               <a:t>View </a:t>
@@ -12249,8 +13778,13 @@
             </a:r>
             <a:r>
               <a:rPr lang="en-US" dirty="0"/>
-              <a:t> Correlation</a:t>
-            </a:r>
+              <a:t> </a:t>
+            </a:r>
+            <a:r>
+              <a:rPr lang="en-US" dirty="0" smtClean="0"/>
+              <a:t>Correlation (VPC)</a:t>
+            </a:r>
+            <a:endParaRPr lang="en-US" dirty="0"/>
           </a:p>
         </p:txBody>
       </p:sp>
@@ -12271,69 +13805,69 @@
           </a:xfrm>
         </p:spPr>
         <p:txBody>
-          <a:bodyPr/>
+          <a:bodyPr>
+            <a:normAutofit/>
+          </a:bodyPr>
           <a:lstStyle/>
           <a:p>
-            <a:endParaRPr lang="en-US" dirty="0"/>
-          </a:p>
-          <a:p>
-            <a:r>
-              <a:rPr lang="en-US" dirty="0"/>
+            <a:endParaRPr lang="en-US" sz="2400" dirty="0"/>
+          </a:p>
+          <a:p>
+            <a:r>
+              <a:rPr lang="en-US" sz="2400" dirty="0"/>
               <a:t>Key Limitation: General User Adaptability</a:t>
             </a:r>
           </a:p>
           <a:p>
             <a:r>
-              <a:rPr lang="en-US" dirty="0"/>
+              <a:rPr lang="en-US" sz="2400" dirty="0"/>
               <a:t>Proposed Solution: Perform Study of </a:t>
             </a:r>
             <a:r>
-              <a:rPr lang="en-US" dirty="0" err="1"/>
+              <a:rPr lang="en-US" sz="2400" dirty="0" err="1"/>
               <a:t>Prefetch</a:t>
             </a:r>
             <a:r>
-              <a:rPr lang="en-US" dirty="0"/>
-              <a:t> Necessity using VPC.</a:t>
-            </a:r>
-          </a:p>
-          <a:p>
-            <a:r>
-              <a:rPr lang="en-US" dirty="0"/>
-              <a:t>Inspired from Background Foreground Correlation</a:t>
-            </a:r>
-          </a:p>
-          <a:p>
-            <a:r>
-              <a:rPr lang="en-US" dirty="0"/>
-              <a:t>For each time a </a:t>
-            </a:r>
-            <a:r>
-              <a:rPr lang="en-US" dirty="0" err="1"/>
+              <a:rPr lang="en-US" sz="2400" dirty="0"/>
+              <a:t> Necessity using </a:t>
+            </a:r>
+            <a:r>
+              <a:rPr lang="en-US" sz="2400" dirty="0" smtClean="0"/>
+              <a:t>VPC</a:t>
+            </a:r>
+            <a:endParaRPr lang="en-US" sz="2400" dirty="0"/>
+          </a:p>
+          <a:p>
+            <a:r>
+              <a:rPr lang="en-US" sz="2400" dirty="0" smtClean="0"/>
+              <a:t>For </a:t>
+            </a:r>
+            <a:r>
+              <a:rPr lang="en-US" sz="2400" dirty="0"/>
+              <a:t>each time a </a:t>
+            </a:r>
+            <a:r>
+              <a:rPr lang="en-US" sz="2400" dirty="0" err="1"/>
               <a:t>prefetch</a:t>
             </a:r>
             <a:r>
-              <a:rPr lang="en-US" dirty="0"/>
-              <a:t> is performed, evaluate how many times a view is invoked. </a:t>
-            </a:r>
-          </a:p>
-          <a:p>
-            <a:r>
-              <a:rPr lang="en-US" dirty="0"/>
-              <a:t>Provides developer with whether </a:t>
-            </a:r>
-            <a:r>
-              <a:rPr lang="en-US" dirty="0" err="1"/>
-              <a:t>prefetch</a:t>
-            </a:r>
-            <a:r>
-              <a:rPr lang="en-US" dirty="0"/>
-              <a:t> is really required for a given view.</a:t>
-            </a:r>
-          </a:p>
-          <a:p>
-            <a:r>
-              <a:rPr lang="en-US" dirty="0"/>
-              <a:t>Implemented as a part of the package.</a:t>
+              <a:rPr lang="en-US" sz="2400" dirty="0"/>
+              <a:t> is performed, evaluate how many times a view is </a:t>
+            </a:r>
+            <a:r>
+              <a:rPr lang="en-US" sz="2400" dirty="0" smtClean="0"/>
+              <a:t>invoked</a:t>
+            </a:r>
+            <a:endParaRPr lang="en-US" sz="2400" dirty="0"/>
+          </a:p>
+          <a:p>
+            <a:r>
+              <a:rPr lang="en-US" sz="2400" dirty="0" smtClean="0"/>
+              <a:t>Implemented </a:t>
+            </a:r>
+            <a:r>
+              <a:rPr lang="en-US" sz="2400" dirty="0"/>
+              <a:t>as a part of the package.</a:t>
             </a:r>
           </a:p>
         </p:txBody>
@@ -12348,12 +13882,27 @@
   <p:clrMapOvr>
     <a:masterClrMapping/>
   </p:clrMapOvr>
+  <p:timing>
+    <p:tnLst>
+      <p:par>
+        <p:cTn id="1" dur="indefinite" restart="never" nodeType="tmRoot"/>
+      </p:par>
+    </p:tnLst>
+  </p:timing>
 </p:sld>
 </file>
 
-<file path=ppt/slides/slide15.xml><?xml version="1.0" encoding="utf-8"?>
+<file path=ppt/slides/slide9.xml><?xml version="1.0" encoding="utf-8"?>
 <p:sld xmlns:a="http://schemas.openxmlformats.org/drawingml/2006/main" xmlns:r="http://schemas.openxmlformats.org/officeDocument/2006/relationships" xmlns:p="http://schemas.openxmlformats.org/presentationml/2006/main">
   <p:cSld>
+    <p:bg>
+      <p:bgPr>
+        <a:solidFill>
+          <a:schemeClr val="bg1"/>
+        </a:solidFill>
+        <a:effectLst/>
+      </p:bgPr>
+    </p:bg>
     <p:spTree>
       <p:nvGrpSpPr>
         <p:cNvPr id="1" name=""/>
@@ -12383,6 +13932,7 @@
           <a:bodyPr/>
           <a:lstStyle/>
           <a:p>
+            <a:pPr algn="ctr"/>
             <a:r>
               <a:rPr lang="en-US" dirty="0"/>
               <a:t>Approach &amp; Implementation</a:t>
@@ -12400,117 +13950,124 @@
             <p:ph idx="1"/>
           </p:nvPr>
         </p:nvSpPr>
-        <p:spPr/>
-        <p:txBody>
-          <a:bodyPr/>
+        <p:spPr>
+          <a:xfrm>
+            <a:off x="2218267" y="1905000"/>
+            <a:ext cx="9286345" cy="4006222"/>
+          </a:xfrm>
+        </p:spPr>
+        <p:txBody>
+          <a:bodyPr>
+            <a:noAutofit/>
+          </a:bodyPr>
           <a:lstStyle/>
           <a:p>
             <a:r>
-              <a:rPr lang="en-US" dirty="0"/>
-              <a:t>Implement a </a:t>
-            </a:r>
-            <a:r>
-              <a:rPr lang="en-US" b="1" i="1" dirty="0"/>
-              <a:t>Simple POC Weather App, </a:t>
-            </a:r>
-            <a:r>
-              <a:rPr lang="en-US" dirty="0"/>
+              <a:rPr lang="en-US" sz="2400" dirty="0"/>
+              <a:t>Implement a Simple POC Weather App</a:t>
+            </a:r>
+            <a:r>
+              <a:rPr lang="en-US" sz="2400" b="1" i="1" dirty="0"/>
+              <a:t>, </a:t>
+            </a:r>
+            <a:r>
+              <a:rPr lang="en-US" sz="2400" dirty="0"/>
               <a:t>with the </a:t>
             </a:r>
             <a:r>
-              <a:rPr lang="en-US" dirty="0" err="1"/>
+              <a:rPr lang="en-US" sz="2400" dirty="0" err="1"/>
               <a:t>prefetch</a:t>
             </a:r>
             <a:r>
-              <a:rPr lang="en-US" dirty="0"/>
-              <a:t> pattern and 2 screens.</a:t>
-            </a:r>
+              <a:rPr lang="en-US" sz="2400" dirty="0"/>
+              <a:t> pattern and 2 </a:t>
+            </a:r>
+            <a:r>
+              <a:rPr lang="en-US" sz="2400" dirty="0" smtClean="0"/>
+              <a:t>screens</a:t>
+            </a:r>
+            <a:endParaRPr lang="en-US" sz="2400" dirty="0"/>
           </a:p>
           <a:p>
             <a:pPr lvl="1"/>
             <a:r>
-              <a:rPr lang="en-US" dirty="0"/>
+              <a:rPr lang="en-US" sz="2400" dirty="0"/>
               <a:t>First Screen – </a:t>
             </a:r>
             <a:r>
-              <a:rPr lang="en-US" dirty="0" err="1"/>
+              <a:rPr lang="en-US" sz="2400" dirty="0" err="1" smtClean="0"/>
               <a:t>Prefetch</a:t>
             </a:r>
-            <a:r>
-              <a:rPr lang="en-US" dirty="0"/>
-              <a:t>, </a:t>
-            </a:r>
+            <a:endParaRPr lang="en-US" sz="2400" dirty="0"/>
           </a:p>
           <a:p>
             <a:pPr lvl="1"/>
             <a:r>
-              <a:rPr lang="en-US" dirty="0"/>
+              <a:rPr lang="en-US" sz="2400" dirty="0"/>
               <a:t>Second Screen – Use the </a:t>
             </a:r>
             <a:r>
-              <a:rPr lang="en-US" dirty="0" err="1"/>
+              <a:rPr lang="en-US" sz="2400" dirty="0" err="1"/>
               <a:t>prefetch</a:t>
             </a:r>
             <a:r>
-              <a:rPr lang="en-US" dirty="0"/>
-              <a:t> data.</a:t>
-            </a:r>
-          </a:p>
-          <a:p>
-            <a:pPr marL="457200" lvl="1" indent="0">
-              <a:buNone/>
-            </a:pPr>
-            <a:endParaRPr lang="en-US" dirty="0"/>
-          </a:p>
-          <a:p>
-            <a:r>
-              <a:rPr lang="en-US" dirty="0"/>
+              <a:rPr lang="en-US" sz="2400" dirty="0"/>
+              <a:t> </a:t>
+            </a:r>
+            <a:r>
+              <a:rPr lang="en-US" sz="2400" dirty="0" smtClean="0"/>
+              <a:t>data</a:t>
+            </a:r>
+            <a:endParaRPr lang="en-US" sz="2400" dirty="0"/>
+          </a:p>
+          <a:p>
+            <a:r>
+              <a:rPr lang="en-US" sz="2600" dirty="0" smtClean="0"/>
+              <a:t> Implement </a:t>
+            </a:r>
+            <a:r>
+              <a:rPr lang="en-US" sz="2600" dirty="0"/>
+              <a:t>Instrumentation and Procrastination tool for </a:t>
+            </a:r>
+            <a:r>
+              <a:rPr lang="en-US" sz="2600" dirty="0" smtClean="0"/>
+              <a:t>desktop</a:t>
+            </a:r>
+            <a:endParaRPr lang="en-US" sz="2600" dirty="0"/>
+          </a:p>
+          <a:p>
+            <a:r>
+              <a:rPr lang="en-US" sz="2400" dirty="0"/>
               <a:t>Implement </a:t>
             </a:r>
             <a:r>
-              <a:rPr lang="en-US" b="1" i="1" dirty="0"/>
-              <a:t>Instrumentation</a:t>
-            </a:r>
-            <a:r>
-              <a:rPr lang="en-US" dirty="0"/>
-              <a:t> and </a:t>
-            </a:r>
-            <a:r>
-              <a:rPr lang="en-US" b="1" i="1" dirty="0"/>
-              <a:t>Procrastination tool</a:t>
-            </a:r>
-            <a:r>
-              <a:rPr lang="en-US" dirty="0"/>
-              <a:t> for desktop.</a:t>
-            </a:r>
-          </a:p>
-          <a:p>
-            <a:r>
-              <a:rPr lang="en-US" dirty="0"/>
+              <a:rPr lang="en-US" sz="2400" dirty="0"/>
+              <a:t>Measurements Library </a:t>
+            </a:r>
+            <a:r>
+              <a:rPr lang="en-US" sz="2400" dirty="0"/>
+              <a:t>for data usage and VPC </a:t>
+            </a:r>
+            <a:r>
+              <a:rPr lang="en-US" sz="2400" dirty="0" smtClean="0"/>
+              <a:t>measurement</a:t>
+            </a:r>
+            <a:endParaRPr lang="en-US" sz="2400" dirty="0"/>
+          </a:p>
+          <a:p>
+            <a:r>
+              <a:rPr lang="en-US" sz="2400" dirty="0"/>
               <a:t>Implement </a:t>
             </a:r>
             <a:r>
-              <a:rPr lang="en-US" b="1" i="1" dirty="0"/>
-              <a:t>Measurements Library</a:t>
-            </a:r>
-            <a:r>
-              <a:rPr lang="en-US" dirty="0"/>
-              <a:t> for data usage and VPC measurement.</a:t>
-            </a:r>
-          </a:p>
-          <a:p>
-            <a:r>
-              <a:rPr lang="en-US" dirty="0"/>
-              <a:t>Implement </a:t>
-            </a:r>
-            <a:r>
-              <a:rPr lang="en-US" b="1" i="1" dirty="0"/>
-              <a:t>Android Procrastination Library</a:t>
-            </a:r>
-            <a:r>
-              <a:rPr lang="en-US" dirty="0"/>
-              <a:t>.</a:t>
-            </a:r>
+              <a:rPr lang="en-US" sz="2400" dirty="0"/>
+              <a:t>Android Procrastination </a:t>
+            </a:r>
+            <a:r>
+              <a:rPr lang="en-US" sz="2400" dirty="0" smtClean="0"/>
+              <a:t>Library</a:t>
+            </a:r>
+            <a:endParaRPr lang="en-US" sz="2400" dirty="0"/>
           </a:p>
         </p:txBody>
       </p:sp>
@@ -12524,2631 +14081,13 @@
   <p:clrMapOvr>
     <a:masterClrMapping/>
   </p:clrMapOvr>
-</p:sld>
-</file>
-
-<file path=ppt/slides/slide16.xml><?xml version="1.0" encoding="utf-8"?>
-<p:sld xmlns:a="http://schemas.openxmlformats.org/drawingml/2006/main" xmlns:r="http://schemas.openxmlformats.org/officeDocument/2006/relationships" xmlns:p="http://schemas.openxmlformats.org/presentationml/2006/main">
-  <p:cSld>
-    <p:spTree>
-      <p:nvGrpSpPr>
-        <p:cNvPr id="1" name=""/>
-        <p:cNvGrpSpPr/>
-        <p:nvPr/>
-      </p:nvGrpSpPr>
-      <p:grpSpPr>
-        <a:xfrm>
-          <a:off x="0" y="0"/>
-          <a:ext cx="0" cy="0"/>
-          <a:chOff x="0" y="0"/>
-          <a:chExt cx="0" cy="0"/>
-        </a:xfrm>
-      </p:grpSpPr>
-      <p:sp>
-        <p:nvSpPr>
-          <p:cNvPr id="2" name="Title 1"/>
-          <p:cNvSpPr>
-            <a:spLocks noGrp="1"/>
-          </p:cNvSpPr>
-          <p:nvPr>
-            <p:ph type="title"/>
-          </p:nvPr>
-        </p:nvSpPr>
-        <p:spPr/>
-        <p:txBody>
-          <a:bodyPr/>
-          <a:lstStyle/>
-          <a:p>
-            <a:r>
-              <a:rPr lang="en-US" dirty="0"/>
-              <a:t>Evaluation Methodology</a:t>
-            </a:r>
-          </a:p>
-        </p:txBody>
-      </p:sp>
-      <p:sp>
-        <p:nvSpPr>
-          <p:cNvPr id="3" name="Content Placeholder 2"/>
-          <p:cNvSpPr>
-            <a:spLocks noGrp="1"/>
-          </p:cNvSpPr>
-          <p:nvPr>
-            <p:ph idx="1"/>
-          </p:nvPr>
-        </p:nvSpPr>
-        <p:spPr>
-          <a:xfrm>
-            <a:off x="2589212" y="1905000"/>
-            <a:ext cx="8915400" cy="4443760"/>
-          </a:xfrm>
-        </p:spPr>
-        <p:txBody>
-          <a:bodyPr/>
-          <a:lstStyle/>
-          <a:p>
-            <a:r>
-              <a:rPr lang="en-US" dirty="0"/>
-              <a:t>Provide it to 4 users </a:t>
-            </a:r>
-          </a:p>
-          <a:p>
-            <a:r>
-              <a:rPr lang="en-US" dirty="0"/>
-              <a:t>Collect data for 7 days</a:t>
-            </a:r>
-          </a:p>
-          <a:p>
-            <a:r>
-              <a:rPr lang="en-US" dirty="0"/>
-              <a:t>2 Users – </a:t>
-            </a:r>
-            <a:r>
-              <a:rPr lang="en-US" dirty="0" err="1"/>
-              <a:t>Prefetch</a:t>
-            </a:r>
-            <a:r>
-              <a:rPr lang="en-US" dirty="0"/>
-              <a:t> App , 2 Users – </a:t>
-            </a:r>
-            <a:r>
-              <a:rPr lang="en-US" dirty="0" err="1"/>
-              <a:t>Prefetch</a:t>
-            </a:r>
-            <a:r>
-              <a:rPr lang="en-US" dirty="0"/>
-              <a:t> Procrastinated  App</a:t>
-            </a:r>
-          </a:p>
-          <a:p>
-            <a:r>
-              <a:rPr lang="en-US" dirty="0"/>
-              <a:t>Track view pre-fetch correlation.</a:t>
-            </a:r>
-          </a:p>
-          <a:p>
-            <a:r>
-              <a:rPr lang="en-US" dirty="0"/>
-              <a:t>Track network data usage of app for each day per user.</a:t>
-            </a:r>
-          </a:p>
-          <a:p>
-            <a:endParaRPr lang="en-US" dirty="0"/>
-          </a:p>
-        </p:txBody>
-      </p:sp>
-    </p:spTree>
-    <p:extLst>
-      <p:ext uri="{BB962C8B-B14F-4D97-AF65-F5344CB8AC3E}">
-        <p14:creationId xmlns:p14="http://schemas.microsoft.com/office/powerpoint/2010/main" val="437405614"/>
-      </p:ext>
-    </p:extLst>
-  </p:cSld>
-  <p:clrMapOvr>
-    <a:masterClrMapping/>
-  </p:clrMapOvr>
-</p:sld>
-</file>
-
-<file path=ppt/slides/slide17.xml><?xml version="1.0" encoding="utf-8"?>
-<p:sld xmlns:a="http://schemas.openxmlformats.org/drawingml/2006/main" xmlns:r="http://schemas.openxmlformats.org/officeDocument/2006/relationships" xmlns:p="http://schemas.openxmlformats.org/presentationml/2006/main">
-  <p:cSld>
-    <p:spTree>
-      <p:nvGrpSpPr>
-        <p:cNvPr id="1" name=""/>
-        <p:cNvGrpSpPr/>
-        <p:nvPr/>
-      </p:nvGrpSpPr>
-      <p:grpSpPr>
-        <a:xfrm>
-          <a:off x="0" y="0"/>
-          <a:ext cx="0" cy="0"/>
-          <a:chOff x="0" y="0"/>
-          <a:chExt cx="0" cy="0"/>
-        </a:xfrm>
-      </p:grpSpPr>
-      <p:sp>
-        <p:nvSpPr>
-          <p:cNvPr id="2" name="Title 1"/>
-          <p:cNvSpPr>
-            <a:spLocks noGrp="1"/>
-          </p:cNvSpPr>
-          <p:nvPr>
-            <p:ph type="title"/>
-          </p:nvPr>
-        </p:nvSpPr>
-        <p:spPr>
-          <a:xfrm>
-            <a:off x="1953761" y="344710"/>
-            <a:ext cx="8911687" cy="1280890"/>
-          </a:xfrm>
-        </p:spPr>
-        <p:txBody>
-          <a:bodyPr/>
-          <a:lstStyle/>
-          <a:p>
-            <a:pPr algn="ctr"/>
-            <a:r>
-              <a:rPr lang="en-US" dirty="0"/>
-              <a:t>Results</a:t>
-            </a:r>
-          </a:p>
-        </p:txBody>
-      </p:sp>
-      <p:graphicFrame>
-        <p:nvGraphicFramePr>
-          <p:cNvPr id="4" name="Chart 3"/>
-          <p:cNvGraphicFramePr>
-            <a:graphicFrameLocks/>
-          </p:cNvGraphicFramePr>
-          <p:nvPr>
-            <p:extLst>
-              <p:ext uri="{D42A27DB-BD31-4B8C-83A1-F6EECF244321}">
-                <p14:modId xmlns:p14="http://schemas.microsoft.com/office/powerpoint/2010/main" val="2766821089"/>
-              </p:ext>
-            </p:extLst>
-          </p:nvPr>
-        </p:nvGraphicFramePr>
-        <p:xfrm>
-          <a:off x="1337733" y="1490133"/>
-          <a:ext cx="10634809" cy="4758267"/>
-        </p:xfrm>
-        <a:graphic>
-          <a:graphicData uri="http://schemas.openxmlformats.org/drawingml/2006/chart">
-            <c:chart xmlns:c="http://schemas.openxmlformats.org/drawingml/2006/chart" xmlns:r="http://schemas.openxmlformats.org/officeDocument/2006/relationships" r:id="rId2"/>
-          </a:graphicData>
-        </a:graphic>
-      </p:graphicFrame>
-    </p:spTree>
-    <p:extLst>
-      <p:ext uri="{BB962C8B-B14F-4D97-AF65-F5344CB8AC3E}">
-        <p14:creationId xmlns:p14="http://schemas.microsoft.com/office/powerpoint/2010/main" val="1480971764"/>
-      </p:ext>
-    </p:extLst>
-  </p:cSld>
-  <p:clrMapOvr>
-    <a:masterClrMapping/>
-  </p:clrMapOvr>
-</p:sld>
-</file>
-
-<file path=ppt/slides/slide18.xml><?xml version="1.0" encoding="utf-8"?>
-<p:sld xmlns:a="http://schemas.openxmlformats.org/drawingml/2006/main" xmlns:r="http://schemas.openxmlformats.org/officeDocument/2006/relationships" xmlns:p="http://schemas.openxmlformats.org/presentationml/2006/main">
-  <p:cSld>
-    <p:spTree>
-      <p:nvGrpSpPr>
-        <p:cNvPr id="1" name=""/>
-        <p:cNvGrpSpPr/>
-        <p:nvPr/>
-      </p:nvGrpSpPr>
-      <p:grpSpPr>
-        <a:xfrm>
-          <a:off x="0" y="0"/>
-          <a:ext cx="0" cy="0"/>
-          <a:chOff x="0" y="0"/>
-          <a:chExt cx="0" cy="0"/>
-        </a:xfrm>
-      </p:grpSpPr>
-      <p:sp>
-        <p:nvSpPr>
-          <p:cNvPr id="2" name="Title 1"/>
-          <p:cNvSpPr>
-            <a:spLocks noGrp="1"/>
-          </p:cNvSpPr>
-          <p:nvPr>
-            <p:ph type="title"/>
-          </p:nvPr>
-        </p:nvSpPr>
-        <p:spPr>
-          <a:xfrm>
-            <a:off x="1864792" y="522510"/>
-            <a:ext cx="8911687" cy="1280890"/>
-          </a:xfrm>
-        </p:spPr>
-        <p:txBody>
-          <a:bodyPr/>
-          <a:lstStyle/>
-          <a:p>
-            <a:pPr algn="ctr"/>
-            <a:r>
-              <a:rPr lang="en-US" dirty="0"/>
-              <a:t>Results – Procrastinated vs </a:t>
-            </a:r>
-            <a:br>
-              <a:rPr lang="en-US" dirty="0"/>
-            </a:br>
-            <a:r>
-              <a:rPr lang="en-US" dirty="0"/>
-              <a:t>Non Procrastinated</a:t>
-            </a:r>
-          </a:p>
-        </p:txBody>
-      </p:sp>
-      <p:graphicFrame>
-        <p:nvGraphicFramePr>
-          <p:cNvPr id="5" name="Chart 4"/>
-          <p:cNvGraphicFramePr>
-            <a:graphicFrameLocks/>
-          </p:cNvGraphicFramePr>
-          <p:nvPr>
-            <p:extLst>
-              <p:ext uri="{D42A27DB-BD31-4B8C-83A1-F6EECF244321}">
-                <p14:modId xmlns:p14="http://schemas.microsoft.com/office/powerpoint/2010/main" val="1472571515"/>
-              </p:ext>
-            </p:extLst>
-          </p:nvPr>
-        </p:nvGraphicFramePr>
-        <p:xfrm>
-          <a:off x="2269067" y="1803399"/>
-          <a:ext cx="8144935" cy="4715933"/>
-        </p:xfrm>
-        <a:graphic>
-          <a:graphicData uri="http://schemas.openxmlformats.org/drawingml/2006/chart">
-            <c:chart xmlns:c="http://schemas.openxmlformats.org/drawingml/2006/chart" xmlns:r="http://schemas.openxmlformats.org/officeDocument/2006/relationships" r:id="rId2"/>
-          </a:graphicData>
-        </a:graphic>
-      </p:graphicFrame>
-    </p:spTree>
-    <p:extLst>
-      <p:ext uri="{BB962C8B-B14F-4D97-AF65-F5344CB8AC3E}">
-        <p14:creationId xmlns:p14="http://schemas.microsoft.com/office/powerpoint/2010/main" val="1427784178"/>
-      </p:ext>
-    </p:extLst>
-  </p:cSld>
-  <p:clrMapOvr>
-    <a:masterClrMapping/>
-  </p:clrMapOvr>
-</p:sld>
-</file>
-
-<file path=ppt/slides/slide19.xml><?xml version="1.0" encoding="utf-8"?>
-<p:sld xmlns:a="http://schemas.openxmlformats.org/drawingml/2006/main" xmlns:r="http://schemas.openxmlformats.org/officeDocument/2006/relationships" xmlns:p="http://schemas.openxmlformats.org/presentationml/2006/main">
-  <p:cSld>
-    <p:spTree>
-      <p:nvGrpSpPr>
-        <p:cNvPr id="1" name=""/>
-        <p:cNvGrpSpPr/>
-        <p:nvPr/>
-      </p:nvGrpSpPr>
-      <p:grpSpPr>
-        <a:xfrm>
-          <a:off x="0" y="0"/>
-          <a:ext cx="0" cy="0"/>
-          <a:chOff x="0" y="0"/>
-          <a:chExt cx="0" cy="0"/>
-        </a:xfrm>
-      </p:grpSpPr>
-      <p:sp>
-        <p:nvSpPr>
-          <p:cNvPr id="2" name="Title 1"/>
-          <p:cNvSpPr>
-            <a:spLocks noGrp="1"/>
-          </p:cNvSpPr>
-          <p:nvPr>
-            <p:ph type="title"/>
-          </p:nvPr>
-        </p:nvSpPr>
-        <p:spPr/>
-        <p:txBody>
-          <a:bodyPr/>
-          <a:lstStyle/>
-          <a:p>
-            <a:pPr algn="ctr"/>
-            <a:r>
-              <a:rPr lang="en-US" dirty="0"/>
-              <a:t>Results Summary</a:t>
-            </a:r>
-          </a:p>
-        </p:txBody>
-      </p:sp>
-      <p:sp>
-        <p:nvSpPr>
-          <p:cNvPr id="3" name="Content Placeholder 2"/>
-          <p:cNvSpPr>
-            <a:spLocks noGrp="1"/>
-          </p:cNvSpPr>
-          <p:nvPr>
-            <p:ph idx="1"/>
-          </p:nvPr>
-        </p:nvSpPr>
-        <p:spPr/>
-        <p:txBody>
-          <a:bodyPr>
-            <a:normAutofit/>
-          </a:bodyPr>
-          <a:lstStyle/>
-          <a:p>
-            <a:r>
-              <a:rPr lang="en-US" sz="2400" dirty="0"/>
-              <a:t>Comparing User 4 to User 1 yields 27% savings in data</a:t>
-            </a:r>
-          </a:p>
-          <a:p>
-            <a:r>
-              <a:rPr lang="en-US" sz="2400" dirty="0"/>
-              <a:t>Comparing User 3 to User 1 yields 41% savings in data</a:t>
-            </a:r>
-          </a:p>
-          <a:p>
-            <a:r>
-              <a:rPr lang="en-US" sz="2400" dirty="0"/>
-              <a:t>User 4 VPC &gt; User 3 VPC. Hence User 4 consumes more data.</a:t>
-            </a:r>
-          </a:p>
-          <a:p>
-            <a:r>
-              <a:rPr lang="en-US" sz="2400" dirty="0"/>
-              <a:t>Mean Saving of 34%</a:t>
-            </a:r>
-          </a:p>
-          <a:p>
-            <a:endParaRPr lang="en-US" sz="2400" dirty="0"/>
-          </a:p>
-        </p:txBody>
-      </p:sp>
-    </p:spTree>
-    <p:extLst>
-      <p:ext uri="{BB962C8B-B14F-4D97-AF65-F5344CB8AC3E}">
-        <p14:creationId xmlns:p14="http://schemas.microsoft.com/office/powerpoint/2010/main" val="1286010416"/>
-      </p:ext>
-    </p:extLst>
-  </p:cSld>
-  <p:clrMapOvr>
-    <a:masterClrMapping/>
-  </p:clrMapOvr>
-</p:sld>
-</file>
-
-<file path=ppt/slides/slide2.xml><?xml version="1.0" encoding="utf-8"?>
-<p:sld xmlns:a="http://schemas.openxmlformats.org/drawingml/2006/main" xmlns:r="http://schemas.openxmlformats.org/officeDocument/2006/relationships" xmlns:p="http://schemas.openxmlformats.org/presentationml/2006/main">
-  <p:cSld>
-    <p:spTree>
-      <p:nvGrpSpPr>
-        <p:cNvPr id="1" name=""/>
-        <p:cNvGrpSpPr/>
-        <p:nvPr/>
-      </p:nvGrpSpPr>
-      <p:grpSpPr>
-        <a:xfrm>
-          <a:off x="0" y="0"/>
-          <a:ext cx="0" cy="0"/>
-          <a:chOff x="0" y="0"/>
-          <a:chExt cx="0" cy="0"/>
-        </a:xfrm>
-      </p:grpSpPr>
-      <p:sp>
-        <p:nvSpPr>
-          <p:cNvPr id="2" name="Title 1"/>
-          <p:cNvSpPr>
-            <a:spLocks noGrp="1"/>
-          </p:cNvSpPr>
-          <p:nvPr>
-            <p:ph type="title"/>
-          </p:nvPr>
-        </p:nvSpPr>
-        <p:spPr/>
-        <p:txBody>
-          <a:bodyPr/>
-          <a:lstStyle/>
-          <a:p>
-            <a:r>
-              <a:rPr lang="en-US" dirty="0"/>
-              <a:t>Project Description</a:t>
-            </a:r>
-          </a:p>
-        </p:txBody>
-      </p:sp>
-      <p:sp>
-        <p:nvSpPr>
-          <p:cNvPr id="3" name="Content Placeholder 2"/>
-          <p:cNvSpPr>
-            <a:spLocks noGrp="1"/>
-          </p:cNvSpPr>
-          <p:nvPr>
-            <p:ph idx="1"/>
-          </p:nvPr>
-        </p:nvSpPr>
-        <p:spPr>
-          <a:xfrm>
-            <a:off x="2066868" y="1531435"/>
-            <a:ext cx="9437744" cy="4943706"/>
-          </a:xfrm>
-        </p:spPr>
-        <p:txBody>
-          <a:bodyPr>
-            <a:normAutofit fontScale="92500" lnSpcReduction="10000"/>
-          </a:bodyPr>
-          <a:lstStyle/>
-          <a:p>
-            <a:r>
-              <a:rPr lang="en-US" sz="2000" spc="-1" dirty="0">
-                <a:uFill>
-                  <a:solidFill>
-                    <a:srgbClr val="FFFFFF"/>
-                  </a:solidFill>
-                </a:uFill>
-                <a:latin typeface="Trebuchet MS"/>
-              </a:rPr>
-              <a:t>Prefetched contents at the time of launch gets rendered quickly and improves user experience</a:t>
-            </a:r>
-          </a:p>
-          <a:p>
-            <a:endParaRPr lang="en-US" sz="2000" spc="-1" dirty="0">
-              <a:uFill>
-                <a:solidFill>
-                  <a:srgbClr val="FFFFFF"/>
-                </a:solidFill>
-              </a:uFill>
-              <a:latin typeface="Trebuchet MS"/>
-            </a:endParaRPr>
-          </a:p>
-          <a:p>
-            <a:endParaRPr lang="en-US" sz="2000" spc="-1" dirty="0">
-              <a:uFill>
-                <a:solidFill>
-                  <a:srgbClr val="FFFFFF"/>
-                </a:solidFill>
-              </a:uFill>
-              <a:latin typeface="Trebuchet MS"/>
-            </a:endParaRPr>
-          </a:p>
-          <a:p>
-            <a:endParaRPr lang="en-US" sz="2000" spc="-1" dirty="0">
-              <a:uFill>
-                <a:solidFill>
-                  <a:srgbClr val="FFFFFF"/>
-                </a:solidFill>
-              </a:uFill>
-              <a:latin typeface="Trebuchet MS"/>
-            </a:endParaRPr>
-          </a:p>
-          <a:p>
-            <a:endParaRPr lang="en-US" sz="2000" spc="-1" dirty="0">
-              <a:uFill>
-                <a:solidFill>
-                  <a:srgbClr val="FFFFFF"/>
-                </a:solidFill>
-              </a:uFill>
-              <a:latin typeface="Trebuchet MS"/>
-            </a:endParaRPr>
-          </a:p>
-          <a:p>
-            <a:endParaRPr lang="en-US" sz="2000" spc="-1" dirty="0">
-              <a:uFill>
-                <a:solidFill>
-                  <a:srgbClr val="FFFFFF"/>
-                </a:solidFill>
-              </a:uFill>
-              <a:latin typeface="Trebuchet MS"/>
-            </a:endParaRPr>
-          </a:p>
-          <a:p>
-            <a:endParaRPr lang="en-US" sz="2000" spc="-1" dirty="0">
-              <a:uFill>
-                <a:solidFill>
-                  <a:srgbClr val="FFFFFF"/>
-                </a:solidFill>
-              </a:uFill>
-              <a:latin typeface="Trebuchet MS"/>
-            </a:endParaRPr>
-          </a:p>
-          <a:p>
-            <a:endParaRPr lang="en-US" sz="2000" spc="-1" dirty="0">
-              <a:uFill>
-                <a:solidFill>
-                  <a:srgbClr val="FFFFFF"/>
-                </a:solidFill>
-              </a:uFill>
-              <a:latin typeface="Trebuchet MS"/>
-            </a:endParaRPr>
-          </a:p>
-          <a:p>
-            <a:endParaRPr lang="en-US" sz="2000" spc="-1" dirty="0">
-              <a:uFill>
-                <a:solidFill>
-                  <a:srgbClr val="FFFFFF"/>
-                </a:solidFill>
-              </a:uFill>
-              <a:latin typeface="Trebuchet MS"/>
-            </a:endParaRPr>
-          </a:p>
-          <a:p>
-            <a:endParaRPr lang="en-US" sz="2000" spc="-1" dirty="0">
-              <a:uFill>
-                <a:solidFill>
-                  <a:srgbClr val="FFFFFF"/>
-                </a:solidFill>
-              </a:uFill>
-              <a:latin typeface="Trebuchet MS"/>
-            </a:endParaRPr>
-          </a:p>
-          <a:p>
-            <a:endParaRPr lang="en-US" sz="2000" spc="-1" dirty="0">
-              <a:uFill>
-                <a:solidFill>
-                  <a:srgbClr val="FFFFFF"/>
-                </a:solidFill>
-              </a:uFill>
-              <a:latin typeface="Trebuchet MS"/>
-            </a:endParaRPr>
-          </a:p>
-          <a:p>
-            <a:r>
-              <a:rPr lang="en-US" sz="2000" spc="-1" dirty="0">
-                <a:uFill>
-                  <a:solidFill>
-                    <a:srgbClr val="FFFFFF"/>
-                  </a:solidFill>
-                </a:uFill>
-                <a:latin typeface="Trebuchet MS"/>
-              </a:rPr>
-              <a:t>Unavoidable data usage</a:t>
-            </a:r>
-          </a:p>
-          <a:p>
-            <a:endParaRPr lang="en-US" sz="2000" spc="-1" dirty="0">
-              <a:uFill>
-                <a:solidFill>
-                  <a:srgbClr val="FFFFFF"/>
-                </a:solidFill>
-              </a:uFill>
-              <a:latin typeface="Trebuchet MS"/>
-            </a:endParaRPr>
-          </a:p>
-          <a:p>
-            <a:endParaRPr lang="en-US" sz="2000" dirty="0"/>
-          </a:p>
-        </p:txBody>
-      </p:sp>
-      <p:pic>
-        <p:nvPicPr>
-          <p:cNvPr id="5" name="Picture 4"/>
-          <p:cNvPicPr/>
-          <p:nvPr/>
-        </p:nvPicPr>
-        <p:blipFill>
-          <a:blip r:embed="rId2"/>
-          <a:srcRect t="23276"/>
-          <a:stretch/>
-        </p:blipFill>
-        <p:spPr>
-          <a:xfrm>
-            <a:off x="2066868" y="2216313"/>
-            <a:ext cx="2680200" cy="3436200"/>
-          </a:xfrm>
-          <a:prstGeom prst="rect">
-            <a:avLst/>
-          </a:prstGeom>
-          <a:ln>
-            <a:noFill/>
-          </a:ln>
-        </p:spPr>
-      </p:pic>
-      <p:pic>
-        <p:nvPicPr>
-          <p:cNvPr id="6" name="Picture 5"/>
-          <p:cNvPicPr/>
-          <p:nvPr/>
-        </p:nvPicPr>
-        <p:blipFill>
-          <a:blip r:embed="rId3"/>
-          <a:srcRect t="22811"/>
-          <a:stretch/>
-        </p:blipFill>
-        <p:spPr>
-          <a:xfrm>
-            <a:off x="5109588" y="2216313"/>
-            <a:ext cx="3016080" cy="3436200"/>
-          </a:xfrm>
-          <a:prstGeom prst="rect">
-            <a:avLst/>
-          </a:prstGeom>
-          <a:ln>
-            <a:noFill/>
-          </a:ln>
-        </p:spPr>
-      </p:pic>
-      <p:pic>
-        <p:nvPicPr>
-          <p:cNvPr id="7" name="Picture 6"/>
-          <p:cNvPicPr/>
-          <p:nvPr/>
-        </p:nvPicPr>
-        <p:blipFill>
-          <a:blip r:embed="rId4"/>
-          <a:srcRect t="22841"/>
-          <a:stretch/>
-        </p:blipFill>
-        <p:spPr>
-          <a:xfrm>
-            <a:off x="8487828" y="2186793"/>
-            <a:ext cx="2643480" cy="3408480"/>
-          </a:xfrm>
-          <a:prstGeom prst="rect">
-            <a:avLst/>
-          </a:prstGeom>
-          <a:ln>
-            <a:noFill/>
-          </a:ln>
-        </p:spPr>
-      </p:pic>
-    </p:spTree>
-    <p:extLst>
-      <p:ext uri="{BB962C8B-B14F-4D97-AF65-F5344CB8AC3E}">
-        <p14:creationId xmlns:p14="http://schemas.microsoft.com/office/powerpoint/2010/main" val="2451446320"/>
-      </p:ext>
-    </p:extLst>
-  </p:cSld>
-  <p:clrMapOvr>
-    <a:masterClrMapping/>
-  </p:clrMapOvr>
-</p:sld>
-</file>
-
-<file path=ppt/slides/slide20.xml><?xml version="1.0" encoding="utf-8"?>
-<p:sld xmlns:a="http://schemas.openxmlformats.org/drawingml/2006/main" xmlns:r="http://schemas.openxmlformats.org/officeDocument/2006/relationships" xmlns:p="http://schemas.openxmlformats.org/presentationml/2006/main">
-  <p:cSld>
-    <p:spTree>
-      <p:nvGrpSpPr>
-        <p:cNvPr id="1" name=""/>
-        <p:cNvGrpSpPr/>
-        <p:nvPr/>
-      </p:nvGrpSpPr>
-      <p:grpSpPr>
-        <a:xfrm>
-          <a:off x="0" y="0"/>
-          <a:ext cx="0" cy="0"/>
-          <a:chOff x="0" y="0"/>
-          <a:chExt cx="0" cy="0"/>
-        </a:xfrm>
-      </p:grpSpPr>
-      <p:sp>
-        <p:nvSpPr>
-          <p:cNvPr id="2" name="Title 1"/>
-          <p:cNvSpPr>
-            <a:spLocks noGrp="1"/>
-          </p:cNvSpPr>
-          <p:nvPr>
-            <p:ph type="title"/>
-          </p:nvPr>
-        </p:nvSpPr>
-        <p:spPr/>
-        <p:txBody>
-          <a:bodyPr/>
-          <a:lstStyle/>
-          <a:p>
-            <a:pPr algn="ctr"/>
-            <a:r>
-              <a:rPr lang="en-US" dirty="0"/>
-              <a:t>Limitations</a:t>
-            </a:r>
-          </a:p>
-        </p:txBody>
-      </p:sp>
-      <p:sp>
-        <p:nvSpPr>
-          <p:cNvPr id="3" name="Content Placeholder 2"/>
-          <p:cNvSpPr>
-            <a:spLocks noGrp="1"/>
-          </p:cNvSpPr>
-          <p:nvPr>
-            <p:ph idx="1"/>
-          </p:nvPr>
-        </p:nvSpPr>
-        <p:spPr/>
-        <p:txBody>
-          <a:bodyPr>
-            <a:normAutofit/>
-          </a:bodyPr>
-          <a:lstStyle/>
-          <a:p>
-            <a:r>
-              <a:rPr lang="en-US" sz="2400" dirty="0"/>
-              <a:t>Limited to one pattern only. </a:t>
-            </a:r>
-          </a:p>
-          <a:p>
-            <a:r>
-              <a:rPr lang="en-US" sz="2400" dirty="0"/>
-              <a:t>Limited to Java source code analysis rather than bytecode</a:t>
-            </a:r>
-          </a:p>
-          <a:p>
-            <a:r>
-              <a:rPr lang="en-US" sz="2400" dirty="0"/>
-              <a:t>Not yet tested on Post data.</a:t>
-            </a:r>
-          </a:p>
-          <a:p>
-            <a:r>
-              <a:rPr lang="en-US" sz="2400" dirty="0"/>
-              <a:t>Instrumentation process requires some developer involvement.</a:t>
-            </a:r>
-          </a:p>
-          <a:p>
-            <a:endParaRPr lang="en-US" sz="2400" dirty="0"/>
-          </a:p>
-        </p:txBody>
-      </p:sp>
-    </p:spTree>
-    <p:extLst>
-      <p:ext uri="{BB962C8B-B14F-4D97-AF65-F5344CB8AC3E}">
-        <p14:creationId xmlns:p14="http://schemas.microsoft.com/office/powerpoint/2010/main" val="1095983116"/>
-      </p:ext>
-    </p:extLst>
-  </p:cSld>
-  <p:clrMapOvr>
-    <a:masterClrMapping/>
-  </p:clrMapOvr>
-</p:sld>
-</file>
-
-<file path=ppt/slides/slide21.xml><?xml version="1.0" encoding="utf-8"?>
-<p:sld xmlns:a="http://schemas.openxmlformats.org/drawingml/2006/main" xmlns:r="http://schemas.openxmlformats.org/officeDocument/2006/relationships" xmlns:p="http://schemas.openxmlformats.org/presentationml/2006/main">
-  <p:cSld>
-    <p:spTree>
-      <p:nvGrpSpPr>
-        <p:cNvPr id="1" name=""/>
-        <p:cNvGrpSpPr/>
-        <p:nvPr/>
-      </p:nvGrpSpPr>
-      <p:grpSpPr>
-        <a:xfrm>
-          <a:off x="0" y="0"/>
-          <a:ext cx="0" cy="0"/>
-          <a:chOff x="0" y="0"/>
-          <a:chExt cx="0" cy="0"/>
-        </a:xfrm>
-      </p:grpSpPr>
-      <p:sp>
-        <p:nvSpPr>
-          <p:cNvPr id="2" name="Title 1"/>
-          <p:cNvSpPr>
-            <a:spLocks noGrp="1"/>
-          </p:cNvSpPr>
-          <p:nvPr>
-            <p:ph type="title"/>
-          </p:nvPr>
-        </p:nvSpPr>
-        <p:spPr/>
-        <p:txBody>
-          <a:bodyPr/>
-          <a:lstStyle/>
-          <a:p>
-            <a:r>
-              <a:rPr lang="en-US" dirty="0"/>
-              <a:t>Potential Future Work</a:t>
-            </a:r>
-          </a:p>
-        </p:txBody>
-      </p:sp>
-      <p:sp>
-        <p:nvSpPr>
-          <p:cNvPr id="3" name="Content Placeholder 2"/>
-          <p:cNvSpPr>
-            <a:spLocks noGrp="1"/>
-          </p:cNvSpPr>
-          <p:nvPr>
-            <p:ph idx="1"/>
-          </p:nvPr>
-        </p:nvSpPr>
-        <p:spPr/>
-        <p:txBody>
-          <a:bodyPr>
-            <a:normAutofit/>
-          </a:bodyPr>
-          <a:lstStyle/>
-          <a:p>
-            <a:r>
-              <a:rPr lang="en-US" sz="2400" dirty="0"/>
-              <a:t>Implement for POST based pre-fetch.</a:t>
-            </a:r>
-          </a:p>
-          <a:p>
-            <a:r>
-              <a:rPr lang="en-US" sz="2400" dirty="0"/>
-              <a:t>Analyze at Byte Code level</a:t>
-            </a:r>
-          </a:p>
-          <a:p>
-            <a:r>
-              <a:rPr lang="en-US" sz="2400" dirty="0"/>
-              <a:t>Identify more patterns</a:t>
-            </a:r>
-          </a:p>
-          <a:p>
-            <a:r>
-              <a:rPr lang="en-US" sz="2400" dirty="0"/>
-              <a:t>Test on more applications.</a:t>
-            </a:r>
-          </a:p>
-          <a:p>
-            <a:endParaRPr lang="en-US" sz="2400" dirty="0"/>
-          </a:p>
-        </p:txBody>
-      </p:sp>
-    </p:spTree>
-    <p:extLst>
-      <p:ext uri="{BB962C8B-B14F-4D97-AF65-F5344CB8AC3E}">
-        <p14:creationId xmlns:p14="http://schemas.microsoft.com/office/powerpoint/2010/main" val="1045082269"/>
-      </p:ext>
-    </p:extLst>
-  </p:cSld>
-  <p:clrMapOvr>
-    <a:masterClrMapping/>
-  </p:clrMapOvr>
-</p:sld>
-</file>
-
-<file path=ppt/slides/slide3.xml><?xml version="1.0" encoding="utf-8"?>
-<p:sld xmlns:a="http://schemas.openxmlformats.org/drawingml/2006/main" xmlns:r="http://schemas.openxmlformats.org/officeDocument/2006/relationships" xmlns:p="http://schemas.openxmlformats.org/presentationml/2006/main">
-  <p:cSld>
-    <p:spTree>
-      <p:nvGrpSpPr>
-        <p:cNvPr id="1" name=""/>
-        <p:cNvGrpSpPr/>
-        <p:nvPr/>
-      </p:nvGrpSpPr>
-      <p:grpSpPr>
-        <a:xfrm>
-          <a:off x="0" y="0"/>
-          <a:ext cx="0" cy="0"/>
-          <a:chOff x="0" y="0"/>
-          <a:chExt cx="0" cy="0"/>
-        </a:xfrm>
-      </p:grpSpPr>
-      <p:sp>
-        <p:nvSpPr>
-          <p:cNvPr id="2" name="Rectangle 1"/>
-          <p:cNvSpPr/>
-          <p:nvPr/>
-        </p:nvSpPr>
-        <p:spPr>
-          <a:xfrm>
-            <a:off x="7836061" y="4605582"/>
-            <a:ext cx="1566455" cy="923330"/>
-          </a:xfrm>
-          <a:prstGeom prst="rect">
-            <a:avLst/>
-          </a:prstGeom>
-          <a:noFill/>
-        </p:spPr>
-        <p:txBody>
-          <a:bodyPr wrap="none" lIns="91440" tIns="45720" rIns="91440" bIns="45720">
-            <a:spAutoFit/>
-          </a:bodyPr>
-          <a:lstStyle/>
-          <a:p>
-            <a:pPr algn="ctr"/>
-            <a:r>
-              <a:rPr lang="en-US" sz="5400" dirty="0">
-                <a:ln w="0"/>
-                <a:solidFill>
-                  <a:schemeClr val="accent1"/>
-                </a:solidFill>
-                <a:effectLst>
-                  <a:outerShdw blurRad="38100" dist="25400" dir="5400000" algn="ctr" rotWithShape="0">
-                    <a:srgbClr val="6E747A">
-                      <a:alpha val="43000"/>
-                    </a:srgbClr>
-                  </a:outerShdw>
-                </a:effectLst>
-              </a:rPr>
-              <a:t>User</a:t>
-            </a:r>
-            <a:endParaRPr lang="en-US" sz="5400" b="0" cap="none" spc="0" dirty="0">
-              <a:ln w="0"/>
-              <a:solidFill>
-                <a:schemeClr val="accent1"/>
-              </a:solidFill>
-              <a:effectLst>
-                <a:outerShdw blurRad="38100" dist="25400" dir="5400000" algn="ctr" rotWithShape="0">
-                  <a:srgbClr val="6E747A">
-                    <a:alpha val="43000"/>
-                  </a:srgbClr>
-                </a:outerShdw>
-              </a:effectLst>
-            </a:endParaRPr>
-          </a:p>
-        </p:txBody>
-      </p:sp>
-      <p:pic>
-        <p:nvPicPr>
-          <p:cNvPr id="3" name="Picture 2"/>
-          <p:cNvPicPr>
-            <a:picLocks noChangeAspect="1"/>
-          </p:cNvPicPr>
-          <p:nvPr/>
-        </p:nvPicPr>
-        <p:blipFill>
-          <a:blip r:embed="rId2">
-            <a:extLst>
-              <a:ext uri="{28A0092B-C50C-407E-A947-70E740481C1C}">
-                <a14:useLocalDpi xmlns:a14="http://schemas.microsoft.com/office/drawing/2010/main" val="0"/>
-              </a:ext>
-            </a:extLst>
-          </a:blip>
-          <a:stretch>
-            <a:fillRect/>
-          </a:stretch>
-        </p:blipFill>
-        <p:spPr>
-          <a:xfrm>
-            <a:off x="7325272" y="2479832"/>
-            <a:ext cx="2661285" cy="2025665"/>
-          </a:xfrm>
-          <a:prstGeom prst="rect">
-            <a:avLst/>
-          </a:prstGeom>
-        </p:spPr>
-      </p:pic>
-      <p:pic>
-        <p:nvPicPr>
-          <p:cNvPr id="4" name="Picture 3"/>
-          <p:cNvPicPr>
-            <a:picLocks noChangeAspect="1"/>
-          </p:cNvPicPr>
-          <p:nvPr/>
-        </p:nvPicPr>
-        <p:blipFill>
-          <a:blip r:embed="rId3" cstate="print">
-            <a:extLst>
-              <a:ext uri="{28A0092B-C50C-407E-A947-70E740481C1C}">
-                <a14:useLocalDpi xmlns:a14="http://schemas.microsoft.com/office/drawing/2010/main" val="0"/>
-              </a:ext>
-            </a:extLst>
-          </a:blip>
-          <a:stretch>
-            <a:fillRect/>
-          </a:stretch>
-        </p:blipFill>
-        <p:spPr>
-          <a:xfrm>
-            <a:off x="1937882" y="2484178"/>
-            <a:ext cx="1856014" cy="1856014"/>
-          </a:xfrm>
-          <a:prstGeom prst="rect">
-            <a:avLst/>
-          </a:prstGeom>
-        </p:spPr>
-      </p:pic>
-      <p:sp>
-        <p:nvSpPr>
-          <p:cNvPr id="6" name="Rectangle 5"/>
-          <p:cNvSpPr/>
-          <p:nvPr/>
-        </p:nvSpPr>
-        <p:spPr>
-          <a:xfrm>
-            <a:off x="1012657" y="4605582"/>
-            <a:ext cx="3706464" cy="923330"/>
-          </a:xfrm>
-          <a:prstGeom prst="rect">
-            <a:avLst/>
-          </a:prstGeom>
-          <a:noFill/>
-        </p:spPr>
-        <p:txBody>
-          <a:bodyPr wrap="none" lIns="91440" tIns="45720" rIns="91440" bIns="45720">
-            <a:spAutoFit/>
-          </a:bodyPr>
-          <a:lstStyle/>
-          <a:p>
-            <a:pPr algn="ctr"/>
-            <a:r>
-              <a:rPr lang="en-US" sz="5400" dirty="0">
-                <a:ln w="0"/>
-                <a:solidFill>
-                  <a:schemeClr val="accent1"/>
-                </a:solidFill>
-                <a:effectLst>
-                  <a:outerShdw blurRad="38100" dist="25400" dir="5400000" algn="ctr" rotWithShape="0">
-                    <a:srgbClr val="6E747A">
-                      <a:alpha val="43000"/>
-                    </a:srgbClr>
-                  </a:outerShdw>
-                </a:effectLst>
-              </a:rPr>
-              <a:t>Developer</a:t>
-            </a:r>
-            <a:endParaRPr lang="en-US" sz="5400" b="0" cap="none" spc="0" dirty="0">
-              <a:ln w="0"/>
-              <a:solidFill>
-                <a:schemeClr val="accent1"/>
-              </a:solidFill>
-              <a:effectLst>
-                <a:outerShdw blurRad="38100" dist="25400" dir="5400000" algn="ctr" rotWithShape="0">
-                  <a:srgbClr val="6E747A">
-                    <a:alpha val="43000"/>
-                  </a:srgbClr>
-                </a:outerShdw>
-              </a:effectLst>
-            </a:endParaRPr>
-          </a:p>
-        </p:txBody>
-      </p:sp>
-      <p:sp>
-        <p:nvSpPr>
-          <p:cNvPr id="7" name="Title 1"/>
-          <p:cNvSpPr txBox="1">
-            <a:spLocks/>
-          </p:cNvSpPr>
-          <p:nvPr/>
-        </p:nvSpPr>
-        <p:spPr>
-          <a:xfrm>
-            <a:off x="1937882" y="865179"/>
-            <a:ext cx="8911687" cy="1280890"/>
-          </a:xfrm>
-          <a:prstGeom prst="rect">
-            <a:avLst/>
-          </a:prstGeom>
-        </p:spPr>
-        <p:txBody>
-          <a:bodyPr/>
-          <a:lstStyle>
-            <a:lvl1pPr algn="l" defTabSz="457200" rtl="0" eaLnBrk="1" latinLnBrk="0" hangingPunct="1">
-              <a:spcBef>
-                <a:spcPct val="0"/>
-              </a:spcBef>
-              <a:buNone/>
-              <a:defRPr sz="3600" kern="1200">
-                <a:solidFill>
-                  <a:schemeClr val="accent2">
-                    <a:lumMod val="75000"/>
-                  </a:schemeClr>
-                </a:solidFill>
-                <a:latin typeface="+mj-lt"/>
-                <a:ea typeface="+mj-ea"/>
-                <a:cs typeface="+mj-cs"/>
-              </a:defRPr>
-            </a:lvl1pPr>
-            <a:lvl2pPr eaLnBrk="1" hangingPunct="1">
-              <a:defRPr>
-                <a:solidFill>
-                  <a:schemeClr val="tx2"/>
-                </a:solidFill>
-              </a:defRPr>
-            </a:lvl2pPr>
-            <a:lvl3pPr eaLnBrk="1" hangingPunct="1">
-              <a:defRPr>
-                <a:solidFill>
-                  <a:schemeClr val="tx2"/>
-                </a:solidFill>
-              </a:defRPr>
-            </a:lvl3pPr>
-            <a:lvl4pPr eaLnBrk="1" hangingPunct="1">
-              <a:defRPr>
-                <a:solidFill>
-                  <a:schemeClr val="tx2"/>
-                </a:solidFill>
-              </a:defRPr>
-            </a:lvl4pPr>
-            <a:lvl5pPr eaLnBrk="1" hangingPunct="1">
-              <a:defRPr>
-                <a:solidFill>
-                  <a:schemeClr val="tx2"/>
-                </a:solidFill>
-              </a:defRPr>
-            </a:lvl5pPr>
-            <a:lvl6pPr eaLnBrk="1" hangingPunct="1">
-              <a:defRPr>
-                <a:solidFill>
-                  <a:schemeClr val="tx2"/>
-                </a:solidFill>
-              </a:defRPr>
-            </a:lvl6pPr>
-            <a:lvl7pPr eaLnBrk="1" hangingPunct="1">
-              <a:defRPr>
-                <a:solidFill>
-                  <a:schemeClr val="tx2"/>
-                </a:solidFill>
-              </a:defRPr>
-            </a:lvl7pPr>
-            <a:lvl8pPr eaLnBrk="1" hangingPunct="1">
-              <a:defRPr>
-                <a:solidFill>
-                  <a:schemeClr val="tx2"/>
-                </a:solidFill>
-              </a:defRPr>
-            </a:lvl8pPr>
-            <a:lvl9pPr eaLnBrk="1" hangingPunct="1">
-              <a:defRPr>
-                <a:solidFill>
-                  <a:schemeClr val="tx2"/>
-                </a:solidFill>
-              </a:defRPr>
-            </a:lvl9pPr>
-          </a:lstStyle>
-          <a:p>
-            <a:r>
-              <a:rPr lang="en-US" dirty="0"/>
-              <a:t>Story of a Developer and a User</a:t>
-            </a:r>
-          </a:p>
-        </p:txBody>
-      </p:sp>
-    </p:spTree>
-    <p:extLst>
-      <p:ext uri="{BB962C8B-B14F-4D97-AF65-F5344CB8AC3E}">
-        <p14:creationId xmlns:p14="http://schemas.microsoft.com/office/powerpoint/2010/main" val="1409970001"/>
-      </p:ext>
-    </p:extLst>
-  </p:cSld>
-  <p:clrMapOvr>
-    <a:masterClrMapping/>
-  </p:clrMapOvr>
   <p:timing>
     <p:tnLst>
       <p:par>
-        <p:cTn id="1" dur="indefinite" restart="never" nodeType="tmRoot">
-          <p:childTnLst>
-            <p:seq concurrent="1" nextAc="seek">
-              <p:cTn id="2" dur="indefinite" nodeType="mainSeq">
-                <p:childTnLst>
-                  <p:par>
-                    <p:cTn id="3" fill="hold">
-                      <p:stCondLst>
-                        <p:cond delay="indefinite"/>
-                      </p:stCondLst>
-                      <p:childTnLst>
-                        <p:par>
-                          <p:cTn id="4" fill="hold">
-                            <p:stCondLst>
-                              <p:cond delay="0"/>
-                            </p:stCondLst>
-                            <p:childTnLst>
-                              <p:par>
-                                <p:cTn id="5" presetID="1" presetClass="entr" presetSubtype="0" fill="hold" nodeType="clickEffect">
-                                  <p:stCondLst>
-                                    <p:cond delay="0"/>
-                                  </p:stCondLst>
-                                  <p:childTnLst>
-                                    <p:set>
-                                      <p:cBhvr>
-                                        <p:cTn id="6" dur="1" fill="hold">
-                                          <p:stCondLst>
-                                            <p:cond delay="0"/>
-                                          </p:stCondLst>
-                                        </p:cTn>
-                                        <p:tgtEl>
-                                          <p:spTgt spid="3"/>
-                                        </p:tgtEl>
-                                        <p:attrNameLst>
-                                          <p:attrName>style.visibility</p:attrName>
-                                        </p:attrNameLst>
-                                      </p:cBhvr>
-                                      <p:to>
-                                        <p:strVal val="visible"/>
-                                      </p:to>
-                                    </p:set>
-                                  </p:childTnLst>
-                                </p:cTn>
-                              </p:par>
-                            </p:childTnLst>
-                          </p:cTn>
-                        </p:par>
-                      </p:childTnLst>
-                    </p:cTn>
-                  </p:par>
-                  <p:par>
-                    <p:cTn id="7" fill="hold">
-                      <p:stCondLst>
-                        <p:cond delay="indefinite"/>
-                      </p:stCondLst>
-                      <p:childTnLst>
-                        <p:par>
-                          <p:cTn id="8" fill="hold">
-                            <p:stCondLst>
-                              <p:cond delay="0"/>
-                            </p:stCondLst>
-                            <p:childTnLst>
-                              <p:par>
-                                <p:cTn id="9" presetID="1" presetClass="entr" presetSubtype="0" fill="hold" nodeType="clickEffect">
-                                  <p:stCondLst>
-                                    <p:cond delay="0"/>
-                                  </p:stCondLst>
-                                  <p:childTnLst>
-                                    <p:set>
-                                      <p:cBhvr>
-                                        <p:cTn id="10" dur="1" fill="hold">
-                                          <p:stCondLst>
-                                            <p:cond delay="0"/>
-                                          </p:stCondLst>
-                                        </p:cTn>
-                                        <p:tgtEl>
-                                          <p:spTgt spid="4"/>
-                                        </p:tgtEl>
-                                        <p:attrNameLst>
-                                          <p:attrName>style.visibility</p:attrName>
-                                        </p:attrNameLst>
-                                      </p:cBhvr>
-                                      <p:to>
-                                        <p:strVal val="visible"/>
-                                      </p:to>
-                                    </p:set>
-                                  </p:childTnLst>
-                                </p:cTn>
-                              </p:par>
-                            </p:childTnLst>
-                          </p:cTn>
-                        </p:par>
-                      </p:childTnLst>
-                    </p:cTn>
-                  </p:par>
-                </p:childTnLst>
-              </p:cTn>
-              <p:prevCondLst>
-                <p:cond evt="onPrev" delay="0">
-                  <p:tgtEl>
-                    <p:sldTgt/>
-                  </p:tgtEl>
-                </p:cond>
-              </p:prevCondLst>
-              <p:nextCondLst>
-                <p:cond evt="onNext" delay="0">
-                  <p:tgtEl>
-                    <p:sldTgt/>
-                  </p:tgtEl>
-                </p:cond>
-              </p:nextCondLst>
-            </p:seq>
-          </p:childTnLst>
-        </p:cTn>
+        <p:cTn id="1" dur="indefinite" restart="never" nodeType="tmRoot"/>
       </p:par>
     </p:tnLst>
   </p:timing>
-</p:sld>
-</file>
-
-<file path=ppt/slides/slide4.xml><?xml version="1.0" encoding="utf-8"?>
-<p:sld xmlns:a="http://schemas.openxmlformats.org/drawingml/2006/main" xmlns:r="http://schemas.openxmlformats.org/officeDocument/2006/relationships" xmlns:p="http://schemas.openxmlformats.org/presentationml/2006/main">
-  <p:cSld>
-    <p:spTree>
-      <p:nvGrpSpPr>
-        <p:cNvPr id="1" name=""/>
-        <p:cNvGrpSpPr/>
-        <p:nvPr/>
-      </p:nvGrpSpPr>
-      <p:grpSpPr>
-        <a:xfrm>
-          <a:off x="0" y="0"/>
-          <a:ext cx="0" cy="0"/>
-          <a:chOff x="0" y="0"/>
-          <a:chExt cx="0" cy="0"/>
-        </a:xfrm>
-      </p:grpSpPr>
-      <p:pic>
-        <p:nvPicPr>
-          <p:cNvPr id="4" name="Picture 3"/>
-          <p:cNvPicPr>
-            <a:picLocks noChangeAspect="1"/>
-          </p:cNvPicPr>
-          <p:nvPr/>
-        </p:nvPicPr>
-        <p:blipFill>
-          <a:blip r:embed="rId2" cstate="print">
-            <a:extLst>
-              <a:ext uri="{28A0092B-C50C-407E-A947-70E740481C1C}">
-                <a14:useLocalDpi xmlns:a14="http://schemas.microsoft.com/office/drawing/2010/main" val="0"/>
-              </a:ext>
-            </a:extLst>
-          </a:blip>
-          <a:stretch>
-            <a:fillRect/>
-          </a:stretch>
-        </p:blipFill>
-        <p:spPr>
-          <a:xfrm>
-            <a:off x="1971133" y="2159365"/>
-            <a:ext cx="1856014" cy="1856014"/>
-          </a:xfrm>
-          <a:prstGeom prst="rect">
-            <a:avLst/>
-          </a:prstGeom>
-        </p:spPr>
-      </p:pic>
-      <p:sp>
-        <p:nvSpPr>
-          <p:cNvPr id="5" name="Rectangle 4"/>
-          <p:cNvSpPr/>
-          <p:nvPr/>
-        </p:nvSpPr>
-        <p:spPr>
-          <a:xfrm>
-            <a:off x="1220475" y="4015379"/>
-            <a:ext cx="3706464" cy="923330"/>
-          </a:xfrm>
-          <a:prstGeom prst="rect">
-            <a:avLst/>
-          </a:prstGeom>
-          <a:noFill/>
-        </p:spPr>
-        <p:txBody>
-          <a:bodyPr wrap="none" lIns="91440" tIns="45720" rIns="91440" bIns="45720">
-            <a:spAutoFit/>
-          </a:bodyPr>
-          <a:lstStyle/>
-          <a:p>
-            <a:pPr algn="ctr"/>
-            <a:r>
-              <a:rPr lang="en-US" sz="5400" dirty="0">
-                <a:ln w="0"/>
-                <a:solidFill>
-                  <a:schemeClr val="accent1"/>
-                </a:solidFill>
-                <a:effectLst>
-                  <a:outerShdw blurRad="38100" dist="25400" dir="5400000" algn="ctr" rotWithShape="0">
-                    <a:srgbClr val="6E747A">
-                      <a:alpha val="43000"/>
-                    </a:srgbClr>
-                  </a:outerShdw>
-                </a:effectLst>
-              </a:rPr>
-              <a:t>Developer</a:t>
-            </a:r>
-            <a:endParaRPr lang="en-US" sz="5400" b="0" cap="none" spc="0" dirty="0">
-              <a:ln w="0"/>
-              <a:solidFill>
-                <a:schemeClr val="accent1"/>
-              </a:solidFill>
-              <a:effectLst>
-                <a:outerShdw blurRad="38100" dist="25400" dir="5400000" algn="ctr" rotWithShape="0">
-                  <a:srgbClr val="6E747A">
-                    <a:alpha val="43000"/>
-                  </a:srgbClr>
-                </a:outerShdw>
-              </a:effectLst>
-            </a:endParaRPr>
-          </a:p>
-        </p:txBody>
-      </p:sp>
-      <p:sp>
-        <p:nvSpPr>
-          <p:cNvPr id="6" name="Content Placeholder 2"/>
-          <p:cNvSpPr>
-            <a:spLocks noGrp="1"/>
-          </p:cNvSpPr>
-          <p:nvPr>
-            <p:ph idx="1"/>
-          </p:nvPr>
-        </p:nvSpPr>
-        <p:spPr>
-          <a:xfrm>
-            <a:off x="5234510" y="1742903"/>
-            <a:ext cx="5721665" cy="3884813"/>
-          </a:xfrm>
-        </p:spPr>
-        <p:txBody>
-          <a:bodyPr>
-            <a:normAutofit/>
-          </a:bodyPr>
-          <a:lstStyle/>
-          <a:p>
-            <a:r>
-              <a:rPr lang="en-US" sz="2400" dirty="0"/>
-              <a:t>I will make a </a:t>
-            </a:r>
-            <a:r>
-              <a:rPr lang="en-US" sz="2400" b="1" i="1" dirty="0"/>
-              <a:t>Super Cool</a:t>
-            </a:r>
-            <a:r>
-              <a:rPr lang="en-US" sz="2400" dirty="0"/>
-              <a:t> app.</a:t>
-            </a:r>
-          </a:p>
-          <a:p>
-            <a:endParaRPr lang="en-US" sz="2400" dirty="0"/>
-          </a:p>
-          <a:p>
-            <a:r>
-              <a:rPr lang="en-US" sz="2400" dirty="0"/>
-              <a:t>The app should be fast and have no latency.</a:t>
-            </a:r>
-          </a:p>
-          <a:p>
-            <a:endParaRPr lang="en-US" sz="2400" dirty="0"/>
-          </a:p>
-          <a:p>
-            <a:r>
-              <a:rPr lang="en-US" sz="2400" dirty="0"/>
-              <a:t>How do I make it Fast? </a:t>
-            </a:r>
-          </a:p>
-          <a:p>
-            <a:endParaRPr lang="en-US" sz="2400" b="1" i="1" dirty="0"/>
-          </a:p>
-          <a:p>
-            <a:r>
-              <a:rPr lang="en-US" sz="2400" b="1" i="1" dirty="0"/>
-              <a:t>Solution: Pre-fetch</a:t>
-            </a:r>
-            <a:r>
-              <a:rPr lang="en-US" sz="2400" dirty="0"/>
-              <a:t>.</a:t>
-            </a:r>
-          </a:p>
-          <a:p>
-            <a:endParaRPr lang="en-US" sz="2400" dirty="0"/>
-          </a:p>
-          <a:p>
-            <a:endParaRPr lang="en-US" sz="2400" dirty="0"/>
-          </a:p>
-          <a:p>
-            <a:endParaRPr lang="en-US" sz="2400" dirty="0"/>
-          </a:p>
-          <a:p>
-            <a:endParaRPr lang="en-US" sz="2400" dirty="0"/>
-          </a:p>
-        </p:txBody>
-      </p:sp>
-    </p:spTree>
-    <p:extLst>
-      <p:ext uri="{BB962C8B-B14F-4D97-AF65-F5344CB8AC3E}">
-        <p14:creationId xmlns:p14="http://schemas.microsoft.com/office/powerpoint/2010/main" val="2207665222"/>
-      </p:ext>
-    </p:extLst>
-  </p:cSld>
-  <p:clrMapOvr>
-    <a:masterClrMapping/>
-  </p:clrMapOvr>
-  <p:timing>
-    <p:tnLst>
-      <p:par>
-        <p:cTn id="1" dur="indefinite" restart="never" nodeType="tmRoot">
-          <p:childTnLst>
-            <p:seq concurrent="1" nextAc="seek">
-              <p:cTn id="2" dur="indefinite" nodeType="mainSeq">
-                <p:childTnLst>
-                  <p:par>
-                    <p:cTn id="3" fill="hold">
-                      <p:stCondLst>
-                        <p:cond delay="indefinite"/>
-                      </p:stCondLst>
-                      <p:childTnLst>
-                        <p:par>
-                          <p:cTn id="4" fill="hold">
-                            <p:stCondLst>
-                              <p:cond delay="0"/>
-                            </p:stCondLst>
-                            <p:childTnLst>
-                              <p:par>
-                                <p:cTn id="5" presetID="1" presetClass="entr" presetSubtype="0" fill="hold" nodeType="clickEffect">
-                                  <p:stCondLst>
-                                    <p:cond delay="0"/>
-                                  </p:stCondLst>
-                                  <p:childTnLst>
-                                    <p:set>
-                                      <p:cBhvr>
-                                        <p:cTn id="6" dur="1" fill="hold">
-                                          <p:stCondLst>
-                                            <p:cond delay="0"/>
-                                          </p:stCondLst>
-                                        </p:cTn>
-                                        <p:tgtEl>
-                                          <p:spTgt spid="4"/>
-                                        </p:tgtEl>
-                                        <p:attrNameLst>
-                                          <p:attrName>style.visibility</p:attrName>
-                                        </p:attrNameLst>
-                                      </p:cBhvr>
-                                      <p:to>
-                                        <p:strVal val="visible"/>
-                                      </p:to>
-                                    </p:set>
-                                  </p:childTnLst>
-                                </p:cTn>
-                              </p:par>
-                            </p:childTnLst>
-                          </p:cTn>
-                        </p:par>
-                      </p:childTnLst>
-                    </p:cTn>
-                  </p:par>
-                </p:childTnLst>
-              </p:cTn>
-              <p:prevCondLst>
-                <p:cond evt="onPrev" delay="0">
-                  <p:tgtEl>
-                    <p:sldTgt/>
-                  </p:tgtEl>
-                </p:cond>
-              </p:prevCondLst>
-              <p:nextCondLst>
-                <p:cond evt="onNext" delay="0">
-                  <p:tgtEl>
-                    <p:sldTgt/>
-                  </p:tgtEl>
-                </p:cond>
-              </p:nextCondLst>
-            </p:seq>
-          </p:childTnLst>
-        </p:cTn>
-      </p:par>
-    </p:tnLst>
-  </p:timing>
-</p:sld>
-</file>
-
-<file path=ppt/slides/slide5.xml><?xml version="1.0" encoding="utf-8"?>
-<p:sld xmlns:a="http://schemas.openxmlformats.org/drawingml/2006/main" xmlns:r="http://schemas.openxmlformats.org/officeDocument/2006/relationships" xmlns:p="http://schemas.openxmlformats.org/presentationml/2006/main">
-  <p:cSld>
-    <p:spTree>
-      <p:nvGrpSpPr>
-        <p:cNvPr id="1" name=""/>
-        <p:cNvGrpSpPr/>
-        <p:nvPr/>
-      </p:nvGrpSpPr>
-      <p:grpSpPr>
-        <a:xfrm>
-          <a:off x="0" y="0"/>
-          <a:ext cx="0" cy="0"/>
-          <a:chOff x="0" y="0"/>
-          <a:chExt cx="0" cy="0"/>
-        </a:xfrm>
-      </p:grpSpPr>
-      <p:sp>
-        <p:nvSpPr>
-          <p:cNvPr id="5" name="Rectangle 4"/>
-          <p:cNvSpPr/>
-          <p:nvPr/>
-        </p:nvSpPr>
-        <p:spPr>
-          <a:xfrm>
-            <a:off x="2290481" y="4015379"/>
-            <a:ext cx="1566455" cy="923330"/>
-          </a:xfrm>
-          <a:prstGeom prst="rect">
-            <a:avLst/>
-          </a:prstGeom>
-          <a:noFill/>
-        </p:spPr>
-        <p:txBody>
-          <a:bodyPr wrap="none" lIns="91440" tIns="45720" rIns="91440" bIns="45720">
-            <a:spAutoFit/>
-          </a:bodyPr>
-          <a:lstStyle/>
-          <a:p>
-            <a:pPr algn="ctr"/>
-            <a:r>
-              <a:rPr lang="en-US" sz="5400" dirty="0">
-                <a:ln w="0"/>
-                <a:solidFill>
-                  <a:schemeClr val="accent1"/>
-                </a:solidFill>
-                <a:effectLst>
-                  <a:outerShdw blurRad="38100" dist="25400" dir="5400000" algn="ctr" rotWithShape="0">
-                    <a:srgbClr val="6E747A">
-                      <a:alpha val="43000"/>
-                    </a:srgbClr>
-                  </a:outerShdw>
-                </a:effectLst>
-              </a:rPr>
-              <a:t>User</a:t>
-            </a:r>
-            <a:endParaRPr lang="en-US" sz="5400" b="0" cap="none" spc="0" dirty="0">
-              <a:ln w="0"/>
-              <a:solidFill>
-                <a:schemeClr val="accent1"/>
-              </a:solidFill>
-              <a:effectLst>
-                <a:outerShdw blurRad="38100" dist="25400" dir="5400000" algn="ctr" rotWithShape="0">
-                  <a:srgbClr val="6E747A">
-                    <a:alpha val="43000"/>
-                  </a:srgbClr>
-                </a:outerShdw>
-              </a:effectLst>
-            </a:endParaRPr>
-          </a:p>
-        </p:txBody>
-      </p:sp>
-      <p:sp>
-        <p:nvSpPr>
-          <p:cNvPr id="6" name="Content Placeholder 2"/>
-          <p:cNvSpPr>
-            <a:spLocks noGrp="1"/>
-          </p:cNvSpPr>
-          <p:nvPr>
-            <p:ph idx="1"/>
-          </p:nvPr>
-        </p:nvSpPr>
-        <p:spPr>
-          <a:xfrm>
-            <a:off x="5234510" y="1742903"/>
-            <a:ext cx="5721665" cy="2870661"/>
-          </a:xfrm>
-        </p:spPr>
-        <p:txBody>
-          <a:bodyPr>
-            <a:normAutofit/>
-          </a:bodyPr>
-          <a:lstStyle/>
-          <a:p>
-            <a:r>
-              <a:rPr lang="en-US" sz="2400" dirty="0"/>
-              <a:t>Installs the </a:t>
-            </a:r>
-            <a:r>
-              <a:rPr lang="en-US" sz="2400" b="1" i="1" dirty="0"/>
-              <a:t>Cool app</a:t>
-            </a:r>
-            <a:r>
-              <a:rPr lang="en-US" sz="2400" dirty="0"/>
-              <a:t>.</a:t>
-            </a:r>
-          </a:p>
-          <a:p>
-            <a:endParaRPr lang="en-US" sz="2400" dirty="0"/>
-          </a:p>
-          <a:p>
-            <a:r>
-              <a:rPr lang="en-US" sz="2400" dirty="0"/>
-              <a:t>Uses it for few days.</a:t>
-            </a:r>
-          </a:p>
-          <a:p>
-            <a:endParaRPr lang="en-US" sz="2400" dirty="0"/>
-          </a:p>
-          <a:p>
-            <a:r>
-              <a:rPr lang="en-US" sz="2400" b="1" i="1" dirty="0"/>
-              <a:t>Reaction: Wow! This app is so fast and useful.</a:t>
-            </a:r>
-          </a:p>
-          <a:p>
-            <a:endParaRPr lang="en-US" sz="2400" b="1" i="1" dirty="0"/>
-          </a:p>
-          <a:p>
-            <a:endParaRPr lang="en-US" sz="2400" dirty="0"/>
-          </a:p>
-          <a:p>
-            <a:endParaRPr lang="en-US" sz="2400" dirty="0"/>
-          </a:p>
-          <a:p>
-            <a:endParaRPr lang="en-US" sz="2400" dirty="0"/>
-          </a:p>
-          <a:p>
-            <a:endParaRPr lang="en-US" sz="2400" dirty="0"/>
-          </a:p>
-        </p:txBody>
-      </p:sp>
-      <p:pic>
-        <p:nvPicPr>
-          <p:cNvPr id="7" name="Picture 6"/>
-          <p:cNvPicPr>
-            <a:picLocks noChangeAspect="1"/>
-          </p:cNvPicPr>
-          <p:nvPr/>
-        </p:nvPicPr>
-        <p:blipFill>
-          <a:blip r:embed="rId2">
-            <a:extLst>
-              <a:ext uri="{28A0092B-C50C-407E-A947-70E740481C1C}">
-                <a14:useLocalDpi xmlns:a14="http://schemas.microsoft.com/office/drawing/2010/main" val="0"/>
-              </a:ext>
-            </a:extLst>
-          </a:blip>
-          <a:stretch>
-            <a:fillRect/>
-          </a:stretch>
-        </p:blipFill>
-        <p:spPr>
-          <a:xfrm>
-            <a:off x="1614429" y="1843482"/>
-            <a:ext cx="2661285" cy="2025665"/>
-          </a:xfrm>
-          <a:prstGeom prst="rect">
-            <a:avLst/>
-          </a:prstGeom>
-        </p:spPr>
-      </p:pic>
-    </p:spTree>
-    <p:extLst>
-      <p:ext uri="{BB962C8B-B14F-4D97-AF65-F5344CB8AC3E}">
-        <p14:creationId xmlns:p14="http://schemas.microsoft.com/office/powerpoint/2010/main" val="66493655"/>
-      </p:ext>
-    </p:extLst>
-  </p:cSld>
-  <p:clrMapOvr>
-    <a:masterClrMapping/>
-  </p:clrMapOvr>
-  <p:timing>
-    <p:tnLst>
-      <p:par>
-        <p:cTn id="1" dur="indefinite" restart="never" nodeType="tmRoot">
-          <p:childTnLst>
-            <p:seq concurrent="1" nextAc="seek">
-              <p:cTn id="2" dur="indefinite" nodeType="mainSeq">
-                <p:childTnLst>
-                  <p:par>
-                    <p:cTn id="3" fill="hold">
-                      <p:stCondLst>
-                        <p:cond delay="indefinite"/>
-                      </p:stCondLst>
-                      <p:childTnLst>
-                        <p:par>
-                          <p:cTn id="4" fill="hold">
-                            <p:stCondLst>
-                              <p:cond delay="0"/>
-                            </p:stCondLst>
-                            <p:childTnLst>
-                              <p:par>
-                                <p:cTn id="5" presetID="1" presetClass="entr" presetSubtype="0" fill="hold" nodeType="clickEffect">
-                                  <p:stCondLst>
-                                    <p:cond delay="0"/>
-                                  </p:stCondLst>
-                                  <p:childTnLst>
-                                    <p:set>
-                                      <p:cBhvr>
-                                        <p:cTn id="6" dur="1" fill="hold">
-                                          <p:stCondLst>
-                                            <p:cond delay="0"/>
-                                          </p:stCondLst>
-                                        </p:cTn>
-                                        <p:tgtEl>
-                                          <p:spTgt spid="7"/>
-                                        </p:tgtEl>
-                                        <p:attrNameLst>
-                                          <p:attrName>style.visibility</p:attrName>
-                                        </p:attrNameLst>
-                                      </p:cBhvr>
-                                      <p:to>
-                                        <p:strVal val="visible"/>
-                                      </p:to>
-                                    </p:set>
-                                  </p:childTnLst>
-                                </p:cTn>
-                              </p:par>
-                            </p:childTnLst>
-                          </p:cTn>
-                        </p:par>
-                      </p:childTnLst>
-                    </p:cTn>
-                  </p:par>
-                </p:childTnLst>
-              </p:cTn>
-              <p:prevCondLst>
-                <p:cond evt="onPrev" delay="0">
-                  <p:tgtEl>
-                    <p:sldTgt/>
-                  </p:tgtEl>
-                </p:cond>
-              </p:prevCondLst>
-              <p:nextCondLst>
-                <p:cond evt="onNext" delay="0">
-                  <p:tgtEl>
-                    <p:sldTgt/>
-                  </p:tgtEl>
-                </p:cond>
-              </p:nextCondLst>
-            </p:seq>
-          </p:childTnLst>
-        </p:cTn>
-      </p:par>
-    </p:tnLst>
-  </p:timing>
-</p:sld>
-</file>
-
-<file path=ppt/slides/slide6.xml><?xml version="1.0" encoding="utf-8"?>
-<p:sld xmlns:a="http://schemas.openxmlformats.org/drawingml/2006/main" xmlns:r="http://schemas.openxmlformats.org/officeDocument/2006/relationships" xmlns:p="http://schemas.openxmlformats.org/presentationml/2006/main">
-  <p:cSld>
-    <p:spTree>
-      <p:nvGrpSpPr>
-        <p:cNvPr id="1" name=""/>
-        <p:cNvGrpSpPr/>
-        <p:nvPr/>
-      </p:nvGrpSpPr>
-      <p:grpSpPr>
-        <a:xfrm>
-          <a:off x="0" y="0"/>
-          <a:ext cx="0" cy="0"/>
-          <a:chOff x="0" y="0"/>
-          <a:chExt cx="0" cy="0"/>
-        </a:xfrm>
-      </p:grpSpPr>
-      <p:sp>
-        <p:nvSpPr>
-          <p:cNvPr id="6" name="Content Placeholder 2"/>
-          <p:cNvSpPr>
-            <a:spLocks noGrp="1"/>
-          </p:cNvSpPr>
-          <p:nvPr>
-            <p:ph idx="1"/>
-          </p:nvPr>
-        </p:nvSpPr>
-        <p:spPr>
-          <a:xfrm>
-            <a:off x="5234510" y="1742903"/>
-            <a:ext cx="5721665" cy="2870661"/>
-          </a:xfrm>
-        </p:spPr>
-        <p:txBody>
-          <a:bodyPr>
-            <a:normAutofit fontScale="92500" lnSpcReduction="10000"/>
-          </a:bodyPr>
-          <a:lstStyle/>
-          <a:p>
-            <a:endParaRPr lang="en-US" sz="2400" dirty="0"/>
-          </a:p>
-          <a:p>
-            <a:r>
-              <a:rPr lang="en-US" sz="2400" b="1" i="1" dirty="0"/>
-              <a:t>Reaction: </a:t>
-            </a:r>
-          </a:p>
-          <a:p>
-            <a:endParaRPr lang="en-US" sz="2400" b="1" i="1" dirty="0"/>
-          </a:p>
-          <a:p>
-            <a:r>
-              <a:rPr lang="en-US" sz="2400" b="1" i="1" dirty="0"/>
-              <a:t>This App Used Up All my LTE data. Uninstall !!!!</a:t>
-            </a:r>
-          </a:p>
-          <a:p>
-            <a:endParaRPr lang="en-US" sz="2400" b="1" i="1" dirty="0"/>
-          </a:p>
-          <a:p>
-            <a:r>
-              <a:rPr lang="en-US" sz="2400" b="1" i="1" dirty="0"/>
-              <a:t>I’ll search for a new App.</a:t>
-            </a:r>
-          </a:p>
-          <a:p>
-            <a:endParaRPr lang="en-US" sz="2400" b="1" i="1" dirty="0"/>
-          </a:p>
-          <a:p>
-            <a:endParaRPr lang="en-US" sz="2400" dirty="0"/>
-          </a:p>
-          <a:p>
-            <a:endParaRPr lang="en-US" sz="2400" dirty="0"/>
-          </a:p>
-          <a:p>
-            <a:endParaRPr lang="en-US" sz="2400" dirty="0"/>
-          </a:p>
-          <a:p>
-            <a:endParaRPr lang="en-US" sz="2400" dirty="0"/>
-          </a:p>
-        </p:txBody>
-      </p:sp>
-      <p:sp>
-        <p:nvSpPr>
-          <p:cNvPr id="8" name="Title 1"/>
-          <p:cNvSpPr>
-            <a:spLocks noGrp="1"/>
-          </p:cNvSpPr>
-          <p:nvPr>
-            <p:ph type="title"/>
-          </p:nvPr>
-        </p:nvSpPr>
-        <p:spPr>
-          <a:xfrm>
-            <a:off x="2044488" y="315781"/>
-            <a:ext cx="8911687" cy="1280890"/>
-          </a:xfrm>
-        </p:spPr>
-        <p:txBody>
-          <a:bodyPr/>
-          <a:lstStyle/>
-          <a:p>
-            <a:r>
-              <a:rPr lang="en-US" dirty="0"/>
-              <a:t>A Month Later...</a:t>
-            </a:r>
-          </a:p>
-        </p:txBody>
-      </p:sp>
-      <p:pic>
-        <p:nvPicPr>
-          <p:cNvPr id="9" name="Picture 8"/>
-          <p:cNvPicPr>
-            <a:picLocks noChangeAspect="1"/>
-          </p:cNvPicPr>
-          <p:nvPr/>
-        </p:nvPicPr>
-        <p:blipFill>
-          <a:blip r:embed="rId2">
-            <a:extLst>
-              <a:ext uri="{28A0092B-C50C-407E-A947-70E740481C1C}">
-                <a14:useLocalDpi xmlns:a14="http://schemas.microsoft.com/office/drawing/2010/main" val="0"/>
-              </a:ext>
-            </a:extLst>
-          </a:blip>
-          <a:stretch>
-            <a:fillRect/>
-          </a:stretch>
-        </p:blipFill>
-        <p:spPr>
-          <a:xfrm>
-            <a:off x="1490305" y="1459040"/>
-            <a:ext cx="2893977" cy="3038145"/>
-          </a:xfrm>
-          <a:prstGeom prst="rect">
-            <a:avLst/>
-          </a:prstGeom>
-        </p:spPr>
-      </p:pic>
-      <p:sp>
-        <p:nvSpPr>
-          <p:cNvPr id="10" name="Rectangle 9"/>
-          <p:cNvSpPr/>
-          <p:nvPr/>
-        </p:nvSpPr>
-        <p:spPr>
-          <a:xfrm>
-            <a:off x="2154065" y="4613564"/>
-            <a:ext cx="1566455" cy="923330"/>
-          </a:xfrm>
-          <a:prstGeom prst="rect">
-            <a:avLst/>
-          </a:prstGeom>
-          <a:noFill/>
-        </p:spPr>
-        <p:txBody>
-          <a:bodyPr wrap="none" lIns="91440" tIns="45720" rIns="91440" bIns="45720">
-            <a:spAutoFit/>
-          </a:bodyPr>
-          <a:lstStyle/>
-          <a:p>
-            <a:pPr algn="ctr"/>
-            <a:r>
-              <a:rPr lang="en-US" sz="5400" dirty="0">
-                <a:ln w="0"/>
-                <a:solidFill>
-                  <a:schemeClr val="accent1"/>
-                </a:solidFill>
-                <a:effectLst>
-                  <a:outerShdw blurRad="38100" dist="25400" dir="5400000" algn="ctr" rotWithShape="0">
-                    <a:srgbClr val="6E747A">
-                      <a:alpha val="43000"/>
-                    </a:srgbClr>
-                  </a:outerShdw>
-                </a:effectLst>
-              </a:rPr>
-              <a:t>User</a:t>
-            </a:r>
-            <a:endParaRPr lang="en-US" sz="5400" b="0" cap="none" spc="0" dirty="0">
-              <a:ln w="0"/>
-              <a:solidFill>
-                <a:schemeClr val="accent1"/>
-              </a:solidFill>
-              <a:effectLst>
-                <a:outerShdw blurRad="38100" dist="25400" dir="5400000" algn="ctr" rotWithShape="0">
-                  <a:srgbClr val="6E747A">
-                    <a:alpha val="43000"/>
-                  </a:srgbClr>
-                </a:outerShdw>
-              </a:effectLst>
-            </a:endParaRPr>
-          </a:p>
-        </p:txBody>
-      </p:sp>
-    </p:spTree>
-    <p:extLst>
-      <p:ext uri="{BB962C8B-B14F-4D97-AF65-F5344CB8AC3E}">
-        <p14:creationId xmlns:p14="http://schemas.microsoft.com/office/powerpoint/2010/main" val="831671531"/>
-      </p:ext>
-    </p:extLst>
-  </p:cSld>
-  <p:clrMapOvr>
-    <a:masterClrMapping/>
-  </p:clrMapOvr>
-</p:sld>
-</file>
-
-<file path=ppt/slides/slide7.xml><?xml version="1.0" encoding="utf-8"?>
-<p:sld xmlns:a="http://schemas.openxmlformats.org/drawingml/2006/main" xmlns:r="http://schemas.openxmlformats.org/officeDocument/2006/relationships" xmlns:p="http://schemas.openxmlformats.org/presentationml/2006/main">
-  <p:cSld>
-    <p:spTree>
-      <p:nvGrpSpPr>
-        <p:cNvPr id="1" name=""/>
-        <p:cNvGrpSpPr/>
-        <p:nvPr/>
-      </p:nvGrpSpPr>
-      <p:grpSpPr>
-        <a:xfrm>
-          <a:off x="0" y="0"/>
-          <a:ext cx="0" cy="0"/>
-          <a:chOff x="0" y="0"/>
-          <a:chExt cx="0" cy="0"/>
-        </a:xfrm>
-      </p:grpSpPr>
-      <p:pic>
-        <p:nvPicPr>
-          <p:cNvPr id="2" name="Picture 1"/>
-          <p:cNvPicPr>
-            <a:picLocks noChangeAspect="1"/>
-          </p:cNvPicPr>
-          <p:nvPr/>
-        </p:nvPicPr>
-        <p:blipFill>
-          <a:blip r:embed="rId2">
-            <a:extLst>
-              <a:ext uri="{28A0092B-C50C-407E-A947-70E740481C1C}">
-                <a14:useLocalDpi xmlns:a14="http://schemas.microsoft.com/office/drawing/2010/main" val="0"/>
-              </a:ext>
-            </a:extLst>
-          </a:blip>
-          <a:stretch>
-            <a:fillRect/>
-          </a:stretch>
-        </p:blipFill>
-        <p:spPr>
-          <a:xfrm>
-            <a:off x="4012520" y="1719072"/>
-            <a:ext cx="3793067" cy="2670048"/>
-          </a:xfrm>
-          <a:prstGeom prst="rect">
-            <a:avLst/>
-          </a:prstGeom>
-        </p:spPr>
-      </p:pic>
-      <p:sp>
-        <p:nvSpPr>
-          <p:cNvPr id="3" name="Rectangle 2"/>
-          <p:cNvSpPr/>
-          <p:nvPr/>
-        </p:nvSpPr>
-        <p:spPr>
-          <a:xfrm>
-            <a:off x="4055821" y="4576211"/>
-            <a:ext cx="3706464" cy="923330"/>
-          </a:xfrm>
-          <a:prstGeom prst="rect">
-            <a:avLst/>
-          </a:prstGeom>
-          <a:noFill/>
-        </p:spPr>
-        <p:txBody>
-          <a:bodyPr wrap="none" lIns="91440" tIns="45720" rIns="91440" bIns="45720">
-            <a:spAutoFit/>
-          </a:bodyPr>
-          <a:lstStyle/>
-          <a:p>
-            <a:pPr algn="ctr"/>
-            <a:r>
-              <a:rPr lang="en-US" sz="5400" dirty="0">
-                <a:ln w="0"/>
-                <a:solidFill>
-                  <a:schemeClr val="accent1"/>
-                </a:solidFill>
-                <a:effectLst>
-                  <a:outerShdw blurRad="38100" dist="25400" dir="5400000" algn="ctr" rotWithShape="0">
-                    <a:srgbClr val="6E747A">
-                      <a:alpha val="43000"/>
-                    </a:srgbClr>
-                  </a:outerShdw>
-                </a:effectLst>
-              </a:rPr>
-              <a:t>Developer</a:t>
-            </a:r>
-            <a:endParaRPr lang="en-US" sz="5400" b="0" cap="none" spc="0" dirty="0">
-              <a:ln w="0"/>
-              <a:solidFill>
-                <a:schemeClr val="accent1"/>
-              </a:solidFill>
-              <a:effectLst>
-                <a:outerShdw blurRad="38100" dist="25400" dir="5400000" algn="ctr" rotWithShape="0">
-                  <a:srgbClr val="6E747A">
-                    <a:alpha val="43000"/>
-                  </a:srgbClr>
-                </a:outerShdw>
-              </a:effectLst>
-            </a:endParaRPr>
-          </a:p>
-        </p:txBody>
-      </p:sp>
-    </p:spTree>
-    <p:extLst>
-      <p:ext uri="{BB962C8B-B14F-4D97-AF65-F5344CB8AC3E}">
-        <p14:creationId xmlns:p14="http://schemas.microsoft.com/office/powerpoint/2010/main" val="3130675213"/>
-      </p:ext>
-    </p:extLst>
-  </p:cSld>
-  <p:clrMapOvr>
-    <a:masterClrMapping/>
-  </p:clrMapOvr>
-</p:sld>
-</file>
-
-<file path=ppt/slides/slide8.xml><?xml version="1.0" encoding="utf-8"?>
-<p:sld xmlns:a="http://schemas.openxmlformats.org/drawingml/2006/main" xmlns:r="http://schemas.openxmlformats.org/officeDocument/2006/relationships" xmlns:p="http://schemas.openxmlformats.org/presentationml/2006/main">
-  <p:cSld>
-    <p:spTree>
-      <p:nvGrpSpPr>
-        <p:cNvPr id="1" name=""/>
-        <p:cNvGrpSpPr/>
-        <p:nvPr/>
-      </p:nvGrpSpPr>
-      <p:grpSpPr>
-        <a:xfrm>
-          <a:off x="0" y="0"/>
-          <a:ext cx="0" cy="0"/>
-          <a:chOff x="0" y="0"/>
-          <a:chExt cx="0" cy="0"/>
-        </a:xfrm>
-      </p:grpSpPr>
-      <p:sp>
-        <p:nvSpPr>
-          <p:cNvPr id="3" name="Rectangle 2"/>
-          <p:cNvSpPr/>
-          <p:nvPr/>
-        </p:nvSpPr>
-        <p:spPr>
-          <a:xfrm>
-            <a:off x="4116780" y="4905395"/>
-            <a:ext cx="3706464" cy="923330"/>
-          </a:xfrm>
-          <a:prstGeom prst="rect">
-            <a:avLst/>
-          </a:prstGeom>
-          <a:noFill/>
-        </p:spPr>
-        <p:txBody>
-          <a:bodyPr wrap="none" lIns="91440" tIns="45720" rIns="91440" bIns="45720">
-            <a:spAutoFit/>
-          </a:bodyPr>
-          <a:lstStyle/>
-          <a:p>
-            <a:pPr algn="ctr"/>
-            <a:r>
-              <a:rPr lang="en-US" sz="5400" dirty="0">
-                <a:ln w="0"/>
-                <a:solidFill>
-                  <a:schemeClr val="accent1"/>
-                </a:solidFill>
-                <a:effectLst>
-                  <a:outerShdw blurRad="38100" dist="25400" dir="5400000" algn="ctr" rotWithShape="0">
-                    <a:srgbClr val="6E747A">
-                      <a:alpha val="43000"/>
-                    </a:srgbClr>
-                  </a:outerShdw>
-                </a:effectLst>
-              </a:rPr>
-              <a:t>Developer</a:t>
-            </a:r>
-            <a:endParaRPr lang="en-US" sz="5400" b="0" cap="none" spc="0" dirty="0">
-              <a:ln w="0"/>
-              <a:solidFill>
-                <a:schemeClr val="accent1"/>
-              </a:solidFill>
-              <a:effectLst>
-                <a:outerShdw blurRad="38100" dist="25400" dir="5400000" algn="ctr" rotWithShape="0">
-                  <a:srgbClr val="6E747A">
-                    <a:alpha val="43000"/>
-                  </a:srgbClr>
-                </a:outerShdw>
-              </a:effectLst>
-            </a:endParaRPr>
-          </a:p>
-        </p:txBody>
-      </p:sp>
-      <p:pic>
-        <p:nvPicPr>
-          <p:cNvPr id="4" name="Picture 3"/>
-          <p:cNvPicPr>
-            <a:picLocks noChangeAspect="1"/>
-          </p:cNvPicPr>
-          <p:nvPr/>
-        </p:nvPicPr>
-        <p:blipFill>
-          <a:blip r:embed="rId2">
-            <a:extLst>
-              <a:ext uri="{28A0092B-C50C-407E-A947-70E740481C1C}">
-                <a14:useLocalDpi xmlns:a14="http://schemas.microsoft.com/office/drawing/2010/main" val="0"/>
-              </a:ext>
-            </a:extLst>
-          </a:blip>
-          <a:stretch>
-            <a:fillRect/>
-          </a:stretch>
-        </p:blipFill>
-        <p:spPr>
-          <a:xfrm>
-            <a:off x="3424210" y="1852703"/>
-            <a:ext cx="5091605" cy="2864027"/>
-          </a:xfrm>
-          <a:prstGeom prst="rect">
-            <a:avLst/>
-          </a:prstGeom>
-        </p:spPr>
-      </p:pic>
-      <p:sp>
-        <p:nvSpPr>
-          <p:cNvPr id="5" name="Title 1"/>
-          <p:cNvSpPr>
-            <a:spLocks noGrp="1"/>
-          </p:cNvSpPr>
-          <p:nvPr>
-            <p:ph type="title"/>
-          </p:nvPr>
-        </p:nvSpPr>
-        <p:spPr>
-          <a:xfrm>
-            <a:off x="2056680" y="571813"/>
-            <a:ext cx="8911687" cy="1280890"/>
-          </a:xfrm>
-        </p:spPr>
-        <p:txBody>
-          <a:bodyPr/>
-          <a:lstStyle/>
-          <a:p>
-            <a:r>
-              <a:rPr lang="en-US" dirty="0"/>
-              <a:t>Our Aim</a:t>
-            </a:r>
-          </a:p>
-        </p:txBody>
-      </p:sp>
-    </p:spTree>
-    <p:extLst>
-      <p:ext uri="{BB962C8B-B14F-4D97-AF65-F5344CB8AC3E}">
-        <p14:creationId xmlns:p14="http://schemas.microsoft.com/office/powerpoint/2010/main" val="632851554"/>
-      </p:ext>
-    </p:extLst>
-  </p:cSld>
-  <p:clrMapOvr>
-    <a:masterClrMapping/>
-  </p:clrMapOvr>
-</p:sld>
-</file>
-
-<file path=ppt/slides/slide9.xml><?xml version="1.0" encoding="utf-8"?>
-<p:sld xmlns:a="http://schemas.openxmlformats.org/drawingml/2006/main" xmlns:r="http://schemas.openxmlformats.org/officeDocument/2006/relationships" xmlns:p="http://schemas.openxmlformats.org/presentationml/2006/main">
-  <p:cSld>
-    <p:spTree>
-      <p:nvGrpSpPr>
-        <p:cNvPr id="1" name=""/>
-        <p:cNvGrpSpPr/>
-        <p:nvPr/>
-      </p:nvGrpSpPr>
-      <p:grpSpPr>
-        <a:xfrm>
-          <a:off x="0" y="0"/>
-          <a:ext cx="0" cy="0"/>
-          <a:chOff x="0" y="0"/>
-          <a:chExt cx="0" cy="0"/>
-        </a:xfrm>
-      </p:grpSpPr>
-      <p:sp>
-        <p:nvSpPr>
-          <p:cNvPr id="2" name="Title 1"/>
-          <p:cNvSpPr>
-            <a:spLocks noGrp="1"/>
-          </p:cNvSpPr>
-          <p:nvPr>
-            <p:ph type="title"/>
-          </p:nvPr>
-        </p:nvSpPr>
-        <p:spPr/>
-        <p:txBody>
-          <a:bodyPr/>
-          <a:lstStyle/>
-          <a:p>
-            <a:r>
-              <a:rPr lang="en-US" dirty="0"/>
-              <a:t>Design </a:t>
-            </a:r>
-          </a:p>
-        </p:txBody>
-      </p:sp>
-      <p:sp>
-        <p:nvSpPr>
-          <p:cNvPr id="5" name="Content Placeholder 4"/>
-          <p:cNvSpPr>
-            <a:spLocks noGrp="1"/>
-          </p:cNvSpPr>
-          <p:nvPr>
-            <p:ph idx="1"/>
-          </p:nvPr>
-        </p:nvSpPr>
-        <p:spPr>
-          <a:xfrm>
-            <a:off x="2589212" y="1524000"/>
-            <a:ext cx="8915400" cy="4387222"/>
-          </a:xfrm>
-        </p:spPr>
-        <p:txBody>
-          <a:bodyPr>
-            <a:normAutofit/>
-          </a:bodyPr>
-          <a:lstStyle/>
-          <a:p>
-            <a:r>
-              <a:rPr lang="en-US" sz="2400" dirty="0"/>
-              <a:t>Android Common Pattern</a:t>
-            </a:r>
-          </a:p>
-        </p:txBody>
-      </p:sp>
-      <p:sp>
-        <p:nvSpPr>
-          <p:cNvPr id="8" name="Rectangle 7"/>
-          <p:cNvSpPr/>
-          <p:nvPr/>
-        </p:nvSpPr>
-        <p:spPr>
-          <a:xfrm>
-            <a:off x="2921620" y="2334322"/>
-            <a:ext cx="3583258" cy="3315629"/>
-          </a:xfrm>
-          <a:prstGeom prst="rect">
-            <a:avLst/>
-          </a:prstGeom>
-          <a:ln/>
-        </p:spPr>
-        <p:style>
-          <a:lnRef idx="2">
-            <a:schemeClr val="dk1"/>
-          </a:lnRef>
-          <a:fillRef idx="1">
-            <a:schemeClr val="lt1"/>
-          </a:fillRef>
-          <a:effectRef idx="0">
-            <a:schemeClr val="dk1"/>
-          </a:effectRef>
-          <a:fontRef idx="minor">
-            <a:schemeClr val="dk1"/>
-          </a:fontRef>
-        </p:style>
-        <p:txBody>
-          <a:bodyPr rtlCol="0" anchor="ctr"/>
-          <a:lstStyle/>
-          <a:p>
-            <a:r>
-              <a:rPr lang="en-US" sz="2000" dirty="0">
-                <a:solidFill>
-                  <a:schemeClr val="tx1"/>
-                </a:solidFill>
-              </a:rPr>
-              <a:t>Activity 1{</a:t>
-            </a:r>
-          </a:p>
-          <a:p>
-            <a:endParaRPr lang="en-US" sz="2000" dirty="0">
-              <a:solidFill>
-                <a:schemeClr val="tx1"/>
-              </a:solidFill>
-            </a:endParaRPr>
-          </a:p>
-          <a:p>
-            <a:r>
-              <a:rPr lang="en-US" sz="2000" dirty="0">
-                <a:solidFill>
-                  <a:schemeClr val="tx1"/>
-                </a:solidFill>
-              </a:rPr>
-              <a:t>var1 &lt;= </a:t>
-            </a:r>
-            <a:r>
-              <a:rPr lang="en-US" sz="2000" dirty="0" err="1">
-                <a:solidFill>
-                  <a:schemeClr val="tx1"/>
-                </a:solidFill>
-              </a:rPr>
-              <a:t>networkFetch</a:t>
-            </a:r>
-            <a:r>
-              <a:rPr lang="en-US" sz="2000" dirty="0">
-                <a:solidFill>
-                  <a:schemeClr val="tx1"/>
-                </a:solidFill>
-              </a:rPr>
-              <a:t>(url1)</a:t>
-            </a:r>
-          </a:p>
-          <a:p>
-            <a:endParaRPr lang="en-US" sz="2000" dirty="0">
-              <a:solidFill>
-                <a:schemeClr val="tx1"/>
-              </a:solidFill>
-            </a:endParaRPr>
-          </a:p>
-          <a:p>
-            <a:r>
-              <a:rPr lang="en-US" sz="2000" dirty="0" err="1">
-                <a:solidFill>
-                  <a:schemeClr val="tx1"/>
-                </a:solidFill>
-              </a:rPr>
-              <a:t>textView.setText</a:t>
-            </a:r>
-            <a:r>
-              <a:rPr lang="en-US" sz="2000" dirty="0">
-                <a:solidFill>
-                  <a:schemeClr val="tx1"/>
-                </a:solidFill>
-              </a:rPr>
-              <a:t>(var1)</a:t>
-            </a:r>
-          </a:p>
-          <a:p>
-            <a:endParaRPr lang="en-US" sz="2000" dirty="0">
-              <a:solidFill>
-                <a:schemeClr val="tx1"/>
-              </a:solidFill>
-            </a:endParaRPr>
-          </a:p>
-          <a:p>
-            <a:r>
-              <a:rPr lang="en-US" sz="2000" dirty="0">
-                <a:solidFill>
-                  <a:schemeClr val="tx1"/>
-                </a:solidFill>
-              </a:rPr>
-              <a:t>var2 &lt;= </a:t>
-            </a:r>
-            <a:r>
-              <a:rPr lang="en-US" sz="2000" dirty="0" err="1">
-                <a:solidFill>
-                  <a:schemeClr val="tx1"/>
-                </a:solidFill>
-              </a:rPr>
-              <a:t>networkFetch</a:t>
-            </a:r>
-            <a:r>
-              <a:rPr lang="en-US" sz="2000" dirty="0">
-                <a:solidFill>
-                  <a:schemeClr val="tx1"/>
-                </a:solidFill>
-              </a:rPr>
-              <a:t>(url2)</a:t>
-            </a:r>
-          </a:p>
-          <a:p>
-            <a:endParaRPr lang="en-US" sz="2000" dirty="0">
-              <a:solidFill>
-                <a:schemeClr val="tx1"/>
-              </a:solidFill>
-            </a:endParaRPr>
-          </a:p>
-          <a:p>
-            <a:r>
-              <a:rPr lang="en-US" sz="2000" dirty="0">
-                <a:solidFill>
-                  <a:schemeClr val="tx1"/>
-                </a:solidFill>
-              </a:rPr>
-              <a:t>startActivity2(var2)</a:t>
-            </a:r>
-          </a:p>
-          <a:p>
-            <a:endParaRPr lang="en-US" sz="2000" dirty="0">
-              <a:solidFill>
-                <a:schemeClr val="tx1"/>
-              </a:solidFill>
-            </a:endParaRPr>
-          </a:p>
-          <a:p>
-            <a:r>
-              <a:rPr lang="en-US" sz="2000" dirty="0">
-                <a:solidFill>
-                  <a:schemeClr val="tx1"/>
-                </a:solidFill>
-              </a:rPr>
-              <a:t>}</a:t>
-            </a:r>
-          </a:p>
-        </p:txBody>
-      </p:sp>
-      <p:sp>
-        <p:nvSpPr>
-          <p:cNvPr id="9" name="Rectangle 8"/>
-          <p:cNvSpPr/>
-          <p:nvPr/>
-        </p:nvSpPr>
-        <p:spPr>
-          <a:xfrm>
-            <a:off x="8352263" y="2334322"/>
-            <a:ext cx="2888166" cy="3315629"/>
-          </a:xfrm>
-          <a:prstGeom prst="rect">
-            <a:avLst/>
-          </a:prstGeom>
-          <a:ln/>
-        </p:spPr>
-        <p:style>
-          <a:lnRef idx="2">
-            <a:schemeClr val="dk1"/>
-          </a:lnRef>
-          <a:fillRef idx="1">
-            <a:schemeClr val="lt1"/>
-          </a:fillRef>
-          <a:effectRef idx="0">
-            <a:schemeClr val="dk1"/>
-          </a:effectRef>
-          <a:fontRef idx="minor">
-            <a:schemeClr val="dk1"/>
-          </a:fontRef>
-        </p:style>
-        <p:txBody>
-          <a:bodyPr rtlCol="0" anchor="ctr"/>
-          <a:lstStyle/>
-          <a:p>
-            <a:r>
-              <a:rPr lang="en-US" sz="2000" dirty="0">
-                <a:solidFill>
-                  <a:schemeClr val="tx1"/>
-                </a:solidFill>
-              </a:rPr>
-              <a:t>Activity 2{</a:t>
-            </a:r>
-          </a:p>
-          <a:p>
-            <a:endParaRPr lang="en-US" sz="2000" dirty="0">
-              <a:solidFill>
-                <a:schemeClr val="tx1"/>
-              </a:solidFill>
-            </a:endParaRPr>
-          </a:p>
-          <a:p>
-            <a:r>
-              <a:rPr lang="en-US" sz="2000" dirty="0" err="1">
-                <a:solidFill>
-                  <a:schemeClr val="tx1"/>
-                </a:solidFill>
-              </a:rPr>
-              <a:t>textView.setText</a:t>
-            </a:r>
-            <a:r>
-              <a:rPr lang="en-US" sz="2000" dirty="0">
-                <a:solidFill>
-                  <a:schemeClr val="tx1"/>
-                </a:solidFill>
-              </a:rPr>
-              <a:t>(var2)</a:t>
-            </a:r>
-          </a:p>
-          <a:p>
-            <a:endParaRPr lang="en-US" sz="2000" dirty="0">
-              <a:solidFill>
-                <a:schemeClr val="tx1"/>
-              </a:solidFill>
-            </a:endParaRPr>
-          </a:p>
-          <a:p>
-            <a:r>
-              <a:rPr lang="en-US" sz="2000" dirty="0">
-                <a:solidFill>
-                  <a:schemeClr val="tx1"/>
-                </a:solidFill>
-              </a:rPr>
-              <a:t>}</a:t>
-            </a:r>
-          </a:p>
-        </p:txBody>
-      </p:sp>
-    </p:spTree>
-    <p:extLst>
-      <p:ext uri="{BB962C8B-B14F-4D97-AF65-F5344CB8AC3E}">
-        <p14:creationId xmlns:p14="http://schemas.microsoft.com/office/powerpoint/2010/main" val="4037159500"/>
-      </p:ext>
-    </p:extLst>
-  </p:cSld>
-  <p:clrMapOvr>
-    <a:masterClrMapping/>
-  </p:clrMapOvr>
 </p:sld>
 </file>
 

--- a/Prefetch Procrastinator Final Presentation.pptx
+++ b/Prefetch Procrastinator Final Presentation.pptx
@@ -5,24 +5,25 @@
     <p:sldMasterId id="2147483682" r:id="rId1"/>
   </p:sldMasterIdLst>
   <p:notesMasterIdLst>
-    <p:notesMasterId r:id="rId17"/>
+    <p:notesMasterId r:id="rId18"/>
   </p:notesMasterIdLst>
   <p:sldIdLst>
     <p:sldId id="256" r:id="rId2"/>
     <p:sldId id="257" r:id="rId3"/>
-    <p:sldId id="258" r:id="rId4"/>
-    <p:sldId id="259" r:id="rId5"/>
-    <p:sldId id="261" r:id="rId6"/>
-    <p:sldId id="262" r:id="rId7"/>
-    <p:sldId id="263" r:id="rId8"/>
-    <p:sldId id="264" r:id="rId9"/>
-    <p:sldId id="268" r:id="rId10"/>
-    <p:sldId id="265" r:id="rId11"/>
-    <p:sldId id="267" r:id="rId12"/>
-    <p:sldId id="278" r:id="rId13"/>
-    <p:sldId id="279" r:id="rId14"/>
-    <p:sldId id="269" r:id="rId15"/>
-    <p:sldId id="270" r:id="rId16"/>
+    <p:sldId id="281" r:id="rId4"/>
+    <p:sldId id="258" r:id="rId5"/>
+    <p:sldId id="259" r:id="rId6"/>
+    <p:sldId id="261" r:id="rId7"/>
+    <p:sldId id="262" r:id="rId8"/>
+    <p:sldId id="263" r:id="rId9"/>
+    <p:sldId id="264" r:id="rId10"/>
+    <p:sldId id="268" r:id="rId11"/>
+    <p:sldId id="265" r:id="rId12"/>
+    <p:sldId id="267" r:id="rId13"/>
+    <p:sldId id="278" r:id="rId14"/>
+    <p:sldId id="279" r:id="rId15"/>
+    <p:sldId id="269" r:id="rId16"/>
+    <p:sldId id="270" r:id="rId17"/>
   </p:sldIdLst>
   <p:sldSz cx="12192000" cy="6858000"/>
   <p:notesSz cx="6858000" cy="9144000"/>
@@ -130,7 +131,7 @@
 </file>
 
 <file path=ppt/charts/chart1.xml><?xml version="1.0" encoding="utf-8"?>
-<c:chartSpace xmlns:c="http://schemas.openxmlformats.org/drawingml/2006/chart" xmlns:a="http://schemas.openxmlformats.org/drawingml/2006/main" xmlns:r="http://schemas.openxmlformats.org/officeDocument/2006/relationships">
+<c:chartSpace xmlns:c="http://schemas.openxmlformats.org/drawingml/2006/chart" xmlns:a="http://schemas.openxmlformats.org/drawingml/2006/main" xmlns:r="http://schemas.openxmlformats.org/officeDocument/2006/relationships" xmlns:c16r2="http://schemas.microsoft.com/office/drawing/2015/06/chart">
   <c:date1904 val="0"/>
   <c:lang val="en-US"/>
   <c:roundedCorners val="0"/>
@@ -170,7 +171,6 @@
           </a:p>
         </c:rich>
       </c:tx>
-      <c:layout/>
       <c:overlay val="0"/>
       <c:spPr>
         <a:noFill/>
@@ -272,9 +272,8 @@
             <c:showPercent val="0"/>
             <c:showBubbleSize val="0"/>
             <c:showLeaderLines val="0"/>
-            <c:extLst xmlns:c16r2="http://schemas.microsoft.com/office/drawing/2015/06/chart">
+            <c:extLst>
               <c:ext xmlns:c15="http://schemas.microsoft.com/office/drawing/2012/chart" uri="{CE6537A1-D6FC-4f65-9D91-7224C49458BB}">
-                <c15:layout/>
                 <c15:showLeaderLines val="1"/>
                 <c15:leaderLines>
                   <c:spPr>
@@ -333,7 +332,7 @@
               </c:numCache>
             </c:numRef>
           </c:val>
-          <c:extLst xmlns:c16r2="http://schemas.microsoft.com/office/drawing/2015/06/chart">
+          <c:extLst>
             <c:ext xmlns:c16="http://schemas.microsoft.com/office/drawing/2014/chart" uri="{C3380CC4-5D6E-409C-BE32-E72D297353CC}">
               <c16:uniqueId val="{00000000-6171-4D23-BFC1-D5EA7F332D2D}"/>
             </c:ext>
@@ -471,7 +470,7 @@
 </file>
 
 <file path=ppt/charts/chart2.xml><?xml version="1.0" encoding="utf-8"?>
-<c:chartSpace xmlns:c="http://schemas.openxmlformats.org/drawingml/2006/chart" xmlns:a="http://schemas.openxmlformats.org/drawingml/2006/main" xmlns:r="http://schemas.openxmlformats.org/officeDocument/2006/relationships">
+<c:chartSpace xmlns:c="http://schemas.openxmlformats.org/drawingml/2006/chart" xmlns:a="http://schemas.openxmlformats.org/drawingml/2006/main" xmlns:r="http://schemas.openxmlformats.org/officeDocument/2006/relationships" xmlns:c16r2="http://schemas.microsoft.com/office/drawing/2015/06/chart">
   <c:date1904 val="0"/>
   <c:lang val="en-US"/>
   <c:roundedCorners val="0"/>
@@ -516,7 +515,6 @@
           </a:p>
         </c:rich>
       </c:tx>
-      <c:layout/>
       <c:overlay val="0"/>
       <c:spPr>
         <a:noFill/>
@@ -582,7 +580,7 @@
               </a:ln>
               <a:effectLst/>
             </c:spPr>
-            <c:extLst xmlns:c16r2="http://schemas.microsoft.com/office/drawing/2015/06/chart">
+            <c:extLst>
               <c:ext xmlns:c16="http://schemas.microsoft.com/office/drawing/2014/chart" uri="{C3380CC4-5D6E-409C-BE32-E72D297353CC}">
                 <c16:uniqueId val="{00000001-5090-4B98-BEFE-183D2A930987}"/>
               </c:ext>
@@ -601,7 +599,7 @@
               </a:ln>
               <a:effectLst/>
             </c:spPr>
-            <c:extLst xmlns:c16r2="http://schemas.microsoft.com/office/drawing/2015/06/chart">
+            <c:extLst>
               <c:ext xmlns:c16="http://schemas.microsoft.com/office/drawing/2014/chart" uri="{C3380CC4-5D6E-409C-BE32-E72D297353CC}">
                 <c16:uniqueId val="{00000003-5090-4B98-BEFE-183D2A930987}"/>
               </c:ext>
@@ -648,7 +646,7 @@
               </c:numCache>
             </c:numRef>
           </c:val>
-          <c:extLst xmlns:c16r2="http://schemas.microsoft.com/office/drawing/2015/06/chart">
+          <c:extLst>
             <c:ext xmlns:c16="http://schemas.microsoft.com/office/drawing/2014/chart" uri="{C3380CC4-5D6E-409C-BE32-E72D297353CC}">
               <c16:uniqueId val="{00000004-5090-4B98-BEFE-183D2A930987}"/>
             </c:ext>
@@ -711,7 +709,7 @@
               </c:numCache>
             </c:numRef>
           </c:val>
-          <c:extLst xmlns:c16r2="http://schemas.microsoft.com/office/drawing/2015/06/chart">
+          <c:extLst>
             <c:ext xmlns:c16="http://schemas.microsoft.com/office/drawing/2014/chart" uri="{C3380CC4-5D6E-409C-BE32-E72D297353CC}">
               <c16:uniqueId val="{00000005-5090-4B98-BEFE-183D2A930987}"/>
             </c:ext>
@@ -847,7 +845,6 @@
     </c:plotArea>
     <c:legend>
       <c:legendPos val="b"/>
-      <c:layout/>
       <c:overlay val="0"/>
       <c:spPr>
         <a:noFill/>
@@ -2056,6 +2053,2558 @@
 </cs:chartStyle>
 </file>
 
+<file path=ppt/diagrams/colors1.xml><?xml version="1.0" encoding="utf-8"?>
+<dgm:colorsDef xmlns:dgm="http://schemas.openxmlformats.org/drawingml/2006/diagram" xmlns:a="http://schemas.openxmlformats.org/drawingml/2006/main" uniqueId="urn:microsoft.com/office/officeart/2005/8/colors/accent1_2">
+  <dgm:title val=""/>
+  <dgm:desc val=""/>
+  <dgm:catLst>
+    <dgm:cat type="accent1" pri="11200"/>
+  </dgm:catLst>
+  <dgm:styleLbl name="node0">
+    <dgm:fillClrLst meth="repeat">
+      <a:schemeClr val="accent1"/>
+    </dgm:fillClrLst>
+    <dgm:linClrLst meth="repeat">
+      <a:schemeClr val="lt1"/>
+    </dgm:linClrLst>
+    <dgm:effectClrLst/>
+    <dgm:txLinClrLst/>
+    <dgm:txFillClrLst/>
+    <dgm:txEffectClrLst/>
+  </dgm:styleLbl>
+  <dgm:styleLbl name="alignNode1">
+    <dgm:fillClrLst meth="repeat">
+      <a:schemeClr val="accent1"/>
+    </dgm:fillClrLst>
+    <dgm:linClrLst meth="repeat">
+      <a:schemeClr val="accent1"/>
+    </dgm:linClrLst>
+    <dgm:effectClrLst/>
+    <dgm:txLinClrLst/>
+    <dgm:txFillClrLst/>
+    <dgm:txEffectClrLst/>
+  </dgm:styleLbl>
+  <dgm:styleLbl name="node1">
+    <dgm:fillClrLst meth="repeat">
+      <a:schemeClr val="accent1"/>
+    </dgm:fillClrLst>
+    <dgm:linClrLst meth="repeat">
+      <a:schemeClr val="lt1"/>
+    </dgm:linClrLst>
+    <dgm:effectClrLst/>
+    <dgm:txLinClrLst/>
+    <dgm:txFillClrLst/>
+    <dgm:txEffectClrLst/>
+  </dgm:styleLbl>
+  <dgm:styleLbl name="lnNode1">
+    <dgm:fillClrLst meth="repeat">
+      <a:schemeClr val="accent1"/>
+    </dgm:fillClrLst>
+    <dgm:linClrLst meth="repeat">
+      <a:schemeClr val="lt1"/>
+    </dgm:linClrLst>
+    <dgm:effectClrLst/>
+    <dgm:txLinClrLst/>
+    <dgm:txFillClrLst/>
+    <dgm:txEffectClrLst/>
+  </dgm:styleLbl>
+  <dgm:styleLbl name="vennNode1">
+    <dgm:fillClrLst meth="repeat">
+      <a:schemeClr val="accent1">
+        <a:alpha val="50000"/>
+      </a:schemeClr>
+    </dgm:fillClrLst>
+    <dgm:linClrLst meth="repeat">
+      <a:schemeClr val="lt1"/>
+    </dgm:linClrLst>
+    <dgm:effectClrLst/>
+    <dgm:txLinClrLst/>
+    <dgm:txFillClrLst/>
+    <dgm:txEffectClrLst/>
+  </dgm:styleLbl>
+  <dgm:styleLbl name="node2">
+    <dgm:fillClrLst meth="repeat">
+      <a:schemeClr val="accent1"/>
+    </dgm:fillClrLst>
+    <dgm:linClrLst meth="repeat">
+      <a:schemeClr val="lt1"/>
+    </dgm:linClrLst>
+    <dgm:effectClrLst/>
+    <dgm:txLinClrLst/>
+    <dgm:txFillClrLst/>
+    <dgm:txEffectClrLst/>
+  </dgm:styleLbl>
+  <dgm:styleLbl name="node3">
+    <dgm:fillClrLst meth="repeat">
+      <a:schemeClr val="accent1"/>
+    </dgm:fillClrLst>
+    <dgm:linClrLst meth="repeat">
+      <a:schemeClr val="lt1"/>
+    </dgm:linClrLst>
+    <dgm:effectClrLst/>
+    <dgm:txLinClrLst/>
+    <dgm:txFillClrLst/>
+    <dgm:txEffectClrLst/>
+  </dgm:styleLbl>
+  <dgm:styleLbl name="node4">
+    <dgm:fillClrLst meth="repeat">
+      <a:schemeClr val="accent1"/>
+    </dgm:fillClrLst>
+    <dgm:linClrLst meth="repeat">
+      <a:schemeClr val="lt1"/>
+    </dgm:linClrLst>
+    <dgm:effectClrLst/>
+    <dgm:txLinClrLst/>
+    <dgm:txFillClrLst/>
+    <dgm:txEffectClrLst/>
+  </dgm:styleLbl>
+  <dgm:styleLbl name="fgImgPlace1">
+    <dgm:fillClrLst meth="repeat">
+      <a:schemeClr val="accent1">
+        <a:tint val="50000"/>
+      </a:schemeClr>
+    </dgm:fillClrLst>
+    <dgm:linClrLst meth="repeat">
+      <a:schemeClr val="lt1"/>
+    </dgm:linClrLst>
+    <dgm:effectClrLst/>
+    <dgm:txLinClrLst/>
+    <dgm:txFillClrLst meth="repeat">
+      <a:schemeClr val="lt1"/>
+    </dgm:txFillClrLst>
+    <dgm:txEffectClrLst/>
+  </dgm:styleLbl>
+  <dgm:styleLbl name="alignImgPlace1">
+    <dgm:fillClrLst meth="repeat">
+      <a:schemeClr val="accent1">
+        <a:tint val="50000"/>
+      </a:schemeClr>
+    </dgm:fillClrLst>
+    <dgm:linClrLst meth="repeat">
+      <a:schemeClr val="lt1"/>
+    </dgm:linClrLst>
+    <dgm:effectClrLst/>
+    <dgm:txLinClrLst/>
+    <dgm:txFillClrLst meth="repeat">
+      <a:schemeClr val="lt1"/>
+    </dgm:txFillClrLst>
+    <dgm:txEffectClrLst/>
+  </dgm:styleLbl>
+  <dgm:styleLbl name="bgImgPlace1">
+    <dgm:fillClrLst meth="repeat">
+      <a:schemeClr val="accent1">
+        <a:tint val="50000"/>
+      </a:schemeClr>
+    </dgm:fillClrLst>
+    <dgm:linClrLst meth="repeat">
+      <a:schemeClr val="lt1"/>
+    </dgm:linClrLst>
+    <dgm:effectClrLst/>
+    <dgm:txLinClrLst/>
+    <dgm:txFillClrLst meth="repeat">
+      <a:schemeClr val="lt1"/>
+    </dgm:txFillClrLst>
+    <dgm:txEffectClrLst/>
+  </dgm:styleLbl>
+  <dgm:styleLbl name="sibTrans2D1">
+    <dgm:fillClrLst meth="repeat">
+      <a:schemeClr val="accent1">
+        <a:tint val="60000"/>
+      </a:schemeClr>
+    </dgm:fillClrLst>
+    <dgm:linClrLst meth="repeat">
+      <a:schemeClr val="accent1">
+        <a:tint val="60000"/>
+      </a:schemeClr>
+    </dgm:linClrLst>
+    <dgm:effectClrLst/>
+    <dgm:txLinClrLst/>
+    <dgm:txFillClrLst/>
+    <dgm:txEffectClrLst/>
+  </dgm:styleLbl>
+  <dgm:styleLbl name="fgSibTrans2D1">
+    <dgm:fillClrLst meth="repeat">
+      <a:schemeClr val="accent1">
+        <a:tint val="60000"/>
+      </a:schemeClr>
+    </dgm:fillClrLst>
+    <dgm:linClrLst meth="repeat">
+      <a:schemeClr val="accent1">
+        <a:tint val="60000"/>
+      </a:schemeClr>
+    </dgm:linClrLst>
+    <dgm:effectClrLst/>
+    <dgm:txLinClrLst/>
+    <dgm:txFillClrLst/>
+    <dgm:txEffectClrLst/>
+  </dgm:styleLbl>
+  <dgm:styleLbl name="bgSibTrans2D1">
+    <dgm:fillClrLst meth="repeat">
+      <a:schemeClr val="accent1">
+        <a:tint val="60000"/>
+      </a:schemeClr>
+    </dgm:fillClrLst>
+    <dgm:linClrLst meth="repeat">
+      <a:schemeClr val="accent1">
+        <a:tint val="60000"/>
+      </a:schemeClr>
+    </dgm:linClrLst>
+    <dgm:effectClrLst/>
+    <dgm:txLinClrLst/>
+    <dgm:txFillClrLst/>
+    <dgm:txEffectClrLst/>
+  </dgm:styleLbl>
+  <dgm:styleLbl name="sibTrans1D1">
+    <dgm:fillClrLst meth="repeat">
+      <a:schemeClr val="accent1"/>
+    </dgm:fillClrLst>
+    <dgm:linClrLst meth="repeat">
+      <a:schemeClr val="accent1"/>
+    </dgm:linClrLst>
+    <dgm:effectClrLst/>
+    <dgm:txLinClrLst/>
+    <dgm:txFillClrLst meth="repeat">
+      <a:schemeClr val="tx1"/>
+    </dgm:txFillClrLst>
+    <dgm:txEffectClrLst/>
+  </dgm:styleLbl>
+  <dgm:styleLbl name="callout">
+    <dgm:fillClrLst meth="repeat">
+      <a:schemeClr val="accent1"/>
+    </dgm:fillClrLst>
+    <dgm:linClrLst meth="repeat">
+      <a:schemeClr val="accent1">
+        <a:tint val="50000"/>
+      </a:schemeClr>
+    </dgm:linClrLst>
+    <dgm:effectClrLst/>
+    <dgm:txLinClrLst/>
+    <dgm:txFillClrLst meth="repeat">
+      <a:schemeClr val="tx1"/>
+    </dgm:txFillClrLst>
+    <dgm:txEffectClrLst/>
+  </dgm:styleLbl>
+  <dgm:styleLbl name="asst0">
+    <dgm:fillClrLst meth="repeat">
+      <a:schemeClr val="accent1"/>
+    </dgm:fillClrLst>
+    <dgm:linClrLst meth="repeat">
+      <a:schemeClr val="lt1"/>
+    </dgm:linClrLst>
+    <dgm:effectClrLst/>
+    <dgm:txLinClrLst/>
+    <dgm:txFillClrLst/>
+    <dgm:txEffectClrLst/>
+  </dgm:styleLbl>
+  <dgm:styleLbl name="asst1">
+    <dgm:fillClrLst meth="repeat">
+      <a:schemeClr val="accent1"/>
+    </dgm:fillClrLst>
+    <dgm:linClrLst meth="repeat">
+      <a:schemeClr val="lt1"/>
+    </dgm:linClrLst>
+    <dgm:effectClrLst/>
+    <dgm:txLinClrLst/>
+    <dgm:txFillClrLst/>
+    <dgm:txEffectClrLst/>
+  </dgm:styleLbl>
+  <dgm:styleLbl name="asst2">
+    <dgm:fillClrLst meth="repeat">
+      <a:schemeClr val="accent1"/>
+    </dgm:fillClrLst>
+    <dgm:linClrLst meth="repeat">
+      <a:schemeClr val="lt1"/>
+    </dgm:linClrLst>
+    <dgm:effectClrLst/>
+    <dgm:txLinClrLst/>
+    <dgm:txFillClrLst/>
+    <dgm:txEffectClrLst/>
+  </dgm:styleLbl>
+  <dgm:styleLbl name="asst3">
+    <dgm:fillClrLst meth="repeat">
+      <a:schemeClr val="accent1"/>
+    </dgm:fillClrLst>
+    <dgm:linClrLst meth="repeat">
+      <a:schemeClr val="lt1"/>
+    </dgm:linClrLst>
+    <dgm:effectClrLst/>
+    <dgm:txLinClrLst/>
+    <dgm:txFillClrLst/>
+    <dgm:txEffectClrLst/>
+  </dgm:styleLbl>
+  <dgm:styleLbl name="asst4">
+    <dgm:fillClrLst meth="repeat">
+      <a:schemeClr val="accent1"/>
+    </dgm:fillClrLst>
+    <dgm:linClrLst meth="repeat">
+      <a:schemeClr val="lt1"/>
+    </dgm:linClrLst>
+    <dgm:effectClrLst/>
+    <dgm:txLinClrLst/>
+    <dgm:txFillClrLst/>
+    <dgm:txEffectClrLst/>
+  </dgm:styleLbl>
+  <dgm:styleLbl name="parChTrans2D1">
+    <dgm:fillClrLst meth="repeat">
+      <a:schemeClr val="accent1">
+        <a:tint val="60000"/>
+      </a:schemeClr>
+    </dgm:fillClrLst>
+    <dgm:linClrLst meth="repeat">
+      <a:schemeClr val="accent1">
+        <a:tint val="60000"/>
+      </a:schemeClr>
+    </dgm:linClrLst>
+    <dgm:effectClrLst/>
+    <dgm:txLinClrLst/>
+    <dgm:txFillClrLst meth="repeat">
+      <a:schemeClr val="lt1"/>
+    </dgm:txFillClrLst>
+    <dgm:txEffectClrLst/>
+  </dgm:styleLbl>
+  <dgm:styleLbl name="parChTrans2D2">
+    <dgm:fillClrLst meth="repeat">
+      <a:schemeClr val="accent1"/>
+    </dgm:fillClrLst>
+    <dgm:linClrLst meth="repeat">
+      <a:schemeClr val="accent1"/>
+    </dgm:linClrLst>
+    <dgm:effectClrLst/>
+    <dgm:txLinClrLst/>
+    <dgm:txFillClrLst meth="repeat">
+      <a:schemeClr val="lt1"/>
+    </dgm:txFillClrLst>
+    <dgm:txEffectClrLst/>
+  </dgm:styleLbl>
+  <dgm:styleLbl name="parChTrans2D3">
+    <dgm:fillClrLst meth="repeat">
+      <a:schemeClr val="accent1"/>
+    </dgm:fillClrLst>
+    <dgm:linClrLst meth="repeat">
+      <a:schemeClr val="accent1"/>
+    </dgm:linClrLst>
+    <dgm:effectClrLst/>
+    <dgm:txLinClrLst/>
+    <dgm:txFillClrLst meth="repeat">
+      <a:schemeClr val="lt1"/>
+    </dgm:txFillClrLst>
+    <dgm:txEffectClrLst/>
+  </dgm:styleLbl>
+  <dgm:styleLbl name="parChTrans2D4">
+    <dgm:fillClrLst meth="repeat">
+      <a:schemeClr val="accent1"/>
+    </dgm:fillClrLst>
+    <dgm:linClrLst meth="repeat">
+      <a:schemeClr val="accent1"/>
+    </dgm:linClrLst>
+    <dgm:effectClrLst/>
+    <dgm:txLinClrLst/>
+    <dgm:txFillClrLst meth="repeat">
+      <a:schemeClr val="lt1"/>
+    </dgm:txFillClrLst>
+    <dgm:txEffectClrLst/>
+  </dgm:styleLbl>
+  <dgm:styleLbl name="parChTrans1D1">
+    <dgm:fillClrLst meth="repeat">
+      <a:schemeClr val="accent1"/>
+    </dgm:fillClrLst>
+    <dgm:linClrLst meth="repeat">
+      <a:schemeClr val="accent1">
+        <a:shade val="60000"/>
+      </a:schemeClr>
+    </dgm:linClrLst>
+    <dgm:effectClrLst/>
+    <dgm:txLinClrLst/>
+    <dgm:txFillClrLst meth="repeat">
+      <a:schemeClr val="tx1"/>
+    </dgm:txFillClrLst>
+    <dgm:txEffectClrLst/>
+  </dgm:styleLbl>
+  <dgm:styleLbl name="parChTrans1D2">
+    <dgm:fillClrLst meth="repeat">
+      <a:schemeClr val="accent1"/>
+    </dgm:fillClrLst>
+    <dgm:linClrLst meth="repeat">
+      <a:schemeClr val="accent1">
+        <a:shade val="60000"/>
+      </a:schemeClr>
+    </dgm:linClrLst>
+    <dgm:effectClrLst/>
+    <dgm:txLinClrLst/>
+    <dgm:txFillClrLst meth="repeat">
+      <a:schemeClr val="tx1"/>
+    </dgm:txFillClrLst>
+    <dgm:txEffectClrLst/>
+  </dgm:styleLbl>
+  <dgm:styleLbl name="parChTrans1D3">
+    <dgm:fillClrLst meth="repeat">
+      <a:schemeClr val="accent1"/>
+    </dgm:fillClrLst>
+    <dgm:linClrLst meth="repeat">
+      <a:schemeClr val="accent1">
+        <a:shade val="80000"/>
+      </a:schemeClr>
+    </dgm:linClrLst>
+    <dgm:effectClrLst/>
+    <dgm:txLinClrLst/>
+    <dgm:txFillClrLst meth="repeat">
+      <a:schemeClr val="tx1"/>
+    </dgm:txFillClrLst>
+    <dgm:txEffectClrLst/>
+  </dgm:styleLbl>
+  <dgm:styleLbl name="parChTrans1D4">
+    <dgm:fillClrLst meth="repeat">
+      <a:schemeClr val="accent1"/>
+    </dgm:fillClrLst>
+    <dgm:linClrLst meth="repeat">
+      <a:schemeClr val="accent1">
+        <a:shade val="80000"/>
+      </a:schemeClr>
+    </dgm:linClrLst>
+    <dgm:effectClrLst/>
+    <dgm:txLinClrLst/>
+    <dgm:txFillClrLst meth="repeat">
+      <a:schemeClr val="tx1"/>
+    </dgm:txFillClrLst>
+    <dgm:txEffectClrLst/>
+  </dgm:styleLbl>
+  <dgm:styleLbl name="fgAcc1">
+    <dgm:fillClrLst meth="repeat">
+      <a:schemeClr val="lt1">
+        <a:alpha val="90000"/>
+      </a:schemeClr>
+    </dgm:fillClrLst>
+    <dgm:linClrLst meth="repeat">
+      <a:schemeClr val="accent1"/>
+    </dgm:linClrLst>
+    <dgm:effectClrLst/>
+    <dgm:txLinClrLst/>
+    <dgm:txFillClrLst meth="repeat">
+      <a:schemeClr val="dk1"/>
+    </dgm:txFillClrLst>
+    <dgm:txEffectClrLst/>
+  </dgm:styleLbl>
+  <dgm:styleLbl name="conFgAcc1">
+    <dgm:fillClrLst meth="repeat">
+      <a:schemeClr val="lt1">
+        <a:alpha val="90000"/>
+      </a:schemeClr>
+    </dgm:fillClrLst>
+    <dgm:linClrLst meth="repeat">
+      <a:schemeClr val="accent1"/>
+    </dgm:linClrLst>
+    <dgm:effectClrLst/>
+    <dgm:txLinClrLst/>
+    <dgm:txFillClrLst meth="repeat">
+      <a:schemeClr val="dk1"/>
+    </dgm:txFillClrLst>
+    <dgm:txEffectClrLst/>
+  </dgm:styleLbl>
+  <dgm:styleLbl name="alignAcc1">
+    <dgm:fillClrLst meth="repeat">
+      <a:schemeClr val="lt1">
+        <a:alpha val="90000"/>
+      </a:schemeClr>
+    </dgm:fillClrLst>
+    <dgm:linClrLst meth="repeat">
+      <a:schemeClr val="accent1"/>
+    </dgm:linClrLst>
+    <dgm:effectClrLst/>
+    <dgm:txLinClrLst/>
+    <dgm:txFillClrLst meth="repeat">
+      <a:schemeClr val="dk1"/>
+    </dgm:txFillClrLst>
+    <dgm:txEffectClrLst/>
+  </dgm:styleLbl>
+  <dgm:styleLbl name="trAlignAcc1">
+    <dgm:fillClrLst meth="repeat">
+      <a:schemeClr val="lt1">
+        <a:alpha val="40000"/>
+      </a:schemeClr>
+    </dgm:fillClrLst>
+    <dgm:linClrLst meth="repeat">
+      <a:schemeClr val="accent1"/>
+    </dgm:linClrLst>
+    <dgm:effectClrLst/>
+    <dgm:txLinClrLst/>
+    <dgm:txFillClrLst meth="repeat">
+      <a:schemeClr val="dk1"/>
+    </dgm:txFillClrLst>
+    <dgm:txEffectClrLst/>
+  </dgm:styleLbl>
+  <dgm:styleLbl name="bgAcc1">
+    <dgm:fillClrLst meth="repeat">
+      <a:schemeClr val="lt1">
+        <a:alpha val="90000"/>
+      </a:schemeClr>
+    </dgm:fillClrLst>
+    <dgm:linClrLst meth="repeat">
+      <a:schemeClr val="accent1"/>
+    </dgm:linClrLst>
+    <dgm:effectClrLst/>
+    <dgm:txLinClrLst/>
+    <dgm:txFillClrLst meth="repeat">
+      <a:schemeClr val="dk1"/>
+    </dgm:txFillClrLst>
+    <dgm:txEffectClrLst/>
+  </dgm:styleLbl>
+  <dgm:styleLbl name="solidFgAcc1">
+    <dgm:fillClrLst meth="repeat">
+      <a:schemeClr val="lt1"/>
+    </dgm:fillClrLst>
+    <dgm:linClrLst meth="repeat">
+      <a:schemeClr val="accent1"/>
+    </dgm:linClrLst>
+    <dgm:effectClrLst/>
+    <dgm:txLinClrLst/>
+    <dgm:txFillClrLst meth="repeat">
+      <a:schemeClr val="dk1"/>
+    </dgm:txFillClrLst>
+    <dgm:txEffectClrLst/>
+  </dgm:styleLbl>
+  <dgm:styleLbl name="solidAlignAcc1">
+    <dgm:fillClrLst meth="repeat">
+      <a:schemeClr val="lt1"/>
+    </dgm:fillClrLst>
+    <dgm:linClrLst meth="repeat">
+      <a:schemeClr val="accent1"/>
+    </dgm:linClrLst>
+    <dgm:effectClrLst/>
+    <dgm:txLinClrLst/>
+    <dgm:txFillClrLst meth="repeat">
+      <a:schemeClr val="dk1"/>
+    </dgm:txFillClrLst>
+    <dgm:txEffectClrLst/>
+  </dgm:styleLbl>
+  <dgm:styleLbl name="solidBgAcc1">
+    <dgm:fillClrLst meth="repeat">
+      <a:schemeClr val="lt1"/>
+    </dgm:fillClrLst>
+    <dgm:linClrLst meth="repeat">
+      <a:schemeClr val="accent1"/>
+    </dgm:linClrLst>
+    <dgm:effectClrLst/>
+    <dgm:txLinClrLst/>
+    <dgm:txFillClrLst meth="repeat">
+      <a:schemeClr val="dk1"/>
+    </dgm:txFillClrLst>
+    <dgm:txEffectClrLst/>
+  </dgm:styleLbl>
+  <dgm:styleLbl name="fgAccFollowNode1">
+    <dgm:fillClrLst meth="repeat">
+      <a:schemeClr val="accent1">
+        <a:alpha val="90000"/>
+        <a:tint val="40000"/>
+      </a:schemeClr>
+    </dgm:fillClrLst>
+    <dgm:linClrLst meth="repeat">
+      <a:schemeClr val="accent1">
+        <a:alpha val="90000"/>
+        <a:tint val="40000"/>
+      </a:schemeClr>
+    </dgm:linClrLst>
+    <dgm:effectClrLst/>
+    <dgm:txLinClrLst/>
+    <dgm:txFillClrLst meth="repeat">
+      <a:schemeClr val="dk1"/>
+    </dgm:txFillClrLst>
+    <dgm:txEffectClrLst/>
+  </dgm:styleLbl>
+  <dgm:styleLbl name="alignAccFollowNode1">
+    <dgm:fillClrLst meth="repeat">
+      <a:schemeClr val="accent1">
+        <a:alpha val="90000"/>
+        <a:tint val="40000"/>
+      </a:schemeClr>
+    </dgm:fillClrLst>
+    <dgm:linClrLst meth="repeat">
+      <a:schemeClr val="accent1">
+        <a:alpha val="90000"/>
+        <a:tint val="40000"/>
+      </a:schemeClr>
+    </dgm:linClrLst>
+    <dgm:effectClrLst/>
+    <dgm:txLinClrLst/>
+    <dgm:txFillClrLst meth="repeat">
+      <a:schemeClr val="dk1"/>
+    </dgm:txFillClrLst>
+    <dgm:txEffectClrLst/>
+  </dgm:styleLbl>
+  <dgm:styleLbl name="bgAccFollowNode1">
+    <dgm:fillClrLst meth="repeat">
+      <a:schemeClr val="accent1">
+        <a:alpha val="90000"/>
+        <a:tint val="40000"/>
+      </a:schemeClr>
+    </dgm:fillClrLst>
+    <dgm:linClrLst meth="repeat">
+      <a:schemeClr val="accent1">
+        <a:alpha val="90000"/>
+        <a:tint val="40000"/>
+      </a:schemeClr>
+    </dgm:linClrLst>
+    <dgm:effectClrLst/>
+    <dgm:txLinClrLst/>
+    <dgm:txFillClrLst meth="repeat">
+      <a:schemeClr val="dk1"/>
+    </dgm:txFillClrLst>
+    <dgm:txEffectClrLst/>
+  </dgm:styleLbl>
+  <dgm:styleLbl name="fgAcc0">
+    <dgm:fillClrLst meth="repeat">
+      <a:schemeClr val="lt1">
+        <a:alpha val="90000"/>
+      </a:schemeClr>
+    </dgm:fillClrLst>
+    <dgm:linClrLst meth="repeat">
+      <a:schemeClr val="accent1"/>
+    </dgm:linClrLst>
+    <dgm:effectClrLst/>
+    <dgm:txLinClrLst/>
+    <dgm:txFillClrLst meth="repeat">
+      <a:schemeClr val="dk1"/>
+    </dgm:txFillClrLst>
+    <dgm:txEffectClrLst/>
+  </dgm:styleLbl>
+  <dgm:styleLbl name="fgAcc2">
+    <dgm:fillClrLst meth="repeat">
+      <a:schemeClr val="lt1">
+        <a:alpha val="90000"/>
+      </a:schemeClr>
+    </dgm:fillClrLst>
+    <dgm:linClrLst meth="repeat">
+      <a:schemeClr val="accent1"/>
+    </dgm:linClrLst>
+    <dgm:effectClrLst/>
+    <dgm:txLinClrLst/>
+    <dgm:txFillClrLst meth="repeat">
+      <a:schemeClr val="dk1"/>
+    </dgm:txFillClrLst>
+    <dgm:txEffectClrLst/>
+  </dgm:styleLbl>
+  <dgm:styleLbl name="fgAcc3">
+    <dgm:fillClrLst meth="repeat">
+      <a:schemeClr val="lt1">
+        <a:alpha val="90000"/>
+      </a:schemeClr>
+    </dgm:fillClrLst>
+    <dgm:linClrLst meth="repeat">
+      <a:schemeClr val="accent1"/>
+    </dgm:linClrLst>
+    <dgm:effectClrLst/>
+    <dgm:txLinClrLst/>
+    <dgm:txFillClrLst meth="repeat">
+      <a:schemeClr val="dk1"/>
+    </dgm:txFillClrLst>
+    <dgm:txEffectClrLst/>
+  </dgm:styleLbl>
+  <dgm:styleLbl name="fgAcc4">
+    <dgm:fillClrLst meth="repeat">
+      <a:schemeClr val="lt1">
+        <a:alpha val="90000"/>
+      </a:schemeClr>
+    </dgm:fillClrLst>
+    <dgm:linClrLst meth="repeat">
+      <a:schemeClr val="accent1"/>
+    </dgm:linClrLst>
+    <dgm:effectClrLst/>
+    <dgm:txLinClrLst/>
+    <dgm:txFillClrLst meth="repeat">
+      <a:schemeClr val="dk1"/>
+    </dgm:txFillClrLst>
+    <dgm:txEffectClrLst/>
+  </dgm:styleLbl>
+  <dgm:styleLbl name="bgShp">
+    <dgm:fillClrLst meth="repeat">
+      <a:schemeClr val="accent1">
+        <a:tint val="40000"/>
+      </a:schemeClr>
+    </dgm:fillClrLst>
+    <dgm:linClrLst meth="repeat">
+      <a:schemeClr val="accent1"/>
+    </dgm:linClrLst>
+    <dgm:effectClrLst/>
+    <dgm:txLinClrLst/>
+    <dgm:txFillClrLst meth="repeat">
+      <a:schemeClr val="dk1"/>
+    </dgm:txFillClrLst>
+    <dgm:txEffectClrLst/>
+  </dgm:styleLbl>
+  <dgm:styleLbl name="dkBgShp">
+    <dgm:fillClrLst meth="repeat">
+      <a:schemeClr val="accent1">
+        <a:shade val="80000"/>
+      </a:schemeClr>
+    </dgm:fillClrLst>
+    <dgm:linClrLst meth="repeat">
+      <a:schemeClr val="accent1"/>
+    </dgm:linClrLst>
+    <dgm:effectClrLst/>
+    <dgm:txLinClrLst/>
+    <dgm:txFillClrLst meth="repeat">
+      <a:schemeClr val="lt1"/>
+    </dgm:txFillClrLst>
+    <dgm:txEffectClrLst/>
+  </dgm:styleLbl>
+  <dgm:styleLbl name="trBgShp">
+    <dgm:fillClrLst meth="repeat">
+      <a:schemeClr val="accent1">
+        <a:tint val="50000"/>
+        <a:alpha val="40000"/>
+      </a:schemeClr>
+    </dgm:fillClrLst>
+    <dgm:linClrLst meth="repeat">
+      <a:schemeClr val="accent1"/>
+    </dgm:linClrLst>
+    <dgm:effectClrLst/>
+    <dgm:txLinClrLst/>
+    <dgm:txFillClrLst meth="repeat">
+      <a:schemeClr val="lt1"/>
+    </dgm:txFillClrLst>
+    <dgm:txEffectClrLst/>
+  </dgm:styleLbl>
+  <dgm:styleLbl name="fgShp">
+    <dgm:fillClrLst meth="repeat">
+      <a:schemeClr val="accent1">
+        <a:tint val="60000"/>
+      </a:schemeClr>
+    </dgm:fillClrLst>
+    <dgm:linClrLst meth="repeat">
+      <a:schemeClr val="lt1"/>
+    </dgm:linClrLst>
+    <dgm:effectClrLst/>
+    <dgm:txLinClrLst/>
+    <dgm:txFillClrLst meth="repeat">
+      <a:schemeClr val="dk1"/>
+    </dgm:txFillClrLst>
+    <dgm:txEffectClrLst/>
+  </dgm:styleLbl>
+  <dgm:styleLbl name="revTx">
+    <dgm:fillClrLst meth="repeat">
+      <a:schemeClr val="lt1">
+        <a:alpha val="0"/>
+      </a:schemeClr>
+    </dgm:fillClrLst>
+    <dgm:linClrLst meth="repeat">
+      <a:schemeClr val="dk1">
+        <a:alpha val="0"/>
+      </a:schemeClr>
+    </dgm:linClrLst>
+    <dgm:effectClrLst/>
+    <dgm:txLinClrLst/>
+    <dgm:txFillClrLst meth="repeat">
+      <a:schemeClr val="tx1"/>
+    </dgm:txFillClrLst>
+    <dgm:txEffectClrLst/>
+  </dgm:styleLbl>
+</dgm:colorsDef>
+</file>
+
+<file path=ppt/diagrams/data1.xml><?xml version="1.0" encoding="utf-8"?>
+<dgm:dataModel xmlns:dgm="http://schemas.openxmlformats.org/drawingml/2006/diagram" xmlns:a="http://schemas.openxmlformats.org/drawingml/2006/main">
+  <dgm:ptLst>
+    <dgm:pt modelId="{E66653B3-C9A4-470B-ADC8-0E296A490190}" type="doc">
+      <dgm:prSet loTypeId="urn:microsoft.com/office/officeart/2005/8/layout/process1" loCatId="process" qsTypeId="urn:microsoft.com/office/officeart/2005/8/quickstyle/simple1" qsCatId="simple" csTypeId="urn:microsoft.com/office/officeart/2005/8/colors/accent1_2" csCatId="accent1" phldr="1"/>
+      <dgm:spPr/>
+    </dgm:pt>
+    <dgm:pt modelId="{85ABE9EA-C51C-4284-B005-E7CD10F7ED1E}">
+      <dgm:prSet phldrT="[Text]" custT="1"/>
+      <dgm:spPr>
+        <a:noFill/>
+        <a:ln>
+          <a:solidFill>
+            <a:schemeClr val="tx1"/>
+          </a:solidFill>
+        </a:ln>
+      </dgm:spPr>
+      <dgm:t>
+        <a:bodyPr/>
+        <a:lstStyle/>
+        <a:p>
+          <a:r>
+            <a:rPr lang="en-US" sz="2000" dirty="0">
+              <a:solidFill>
+                <a:schemeClr val="tx1"/>
+              </a:solidFill>
+            </a:rPr>
+            <a:t>Android </a:t>
+          </a:r>
+        </a:p>
+        <a:p>
+          <a:r>
+            <a:rPr lang="en-US" sz="2000" dirty="0">
+              <a:solidFill>
+                <a:schemeClr val="tx1"/>
+              </a:solidFill>
+            </a:rPr>
+            <a:t>App Source Code</a:t>
+          </a:r>
+        </a:p>
+      </dgm:t>
+    </dgm:pt>
+    <dgm:pt modelId="{6A64213C-193D-4E0C-A13B-FD89BF7A9951}" type="parTrans" cxnId="{528052DA-1307-4C71-9192-F829846029BC}">
+      <dgm:prSet/>
+      <dgm:spPr/>
+      <dgm:t>
+        <a:bodyPr/>
+        <a:lstStyle/>
+        <a:p>
+          <a:endParaRPr lang="en-US"/>
+        </a:p>
+      </dgm:t>
+    </dgm:pt>
+    <dgm:pt modelId="{40F1C22D-A449-434E-987A-E68AEC0880CA}" type="sibTrans" cxnId="{528052DA-1307-4C71-9192-F829846029BC}">
+      <dgm:prSet/>
+      <dgm:spPr/>
+      <dgm:t>
+        <a:bodyPr/>
+        <a:lstStyle/>
+        <a:p>
+          <a:endParaRPr lang="en-US"/>
+        </a:p>
+      </dgm:t>
+    </dgm:pt>
+    <dgm:pt modelId="{9BCC45EA-EBF3-4074-BE7B-EA58097E7009}">
+      <dgm:prSet phldrT="[Text]"/>
+      <dgm:spPr>
+        <a:noFill/>
+        <a:ln>
+          <a:solidFill>
+            <a:schemeClr val="tx1"/>
+          </a:solidFill>
+        </a:ln>
+      </dgm:spPr>
+      <dgm:t>
+        <a:bodyPr/>
+        <a:lstStyle/>
+        <a:p>
+          <a:r>
+            <a:rPr lang="en-US" dirty="0">
+              <a:solidFill>
+                <a:schemeClr val="tx1"/>
+              </a:solidFill>
+            </a:rPr>
+            <a:t>Procrastinated Version of App (Source Code)</a:t>
+          </a:r>
+        </a:p>
+      </dgm:t>
+    </dgm:pt>
+    <dgm:pt modelId="{DE386083-8AC0-419B-8A7E-C9C23ACC2B08}" type="parTrans" cxnId="{7B4BB9AB-E126-4621-A60D-819E975185A5}">
+      <dgm:prSet/>
+      <dgm:spPr/>
+      <dgm:t>
+        <a:bodyPr/>
+        <a:lstStyle/>
+        <a:p>
+          <a:endParaRPr lang="en-US"/>
+        </a:p>
+      </dgm:t>
+    </dgm:pt>
+    <dgm:pt modelId="{567CCAA1-3D67-44B5-ADEE-9A552ADBB006}" type="sibTrans" cxnId="{7B4BB9AB-E126-4621-A60D-819E975185A5}">
+      <dgm:prSet/>
+      <dgm:spPr/>
+      <dgm:t>
+        <a:bodyPr/>
+        <a:lstStyle/>
+        <a:p>
+          <a:endParaRPr lang="en-US"/>
+        </a:p>
+      </dgm:t>
+    </dgm:pt>
+    <dgm:pt modelId="{7CD7B0E1-2C9C-4724-9C3D-DC127CC63ACE}">
+      <dgm:prSet phldrT="[Text]" custT="1"/>
+      <dgm:spPr>
+        <a:noFill/>
+        <a:ln>
+          <a:solidFill>
+            <a:schemeClr val="tx1"/>
+          </a:solidFill>
+        </a:ln>
+      </dgm:spPr>
+      <dgm:t>
+        <a:bodyPr/>
+        <a:lstStyle/>
+        <a:p>
+          <a:r>
+            <a:rPr lang="en-US" sz="2000" dirty="0">
+              <a:solidFill>
+                <a:schemeClr val="tx1"/>
+              </a:solidFill>
+            </a:rPr>
+            <a:t>Procrastinated Library</a:t>
+          </a:r>
+        </a:p>
+      </dgm:t>
+    </dgm:pt>
+    <dgm:pt modelId="{6FEF9416-1C5D-418A-B43C-5AC805C3E48A}" type="parTrans" cxnId="{4B4C1D5C-05EA-4768-9D95-B0C70E8D8200}">
+      <dgm:prSet/>
+      <dgm:spPr/>
+      <dgm:t>
+        <a:bodyPr/>
+        <a:lstStyle/>
+        <a:p>
+          <a:endParaRPr lang="en-US"/>
+        </a:p>
+      </dgm:t>
+    </dgm:pt>
+    <dgm:pt modelId="{0D9B56E9-3E22-43FD-AFCB-25F33CA4C8B4}" type="sibTrans" cxnId="{4B4C1D5C-05EA-4768-9D95-B0C70E8D8200}">
+      <dgm:prSet/>
+      <dgm:spPr/>
+      <dgm:t>
+        <a:bodyPr/>
+        <a:lstStyle/>
+        <a:p>
+          <a:endParaRPr lang="en-US"/>
+        </a:p>
+      </dgm:t>
+    </dgm:pt>
+    <dgm:pt modelId="{3592C66F-E09E-46F3-B781-CCED25FDEE5F}" type="pres">
+      <dgm:prSet presAssocID="{E66653B3-C9A4-470B-ADC8-0E296A490190}" presName="Name0" presStyleCnt="0">
+        <dgm:presLayoutVars>
+          <dgm:dir/>
+          <dgm:resizeHandles val="exact"/>
+        </dgm:presLayoutVars>
+      </dgm:prSet>
+      <dgm:spPr/>
+    </dgm:pt>
+    <dgm:pt modelId="{9F2C44A9-B175-4319-B441-D6EB98677BBF}" type="pres">
+      <dgm:prSet presAssocID="{85ABE9EA-C51C-4284-B005-E7CD10F7ED1E}" presName="node" presStyleLbl="node1" presStyleIdx="0" presStyleCnt="3">
+        <dgm:presLayoutVars>
+          <dgm:bulletEnabled val="1"/>
+        </dgm:presLayoutVars>
+      </dgm:prSet>
+      <dgm:spPr/>
+    </dgm:pt>
+    <dgm:pt modelId="{CD6FC825-67FF-43B8-8949-75409DACFE21}" type="pres">
+      <dgm:prSet presAssocID="{40F1C22D-A449-434E-987A-E68AEC0880CA}" presName="sibTrans" presStyleLbl="sibTrans2D1" presStyleIdx="0" presStyleCnt="2"/>
+      <dgm:spPr/>
+    </dgm:pt>
+    <dgm:pt modelId="{F199211B-E789-4AF6-B390-092E649AE6FC}" type="pres">
+      <dgm:prSet presAssocID="{40F1C22D-A449-434E-987A-E68AEC0880CA}" presName="connectorText" presStyleLbl="sibTrans2D1" presStyleIdx="0" presStyleCnt="2"/>
+      <dgm:spPr/>
+    </dgm:pt>
+    <dgm:pt modelId="{046FF645-E531-4587-BF25-DE4CA0626C43}" type="pres">
+      <dgm:prSet presAssocID="{7CD7B0E1-2C9C-4724-9C3D-DC127CC63ACE}" presName="node" presStyleLbl="node1" presStyleIdx="1" presStyleCnt="3">
+        <dgm:presLayoutVars>
+          <dgm:bulletEnabled val="1"/>
+        </dgm:presLayoutVars>
+      </dgm:prSet>
+      <dgm:spPr/>
+    </dgm:pt>
+    <dgm:pt modelId="{570B1396-8F0B-4B57-91C1-3E5BAD9962F9}" type="pres">
+      <dgm:prSet presAssocID="{0D9B56E9-3E22-43FD-AFCB-25F33CA4C8B4}" presName="sibTrans" presStyleLbl="sibTrans2D1" presStyleIdx="1" presStyleCnt="2"/>
+      <dgm:spPr/>
+    </dgm:pt>
+    <dgm:pt modelId="{76A837BD-7949-445D-84C1-A1A8B16BD959}" type="pres">
+      <dgm:prSet presAssocID="{0D9B56E9-3E22-43FD-AFCB-25F33CA4C8B4}" presName="connectorText" presStyleLbl="sibTrans2D1" presStyleIdx="1" presStyleCnt="2"/>
+      <dgm:spPr/>
+    </dgm:pt>
+    <dgm:pt modelId="{1FE67B6B-CC4C-4CF6-8BD2-4EF00D19892F}" type="pres">
+      <dgm:prSet presAssocID="{9BCC45EA-EBF3-4074-BE7B-EA58097E7009}" presName="node" presStyleLbl="node1" presStyleIdx="2" presStyleCnt="3">
+        <dgm:presLayoutVars>
+          <dgm:bulletEnabled val="1"/>
+        </dgm:presLayoutVars>
+      </dgm:prSet>
+      <dgm:spPr/>
+    </dgm:pt>
+  </dgm:ptLst>
+  <dgm:cxnLst>
+    <dgm:cxn modelId="{7FEB2D24-6156-42A8-96CB-057A55BDAEF6}" type="presOf" srcId="{0D9B56E9-3E22-43FD-AFCB-25F33CA4C8B4}" destId="{570B1396-8F0B-4B57-91C1-3E5BAD9962F9}" srcOrd="0" destOrd="0" presId="urn:microsoft.com/office/officeart/2005/8/layout/process1"/>
+    <dgm:cxn modelId="{99B1AF27-3D2B-4597-AD4B-A3449451148D}" type="presOf" srcId="{E66653B3-C9A4-470B-ADC8-0E296A490190}" destId="{3592C66F-E09E-46F3-B781-CCED25FDEE5F}" srcOrd="0" destOrd="0" presId="urn:microsoft.com/office/officeart/2005/8/layout/process1"/>
+    <dgm:cxn modelId="{4B4C1D5C-05EA-4768-9D95-B0C70E8D8200}" srcId="{E66653B3-C9A4-470B-ADC8-0E296A490190}" destId="{7CD7B0E1-2C9C-4724-9C3D-DC127CC63ACE}" srcOrd="1" destOrd="0" parTransId="{6FEF9416-1C5D-418A-B43C-5AC805C3E48A}" sibTransId="{0D9B56E9-3E22-43FD-AFCB-25F33CA4C8B4}"/>
+    <dgm:cxn modelId="{ACEC1276-E1E9-4037-8173-3173CBBB2258}" type="presOf" srcId="{7CD7B0E1-2C9C-4724-9C3D-DC127CC63ACE}" destId="{046FF645-E531-4587-BF25-DE4CA0626C43}" srcOrd="0" destOrd="0" presId="urn:microsoft.com/office/officeart/2005/8/layout/process1"/>
+    <dgm:cxn modelId="{112D527F-50DE-481B-8796-82A62B9DAA8C}" type="presOf" srcId="{0D9B56E9-3E22-43FD-AFCB-25F33CA4C8B4}" destId="{76A837BD-7949-445D-84C1-A1A8B16BD959}" srcOrd="1" destOrd="0" presId="urn:microsoft.com/office/officeart/2005/8/layout/process1"/>
+    <dgm:cxn modelId="{1A58F697-8DC0-43DB-9409-1728E8B91D28}" type="presOf" srcId="{40F1C22D-A449-434E-987A-E68AEC0880CA}" destId="{F199211B-E789-4AF6-B390-092E649AE6FC}" srcOrd="1" destOrd="0" presId="urn:microsoft.com/office/officeart/2005/8/layout/process1"/>
+    <dgm:cxn modelId="{7ADE8999-0C98-42CF-BD84-7BF422AB7377}" type="presOf" srcId="{40F1C22D-A449-434E-987A-E68AEC0880CA}" destId="{CD6FC825-67FF-43B8-8949-75409DACFE21}" srcOrd="0" destOrd="0" presId="urn:microsoft.com/office/officeart/2005/8/layout/process1"/>
+    <dgm:cxn modelId="{7B4BB9AB-E126-4621-A60D-819E975185A5}" srcId="{E66653B3-C9A4-470B-ADC8-0E296A490190}" destId="{9BCC45EA-EBF3-4074-BE7B-EA58097E7009}" srcOrd="2" destOrd="0" parTransId="{DE386083-8AC0-419B-8A7E-C9C23ACC2B08}" sibTransId="{567CCAA1-3D67-44B5-ADEE-9A552ADBB006}"/>
+    <dgm:cxn modelId="{BE5005C8-F421-47A5-A83F-C5831517C7C6}" type="presOf" srcId="{9BCC45EA-EBF3-4074-BE7B-EA58097E7009}" destId="{1FE67B6B-CC4C-4CF6-8BD2-4EF00D19892F}" srcOrd="0" destOrd="0" presId="urn:microsoft.com/office/officeart/2005/8/layout/process1"/>
+    <dgm:cxn modelId="{528052DA-1307-4C71-9192-F829846029BC}" srcId="{E66653B3-C9A4-470B-ADC8-0E296A490190}" destId="{85ABE9EA-C51C-4284-B005-E7CD10F7ED1E}" srcOrd="0" destOrd="0" parTransId="{6A64213C-193D-4E0C-A13B-FD89BF7A9951}" sibTransId="{40F1C22D-A449-434E-987A-E68AEC0880CA}"/>
+    <dgm:cxn modelId="{899639F1-73C4-467E-B644-9315BE75C745}" type="presOf" srcId="{85ABE9EA-C51C-4284-B005-E7CD10F7ED1E}" destId="{9F2C44A9-B175-4319-B441-D6EB98677BBF}" srcOrd="0" destOrd="0" presId="urn:microsoft.com/office/officeart/2005/8/layout/process1"/>
+    <dgm:cxn modelId="{E5F0CFFD-45B7-4B4F-91A6-D27C5380C20F}" type="presParOf" srcId="{3592C66F-E09E-46F3-B781-CCED25FDEE5F}" destId="{9F2C44A9-B175-4319-B441-D6EB98677BBF}" srcOrd="0" destOrd="0" presId="urn:microsoft.com/office/officeart/2005/8/layout/process1"/>
+    <dgm:cxn modelId="{92F67A37-16A8-4A11-956B-C4DDC4668042}" type="presParOf" srcId="{3592C66F-E09E-46F3-B781-CCED25FDEE5F}" destId="{CD6FC825-67FF-43B8-8949-75409DACFE21}" srcOrd="1" destOrd="0" presId="urn:microsoft.com/office/officeart/2005/8/layout/process1"/>
+    <dgm:cxn modelId="{74265290-0B01-4CD2-B044-185D4C89DB32}" type="presParOf" srcId="{CD6FC825-67FF-43B8-8949-75409DACFE21}" destId="{F199211B-E789-4AF6-B390-092E649AE6FC}" srcOrd="0" destOrd="0" presId="urn:microsoft.com/office/officeart/2005/8/layout/process1"/>
+    <dgm:cxn modelId="{D0974FF5-152B-4FF8-9960-A0B629100F15}" type="presParOf" srcId="{3592C66F-E09E-46F3-B781-CCED25FDEE5F}" destId="{046FF645-E531-4587-BF25-DE4CA0626C43}" srcOrd="2" destOrd="0" presId="urn:microsoft.com/office/officeart/2005/8/layout/process1"/>
+    <dgm:cxn modelId="{1E0BF7CA-62D8-4A9F-BC82-34CAD698039C}" type="presParOf" srcId="{3592C66F-E09E-46F3-B781-CCED25FDEE5F}" destId="{570B1396-8F0B-4B57-91C1-3E5BAD9962F9}" srcOrd="3" destOrd="0" presId="urn:microsoft.com/office/officeart/2005/8/layout/process1"/>
+    <dgm:cxn modelId="{023BA554-C2CF-4837-8BF7-C0B74626BAC7}" type="presParOf" srcId="{570B1396-8F0B-4B57-91C1-3E5BAD9962F9}" destId="{76A837BD-7949-445D-84C1-A1A8B16BD959}" srcOrd="0" destOrd="0" presId="urn:microsoft.com/office/officeart/2005/8/layout/process1"/>
+    <dgm:cxn modelId="{8D5A36A2-34F7-492F-BD7C-FE933D2FAE9D}" type="presParOf" srcId="{3592C66F-E09E-46F3-B781-CCED25FDEE5F}" destId="{1FE67B6B-CC4C-4CF6-8BD2-4EF00D19892F}" srcOrd="4" destOrd="0" presId="urn:microsoft.com/office/officeart/2005/8/layout/process1"/>
+  </dgm:cxnLst>
+  <dgm:bg/>
+  <dgm:whole/>
+  <dgm:extLst>
+    <a:ext uri="http://schemas.microsoft.com/office/drawing/2008/diagram">
+      <dsp:dataModelExt xmlns:dsp="http://schemas.microsoft.com/office/drawing/2008/diagram" relId="rId6" minVer="http://schemas.openxmlformats.org/drawingml/2006/diagram"/>
+    </a:ext>
+  </dgm:extLst>
+</dgm:dataModel>
+</file>
+
+<file path=ppt/diagrams/drawing1.xml><?xml version="1.0" encoding="utf-8"?>
+<dsp:drawing xmlns:dgm="http://schemas.openxmlformats.org/drawingml/2006/diagram" xmlns:dsp="http://schemas.microsoft.com/office/drawing/2008/diagram" xmlns:a="http://schemas.openxmlformats.org/drawingml/2006/main">
+  <dsp:spTree>
+    <dsp:nvGrpSpPr>
+      <dsp:cNvPr id="0" name=""/>
+      <dsp:cNvGrpSpPr/>
+    </dsp:nvGrpSpPr>
+    <dsp:grpSpPr/>
+    <dsp:sp modelId="{9F2C44A9-B175-4319-B441-D6EB98677BBF}">
+      <dsp:nvSpPr>
+        <dsp:cNvPr id="0" name=""/>
+        <dsp:cNvSpPr/>
+      </dsp:nvSpPr>
+      <dsp:spPr>
+        <a:xfrm>
+          <a:off x="7835" y="1186514"/>
+          <a:ext cx="2342033" cy="1405220"/>
+        </a:xfrm>
+        <a:prstGeom prst="roundRect">
+          <a:avLst>
+            <a:gd name="adj" fmla="val 10000"/>
+          </a:avLst>
+        </a:prstGeom>
+        <a:noFill/>
+        <a:ln w="15875" cap="rnd" cmpd="sng" algn="ctr">
+          <a:solidFill>
+            <a:schemeClr val="tx1"/>
+          </a:solidFill>
+          <a:prstDash val="solid"/>
+        </a:ln>
+        <a:effectLst/>
+      </dsp:spPr>
+      <dsp:style>
+        <a:lnRef idx="2">
+          <a:scrgbClr r="0" g="0" b="0"/>
+        </a:lnRef>
+        <a:fillRef idx="1">
+          <a:scrgbClr r="0" g="0" b="0"/>
+        </a:fillRef>
+        <a:effectRef idx="0">
+          <a:scrgbClr r="0" g="0" b="0"/>
+        </a:effectRef>
+        <a:fontRef idx="minor">
+          <a:schemeClr val="lt1"/>
+        </a:fontRef>
+      </dsp:style>
+      <dsp:txBody>
+        <a:bodyPr spcFirstLastPara="0" vert="horz" wrap="square" lIns="76200" tIns="76200" rIns="76200" bIns="76200" numCol="1" spcCol="1270" anchor="ctr" anchorCtr="0">
+          <a:noAutofit/>
+        </a:bodyPr>
+        <a:lstStyle/>
+        <a:p>
+          <a:pPr marL="0" lvl="0" indent="0" algn="ctr" defTabSz="889000">
+            <a:lnSpc>
+              <a:spcPct val="90000"/>
+            </a:lnSpc>
+            <a:spcBef>
+              <a:spcPct val="0"/>
+            </a:spcBef>
+            <a:spcAft>
+              <a:spcPct val="35000"/>
+            </a:spcAft>
+            <a:buNone/>
+          </a:pPr>
+          <a:r>
+            <a:rPr lang="en-US" sz="2000" kern="1200" dirty="0">
+              <a:solidFill>
+                <a:schemeClr val="tx1"/>
+              </a:solidFill>
+            </a:rPr>
+            <a:t>Android </a:t>
+          </a:r>
+        </a:p>
+        <a:p>
+          <a:pPr marL="0" lvl="0" indent="0" algn="ctr" defTabSz="889000">
+            <a:lnSpc>
+              <a:spcPct val="90000"/>
+            </a:lnSpc>
+            <a:spcBef>
+              <a:spcPct val="0"/>
+            </a:spcBef>
+            <a:spcAft>
+              <a:spcPct val="35000"/>
+            </a:spcAft>
+            <a:buNone/>
+          </a:pPr>
+          <a:r>
+            <a:rPr lang="en-US" sz="2000" kern="1200" dirty="0">
+              <a:solidFill>
+                <a:schemeClr val="tx1"/>
+              </a:solidFill>
+            </a:rPr>
+            <a:t>App Source Code</a:t>
+          </a:r>
+        </a:p>
+      </dsp:txBody>
+      <dsp:txXfrm>
+        <a:off x="48992" y="1227671"/>
+        <a:ext cx="2259719" cy="1322906"/>
+      </dsp:txXfrm>
+    </dsp:sp>
+    <dsp:sp modelId="{CD6FC825-67FF-43B8-8949-75409DACFE21}">
+      <dsp:nvSpPr>
+        <dsp:cNvPr id="0" name=""/>
+        <dsp:cNvSpPr/>
+      </dsp:nvSpPr>
+      <dsp:spPr>
+        <a:xfrm>
+          <a:off x="2584072" y="1598712"/>
+          <a:ext cx="496511" cy="580824"/>
+        </a:xfrm>
+        <a:prstGeom prst="rightArrow">
+          <a:avLst>
+            <a:gd name="adj1" fmla="val 60000"/>
+            <a:gd name="adj2" fmla="val 50000"/>
+          </a:avLst>
+        </a:prstGeom>
+        <a:solidFill>
+          <a:schemeClr val="accent1">
+            <a:tint val="60000"/>
+            <a:hueOff val="0"/>
+            <a:satOff val="0"/>
+            <a:lumOff val="0"/>
+            <a:alphaOff val="0"/>
+          </a:schemeClr>
+        </a:solidFill>
+        <a:ln>
+          <a:noFill/>
+        </a:ln>
+        <a:effectLst/>
+      </dsp:spPr>
+      <dsp:style>
+        <a:lnRef idx="0">
+          <a:scrgbClr r="0" g="0" b="0"/>
+        </a:lnRef>
+        <a:fillRef idx="1">
+          <a:scrgbClr r="0" g="0" b="0"/>
+        </a:fillRef>
+        <a:effectRef idx="0">
+          <a:scrgbClr r="0" g="0" b="0"/>
+        </a:effectRef>
+        <a:fontRef idx="minor">
+          <a:schemeClr val="lt1"/>
+        </a:fontRef>
+      </dsp:style>
+      <dsp:txBody>
+        <a:bodyPr spcFirstLastPara="0" vert="horz" wrap="square" lIns="0" tIns="0" rIns="0" bIns="0" numCol="1" spcCol="1270" anchor="ctr" anchorCtr="0">
+          <a:noAutofit/>
+        </a:bodyPr>
+        <a:lstStyle/>
+        <a:p>
+          <a:pPr marL="0" lvl="0" indent="0" algn="ctr" defTabSz="800100">
+            <a:lnSpc>
+              <a:spcPct val="90000"/>
+            </a:lnSpc>
+            <a:spcBef>
+              <a:spcPct val="0"/>
+            </a:spcBef>
+            <a:spcAft>
+              <a:spcPct val="35000"/>
+            </a:spcAft>
+            <a:buNone/>
+          </a:pPr>
+          <a:endParaRPr lang="en-US" sz="1800" kern="1200"/>
+        </a:p>
+      </dsp:txBody>
+      <dsp:txXfrm>
+        <a:off x="2584072" y="1714877"/>
+        <a:ext cx="347558" cy="348494"/>
+      </dsp:txXfrm>
+    </dsp:sp>
+    <dsp:sp modelId="{046FF645-E531-4587-BF25-DE4CA0626C43}">
+      <dsp:nvSpPr>
+        <dsp:cNvPr id="0" name=""/>
+        <dsp:cNvSpPr/>
+      </dsp:nvSpPr>
+      <dsp:spPr>
+        <a:xfrm>
+          <a:off x="3286683" y="1186514"/>
+          <a:ext cx="2342033" cy="1405220"/>
+        </a:xfrm>
+        <a:prstGeom prst="roundRect">
+          <a:avLst>
+            <a:gd name="adj" fmla="val 10000"/>
+          </a:avLst>
+        </a:prstGeom>
+        <a:noFill/>
+        <a:ln w="15875" cap="rnd" cmpd="sng" algn="ctr">
+          <a:solidFill>
+            <a:schemeClr val="tx1"/>
+          </a:solidFill>
+          <a:prstDash val="solid"/>
+        </a:ln>
+        <a:effectLst/>
+      </dsp:spPr>
+      <dsp:style>
+        <a:lnRef idx="2">
+          <a:scrgbClr r="0" g="0" b="0"/>
+        </a:lnRef>
+        <a:fillRef idx="1">
+          <a:scrgbClr r="0" g="0" b="0"/>
+        </a:fillRef>
+        <a:effectRef idx="0">
+          <a:scrgbClr r="0" g="0" b="0"/>
+        </a:effectRef>
+        <a:fontRef idx="minor">
+          <a:schemeClr val="lt1"/>
+        </a:fontRef>
+      </dsp:style>
+      <dsp:txBody>
+        <a:bodyPr spcFirstLastPara="0" vert="horz" wrap="square" lIns="76200" tIns="76200" rIns="76200" bIns="76200" numCol="1" spcCol="1270" anchor="ctr" anchorCtr="0">
+          <a:noAutofit/>
+        </a:bodyPr>
+        <a:lstStyle/>
+        <a:p>
+          <a:pPr marL="0" lvl="0" indent="0" algn="ctr" defTabSz="889000">
+            <a:lnSpc>
+              <a:spcPct val="90000"/>
+            </a:lnSpc>
+            <a:spcBef>
+              <a:spcPct val="0"/>
+            </a:spcBef>
+            <a:spcAft>
+              <a:spcPct val="35000"/>
+            </a:spcAft>
+            <a:buNone/>
+          </a:pPr>
+          <a:r>
+            <a:rPr lang="en-US" sz="2000" kern="1200" dirty="0">
+              <a:solidFill>
+                <a:schemeClr val="tx1"/>
+              </a:solidFill>
+            </a:rPr>
+            <a:t>Procrastinated Library</a:t>
+          </a:r>
+        </a:p>
+      </dsp:txBody>
+      <dsp:txXfrm>
+        <a:off x="3327840" y="1227671"/>
+        <a:ext cx="2259719" cy="1322906"/>
+      </dsp:txXfrm>
+    </dsp:sp>
+    <dsp:sp modelId="{570B1396-8F0B-4B57-91C1-3E5BAD9962F9}">
+      <dsp:nvSpPr>
+        <dsp:cNvPr id="0" name=""/>
+        <dsp:cNvSpPr/>
+      </dsp:nvSpPr>
+      <dsp:spPr>
+        <a:xfrm>
+          <a:off x="5862920" y="1598712"/>
+          <a:ext cx="496511" cy="580824"/>
+        </a:xfrm>
+        <a:prstGeom prst="rightArrow">
+          <a:avLst>
+            <a:gd name="adj1" fmla="val 60000"/>
+            <a:gd name="adj2" fmla="val 50000"/>
+          </a:avLst>
+        </a:prstGeom>
+        <a:solidFill>
+          <a:schemeClr val="accent1">
+            <a:tint val="60000"/>
+            <a:hueOff val="0"/>
+            <a:satOff val="0"/>
+            <a:lumOff val="0"/>
+            <a:alphaOff val="0"/>
+          </a:schemeClr>
+        </a:solidFill>
+        <a:ln>
+          <a:noFill/>
+        </a:ln>
+        <a:effectLst/>
+      </dsp:spPr>
+      <dsp:style>
+        <a:lnRef idx="0">
+          <a:scrgbClr r="0" g="0" b="0"/>
+        </a:lnRef>
+        <a:fillRef idx="1">
+          <a:scrgbClr r="0" g="0" b="0"/>
+        </a:fillRef>
+        <a:effectRef idx="0">
+          <a:scrgbClr r="0" g="0" b="0"/>
+        </a:effectRef>
+        <a:fontRef idx="minor">
+          <a:schemeClr val="lt1"/>
+        </a:fontRef>
+      </dsp:style>
+      <dsp:txBody>
+        <a:bodyPr spcFirstLastPara="0" vert="horz" wrap="square" lIns="0" tIns="0" rIns="0" bIns="0" numCol="1" spcCol="1270" anchor="ctr" anchorCtr="0">
+          <a:noAutofit/>
+        </a:bodyPr>
+        <a:lstStyle/>
+        <a:p>
+          <a:pPr marL="0" lvl="0" indent="0" algn="ctr" defTabSz="800100">
+            <a:lnSpc>
+              <a:spcPct val="90000"/>
+            </a:lnSpc>
+            <a:spcBef>
+              <a:spcPct val="0"/>
+            </a:spcBef>
+            <a:spcAft>
+              <a:spcPct val="35000"/>
+            </a:spcAft>
+            <a:buNone/>
+          </a:pPr>
+          <a:endParaRPr lang="en-US" sz="1800" kern="1200"/>
+        </a:p>
+      </dsp:txBody>
+      <dsp:txXfrm>
+        <a:off x="5862920" y="1714877"/>
+        <a:ext cx="347558" cy="348494"/>
+      </dsp:txXfrm>
+    </dsp:sp>
+    <dsp:sp modelId="{1FE67B6B-CC4C-4CF6-8BD2-4EF00D19892F}">
+      <dsp:nvSpPr>
+        <dsp:cNvPr id="0" name=""/>
+        <dsp:cNvSpPr/>
+      </dsp:nvSpPr>
+      <dsp:spPr>
+        <a:xfrm>
+          <a:off x="6565530" y="1186514"/>
+          <a:ext cx="2342033" cy="1405220"/>
+        </a:xfrm>
+        <a:prstGeom prst="roundRect">
+          <a:avLst>
+            <a:gd name="adj" fmla="val 10000"/>
+          </a:avLst>
+        </a:prstGeom>
+        <a:noFill/>
+        <a:ln w="15875" cap="rnd" cmpd="sng" algn="ctr">
+          <a:solidFill>
+            <a:schemeClr val="tx1"/>
+          </a:solidFill>
+          <a:prstDash val="solid"/>
+        </a:ln>
+        <a:effectLst/>
+      </dsp:spPr>
+      <dsp:style>
+        <a:lnRef idx="2">
+          <a:scrgbClr r="0" g="0" b="0"/>
+        </a:lnRef>
+        <a:fillRef idx="1">
+          <a:scrgbClr r="0" g="0" b="0"/>
+        </a:fillRef>
+        <a:effectRef idx="0">
+          <a:scrgbClr r="0" g="0" b="0"/>
+        </a:effectRef>
+        <a:fontRef idx="minor">
+          <a:schemeClr val="lt1"/>
+        </a:fontRef>
+      </dsp:style>
+      <dsp:txBody>
+        <a:bodyPr spcFirstLastPara="0" vert="horz" wrap="square" lIns="83820" tIns="83820" rIns="83820" bIns="83820" numCol="1" spcCol="1270" anchor="ctr" anchorCtr="0">
+          <a:noAutofit/>
+        </a:bodyPr>
+        <a:lstStyle/>
+        <a:p>
+          <a:pPr marL="0" lvl="0" indent="0" algn="ctr" defTabSz="977900">
+            <a:lnSpc>
+              <a:spcPct val="90000"/>
+            </a:lnSpc>
+            <a:spcBef>
+              <a:spcPct val="0"/>
+            </a:spcBef>
+            <a:spcAft>
+              <a:spcPct val="35000"/>
+            </a:spcAft>
+            <a:buNone/>
+          </a:pPr>
+          <a:r>
+            <a:rPr lang="en-US" sz="2200" kern="1200" dirty="0">
+              <a:solidFill>
+                <a:schemeClr val="tx1"/>
+              </a:solidFill>
+            </a:rPr>
+            <a:t>Procrastinated Version of App (Source Code)</a:t>
+          </a:r>
+        </a:p>
+      </dsp:txBody>
+      <dsp:txXfrm>
+        <a:off x="6606687" y="1227671"/>
+        <a:ext cx="2259719" cy="1322906"/>
+      </dsp:txXfrm>
+    </dsp:sp>
+  </dsp:spTree>
+</dsp:drawing>
+</file>
+
+<file path=ppt/diagrams/layout1.xml><?xml version="1.0" encoding="utf-8"?>
+<dgm:layoutDef xmlns:dgm="http://schemas.openxmlformats.org/drawingml/2006/diagram" xmlns:a="http://schemas.openxmlformats.org/drawingml/2006/main" uniqueId="urn:microsoft.com/office/officeart/2005/8/layout/process1">
+  <dgm:title val=""/>
+  <dgm:desc val=""/>
+  <dgm:catLst>
+    <dgm:cat type="process" pri="1000"/>
+    <dgm:cat type="convert" pri="15000"/>
+  </dgm:catLst>
+  <dgm:sampData useDef="1">
+    <dgm:dataModel>
+      <dgm:ptLst/>
+      <dgm:bg/>
+      <dgm:whole/>
+    </dgm:dataModel>
+  </dgm:sampData>
+  <dgm:styleData>
+    <dgm:dataModel>
+      <dgm:ptLst>
+        <dgm:pt modelId="0" type="doc"/>
+        <dgm:pt modelId="1"/>
+        <dgm:pt modelId="2"/>
+      </dgm:ptLst>
+      <dgm:cxnLst>
+        <dgm:cxn modelId="3" srcId="0" destId="1" srcOrd="0" destOrd="0"/>
+        <dgm:cxn modelId="4" srcId="0" destId="2" srcOrd="1" destOrd="0"/>
+      </dgm:cxnLst>
+      <dgm:bg/>
+      <dgm:whole/>
+    </dgm:dataModel>
+  </dgm:styleData>
+  <dgm:clrData>
+    <dgm:dataModel>
+      <dgm:ptLst>
+        <dgm:pt modelId="0" type="doc"/>
+        <dgm:pt modelId="1"/>
+        <dgm:pt modelId="2"/>
+        <dgm:pt modelId="3"/>
+        <dgm:pt modelId="4"/>
+      </dgm:ptLst>
+      <dgm:cxnLst>
+        <dgm:cxn modelId="5" srcId="0" destId="1" srcOrd="0" destOrd="0"/>
+        <dgm:cxn modelId="6" srcId="0" destId="2" srcOrd="1" destOrd="0"/>
+        <dgm:cxn modelId="7" srcId="0" destId="3" srcOrd="2" destOrd="0"/>
+        <dgm:cxn modelId="8" srcId="0" destId="4" srcOrd="3" destOrd="0"/>
+      </dgm:cxnLst>
+      <dgm:bg/>
+      <dgm:whole/>
+    </dgm:dataModel>
+  </dgm:clrData>
+  <dgm:layoutNode name="Name0">
+    <dgm:varLst>
+      <dgm:dir/>
+      <dgm:resizeHandles val="exact"/>
+    </dgm:varLst>
+    <dgm:choose name="Name1">
+      <dgm:if name="Name2" func="var" arg="dir" op="equ" val="norm">
+        <dgm:alg type="lin"/>
+      </dgm:if>
+      <dgm:else name="Name3">
+        <dgm:alg type="lin">
+          <dgm:param type="linDir" val="fromR"/>
+        </dgm:alg>
+      </dgm:else>
+    </dgm:choose>
+    <dgm:shape xmlns:r="http://schemas.openxmlformats.org/officeDocument/2006/relationships" r:blip="">
+      <dgm:adjLst/>
+    </dgm:shape>
+    <dgm:presOf/>
+    <dgm:constrLst>
+      <dgm:constr type="w" for="ch" ptType="node" refType="w"/>
+      <dgm:constr type="h" for="ch" ptType="node" op="equ"/>
+      <dgm:constr type="primFontSz" for="ch" ptType="node" op="equ" val="65"/>
+      <dgm:constr type="w" for="ch" ptType="sibTrans" refType="w" refFor="ch" refPtType="node" op="equ" fact="0.4"/>
+      <dgm:constr type="h" for="ch" ptType="sibTrans" op="equ"/>
+      <dgm:constr type="primFontSz" for="des" forName="connectorText" op="equ" val="55"/>
+      <dgm:constr type="primFontSz" for="des" forName="connectorText" refType="primFontSz" refFor="ch" refPtType="node" op="lte" fact="0.8"/>
+    </dgm:constrLst>
+    <dgm:ruleLst/>
+    <dgm:forEach name="nodesForEach" axis="ch" ptType="node">
+      <dgm:layoutNode name="node">
+        <dgm:varLst>
+          <dgm:bulletEnabled val="1"/>
+        </dgm:varLst>
+        <dgm:alg type="tx"/>
+        <dgm:shape xmlns:r="http://schemas.openxmlformats.org/officeDocument/2006/relationships" type="roundRect" r:blip="">
+          <dgm:adjLst>
+            <dgm:adj idx="1" val="0.1"/>
+          </dgm:adjLst>
+        </dgm:shape>
+        <dgm:presOf axis="desOrSelf" ptType="node"/>
+        <dgm:constrLst>
+          <dgm:constr type="h" refType="w" fact="0.6"/>
+          <dgm:constr type="tMarg" refType="primFontSz" fact="0.3"/>
+          <dgm:constr type="bMarg" refType="primFontSz" fact="0.3"/>
+          <dgm:constr type="lMarg" refType="primFontSz" fact="0.3"/>
+          <dgm:constr type="rMarg" refType="primFontSz" fact="0.3"/>
+        </dgm:constrLst>
+        <dgm:ruleLst>
+          <dgm:rule type="primFontSz" val="18" fact="NaN" max="NaN"/>
+          <dgm:rule type="h" val="NaN" fact="1.5" max="NaN"/>
+          <dgm:rule type="primFontSz" val="5" fact="NaN" max="NaN"/>
+          <dgm:rule type="h" val="INF" fact="NaN" max="NaN"/>
+        </dgm:ruleLst>
+      </dgm:layoutNode>
+      <dgm:forEach name="sibTransForEach" axis="followSib" ptType="sibTrans" cnt="1">
+        <dgm:layoutNode name="sibTrans">
+          <dgm:alg type="conn">
+            <dgm:param type="begPts" val="auto"/>
+            <dgm:param type="endPts" val="auto"/>
+          </dgm:alg>
+          <dgm:shape xmlns:r="http://schemas.openxmlformats.org/officeDocument/2006/relationships" type="conn" r:blip="">
+            <dgm:adjLst/>
+          </dgm:shape>
+          <dgm:presOf axis="self"/>
+          <dgm:constrLst>
+            <dgm:constr type="h" refType="w" fact="0.62"/>
+            <dgm:constr type="connDist"/>
+            <dgm:constr type="begPad" refType="connDist" fact="0.25"/>
+            <dgm:constr type="endPad" refType="connDist" fact="0.22"/>
+          </dgm:constrLst>
+          <dgm:ruleLst/>
+          <dgm:layoutNode name="connectorText">
+            <dgm:alg type="tx">
+              <dgm:param type="autoTxRot" val="grav"/>
+            </dgm:alg>
+            <dgm:shape xmlns:r="http://schemas.openxmlformats.org/officeDocument/2006/relationships" type="conn" r:blip="" hideGeom="1">
+              <dgm:adjLst/>
+            </dgm:shape>
+            <dgm:presOf axis="self"/>
+            <dgm:constrLst>
+              <dgm:constr type="lMarg"/>
+              <dgm:constr type="rMarg"/>
+              <dgm:constr type="tMarg"/>
+              <dgm:constr type="bMarg"/>
+            </dgm:constrLst>
+            <dgm:ruleLst>
+              <dgm:rule type="primFontSz" val="5" fact="NaN" max="NaN"/>
+            </dgm:ruleLst>
+          </dgm:layoutNode>
+        </dgm:layoutNode>
+      </dgm:forEach>
+    </dgm:forEach>
+  </dgm:layoutNode>
+</dgm:layoutDef>
+</file>
+
+<file path=ppt/diagrams/quickStyle1.xml><?xml version="1.0" encoding="utf-8"?>
+<dgm:styleDef xmlns:dgm="http://schemas.openxmlformats.org/drawingml/2006/diagram" xmlns:a="http://schemas.openxmlformats.org/drawingml/2006/main" uniqueId="urn:microsoft.com/office/officeart/2005/8/quickstyle/simple1">
+  <dgm:title val=""/>
+  <dgm:desc val=""/>
+  <dgm:catLst>
+    <dgm:cat type="simple" pri="10100"/>
+  </dgm:catLst>
+  <dgm:scene3d>
+    <a:camera prst="orthographicFront"/>
+    <a:lightRig rig="threePt" dir="t"/>
+  </dgm:scene3d>
+  <dgm:styleLbl name="node0">
+    <dgm:scene3d>
+      <a:camera prst="orthographicFront"/>
+      <a:lightRig rig="threePt" dir="t"/>
+    </dgm:scene3d>
+    <dgm:sp3d/>
+    <dgm:txPr/>
+    <dgm:style>
+      <a:lnRef idx="2">
+        <a:scrgbClr r="0" g="0" b="0"/>
+      </a:lnRef>
+      <a:fillRef idx="1">
+        <a:scrgbClr r="0" g="0" b="0"/>
+      </a:fillRef>
+      <a:effectRef idx="0">
+        <a:scrgbClr r="0" g="0" b="0"/>
+      </a:effectRef>
+      <a:fontRef idx="minor">
+        <a:schemeClr val="lt1"/>
+      </a:fontRef>
+    </dgm:style>
+  </dgm:styleLbl>
+  <dgm:styleLbl name="lnNode1">
+    <dgm:scene3d>
+      <a:camera prst="orthographicFront"/>
+      <a:lightRig rig="threePt" dir="t"/>
+    </dgm:scene3d>
+    <dgm:sp3d/>
+    <dgm:txPr/>
+    <dgm:style>
+      <a:lnRef idx="2">
+        <a:scrgbClr r="0" g="0" b="0"/>
+      </a:lnRef>
+      <a:fillRef idx="1">
+        <a:scrgbClr r="0" g="0" b="0"/>
+      </a:fillRef>
+      <a:effectRef idx="0">
+        <a:scrgbClr r="0" g="0" b="0"/>
+      </a:effectRef>
+      <a:fontRef idx="minor">
+        <a:schemeClr val="lt1"/>
+      </a:fontRef>
+    </dgm:style>
+  </dgm:styleLbl>
+  <dgm:styleLbl name="vennNode1">
+    <dgm:scene3d>
+      <a:camera prst="orthographicFront"/>
+      <a:lightRig rig="threePt" dir="t"/>
+    </dgm:scene3d>
+    <dgm:sp3d/>
+    <dgm:txPr/>
+    <dgm:style>
+      <a:lnRef idx="2">
+        <a:scrgbClr r="0" g="0" b="0"/>
+      </a:lnRef>
+      <a:fillRef idx="1">
+        <a:scrgbClr r="0" g="0" b="0"/>
+      </a:fillRef>
+      <a:effectRef idx="0">
+        <a:scrgbClr r="0" g="0" b="0"/>
+      </a:effectRef>
+      <a:fontRef idx="minor">
+        <a:schemeClr val="tx1"/>
+      </a:fontRef>
+    </dgm:style>
+  </dgm:styleLbl>
+  <dgm:styleLbl name="alignNode1">
+    <dgm:scene3d>
+      <a:camera prst="orthographicFront"/>
+      <a:lightRig rig="threePt" dir="t"/>
+    </dgm:scene3d>
+    <dgm:sp3d/>
+    <dgm:txPr/>
+    <dgm:style>
+      <a:lnRef idx="2">
+        <a:scrgbClr r="0" g="0" b="0"/>
+      </a:lnRef>
+      <a:fillRef idx="1">
+        <a:scrgbClr r="0" g="0" b="0"/>
+      </a:fillRef>
+      <a:effectRef idx="0">
+        <a:scrgbClr r="0" g="0" b="0"/>
+      </a:effectRef>
+      <a:fontRef idx="minor">
+        <a:schemeClr val="lt1"/>
+      </a:fontRef>
+    </dgm:style>
+  </dgm:styleLbl>
+  <dgm:styleLbl name="node1">
+    <dgm:scene3d>
+      <a:camera prst="orthographicFront"/>
+      <a:lightRig rig="threePt" dir="t"/>
+    </dgm:scene3d>
+    <dgm:sp3d/>
+    <dgm:txPr/>
+    <dgm:style>
+      <a:lnRef idx="2">
+        <a:scrgbClr r="0" g="0" b="0"/>
+      </a:lnRef>
+      <a:fillRef idx="1">
+        <a:scrgbClr r="0" g="0" b="0"/>
+      </a:fillRef>
+      <a:effectRef idx="0">
+        <a:scrgbClr r="0" g="0" b="0"/>
+      </a:effectRef>
+      <a:fontRef idx="minor">
+        <a:schemeClr val="lt1"/>
+      </a:fontRef>
+    </dgm:style>
+  </dgm:styleLbl>
+  <dgm:styleLbl name="node2">
+    <dgm:scene3d>
+      <a:camera prst="orthographicFront"/>
+      <a:lightRig rig="threePt" dir="t"/>
+    </dgm:scene3d>
+    <dgm:sp3d/>
+    <dgm:txPr/>
+    <dgm:style>
+      <a:lnRef idx="2">
+        <a:scrgbClr r="0" g="0" b="0"/>
+      </a:lnRef>
+      <a:fillRef idx="1">
+        <a:scrgbClr r="0" g="0" b="0"/>
+      </a:fillRef>
+      <a:effectRef idx="0">
+        <a:scrgbClr r="0" g="0" b="0"/>
+      </a:effectRef>
+      <a:fontRef idx="minor">
+        <a:schemeClr val="lt1"/>
+      </a:fontRef>
+    </dgm:style>
+  </dgm:styleLbl>
+  <dgm:styleLbl name="node3">
+    <dgm:scene3d>
+      <a:camera prst="orthographicFront"/>
+      <a:lightRig rig="threePt" dir="t"/>
+    </dgm:scene3d>
+    <dgm:sp3d/>
+    <dgm:txPr/>
+    <dgm:style>
+      <a:lnRef idx="2">
+        <a:scrgbClr r="0" g="0" b="0"/>
+      </a:lnRef>
+      <a:fillRef idx="1">
+        <a:scrgbClr r="0" g="0" b="0"/>
+      </a:fillRef>
+      <a:effectRef idx="0">
+        <a:scrgbClr r="0" g="0" b="0"/>
+      </a:effectRef>
+      <a:fontRef idx="minor">
+        <a:schemeClr val="lt1"/>
+      </a:fontRef>
+    </dgm:style>
+  </dgm:styleLbl>
+  <dgm:styleLbl name="node4">
+    <dgm:scene3d>
+      <a:camera prst="orthographicFront"/>
+      <a:lightRig rig="threePt" dir="t"/>
+    </dgm:scene3d>
+    <dgm:sp3d/>
+    <dgm:txPr/>
+    <dgm:style>
+      <a:lnRef idx="2">
+        <a:scrgbClr r="0" g="0" b="0"/>
+      </a:lnRef>
+      <a:fillRef idx="1">
+        <a:scrgbClr r="0" g="0" b="0"/>
+      </a:fillRef>
+      <a:effectRef idx="0">
+        <a:scrgbClr r="0" g="0" b="0"/>
+      </a:effectRef>
+      <a:fontRef idx="minor">
+        <a:schemeClr val="lt1"/>
+      </a:fontRef>
+    </dgm:style>
+  </dgm:styleLbl>
+  <dgm:styleLbl name="fgImgPlace1">
+    <dgm:scene3d>
+      <a:camera prst="orthographicFront"/>
+      <a:lightRig rig="threePt" dir="t"/>
+    </dgm:scene3d>
+    <dgm:sp3d/>
+    <dgm:txPr/>
+    <dgm:style>
+      <a:lnRef idx="2">
+        <a:scrgbClr r="0" g="0" b="0"/>
+      </a:lnRef>
+      <a:fillRef idx="1">
+        <a:scrgbClr r="0" g="0" b="0"/>
+      </a:fillRef>
+      <a:effectRef idx="0">
+        <a:scrgbClr r="0" g="0" b="0"/>
+      </a:effectRef>
+      <a:fontRef idx="minor"/>
+    </dgm:style>
+  </dgm:styleLbl>
+  <dgm:styleLbl name="alignImgPlace1">
+    <dgm:scene3d>
+      <a:camera prst="orthographicFront"/>
+      <a:lightRig rig="threePt" dir="t"/>
+    </dgm:scene3d>
+    <dgm:sp3d/>
+    <dgm:txPr/>
+    <dgm:style>
+      <a:lnRef idx="2">
+        <a:scrgbClr r="0" g="0" b="0"/>
+      </a:lnRef>
+      <a:fillRef idx="1">
+        <a:scrgbClr r="0" g="0" b="0"/>
+      </a:fillRef>
+      <a:effectRef idx="0">
+        <a:scrgbClr r="0" g="0" b="0"/>
+      </a:effectRef>
+      <a:fontRef idx="minor"/>
+    </dgm:style>
+  </dgm:styleLbl>
+  <dgm:styleLbl name="bgImgPlace1">
+    <dgm:scene3d>
+      <a:camera prst="orthographicFront"/>
+      <a:lightRig rig="threePt" dir="t"/>
+    </dgm:scene3d>
+    <dgm:sp3d/>
+    <dgm:txPr/>
+    <dgm:style>
+      <a:lnRef idx="2">
+        <a:scrgbClr r="0" g="0" b="0"/>
+      </a:lnRef>
+      <a:fillRef idx="1">
+        <a:scrgbClr r="0" g="0" b="0"/>
+      </a:fillRef>
+      <a:effectRef idx="0">
+        <a:scrgbClr r="0" g="0" b="0"/>
+      </a:effectRef>
+      <a:fontRef idx="minor"/>
+    </dgm:style>
+  </dgm:styleLbl>
+  <dgm:styleLbl name="sibTrans2D1">
+    <dgm:scene3d>
+      <a:camera prst="orthographicFront"/>
+      <a:lightRig rig="threePt" dir="t"/>
+    </dgm:scene3d>
+    <dgm:sp3d/>
+    <dgm:txPr/>
+    <dgm:style>
+      <a:lnRef idx="0">
+        <a:scrgbClr r="0" g="0" b="0"/>
+      </a:lnRef>
+      <a:fillRef idx="1">
+        <a:scrgbClr r="0" g="0" b="0"/>
+      </a:fillRef>
+      <a:effectRef idx="0">
+        <a:scrgbClr r="0" g="0" b="0"/>
+      </a:effectRef>
+      <a:fontRef idx="minor">
+        <a:schemeClr val="lt1"/>
+      </a:fontRef>
+    </dgm:style>
+  </dgm:styleLbl>
+  <dgm:styleLbl name="fgSibTrans2D1">
+    <dgm:scene3d>
+      <a:camera prst="orthographicFront"/>
+      <a:lightRig rig="threePt" dir="t"/>
+    </dgm:scene3d>
+    <dgm:sp3d/>
+    <dgm:txPr/>
+    <dgm:style>
+      <a:lnRef idx="0">
+        <a:scrgbClr r="0" g="0" b="0"/>
+      </a:lnRef>
+      <a:fillRef idx="1">
+        <a:scrgbClr r="0" g="0" b="0"/>
+      </a:fillRef>
+      <a:effectRef idx="0">
+        <a:scrgbClr r="0" g="0" b="0"/>
+      </a:effectRef>
+      <a:fontRef idx="minor">
+        <a:schemeClr val="lt1"/>
+      </a:fontRef>
+    </dgm:style>
+  </dgm:styleLbl>
+  <dgm:styleLbl name="bgSibTrans2D1">
+    <dgm:scene3d>
+      <a:camera prst="orthographicFront"/>
+      <a:lightRig rig="threePt" dir="t"/>
+    </dgm:scene3d>
+    <dgm:sp3d/>
+    <dgm:txPr/>
+    <dgm:style>
+      <a:lnRef idx="0">
+        <a:scrgbClr r="0" g="0" b="0"/>
+      </a:lnRef>
+      <a:fillRef idx="1">
+        <a:scrgbClr r="0" g="0" b="0"/>
+      </a:fillRef>
+      <a:effectRef idx="0">
+        <a:scrgbClr r="0" g="0" b="0"/>
+      </a:effectRef>
+      <a:fontRef idx="minor">
+        <a:schemeClr val="lt1"/>
+      </a:fontRef>
+    </dgm:style>
+  </dgm:styleLbl>
+  <dgm:styleLbl name="sibTrans1D1">
+    <dgm:scene3d>
+      <a:camera prst="orthographicFront"/>
+      <a:lightRig rig="threePt" dir="t"/>
+    </dgm:scene3d>
+    <dgm:sp3d/>
+    <dgm:txPr/>
+    <dgm:style>
+      <a:lnRef idx="1">
+        <a:scrgbClr r="0" g="0" b="0"/>
+      </a:lnRef>
+      <a:fillRef idx="0">
+        <a:scrgbClr r="0" g="0" b="0"/>
+      </a:fillRef>
+      <a:effectRef idx="0">
+        <a:scrgbClr r="0" g="0" b="0"/>
+      </a:effectRef>
+      <a:fontRef idx="minor"/>
+    </dgm:style>
+  </dgm:styleLbl>
+  <dgm:styleLbl name="callout">
+    <dgm:scene3d>
+      <a:camera prst="orthographicFront"/>
+      <a:lightRig rig="threePt" dir="t"/>
+    </dgm:scene3d>
+    <dgm:sp3d/>
+    <dgm:txPr/>
+    <dgm:style>
+      <a:lnRef idx="2">
+        <a:scrgbClr r="0" g="0" b="0"/>
+      </a:lnRef>
+      <a:fillRef idx="1">
+        <a:scrgbClr r="0" g="0" b="0"/>
+      </a:fillRef>
+      <a:effectRef idx="0">
+        <a:scrgbClr r="0" g="0" b="0"/>
+      </a:effectRef>
+      <a:fontRef idx="minor"/>
+    </dgm:style>
+  </dgm:styleLbl>
+  <dgm:styleLbl name="asst0">
+    <dgm:scene3d>
+      <a:camera prst="orthographicFront"/>
+      <a:lightRig rig="threePt" dir="t"/>
+    </dgm:scene3d>
+    <dgm:sp3d/>
+    <dgm:txPr/>
+    <dgm:style>
+      <a:lnRef idx="2">
+        <a:scrgbClr r="0" g="0" b="0"/>
+      </a:lnRef>
+      <a:fillRef idx="1">
+        <a:scrgbClr r="0" g="0" b="0"/>
+      </a:fillRef>
+      <a:effectRef idx="0">
+        <a:scrgbClr r="0" g="0" b="0"/>
+      </a:effectRef>
+      <a:fontRef idx="minor">
+        <a:schemeClr val="lt1"/>
+      </a:fontRef>
+    </dgm:style>
+  </dgm:styleLbl>
+  <dgm:styleLbl name="asst1">
+    <dgm:scene3d>
+      <a:camera prst="orthographicFront"/>
+      <a:lightRig rig="threePt" dir="t"/>
+    </dgm:scene3d>
+    <dgm:sp3d/>
+    <dgm:txPr/>
+    <dgm:style>
+      <a:lnRef idx="2">
+        <a:scrgbClr r="0" g="0" b="0"/>
+      </a:lnRef>
+      <a:fillRef idx="1">
+        <a:scrgbClr r="0" g="0" b="0"/>
+      </a:fillRef>
+      <a:effectRef idx="0">
+        <a:scrgbClr r="0" g="0" b="0"/>
+      </a:effectRef>
+      <a:fontRef idx="minor">
+        <a:schemeClr val="lt1"/>
+      </a:fontRef>
+    </dgm:style>
+  </dgm:styleLbl>
+  <dgm:styleLbl name="asst2">
+    <dgm:scene3d>
+      <a:camera prst="orthographicFront"/>
+      <a:lightRig rig="threePt" dir="t"/>
+    </dgm:scene3d>
+    <dgm:sp3d/>
+    <dgm:txPr/>
+    <dgm:style>
+      <a:lnRef idx="2">
+        <a:scrgbClr r="0" g="0" b="0"/>
+      </a:lnRef>
+      <a:fillRef idx="1">
+        <a:scrgbClr r="0" g="0" b="0"/>
+      </a:fillRef>
+      <a:effectRef idx="0">
+        <a:scrgbClr r="0" g="0" b="0"/>
+      </a:effectRef>
+      <a:fontRef idx="minor">
+        <a:schemeClr val="lt1"/>
+      </a:fontRef>
+    </dgm:style>
+  </dgm:styleLbl>
+  <dgm:styleLbl name="asst3">
+    <dgm:scene3d>
+      <a:camera prst="orthographicFront"/>
+      <a:lightRig rig="threePt" dir="t"/>
+    </dgm:scene3d>
+    <dgm:sp3d/>
+    <dgm:txPr/>
+    <dgm:style>
+      <a:lnRef idx="2">
+        <a:scrgbClr r="0" g="0" b="0"/>
+      </a:lnRef>
+      <a:fillRef idx="1">
+        <a:scrgbClr r="0" g="0" b="0"/>
+      </a:fillRef>
+      <a:effectRef idx="0">
+        <a:scrgbClr r="0" g="0" b="0"/>
+      </a:effectRef>
+      <a:fontRef idx="minor">
+        <a:schemeClr val="lt1"/>
+      </a:fontRef>
+    </dgm:style>
+  </dgm:styleLbl>
+  <dgm:styleLbl name="asst4">
+    <dgm:scene3d>
+      <a:camera prst="orthographicFront"/>
+      <a:lightRig rig="threePt" dir="t"/>
+    </dgm:scene3d>
+    <dgm:sp3d/>
+    <dgm:txPr/>
+    <dgm:style>
+      <a:lnRef idx="2">
+        <a:scrgbClr r="0" g="0" b="0"/>
+      </a:lnRef>
+      <a:fillRef idx="1">
+        <a:scrgbClr r="0" g="0" b="0"/>
+      </a:fillRef>
+      <a:effectRef idx="0">
+        <a:scrgbClr r="0" g="0" b="0"/>
+      </a:effectRef>
+      <a:fontRef idx="minor">
+        <a:schemeClr val="lt1"/>
+      </a:fontRef>
+    </dgm:style>
+  </dgm:styleLbl>
+  <dgm:styleLbl name="parChTrans2D1">
+    <dgm:scene3d>
+      <a:camera prst="orthographicFront"/>
+      <a:lightRig rig="threePt" dir="t"/>
+    </dgm:scene3d>
+    <dgm:sp3d/>
+    <dgm:txPr/>
+    <dgm:style>
+      <a:lnRef idx="2">
+        <a:scrgbClr r="0" g="0" b="0"/>
+      </a:lnRef>
+      <a:fillRef idx="1">
+        <a:scrgbClr r="0" g="0" b="0"/>
+      </a:fillRef>
+      <a:effectRef idx="0">
+        <a:scrgbClr r="0" g="0" b="0"/>
+      </a:effectRef>
+      <a:fontRef idx="minor">
+        <a:schemeClr val="lt1"/>
+      </a:fontRef>
+    </dgm:style>
+  </dgm:styleLbl>
+  <dgm:styleLbl name="parChTrans2D2">
+    <dgm:scene3d>
+      <a:camera prst="orthographicFront"/>
+      <a:lightRig rig="threePt" dir="t"/>
+    </dgm:scene3d>
+    <dgm:sp3d/>
+    <dgm:txPr/>
+    <dgm:style>
+      <a:lnRef idx="2">
+        <a:scrgbClr r="0" g="0" b="0"/>
+      </a:lnRef>
+      <a:fillRef idx="1">
+        <a:scrgbClr r="0" g="0" b="0"/>
+      </a:fillRef>
+      <a:effectRef idx="0">
+        <a:scrgbClr r="0" g="0" b="0"/>
+      </a:effectRef>
+      <a:fontRef idx="minor">
+        <a:schemeClr val="lt1"/>
+      </a:fontRef>
+    </dgm:style>
+  </dgm:styleLbl>
+  <dgm:styleLbl name="parChTrans2D3">
+    <dgm:scene3d>
+      <a:camera prst="orthographicFront"/>
+      <a:lightRig rig="threePt" dir="t"/>
+    </dgm:scene3d>
+    <dgm:sp3d/>
+    <dgm:txPr/>
+    <dgm:style>
+      <a:lnRef idx="2">
+        <a:scrgbClr r="0" g="0" b="0"/>
+      </a:lnRef>
+      <a:fillRef idx="1">
+        <a:scrgbClr r="0" g="0" b="0"/>
+      </a:fillRef>
+      <a:effectRef idx="0">
+        <a:scrgbClr r="0" g="0" b="0"/>
+      </a:effectRef>
+      <a:fontRef idx="minor">
+        <a:schemeClr val="lt1"/>
+      </a:fontRef>
+    </dgm:style>
+  </dgm:styleLbl>
+  <dgm:styleLbl name="parChTrans2D4">
+    <dgm:scene3d>
+      <a:camera prst="orthographicFront"/>
+      <a:lightRig rig="threePt" dir="t"/>
+    </dgm:scene3d>
+    <dgm:sp3d/>
+    <dgm:txPr/>
+    <dgm:style>
+      <a:lnRef idx="2">
+        <a:scrgbClr r="0" g="0" b="0"/>
+      </a:lnRef>
+      <a:fillRef idx="1">
+        <a:scrgbClr r="0" g="0" b="0"/>
+      </a:fillRef>
+      <a:effectRef idx="0">
+        <a:scrgbClr r="0" g="0" b="0"/>
+      </a:effectRef>
+      <a:fontRef idx="minor">
+        <a:schemeClr val="lt1"/>
+      </a:fontRef>
+    </dgm:style>
+  </dgm:styleLbl>
+  <dgm:styleLbl name="parChTrans1D1">
+    <dgm:scene3d>
+      <a:camera prst="orthographicFront"/>
+      <a:lightRig rig="threePt" dir="t"/>
+    </dgm:scene3d>
+    <dgm:sp3d/>
+    <dgm:txPr/>
+    <dgm:style>
+      <a:lnRef idx="2">
+        <a:scrgbClr r="0" g="0" b="0"/>
+      </a:lnRef>
+      <a:fillRef idx="0">
+        <a:scrgbClr r="0" g="0" b="0"/>
+      </a:fillRef>
+      <a:effectRef idx="0">
+        <a:scrgbClr r="0" g="0" b="0"/>
+      </a:effectRef>
+      <a:fontRef idx="minor"/>
+    </dgm:style>
+  </dgm:styleLbl>
+  <dgm:styleLbl name="parChTrans1D2">
+    <dgm:scene3d>
+      <a:camera prst="orthographicFront"/>
+      <a:lightRig rig="threePt" dir="t"/>
+    </dgm:scene3d>
+    <dgm:sp3d/>
+    <dgm:txPr/>
+    <dgm:style>
+      <a:lnRef idx="2">
+        <a:scrgbClr r="0" g="0" b="0"/>
+      </a:lnRef>
+      <a:fillRef idx="0">
+        <a:scrgbClr r="0" g="0" b="0"/>
+      </a:fillRef>
+      <a:effectRef idx="0">
+        <a:scrgbClr r="0" g="0" b="0"/>
+      </a:effectRef>
+      <a:fontRef idx="minor"/>
+    </dgm:style>
+  </dgm:styleLbl>
+  <dgm:styleLbl name="parChTrans1D3">
+    <dgm:scene3d>
+      <a:camera prst="orthographicFront"/>
+      <a:lightRig rig="threePt" dir="t"/>
+    </dgm:scene3d>
+    <dgm:sp3d/>
+    <dgm:txPr/>
+    <dgm:style>
+      <a:lnRef idx="2">
+        <a:scrgbClr r="0" g="0" b="0"/>
+      </a:lnRef>
+      <a:fillRef idx="0">
+        <a:scrgbClr r="0" g="0" b="0"/>
+      </a:fillRef>
+      <a:effectRef idx="0">
+        <a:scrgbClr r="0" g="0" b="0"/>
+      </a:effectRef>
+      <a:fontRef idx="minor"/>
+    </dgm:style>
+  </dgm:styleLbl>
+  <dgm:styleLbl name="parChTrans1D4">
+    <dgm:scene3d>
+      <a:camera prst="orthographicFront"/>
+      <a:lightRig rig="threePt" dir="t"/>
+    </dgm:scene3d>
+    <dgm:sp3d/>
+    <dgm:txPr/>
+    <dgm:style>
+      <a:lnRef idx="2">
+        <a:scrgbClr r="0" g="0" b="0"/>
+      </a:lnRef>
+      <a:fillRef idx="0">
+        <a:scrgbClr r="0" g="0" b="0"/>
+      </a:fillRef>
+      <a:effectRef idx="0">
+        <a:scrgbClr r="0" g="0" b="0"/>
+      </a:effectRef>
+      <a:fontRef idx="minor"/>
+    </dgm:style>
+  </dgm:styleLbl>
+  <dgm:styleLbl name="fgAcc1">
+    <dgm:scene3d>
+      <a:camera prst="orthographicFront"/>
+      <a:lightRig rig="threePt" dir="t"/>
+    </dgm:scene3d>
+    <dgm:sp3d/>
+    <dgm:txPr/>
+    <dgm:style>
+      <a:lnRef idx="2">
+        <a:scrgbClr r="0" g="0" b="0"/>
+      </a:lnRef>
+      <a:fillRef idx="1">
+        <a:scrgbClr r="0" g="0" b="0"/>
+      </a:fillRef>
+      <a:effectRef idx="0">
+        <a:scrgbClr r="0" g="0" b="0"/>
+      </a:effectRef>
+      <a:fontRef idx="minor"/>
+    </dgm:style>
+  </dgm:styleLbl>
+  <dgm:styleLbl name="conFgAcc1">
+    <dgm:scene3d>
+      <a:camera prst="orthographicFront"/>
+      <a:lightRig rig="threePt" dir="t"/>
+    </dgm:scene3d>
+    <dgm:sp3d/>
+    <dgm:txPr/>
+    <dgm:style>
+      <a:lnRef idx="2">
+        <a:scrgbClr r="0" g="0" b="0"/>
+      </a:lnRef>
+      <a:fillRef idx="1">
+        <a:scrgbClr r="0" g="0" b="0"/>
+      </a:fillRef>
+      <a:effectRef idx="0">
+        <a:scrgbClr r="0" g="0" b="0"/>
+      </a:effectRef>
+      <a:fontRef idx="minor"/>
+    </dgm:style>
+  </dgm:styleLbl>
+  <dgm:styleLbl name="alignAcc1">
+    <dgm:scene3d>
+      <a:camera prst="orthographicFront"/>
+      <a:lightRig rig="threePt" dir="t"/>
+    </dgm:scene3d>
+    <dgm:sp3d/>
+    <dgm:txPr/>
+    <dgm:style>
+      <a:lnRef idx="2">
+        <a:scrgbClr r="0" g="0" b="0"/>
+      </a:lnRef>
+      <a:fillRef idx="1">
+        <a:scrgbClr r="0" g="0" b="0"/>
+      </a:fillRef>
+      <a:effectRef idx="0">
+        <a:scrgbClr r="0" g="0" b="0"/>
+      </a:effectRef>
+      <a:fontRef idx="minor"/>
+    </dgm:style>
+  </dgm:styleLbl>
+  <dgm:styleLbl name="trAlignAcc1">
+    <dgm:scene3d>
+      <a:camera prst="orthographicFront"/>
+      <a:lightRig rig="threePt" dir="t"/>
+    </dgm:scene3d>
+    <dgm:sp3d/>
+    <dgm:txPr/>
+    <dgm:style>
+      <a:lnRef idx="1">
+        <a:scrgbClr r="0" g="0" b="0"/>
+      </a:lnRef>
+      <a:fillRef idx="1">
+        <a:scrgbClr r="0" g="0" b="0"/>
+      </a:fillRef>
+      <a:effectRef idx="0">
+        <a:scrgbClr r="0" g="0" b="0"/>
+      </a:effectRef>
+      <a:fontRef idx="minor"/>
+    </dgm:style>
+  </dgm:styleLbl>
+  <dgm:styleLbl name="bgAcc1">
+    <dgm:scene3d>
+      <a:camera prst="orthographicFront"/>
+      <a:lightRig rig="threePt" dir="t"/>
+    </dgm:scene3d>
+    <dgm:sp3d/>
+    <dgm:txPr/>
+    <dgm:style>
+      <a:lnRef idx="2">
+        <a:scrgbClr r="0" g="0" b="0"/>
+      </a:lnRef>
+      <a:fillRef idx="1">
+        <a:scrgbClr r="0" g="0" b="0"/>
+      </a:fillRef>
+      <a:effectRef idx="0">
+        <a:scrgbClr r="0" g="0" b="0"/>
+      </a:effectRef>
+      <a:fontRef idx="minor"/>
+    </dgm:style>
+  </dgm:styleLbl>
+  <dgm:styleLbl name="solidFgAcc1">
+    <dgm:scene3d>
+      <a:camera prst="orthographicFront"/>
+      <a:lightRig rig="threePt" dir="t"/>
+    </dgm:scene3d>
+    <dgm:sp3d/>
+    <dgm:txPr/>
+    <dgm:style>
+      <a:lnRef idx="2">
+        <a:scrgbClr r="0" g="0" b="0"/>
+      </a:lnRef>
+      <a:fillRef idx="1">
+        <a:scrgbClr r="0" g="0" b="0"/>
+      </a:fillRef>
+      <a:effectRef idx="0">
+        <a:scrgbClr r="0" g="0" b="0"/>
+      </a:effectRef>
+      <a:fontRef idx="minor"/>
+    </dgm:style>
+  </dgm:styleLbl>
+  <dgm:styleLbl name="solidAlignAcc1">
+    <dgm:scene3d>
+      <a:camera prst="orthographicFront"/>
+      <a:lightRig rig="threePt" dir="t"/>
+    </dgm:scene3d>
+    <dgm:sp3d/>
+    <dgm:txPr/>
+    <dgm:style>
+      <a:lnRef idx="2">
+        <a:scrgbClr r="0" g="0" b="0"/>
+      </a:lnRef>
+      <a:fillRef idx="1">
+        <a:scrgbClr r="0" g="0" b="0"/>
+      </a:fillRef>
+      <a:effectRef idx="0">
+        <a:scrgbClr r="0" g="0" b="0"/>
+      </a:effectRef>
+      <a:fontRef idx="minor"/>
+    </dgm:style>
+  </dgm:styleLbl>
+  <dgm:styleLbl name="solidBgAcc1">
+    <dgm:scene3d>
+      <a:camera prst="orthographicFront"/>
+      <a:lightRig rig="threePt" dir="t"/>
+    </dgm:scene3d>
+    <dgm:sp3d/>
+    <dgm:txPr/>
+    <dgm:style>
+      <a:lnRef idx="2">
+        <a:scrgbClr r="0" g="0" b="0"/>
+      </a:lnRef>
+      <a:fillRef idx="1">
+        <a:scrgbClr r="0" g="0" b="0"/>
+      </a:fillRef>
+      <a:effectRef idx="0">
+        <a:scrgbClr r="0" g="0" b="0"/>
+      </a:effectRef>
+      <a:fontRef idx="minor"/>
+    </dgm:style>
+  </dgm:styleLbl>
+  <dgm:styleLbl name="fgAccFollowNode1">
+    <dgm:scene3d>
+      <a:camera prst="orthographicFront"/>
+      <a:lightRig rig="threePt" dir="t"/>
+    </dgm:scene3d>
+    <dgm:sp3d/>
+    <dgm:txPr/>
+    <dgm:style>
+      <a:lnRef idx="2">
+        <a:scrgbClr r="0" g="0" b="0"/>
+      </a:lnRef>
+      <a:fillRef idx="1">
+        <a:scrgbClr r="0" g="0" b="0"/>
+      </a:fillRef>
+      <a:effectRef idx="0">
+        <a:scrgbClr r="0" g="0" b="0"/>
+      </a:effectRef>
+      <a:fontRef idx="minor"/>
+    </dgm:style>
+  </dgm:styleLbl>
+  <dgm:styleLbl name="alignAccFollowNode1">
+    <dgm:scene3d>
+      <a:camera prst="orthographicFront"/>
+      <a:lightRig rig="threePt" dir="t"/>
+    </dgm:scene3d>
+    <dgm:sp3d/>
+    <dgm:txPr/>
+    <dgm:style>
+      <a:lnRef idx="2">
+        <a:scrgbClr r="0" g="0" b="0"/>
+      </a:lnRef>
+      <a:fillRef idx="1">
+        <a:scrgbClr r="0" g="0" b="0"/>
+      </a:fillRef>
+      <a:effectRef idx="0">
+        <a:scrgbClr r="0" g="0" b="0"/>
+      </a:effectRef>
+      <a:fontRef idx="minor"/>
+    </dgm:style>
+  </dgm:styleLbl>
+  <dgm:styleLbl name="bgAccFollowNode1">
+    <dgm:scene3d>
+      <a:camera prst="orthographicFront"/>
+      <a:lightRig rig="threePt" dir="t"/>
+    </dgm:scene3d>
+    <dgm:sp3d/>
+    <dgm:txPr/>
+    <dgm:style>
+      <a:lnRef idx="2">
+        <a:scrgbClr r="0" g="0" b="0"/>
+      </a:lnRef>
+      <a:fillRef idx="1">
+        <a:scrgbClr r="0" g="0" b="0"/>
+      </a:fillRef>
+      <a:effectRef idx="0">
+        <a:scrgbClr r="0" g="0" b="0"/>
+      </a:effectRef>
+      <a:fontRef idx="minor"/>
+    </dgm:style>
+  </dgm:styleLbl>
+  <dgm:styleLbl name="fgAcc0">
+    <dgm:scene3d>
+      <a:camera prst="orthographicFront"/>
+      <a:lightRig rig="threePt" dir="t"/>
+    </dgm:scene3d>
+    <dgm:sp3d/>
+    <dgm:txPr/>
+    <dgm:style>
+      <a:lnRef idx="2">
+        <a:scrgbClr r="0" g="0" b="0"/>
+      </a:lnRef>
+      <a:fillRef idx="1">
+        <a:scrgbClr r="0" g="0" b="0"/>
+      </a:fillRef>
+      <a:effectRef idx="0">
+        <a:scrgbClr r="0" g="0" b="0"/>
+      </a:effectRef>
+      <a:fontRef idx="minor"/>
+    </dgm:style>
+  </dgm:styleLbl>
+  <dgm:styleLbl name="fgAcc2">
+    <dgm:scene3d>
+      <a:camera prst="orthographicFront"/>
+      <a:lightRig rig="threePt" dir="t"/>
+    </dgm:scene3d>
+    <dgm:sp3d/>
+    <dgm:txPr/>
+    <dgm:style>
+      <a:lnRef idx="2">
+        <a:scrgbClr r="0" g="0" b="0"/>
+      </a:lnRef>
+      <a:fillRef idx="1">
+        <a:scrgbClr r="0" g="0" b="0"/>
+      </a:fillRef>
+      <a:effectRef idx="0">
+        <a:scrgbClr r="0" g="0" b="0"/>
+      </a:effectRef>
+      <a:fontRef idx="minor"/>
+    </dgm:style>
+  </dgm:styleLbl>
+  <dgm:styleLbl name="fgAcc3">
+    <dgm:scene3d>
+      <a:camera prst="orthographicFront"/>
+      <a:lightRig rig="threePt" dir="t"/>
+    </dgm:scene3d>
+    <dgm:sp3d/>
+    <dgm:txPr/>
+    <dgm:style>
+      <a:lnRef idx="2">
+        <a:scrgbClr r="0" g="0" b="0"/>
+      </a:lnRef>
+      <a:fillRef idx="1">
+        <a:scrgbClr r="0" g="0" b="0"/>
+      </a:fillRef>
+      <a:effectRef idx="0">
+        <a:scrgbClr r="0" g="0" b="0"/>
+      </a:effectRef>
+      <a:fontRef idx="minor"/>
+    </dgm:style>
+  </dgm:styleLbl>
+  <dgm:styleLbl name="fgAcc4">
+    <dgm:scene3d>
+      <a:camera prst="orthographicFront"/>
+      <a:lightRig rig="threePt" dir="t"/>
+    </dgm:scene3d>
+    <dgm:sp3d/>
+    <dgm:txPr/>
+    <dgm:style>
+      <a:lnRef idx="2">
+        <a:scrgbClr r="0" g="0" b="0"/>
+      </a:lnRef>
+      <a:fillRef idx="1">
+        <a:scrgbClr r="0" g="0" b="0"/>
+      </a:fillRef>
+      <a:effectRef idx="0">
+        <a:scrgbClr r="0" g="0" b="0"/>
+      </a:effectRef>
+      <a:fontRef idx="minor"/>
+    </dgm:style>
+  </dgm:styleLbl>
+  <dgm:styleLbl name="bgShp">
+    <dgm:scene3d>
+      <a:camera prst="orthographicFront"/>
+      <a:lightRig rig="threePt" dir="t"/>
+    </dgm:scene3d>
+    <dgm:sp3d/>
+    <dgm:txPr/>
+    <dgm:style>
+      <a:lnRef idx="0">
+        <a:scrgbClr r="0" g="0" b="0"/>
+      </a:lnRef>
+      <a:fillRef idx="1">
+        <a:scrgbClr r="0" g="0" b="0"/>
+      </a:fillRef>
+      <a:effectRef idx="0">
+        <a:scrgbClr r="0" g="0" b="0"/>
+      </a:effectRef>
+      <a:fontRef idx="minor"/>
+    </dgm:style>
+  </dgm:styleLbl>
+  <dgm:styleLbl name="dkBgShp">
+    <dgm:scene3d>
+      <a:camera prst="orthographicFront"/>
+      <a:lightRig rig="threePt" dir="t"/>
+    </dgm:scene3d>
+    <dgm:sp3d/>
+    <dgm:txPr/>
+    <dgm:style>
+      <a:lnRef idx="0">
+        <a:scrgbClr r="0" g="0" b="0"/>
+      </a:lnRef>
+      <a:fillRef idx="1">
+        <a:scrgbClr r="0" g="0" b="0"/>
+      </a:fillRef>
+      <a:effectRef idx="0">
+        <a:scrgbClr r="0" g="0" b="0"/>
+      </a:effectRef>
+      <a:fontRef idx="minor"/>
+    </dgm:style>
+  </dgm:styleLbl>
+  <dgm:styleLbl name="trBgShp">
+    <dgm:scene3d>
+      <a:camera prst="orthographicFront"/>
+      <a:lightRig rig="threePt" dir="t"/>
+    </dgm:scene3d>
+    <dgm:sp3d/>
+    <dgm:txPr/>
+    <dgm:style>
+      <a:lnRef idx="0">
+        <a:scrgbClr r="0" g="0" b="0"/>
+      </a:lnRef>
+      <a:fillRef idx="1">
+        <a:scrgbClr r="0" g="0" b="0"/>
+      </a:fillRef>
+      <a:effectRef idx="0">
+        <a:scrgbClr r="0" g="0" b="0"/>
+      </a:effectRef>
+      <a:fontRef idx="minor"/>
+    </dgm:style>
+  </dgm:styleLbl>
+  <dgm:styleLbl name="fgShp">
+    <dgm:scene3d>
+      <a:camera prst="orthographicFront"/>
+      <a:lightRig rig="threePt" dir="t"/>
+    </dgm:scene3d>
+    <dgm:sp3d/>
+    <dgm:txPr/>
+    <dgm:style>
+      <a:lnRef idx="2">
+        <a:scrgbClr r="0" g="0" b="0"/>
+      </a:lnRef>
+      <a:fillRef idx="1">
+        <a:scrgbClr r="0" g="0" b="0"/>
+      </a:fillRef>
+      <a:effectRef idx="0">
+        <a:scrgbClr r="0" g="0" b="0"/>
+      </a:effectRef>
+      <a:fontRef idx="minor"/>
+    </dgm:style>
+  </dgm:styleLbl>
+  <dgm:styleLbl name="revTx">
+    <dgm:scene3d>
+      <a:camera prst="orthographicFront"/>
+      <a:lightRig rig="threePt" dir="t"/>
+    </dgm:scene3d>
+    <dgm:sp3d/>
+    <dgm:txPr/>
+    <dgm:style>
+      <a:lnRef idx="0">
+        <a:scrgbClr r="0" g="0" b="0"/>
+      </a:lnRef>
+      <a:fillRef idx="0">
+        <a:scrgbClr r="0" g="0" b="0"/>
+      </a:fillRef>
+      <a:effectRef idx="0">
+        <a:scrgbClr r="0" g="0" b="0"/>
+      </a:effectRef>
+      <a:fontRef idx="minor"/>
+    </dgm:style>
+  </dgm:styleLbl>
+</dgm:styleDef>
+</file>
+
 <file path=ppt/notesMasters/notesMaster1.xml><?xml version="1.0" encoding="utf-8"?>
 <p:notesMaster xmlns:a="http://schemas.openxmlformats.org/drawingml/2006/main" xmlns:r="http://schemas.openxmlformats.org/officeDocument/2006/relationships" xmlns:p="http://schemas.openxmlformats.org/presentationml/2006/main">
   <p:cSld>
@@ -2449,7 +4998,7 @@
           </a:lstStyle>
           <a:p>
             <a:r>
-              <a:rPr lang="en-US" smtClean="0"/>
+              <a:rPr lang="en-US"/>
               <a:t>Click to edit Master title style</a:t>
             </a:r>
             <a:endParaRPr lang="en-US" dirty="0"/>
@@ -2569,7 +5118,7 @@
           </a:lstStyle>
           <a:p>
             <a:r>
-              <a:rPr lang="en-US" smtClean="0"/>
+              <a:rPr lang="en-US"/>
               <a:t>Click to edit Master subtitle style</a:t>
             </a:r>
             <a:endParaRPr lang="en-US" dirty="0"/>
@@ -2787,7 +5336,7 @@
           </a:lstStyle>
           <a:p>
             <a:r>
-              <a:rPr lang="en-US" smtClean="0"/>
+              <a:rPr lang="en-US"/>
               <a:t>Click to edit Master title style</a:t>
             </a:r>
             <a:endParaRPr lang="en-US" dirty="0"/>
@@ -2910,7 +5459,7 @@
           <a:p>
             <a:pPr lvl="0"/>
             <a:r>
-              <a:rPr lang="en-US" smtClean="0"/>
+              <a:rPr lang="en-US"/>
               <a:t>Click to edit Master text styles</a:t>
             </a:r>
           </a:p>
@@ -3127,7 +5676,7 @@
           </a:lstStyle>
           <a:p>
             <a:r>
-              <a:rPr lang="en-US" smtClean="0"/>
+              <a:rPr lang="en-US"/>
               <a:t>Click to edit Master title style</a:t>
             </a:r>
             <a:endParaRPr lang="en-US" dirty="0"/>
@@ -3191,7 +5740,7 @@
           <a:p>
             <a:pPr lvl="0"/>
             <a:r>
-              <a:rPr lang="en-US" smtClean="0"/>
+              <a:rPr lang="en-US"/>
               <a:t>Click to edit Master text styles</a:t>
             </a:r>
           </a:p>
@@ -3313,7 +5862,7 @@
           <a:p>
             <a:pPr lvl="0"/>
             <a:r>
-              <a:rPr lang="en-US" smtClean="0"/>
+              <a:rPr lang="en-US"/>
               <a:t>Click to edit Master text styles</a:t>
             </a:r>
           </a:p>
@@ -3606,7 +6155,7 @@
           </a:lstStyle>
           <a:p>
             <a:r>
-              <a:rPr lang="en-US" smtClean="0"/>
+              <a:rPr lang="en-US"/>
               <a:t>Click to edit Master title style</a:t>
             </a:r>
             <a:endParaRPr lang="en-US" dirty="0"/>
@@ -3651,7 +6200,7 @@
               <a:buNone/>
             </a:pPr>
             <a:r>
-              <a:rPr lang="en-US" smtClean="0"/>
+              <a:rPr lang="en-US"/>
               <a:t>Click to edit Master text styles</a:t>
             </a:r>
           </a:p>
@@ -3868,7 +6417,7 @@
           </a:lstStyle>
           <a:p>
             <a:r>
-              <a:rPr lang="en-US" smtClean="0"/>
+              <a:rPr lang="en-US"/>
               <a:t>Click to edit Master title style</a:t>
             </a:r>
             <a:endParaRPr lang="en-US" dirty="0"/>
@@ -3929,7 +6478,7 @@
           <a:p>
             <a:pPr lvl="0"/>
             <a:r>
-              <a:rPr lang="en-US" smtClean="0"/>
+              <a:rPr lang="en-US"/>
               <a:t>Click to edit Master text styles</a:t>
             </a:r>
           </a:p>
@@ -3973,7 +6522,7 @@
               <a:buNone/>
             </a:pPr>
             <a:r>
-              <a:rPr lang="en-US" smtClean="0"/>
+              <a:rPr lang="en-US"/>
               <a:t>Click to edit Master text styles</a:t>
             </a:r>
           </a:p>
@@ -4266,7 +6815,7 @@
           </a:lstStyle>
           <a:p>
             <a:r>
-              <a:rPr lang="en-US" smtClean="0"/>
+              <a:rPr lang="en-US"/>
               <a:t>Click to edit Master title style</a:t>
             </a:r>
             <a:endParaRPr lang="en-US" dirty="0"/>
@@ -4327,7 +6876,7 @@
           <a:p>
             <a:pPr lvl="0"/>
             <a:r>
-              <a:rPr lang="en-US" smtClean="0"/>
+              <a:rPr lang="en-US"/>
               <a:t>Click to edit Master text styles</a:t>
             </a:r>
           </a:p>
@@ -4371,7 +6920,7 @@
               <a:buNone/>
             </a:pPr>
             <a:r>
-              <a:rPr lang="en-US" smtClean="0"/>
+              <a:rPr lang="en-US"/>
               <a:t>Click to edit Master text styles</a:t>
             </a:r>
           </a:p>
@@ -4577,7 +7126,7 @@
           <a:lstStyle/>
           <a:p>
             <a:r>
-              <a:rPr lang="en-US" smtClean="0"/>
+              <a:rPr lang="en-US"/>
               <a:t>Click to edit Master title style</a:t>
             </a:r>
             <a:endParaRPr lang="en-US" dirty="0"/>
@@ -4601,35 +7150,35 @@
           <a:p>
             <a:pPr lvl="0"/>
             <a:r>
-              <a:rPr lang="en-US" smtClean="0"/>
+              <a:rPr lang="en-US"/>
               <a:t>Click to edit Master text styles</a:t>
             </a:r>
           </a:p>
           <a:p>
             <a:pPr lvl="1"/>
             <a:r>
-              <a:rPr lang="en-US" smtClean="0"/>
+              <a:rPr lang="en-US"/>
               <a:t>Second level</a:t>
             </a:r>
           </a:p>
           <a:p>
             <a:pPr lvl="2"/>
             <a:r>
-              <a:rPr lang="en-US" smtClean="0"/>
+              <a:rPr lang="en-US"/>
               <a:t>Third level</a:t>
             </a:r>
           </a:p>
           <a:p>
             <a:pPr lvl="3"/>
             <a:r>
-              <a:rPr lang="en-US" smtClean="0"/>
+              <a:rPr lang="en-US"/>
               <a:t>Fourth level</a:t>
             </a:r>
           </a:p>
           <a:p>
             <a:pPr lvl="4"/>
             <a:r>
-              <a:rPr lang="en-US" smtClean="0"/>
+              <a:rPr lang="en-US"/>
               <a:t>Fifth level</a:t>
             </a:r>
             <a:endParaRPr lang="en-US" dirty="0"/>
@@ -4836,7 +7385,7 @@
           <a:lstStyle/>
           <a:p>
             <a:r>
-              <a:rPr lang="en-US" smtClean="0"/>
+              <a:rPr lang="en-US"/>
               <a:t>Click to edit Master title style</a:t>
             </a:r>
             <a:endParaRPr lang="en-US" dirty="0"/>
@@ -4865,35 +7414,35 @@
           <a:p>
             <a:pPr lvl="0"/>
             <a:r>
-              <a:rPr lang="en-US" smtClean="0"/>
+              <a:rPr lang="en-US"/>
               <a:t>Click to edit Master text styles</a:t>
             </a:r>
           </a:p>
           <a:p>
             <a:pPr lvl="1"/>
             <a:r>
-              <a:rPr lang="en-US" smtClean="0"/>
+              <a:rPr lang="en-US"/>
               <a:t>Second level</a:t>
             </a:r>
           </a:p>
           <a:p>
             <a:pPr lvl="2"/>
             <a:r>
-              <a:rPr lang="en-US" smtClean="0"/>
+              <a:rPr lang="en-US"/>
               <a:t>Third level</a:t>
             </a:r>
           </a:p>
           <a:p>
             <a:pPr lvl="3"/>
             <a:r>
-              <a:rPr lang="en-US" smtClean="0"/>
+              <a:rPr lang="en-US"/>
               <a:t>Fourth level</a:t>
             </a:r>
           </a:p>
           <a:p>
             <a:pPr lvl="4"/>
             <a:r>
-              <a:rPr lang="en-US" smtClean="0"/>
+              <a:rPr lang="en-US"/>
               <a:t>Fifth level</a:t>
             </a:r>
             <a:endParaRPr lang="en-US" dirty="0"/>
@@ -5100,7 +7649,7 @@
           <a:lstStyle/>
           <a:p>
             <a:r>
-              <a:rPr lang="en-US" smtClean="0"/>
+              <a:rPr lang="en-US"/>
               <a:t>Click to edit Master title style</a:t>
             </a:r>
             <a:endParaRPr lang="en-US" dirty="0"/>
@@ -5129,35 +7678,35 @@
           <a:p>
             <a:pPr lvl="0"/>
             <a:r>
-              <a:rPr lang="en-US" smtClean="0"/>
+              <a:rPr lang="en-US"/>
               <a:t>Click to edit Master text styles</a:t>
             </a:r>
           </a:p>
           <a:p>
             <a:pPr lvl="1"/>
             <a:r>
-              <a:rPr lang="en-US" smtClean="0"/>
+              <a:rPr lang="en-US"/>
               <a:t>Second level</a:t>
             </a:r>
           </a:p>
           <a:p>
             <a:pPr lvl="2"/>
             <a:r>
-              <a:rPr lang="en-US" smtClean="0"/>
+              <a:rPr lang="en-US"/>
               <a:t>Third level</a:t>
             </a:r>
           </a:p>
           <a:p>
             <a:pPr lvl="3"/>
             <a:r>
-              <a:rPr lang="en-US" smtClean="0"/>
+              <a:rPr lang="en-US"/>
               <a:t>Fourth level</a:t>
             </a:r>
           </a:p>
           <a:p>
             <a:pPr lvl="4"/>
             <a:r>
-              <a:rPr lang="en-US" smtClean="0"/>
+              <a:rPr lang="en-US"/>
               <a:t>Fifth level</a:t>
             </a:r>
             <a:endParaRPr lang="en-US" dirty="0"/>
@@ -5368,7 +7917,7 @@
           </a:lstStyle>
           <a:p>
             <a:r>
-              <a:rPr lang="en-US" smtClean="0"/>
+              <a:rPr lang="en-US"/>
               <a:t>Click to edit Master title style</a:t>
             </a:r>
             <a:endParaRPr lang="en-US" dirty="0"/>
@@ -5489,7 +8038,7 @@
           <a:p>
             <a:pPr lvl="0"/>
             <a:r>
-              <a:rPr lang="en-US" smtClean="0"/>
+              <a:rPr lang="en-US"/>
               <a:t>Click to edit Master text styles</a:t>
             </a:r>
           </a:p>
@@ -5695,7 +8244,7 @@
           <a:lstStyle/>
           <a:p>
             <a:r>
-              <a:rPr lang="en-US" smtClean="0"/>
+              <a:rPr lang="en-US"/>
               <a:t>Click to edit Master title style</a:t>
             </a:r>
             <a:endParaRPr lang="en-US" dirty="0"/>
@@ -5726,35 +8275,35 @@
           <a:p>
             <a:pPr lvl="0"/>
             <a:r>
-              <a:rPr lang="en-US" smtClean="0"/>
+              <a:rPr lang="en-US"/>
               <a:t>Click to edit Master text styles</a:t>
             </a:r>
           </a:p>
           <a:p>
             <a:pPr lvl="1"/>
             <a:r>
-              <a:rPr lang="en-US" smtClean="0"/>
+              <a:rPr lang="en-US"/>
               <a:t>Second level</a:t>
             </a:r>
           </a:p>
           <a:p>
             <a:pPr lvl="2"/>
             <a:r>
-              <a:rPr lang="en-US" smtClean="0"/>
+              <a:rPr lang="en-US"/>
               <a:t>Third level</a:t>
             </a:r>
           </a:p>
           <a:p>
             <a:pPr lvl="3"/>
             <a:r>
-              <a:rPr lang="en-US" smtClean="0"/>
+              <a:rPr lang="en-US"/>
               <a:t>Fourth level</a:t>
             </a:r>
           </a:p>
           <a:p>
             <a:pPr lvl="4"/>
             <a:r>
-              <a:rPr lang="en-US" smtClean="0"/>
+              <a:rPr lang="en-US"/>
               <a:t>Fifth level</a:t>
             </a:r>
             <a:endParaRPr lang="en-US" dirty="0"/>
@@ -5785,35 +8334,35 @@
           <a:p>
             <a:pPr lvl="0"/>
             <a:r>
-              <a:rPr lang="en-US" smtClean="0"/>
+              <a:rPr lang="en-US"/>
               <a:t>Click to edit Master text styles</a:t>
             </a:r>
           </a:p>
           <a:p>
             <a:pPr lvl="1"/>
             <a:r>
-              <a:rPr lang="en-US" smtClean="0"/>
+              <a:rPr lang="en-US"/>
               <a:t>Second level</a:t>
             </a:r>
           </a:p>
           <a:p>
             <a:pPr lvl="2"/>
             <a:r>
-              <a:rPr lang="en-US" smtClean="0"/>
+              <a:rPr lang="en-US"/>
               <a:t>Third level</a:t>
             </a:r>
           </a:p>
           <a:p>
             <a:pPr lvl="3"/>
             <a:r>
-              <a:rPr lang="en-US" smtClean="0"/>
+              <a:rPr lang="en-US"/>
               <a:t>Fourth level</a:t>
             </a:r>
           </a:p>
           <a:p>
             <a:pPr lvl="4"/>
             <a:r>
-              <a:rPr lang="en-US" smtClean="0"/>
+              <a:rPr lang="en-US"/>
               <a:t>Fifth level</a:t>
             </a:r>
             <a:endParaRPr lang="en-US" dirty="0"/>
@@ -6020,7 +8569,7 @@
           <a:lstStyle/>
           <a:p>
             <a:r>
-              <a:rPr lang="en-US" smtClean="0"/>
+              <a:rPr lang="en-US"/>
               <a:t>Click to edit Master title style</a:t>
             </a:r>
             <a:endParaRPr lang="en-US" dirty="0"/>
@@ -6088,7 +8637,7 @@
           <a:p>
             <a:pPr lvl="0"/>
             <a:r>
-              <a:rPr lang="en-US" smtClean="0"/>
+              <a:rPr lang="en-US"/>
               <a:t>Click to edit Master text styles</a:t>
             </a:r>
           </a:p>
@@ -6118,35 +8667,35 @@
           <a:p>
             <a:pPr lvl="0"/>
             <a:r>
-              <a:rPr lang="en-US" smtClean="0"/>
+              <a:rPr lang="en-US"/>
               <a:t>Click to edit Master text styles</a:t>
             </a:r>
           </a:p>
           <a:p>
             <a:pPr lvl="1"/>
             <a:r>
-              <a:rPr lang="en-US" smtClean="0"/>
+              <a:rPr lang="en-US"/>
               <a:t>Second level</a:t>
             </a:r>
           </a:p>
           <a:p>
             <a:pPr lvl="2"/>
             <a:r>
-              <a:rPr lang="en-US" smtClean="0"/>
+              <a:rPr lang="en-US"/>
               <a:t>Third level</a:t>
             </a:r>
           </a:p>
           <a:p>
             <a:pPr lvl="3"/>
             <a:r>
-              <a:rPr lang="en-US" smtClean="0"/>
+              <a:rPr lang="en-US"/>
               <a:t>Fourth level</a:t>
             </a:r>
           </a:p>
           <a:p>
             <a:pPr lvl="4"/>
             <a:r>
-              <a:rPr lang="en-US" smtClean="0"/>
+              <a:rPr lang="en-US"/>
               <a:t>Fifth level</a:t>
             </a:r>
             <a:endParaRPr lang="en-US" dirty="0"/>
@@ -6214,7 +8763,7 @@
           <a:p>
             <a:pPr lvl="0"/>
             <a:r>
-              <a:rPr lang="en-US" smtClean="0"/>
+              <a:rPr lang="en-US"/>
               <a:t>Click to edit Master text styles</a:t>
             </a:r>
           </a:p>
@@ -6244,35 +8793,35 @@
           <a:p>
             <a:pPr lvl="0"/>
             <a:r>
-              <a:rPr lang="en-US" smtClean="0"/>
+              <a:rPr lang="en-US"/>
               <a:t>Click to edit Master text styles</a:t>
             </a:r>
           </a:p>
           <a:p>
             <a:pPr lvl="1"/>
             <a:r>
-              <a:rPr lang="en-US" smtClean="0"/>
+              <a:rPr lang="en-US"/>
               <a:t>Second level</a:t>
             </a:r>
           </a:p>
           <a:p>
             <a:pPr lvl="2"/>
             <a:r>
-              <a:rPr lang="en-US" smtClean="0"/>
+              <a:rPr lang="en-US"/>
               <a:t>Third level</a:t>
             </a:r>
           </a:p>
           <a:p>
             <a:pPr lvl="3"/>
             <a:r>
-              <a:rPr lang="en-US" smtClean="0"/>
+              <a:rPr lang="en-US"/>
               <a:t>Fourth level</a:t>
             </a:r>
           </a:p>
           <a:p>
             <a:pPr lvl="4"/>
             <a:r>
-              <a:rPr lang="en-US" smtClean="0"/>
+              <a:rPr lang="en-US"/>
               <a:t>Fifth level</a:t>
             </a:r>
             <a:endParaRPr lang="en-US" dirty="0"/>
@@ -6479,7 +9028,7 @@
           <a:lstStyle/>
           <a:p>
             <a:r>
-              <a:rPr lang="en-US" smtClean="0"/>
+              <a:rPr lang="en-US"/>
               <a:t>Click to edit Master title style</a:t>
             </a:r>
             <a:endParaRPr lang="en-US" dirty="0"/>
@@ -6869,7 +9418,7 @@
           </a:lstStyle>
           <a:p>
             <a:r>
-              <a:rPr lang="en-US" smtClean="0"/>
+              <a:rPr lang="en-US"/>
               <a:t>Click to edit Master title style</a:t>
             </a:r>
             <a:endParaRPr lang="en-US" dirty="0"/>
@@ -6900,35 +9449,35 @@
           <a:p>
             <a:pPr lvl="0"/>
             <a:r>
-              <a:rPr lang="en-US" smtClean="0"/>
+              <a:rPr lang="en-US"/>
               <a:t>Click to edit Master text styles</a:t>
             </a:r>
           </a:p>
           <a:p>
             <a:pPr lvl="1"/>
             <a:r>
-              <a:rPr lang="en-US" smtClean="0"/>
+              <a:rPr lang="en-US"/>
               <a:t>Second level</a:t>
             </a:r>
           </a:p>
           <a:p>
             <a:pPr lvl="2"/>
             <a:r>
-              <a:rPr lang="en-US" smtClean="0"/>
+              <a:rPr lang="en-US"/>
               <a:t>Third level</a:t>
             </a:r>
           </a:p>
           <a:p>
             <a:pPr lvl="3"/>
             <a:r>
-              <a:rPr lang="en-US" smtClean="0"/>
+              <a:rPr lang="en-US"/>
               <a:t>Fourth level</a:t>
             </a:r>
           </a:p>
           <a:p>
             <a:pPr lvl="4"/>
             <a:r>
-              <a:rPr lang="en-US" smtClean="0"/>
+              <a:rPr lang="en-US"/>
               <a:t>Fifth level</a:t>
             </a:r>
             <a:endParaRPr lang="en-US" dirty="0"/>
@@ -6994,7 +9543,7 @@
           <a:p>
             <a:pPr lvl="0"/>
             <a:r>
-              <a:rPr lang="en-US" smtClean="0"/>
+              <a:rPr lang="en-US"/>
               <a:t>Click to edit Master text styles</a:t>
             </a:r>
           </a:p>
@@ -7206,7 +9755,7 @@
           </a:lstStyle>
           <a:p>
             <a:r>
-              <a:rPr lang="en-US" smtClean="0"/>
+              <a:rPr lang="en-US"/>
               <a:t>Click to edit Master title style</a:t>
             </a:r>
             <a:endParaRPr lang="en-US" dirty="0"/>
@@ -7273,7 +9822,7 @@
           </a:lstStyle>
           <a:p>
             <a:r>
-              <a:rPr lang="en-US" smtClean="0"/>
+              <a:rPr lang="en-US"/>
               <a:t>Click icon to add picture</a:t>
             </a:r>
             <a:endParaRPr lang="en-US" dirty="0"/>
@@ -7341,7 +9890,7 @@
           <a:p>
             <a:pPr lvl="0"/>
             <a:r>
-              <a:rPr lang="en-US" smtClean="0"/>
+              <a:rPr lang="en-US"/>
               <a:t>Click to edit Master text styles</a:t>
             </a:r>
           </a:p>
@@ -9379,7 +11928,7 @@
           <a:lstStyle/>
           <a:p>
             <a:r>
-              <a:rPr lang="en-US" smtClean="0"/>
+              <a:rPr lang="en-US"/>
               <a:t>Click to edit Master title style</a:t>
             </a:r>
             <a:endParaRPr lang="en-US" dirty="0"/>
@@ -9413,35 +11962,35 @@
           <a:p>
             <a:pPr lvl="0"/>
             <a:r>
-              <a:rPr lang="en-US" smtClean="0"/>
+              <a:rPr lang="en-US"/>
               <a:t>Click to edit Master text styles</a:t>
             </a:r>
           </a:p>
           <a:p>
             <a:pPr lvl="1"/>
             <a:r>
-              <a:rPr lang="en-US" smtClean="0"/>
+              <a:rPr lang="en-US"/>
               <a:t>Second level</a:t>
             </a:r>
           </a:p>
           <a:p>
             <a:pPr lvl="2"/>
             <a:r>
-              <a:rPr lang="en-US" smtClean="0"/>
+              <a:rPr lang="en-US"/>
               <a:t>Third level</a:t>
             </a:r>
           </a:p>
           <a:p>
             <a:pPr lvl="3"/>
             <a:r>
-              <a:rPr lang="en-US" smtClean="0"/>
+              <a:rPr lang="en-US"/>
               <a:t>Fourth level</a:t>
             </a:r>
           </a:p>
           <a:p>
             <a:pPr lvl="4"/>
             <a:r>
-              <a:rPr lang="en-US" smtClean="0"/>
+              <a:rPr lang="en-US"/>
               <a:t>Fifth level</a:t>
             </a:r>
             <a:endParaRPr lang="en-US" dirty="0"/>
@@ -10101,13 +12650,6 @@
   <p:clrMapOvr>
     <a:masterClrMapping/>
   </p:clrMapOvr>
-  <p:timing>
-    <p:tnLst>
-      <p:par>
-        <p:cTn id="1" dur="indefinite" restart="never" nodeType="tmRoot"/>
-      </p:par>
-    </p:tnLst>
-  </p:timing>
 </p:sld>
 </file>
 
@@ -10154,6 +12696,157 @@
             <a:pPr algn="ctr"/>
             <a:r>
               <a:rPr lang="en-US" dirty="0"/>
+              <a:t>Approach &amp; Implementation</a:t>
+            </a:r>
+          </a:p>
+        </p:txBody>
+      </p:sp>
+      <p:sp>
+        <p:nvSpPr>
+          <p:cNvPr id="3" name="Content Placeholder 2"/>
+          <p:cNvSpPr>
+            <a:spLocks noGrp="1"/>
+          </p:cNvSpPr>
+          <p:nvPr>
+            <p:ph idx="1"/>
+          </p:nvPr>
+        </p:nvSpPr>
+        <p:spPr>
+          <a:xfrm>
+            <a:off x="2218267" y="1905000"/>
+            <a:ext cx="9286345" cy="4006222"/>
+          </a:xfrm>
+        </p:spPr>
+        <p:txBody>
+          <a:bodyPr>
+            <a:noAutofit/>
+          </a:bodyPr>
+          <a:lstStyle/>
+          <a:p>
+            <a:r>
+              <a:rPr lang="en-US" sz="2400" dirty="0"/>
+              <a:t>Implement a Simple POC Weather App</a:t>
+            </a:r>
+            <a:r>
+              <a:rPr lang="en-US" sz="2400" b="1" i="1" dirty="0"/>
+              <a:t>, </a:t>
+            </a:r>
+            <a:r>
+              <a:rPr lang="en-US" sz="2400" dirty="0"/>
+              <a:t>with the </a:t>
+            </a:r>
+            <a:r>
+              <a:rPr lang="en-US" sz="2400" dirty="0" err="1"/>
+              <a:t>prefetch</a:t>
+            </a:r>
+            <a:r>
+              <a:rPr lang="en-US" sz="2400" dirty="0"/>
+              <a:t> pattern and 2 screens</a:t>
+            </a:r>
+          </a:p>
+          <a:p>
+            <a:pPr lvl="1"/>
+            <a:r>
+              <a:rPr lang="en-US" sz="2400" dirty="0"/>
+              <a:t>First Screen – </a:t>
+            </a:r>
+            <a:r>
+              <a:rPr lang="en-US" sz="2400" dirty="0" err="1"/>
+              <a:t>Prefetch</a:t>
+            </a:r>
+            <a:endParaRPr lang="en-US" sz="2400" dirty="0"/>
+          </a:p>
+          <a:p>
+            <a:pPr lvl="1"/>
+            <a:r>
+              <a:rPr lang="en-US" sz="2400" dirty="0"/>
+              <a:t>Second Screen – Use the </a:t>
+            </a:r>
+            <a:r>
+              <a:rPr lang="en-US" sz="2400" dirty="0" err="1"/>
+              <a:t>prefetch</a:t>
+            </a:r>
+            <a:r>
+              <a:rPr lang="en-US" sz="2400" dirty="0"/>
+              <a:t> data</a:t>
+            </a:r>
+          </a:p>
+          <a:p>
+            <a:r>
+              <a:rPr lang="en-US" sz="2600" dirty="0"/>
+              <a:t> Implement Instrumentation and Procrastination tool for desktop</a:t>
+            </a:r>
+          </a:p>
+          <a:p>
+            <a:r>
+              <a:rPr lang="en-US" sz="2400" dirty="0"/>
+              <a:t>Implement Measurements Library for data usage and VPC measurement</a:t>
+            </a:r>
+          </a:p>
+          <a:p>
+            <a:r>
+              <a:rPr lang="en-US" sz="2400" dirty="0"/>
+              <a:t>Implement Android Procrastination Library</a:t>
+            </a:r>
+          </a:p>
+        </p:txBody>
+      </p:sp>
+    </p:spTree>
+    <p:extLst>
+      <p:ext uri="{BB962C8B-B14F-4D97-AF65-F5344CB8AC3E}">
+        <p14:creationId xmlns:p14="http://schemas.microsoft.com/office/powerpoint/2010/main" val="3154856639"/>
+      </p:ext>
+    </p:extLst>
+  </p:cSld>
+  <p:clrMapOvr>
+    <a:masterClrMapping/>
+  </p:clrMapOvr>
+</p:sld>
+</file>
+
+<file path=ppt/slides/slide11.xml><?xml version="1.0" encoding="utf-8"?>
+<p:sld xmlns:a="http://schemas.openxmlformats.org/drawingml/2006/main" xmlns:r="http://schemas.openxmlformats.org/officeDocument/2006/relationships" xmlns:p="http://schemas.openxmlformats.org/presentationml/2006/main">
+  <p:cSld>
+    <p:bg>
+      <p:bgPr>
+        <a:solidFill>
+          <a:schemeClr val="bg1"/>
+        </a:solidFill>
+        <a:effectLst/>
+      </p:bgPr>
+    </p:bg>
+    <p:spTree>
+      <p:nvGrpSpPr>
+        <p:cNvPr id="1" name=""/>
+        <p:cNvGrpSpPr/>
+        <p:nvPr/>
+      </p:nvGrpSpPr>
+      <p:grpSpPr>
+        <a:xfrm>
+          <a:off x="0" y="0"/>
+          <a:ext cx="0" cy="0"/>
+          <a:chOff x="0" y="0"/>
+          <a:chExt cx="0" cy="0"/>
+        </a:xfrm>
+      </p:grpSpPr>
+      <p:sp>
+        <p:nvSpPr>
+          <p:cNvPr id="2" name="Title 1"/>
+          <p:cNvSpPr>
+            <a:spLocks noGrp="1"/>
+          </p:cNvSpPr>
+          <p:nvPr>
+            <p:ph type="title"/>
+          </p:nvPr>
+        </p:nvSpPr>
+        <p:spPr/>
+        <p:txBody>
+          <a:bodyPr/>
+          <a:lstStyle/>
+          <a:p>
+            <a:pPr algn="ctr"/>
+            <a:r>
+              <a:rPr lang="en-US" dirty="0"/>
               <a:t>Evaluation Methodology</a:t>
             </a:r>
           </a:p>
@@ -10183,32 +12876,19 @@
           <a:p>
             <a:r>
               <a:rPr lang="en-US" sz="2400" dirty="0"/>
-              <a:t>Provide it to 4 </a:t>
-            </a:r>
-            <a:r>
-              <a:rPr lang="en-US" sz="2400" dirty="0" smtClean="0"/>
-              <a:t>users</a:t>
-            </a:r>
-          </a:p>
-          <a:p>
-            <a:r>
-              <a:rPr lang="en-US" sz="2400" dirty="0" smtClean="0"/>
-              <a:t>User study for 5 days</a:t>
-            </a:r>
-            <a:r>
-              <a:rPr lang="en-US" sz="2400" dirty="0" smtClean="0"/>
-              <a:t> </a:t>
-            </a:r>
-            <a:endParaRPr lang="en-US" sz="2400" dirty="0"/>
-          </a:p>
-          <a:p>
-            <a:r>
-              <a:rPr lang="en-US" sz="2400" dirty="0" smtClean="0"/>
-              <a:t>2 </a:t>
-            </a:r>
+              <a:t>Provide it to 4 users</a:t>
+            </a:r>
+          </a:p>
+          <a:p>
             <a:r>
               <a:rPr lang="en-US" sz="2400" dirty="0"/>
-              <a:t>Users – </a:t>
+              <a:t>User study for 5 days </a:t>
+            </a:r>
+          </a:p>
+          <a:p>
+            <a:r>
+              <a:rPr lang="en-US" sz="2400" dirty="0"/>
+              <a:t>2 Users – </a:t>
             </a:r>
             <a:r>
               <a:rPr lang="en-US" sz="2400" dirty="0" err="1"/>
@@ -10233,25 +12913,19 @@
               <a:t>Track view </a:t>
             </a:r>
             <a:r>
-              <a:rPr lang="en-US" sz="2400" dirty="0" err="1" smtClean="0"/>
+              <a:rPr lang="en-US" sz="2400" dirty="0" err="1"/>
               <a:t>prefetch</a:t>
             </a:r>
             <a:r>
-              <a:rPr lang="en-US" sz="2400" dirty="0" smtClean="0"/>
+              <a:rPr lang="en-US" sz="2400" dirty="0"/>
               <a:t> correlation</a:t>
             </a:r>
-            <a:endParaRPr lang="en-US" sz="2400" dirty="0"/>
           </a:p>
           <a:p>
             <a:r>
               <a:rPr lang="en-US" sz="2400" dirty="0"/>
-              <a:t>Track network data usage of app for each day per </a:t>
-            </a:r>
-            <a:r>
-              <a:rPr lang="en-US" sz="2400" dirty="0" smtClean="0"/>
-              <a:t>user</a:t>
-            </a:r>
-            <a:endParaRPr lang="en-US" sz="2400" dirty="0"/>
+              <a:t>Track network data usage of app for each day per user</a:t>
+            </a:r>
           </a:p>
           <a:p>
             <a:endParaRPr lang="en-US" sz="2400" dirty="0"/>
@@ -10268,17 +12942,10 @@
   <p:clrMapOvr>
     <a:masterClrMapping/>
   </p:clrMapOvr>
-  <p:timing>
-    <p:tnLst>
-      <p:par>
-        <p:cTn id="1" dur="indefinite" restart="never" nodeType="tmRoot"/>
-      </p:par>
-    </p:tnLst>
-  </p:timing>
 </p:sld>
 </file>
 
-<file path=ppt/slides/slide11.xml><?xml version="1.0" encoding="utf-8"?>
+<file path=ppt/slides/slide12.xml><?xml version="1.0" encoding="utf-8"?>
 <p:sld xmlns:a="http://schemas.openxmlformats.org/drawingml/2006/main" xmlns:r="http://schemas.openxmlformats.org/officeDocument/2006/relationships" xmlns:p="http://schemas.openxmlformats.org/presentationml/2006/main">
   <p:cSld>
     <p:bg>
@@ -10365,17 +13032,10 @@
   <p:clrMapOvr>
     <a:masterClrMapping/>
   </p:clrMapOvr>
-  <p:timing>
-    <p:tnLst>
-      <p:par>
-        <p:cTn id="1" dur="indefinite" restart="never" nodeType="tmRoot"/>
-      </p:par>
-    </p:tnLst>
-  </p:timing>
 </p:sld>
 </file>
 
-<file path=ppt/slides/slide12.xml><?xml version="1.0" encoding="utf-8"?>
+<file path=ppt/slides/slide13.xml><?xml version="1.0" encoding="utf-8"?>
 <p:sld xmlns:a="http://schemas.openxmlformats.org/drawingml/2006/main" xmlns:r="http://schemas.openxmlformats.org/officeDocument/2006/relationships" xmlns:p="http://schemas.openxmlformats.org/presentationml/2006/main">
   <p:cSld>
     <p:bg>
@@ -10469,126 +13129,6 @@
   <p:clrMapOvr>
     <a:masterClrMapping/>
   </p:clrMapOvr>
-  <p:timing>
-    <p:tnLst>
-      <p:par>
-        <p:cTn id="1" dur="indefinite" restart="never" nodeType="tmRoot"/>
-      </p:par>
-    </p:tnLst>
-  </p:timing>
-</p:sld>
-</file>
-
-<file path=ppt/slides/slide13.xml><?xml version="1.0" encoding="utf-8"?>
-<p:sld xmlns:a="http://schemas.openxmlformats.org/drawingml/2006/main" xmlns:r="http://schemas.openxmlformats.org/officeDocument/2006/relationships" xmlns:p="http://schemas.openxmlformats.org/presentationml/2006/main">
-  <p:cSld>
-    <p:bg>
-      <p:bgPr>
-        <a:solidFill>
-          <a:schemeClr val="bg1"/>
-        </a:solidFill>
-        <a:effectLst/>
-      </p:bgPr>
-    </p:bg>
-    <p:spTree>
-      <p:nvGrpSpPr>
-        <p:cNvPr id="1" name=""/>
-        <p:cNvGrpSpPr/>
-        <p:nvPr/>
-      </p:nvGrpSpPr>
-      <p:grpSpPr>
-        <a:xfrm>
-          <a:off x="0" y="0"/>
-          <a:ext cx="0" cy="0"/>
-          <a:chOff x="0" y="0"/>
-          <a:chExt cx="0" cy="0"/>
-        </a:xfrm>
-      </p:grpSpPr>
-      <p:sp>
-        <p:nvSpPr>
-          <p:cNvPr id="2" name="Title 1"/>
-          <p:cNvSpPr>
-            <a:spLocks noGrp="1"/>
-          </p:cNvSpPr>
-          <p:nvPr>
-            <p:ph type="title"/>
-          </p:nvPr>
-        </p:nvSpPr>
-        <p:spPr/>
-        <p:txBody>
-          <a:bodyPr/>
-          <a:lstStyle/>
-          <a:p>
-            <a:pPr algn="ctr"/>
-            <a:r>
-              <a:rPr lang="en-US" dirty="0"/>
-              <a:t>Results Summary</a:t>
-            </a:r>
-          </a:p>
-        </p:txBody>
-      </p:sp>
-      <p:sp>
-        <p:nvSpPr>
-          <p:cNvPr id="3" name="Content Placeholder 2"/>
-          <p:cNvSpPr>
-            <a:spLocks noGrp="1"/>
-          </p:cNvSpPr>
-          <p:nvPr>
-            <p:ph idx="1"/>
-          </p:nvPr>
-        </p:nvSpPr>
-        <p:spPr/>
-        <p:txBody>
-          <a:bodyPr>
-            <a:normAutofit/>
-          </a:bodyPr>
-          <a:lstStyle/>
-          <a:p>
-            <a:r>
-              <a:rPr lang="en-US" sz="2400" dirty="0"/>
-              <a:t>Comparing User 4 to User 1 yields 27% savings in data</a:t>
-            </a:r>
-          </a:p>
-          <a:p>
-            <a:r>
-              <a:rPr lang="en-US" sz="2400" dirty="0"/>
-              <a:t>Comparing User 3 to User 1 yields 41% savings in data</a:t>
-            </a:r>
-          </a:p>
-          <a:p>
-            <a:r>
-              <a:rPr lang="en-US" sz="2400" dirty="0"/>
-              <a:t>User 4 VPC &gt; User 3 VPC. Hence User 4 consumes more data.</a:t>
-            </a:r>
-          </a:p>
-          <a:p>
-            <a:r>
-              <a:rPr lang="en-US" sz="2400" dirty="0"/>
-              <a:t>Mean Saving of 34%</a:t>
-            </a:r>
-          </a:p>
-          <a:p>
-            <a:endParaRPr lang="en-US" sz="2400" dirty="0"/>
-          </a:p>
-        </p:txBody>
-      </p:sp>
-    </p:spTree>
-    <p:extLst>
-      <p:ext uri="{BB962C8B-B14F-4D97-AF65-F5344CB8AC3E}">
-        <p14:creationId xmlns:p14="http://schemas.microsoft.com/office/powerpoint/2010/main" val="1286010416"/>
-      </p:ext>
-    </p:extLst>
-  </p:cSld>
-  <p:clrMapOvr>
-    <a:masterClrMapping/>
-  </p:clrMapOvr>
-  <p:timing>
-    <p:tnLst>
-      <p:par>
-        <p:cTn id="1" dur="indefinite" restart="never" nodeType="tmRoot"/>
-      </p:par>
-    </p:tnLst>
-  </p:timing>
 </p:sld>
 </file>
 
@@ -10635,7 +13175,7 @@
             <a:pPr algn="ctr"/>
             <a:r>
               <a:rPr lang="en-US" dirty="0"/>
-              <a:t>Limitations</a:t>
+              <a:t>Results Summary</a:t>
             </a:r>
           </a:p>
         </p:txBody>
@@ -10659,28 +13199,25 @@
           <a:p>
             <a:r>
               <a:rPr lang="en-US" sz="2400" dirty="0"/>
-              <a:t>Limited to one pattern </a:t>
-            </a:r>
-            <a:r>
-              <a:rPr lang="en-US" sz="2400" dirty="0" smtClean="0"/>
-              <a:t>only </a:t>
-            </a:r>
-            <a:endParaRPr lang="en-US" sz="2400" dirty="0"/>
+              <a:t>Comparing User 4 to User 1 yields 27% savings in data</a:t>
+            </a:r>
           </a:p>
           <a:p>
             <a:r>
               <a:rPr lang="en-US" sz="2400" dirty="0"/>
-              <a:t>Limited to Java source </a:t>
-            </a:r>
-            <a:r>
-              <a:rPr lang="en-US" sz="2400" dirty="0" smtClean="0"/>
-              <a:t>code</a:t>
-            </a:r>
-          </a:p>
-          <a:p>
-            <a:r>
-              <a:rPr lang="en-US" sz="2400" dirty="0" smtClean="0"/>
-              <a:t>Requires developer involvement</a:t>
+              <a:t>Comparing User 3 to User 1 yields 41% savings in data</a:t>
+            </a:r>
+          </a:p>
+          <a:p>
+            <a:r>
+              <a:rPr lang="en-US" sz="2400" dirty="0"/>
+              <a:t>User 4 VPC &gt; User 3 VPC. Hence User 4 consumes more data.</a:t>
+            </a:r>
+          </a:p>
+          <a:p>
+            <a:r>
+              <a:rPr lang="en-US" sz="2400" dirty="0"/>
+              <a:t>Mean Saving of 34%</a:t>
             </a:r>
           </a:p>
           <a:p>
@@ -10691,20 +13228,13 @@
     </p:spTree>
     <p:extLst>
       <p:ext uri="{BB962C8B-B14F-4D97-AF65-F5344CB8AC3E}">
-        <p14:creationId xmlns:p14="http://schemas.microsoft.com/office/powerpoint/2010/main" val="1095983116"/>
+        <p14:creationId xmlns:p14="http://schemas.microsoft.com/office/powerpoint/2010/main" val="1286010416"/>
       </p:ext>
     </p:extLst>
   </p:cSld>
   <p:clrMapOvr>
     <a:masterClrMapping/>
   </p:clrMapOvr>
-  <p:timing>
-    <p:tnLst>
-      <p:par>
-        <p:cTn id="1" dur="indefinite" restart="never" nodeType="tmRoot"/>
-      </p:par>
-    </p:tnLst>
-  </p:timing>
 </p:sld>
 </file>
 
@@ -10748,9 +13278,10 @@
           <a:bodyPr/>
           <a:lstStyle/>
           <a:p>
+            <a:pPr algn="ctr"/>
             <a:r>
               <a:rPr lang="en-US" dirty="0"/>
-              <a:t>Potential Future Work</a:t>
+              <a:t>Limitations</a:t>
             </a:r>
           </a:p>
         </p:txBody>
@@ -10774,32 +13305,126 @@
           <a:p>
             <a:r>
               <a:rPr lang="en-US" sz="2400" dirty="0"/>
+              <a:t>Limited to one pattern only </a:t>
+            </a:r>
+          </a:p>
+          <a:p>
+            <a:r>
+              <a:rPr lang="en-US" sz="2400" dirty="0"/>
+              <a:t>Limited to Java source code</a:t>
+            </a:r>
+          </a:p>
+          <a:p>
+            <a:r>
+              <a:rPr lang="en-US" sz="2400" dirty="0"/>
+              <a:t>Requires developer involvement</a:t>
+            </a:r>
+          </a:p>
+          <a:p>
+            <a:endParaRPr lang="en-US" sz="2400" dirty="0"/>
+          </a:p>
+        </p:txBody>
+      </p:sp>
+    </p:spTree>
+    <p:extLst>
+      <p:ext uri="{BB962C8B-B14F-4D97-AF65-F5344CB8AC3E}">
+        <p14:creationId xmlns:p14="http://schemas.microsoft.com/office/powerpoint/2010/main" val="1095983116"/>
+      </p:ext>
+    </p:extLst>
+  </p:cSld>
+  <p:clrMapOvr>
+    <a:masterClrMapping/>
+  </p:clrMapOvr>
+</p:sld>
+</file>
+
+<file path=ppt/slides/slide16.xml><?xml version="1.0" encoding="utf-8"?>
+<p:sld xmlns:a="http://schemas.openxmlformats.org/drawingml/2006/main" xmlns:r="http://schemas.openxmlformats.org/officeDocument/2006/relationships" xmlns:p="http://schemas.openxmlformats.org/presentationml/2006/main">
+  <p:cSld>
+    <p:bg>
+      <p:bgPr>
+        <a:solidFill>
+          <a:schemeClr val="bg1"/>
+        </a:solidFill>
+        <a:effectLst/>
+      </p:bgPr>
+    </p:bg>
+    <p:spTree>
+      <p:nvGrpSpPr>
+        <p:cNvPr id="1" name=""/>
+        <p:cNvGrpSpPr/>
+        <p:nvPr/>
+      </p:nvGrpSpPr>
+      <p:grpSpPr>
+        <a:xfrm>
+          <a:off x="0" y="0"/>
+          <a:ext cx="0" cy="0"/>
+          <a:chOff x="0" y="0"/>
+          <a:chExt cx="0" cy="0"/>
+        </a:xfrm>
+      </p:grpSpPr>
+      <p:sp>
+        <p:nvSpPr>
+          <p:cNvPr id="2" name="Title 1"/>
+          <p:cNvSpPr>
+            <a:spLocks noGrp="1"/>
+          </p:cNvSpPr>
+          <p:nvPr>
+            <p:ph type="title"/>
+          </p:nvPr>
+        </p:nvSpPr>
+        <p:spPr/>
+        <p:txBody>
+          <a:bodyPr/>
+          <a:lstStyle/>
+          <a:p>
+            <a:r>
+              <a:rPr lang="en-US" dirty="0"/>
+              <a:t>Potential Future Work</a:t>
+            </a:r>
+          </a:p>
+        </p:txBody>
+      </p:sp>
+      <p:sp>
+        <p:nvSpPr>
+          <p:cNvPr id="3" name="Content Placeholder 2"/>
+          <p:cNvSpPr>
+            <a:spLocks noGrp="1"/>
+          </p:cNvSpPr>
+          <p:nvPr>
+            <p:ph idx="1"/>
+          </p:nvPr>
+        </p:nvSpPr>
+        <p:spPr/>
+        <p:txBody>
+          <a:bodyPr>
+            <a:normAutofit/>
+          </a:bodyPr>
+          <a:lstStyle/>
+          <a:p>
+            <a:r>
+              <a:rPr lang="en-US" sz="2400" dirty="0"/>
               <a:t>Implement for POST based </a:t>
             </a:r>
             <a:r>
-              <a:rPr lang="en-US" sz="2400" dirty="0" err="1" smtClean="0"/>
+              <a:rPr lang="en-US" sz="2400" dirty="0" err="1"/>
               <a:t>prefetch</a:t>
             </a:r>
             <a:r>
-              <a:rPr lang="en-US" sz="2400" dirty="0" smtClean="0"/>
+              <a:rPr lang="en-US" sz="2400" dirty="0"/>
               <a:t> </a:t>
             </a:r>
-            <a:endParaRPr lang="en-US" sz="2400" dirty="0"/>
-          </a:p>
-          <a:p>
-            <a:r>
-              <a:rPr lang="en-US" sz="2400" dirty="0" smtClean="0"/>
+          </a:p>
+          <a:p>
+            <a:r>
+              <a:rPr lang="en-US" sz="2400" dirty="0"/>
               <a:t>Analyze at Byte Code level</a:t>
             </a:r>
           </a:p>
           <a:p>
             <a:r>
-              <a:rPr lang="en-US" sz="2400" dirty="0" smtClean="0"/>
-              <a:t>Identify </a:t>
-            </a:r>
-            <a:r>
               <a:rPr lang="en-US" sz="2400" dirty="0"/>
-              <a:t>more patterns</a:t>
+              <a:t>Identify more patterns</a:t>
             </a:r>
           </a:p>
           <a:p>
@@ -10820,13 +13445,6 @@
   <p:clrMapOvr>
     <a:masterClrMapping/>
   </p:clrMapOvr>
-  <p:timing>
-    <p:tnLst>
-      <p:par>
-        <p:cTn id="1" dur="indefinite" restart="never" nodeType="tmRoot"/>
-      </p:par>
-    </p:tnLst>
-  </p:timing>
 </p:sld>
 </file>
 
@@ -11125,27 +13743,12 @@
   <p:clrMapOvr>
     <a:masterClrMapping/>
   </p:clrMapOvr>
-  <p:timing>
-    <p:tnLst>
-      <p:par>
-        <p:cTn id="1" dur="indefinite" restart="never" nodeType="tmRoot"/>
-      </p:par>
-    </p:tnLst>
-  </p:timing>
 </p:sld>
 </file>
 
 <file path=ppt/slides/slide3.xml><?xml version="1.0" encoding="utf-8"?>
 <p:sld xmlns:a="http://schemas.openxmlformats.org/drawingml/2006/main" xmlns:r="http://schemas.openxmlformats.org/officeDocument/2006/relationships" xmlns:p="http://schemas.openxmlformats.org/presentationml/2006/main">
   <p:cSld>
-    <p:bg>
-      <p:bgPr>
-        <a:solidFill>
-          <a:schemeClr val="bg1"/>
-        </a:solidFill>
-        <a:effectLst/>
-      </p:bgPr>
-    </p:bg>
     <p:spTree>
       <p:nvGrpSpPr>
         <p:cNvPr id="1" name=""/>
@@ -11178,314 +13781,41 @@
             <a:pPr algn="ctr"/>
             <a:r>
               <a:rPr lang="en-US" dirty="0"/>
-              <a:t>Design </a:t>
+              <a:t>Design</a:t>
             </a:r>
           </a:p>
         </p:txBody>
       </p:sp>
-      <p:sp>
-        <p:nvSpPr>
-          <p:cNvPr id="5" name="Content Placeholder 4"/>
-          <p:cNvSpPr>
-            <a:spLocks noGrp="1"/>
-          </p:cNvSpPr>
+      <p:graphicFrame>
+        <p:nvGraphicFramePr>
+          <p:cNvPr id="4" name="Content Placeholder 3"/>
+          <p:cNvGraphicFramePr>
+            <a:graphicFrameLocks noGrp="1"/>
+          </p:cNvGraphicFramePr>
           <p:nvPr>
             <p:ph idx="1"/>
           </p:nvPr>
-        </p:nvSpPr>
-        <p:spPr>
-          <a:xfrm>
-            <a:off x="2589212" y="1524000"/>
-            <a:ext cx="8915400" cy="4387222"/>
-          </a:xfrm>
-        </p:spPr>
-        <p:txBody>
-          <a:bodyPr>
-            <a:normAutofit/>
-          </a:bodyPr>
-          <a:lstStyle/>
-          <a:p>
-            <a:r>
-              <a:rPr lang="en-US" sz="2400" dirty="0"/>
-              <a:t>Android Common Pattern</a:t>
-            </a:r>
-          </a:p>
-        </p:txBody>
-      </p:sp>
-      <p:sp>
-        <p:nvSpPr>
-          <p:cNvPr id="8" name="Rectangle 7"/>
-          <p:cNvSpPr/>
-          <p:nvPr/>
-        </p:nvSpPr>
-        <p:spPr>
-          <a:xfrm>
-            <a:off x="2921620" y="2334322"/>
-            <a:ext cx="3583258" cy="3315629"/>
-          </a:xfrm>
-          <a:prstGeom prst="rect">
-            <a:avLst/>
-          </a:prstGeom>
-          <a:ln/>
-        </p:spPr>
-        <p:style>
-          <a:lnRef idx="2">
-            <a:schemeClr val="dk1"/>
-          </a:lnRef>
-          <a:fillRef idx="1">
-            <a:schemeClr val="lt1"/>
-          </a:fillRef>
-          <a:effectRef idx="0">
-            <a:schemeClr val="dk1"/>
-          </a:effectRef>
-          <a:fontRef idx="minor">
-            <a:schemeClr val="dk1"/>
-          </a:fontRef>
-        </p:style>
-        <p:txBody>
-          <a:bodyPr rtlCol="0" anchor="ctr"/>
-          <a:lstStyle/>
-          <a:p>
-            <a:r>
-              <a:rPr lang="en-US" sz="2000" dirty="0">
-                <a:solidFill>
-                  <a:schemeClr val="tx1"/>
-                </a:solidFill>
-              </a:rPr>
-              <a:t>Activity 1{</a:t>
-            </a:r>
-          </a:p>
-          <a:p>
-            <a:endParaRPr lang="en-US" sz="2000" dirty="0">
-              <a:solidFill>
-                <a:schemeClr val="tx1"/>
-              </a:solidFill>
-            </a:endParaRPr>
-          </a:p>
-          <a:p>
-            <a:r>
-              <a:rPr lang="en-US" sz="2000" dirty="0">
-                <a:solidFill>
-                  <a:schemeClr val="tx1"/>
-                </a:solidFill>
-              </a:rPr>
-              <a:t>var1 &lt;= </a:t>
-            </a:r>
-            <a:r>
-              <a:rPr lang="en-US" sz="2000" dirty="0" err="1">
-                <a:solidFill>
-                  <a:schemeClr val="tx1"/>
-                </a:solidFill>
-              </a:rPr>
-              <a:t>networkFetch</a:t>
-            </a:r>
-            <a:r>
-              <a:rPr lang="en-US" sz="2000" dirty="0">
-                <a:solidFill>
-                  <a:schemeClr val="tx1"/>
-                </a:solidFill>
-              </a:rPr>
-              <a:t>(url1)</a:t>
-            </a:r>
-          </a:p>
-          <a:p>
-            <a:endParaRPr lang="en-US" sz="2000" dirty="0">
-              <a:solidFill>
-                <a:schemeClr val="tx1"/>
-              </a:solidFill>
-            </a:endParaRPr>
-          </a:p>
-          <a:p>
-            <a:r>
-              <a:rPr lang="en-US" sz="2000" dirty="0" err="1">
-                <a:solidFill>
-                  <a:schemeClr val="tx1"/>
-                </a:solidFill>
-              </a:rPr>
-              <a:t>textView.setText</a:t>
-            </a:r>
-            <a:r>
-              <a:rPr lang="en-US" sz="2000" dirty="0">
-                <a:solidFill>
-                  <a:schemeClr val="tx1"/>
-                </a:solidFill>
-              </a:rPr>
-              <a:t>(var1)</a:t>
-            </a:r>
-          </a:p>
-          <a:p>
-            <a:endParaRPr lang="en-US" sz="2000" dirty="0">
-              <a:solidFill>
-                <a:schemeClr val="tx1"/>
-              </a:solidFill>
-            </a:endParaRPr>
-          </a:p>
-          <a:p>
-            <a:r>
-              <a:rPr lang="en-US" sz="2000" dirty="0">
-                <a:solidFill>
-                  <a:schemeClr val="tx1"/>
-                </a:solidFill>
-              </a:rPr>
-              <a:t>var2 &lt;= </a:t>
-            </a:r>
-            <a:r>
-              <a:rPr lang="en-US" sz="2000" dirty="0" err="1">
-                <a:solidFill>
-                  <a:schemeClr val="tx1"/>
-                </a:solidFill>
-              </a:rPr>
-              <a:t>networkFetch</a:t>
-            </a:r>
-            <a:r>
-              <a:rPr lang="en-US" sz="2000" dirty="0">
-                <a:solidFill>
-                  <a:schemeClr val="tx1"/>
-                </a:solidFill>
-              </a:rPr>
-              <a:t>(url2)</a:t>
-            </a:r>
-          </a:p>
-          <a:p>
-            <a:endParaRPr lang="en-US" sz="2000" dirty="0">
-              <a:solidFill>
-                <a:schemeClr val="tx1"/>
-              </a:solidFill>
-            </a:endParaRPr>
-          </a:p>
-          <a:p>
-            <a:r>
-              <a:rPr lang="en-US" sz="2000" dirty="0">
-                <a:solidFill>
-                  <a:schemeClr val="tx1"/>
-                </a:solidFill>
-              </a:rPr>
-              <a:t>startActivity2(var2)</a:t>
-            </a:r>
-          </a:p>
-          <a:p>
-            <a:endParaRPr lang="en-US" sz="2000" dirty="0">
-              <a:solidFill>
-                <a:schemeClr val="tx1"/>
-              </a:solidFill>
-            </a:endParaRPr>
-          </a:p>
-          <a:p>
-            <a:r>
-              <a:rPr lang="en-US" sz="2000" dirty="0">
-                <a:solidFill>
-                  <a:schemeClr val="tx1"/>
-                </a:solidFill>
-              </a:rPr>
-              <a:t>}</a:t>
-            </a:r>
-          </a:p>
-        </p:txBody>
-      </p:sp>
-      <p:sp>
-        <p:nvSpPr>
-          <p:cNvPr id="9" name="Rectangle 8"/>
-          <p:cNvSpPr/>
-          <p:nvPr/>
-        </p:nvSpPr>
-        <p:spPr>
-          <a:xfrm>
-            <a:off x="8352263" y="2334322"/>
-            <a:ext cx="2888166" cy="3315629"/>
-          </a:xfrm>
-          <a:prstGeom prst="rect">
-            <a:avLst/>
-          </a:prstGeom>
-          <a:ln/>
-        </p:spPr>
-        <p:style>
-          <a:lnRef idx="2">
-            <a:schemeClr val="dk1"/>
-          </a:lnRef>
-          <a:fillRef idx="1">
-            <a:schemeClr val="lt1"/>
-          </a:fillRef>
-          <a:effectRef idx="0">
-            <a:schemeClr val="dk1"/>
-          </a:effectRef>
-          <a:fontRef idx="minor">
-            <a:schemeClr val="dk1"/>
-          </a:fontRef>
-        </p:style>
-        <p:txBody>
-          <a:bodyPr rtlCol="0" anchor="ctr"/>
-          <a:lstStyle/>
-          <a:p>
-            <a:r>
-              <a:rPr lang="en-US" sz="2000" dirty="0">
-                <a:solidFill>
-                  <a:schemeClr val="tx1"/>
-                </a:solidFill>
-              </a:rPr>
-              <a:t>Activity 2{</a:t>
-            </a:r>
-          </a:p>
-          <a:p>
-            <a:endParaRPr lang="en-US" sz="2000" dirty="0">
-              <a:solidFill>
-                <a:schemeClr val="tx1"/>
-              </a:solidFill>
-            </a:endParaRPr>
-          </a:p>
-          <a:p>
-            <a:r>
-              <a:rPr lang="en-US" sz="2000" dirty="0" err="1">
-                <a:solidFill>
-                  <a:schemeClr val="tx1"/>
-                </a:solidFill>
-              </a:rPr>
-              <a:t>textView.setText</a:t>
-            </a:r>
-            <a:r>
-              <a:rPr lang="en-US" sz="2000" dirty="0">
-                <a:solidFill>
-                  <a:schemeClr val="tx1"/>
-                </a:solidFill>
-              </a:rPr>
-              <a:t>(var2)</a:t>
-            </a:r>
-          </a:p>
-          <a:p>
-            <a:endParaRPr lang="en-US" sz="2000" dirty="0">
-              <a:solidFill>
-                <a:schemeClr val="tx1"/>
-              </a:solidFill>
-            </a:endParaRPr>
-          </a:p>
-          <a:p>
-            <a:r>
-              <a:rPr lang="en-US" sz="2000" dirty="0">
-                <a:solidFill>
-                  <a:schemeClr val="tx1"/>
-                </a:solidFill>
-              </a:rPr>
-              <a:t>}</a:t>
-            </a:r>
-          </a:p>
-        </p:txBody>
-      </p:sp>
+        </p:nvGraphicFramePr>
+        <p:xfrm>
+          <a:off x="2589213" y="2133600"/>
+          <a:ext cx="8915400" cy="3778250"/>
+        </p:xfrm>
+        <a:graphic>
+          <a:graphicData uri="http://schemas.openxmlformats.org/drawingml/2006/diagram">
+            <dgm:relIds xmlns:dgm="http://schemas.openxmlformats.org/drawingml/2006/diagram" xmlns:r="http://schemas.openxmlformats.org/officeDocument/2006/relationships" r:dm="rId2" r:lo="rId3" r:qs="rId4" r:cs="rId5"/>
+          </a:graphicData>
+        </a:graphic>
+      </p:graphicFrame>
     </p:spTree>
     <p:extLst>
       <p:ext uri="{BB962C8B-B14F-4D97-AF65-F5344CB8AC3E}">
-        <p14:creationId xmlns:p14="http://schemas.microsoft.com/office/powerpoint/2010/main" val="4037159500"/>
+        <p14:creationId xmlns:p14="http://schemas.microsoft.com/office/powerpoint/2010/main" val="798609133"/>
       </p:ext>
     </p:extLst>
   </p:cSld>
   <p:clrMapOvr>
     <a:masterClrMapping/>
   </p:clrMapOvr>
-  <p:timing>
-    <p:tnLst>
-      <p:par>
-        <p:cTn id="1" dur="indefinite" restart="never" nodeType="tmRoot"/>
-      </p:par>
-    </p:tnLst>
-  </p:timing>
 </p:sld>
 </file>
 
@@ -11532,6 +13862,353 @@
             <a:pPr algn="ctr"/>
             <a:r>
               <a:rPr lang="en-US" dirty="0"/>
+              <a:t>Design </a:t>
+            </a:r>
+          </a:p>
+        </p:txBody>
+      </p:sp>
+      <p:sp>
+        <p:nvSpPr>
+          <p:cNvPr id="5" name="Content Placeholder 4"/>
+          <p:cNvSpPr>
+            <a:spLocks noGrp="1"/>
+          </p:cNvSpPr>
+          <p:nvPr>
+            <p:ph idx="1"/>
+          </p:nvPr>
+        </p:nvSpPr>
+        <p:spPr>
+          <a:xfrm>
+            <a:off x="2589212" y="1524000"/>
+            <a:ext cx="8915400" cy="4387222"/>
+          </a:xfrm>
+        </p:spPr>
+        <p:txBody>
+          <a:bodyPr>
+            <a:normAutofit/>
+          </a:bodyPr>
+          <a:lstStyle/>
+          <a:p>
+            <a:r>
+              <a:rPr lang="en-US" sz="2400" dirty="0"/>
+              <a:t>Android Common Pattern</a:t>
+            </a:r>
+          </a:p>
+        </p:txBody>
+      </p:sp>
+      <p:sp>
+        <p:nvSpPr>
+          <p:cNvPr id="8" name="Rectangle 7"/>
+          <p:cNvSpPr/>
+          <p:nvPr/>
+        </p:nvSpPr>
+        <p:spPr>
+          <a:xfrm>
+            <a:off x="2921620" y="2334322"/>
+            <a:ext cx="3583258" cy="3315629"/>
+          </a:xfrm>
+          <a:prstGeom prst="rect">
+            <a:avLst/>
+          </a:prstGeom>
+          <a:ln/>
+        </p:spPr>
+        <p:style>
+          <a:lnRef idx="2">
+            <a:schemeClr val="dk1"/>
+          </a:lnRef>
+          <a:fillRef idx="1">
+            <a:schemeClr val="lt1"/>
+          </a:fillRef>
+          <a:effectRef idx="0">
+            <a:schemeClr val="dk1"/>
+          </a:effectRef>
+          <a:fontRef idx="minor">
+            <a:schemeClr val="dk1"/>
+          </a:fontRef>
+        </p:style>
+        <p:txBody>
+          <a:bodyPr rtlCol="0" anchor="ctr"/>
+          <a:lstStyle/>
+          <a:p>
+            <a:r>
+              <a:rPr lang="en-US" sz="2000" dirty="0">
+                <a:solidFill>
+                  <a:schemeClr val="tx1"/>
+                </a:solidFill>
+              </a:rPr>
+              <a:t>Activity 1{</a:t>
+            </a:r>
+          </a:p>
+          <a:p>
+            <a:endParaRPr lang="en-US" sz="2000" dirty="0">
+              <a:solidFill>
+                <a:schemeClr val="tx1"/>
+              </a:solidFill>
+            </a:endParaRPr>
+          </a:p>
+          <a:p>
+            <a:r>
+              <a:rPr lang="en-US" sz="2000" dirty="0">
+                <a:solidFill>
+                  <a:schemeClr val="tx1"/>
+                </a:solidFill>
+              </a:rPr>
+              <a:t>var1 &lt;= </a:t>
+            </a:r>
+            <a:r>
+              <a:rPr lang="en-US" sz="2000" dirty="0" err="1">
+                <a:solidFill>
+                  <a:schemeClr val="tx1"/>
+                </a:solidFill>
+              </a:rPr>
+              <a:t>networkFetch</a:t>
+            </a:r>
+            <a:r>
+              <a:rPr lang="en-US" sz="2000" dirty="0">
+                <a:solidFill>
+                  <a:schemeClr val="tx1"/>
+                </a:solidFill>
+              </a:rPr>
+              <a:t>(url1)</a:t>
+            </a:r>
+          </a:p>
+          <a:p>
+            <a:endParaRPr lang="en-US" sz="2000" dirty="0">
+              <a:solidFill>
+                <a:schemeClr val="tx1"/>
+              </a:solidFill>
+            </a:endParaRPr>
+          </a:p>
+          <a:p>
+            <a:r>
+              <a:rPr lang="en-US" sz="2000" dirty="0" err="1">
+                <a:solidFill>
+                  <a:schemeClr val="tx1"/>
+                </a:solidFill>
+              </a:rPr>
+              <a:t>textView.setText</a:t>
+            </a:r>
+            <a:r>
+              <a:rPr lang="en-US" sz="2000" dirty="0">
+                <a:solidFill>
+                  <a:schemeClr val="tx1"/>
+                </a:solidFill>
+              </a:rPr>
+              <a:t>(var1)</a:t>
+            </a:r>
+          </a:p>
+          <a:p>
+            <a:endParaRPr lang="en-US" sz="2000" dirty="0">
+              <a:solidFill>
+                <a:schemeClr val="tx1"/>
+              </a:solidFill>
+            </a:endParaRPr>
+          </a:p>
+          <a:p>
+            <a:r>
+              <a:rPr lang="en-US" sz="2000" dirty="0">
+                <a:solidFill>
+                  <a:schemeClr val="tx1"/>
+                </a:solidFill>
+              </a:rPr>
+              <a:t>var2 &lt;= </a:t>
+            </a:r>
+            <a:r>
+              <a:rPr lang="en-US" sz="2000" dirty="0" err="1">
+                <a:solidFill>
+                  <a:schemeClr val="tx1"/>
+                </a:solidFill>
+              </a:rPr>
+              <a:t>networkFetch</a:t>
+            </a:r>
+            <a:r>
+              <a:rPr lang="en-US" sz="2000" dirty="0">
+                <a:solidFill>
+                  <a:schemeClr val="tx1"/>
+                </a:solidFill>
+              </a:rPr>
+              <a:t>(url2)</a:t>
+            </a:r>
+          </a:p>
+          <a:p>
+            <a:endParaRPr lang="en-US" sz="2000" dirty="0">
+              <a:solidFill>
+                <a:schemeClr val="tx1"/>
+              </a:solidFill>
+            </a:endParaRPr>
+          </a:p>
+          <a:p>
+            <a:r>
+              <a:rPr lang="en-US" sz="2000" dirty="0">
+                <a:solidFill>
+                  <a:schemeClr val="tx1"/>
+                </a:solidFill>
+              </a:rPr>
+              <a:t>startActivity2(var2)</a:t>
+            </a:r>
+          </a:p>
+          <a:p>
+            <a:endParaRPr lang="en-US" sz="2000" dirty="0">
+              <a:solidFill>
+                <a:schemeClr val="tx1"/>
+              </a:solidFill>
+            </a:endParaRPr>
+          </a:p>
+          <a:p>
+            <a:r>
+              <a:rPr lang="en-US" sz="2000" dirty="0">
+                <a:solidFill>
+                  <a:schemeClr val="tx1"/>
+                </a:solidFill>
+              </a:rPr>
+              <a:t>}</a:t>
+            </a:r>
+          </a:p>
+        </p:txBody>
+      </p:sp>
+      <p:sp>
+        <p:nvSpPr>
+          <p:cNvPr id="9" name="Rectangle 8"/>
+          <p:cNvSpPr/>
+          <p:nvPr/>
+        </p:nvSpPr>
+        <p:spPr>
+          <a:xfrm>
+            <a:off x="8352263" y="2334322"/>
+            <a:ext cx="2888166" cy="3315629"/>
+          </a:xfrm>
+          <a:prstGeom prst="rect">
+            <a:avLst/>
+          </a:prstGeom>
+          <a:ln/>
+        </p:spPr>
+        <p:style>
+          <a:lnRef idx="2">
+            <a:schemeClr val="dk1"/>
+          </a:lnRef>
+          <a:fillRef idx="1">
+            <a:schemeClr val="lt1"/>
+          </a:fillRef>
+          <a:effectRef idx="0">
+            <a:schemeClr val="dk1"/>
+          </a:effectRef>
+          <a:fontRef idx="minor">
+            <a:schemeClr val="dk1"/>
+          </a:fontRef>
+        </p:style>
+        <p:txBody>
+          <a:bodyPr rtlCol="0" anchor="ctr"/>
+          <a:lstStyle/>
+          <a:p>
+            <a:r>
+              <a:rPr lang="en-US" sz="2000" dirty="0">
+                <a:solidFill>
+                  <a:schemeClr val="tx1"/>
+                </a:solidFill>
+              </a:rPr>
+              <a:t>Activity 2{</a:t>
+            </a:r>
+          </a:p>
+          <a:p>
+            <a:endParaRPr lang="en-US" sz="2000" dirty="0">
+              <a:solidFill>
+                <a:schemeClr val="tx1"/>
+              </a:solidFill>
+            </a:endParaRPr>
+          </a:p>
+          <a:p>
+            <a:r>
+              <a:rPr lang="en-US" sz="2000" dirty="0" err="1">
+                <a:solidFill>
+                  <a:schemeClr val="tx1"/>
+                </a:solidFill>
+              </a:rPr>
+              <a:t>textView.setText</a:t>
+            </a:r>
+            <a:r>
+              <a:rPr lang="en-US" sz="2000" dirty="0">
+                <a:solidFill>
+                  <a:schemeClr val="tx1"/>
+                </a:solidFill>
+              </a:rPr>
+              <a:t>(var2)</a:t>
+            </a:r>
+          </a:p>
+          <a:p>
+            <a:endParaRPr lang="en-US" sz="2000" dirty="0">
+              <a:solidFill>
+                <a:schemeClr val="tx1"/>
+              </a:solidFill>
+            </a:endParaRPr>
+          </a:p>
+          <a:p>
+            <a:r>
+              <a:rPr lang="en-US" sz="2000" dirty="0">
+                <a:solidFill>
+                  <a:schemeClr val="tx1"/>
+                </a:solidFill>
+              </a:rPr>
+              <a:t>}</a:t>
+            </a:r>
+          </a:p>
+        </p:txBody>
+      </p:sp>
+    </p:spTree>
+    <p:extLst>
+      <p:ext uri="{BB962C8B-B14F-4D97-AF65-F5344CB8AC3E}">
+        <p14:creationId xmlns:p14="http://schemas.microsoft.com/office/powerpoint/2010/main" val="4037159500"/>
+      </p:ext>
+    </p:extLst>
+  </p:cSld>
+  <p:clrMapOvr>
+    <a:masterClrMapping/>
+  </p:clrMapOvr>
+</p:sld>
+</file>
+
+<file path=ppt/slides/slide5.xml><?xml version="1.0" encoding="utf-8"?>
+<p:sld xmlns:a="http://schemas.openxmlformats.org/drawingml/2006/main" xmlns:r="http://schemas.openxmlformats.org/officeDocument/2006/relationships" xmlns:p="http://schemas.openxmlformats.org/presentationml/2006/main">
+  <p:cSld>
+    <p:bg>
+      <p:bgPr>
+        <a:solidFill>
+          <a:schemeClr val="bg1"/>
+        </a:solidFill>
+        <a:effectLst/>
+      </p:bgPr>
+    </p:bg>
+    <p:spTree>
+      <p:nvGrpSpPr>
+        <p:cNvPr id="1" name=""/>
+        <p:cNvGrpSpPr/>
+        <p:nvPr/>
+      </p:nvGrpSpPr>
+      <p:grpSpPr>
+        <a:xfrm>
+          <a:off x="0" y="0"/>
+          <a:ext cx="0" cy="0"/>
+          <a:chOff x="0" y="0"/>
+          <a:chExt cx="0" cy="0"/>
+        </a:xfrm>
+      </p:grpSpPr>
+      <p:sp>
+        <p:nvSpPr>
+          <p:cNvPr id="2" name="Title 1"/>
+          <p:cNvSpPr>
+            <a:spLocks noGrp="1"/>
+          </p:cNvSpPr>
+          <p:nvPr>
+            <p:ph type="title"/>
+          </p:nvPr>
+        </p:nvSpPr>
+        <p:spPr/>
+        <p:txBody>
+          <a:bodyPr/>
+          <a:lstStyle/>
+          <a:p>
+            <a:pPr algn="ctr"/>
+            <a:r>
+              <a:rPr lang="en-US" dirty="0"/>
               <a:t>Design</a:t>
             </a:r>
           </a:p>
@@ -11545,7 +14222,7 @@
         </p:nvSpPr>
         <p:spPr>
           <a:xfrm>
-            <a:off x="9566474" y="3033751"/>
+            <a:off x="3128710" y="3033751"/>
             <a:ext cx="1367883" cy="830766"/>
           </a:xfrm>
           <a:prstGeom prst="rect">
@@ -11595,7 +14272,7 @@
         </p:nvCxnSpPr>
         <p:spPr>
           <a:xfrm>
-            <a:off x="10250417" y="3933641"/>
+            <a:off x="3803422" y="3933641"/>
             <a:ext cx="0" cy="391793"/>
           </a:xfrm>
           <a:prstGeom prst="straightConnector1">
@@ -11628,7 +14305,7 @@
         </p:nvSpPr>
         <p:spPr>
           <a:xfrm>
-            <a:off x="9557213" y="4325434"/>
+            <a:off x="3054802" y="4325434"/>
             <a:ext cx="1527719" cy="830766"/>
           </a:xfrm>
           <a:prstGeom prst="rect">
@@ -11678,7 +14355,7 @@
         </p:nvSpPr>
         <p:spPr>
           <a:xfrm>
-            <a:off x="9581375" y="5552068"/>
+            <a:off x="3077813" y="5552068"/>
             <a:ext cx="1479396" cy="1092820"/>
           </a:xfrm>
           <a:prstGeom prst="rect">
@@ -11731,9 +14408,9 @@
           <p:nvPr/>
         </p:nvCxnSpPr>
         <p:spPr>
-          <a:xfrm>
-            <a:off x="10321073" y="5156200"/>
-            <a:ext cx="0" cy="395868"/>
+          <a:xfrm flipH="1">
+            <a:off x="3817511" y="5156200"/>
+            <a:ext cx="1151" cy="395868"/>
           </a:xfrm>
           <a:prstGeom prst="straightConnector1">
             <a:avLst/>
@@ -11759,71 +14436,100 @@
       </p:cxnSp>
       <p:sp>
         <p:nvSpPr>
-          <p:cNvPr id="14" name="TextBox 13"/>
-          <p:cNvSpPr txBox="1"/>
+          <p:cNvPr id="19" name="Rectangle 18"/>
+          <p:cNvSpPr/>
           <p:nvPr/>
         </p:nvSpPr>
         <p:spPr>
           <a:xfrm>
-            <a:off x="10413999" y="5224965"/>
-            <a:ext cx="646771" cy="369332"/>
+            <a:off x="3128709" y="1500673"/>
+            <a:ext cx="1367883" cy="1057294"/>
           </a:xfrm>
           <a:prstGeom prst="rect">
             <a:avLst/>
           </a:prstGeom>
-          <a:noFill/>
+          <a:solidFill>
+            <a:schemeClr val="bg1"/>
+          </a:solidFill>
         </p:spPr>
+        <p:style>
+          <a:lnRef idx="2">
+            <a:schemeClr val="accent1">
+              <a:shade val="50000"/>
+            </a:schemeClr>
+          </a:lnRef>
+          <a:fillRef idx="1">
+            <a:schemeClr val="accent1"/>
+          </a:fillRef>
+          <a:effectRef idx="0">
+            <a:schemeClr val="accent1"/>
+          </a:effectRef>
+          <a:fontRef idx="minor">
+            <a:schemeClr val="lt1"/>
+          </a:fontRef>
+        </p:style>
         <p:txBody>
-          <a:bodyPr wrap="square" rtlCol="0">
-            <a:spAutoFit/>
-          </a:bodyPr>
+          <a:bodyPr rtlCol="0" anchor="ctr"/>
           <a:lstStyle/>
           <a:p>
-            <a:r>
-              <a:rPr lang="en-US" dirty="0"/>
-              <a:t>Yes</a:t>
+            <a:pPr algn="ctr"/>
+            <a:r>
+              <a:rPr lang="en-US" dirty="0">
+                <a:solidFill>
+                  <a:schemeClr val="tx1"/>
+                </a:solidFill>
+              </a:rPr>
+              <a:t>Detect n/w prefetch variables</a:t>
             </a:r>
           </a:p>
         </p:txBody>
       </p:sp>
-      <p:sp>
-        <p:nvSpPr>
-          <p:cNvPr id="15" name="TextBox 14"/>
-          <p:cNvSpPr txBox="1"/>
+      <p:cxnSp>
+        <p:nvCxnSpPr>
+          <p:cNvPr id="20" name="Straight Arrow Connector 19"/>
+          <p:cNvCxnSpPr>
+            <a:cxnSpLocks/>
+            <a:stCxn id="19" idx="2"/>
+            <a:endCxn id="5" idx="0"/>
+          </p:cNvCxnSpPr>
           <p:nvPr/>
-        </p:nvSpPr>
+        </p:nvCxnSpPr>
         <p:spPr>
           <a:xfrm>
-            <a:off x="9075330" y="4325434"/>
-            <a:ext cx="646771" cy="369332"/>
+            <a:off x="3812651" y="2557967"/>
+            <a:ext cx="1" cy="475784"/>
           </a:xfrm>
-          <a:prstGeom prst="rect">
+          <a:prstGeom prst="straightConnector1">
             <a:avLst/>
           </a:prstGeom>
-          <a:noFill/>
+          <a:ln>
+            <a:tailEnd type="triangle"/>
+          </a:ln>
         </p:spPr>
-        <p:txBody>
-          <a:bodyPr wrap="square" rtlCol="0">
-            <a:spAutoFit/>
-          </a:bodyPr>
-          <a:lstStyle/>
-          <a:p>
-            <a:r>
-              <a:rPr lang="en-US" dirty="0"/>
-              <a:t>No</a:t>
-            </a:r>
-          </a:p>
-        </p:txBody>
-      </p:sp>
-      <p:sp>
-        <p:nvSpPr>
-          <p:cNvPr id="16" name="Rectangle 15"/>
+        <p:style>
+          <a:lnRef idx="1">
+            <a:schemeClr val="accent1"/>
+          </a:lnRef>
+          <a:fillRef idx="0">
+            <a:schemeClr val="accent1"/>
+          </a:fillRef>
+          <a:effectRef idx="0">
+            <a:schemeClr val="accent1"/>
+          </a:effectRef>
+          <a:fontRef idx="minor">
+            <a:schemeClr val="tx1"/>
+          </a:fontRef>
+        </p:style>
+      </p:cxnSp>
+      <p:sp>
+        <p:nvSpPr>
+          <p:cNvPr id="25" name="Rectangle 24"/>
           <p:cNvSpPr/>
           <p:nvPr/>
         </p:nvSpPr>
         <p:spPr>
           <a:xfrm>
-            <a:off x="5980310" y="3656362"/>
+            <a:off x="8589027" y="4209599"/>
             <a:ext cx="2675177" cy="1060706"/>
           </a:xfrm>
           <a:prstGeom prst="rect">
@@ -11860,107 +14566,20 @@
                   <a:schemeClr val="tx1"/>
                 </a:solidFill>
               </a:rPr>
-              <a:t>Store the URL (url2) and corresponding variable (var2)</a:t>
+              <a:t>Use of prefetch variable (var2) detected </a:t>
             </a:r>
           </a:p>
         </p:txBody>
       </p:sp>
       <p:sp>
         <p:nvSpPr>
-          <p:cNvPr id="19" name="Rectangle 18"/>
+          <p:cNvPr id="21" name="Rectangle 20"/>
           <p:cNvSpPr/>
           <p:nvPr/>
         </p:nvSpPr>
         <p:spPr>
           <a:xfrm>
-            <a:off x="9566473" y="1500673"/>
-            <a:ext cx="1367883" cy="1057294"/>
-          </a:xfrm>
-          <a:prstGeom prst="rect">
-            <a:avLst/>
-          </a:prstGeom>
-          <a:solidFill>
-            <a:schemeClr val="bg1"/>
-          </a:solidFill>
-        </p:spPr>
-        <p:style>
-          <a:lnRef idx="2">
-            <a:schemeClr val="accent1">
-              <a:shade val="50000"/>
-            </a:schemeClr>
-          </a:lnRef>
-          <a:fillRef idx="1">
-            <a:schemeClr val="accent1"/>
-          </a:fillRef>
-          <a:effectRef idx="0">
-            <a:schemeClr val="accent1"/>
-          </a:effectRef>
-          <a:fontRef idx="minor">
-            <a:schemeClr val="lt1"/>
-          </a:fontRef>
-        </p:style>
-        <p:txBody>
-          <a:bodyPr rtlCol="0" anchor="ctr"/>
-          <a:lstStyle/>
-          <a:p>
-            <a:pPr algn="ctr"/>
-            <a:r>
-              <a:rPr lang="en-US" dirty="0">
-                <a:solidFill>
-                  <a:schemeClr val="tx1"/>
-                </a:solidFill>
-              </a:rPr>
-              <a:t>Detect n/w prefetch variables</a:t>
-            </a:r>
-          </a:p>
-        </p:txBody>
-      </p:sp>
-      <p:cxnSp>
-        <p:nvCxnSpPr>
-          <p:cNvPr id="20" name="Straight Arrow Connector 19"/>
-          <p:cNvCxnSpPr>
-            <a:cxnSpLocks/>
-            <a:stCxn id="19" idx="2"/>
-            <a:endCxn id="5" idx="0"/>
-          </p:cNvCxnSpPr>
-          <p:nvPr/>
-        </p:nvCxnSpPr>
-        <p:spPr>
-          <a:xfrm>
-            <a:off x="10250415" y="2557967"/>
-            <a:ext cx="1" cy="475784"/>
-          </a:xfrm>
-          <a:prstGeom prst="straightConnector1">
-            <a:avLst/>
-          </a:prstGeom>
-          <a:ln>
-            <a:tailEnd type="triangle"/>
-          </a:ln>
-        </p:spPr>
-        <p:style>
-          <a:lnRef idx="1">
-            <a:schemeClr val="accent1"/>
-          </a:lnRef>
-          <a:fillRef idx="0">
-            <a:schemeClr val="accent1"/>
-          </a:fillRef>
-          <a:effectRef idx="0">
-            <a:schemeClr val="accent1"/>
-          </a:effectRef>
-          <a:fontRef idx="minor">
-            <a:schemeClr val="tx1"/>
-          </a:fontRef>
-        </p:style>
-      </p:cxnSp>
-      <p:sp>
-        <p:nvSpPr>
-          <p:cNvPr id="25" name="Rectangle 24"/>
-          <p:cNvSpPr/>
-          <p:nvPr/>
-        </p:nvSpPr>
-        <p:spPr>
-          <a:xfrm>
-            <a:off x="3117539" y="3657809"/>
+            <a:off x="5101788" y="4209599"/>
             <a:ext cx="2675177" cy="1060706"/>
           </a:xfrm>
           <a:prstGeom prst="rect">
@@ -11997,23 +14616,60 @@
                   <a:schemeClr val="tx1"/>
                 </a:solidFill>
               </a:rPr>
-              <a:t>Use of prefetch variable (var2) detected </a:t>
+              <a:t>Store the URL (url2) and corresponding variable (var2)</a:t>
             </a:r>
           </a:p>
         </p:txBody>
       </p:sp>
       <p:cxnSp>
         <p:nvCxnSpPr>
-          <p:cNvPr id="27" name="Straight Arrow Connector 26"/>
+          <p:cNvPr id="10" name="Connector: Elbow 9"/>
           <p:cNvCxnSpPr>
-            <a:endCxn id="9" idx="1"/>
+            <a:stCxn id="25" idx="2"/>
+            <a:endCxn id="9" idx="3"/>
           </p:cNvCxnSpPr>
           <p:nvPr/>
         </p:nvCxnSpPr>
         <p:spPr>
-          <a:xfrm>
-            <a:off x="4444380" y="4740817"/>
-            <a:ext cx="5136995" cy="1357661"/>
+          <a:xfrm rot="5400000">
+            <a:off x="6827827" y="2999688"/>
+            <a:ext cx="828173" cy="5369407"/>
+          </a:xfrm>
+          <a:prstGeom prst="bentConnector2">
+            <a:avLst/>
+          </a:prstGeom>
+          <a:ln>
+            <a:tailEnd type="triangle"/>
+          </a:ln>
+        </p:spPr>
+        <p:style>
+          <a:lnRef idx="1">
+            <a:schemeClr val="accent1"/>
+          </a:lnRef>
+          <a:fillRef idx="0">
+            <a:schemeClr val="accent1"/>
+          </a:fillRef>
+          <a:effectRef idx="0">
+            <a:schemeClr val="accent1"/>
+          </a:effectRef>
+          <a:fontRef idx="minor">
+            <a:schemeClr val="tx1"/>
+          </a:fontRef>
+        </p:style>
+      </p:cxnSp>
+      <p:cxnSp>
+        <p:nvCxnSpPr>
+          <p:cNvPr id="13" name="Straight Arrow Connector 12"/>
+          <p:cNvCxnSpPr>
+            <a:stCxn id="8" idx="3"/>
+            <a:endCxn id="21" idx="1"/>
+          </p:cNvCxnSpPr>
+          <p:nvPr/>
+        </p:nvCxnSpPr>
+        <p:spPr>
+          <a:xfrm flipV="1">
+            <a:off x="4582521" y="4739952"/>
+            <a:ext cx="519267" cy="865"/>
           </a:xfrm>
           <a:prstGeom prst="straightConnector1">
             <a:avLst/>
@@ -12039,53 +14695,17 @@
       </p:cxnSp>
       <p:cxnSp>
         <p:nvCxnSpPr>
-          <p:cNvPr id="29" name="Connector: Elbow 28"/>
+          <p:cNvPr id="23" name="Straight Arrow Connector 22"/>
           <p:cNvCxnSpPr>
-            <a:stCxn id="8" idx="1"/>
+            <a:stCxn id="21" idx="3"/>
+            <a:endCxn id="25" idx="1"/>
           </p:cNvCxnSpPr>
           <p:nvPr/>
         </p:nvCxnSpPr>
         <p:spPr>
-          <a:xfrm rot="10800000">
-            <a:off x="8640619" y="4191621"/>
-            <a:ext cx="916594" cy="549197"/>
-          </a:xfrm>
-          <a:prstGeom prst="bentConnector3">
-            <a:avLst/>
-          </a:prstGeom>
-          <a:ln>
-            <a:tailEnd type="triangle"/>
-          </a:ln>
-        </p:spPr>
-        <p:style>
-          <a:lnRef idx="1">
-            <a:schemeClr val="accent1"/>
-          </a:lnRef>
-          <a:fillRef idx="0">
-            <a:schemeClr val="accent1"/>
-          </a:fillRef>
-          <a:effectRef idx="0">
-            <a:schemeClr val="accent1"/>
-          </a:effectRef>
-          <a:fontRef idx="minor">
-            <a:schemeClr val="tx1"/>
-          </a:fontRef>
-        </p:style>
-      </p:cxnSp>
-      <p:cxnSp>
-        <p:nvCxnSpPr>
-          <p:cNvPr id="31" name="Straight Arrow Connector 30"/>
-          <p:cNvCxnSpPr>
-            <a:cxnSpLocks/>
-            <a:stCxn id="16" idx="1"/>
-            <a:endCxn id="25" idx="3"/>
-          </p:cNvCxnSpPr>
-          <p:nvPr/>
-        </p:nvCxnSpPr>
-        <p:spPr>
-          <a:xfrm flipH="1">
-            <a:off x="5792716" y="4186715"/>
-            <a:ext cx="187594" cy="1447"/>
+          <a:xfrm>
+            <a:off x="7776965" y="4739952"/>
+            <a:ext cx="812062" cy="0"/>
           </a:xfrm>
           <a:prstGeom prst="straightConnector1">
             <a:avLst/>
@@ -12109,6 +14729,64 @@
           </a:fontRef>
         </p:style>
       </p:cxnSp>
+      <p:sp>
+        <p:nvSpPr>
+          <p:cNvPr id="24" name="TextBox 23"/>
+          <p:cNvSpPr txBox="1"/>
+          <p:nvPr/>
+        </p:nvSpPr>
+        <p:spPr>
+          <a:xfrm>
+            <a:off x="3153766" y="5156200"/>
+            <a:ext cx="561372" cy="369332"/>
+          </a:xfrm>
+          <a:prstGeom prst="rect">
+            <a:avLst/>
+          </a:prstGeom>
+          <a:noFill/>
+        </p:spPr>
+        <p:txBody>
+          <a:bodyPr wrap="none" rtlCol="0">
+            <a:spAutoFit/>
+          </a:bodyPr>
+          <a:lstStyle/>
+          <a:p>
+            <a:r>
+              <a:rPr lang="en-US" dirty="0"/>
+              <a:t>Yes</a:t>
+            </a:r>
+          </a:p>
+        </p:txBody>
+      </p:sp>
+      <p:sp>
+        <p:nvSpPr>
+          <p:cNvPr id="30" name="TextBox 29"/>
+          <p:cNvSpPr txBox="1"/>
+          <p:nvPr/>
+        </p:nvSpPr>
+        <p:spPr>
+          <a:xfrm>
+            <a:off x="4565727" y="4370620"/>
+            <a:ext cx="506870" cy="369332"/>
+          </a:xfrm>
+          <a:prstGeom prst="rect">
+            <a:avLst/>
+          </a:prstGeom>
+          <a:noFill/>
+        </p:spPr>
+        <p:txBody>
+          <a:bodyPr wrap="none" rtlCol="0">
+            <a:spAutoFit/>
+          </a:bodyPr>
+          <a:lstStyle/>
+          <a:p>
+            <a:r>
+              <a:rPr lang="en-US" dirty="0"/>
+              <a:t>No</a:t>
+            </a:r>
+          </a:p>
+        </p:txBody>
+      </p:sp>
     </p:spTree>
     <p:extLst>
       <p:ext uri="{BB962C8B-B14F-4D97-AF65-F5344CB8AC3E}">
@@ -12119,17 +14797,10 @@
   <p:clrMapOvr>
     <a:masterClrMapping/>
   </p:clrMapOvr>
-  <p:timing>
-    <p:tnLst>
-      <p:par>
-        <p:cTn id="1" dur="indefinite" restart="never" nodeType="tmRoot"/>
-      </p:par>
-    </p:tnLst>
-  </p:timing>
 </p:sld>
 </file>
 
-<file path=ppt/slides/slide5.xml><?xml version="1.0" encoding="utf-8"?>
+<file path=ppt/slides/slide6.xml><?xml version="1.0" encoding="utf-8"?>
 <p:sld xmlns:a="http://schemas.openxmlformats.org/drawingml/2006/main" xmlns:r="http://schemas.openxmlformats.org/officeDocument/2006/relationships" xmlns:p="http://schemas.openxmlformats.org/presentationml/2006/main">
   <p:cSld>
     <p:bg>
@@ -12318,17 +14989,10 @@
   <p:clrMapOvr>
     <a:masterClrMapping/>
   </p:clrMapOvr>
-  <p:timing>
-    <p:tnLst>
-      <p:par>
-        <p:cTn id="1" dur="indefinite" restart="never" nodeType="tmRoot"/>
-      </p:par>
-    </p:tnLst>
-  </p:timing>
 </p:sld>
 </file>
 
-<file path=ppt/slides/slide6.xml><?xml version="1.0" encoding="utf-8"?>
+<file path=ppt/slides/slide7.xml><?xml version="1.0" encoding="utf-8"?>
 <p:sld xmlns:a="http://schemas.openxmlformats.org/drawingml/2006/main" xmlns:r="http://schemas.openxmlformats.org/officeDocument/2006/relationships" xmlns:p="http://schemas.openxmlformats.org/presentationml/2006/main">
   <p:cSld>
     <p:bg>
@@ -12497,14 +15161,7 @@
           </a:lstStyle>
           <a:p>
             <a:r>
-              <a:rPr lang="en-US" dirty="0">
-                <a:solidFill>
-                  <a:schemeClr val="tx1">
-                    <a:lumMod val="85000"/>
-                    <a:lumOff val="15000"/>
-                  </a:schemeClr>
-                </a:solidFill>
-              </a:rPr>
+              <a:rPr lang="en-US" dirty="0"/>
               <a:t>Method – Static Analysis: General</a:t>
             </a:r>
           </a:p>
@@ -12700,7 +15357,7 @@
           <a:p>
             <a:pPr algn="ctr"/>
             <a:r>
-              <a:rPr lang="en-US" dirty="0" smtClean="0">
+              <a:rPr lang="en-US">
                 <a:solidFill>
                   <a:schemeClr val="tx1"/>
                 </a:solidFill>
@@ -12708,20 +15365,20 @@
               <a:t>Procrastinate </a:t>
             </a:r>
             <a:r>
-              <a:rPr lang="en-US" dirty="0" err="1" smtClean="0">
+              <a:rPr lang="en-US" dirty="0">
                 <a:solidFill>
                   <a:schemeClr val="tx1"/>
                 </a:solidFill>
               </a:rPr>
-              <a:t>Prefetch</a:t>
-            </a:r>
-            <a:r>
-              <a:rPr lang="en-US" dirty="0" smtClean="0">
+              <a:t>p</a:t>
+            </a:r>
+            <a:r>
+              <a:rPr lang="en-US">
                 <a:solidFill>
                   <a:schemeClr val="tx1"/>
                 </a:solidFill>
               </a:rPr>
-              <a:t> call For this Variable</a:t>
+              <a:t>refetch call for this variable</a:t>
             </a:r>
             <a:endParaRPr lang="en-US" dirty="0">
               <a:solidFill>
@@ -13007,17 +15664,10 @@
   <p:clrMapOvr>
     <a:masterClrMapping/>
   </p:clrMapOvr>
-  <p:timing>
-    <p:tnLst>
-      <p:par>
-        <p:cTn id="1" dur="indefinite" restart="never" nodeType="tmRoot"/>
-      </p:par>
-    </p:tnLst>
-  </p:timing>
 </p:sld>
 </file>
 
-<file path=ppt/slides/slide7.xml><?xml version="1.0" encoding="utf-8"?>
+<file path=ppt/slides/slide8.xml><?xml version="1.0" encoding="utf-8"?>
 <p:sld xmlns:a="http://schemas.openxmlformats.org/drawingml/2006/main" xmlns:r="http://schemas.openxmlformats.org/officeDocument/2006/relationships" xmlns:p="http://schemas.openxmlformats.org/presentationml/2006/main">
   <p:cSld>
     <p:bg>
@@ -13070,44 +15720,53 @@
           </a:p>
         </p:txBody>
       </p:sp>
-      <p:pic>
-        <p:nvPicPr>
-          <p:cNvPr id="19" name="Content Placeholder 18" descr="Saw blade"/>
-          <p:cNvPicPr>
-            <a:picLocks noGrp="1" noChangeAspect="1"/>
-          </p:cNvPicPr>
-          <p:nvPr>
-            <p:ph idx="1"/>
-          </p:nvPr>
-        </p:nvPicPr>
-        <p:blipFill>
-          <a:blip r:embed="rId2">
-            <a:extLst>
-              <a:ext uri="{96DAC541-7B7A-43D3-8B79-37D633B846F1}">
-                <asvg:svgBlip xmlns:asvg="http://schemas.microsoft.com/office/drawing/2016/SVG/main" xmlns="" r:embed="rId3"/>
-              </a:ext>
-            </a:extLst>
-          </a:blip>
-          <a:stretch>
-            <a:fillRect/>
-          </a:stretch>
-        </p:blipFill>
+      <p:sp>
+        <p:nvSpPr>
+          <p:cNvPr id="20" name="TextBox 19"/>
+          <p:cNvSpPr txBox="1"/>
+          <p:nvPr/>
+        </p:nvSpPr>
         <p:spPr>
           <a:xfrm>
-            <a:off x="9443011" y="3392721"/>
-            <a:ext cx="1445861" cy="1445861"/>
+            <a:off x="1788804" y="4361263"/>
+            <a:ext cx="1665249" cy="830997"/>
           </a:xfrm>
+          <a:prstGeom prst="rect">
+            <a:avLst/>
+          </a:prstGeom>
+          <a:noFill/>
         </p:spPr>
-      </p:pic>
-      <p:sp>
-        <p:nvSpPr>
-          <p:cNvPr id="4" name="Rectangle 3"/>
+        <p:txBody>
+          <a:bodyPr wrap="square" rtlCol="0">
+            <a:spAutoFit/>
+          </a:bodyPr>
+          <a:lstStyle/>
+          <a:p>
+            <a:pPr algn="ctr"/>
+            <a:r>
+              <a:rPr lang="en-US" sz="1600" dirty="0" err="1"/>
+              <a:t>ViewPrefetch</a:t>
+            </a:r>
+            <a:endParaRPr lang="en-US" sz="1600" dirty="0"/>
+          </a:p>
+          <a:p>
+            <a:pPr algn="ctr"/>
+            <a:r>
+              <a:rPr lang="en-US" sz="1600" dirty="0"/>
+              <a:t>Correlation Score</a:t>
+            </a:r>
+          </a:p>
+        </p:txBody>
+      </p:sp>
+      <p:sp>
+        <p:nvSpPr>
+          <p:cNvPr id="21" name="Rectangle 20"/>
           <p:cNvSpPr/>
           <p:nvPr/>
         </p:nvSpPr>
         <p:spPr>
           <a:xfrm>
-            <a:off x="8671646" y="2813746"/>
+            <a:off x="3507399" y="2655062"/>
             <a:ext cx="1367883" cy="830766"/>
           </a:xfrm>
           <a:prstGeom prst="rect">
@@ -13151,13 +15810,13 @@
       </p:sp>
       <p:cxnSp>
         <p:nvCxnSpPr>
-          <p:cNvPr id="5" name="Straight Arrow Connector 4"/>
+          <p:cNvPr id="22" name="Straight Arrow Connector 21"/>
           <p:cNvCxnSpPr/>
           <p:nvPr/>
         </p:nvCxnSpPr>
         <p:spPr>
           <a:xfrm>
-            <a:off x="9355589" y="3713636"/>
+            <a:off x="4182111" y="3554952"/>
             <a:ext cx="0" cy="391793"/>
           </a:xfrm>
           <a:prstGeom prst="straightConnector1">
@@ -13184,13 +15843,13 @@
       </p:cxnSp>
       <p:sp>
         <p:nvSpPr>
-          <p:cNvPr id="6" name="Rectangle 5"/>
+          <p:cNvPr id="23" name="Rectangle 22"/>
           <p:cNvSpPr/>
           <p:nvPr/>
         </p:nvSpPr>
         <p:spPr>
           <a:xfrm>
-            <a:off x="8662385" y="4105429"/>
+            <a:off x="3433491" y="3946745"/>
             <a:ext cx="1527719" cy="830766"/>
           </a:xfrm>
           <a:prstGeom prst="rect">
@@ -13234,13 +15893,13 @@
       </p:sp>
       <p:sp>
         <p:nvSpPr>
-          <p:cNvPr id="7" name="Rectangle 6"/>
+          <p:cNvPr id="24" name="Rectangle 23"/>
           <p:cNvSpPr/>
           <p:nvPr/>
         </p:nvSpPr>
         <p:spPr>
           <a:xfrm>
-            <a:off x="8686547" y="5332063"/>
+            <a:off x="3456502" y="5173379"/>
             <a:ext cx="1479396" cy="1092820"/>
           </a:xfrm>
           <a:prstGeom prst="rect">
@@ -13284,18 +15943,18 @@
       </p:sp>
       <p:cxnSp>
         <p:nvCxnSpPr>
-          <p:cNvPr id="8" name="Straight Arrow Connector 7"/>
+          <p:cNvPr id="25" name="Straight Arrow Connector 24"/>
           <p:cNvCxnSpPr>
             <a:cxnSpLocks/>
-            <a:stCxn id="6" idx="2"/>
-            <a:endCxn id="7" idx="0"/>
+            <a:stCxn id="23" idx="2"/>
+            <a:endCxn id="24" idx="0"/>
           </p:cNvCxnSpPr>
           <p:nvPr/>
         </p:nvCxnSpPr>
         <p:spPr>
-          <a:xfrm>
-            <a:off x="9426245" y="4936195"/>
-            <a:ext cx="0" cy="395868"/>
+          <a:xfrm flipH="1">
+            <a:off x="4196200" y="4777511"/>
+            <a:ext cx="1151" cy="395868"/>
           </a:xfrm>
           <a:prstGeom prst="straightConnector1">
             <a:avLst/>
@@ -13321,71 +15980,100 @@
       </p:cxnSp>
       <p:sp>
         <p:nvSpPr>
-          <p:cNvPr id="9" name="TextBox 8"/>
-          <p:cNvSpPr txBox="1"/>
+          <p:cNvPr id="26" name="Rectangle 25"/>
+          <p:cNvSpPr/>
           <p:nvPr/>
         </p:nvSpPr>
         <p:spPr>
           <a:xfrm>
-            <a:off x="9519171" y="5004960"/>
-            <a:ext cx="646771" cy="369332"/>
+            <a:off x="3507398" y="1121984"/>
+            <a:ext cx="1367883" cy="1057294"/>
           </a:xfrm>
           <a:prstGeom prst="rect">
             <a:avLst/>
           </a:prstGeom>
-          <a:noFill/>
+          <a:solidFill>
+            <a:schemeClr val="bg1"/>
+          </a:solidFill>
         </p:spPr>
+        <p:style>
+          <a:lnRef idx="2">
+            <a:schemeClr val="accent1">
+              <a:shade val="50000"/>
+            </a:schemeClr>
+          </a:lnRef>
+          <a:fillRef idx="1">
+            <a:schemeClr val="accent1"/>
+          </a:fillRef>
+          <a:effectRef idx="0">
+            <a:schemeClr val="accent1"/>
+          </a:effectRef>
+          <a:fontRef idx="minor">
+            <a:schemeClr val="lt1"/>
+          </a:fontRef>
+        </p:style>
         <p:txBody>
-          <a:bodyPr wrap="square" rtlCol="0">
-            <a:spAutoFit/>
-          </a:bodyPr>
+          <a:bodyPr rtlCol="0" anchor="ctr"/>
           <a:lstStyle/>
           <a:p>
-            <a:r>
-              <a:rPr lang="en-US" dirty="0"/>
-              <a:t>Yes</a:t>
+            <a:pPr algn="ctr"/>
+            <a:r>
+              <a:rPr lang="en-US" dirty="0">
+                <a:solidFill>
+                  <a:schemeClr val="tx1"/>
+                </a:solidFill>
+              </a:rPr>
+              <a:t>Detect n/w prefetch variables</a:t>
             </a:r>
           </a:p>
         </p:txBody>
       </p:sp>
-      <p:sp>
-        <p:nvSpPr>
-          <p:cNvPr id="10" name="TextBox 9"/>
-          <p:cNvSpPr txBox="1"/>
+      <p:cxnSp>
+        <p:nvCxnSpPr>
+          <p:cNvPr id="27" name="Straight Arrow Connector 26"/>
+          <p:cNvCxnSpPr>
+            <a:cxnSpLocks/>
+            <a:stCxn id="26" idx="2"/>
+            <a:endCxn id="21" idx="0"/>
+          </p:cNvCxnSpPr>
           <p:nvPr/>
-        </p:nvSpPr>
+        </p:nvCxnSpPr>
         <p:spPr>
           <a:xfrm>
-            <a:off x="8180502" y="4105429"/>
-            <a:ext cx="646771" cy="369332"/>
+            <a:off x="4191340" y="2179278"/>
+            <a:ext cx="1" cy="475784"/>
           </a:xfrm>
-          <a:prstGeom prst="rect">
+          <a:prstGeom prst="straightConnector1">
             <a:avLst/>
           </a:prstGeom>
-          <a:noFill/>
+          <a:ln>
+            <a:tailEnd type="triangle"/>
+          </a:ln>
         </p:spPr>
-        <p:txBody>
-          <a:bodyPr wrap="square" rtlCol="0">
-            <a:spAutoFit/>
-          </a:bodyPr>
-          <a:lstStyle/>
-          <a:p>
-            <a:r>
-              <a:rPr lang="en-US" dirty="0"/>
-              <a:t>No</a:t>
-            </a:r>
-          </a:p>
-        </p:txBody>
-      </p:sp>
-      <p:sp>
-        <p:nvSpPr>
-          <p:cNvPr id="11" name="Rectangle 10"/>
+        <p:style>
+          <a:lnRef idx="1">
+            <a:schemeClr val="accent1"/>
+          </a:lnRef>
+          <a:fillRef idx="0">
+            <a:schemeClr val="accent1"/>
+          </a:fillRef>
+          <a:effectRef idx="0">
+            <a:schemeClr val="accent1"/>
+          </a:effectRef>
+          <a:fontRef idx="minor">
+            <a:schemeClr val="tx1"/>
+          </a:fontRef>
+        </p:style>
+      </p:cxnSp>
+      <p:sp>
+        <p:nvSpPr>
+          <p:cNvPr id="28" name="Rectangle 27"/>
           <p:cNvSpPr/>
           <p:nvPr/>
         </p:nvSpPr>
         <p:spPr>
           <a:xfrm>
-            <a:off x="5085482" y="3436357"/>
+            <a:off x="8967716" y="3830910"/>
             <a:ext cx="2675177" cy="1060706"/>
           </a:xfrm>
           <a:prstGeom prst="rect">
@@ -13422,107 +16110,20 @@
                   <a:schemeClr val="tx1"/>
                 </a:solidFill>
               </a:rPr>
-              <a:t>Store the URL (url2) and corresponding variable (var2)</a:t>
+              <a:t>Use of prefetch variable (var2) detected </a:t>
             </a:r>
           </a:p>
         </p:txBody>
       </p:sp>
       <p:sp>
         <p:nvSpPr>
-          <p:cNvPr id="12" name="Rectangle 11"/>
+          <p:cNvPr id="29" name="Rectangle 28"/>
           <p:cNvSpPr/>
           <p:nvPr/>
         </p:nvSpPr>
         <p:spPr>
           <a:xfrm>
-            <a:off x="8671645" y="1280668"/>
-            <a:ext cx="1367883" cy="1057294"/>
-          </a:xfrm>
-          <a:prstGeom prst="rect">
-            <a:avLst/>
-          </a:prstGeom>
-          <a:solidFill>
-            <a:schemeClr val="bg1"/>
-          </a:solidFill>
-        </p:spPr>
-        <p:style>
-          <a:lnRef idx="2">
-            <a:schemeClr val="accent1">
-              <a:shade val="50000"/>
-            </a:schemeClr>
-          </a:lnRef>
-          <a:fillRef idx="1">
-            <a:schemeClr val="accent1"/>
-          </a:fillRef>
-          <a:effectRef idx="0">
-            <a:schemeClr val="accent1"/>
-          </a:effectRef>
-          <a:fontRef idx="minor">
-            <a:schemeClr val="lt1"/>
-          </a:fontRef>
-        </p:style>
-        <p:txBody>
-          <a:bodyPr rtlCol="0" anchor="ctr"/>
-          <a:lstStyle/>
-          <a:p>
-            <a:pPr algn="ctr"/>
-            <a:r>
-              <a:rPr lang="en-US" dirty="0">
-                <a:solidFill>
-                  <a:schemeClr val="tx1"/>
-                </a:solidFill>
-              </a:rPr>
-              <a:t>Detect n/w prefetch variables</a:t>
-            </a:r>
-          </a:p>
-        </p:txBody>
-      </p:sp>
-      <p:cxnSp>
-        <p:nvCxnSpPr>
-          <p:cNvPr id="13" name="Straight Arrow Connector 12"/>
-          <p:cNvCxnSpPr>
-            <a:cxnSpLocks/>
-            <a:stCxn id="12" idx="2"/>
-            <a:endCxn id="4" idx="0"/>
-          </p:cNvCxnSpPr>
-          <p:nvPr/>
-        </p:nvCxnSpPr>
-        <p:spPr>
-          <a:xfrm>
-            <a:off x="9355587" y="2337962"/>
-            <a:ext cx="1" cy="475784"/>
-          </a:xfrm>
-          <a:prstGeom prst="straightConnector1">
-            <a:avLst/>
-          </a:prstGeom>
-          <a:ln>
-            <a:tailEnd type="triangle"/>
-          </a:ln>
-        </p:spPr>
-        <p:style>
-          <a:lnRef idx="1">
-            <a:schemeClr val="accent1"/>
-          </a:lnRef>
-          <a:fillRef idx="0">
-            <a:schemeClr val="accent1"/>
-          </a:fillRef>
-          <a:effectRef idx="0">
-            <a:schemeClr val="accent1"/>
-          </a:effectRef>
-          <a:fontRef idx="minor">
-            <a:schemeClr val="tx1"/>
-          </a:fontRef>
-        </p:style>
-      </p:cxnSp>
-      <p:sp>
-        <p:nvSpPr>
-          <p:cNvPr id="14" name="Rectangle 13"/>
-          <p:cNvSpPr/>
-          <p:nvPr/>
-        </p:nvSpPr>
-        <p:spPr>
-          <a:xfrm>
-            <a:off x="2222711" y="3437804"/>
+            <a:off x="5480477" y="3830910"/>
             <a:ext cx="2675177" cy="1060706"/>
           </a:xfrm>
           <a:prstGeom prst="rect">
@@ -13559,23 +16160,60 @@
                   <a:schemeClr val="tx1"/>
                 </a:solidFill>
               </a:rPr>
-              <a:t>Use of prefetch variable (var2) detected </a:t>
+              <a:t>Store the URL (url2) and corresponding variable (var2)</a:t>
             </a:r>
           </a:p>
         </p:txBody>
       </p:sp>
       <p:cxnSp>
         <p:nvCxnSpPr>
-          <p:cNvPr id="15" name="Straight Arrow Connector 14"/>
+          <p:cNvPr id="30" name="Connector: Elbow 29"/>
           <p:cNvCxnSpPr>
-            <a:endCxn id="7" idx="1"/>
+            <a:stCxn id="28" idx="2"/>
+            <a:endCxn id="24" idx="3"/>
           </p:cNvCxnSpPr>
           <p:nvPr/>
         </p:nvCxnSpPr>
         <p:spPr>
-          <a:xfrm>
-            <a:off x="3549552" y="4520812"/>
-            <a:ext cx="5136995" cy="1357661"/>
+          <a:xfrm rot="5400000">
+            <a:off x="7206516" y="2620999"/>
+            <a:ext cx="828173" cy="5369407"/>
+          </a:xfrm>
+          <a:prstGeom prst="bentConnector2">
+            <a:avLst/>
+          </a:prstGeom>
+          <a:ln>
+            <a:tailEnd type="triangle"/>
+          </a:ln>
+        </p:spPr>
+        <p:style>
+          <a:lnRef idx="1">
+            <a:schemeClr val="accent1"/>
+          </a:lnRef>
+          <a:fillRef idx="0">
+            <a:schemeClr val="accent1"/>
+          </a:fillRef>
+          <a:effectRef idx="0">
+            <a:schemeClr val="accent1"/>
+          </a:effectRef>
+          <a:fontRef idx="minor">
+            <a:schemeClr val="tx1"/>
+          </a:fontRef>
+        </p:style>
+      </p:cxnSp>
+      <p:cxnSp>
+        <p:nvCxnSpPr>
+          <p:cNvPr id="31" name="Straight Arrow Connector 30"/>
+          <p:cNvCxnSpPr>
+            <a:stCxn id="23" idx="3"/>
+            <a:endCxn id="29" idx="1"/>
+          </p:cNvCxnSpPr>
+          <p:nvPr/>
+        </p:nvCxnSpPr>
+        <p:spPr>
+          <a:xfrm flipV="1">
+            <a:off x="4961210" y="4361263"/>
+            <a:ext cx="519267" cy="865"/>
           </a:xfrm>
           <a:prstGeom prst="straightConnector1">
             <a:avLst/>
@@ -13601,53 +16239,17 @@
       </p:cxnSp>
       <p:cxnSp>
         <p:nvCxnSpPr>
-          <p:cNvPr id="16" name="Connector: Elbow 15"/>
+          <p:cNvPr id="32" name="Straight Arrow Connector 31"/>
           <p:cNvCxnSpPr>
-            <a:stCxn id="6" idx="1"/>
+            <a:stCxn id="29" idx="3"/>
+            <a:endCxn id="28" idx="1"/>
           </p:cNvCxnSpPr>
           <p:nvPr/>
         </p:nvCxnSpPr>
         <p:spPr>
-          <a:xfrm rot="10800000">
-            <a:off x="7745791" y="3971616"/>
-            <a:ext cx="916594" cy="549197"/>
-          </a:xfrm>
-          <a:prstGeom prst="bentConnector3">
-            <a:avLst/>
-          </a:prstGeom>
-          <a:ln>
-            <a:tailEnd type="triangle"/>
-          </a:ln>
-        </p:spPr>
-        <p:style>
-          <a:lnRef idx="1">
-            <a:schemeClr val="accent1"/>
-          </a:lnRef>
-          <a:fillRef idx="0">
-            <a:schemeClr val="accent1"/>
-          </a:fillRef>
-          <a:effectRef idx="0">
-            <a:schemeClr val="accent1"/>
-          </a:effectRef>
-          <a:fontRef idx="minor">
-            <a:schemeClr val="tx1"/>
-          </a:fontRef>
-        </p:style>
-      </p:cxnSp>
-      <p:cxnSp>
-        <p:nvCxnSpPr>
-          <p:cNvPr id="17" name="Straight Arrow Connector 16"/>
-          <p:cNvCxnSpPr>
-            <a:cxnSpLocks/>
-            <a:stCxn id="11" idx="1"/>
-            <a:endCxn id="14" idx="3"/>
-          </p:cNvCxnSpPr>
-          <p:nvPr/>
-        </p:nvCxnSpPr>
-        <p:spPr>
-          <a:xfrm flipH="1">
-            <a:off x="4897888" y="3966710"/>
-            <a:ext cx="187594" cy="1447"/>
+          <a:xfrm>
+            <a:off x="8155654" y="4361263"/>
+            <a:ext cx="812062" cy="0"/>
           </a:xfrm>
           <a:prstGeom prst="straightConnector1">
             <a:avLst/>
@@ -13673,14 +16275,14 @@
       </p:cxnSp>
       <p:sp>
         <p:nvSpPr>
-          <p:cNvPr id="20" name="TextBox 19"/>
+          <p:cNvPr id="33" name="TextBox 32"/>
           <p:cNvSpPr txBox="1"/>
           <p:nvPr/>
         </p:nvSpPr>
         <p:spPr>
           <a:xfrm>
-            <a:off x="10671987" y="3968157"/>
-            <a:ext cx="1665249" cy="584775"/>
+            <a:off x="3532455" y="4777511"/>
+            <a:ext cx="561372" cy="369332"/>
           </a:xfrm>
           <a:prstGeom prst="rect">
             <a:avLst/>
@@ -13688,22 +16290,93 @@
           <a:noFill/>
         </p:spPr>
         <p:txBody>
-          <a:bodyPr wrap="square" rtlCol="0">
+          <a:bodyPr wrap="none" rtlCol="0">
             <a:spAutoFit/>
           </a:bodyPr>
           <a:lstStyle/>
           <a:p>
             <a:r>
-              <a:rPr lang="en-US" sz="1600" dirty="0" err="1"/>
-              <a:t>ViewPrefetch</a:t>
-            </a:r>
-            <a:endParaRPr lang="en-US" sz="1600" dirty="0"/>
-          </a:p>
-          <a:p>
-            <a:r>
-              <a:rPr lang="en-US" sz="1600" dirty="0"/>
-              <a:t>Correlation</a:t>
-            </a:r>
+              <a:rPr lang="en-US" dirty="0"/>
+              <a:t>Yes</a:t>
+            </a:r>
+          </a:p>
+        </p:txBody>
+      </p:sp>
+      <p:sp>
+        <p:nvSpPr>
+          <p:cNvPr id="34" name="TextBox 33"/>
+          <p:cNvSpPr txBox="1"/>
+          <p:nvPr/>
+        </p:nvSpPr>
+        <p:spPr>
+          <a:xfrm>
+            <a:off x="4944416" y="3991931"/>
+            <a:ext cx="506870" cy="369332"/>
+          </a:xfrm>
+          <a:prstGeom prst="rect">
+            <a:avLst/>
+          </a:prstGeom>
+          <a:noFill/>
+        </p:spPr>
+        <p:txBody>
+          <a:bodyPr wrap="none" rtlCol="0">
+            <a:spAutoFit/>
+          </a:bodyPr>
+          <a:lstStyle/>
+          <a:p>
+            <a:r>
+              <a:rPr lang="en-US" dirty="0"/>
+              <a:t>No</a:t>
+            </a:r>
+          </a:p>
+        </p:txBody>
+      </p:sp>
+      <p:pic>
+        <p:nvPicPr>
+          <p:cNvPr id="18" name="Graphic 17" descr="Gauge"/>
+          <p:cNvPicPr>
+            <a:picLocks noChangeAspect="1"/>
+          </p:cNvPicPr>
+          <p:nvPr/>
+        </p:nvPicPr>
+        <p:blipFill>
+          <a:blip r:embed="rId2">
+            <a:extLst>
+              <a:ext uri="{96DAC541-7B7A-43D3-8B79-37D633B846F1}">
+                <asvg:svgBlip xmlns:asvg="http://schemas.microsoft.com/office/drawing/2016/SVG/main" r:embed="rId3"/>
+              </a:ext>
+            </a:extLst>
+          </a:blip>
+          <a:stretch>
+            <a:fillRect/>
+          </a:stretch>
+        </p:blipFill>
+        <p:spPr>
+          <a:xfrm>
+            <a:off x="2080263" y="3586380"/>
+            <a:ext cx="914400" cy="914400"/>
+          </a:xfrm>
+          <a:prstGeom prst="rect">
+            <a:avLst/>
+          </a:prstGeom>
+        </p:spPr>
+      </p:pic>
+      <p:sp>
+        <p:nvSpPr>
+          <p:cNvPr id="36" name="Content Placeholder 35"/>
+          <p:cNvSpPr>
+            <a:spLocks noGrp="1"/>
+          </p:cNvSpPr>
+          <p:nvPr>
+            <p:ph idx="1"/>
+          </p:nvPr>
+        </p:nvSpPr>
+        <p:spPr/>
+        <p:txBody>
+          <a:bodyPr/>
+          <a:lstStyle/>
+          <a:p>
+            <a:endParaRPr lang="en-US"/>
           </a:p>
         </p:txBody>
       </p:sp>
@@ -13717,178 +16390,6 @@
   <p:clrMapOvr>
     <a:masterClrMapping/>
   </p:clrMapOvr>
-  <p:timing>
-    <p:tnLst>
-      <p:par>
-        <p:cTn id="1" dur="indefinite" restart="never" nodeType="tmRoot"/>
-      </p:par>
-    </p:tnLst>
-  </p:timing>
-</p:sld>
-</file>
-
-<file path=ppt/slides/slide8.xml><?xml version="1.0" encoding="utf-8"?>
-<p:sld xmlns:a="http://schemas.openxmlformats.org/drawingml/2006/main" xmlns:r="http://schemas.openxmlformats.org/officeDocument/2006/relationships" xmlns:p="http://schemas.openxmlformats.org/presentationml/2006/main">
-  <p:cSld>
-    <p:bg>
-      <p:bgPr>
-        <a:solidFill>
-          <a:schemeClr val="bg1"/>
-        </a:solidFill>
-        <a:effectLst/>
-      </p:bgPr>
-    </p:bg>
-    <p:spTree>
-      <p:nvGrpSpPr>
-        <p:cNvPr id="1" name=""/>
-        <p:cNvGrpSpPr/>
-        <p:nvPr/>
-      </p:nvGrpSpPr>
-      <p:grpSpPr>
-        <a:xfrm>
-          <a:off x="0" y="0"/>
-          <a:ext cx="0" cy="0"/>
-          <a:chOff x="0" y="0"/>
-          <a:chExt cx="0" cy="0"/>
-        </a:xfrm>
-      </p:grpSpPr>
-      <p:sp>
-        <p:nvSpPr>
-          <p:cNvPr id="2" name="Title 1"/>
-          <p:cNvSpPr>
-            <a:spLocks noGrp="1"/>
-          </p:cNvSpPr>
-          <p:nvPr>
-            <p:ph type="title"/>
-          </p:nvPr>
-        </p:nvSpPr>
-        <p:spPr/>
-        <p:txBody>
-          <a:bodyPr/>
-          <a:lstStyle/>
-          <a:p>
-            <a:pPr algn="ctr"/>
-            <a:r>
-              <a:rPr lang="en-US" dirty="0"/>
-              <a:t>View </a:t>
-            </a:r>
-            <a:r>
-              <a:rPr lang="en-US" dirty="0" err="1"/>
-              <a:t>Prefetch</a:t>
-            </a:r>
-            <a:r>
-              <a:rPr lang="en-US" dirty="0"/>
-              <a:t> </a:t>
-            </a:r>
-            <a:r>
-              <a:rPr lang="en-US" dirty="0" smtClean="0"/>
-              <a:t>Correlation (VPC)</a:t>
-            </a:r>
-            <a:endParaRPr lang="en-US" dirty="0"/>
-          </a:p>
-        </p:txBody>
-      </p:sp>
-      <p:sp>
-        <p:nvSpPr>
-          <p:cNvPr id="3" name="Content Placeholder 2"/>
-          <p:cNvSpPr>
-            <a:spLocks noGrp="1"/>
-          </p:cNvSpPr>
-          <p:nvPr>
-            <p:ph idx="1"/>
-          </p:nvPr>
-        </p:nvSpPr>
-        <p:spPr>
-          <a:xfrm>
-            <a:off x="2589212" y="1429789"/>
-            <a:ext cx="8915400" cy="4481433"/>
-          </a:xfrm>
-        </p:spPr>
-        <p:txBody>
-          <a:bodyPr>
-            <a:normAutofit/>
-          </a:bodyPr>
-          <a:lstStyle/>
-          <a:p>
-            <a:endParaRPr lang="en-US" sz="2400" dirty="0"/>
-          </a:p>
-          <a:p>
-            <a:r>
-              <a:rPr lang="en-US" sz="2400" dirty="0"/>
-              <a:t>Key Limitation: General User Adaptability</a:t>
-            </a:r>
-          </a:p>
-          <a:p>
-            <a:r>
-              <a:rPr lang="en-US" sz="2400" dirty="0"/>
-              <a:t>Proposed Solution: Perform Study of </a:t>
-            </a:r>
-            <a:r>
-              <a:rPr lang="en-US" sz="2400" dirty="0" err="1"/>
-              <a:t>Prefetch</a:t>
-            </a:r>
-            <a:r>
-              <a:rPr lang="en-US" sz="2400" dirty="0"/>
-              <a:t> Necessity using </a:t>
-            </a:r>
-            <a:r>
-              <a:rPr lang="en-US" sz="2400" dirty="0" smtClean="0"/>
-              <a:t>VPC</a:t>
-            </a:r>
-            <a:endParaRPr lang="en-US" sz="2400" dirty="0"/>
-          </a:p>
-          <a:p>
-            <a:r>
-              <a:rPr lang="en-US" sz="2400" dirty="0" smtClean="0"/>
-              <a:t>For </a:t>
-            </a:r>
-            <a:r>
-              <a:rPr lang="en-US" sz="2400" dirty="0"/>
-              <a:t>each time a </a:t>
-            </a:r>
-            <a:r>
-              <a:rPr lang="en-US" sz="2400" dirty="0" err="1"/>
-              <a:t>prefetch</a:t>
-            </a:r>
-            <a:r>
-              <a:rPr lang="en-US" sz="2400" dirty="0"/>
-              <a:t> is performed, evaluate how many times a view is </a:t>
-            </a:r>
-            <a:r>
-              <a:rPr lang="en-US" sz="2400" dirty="0" smtClean="0"/>
-              <a:t>invoked</a:t>
-            </a:r>
-            <a:endParaRPr lang="en-US" sz="2400" dirty="0"/>
-          </a:p>
-          <a:p>
-            <a:r>
-              <a:rPr lang="en-US" sz="2400" dirty="0" smtClean="0"/>
-              <a:t>Implemented </a:t>
-            </a:r>
-            <a:r>
-              <a:rPr lang="en-US" sz="2400" dirty="0"/>
-              <a:t>as a part of the package.</a:t>
-            </a:r>
-          </a:p>
-        </p:txBody>
-      </p:sp>
-    </p:spTree>
-    <p:extLst>
-      <p:ext uri="{BB962C8B-B14F-4D97-AF65-F5344CB8AC3E}">
-        <p14:creationId xmlns:p14="http://schemas.microsoft.com/office/powerpoint/2010/main" val="3008796874"/>
-      </p:ext>
-    </p:extLst>
-  </p:cSld>
-  <p:clrMapOvr>
-    <a:masterClrMapping/>
-  </p:clrMapOvr>
-  <p:timing>
-    <p:tnLst>
-      <p:par>
-        <p:cTn id="1" dur="indefinite" restart="never" nodeType="tmRoot"/>
-      </p:par>
-    </p:tnLst>
-  </p:timing>
 </p:sld>
 </file>
 
@@ -13935,7 +16436,15 @@
             <a:pPr algn="ctr"/>
             <a:r>
               <a:rPr lang="en-US" dirty="0"/>
-              <a:t>Approach &amp; Implementation</a:t>
+              <a:t>View </a:t>
+            </a:r>
+            <a:r>
+              <a:rPr lang="en-US" dirty="0" err="1"/>
+              <a:t>Prefetch</a:t>
+            </a:r>
+            <a:r>
+              <a:rPr lang="en-US" dirty="0"/>
+              <a:t> Correlation (VPC)</a:t>
             </a:r>
           </a:p>
         </p:txBody>
@@ -13952,27 +16461,42 @@
         </p:nvSpPr>
         <p:spPr>
           <a:xfrm>
-            <a:off x="2218267" y="1905000"/>
-            <a:ext cx="9286345" cy="4006222"/>
+            <a:off x="2589212" y="1429789"/>
+            <a:ext cx="8915400" cy="4481433"/>
           </a:xfrm>
         </p:spPr>
         <p:txBody>
           <a:bodyPr>
-            <a:noAutofit/>
+            <a:normAutofit/>
           </a:bodyPr>
           <a:lstStyle/>
           <a:p>
+            <a:endParaRPr lang="en-US" sz="2400" dirty="0"/>
+          </a:p>
+          <a:p>
             <a:r>
               <a:rPr lang="en-US" sz="2400" dirty="0"/>
-              <a:t>Implement a Simple POC Weather App</a:t>
-            </a:r>
-            <a:r>
-              <a:rPr lang="en-US" sz="2400" b="1" i="1" dirty="0"/>
-              <a:t>, </a:t>
-            </a:r>
+              <a:t>Key Limitation: General User Adaptability</a:t>
+            </a:r>
+          </a:p>
+          <a:p>
             <a:r>
               <a:rPr lang="en-US" sz="2400" dirty="0"/>
-              <a:t>with the </a:t>
+              <a:t>Proposed Solution: Perform Study of </a:t>
+            </a:r>
+            <a:r>
+              <a:rPr lang="en-US" sz="2400" dirty="0" err="1"/>
+              <a:t>Prefetch</a:t>
+            </a:r>
+            <a:r>
+              <a:rPr lang="en-US" sz="2400" dirty="0"/>
+              <a:t> Necessity using VPC</a:t>
+            </a:r>
+          </a:p>
+          <a:p>
+            <a:r>
+              <a:rPr lang="en-US" sz="2400" dirty="0"/>
+              <a:t>For each time a </a:t>
             </a:r>
             <a:r>
               <a:rPr lang="en-US" sz="2400" dirty="0" err="1"/>
@@ -13980,114 +16504,27 @@
             </a:r>
             <a:r>
               <a:rPr lang="en-US" sz="2400" dirty="0"/>
-              <a:t> pattern and 2 </a:t>
-            </a:r>
-            <a:r>
-              <a:rPr lang="en-US" sz="2400" dirty="0" smtClean="0"/>
-              <a:t>screens</a:t>
-            </a:r>
-            <a:endParaRPr lang="en-US" sz="2400" dirty="0"/>
-          </a:p>
-          <a:p>
-            <a:pPr lvl="1"/>
+              <a:t> is performed, evaluate how many times a view is invoked</a:t>
+            </a:r>
+          </a:p>
+          <a:p>
             <a:r>
               <a:rPr lang="en-US" sz="2400" dirty="0"/>
-              <a:t>First Screen – </a:t>
-            </a:r>
-            <a:r>
-              <a:rPr lang="en-US" sz="2400" dirty="0" err="1" smtClean="0"/>
-              <a:t>Prefetch</a:t>
-            </a:r>
-            <a:endParaRPr lang="en-US" sz="2400" dirty="0"/>
-          </a:p>
-          <a:p>
-            <a:pPr lvl="1"/>
-            <a:r>
-              <a:rPr lang="en-US" sz="2400" dirty="0"/>
-              <a:t>Second Screen – Use the </a:t>
-            </a:r>
-            <a:r>
-              <a:rPr lang="en-US" sz="2400" dirty="0" err="1"/>
-              <a:t>prefetch</a:t>
-            </a:r>
-            <a:r>
-              <a:rPr lang="en-US" sz="2400" dirty="0"/>
-              <a:t> </a:t>
-            </a:r>
-            <a:r>
-              <a:rPr lang="en-US" sz="2400" dirty="0" smtClean="0"/>
-              <a:t>data</a:t>
-            </a:r>
-            <a:endParaRPr lang="en-US" sz="2400" dirty="0"/>
-          </a:p>
-          <a:p>
-            <a:r>
-              <a:rPr lang="en-US" sz="2600" dirty="0" smtClean="0"/>
-              <a:t> Implement </a:t>
-            </a:r>
-            <a:r>
-              <a:rPr lang="en-US" sz="2600" dirty="0"/>
-              <a:t>Instrumentation and Procrastination tool for </a:t>
-            </a:r>
-            <a:r>
-              <a:rPr lang="en-US" sz="2600" dirty="0" smtClean="0"/>
-              <a:t>desktop</a:t>
-            </a:r>
-            <a:endParaRPr lang="en-US" sz="2600" dirty="0"/>
-          </a:p>
-          <a:p>
-            <a:r>
-              <a:rPr lang="en-US" sz="2400" dirty="0"/>
-              <a:t>Implement </a:t>
-            </a:r>
-            <a:r>
-              <a:rPr lang="en-US" sz="2400" dirty="0"/>
-              <a:t>Measurements Library </a:t>
-            </a:r>
-            <a:r>
-              <a:rPr lang="en-US" sz="2400" dirty="0"/>
-              <a:t>for data usage and VPC </a:t>
-            </a:r>
-            <a:r>
-              <a:rPr lang="en-US" sz="2400" dirty="0" smtClean="0"/>
-              <a:t>measurement</a:t>
-            </a:r>
-            <a:endParaRPr lang="en-US" sz="2400" dirty="0"/>
-          </a:p>
-          <a:p>
-            <a:r>
-              <a:rPr lang="en-US" sz="2400" dirty="0"/>
-              <a:t>Implement </a:t>
-            </a:r>
-            <a:r>
-              <a:rPr lang="en-US" sz="2400" dirty="0"/>
-              <a:t>Android Procrastination </a:t>
-            </a:r>
-            <a:r>
-              <a:rPr lang="en-US" sz="2400" dirty="0" smtClean="0"/>
-              <a:t>Library</a:t>
-            </a:r>
-            <a:endParaRPr lang="en-US" sz="2400" dirty="0"/>
+              <a:t>Implemented as a part of the package.</a:t>
+            </a:r>
           </a:p>
         </p:txBody>
       </p:sp>
     </p:spTree>
     <p:extLst>
       <p:ext uri="{BB962C8B-B14F-4D97-AF65-F5344CB8AC3E}">
-        <p14:creationId xmlns:p14="http://schemas.microsoft.com/office/powerpoint/2010/main" val="3154856639"/>
+        <p14:creationId xmlns:p14="http://schemas.microsoft.com/office/powerpoint/2010/main" val="3008796874"/>
       </p:ext>
     </p:extLst>
   </p:cSld>
   <p:clrMapOvr>
     <a:masterClrMapping/>
   </p:clrMapOvr>
-  <p:timing>
-    <p:tnLst>
-      <p:par>
-        <p:cTn id="1" dur="indefinite" restart="never" nodeType="tmRoot"/>
-      </p:par>
-    </p:tnLst>
-  </p:timing>
 </p:sld>
 </file>
 

--- a/Prefetch Procrastinator Final Presentation.pptx
+++ b/Prefetch Procrastinator Final Presentation.pptx
@@ -2926,12 +2926,20 @@
         <a:lstStyle/>
         <a:p>
           <a:r>
+            <a:rPr lang="en-US" sz="2000">
+              <a:solidFill>
+                <a:schemeClr val="tx1"/>
+              </a:solidFill>
+            </a:rPr>
+            <a:t>Procrastination </a:t>
+          </a:r>
+          <a:r>
             <a:rPr lang="en-US" sz="2000" dirty="0">
               <a:solidFill>
                 <a:schemeClr val="tx1"/>
               </a:solidFill>
             </a:rPr>
-            <a:t>Procrastinated Library</a:t>
+            <a:t>Library</a:t>
           </a:r>
         </a:p>
       </dgm:t>
@@ -3266,12 +3274,20 @@
             <a:buNone/>
           </a:pPr>
           <a:r>
+            <a:rPr lang="en-US" sz="2000" kern="1200">
+              <a:solidFill>
+                <a:schemeClr val="tx1"/>
+              </a:solidFill>
+            </a:rPr>
+            <a:t>Procrastination </a:t>
+          </a:r>
+          <a:r>
             <a:rPr lang="en-US" sz="2000" kern="1200" dirty="0">
               <a:solidFill>
                 <a:schemeClr val="tx1"/>
               </a:solidFill>
             </a:rPr>
-            <a:t>Procrastinated Library</a:t>
+            <a:t>Library</a:t>
           </a:r>
         </a:p>
       </dsp:txBody>
@@ -13794,6 +13810,11 @@
           </p:cNvGraphicFramePr>
           <p:nvPr>
             <p:ph idx="1"/>
+            <p:extLst>
+              <p:ext uri="{D42A27DB-BD31-4B8C-83A1-F6EECF244321}">
+                <p14:modId xmlns:p14="http://schemas.microsoft.com/office/powerpoint/2010/main" val="1388940441"/>
+              </p:ext>
+            </p:extLst>
           </p:nvPr>
         </p:nvGraphicFramePr>
         <p:xfrm>
